--- a/note/SSH-Hubbard-Note6.pptx
+++ b/note/SSH-Hubbard-Note6.pptx
@@ -264,7 +264,7 @@
           <a:p>
             <a:fld id="{7EC9D4B1-B320-B74E-A342-105CA0158066}" type="datetimeFigureOut">
               <a:rPr kumimoji="1" lang="zh-CN" altLang="en-US" smtClean="0"/>
-              <a:t>2021/11/1</a:t>
+              <a:t>2021/11/8</a:t>
             </a:fld>
             <a:endParaRPr kumimoji="1" lang="zh-CN" altLang="en-US"/>
           </a:p>
@@ -462,7 +462,7 @@
           <a:p>
             <a:fld id="{7EC9D4B1-B320-B74E-A342-105CA0158066}" type="datetimeFigureOut">
               <a:rPr kumimoji="1" lang="zh-CN" altLang="en-US" smtClean="0"/>
-              <a:t>2021/11/1</a:t>
+              <a:t>2021/11/8</a:t>
             </a:fld>
             <a:endParaRPr kumimoji="1" lang="zh-CN" altLang="en-US"/>
           </a:p>
@@ -670,7 +670,7 @@
           <a:p>
             <a:fld id="{7EC9D4B1-B320-B74E-A342-105CA0158066}" type="datetimeFigureOut">
               <a:rPr kumimoji="1" lang="zh-CN" altLang="en-US" smtClean="0"/>
-              <a:t>2021/11/1</a:t>
+              <a:t>2021/11/8</a:t>
             </a:fld>
             <a:endParaRPr kumimoji="1" lang="zh-CN" altLang="en-US"/>
           </a:p>
@@ -868,7 +868,7 @@
           <a:p>
             <a:fld id="{7EC9D4B1-B320-B74E-A342-105CA0158066}" type="datetimeFigureOut">
               <a:rPr kumimoji="1" lang="zh-CN" altLang="en-US" smtClean="0"/>
-              <a:t>2021/11/1</a:t>
+              <a:t>2021/11/8</a:t>
             </a:fld>
             <a:endParaRPr kumimoji="1" lang="zh-CN" altLang="en-US"/>
           </a:p>
@@ -1143,7 +1143,7 @@
           <a:p>
             <a:fld id="{7EC9D4B1-B320-B74E-A342-105CA0158066}" type="datetimeFigureOut">
               <a:rPr kumimoji="1" lang="zh-CN" altLang="en-US" smtClean="0"/>
-              <a:t>2021/11/1</a:t>
+              <a:t>2021/11/8</a:t>
             </a:fld>
             <a:endParaRPr kumimoji="1" lang="zh-CN" altLang="en-US"/>
           </a:p>
@@ -1408,7 +1408,7 @@
           <a:p>
             <a:fld id="{7EC9D4B1-B320-B74E-A342-105CA0158066}" type="datetimeFigureOut">
               <a:rPr kumimoji="1" lang="zh-CN" altLang="en-US" smtClean="0"/>
-              <a:t>2021/11/1</a:t>
+              <a:t>2021/11/8</a:t>
             </a:fld>
             <a:endParaRPr kumimoji="1" lang="zh-CN" altLang="en-US"/>
           </a:p>
@@ -1820,7 +1820,7 @@
           <a:p>
             <a:fld id="{7EC9D4B1-B320-B74E-A342-105CA0158066}" type="datetimeFigureOut">
               <a:rPr kumimoji="1" lang="zh-CN" altLang="en-US" smtClean="0"/>
-              <a:t>2021/11/1</a:t>
+              <a:t>2021/11/8</a:t>
             </a:fld>
             <a:endParaRPr kumimoji="1" lang="zh-CN" altLang="en-US"/>
           </a:p>
@@ -1961,7 +1961,7 @@
           <a:p>
             <a:fld id="{7EC9D4B1-B320-B74E-A342-105CA0158066}" type="datetimeFigureOut">
               <a:rPr kumimoji="1" lang="zh-CN" altLang="en-US" smtClean="0"/>
-              <a:t>2021/11/1</a:t>
+              <a:t>2021/11/8</a:t>
             </a:fld>
             <a:endParaRPr kumimoji="1" lang="zh-CN" altLang="en-US"/>
           </a:p>
@@ -2074,7 +2074,7 @@
           <a:p>
             <a:fld id="{7EC9D4B1-B320-B74E-A342-105CA0158066}" type="datetimeFigureOut">
               <a:rPr kumimoji="1" lang="zh-CN" altLang="en-US" smtClean="0"/>
-              <a:t>2021/11/1</a:t>
+              <a:t>2021/11/8</a:t>
             </a:fld>
             <a:endParaRPr kumimoji="1" lang="zh-CN" altLang="en-US"/>
           </a:p>
@@ -2385,7 +2385,7 @@
           <a:p>
             <a:fld id="{7EC9D4B1-B320-B74E-A342-105CA0158066}" type="datetimeFigureOut">
               <a:rPr kumimoji="1" lang="zh-CN" altLang="en-US" smtClean="0"/>
-              <a:t>2021/11/1</a:t>
+              <a:t>2021/11/8</a:t>
             </a:fld>
             <a:endParaRPr kumimoji="1" lang="zh-CN" altLang="en-US"/>
           </a:p>
@@ -2673,7 +2673,7 @@
           <a:p>
             <a:fld id="{7EC9D4B1-B320-B74E-A342-105CA0158066}" type="datetimeFigureOut">
               <a:rPr kumimoji="1" lang="zh-CN" altLang="en-US" smtClean="0"/>
-              <a:t>2021/11/1</a:t>
+              <a:t>2021/11/8</a:t>
             </a:fld>
             <a:endParaRPr kumimoji="1" lang="zh-CN" altLang="en-US"/>
           </a:p>
@@ -2914,7 +2914,7 @@
           <a:p>
             <a:fld id="{7EC9D4B1-B320-B74E-A342-105CA0158066}" type="datetimeFigureOut">
               <a:rPr kumimoji="1" lang="zh-CN" altLang="en-US" smtClean="0"/>
-              <a:t>2021/11/1</a:t>
+              <a:t>2021/11/8</a:t>
             </a:fld>
             <a:endParaRPr kumimoji="1" lang="zh-CN" altLang="en-US"/>
           </a:p>
@@ -5070,7 +5070,7 @@
 </file>
 
 <file path=ppt/slides/slide2.xml><?xml version="1.0" encoding="utf-8"?>
-<p:sld xmlns:a="http://schemas.openxmlformats.org/drawingml/2006/main" xmlns:r="http://schemas.openxmlformats.org/officeDocument/2006/relationships" xmlns:p="http://schemas.openxmlformats.org/presentationml/2006/main">
+<p:sld xmlns:a="http://schemas.openxmlformats.org/drawingml/2006/main" xmlns:r="http://schemas.openxmlformats.org/officeDocument/2006/relationships" xmlns:p="http://schemas.openxmlformats.org/presentationml/2006/main" show="0">
   <p:cSld>
     <p:spTree>
       <p:nvGrpSpPr>
@@ -5108,7 +5108,7 @@
         </p:blipFill>
         <p:spPr>
           <a:xfrm>
-            <a:off x="655825" y="1075764"/>
+            <a:off x="655825" y="1083448"/>
             <a:ext cx="6537215" cy="4360689"/>
           </a:xfrm>
           <a:prstGeom prst="rect">
@@ -5182,12 +5182,48 @@
           <a:chExt cx="0" cy="0"/>
         </a:xfrm>
       </p:grpSpPr>
+      <p:sp>
+        <p:nvSpPr>
+          <p:cNvPr id="6" name="文本框 5">
+            <a:extLst>
+              <a:ext uri="{FF2B5EF4-FFF2-40B4-BE49-F238E27FC236}">
+                <a16:creationId xmlns:a16="http://schemas.microsoft.com/office/drawing/2014/main" id="{C1AD14DD-DECA-E346-A09C-9B6A3BDE91F9}"/>
+              </a:ext>
+            </a:extLst>
+          </p:cNvPr>
+          <p:cNvSpPr txBox="1"/>
+          <p:nvPr/>
+        </p:nvSpPr>
+        <p:spPr>
+          <a:xfrm>
+            <a:off x="8097050" y="3115627"/>
+            <a:ext cx="1469572" cy="369332"/>
+          </a:xfrm>
+          <a:prstGeom prst="rect">
+            <a:avLst/>
+          </a:prstGeom>
+          <a:noFill/>
+        </p:spPr>
+        <p:txBody>
+          <a:bodyPr wrap="square">
+            <a:spAutoFit/>
+          </a:bodyPr>
+          <a:lstStyle/>
+          <a:p>
+            <a:r>
+              <a:rPr lang="en-US" altLang="zh-CN" dirty="0"/>
+              <a:t>Kc=0.30785</a:t>
+            </a:r>
+            <a:endParaRPr lang="zh-CN" altLang="en-US" dirty="0"/>
+          </a:p>
+        </p:txBody>
+      </p:sp>
       <p:pic>
         <p:nvPicPr>
-          <p:cNvPr id="4" name="图片 3">
-            <a:extLst>
-              <a:ext uri="{FF2B5EF4-FFF2-40B4-BE49-F238E27FC236}">
-                <a16:creationId xmlns:a16="http://schemas.microsoft.com/office/drawing/2014/main" id="{989B4B68-143D-3C45-9442-6AFCE0EA0E79}"/>
+          <p:cNvPr id="2" name="图片 1">
+            <a:extLst>
+              <a:ext uri="{FF2B5EF4-FFF2-40B4-BE49-F238E27FC236}">
+                <a16:creationId xmlns:a16="http://schemas.microsoft.com/office/drawing/2014/main" id="{E424637F-22C2-044F-AE7A-4853EE43CEEE}"/>
               </a:ext>
             </a:extLst>
           </p:cNvPr>
@@ -5204,49 +5240,14 @@
         </p:blipFill>
         <p:spPr>
           <a:xfrm>
-            <a:off x="877482" y="837560"/>
-            <a:ext cx="6707260" cy="4675734"/>
+            <a:off x="1202192" y="668511"/>
+            <a:ext cx="5392068" cy="4637314"/>
           </a:xfrm>
           <a:prstGeom prst="rect">
             <a:avLst/>
           </a:prstGeom>
         </p:spPr>
       </p:pic>
-      <p:sp>
-        <p:nvSpPr>
-          <p:cNvPr id="6" name="文本框 5">
-            <a:extLst>
-              <a:ext uri="{FF2B5EF4-FFF2-40B4-BE49-F238E27FC236}">
-                <a16:creationId xmlns:a16="http://schemas.microsoft.com/office/drawing/2014/main" id="{C1AD14DD-DECA-E346-A09C-9B6A3BDE91F9}"/>
-              </a:ext>
-            </a:extLst>
-          </p:cNvPr>
-          <p:cNvSpPr txBox="1"/>
-          <p:nvPr/>
-        </p:nvSpPr>
-        <p:spPr>
-          <a:xfrm>
-            <a:off x="8097050" y="3115627"/>
-            <a:ext cx="1469572" cy="369332"/>
-          </a:xfrm>
-          <a:prstGeom prst="rect">
-            <a:avLst/>
-          </a:prstGeom>
-          <a:noFill/>
-        </p:spPr>
-        <p:txBody>
-          <a:bodyPr wrap="square">
-            <a:spAutoFit/>
-          </a:bodyPr>
-          <a:lstStyle/>
-          <a:p>
-            <a:r>
-              <a:rPr lang="zh-CN" altLang="en-US" dirty="0"/>
-              <a:t>Kc=1.33382</a:t>
-            </a:r>
-          </a:p>
-        </p:txBody>
-      </p:sp>
     </p:spTree>
     <p:extLst>
       <p:ext uri="{BB962C8B-B14F-4D97-AF65-F5344CB8AC3E}">
@@ -5291,7 +5292,7 @@
         </p:nvSpPr>
         <p:spPr>
           <a:xfrm>
-            <a:off x="6001230" y="3311926"/>
+            <a:off x="6761950" y="3059668"/>
             <a:ext cx="3802315" cy="369332"/>
           </a:xfrm>
           <a:prstGeom prst="rect">
@@ -5310,17 +5311,28 @@
                 <a:latin typeface="Times New Roman" panose="02020603050405020304" pitchFamily="18" charset="0"/>
                 <a:cs typeface="Times New Roman" panose="02020603050405020304" pitchFamily="18" charset="0"/>
               </a:rPr>
-              <a:t>Ksc=2.01</a:t>
-            </a:r>
+              <a:t>Ksc=</a:t>
+            </a:r>
+            <a:r>
+              <a:rPr lang="en-US" altLang="zh-CN" dirty="0">
+                <a:latin typeface="Times New Roman" panose="02020603050405020304" pitchFamily="18" charset="0"/>
+                <a:cs typeface="Times New Roman" panose="02020603050405020304" pitchFamily="18" charset="0"/>
+              </a:rPr>
+              <a:t>4.43</a:t>
+            </a:r>
+            <a:endParaRPr lang="zh-CN" altLang="en-US" dirty="0">
+              <a:latin typeface="Times New Roman" panose="02020603050405020304" pitchFamily="18" charset="0"/>
+              <a:cs typeface="Times New Roman" panose="02020603050405020304" pitchFamily="18" charset="0"/>
+            </a:endParaRPr>
           </a:p>
         </p:txBody>
       </p:sp>
       <p:pic>
         <p:nvPicPr>
-          <p:cNvPr id="5" name="图片 4">
-            <a:extLst>
-              <a:ext uri="{FF2B5EF4-FFF2-40B4-BE49-F238E27FC236}">
-                <a16:creationId xmlns:a16="http://schemas.microsoft.com/office/drawing/2014/main" id="{094B5D0A-2A53-4F46-9FEA-A58F06652EA0}"/>
+          <p:cNvPr id="2" name="图片 1">
+            <a:extLst>
+              <a:ext uri="{FF2B5EF4-FFF2-40B4-BE49-F238E27FC236}">
+                <a16:creationId xmlns:a16="http://schemas.microsoft.com/office/drawing/2014/main" id="{A60B3D74-4561-2442-A220-4569ECDF8FBA}"/>
               </a:ext>
             </a:extLst>
           </p:cNvPr>
@@ -5337,8 +5349,8 @@
         </p:blipFill>
         <p:spPr>
           <a:xfrm>
-            <a:off x="469366" y="1698171"/>
-            <a:ext cx="5406438" cy="4164960"/>
+            <a:off x="820240" y="731282"/>
+            <a:ext cx="5507446" cy="4256154"/>
           </a:xfrm>
           <a:prstGeom prst="rect">
             <a:avLst/>
@@ -5359,7 +5371,7 @@
 </file>
 
 <file path=ppt/slides/slide5.xml><?xml version="1.0" encoding="utf-8"?>
-<p:sld xmlns:a="http://schemas.openxmlformats.org/drawingml/2006/main" xmlns:r="http://schemas.openxmlformats.org/officeDocument/2006/relationships" xmlns:p="http://schemas.openxmlformats.org/presentationml/2006/main">
+<p:sld xmlns:a="http://schemas.openxmlformats.org/drawingml/2006/main" xmlns:r="http://schemas.openxmlformats.org/officeDocument/2006/relationships" xmlns:p="http://schemas.openxmlformats.org/presentationml/2006/main" show="0">
   <p:cSld>
     <p:spTree>
       <p:nvGrpSpPr>
@@ -5524,7 +5536,7 @@
 </file>
 
 <file path=ppt/slides/slide6.xml><?xml version="1.0" encoding="utf-8"?>
-<p:sld xmlns:a="http://schemas.openxmlformats.org/drawingml/2006/main" xmlns:r="http://schemas.openxmlformats.org/officeDocument/2006/relationships" xmlns:p="http://schemas.openxmlformats.org/presentationml/2006/main">
+<p:sld xmlns:a="http://schemas.openxmlformats.org/drawingml/2006/main" xmlns:r="http://schemas.openxmlformats.org/officeDocument/2006/relationships" xmlns:p="http://schemas.openxmlformats.org/presentationml/2006/main" show="0">
   <p:cSld>
     <p:spTree>
       <p:nvGrpSpPr>

--- a/note/SSH-Hubbard-Note6.pptx
+++ b/note/SSH-Hubbard-Note6.pptx
@@ -264,7 +264,7 @@
           <a:p>
             <a:fld id="{7EC9D4B1-B320-B74E-A342-105CA0158066}" type="datetimeFigureOut">
               <a:rPr kumimoji="1" lang="zh-CN" altLang="en-US" smtClean="0"/>
-              <a:t>2021/11/8</a:t>
+              <a:t>2021/11/14</a:t>
             </a:fld>
             <a:endParaRPr kumimoji="1" lang="zh-CN" altLang="en-US"/>
           </a:p>
@@ -462,7 +462,7 @@
           <a:p>
             <a:fld id="{7EC9D4B1-B320-B74E-A342-105CA0158066}" type="datetimeFigureOut">
               <a:rPr kumimoji="1" lang="zh-CN" altLang="en-US" smtClean="0"/>
-              <a:t>2021/11/8</a:t>
+              <a:t>2021/11/14</a:t>
             </a:fld>
             <a:endParaRPr kumimoji="1" lang="zh-CN" altLang="en-US"/>
           </a:p>
@@ -670,7 +670,7 @@
           <a:p>
             <a:fld id="{7EC9D4B1-B320-B74E-A342-105CA0158066}" type="datetimeFigureOut">
               <a:rPr kumimoji="1" lang="zh-CN" altLang="en-US" smtClean="0"/>
-              <a:t>2021/11/8</a:t>
+              <a:t>2021/11/14</a:t>
             </a:fld>
             <a:endParaRPr kumimoji="1" lang="zh-CN" altLang="en-US"/>
           </a:p>
@@ -868,7 +868,7 @@
           <a:p>
             <a:fld id="{7EC9D4B1-B320-B74E-A342-105CA0158066}" type="datetimeFigureOut">
               <a:rPr kumimoji="1" lang="zh-CN" altLang="en-US" smtClean="0"/>
-              <a:t>2021/11/8</a:t>
+              <a:t>2021/11/14</a:t>
             </a:fld>
             <a:endParaRPr kumimoji="1" lang="zh-CN" altLang="en-US"/>
           </a:p>
@@ -1143,7 +1143,7 @@
           <a:p>
             <a:fld id="{7EC9D4B1-B320-B74E-A342-105CA0158066}" type="datetimeFigureOut">
               <a:rPr kumimoji="1" lang="zh-CN" altLang="en-US" smtClean="0"/>
-              <a:t>2021/11/8</a:t>
+              <a:t>2021/11/14</a:t>
             </a:fld>
             <a:endParaRPr kumimoji="1" lang="zh-CN" altLang="en-US"/>
           </a:p>
@@ -1408,7 +1408,7 @@
           <a:p>
             <a:fld id="{7EC9D4B1-B320-B74E-A342-105CA0158066}" type="datetimeFigureOut">
               <a:rPr kumimoji="1" lang="zh-CN" altLang="en-US" smtClean="0"/>
-              <a:t>2021/11/8</a:t>
+              <a:t>2021/11/14</a:t>
             </a:fld>
             <a:endParaRPr kumimoji="1" lang="zh-CN" altLang="en-US"/>
           </a:p>
@@ -1820,7 +1820,7 @@
           <a:p>
             <a:fld id="{7EC9D4B1-B320-B74E-A342-105CA0158066}" type="datetimeFigureOut">
               <a:rPr kumimoji="1" lang="zh-CN" altLang="en-US" smtClean="0"/>
-              <a:t>2021/11/8</a:t>
+              <a:t>2021/11/14</a:t>
             </a:fld>
             <a:endParaRPr kumimoji="1" lang="zh-CN" altLang="en-US"/>
           </a:p>
@@ -1961,7 +1961,7 @@
           <a:p>
             <a:fld id="{7EC9D4B1-B320-B74E-A342-105CA0158066}" type="datetimeFigureOut">
               <a:rPr kumimoji="1" lang="zh-CN" altLang="en-US" smtClean="0"/>
-              <a:t>2021/11/8</a:t>
+              <a:t>2021/11/14</a:t>
             </a:fld>
             <a:endParaRPr kumimoji="1" lang="zh-CN" altLang="en-US"/>
           </a:p>
@@ -2074,7 +2074,7 @@
           <a:p>
             <a:fld id="{7EC9D4B1-B320-B74E-A342-105CA0158066}" type="datetimeFigureOut">
               <a:rPr kumimoji="1" lang="zh-CN" altLang="en-US" smtClean="0"/>
-              <a:t>2021/11/8</a:t>
+              <a:t>2021/11/14</a:t>
             </a:fld>
             <a:endParaRPr kumimoji="1" lang="zh-CN" altLang="en-US"/>
           </a:p>
@@ -2385,7 +2385,7 @@
           <a:p>
             <a:fld id="{7EC9D4B1-B320-B74E-A342-105CA0158066}" type="datetimeFigureOut">
               <a:rPr kumimoji="1" lang="zh-CN" altLang="en-US" smtClean="0"/>
-              <a:t>2021/11/8</a:t>
+              <a:t>2021/11/14</a:t>
             </a:fld>
             <a:endParaRPr kumimoji="1" lang="zh-CN" altLang="en-US"/>
           </a:p>
@@ -2673,7 +2673,7 @@
           <a:p>
             <a:fld id="{7EC9D4B1-B320-B74E-A342-105CA0158066}" type="datetimeFigureOut">
               <a:rPr kumimoji="1" lang="zh-CN" altLang="en-US" smtClean="0"/>
-              <a:t>2021/11/8</a:t>
+              <a:t>2021/11/14</a:t>
             </a:fld>
             <a:endParaRPr kumimoji="1" lang="zh-CN" altLang="en-US"/>
           </a:p>
@@ -2914,7 +2914,7 @@
           <a:p>
             <a:fld id="{7EC9D4B1-B320-B74E-A342-105CA0158066}" type="datetimeFigureOut">
               <a:rPr kumimoji="1" lang="zh-CN" altLang="en-US" smtClean="0"/>
-              <a:t>2021/11/8</a:t>
+              <a:t>2021/11/14</a:t>
             </a:fld>
             <a:endParaRPr kumimoji="1" lang="zh-CN" altLang="en-US"/>
           </a:p>
@@ -5182,48 +5182,12 @@
           <a:chExt cx="0" cy="0"/>
         </a:xfrm>
       </p:grpSpPr>
-      <p:sp>
-        <p:nvSpPr>
-          <p:cNvPr id="6" name="文本框 5">
-            <a:extLst>
-              <a:ext uri="{FF2B5EF4-FFF2-40B4-BE49-F238E27FC236}">
-                <a16:creationId xmlns:a16="http://schemas.microsoft.com/office/drawing/2014/main" id="{C1AD14DD-DECA-E346-A09C-9B6A3BDE91F9}"/>
-              </a:ext>
-            </a:extLst>
-          </p:cNvPr>
-          <p:cNvSpPr txBox="1"/>
-          <p:nvPr/>
-        </p:nvSpPr>
-        <p:spPr>
-          <a:xfrm>
-            <a:off x="8097050" y="3115627"/>
-            <a:ext cx="1469572" cy="369332"/>
-          </a:xfrm>
-          <a:prstGeom prst="rect">
-            <a:avLst/>
-          </a:prstGeom>
-          <a:noFill/>
-        </p:spPr>
-        <p:txBody>
-          <a:bodyPr wrap="square">
-            <a:spAutoFit/>
-          </a:bodyPr>
-          <a:lstStyle/>
-          <a:p>
-            <a:r>
-              <a:rPr lang="en-US" altLang="zh-CN" dirty="0"/>
-              <a:t>Kc=0.30785</a:t>
-            </a:r>
-            <a:endParaRPr lang="zh-CN" altLang="en-US" dirty="0"/>
-          </a:p>
-        </p:txBody>
-      </p:sp>
       <p:pic>
         <p:nvPicPr>
-          <p:cNvPr id="2" name="图片 1">
-            <a:extLst>
-              <a:ext uri="{FF2B5EF4-FFF2-40B4-BE49-F238E27FC236}">
-                <a16:creationId xmlns:a16="http://schemas.microsoft.com/office/drawing/2014/main" id="{E424637F-22C2-044F-AE7A-4853EE43CEEE}"/>
+          <p:cNvPr id="3" name="图片 2">
+            <a:extLst>
+              <a:ext uri="{FF2B5EF4-FFF2-40B4-BE49-F238E27FC236}">
+                <a16:creationId xmlns:a16="http://schemas.microsoft.com/office/drawing/2014/main" id="{146C72CA-1D96-BB4F-BE6F-96FCEDB35464}"/>
               </a:ext>
             </a:extLst>
           </p:cNvPr>
@@ -5240,14 +5204,316 @@
         </p:blipFill>
         <p:spPr>
           <a:xfrm>
-            <a:off x="1202192" y="668511"/>
-            <a:ext cx="5392068" cy="4637314"/>
+            <a:off x="395249" y="516805"/>
+            <a:ext cx="5869800" cy="4521183"/>
           </a:xfrm>
           <a:prstGeom prst="rect">
             <a:avLst/>
           </a:prstGeom>
         </p:spPr>
       </p:pic>
+      <p:graphicFrame>
+        <p:nvGraphicFramePr>
+          <p:cNvPr id="5" name="表格 4">
+            <a:extLst>
+              <a:ext uri="{FF2B5EF4-FFF2-40B4-BE49-F238E27FC236}">
+                <a16:creationId xmlns:a16="http://schemas.microsoft.com/office/drawing/2014/main" id="{BD9E4129-F39E-4540-8591-8EF34B8B1673}"/>
+              </a:ext>
+            </a:extLst>
+          </p:cNvPr>
+          <p:cNvGraphicFramePr>
+            <a:graphicFrameLocks noGrp="1"/>
+          </p:cNvGraphicFramePr>
+          <p:nvPr>
+            <p:extLst>
+              <p:ext uri="{D42A27DB-BD31-4B8C-83A1-F6EECF244321}">
+                <p14:modId xmlns:p14="http://schemas.microsoft.com/office/powerpoint/2010/main" val="3585127721"/>
+              </p:ext>
+            </p:extLst>
+          </p:nvPr>
+        </p:nvGraphicFramePr>
+        <p:xfrm>
+          <a:off x="5666548" y="5837232"/>
+          <a:ext cx="6096000" cy="741680"/>
+        </p:xfrm>
+        <a:graphic>
+          <a:graphicData uri="http://schemas.openxmlformats.org/drawingml/2006/table">
+            <a:tbl>
+              <a:tblPr firstRow="1" bandRow="1">
+                <a:tableStyleId>{5C22544A-7EE6-4342-B048-85BDC9FD1C3A}</a:tableStyleId>
+              </a:tblPr>
+              <a:tblGrid>
+                <a:gridCol w="1016000">
+                  <a:extLst>
+                    <a:ext uri="{9D8B030D-6E8A-4147-A177-3AD203B41FA5}">
+                      <a16:colId xmlns:a16="http://schemas.microsoft.com/office/drawing/2014/main" val="2389338963"/>
+                    </a:ext>
+                  </a:extLst>
+                </a:gridCol>
+                <a:gridCol w="1016000">
+                  <a:extLst>
+                    <a:ext uri="{9D8B030D-6E8A-4147-A177-3AD203B41FA5}">
+                      <a16:colId xmlns:a16="http://schemas.microsoft.com/office/drawing/2014/main" val="1482990793"/>
+                    </a:ext>
+                  </a:extLst>
+                </a:gridCol>
+                <a:gridCol w="1016000">
+                  <a:extLst>
+                    <a:ext uri="{9D8B030D-6E8A-4147-A177-3AD203B41FA5}">
+                      <a16:colId xmlns:a16="http://schemas.microsoft.com/office/drawing/2014/main" val="2818294443"/>
+                    </a:ext>
+                  </a:extLst>
+                </a:gridCol>
+                <a:gridCol w="1016000">
+                  <a:extLst>
+                    <a:ext uri="{9D8B030D-6E8A-4147-A177-3AD203B41FA5}">
+                      <a16:colId xmlns:a16="http://schemas.microsoft.com/office/drawing/2014/main" val="2358132177"/>
+                    </a:ext>
+                  </a:extLst>
+                </a:gridCol>
+                <a:gridCol w="1016000">
+                  <a:extLst>
+                    <a:ext uri="{9D8B030D-6E8A-4147-A177-3AD203B41FA5}">
+                      <a16:colId xmlns:a16="http://schemas.microsoft.com/office/drawing/2014/main" val="2357405322"/>
+                    </a:ext>
+                  </a:extLst>
+                </a:gridCol>
+                <a:gridCol w="1016000">
+                  <a:extLst>
+                    <a:ext uri="{9D8B030D-6E8A-4147-A177-3AD203B41FA5}">
+                      <a16:colId xmlns:a16="http://schemas.microsoft.com/office/drawing/2014/main" val="1739885987"/>
+                    </a:ext>
+                  </a:extLst>
+                </a:gridCol>
+              </a:tblGrid>
+              <a:tr h="370840">
+                <a:tc>
+                  <a:txBody>
+                    <a:bodyPr/>
+                    <a:lstStyle/>
+                    <a:p>
+                      <a:r>
+                        <a:rPr lang="en-US" altLang="zh-CN" dirty="0"/>
+                        <a:t>Lx</a:t>
+                      </a:r>
+                      <a:endParaRPr lang="zh-CN" altLang="en-US" dirty="0"/>
+                    </a:p>
+                  </a:txBody>
+                  <a:tcPr/>
+                </a:tc>
+                <a:tc>
+                  <a:txBody>
+                    <a:bodyPr/>
+                    <a:lstStyle/>
+                    <a:p>
+                      <a:r>
+                        <a:rPr lang="en-US" altLang="zh-CN" dirty="0"/>
+                        <a:t>16</a:t>
+                      </a:r>
+                      <a:endParaRPr lang="zh-CN" altLang="en-US" dirty="0"/>
+                    </a:p>
+                  </a:txBody>
+                  <a:tcPr/>
+                </a:tc>
+                <a:tc>
+                  <a:txBody>
+                    <a:bodyPr/>
+                    <a:lstStyle/>
+                    <a:p>
+                      <a:r>
+                        <a:rPr lang="en-US" altLang="zh-CN" dirty="0"/>
+                        <a:t>24</a:t>
+                      </a:r>
+                      <a:endParaRPr lang="zh-CN" altLang="en-US" dirty="0"/>
+                    </a:p>
+                  </a:txBody>
+                  <a:tcPr/>
+                </a:tc>
+                <a:tc>
+                  <a:txBody>
+                    <a:bodyPr/>
+                    <a:lstStyle/>
+                    <a:p>
+                      <a:r>
+                        <a:rPr lang="en-US" altLang="zh-CN" dirty="0"/>
+                        <a:t>32</a:t>
+                      </a:r>
+                      <a:endParaRPr lang="zh-CN" altLang="en-US" dirty="0"/>
+                    </a:p>
+                  </a:txBody>
+                  <a:tcPr/>
+                </a:tc>
+                <a:tc>
+                  <a:txBody>
+                    <a:bodyPr/>
+                    <a:lstStyle/>
+                    <a:p>
+                      <a:r>
+                        <a:rPr lang="en-US" altLang="zh-CN" dirty="0"/>
+                        <a:t>40</a:t>
+                      </a:r>
+                      <a:endParaRPr lang="zh-CN" altLang="en-US" dirty="0"/>
+                    </a:p>
+                  </a:txBody>
+                  <a:tcPr/>
+                </a:tc>
+                <a:tc>
+                  <a:txBody>
+                    <a:bodyPr/>
+                    <a:lstStyle/>
+                    <a:p>
+                      <a:r>
+                        <a:rPr lang="en-US" altLang="zh-CN" dirty="0"/>
+                        <a:t>48</a:t>
+                      </a:r>
+                      <a:endParaRPr lang="zh-CN" altLang="en-US" dirty="0"/>
+                    </a:p>
+                  </a:txBody>
+                  <a:tcPr/>
+                </a:tc>
+                <a:extLst>
+                  <a:ext uri="{0D108BD9-81ED-4DB2-BD59-A6C34878D82A}">
+                    <a16:rowId xmlns:a16="http://schemas.microsoft.com/office/drawing/2014/main" val="161756523"/>
+                  </a:ext>
+                </a:extLst>
+              </a:tr>
+              <a:tr h="370840">
+                <a:tc>
+                  <a:txBody>
+                    <a:bodyPr/>
+                    <a:lstStyle/>
+                    <a:p>
+                      <a:r>
+                        <a:rPr lang="en-US" altLang="zh-CN" dirty="0"/>
+                        <a:t>D</a:t>
+                      </a:r>
+                      <a:endParaRPr lang="zh-CN" altLang="en-US" dirty="0"/>
+                    </a:p>
+                  </a:txBody>
+                  <a:tcPr/>
+                </a:tc>
+                <a:tc>
+                  <a:txBody>
+                    <a:bodyPr/>
+                    <a:lstStyle/>
+                    <a:p>
+                      <a:r>
+                        <a:rPr lang="en-US" altLang="zh-CN" dirty="0"/>
+                        <a:t>12000</a:t>
+                      </a:r>
+                      <a:endParaRPr lang="zh-CN" altLang="en-US" dirty="0"/>
+                    </a:p>
+                  </a:txBody>
+                  <a:tcPr/>
+                </a:tc>
+                <a:tc>
+                  <a:txBody>
+                    <a:bodyPr/>
+                    <a:lstStyle/>
+                    <a:p>
+                      <a:r>
+                        <a:rPr lang="en-US" altLang="zh-CN" dirty="0"/>
+                        <a:t>14000</a:t>
+                      </a:r>
+                      <a:endParaRPr lang="zh-CN" altLang="en-US" dirty="0"/>
+                    </a:p>
+                  </a:txBody>
+                  <a:tcPr/>
+                </a:tc>
+                <a:tc>
+                  <a:txBody>
+                    <a:bodyPr/>
+                    <a:lstStyle/>
+                    <a:p>
+                      <a:r>
+                        <a:rPr lang="en-US" altLang="zh-CN" dirty="0"/>
+                        <a:t>14000</a:t>
+                      </a:r>
+                      <a:endParaRPr lang="zh-CN" altLang="en-US" dirty="0"/>
+                    </a:p>
+                  </a:txBody>
+                  <a:tcPr/>
+                </a:tc>
+                <a:tc>
+                  <a:txBody>
+                    <a:bodyPr/>
+                    <a:lstStyle/>
+                    <a:p>
+                      <a:r>
+                        <a:rPr lang="en-US" altLang="zh-CN" dirty="0"/>
+                        <a:t>12000</a:t>
+                      </a:r>
+                      <a:endParaRPr lang="zh-CN" altLang="en-US" dirty="0"/>
+                    </a:p>
+                  </a:txBody>
+                  <a:tcPr/>
+                </a:tc>
+                <a:tc>
+                  <a:txBody>
+                    <a:bodyPr/>
+                    <a:lstStyle/>
+                    <a:p>
+                      <a:r>
+                        <a:rPr lang="en-US" altLang="zh-CN" dirty="0"/>
+                        <a:t>18000</a:t>
+                      </a:r>
+                      <a:endParaRPr lang="zh-CN" altLang="en-US" dirty="0"/>
+                    </a:p>
+                  </a:txBody>
+                  <a:tcPr/>
+                </a:tc>
+                <a:extLst>
+                  <a:ext uri="{0D108BD9-81ED-4DB2-BD59-A6C34878D82A}">
+                    <a16:rowId xmlns:a16="http://schemas.microsoft.com/office/drawing/2014/main" val="3374598932"/>
+                  </a:ext>
+                </a:extLst>
+              </a:tr>
+            </a:tbl>
+          </a:graphicData>
+        </a:graphic>
+      </p:graphicFrame>
+      <p:sp>
+        <p:nvSpPr>
+          <p:cNvPr id="7" name="标题 1">
+            <a:extLst>
+              <a:ext uri="{FF2B5EF4-FFF2-40B4-BE49-F238E27FC236}">
+                <a16:creationId xmlns:a16="http://schemas.microsoft.com/office/drawing/2014/main" id="{D8C80899-F24E-4840-BEEB-F6CE2223C366}"/>
+              </a:ext>
+            </a:extLst>
+          </p:cNvPr>
+          <p:cNvSpPr>
+            <a:spLocks noGrp="1"/>
+          </p:cNvSpPr>
+          <p:nvPr>
+            <p:ph type="title"/>
+          </p:nvPr>
+        </p:nvSpPr>
+        <p:spPr>
+          <a:xfrm>
+            <a:off x="6938682" y="5336696"/>
+            <a:ext cx="4725680" cy="387910"/>
+          </a:xfrm>
+        </p:spPr>
+        <p:txBody>
+          <a:bodyPr>
+            <a:normAutofit/>
+          </a:bodyPr>
+          <a:lstStyle/>
+          <a:p>
+            <a:r>
+              <a:rPr kumimoji="1" lang="en-US" altLang="zh-CN" sz="2000" dirty="0">
+                <a:latin typeface="Times New Roman" panose="02020603050405020304" pitchFamily="18" charset="0"/>
+                <a:cs typeface="Times New Roman" panose="02020603050405020304" pitchFamily="18" charset="0"/>
+              </a:rPr>
+              <a:t>Bond dimension up to now</a:t>
+            </a:r>
+            <a:endParaRPr kumimoji="1" lang="zh-CN" altLang="en-US" sz="2000" dirty="0">
+              <a:latin typeface="Times New Roman" panose="02020603050405020304" pitchFamily="18" charset="0"/>
+              <a:cs typeface="Times New Roman" panose="02020603050405020304" pitchFamily="18" charset="0"/>
+            </a:endParaRPr>
+          </a:p>
+        </p:txBody>
+      </p:sp>
     </p:spTree>
     <p:extLst>
       <p:ext uri="{BB962C8B-B14F-4D97-AF65-F5344CB8AC3E}">
@@ -5278,61 +5544,258 @@
           <a:chExt cx="0" cy="0"/>
         </a:xfrm>
       </p:grpSpPr>
-      <p:sp>
-        <p:nvSpPr>
-          <p:cNvPr id="4" name="文本框 3">
-            <a:extLst>
-              <a:ext uri="{FF2B5EF4-FFF2-40B4-BE49-F238E27FC236}">
-                <a16:creationId xmlns:a16="http://schemas.microsoft.com/office/drawing/2014/main" id="{712B0BB5-06FF-254C-8E5E-63FBF240B33C}"/>
-              </a:ext>
-            </a:extLst>
-          </p:cNvPr>
-          <p:cNvSpPr txBox="1"/>
-          <p:nvPr/>
-        </p:nvSpPr>
-        <p:spPr>
-          <a:xfrm>
-            <a:off x="6761950" y="3059668"/>
-            <a:ext cx="3802315" cy="369332"/>
-          </a:xfrm>
-          <a:prstGeom prst="rect">
-            <a:avLst/>
-          </a:prstGeom>
-          <a:noFill/>
-        </p:spPr>
-        <p:txBody>
-          <a:bodyPr wrap="square">
-            <a:spAutoFit/>
-          </a:bodyPr>
-          <a:lstStyle/>
-          <a:p>
-            <a:r>
-              <a:rPr lang="zh-CN" altLang="en-US" dirty="0">
-                <a:latin typeface="Times New Roman" panose="02020603050405020304" pitchFamily="18" charset="0"/>
-                <a:cs typeface="Times New Roman" panose="02020603050405020304" pitchFamily="18" charset="0"/>
-              </a:rPr>
-              <a:t>Ksc=</a:t>
-            </a:r>
-            <a:r>
-              <a:rPr lang="en-US" altLang="zh-CN" dirty="0">
-                <a:latin typeface="Times New Roman" panose="02020603050405020304" pitchFamily="18" charset="0"/>
-                <a:cs typeface="Times New Roman" panose="02020603050405020304" pitchFamily="18" charset="0"/>
-              </a:rPr>
-              <a:t>4.43</a:t>
-            </a:r>
-            <a:endParaRPr lang="zh-CN" altLang="en-US" dirty="0">
-              <a:latin typeface="Times New Roman" panose="02020603050405020304" pitchFamily="18" charset="0"/>
-              <a:cs typeface="Times New Roman" panose="02020603050405020304" pitchFamily="18" charset="0"/>
-            </a:endParaRPr>
-          </a:p>
-        </p:txBody>
-      </p:sp>
+      <mc:AlternateContent xmlns:mc="http://schemas.openxmlformats.org/markup-compatibility/2006">
+        <mc:Choice xmlns:a14="http://schemas.microsoft.com/office/drawing/2010/main" Requires="a14">
+          <p:sp>
+            <p:nvSpPr>
+              <p:cNvPr id="4" name="文本框 3">
+                <a:extLst>
+                  <a:ext uri="{FF2B5EF4-FFF2-40B4-BE49-F238E27FC236}">
+                    <a16:creationId xmlns:a16="http://schemas.microsoft.com/office/drawing/2014/main" id="{712B0BB5-06FF-254C-8E5E-63FBF240B33C}"/>
+                  </a:ext>
+                </a:extLst>
+              </p:cNvPr>
+              <p:cNvSpPr txBox="1"/>
+              <p:nvPr/>
+            </p:nvSpPr>
+            <p:spPr>
+              <a:xfrm>
+                <a:off x="6869526" y="2982828"/>
+                <a:ext cx="3802315" cy="2607252"/>
+              </a:xfrm>
+              <a:prstGeom prst="rect">
+                <a:avLst/>
+              </a:prstGeom>
+              <a:noFill/>
+            </p:spPr>
+            <p:txBody>
+              <a:bodyPr wrap="square">
+                <a:spAutoFit/>
+              </a:bodyPr>
+              <a:lstStyle/>
+              <a:p>
+                <a:r>
+                  <a:rPr lang="en-US" altLang="zh-CN" dirty="0">
+                    <a:latin typeface="Times New Roman" panose="02020603050405020304" pitchFamily="18" charset="0"/>
+                    <a:cs typeface="Times New Roman" panose="02020603050405020304" pitchFamily="18" charset="0"/>
+                  </a:rPr>
+                  <a:t>We choose the </a:t>
+                </a:r>
+                <a14:m>
+                  <m:oMath xmlns:m="http://schemas.openxmlformats.org/officeDocument/2006/math">
+                    <m:sSub>
+                      <m:sSubPr>
+                        <m:ctrlPr>
+                          <a:rPr lang="en-US" altLang="zh-CN" b="0" i="1" smtClean="0">
+                            <a:latin typeface="Cambria Math" panose="02040503050406030204" pitchFamily="18" charset="0"/>
+                            <a:cs typeface="Times New Roman" panose="02020603050405020304" pitchFamily="18" charset="0"/>
+                          </a:rPr>
+                        </m:ctrlPr>
+                      </m:sSubPr>
+                      <m:e>
+                        <m:r>
+                          <m:rPr>
+                            <m:sty m:val="p"/>
+                          </m:rPr>
+                          <a:rPr lang="en-US" altLang="zh-CN" b="0" i="0" smtClean="0">
+                            <a:latin typeface="Cambria Math" panose="02040503050406030204" pitchFamily="18" charset="0"/>
+                            <a:cs typeface="Times New Roman" panose="02020603050405020304" pitchFamily="18" charset="0"/>
+                          </a:rPr>
+                          <m:t>Φ</m:t>
+                        </m:r>
+                      </m:e>
+                      <m:sub>
+                        <m:r>
+                          <a:rPr lang="en-US" altLang="zh-CN" b="0" i="1" smtClean="0">
+                            <a:latin typeface="Cambria Math" panose="02040503050406030204" pitchFamily="18" charset="0"/>
+                            <a:cs typeface="Times New Roman" panose="02020603050405020304" pitchFamily="18" charset="0"/>
+                          </a:rPr>
+                          <m:t>𝑦𝑦</m:t>
+                        </m:r>
+                      </m:sub>
+                    </m:sSub>
+                    <m:r>
+                      <a:rPr lang="en-US" altLang="zh-CN" b="0" i="1" smtClean="0">
+                        <a:latin typeface="Cambria Math" panose="02040503050406030204" pitchFamily="18" charset="0"/>
+                        <a:cs typeface="Times New Roman" panose="02020603050405020304" pitchFamily="18" charset="0"/>
+                      </a:rPr>
+                      <m:t>(</m:t>
+                    </m:r>
+                    <m:r>
+                      <a:rPr lang="en-US" altLang="zh-CN" b="0" i="1" smtClean="0">
+                        <a:latin typeface="Cambria Math" panose="02040503050406030204" pitchFamily="18" charset="0"/>
+                        <a:cs typeface="Times New Roman" panose="02020603050405020304" pitchFamily="18" charset="0"/>
+                      </a:rPr>
+                      <m:t>𝑥</m:t>
+                    </m:r>
+                    <m:r>
+                      <a:rPr lang="en-US" altLang="zh-CN" b="0" i="1" smtClean="0">
+                        <a:latin typeface="Cambria Math" panose="02040503050406030204" pitchFamily="18" charset="0"/>
+                        <a:cs typeface="Times New Roman" panose="02020603050405020304" pitchFamily="18" charset="0"/>
+                      </a:rPr>
+                      <m:t>)</m:t>
+                    </m:r>
+                  </m:oMath>
+                </a14:m>
+                <a:r>
+                  <a:rPr lang="en-US" altLang="zh-CN" dirty="0">
+                    <a:latin typeface="Times New Roman" panose="02020603050405020304" pitchFamily="18" charset="0"/>
+                    <a:cs typeface="Times New Roman" panose="02020603050405020304" pitchFamily="18" charset="0"/>
+                  </a:rPr>
+                  <a:t> from Lx = 16, 24, 32, 48, with </a:t>
+                </a:r>
+                <a14:m>
+                  <m:oMath xmlns:m="http://schemas.openxmlformats.org/officeDocument/2006/math">
+                    <m:r>
+                      <a:rPr lang="en-US" altLang="zh-CN" b="0" i="1" smtClean="0">
+                        <a:latin typeface="Cambria Math" panose="02040503050406030204" pitchFamily="18" charset="0"/>
+                        <a:cs typeface="Times New Roman" panose="02020603050405020304" pitchFamily="18" charset="0"/>
+                      </a:rPr>
+                      <m:t>𝑥</m:t>
+                    </m:r>
+                    <m:r>
+                      <a:rPr lang="en-US" altLang="zh-CN" b="0" i="1" smtClean="0">
+                        <a:latin typeface="Cambria Math" panose="02040503050406030204" pitchFamily="18" charset="0"/>
+                        <a:cs typeface="Times New Roman" panose="02020603050405020304" pitchFamily="18" charset="0"/>
+                      </a:rPr>
+                      <m:t>=7, 9, 15, 23</m:t>
+                    </m:r>
+                  </m:oMath>
+                </a14:m>
+                <a:r>
+                  <a:rPr lang="en-US" altLang="zh-CN" dirty="0">
+                    <a:latin typeface="Times New Roman" panose="02020603050405020304" pitchFamily="18" charset="0"/>
+                    <a:cs typeface="Times New Roman" panose="02020603050405020304" pitchFamily="18" charset="0"/>
+                  </a:rPr>
+                  <a:t> respectively. </a:t>
+                </a:r>
+              </a:p>
+              <a:p>
+                <a:endParaRPr lang="en-US" altLang="zh-CN" dirty="0">
+                  <a:latin typeface="Times New Roman" panose="02020603050405020304" pitchFamily="18" charset="0"/>
+                  <a:cs typeface="Times New Roman" panose="02020603050405020304" pitchFamily="18" charset="0"/>
+                </a:endParaRPr>
+              </a:p>
+              <a:p>
+                <a:r>
+                  <a:rPr lang="en-US" altLang="zh-CN" dirty="0">
+                    <a:latin typeface="Times New Roman" panose="02020603050405020304" pitchFamily="18" charset="0"/>
+                    <a:cs typeface="Times New Roman" panose="02020603050405020304" pitchFamily="18" charset="0"/>
+                  </a:rPr>
+                  <a:t>If we suppose the data of </a:t>
+                </a:r>
+                <a14:m>
+                  <m:oMath xmlns:m="http://schemas.openxmlformats.org/officeDocument/2006/math">
+                    <m:r>
+                      <a:rPr lang="en-US" altLang="zh-CN" b="0" i="1" smtClean="0">
+                        <a:latin typeface="Cambria Math" panose="02040503050406030204" pitchFamily="18" charset="0"/>
+                        <a:cs typeface="Times New Roman" panose="02020603050405020304" pitchFamily="18" charset="0"/>
+                      </a:rPr>
+                      <m:t>𝑥</m:t>
+                    </m:r>
+                    <m:r>
+                      <a:rPr lang="en-US" altLang="zh-CN" b="0" i="1" smtClean="0">
+                        <a:latin typeface="Cambria Math" panose="02040503050406030204" pitchFamily="18" charset="0"/>
+                        <a:cs typeface="Times New Roman" panose="02020603050405020304" pitchFamily="18" charset="0"/>
+                      </a:rPr>
+                      <m:t>=23</m:t>
+                    </m:r>
+                  </m:oMath>
+                </a14:m>
+                <a:r>
+                  <a:rPr lang="en-US" altLang="zh-CN" dirty="0">
+                    <a:latin typeface="Times New Roman" panose="02020603050405020304" pitchFamily="18" charset="0"/>
+                    <a:cs typeface="Times New Roman" panose="02020603050405020304" pitchFamily="18" charset="0"/>
+                  </a:rPr>
+                  <a:t> is not accurate, and abandon it, we get the orange line with </a:t>
+                </a:r>
+                <a:r>
+                  <a:rPr lang="en-US" altLang="zh-CN" dirty="0" err="1">
+                    <a:latin typeface="Times New Roman" panose="02020603050405020304" pitchFamily="18" charset="0"/>
+                    <a:cs typeface="Times New Roman" panose="02020603050405020304" pitchFamily="18" charset="0"/>
+                  </a:rPr>
+                  <a:t>Ksc</a:t>
+                </a:r>
+                <a:r>
+                  <a:rPr lang="en-US" altLang="zh-CN" dirty="0">
+                    <a:latin typeface="Times New Roman" panose="02020603050405020304" pitchFamily="18" charset="0"/>
+                    <a:cs typeface="Times New Roman" panose="02020603050405020304" pitchFamily="18" charset="0"/>
+                  </a:rPr>
+                  <a:t> = 1.8261. Otherwise, the purple line with </a:t>
+                </a:r>
+                <a:r>
+                  <a:rPr lang="zh-CN" altLang="en-US" dirty="0">
+                    <a:latin typeface="Times New Roman" panose="02020603050405020304" pitchFamily="18" charset="0"/>
+                    <a:cs typeface="Times New Roman" panose="02020603050405020304" pitchFamily="18" charset="0"/>
+                  </a:rPr>
+                  <a:t>Ksc=</a:t>
+                </a:r>
+                <a:r>
+                  <a:rPr lang="en-US" altLang="zh-CN" dirty="0">
+                    <a:latin typeface="Times New Roman" panose="02020603050405020304" pitchFamily="18" charset="0"/>
+                    <a:cs typeface="Times New Roman" panose="02020603050405020304" pitchFamily="18" charset="0"/>
+                  </a:rPr>
+                  <a:t>2.63</a:t>
+                </a:r>
+                <a:endParaRPr lang="zh-CN" altLang="en-US" dirty="0">
+                  <a:latin typeface="Times New Roman" panose="02020603050405020304" pitchFamily="18" charset="0"/>
+                  <a:cs typeface="Times New Roman" panose="02020603050405020304" pitchFamily="18" charset="0"/>
+                </a:endParaRPr>
+              </a:p>
+            </p:txBody>
+          </p:sp>
+        </mc:Choice>
+        <mc:Fallback>
+          <p:sp>
+            <p:nvSpPr>
+              <p:cNvPr id="4" name="文本框 3">
+                <a:extLst>
+                  <a:ext uri="{FF2B5EF4-FFF2-40B4-BE49-F238E27FC236}">
+                    <a16:creationId xmlns:a16="http://schemas.microsoft.com/office/drawing/2014/main" id="{712B0BB5-06FF-254C-8E5E-63FBF240B33C}"/>
+                  </a:ext>
+                </a:extLst>
+              </p:cNvPr>
+              <p:cNvSpPr txBox="1">
+                <a:spLocks noRot="1" noChangeAspect="1" noMove="1" noResize="1" noEditPoints="1" noAdjustHandles="1" noChangeArrowheads="1" noChangeShapeType="1" noTextEdit="1"/>
+              </p:cNvSpPr>
+              <p:nvPr/>
+            </p:nvSpPr>
+            <p:spPr>
+              <a:xfrm>
+                <a:off x="6869526" y="2982828"/>
+                <a:ext cx="3802315" cy="2607252"/>
+              </a:xfrm>
+              <a:prstGeom prst="rect">
+                <a:avLst/>
+              </a:prstGeom>
+              <a:blipFill>
+                <a:blip r:embed="rId2"/>
+                <a:stretch>
+                  <a:fillRect l="-1329" t="-966" r="-1993" b="-2415"/>
+                </a:stretch>
+              </a:blipFill>
+            </p:spPr>
+            <p:txBody>
+              <a:bodyPr/>
+              <a:lstStyle/>
+              <a:p>
+                <a:r>
+                  <a:rPr lang="zh-CN" altLang="en-US">
+                    <a:noFill/>
+                  </a:rPr>
+                  <a:t> </a:t>
+                </a:r>
+              </a:p>
+            </p:txBody>
+          </p:sp>
+        </mc:Fallback>
+      </mc:AlternateContent>
       <p:pic>
         <p:nvPicPr>
-          <p:cNvPr id="2" name="图片 1">
-            <a:extLst>
-              <a:ext uri="{FF2B5EF4-FFF2-40B4-BE49-F238E27FC236}">
-                <a16:creationId xmlns:a16="http://schemas.microsoft.com/office/drawing/2014/main" id="{A60B3D74-4561-2442-A220-4569ECDF8FBA}"/>
+          <p:cNvPr id="5" name="图片 4">
+            <a:extLst>
+              <a:ext uri="{FF2B5EF4-FFF2-40B4-BE49-F238E27FC236}">
+                <a16:creationId xmlns:a16="http://schemas.microsoft.com/office/drawing/2014/main" id="{9F3AB8EB-7DC6-534D-BF88-7F5C812BC4BC}"/>
               </a:ext>
             </a:extLst>
           </p:cNvPr>
@@ -5342,15 +5805,15 @@
           <p:nvPr/>
         </p:nvPicPr>
         <p:blipFill>
-          <a:blip r:embed="rId2"/>
+          <a:blip r:embed="rId3"/>
           <a:stretch>
             <a:fillRect/>
           </a:stretch>
         </p:blipFill>
         <p:spPr>
           <a:xfrm>
-            <a:off x="820240" y="731282"/>
-            <a:ext cx="5507446" cy="4256154"/>
+            <a:off x="681992" y="1536752"/>
+            <a:ext cx="5246199" cy="4053328"/>
           </a:xfrm>
           <a:prstGeom prst="rect">
             <a:avLst/>

--- a/note/SSH-Hubbard-Note6.pptx
+++ b/note/SSH-Hubbard-Note6.pptx
@@ -4,13 +4,17 @@
   <p:sldMasterIdLst>
     <p:sldMasterId id="2147483648" r:id="rId1"/>
   </p:sldMasterIdLst>
+  <p:notesMasterIdLst>
+    <p:notesMasterId r:id="rId9"/>
+  </p:notesMasterIdLst>
   <p:sldIdLst>
     <p:sldId id="257" r:id="rId2"/>
     <p:sldId id="261" r:id="rId3"/>
-    <p:sldId id="262" r:id="rId4"/>
-    <p:sldId id="260" r:id="rId5"/>
-    <p:sldId id="258" r:id="rId6"/>
-    <p:sldId id="259" r:id="rId7"/>
+    <p:sldId id="263" r:id="rId4"/>
+    <p:sldId id="262" r:id="rId5"/>
+    <p:sldId id="260" r:id="rId6"/>
+    <p:sldId id="258" r:id="rId7"/>
+    <p:sldId id="259" r:id="rId8"/>
   </p:sldIdLst>
   <p:sldSz cx="12192000" cy="6858000"/>
   <p:notesSz cx="6858000" cy="9144000"/>
@@ -117,6 +121,439 @@
 </p:presentation>
 </file>
 
+<file path=ppt/notesMasters/notesMaster1.xml><?xml version="1.0" encoding="utf-8"?>
+<p:notesMaster xmlns:a="http://schemas.openxmlformats.org/drawingml/2006/main" xmlns:r="http://schemas.openxmlformats.org/officeDocument/2006/relationships" xmlns:p="http://schemas.openxmlformats.org/presentationml/2006/main">
+  <p:cSld>
+    <p:bg>
+      <p:bgRef idx="1001">
+        <a:schemeClr val="bg1"/>
+      </p:bgRef>
+    </p:bg>
+    <p:spTree>
+      <p:nvGrpSpPr>
+        <p:cNvPr id="1" name=""/>
+        <p:cNvGrpSpPr/>
+        <p:nvPr/>
+      </p:nvGrpSpPr>
+      <p:grpSpPr>
+        <a:xfrm>
+          <a:off x="0" y="0"/>
+          <a:ext cx="0" cy="0"/>
+          <a:chOff x="0" y="0"/>
+          <a:chExt cx="0" cy="0"/>
+        </a:xfrm>
+      </p:grpSpPr>
+      <p:sp>
+        <p:nvSpPr>
+          <p:cNvPr id="2" name="页眉占位符 1"/>
+          <p:cNvSpPr>
+            <a:spLocks noGrp="1"/>
+          </p:cNvSpPr>
+          <p:nvPr>
+            <p:ph type="hdr" sz="quarter"/>
+          </p:nvPr>
+        </p:nvSpPr>
+        <p:spPr>
+          <a:xfrm>
+            <a:off x="0" y="0"/>
+            <a:ext cx="2971800" cy="458788"/>
+          </a:xfrm>
+          <a:prstGeom prst="rect">
+            <a:avLst/>
+          </a:prstGeom>
+        </p:spPr>
+        <p:txBody>
+          <a:bodyPr vert="horz" lIns="91440" tIns="45720" rIns="91440" bIns="45720" rtlCol="0"/>
+          <a:lstStyle>
+            <a:lvl1pPr algn="l">
+              <a:defRPr sz="1200"/>
+            </a:lvl1pPr>
+          </a:lstStyle>
+          <a:p>
+            <a:endParaRPr kumimoji="1" lang="zh-CN" altLang="en-US"/>
+          </a:p>
+        </p:txBody>
+      </p:sp>
+      <p:sp>
+        <p:nvSpPr>
+          <p:cNvPr id="3" name="日期占位符 2"/>
+          <p:cNvSpPr>
+            <a:spLocks noGrp="1"/>
+          </p:cNvSpPr>
+          <p:nvPr>
+            <p:ph type="dt" idx="1"/>
+          </p:nvPr>
+        </p:nvSpPr>
+        <p:spPr>
+          <a:xfrm>
+            <a:off x="3884613" y="0"/>
+            <a:ext cx="2971800" cy="458788"/>
+          </a:xfrm>
+          <a:prstGeom prst="rect">
+            <a:avLst/>
+          </a:prstGeom>
+        </p:spPr>
+        <p:txBody>
+          <a:bodyPr vert="horz" lIns="91440" tIns="45720" rIns="91440" bIns="45720" rtlCol="0"/>
+          <a:lstStyle>
+            <a:lvl1pPr algn="r">
+              <a:defRPr sz="1200"/>
+            </a:lvl1pPr>
+          </a:lstStyle>
+          <a:p>
+            <a:fld id="{F66D3945-E88B-024D-B052-6EEDA3375027}" type="datetimeFigureOut">
+              <a:rPr kumimoji="1" lang="zh-CN" altLang="en-US" smtClean="0"/>
+              <a:t>2021/11/18</a:t>
+            </a:fld>
+            <a:endParaRPr kumimoji="1" lang="zh-CN" altLang="en-US"/>
+          </a:p>
+        </p:txBody>
+      </p:sp>
+      <p:sp>
+        <p:nvSpPr>
+          <p:cNvPr id="4" name="幻灯片图像占位符 3"/>
+          <p:cNvSpPr>
+            <a:spLocks noGrp="1" noRot="1" noChangeAspect="1"/>
+          </p:cNvSpPr>
+          <p:nvPr>
+            <p:ph type="sldImg" idx="2"/>
+          </p:nvPr>
+        </p:nvSpPr>
+        <p:spPr>
+          <a:xfrm>
+            <a:off x="685800" y="1143000"/>
+            <a:ext cx="5486400" cy="3086100"/>
+          </a:xfrm>
+          <a:prstGeom prst="rect">
+            <a:avLst/>
+          </a:prstGeom>
+          <a:noFill/>
+          <a:ln w="12700">
+            <a:solidFill>
+              <a:prstClr val="black"/>
+            </a:solidFill>
+          </a:ln>
+        </p:spPr>
+        <p:txBody>
+          <a:bodyPr vert="horz" lIns="91440" tIns="45720" rIns="91440" bIns="45720" rtlCol="0" anchor="ctr"/>
+          <a:lstStyle/>
+          <a:p>
+            <a:endParaRPr lang="zh-CN" altLang="en-US"/>
+          </a:p>
+        </p:txBody>
+      </p:sp>
+      <p:sp>
+        <p:nvSpPr>
+          <p:cNvPr id="5" name="备注占位符 4"/>
+          <p:cNvSpPr>
+            <a:spLocks noGrp="1"/>
+          </p:cNvSpPr>
+          <p:nvPr>
+            <p:ph type="body" sz="quarter" idx="3"/>
+          </p:nvPr>
+        </p:nvSpPr>
+        <p:spPr>
+          <a:xfrm>
+            <a:off x="685800" y="4400550"/>
+            <a:ext cx="5486400" cy="3600450"/>
+          </a:xfrm>
+          <a:prstGeom prst="rect">
+            <a:avLst/>
+          </a:prstGeom>
+        </p:spPr>
+        <p:txBody>
+          <a:bodyPr vert="horz" lIns="91440" tIns="45720" rIns="91440" bIns="45720" rtlCol="0"/>
+          <a:lstStyle/>
+          <a:p>
+            <a:pPr lvl="0"/>
+            <a:r>
+              <a:rPr kumimoji="1" lang="zh-CN" altLang="en-US"/>
+              <a:t>单击此处编辑母版文本样式</a:t>
+            </a:r>
+          </a:p>
+          <a:p>
+            <a:pPr lvl="1"/>
+            <a:r>
+              <a:rPr kumimoji="1" lang="zh-CN" altLang="en-US"/>
+              <a:t>二级</a:t>
+            </a:r>
+          </a:p>
+          <a:p>
+            <a:pPr lvl="2"/>
+            <a:r>
+              <a:rPr kumimoji="1" lang="zh-CN" altLang="en-US"/>
+              <a:t>三级</a:t>
+            </a:r>
+          </a:p>
+          <a:p>
+            <a:pPr lvl="3"/>
+            <a:r>
+              <a:rPr kumimoji="1" lang="zh-CN" altLang="en-US"/>
+              <a:t>四级</a:t>
+            </a:r>
+          </a:p>
+          <a:p>
+            <a:pPr lvl="4"/>
+            <a:r>
+              <a:rPr kumimoji="1" lang="zh-CN" altLang="en-US"/>
+              <a:t>五级</a:t>
+            </a:r>
+          </a:p>
+        </p:txBody>
+      </p:sp>
+      <p:sp>
+        <p:nvSpPr>
+          <p:cNvPr id="6" name="页脚占位符 5"/>
+          <p:cNvSpPr>
+            <a:spLocks noGrp="1"/>
+          </p:cNvSpPr>
+          <p:nvPr>
+            <p:ph type="ftr" sz="quarter" idx="4"/>
+          </p:nvPr>
+        </p:nvSpPr>
+        <p:spPr>
+          <a:xfrm>
+            <a:off x="0" y="8685213"/>
+            <a:ext cx="2971800" cy="458787"/>
+          </a:xfrm>
+          <a:prstGeom prst="rect">
+            <a:avLst/>
+          </a:prstGeom>
+        </p:spPr>
+        <p:txBody>
+          <a:bodyPr vert="horz" lIns="91440" tIns="45720" rIns="91440" bIns="45720" rtlCol="0" anchor="b"/>
+          <a:lstStyle>
+            <a:lvl1pPr algn="l">
+              <a:defRPr sz="1200"/>
+            </a:lvl1pPr>
+          </a:lstStyle>
+          <a:p>
+            <a:endParaRPr kumimoji="1" lang="zh-CN" altLang="en-US"/>
+          </a:p>
+        </p:txBody>
+      </p:sp>
+      <p:sp>
+        <p:nvSpPr>
+          <p:cNvPr id="7" name="灯片编号占位符 6"/>
+          <p:cNvSpPr>
+            <a:spLocks noGrp="1"/>
+          </p:cNvSpPr>
+          <p:nvPr>
+            <p:ph type="sldNum" sz="quarter" idx="5"/>
+          </p:nvPr>
+        </p:nvSpPr>
+        <p:spPr>
+          <a:xfrm>
+            <a:off x="3884613" y="8685213"/>
+            <a:ext cx="2971800" cy="458787"/>
+          </a:xfrm>
+          <a:prstGeom prst="rect">
+            <a:avLst/>
+          </a:prstGeom>
+        </p:spPr>
+        <p:txBody>
+          <a:bodyPr vert="horz" lIns="91440" tIns="45720" rIns="91440" bIns="45720" rtlCol="0" anchor="b"/>
+          <a:lstStyle>
+            <a:lvl1pPr algn="r">
+              <a:defRPr sz="1200"/>
+            </a:lvl1pPr>
+          </a:lstStyle>
+          <a:p>
+            <a:fld id="{3AFE1981-4DD2-264A-BF2C-1D36B0D30F3E}" type="slidenum">
+              <a:rPr kumimoji="1" lang="zh-CN" altLang="en-US" smtClean="0"/>
+              <a:t>‹#›</a:t>
+            </a:fld>
+            <a:endParaRPr kumimoji="1" lang="zh-CN" altLang="en-US"/>
+          </a:p>
+        </p:txBody>
+      </p:sp>
+    </p:spTree>
+    <p:extLst>
+      <p:ext uri="{BB962C8B-B14F-4D97-AF65-F5344CB8AC3E}">
+        <p14:creationId xmlns:p14="http://schemas.microsoft.com/office/powerpoint/2010/main" val="3100250545"/>
+      </p:ext>
+    </p:extLst>
+  </p:cSld>
+  <p:clrMap bg1="lt1" tx1="dk1" bg2="lt2" tx2="dk2" accent1="accent1" accent2="accent2" accent3="accent3" accent4="accent4" accent5="accent5" accent6="accent6" hlink="hlink" folHlink="folHlink"/>
+  <p:notesStyle>
+    <a:lvl1pPr marL="0" algn="l" defTabSz="914400" rtl="0" eaLnBrk="1" latinLnBrk="0" hangingPunct="1">
+      <a:defRPr sz="1200" kern="1200">
+        <a:solidFill>
+          <a:schemeClr val="tx1"/>
+        </a:solidFill>
+        <a:latin typeface="+mn-lt"/>
+        <a:ea typeface="+mn-ea"/>
+        <a:cs typeface="+mn-cs"/>
+      </a:defRPr>
+    </a:lvl1pPr>
+    <a:lvl2pPr marL="457200" algn="l" defTabSz="914400" rtl="0" eaLnBrk="1" latinLnBrk="0" hangingPunct="1">
+      <a:defRPr sz="1200" kern="1200">
+        <a:solidFill>
+          <a:schemeClr val="tx1"/>
+        </a:solidFill>
+        <a:latin typeface="+mn-lt"/>
+        <a:ea typeface="+mn-ea"/>
+        <a:cs typeface="+mn-cs"/>
+      </a:defRPr>
+    </a:lvl2pPr>
+    <a:lvl3pPr marL="914400" algn="l" defTabSz="914400" rtl="0" eaLnBrk="1" latinLnBrk="0" hangingPunct="1">
+      <a:defRPr sz="1200" kern="1200">
+        <a:solidFill>
+          <a:schemeClr val="tx1"/>
+        </a:solidFill>
+        <a:latin typeface="+mn-lt"/>
+        <a:ea typeface="+mn-ea"/>
+        <a:cs typeface="+mn-cs"/>
+      </a:defRPr>
+    </a:lvl3pPr>
+    <a:lvl4pPr marL="1371600" algn="l" defTabSz="914400" rtl="0" eaLnBrk="1" latinLnBrk="0" hangingPunct="1">
+      <a:defRPr sz="1200" kern="1200">
+        <a:solidFill>
+          <a:schemeClr val="tx1"/>
+        </a:solidFill>
+        <a:latin typeface="+mn-lt"/>
+        <a:ea typeface="+mn-ea"/>
+        <a:cs typeface="+mn-cs"/>
+      </a:defRPr>
+    </a:lvl4pPr>
+    <a:lvl5pPr marL="1828800" algn="l" defTabSz="914400" rtl="0" eaLnBrk="1" latinLnBrk="0" hangingPunct="1">
+      <a:defRPr sz="1200" kern="1200">
+        <a:solidFill>
+          <a:schemeClr val="tx1"/>
+        </a:solidFill>
+        <a:latin typeface="+mn-lt"/>
+        <a:ea typeface="+mn-ea"/>
+        <a:cs typeface="+mn-cs"/>
+      </a:defRPr>
+    </a:lvl5pPr>
+    <a:lvl6pPr marL="2286000" algn="l" defTabSz="914400" rtl="0" eaLnBrk="1" latinLnBrk="0" hangingPunct="1">
+      <a:defRPr sz="1200" kern="1200">
+        <a:solidFill>
+          <a:schemeClr val="tx1"/>
+        </a:solidFill>
+        <a:latin typeface="+mn-lt"/>
+        <a:ea typeface="+mn-ea"/>
+        <a:cs typeface="+mn-cs"/>
+      </a:defRPr>
+    </a:lvl6pPr>
+    <a:lvl7pPr marL="2743200" algn="l" defTabSz="914400" rtl="0" eaLnBrk="1" latinLnBrk="0" hangingPunct="1">
+      <a:defRPr sz="1200" kern="1200">
+        <a:solidFill>
+          <a:schemeClr val="tx1"/>
+        </a:solidFill>
+        <a:latin typeface="+mn-lt"/>
+        <a:ea typeface="+mn-ea"/>
+        <a:cs typeface="+mn-cs"/>
+      </a:defRPr>
+    </a:lvl7pPr>
+    <a:lvl8pPr marL="3200400" algn="l" defTabSz="914400" rtl="0" eaLnBrk="1" latinLnBrk="0" hangingPunct="1">
+      <a:defRPr sz="1200" kern="1200">
+        <a:solidFill>
+          <a:schemeClr val="tx1"/>
+        </a:solidFill>
+        <a:latin typeface="+mn-lt"/>
+        <a:ea typeface="+mn-ea"/>
+        <a:cs typeface="+mn-cs"/>
+      </a:defRPr>
+    </a:lvl8pPr>
+    <a:lvl9pPr marL="3657600" algn="l" defTabSz="914400" rtl="0" eaLnBrk="1" latinLnBrk="0" hangingPunct="1">
+      <a:defRPr sz="1200" kern="1200">
+        <a:solidFill>
+          <a:schemeClr val="tx1"/>
+        </a:solidFill>
+        <a:latin typeface="+mn-lt"/>
+        <a:ea typeface="+mn-ea"/>
+        <a:cs typeface="+mn-cs"/>
+      </a:defRPr>
+    </a:lvl9pPr>
+  </p:notesStyle>
+</p:notesMaster>
+</file>
+
+<file path=ppt/notesSlides/notesSlide1.xml><?xml version="1.0" encoding="utf-8"?>
+<p:notes xmlns:a="http://schemas.openxmlformats.org/drawingml/2006/main" xmlns:r="http://schemas.openxmlformats.org/officeDocument/2006/relationships" xmlns:p="http://schemas.openxmlformats.org/presentationml/2006/main">
+  <p:cSld>
+    <p:spTree>
+      <p:nvGrpSpPr>
+        <p:cNvPr id="1" name=""/>
+        <p:cNvGrpSpPr/>
+        <p:nvPr/>
+      </p:nvGrpSpPr>
+      <p:grpSpPr>
+        <a:xfrm>
+          <a:off x="0" y="0"/>
+          <a:ext cx="0" cy="0"/>
+          <a:chOff x="0" y="0"/>
+          <a:chExt cx="0" cy="0"/>
+        </a:xfrm>
+      </p:grpSpPr>
+      <p:sp>
+        <p:nvSpPr>
+          <p:cNvPr id="2" name="幻灯片图像占位符 1"/>
+          <p:cNvSpPr>
+            <a:spLocks noGrp="1" noRot="1" noChangeAspect="1"/>
+          </p:cNvSpPr>
+          <p:nvPr>
+            <p:ph type="sldImg"/>
+          </p:nvPr>
+        </p:nvSpPr>
+        <p:spPr/>
+      </p:sp>
+      <p:sp>
+        <p:nvSpPr>
+          <p:cNvPr id="3" name="备注占位符 2"/>
+          <p:cNvSpPr>
+            <a:spLocks noGrp="1"/>
+          </p:cNvSpPr>
+          <p:nvPr>
+            <p:ph type="body" idx="1"/>
+          </p:nvPr>
+        </p:nvSpPr>
+        <p:spPr/>
+        <p:txBody>
+          <a:bodyPr/>
+          <a:lstStyle/>
+          <a:p>
+            <a:endParaRPr kumimoji="1" lang="zh-CN" altLang="en-US" dirty="0"/>
+          </a:p>
+        </p:txBody>
+      </p:sp>
+      <p:sp>
+        <p:nvSpPr>
+          <p:cNvPr id="4" name="灯片编号占位符 3"/>
+          <p:cNvSpPr>
+            <a:spLocks noGrp="1"/>
+          </p:cNvSpPr>
+          <p:nvPr>
+            <p:ph type="sldNum" sz="quarter" idx="5"/>
+          </p:nvPr>
+        </p:nvSpPr>
+        <p:spPr/>
+        <p:txBody>
+          <a:bodyPr/>
+          <a:lstStyle/>
+          <a:p>
+            <a:fld id="{3AFE1981-4DD2-264A-BF2C-1D36B0D30F3E}" type="slidenum">
+              <a:rPr kumimoji="1" lang="zh-CN" altLang="en-US" smtClean="0"/>
+              <a:t>3</a:t>
+            </a:fld>
+            <a:endParaRPr kumimoji="1" lang="zh-CN" altLang="en-US"/>
+          </a:p>
+        </p:txBody>
+      </p:sp>
+    </p:spTree>
+    <p:extLst>
+      <p:ext uri="{BB962C8B-B14F-4D97-AF65-F5344CB8AC3E}">
+        <p14:creationId xmlns:p14="http://schemas.microsoft.com/office/powerpoint/2010/main" val="1841990944"/>
+      </p:ext>
+    </p:extLst>
+  </p:cSld>
+  <p:clrMapOvr>
+    <a:masterClrMapping/>
+  </p:clrMapOvr>
+</p:notes>
+</file>
+
 <file path=ppt/slideLayouts/slideLayout1.xml><?xml version="1.0" encoding="utf-8"?>
 <p:sldLayout xmlns:a="http://schemas.openxmlformats.org/drawingml/2006/main" xmlns:r="http://schemas.openxmlformats.org/officeDocument/2006/relationships" xmlns:p="http://schemas.openxmlformats.org/presentationml/2006/main" type="title" preserve="1">
   <p:cSld name="标题幻灯片">
@@ -264,7 +701,7 @@
           <a:p>
             <a:fld id="{7EC9D4B1-B320-B74E-A342-105CA0158066}" type="datetimeFigureOut">
               <a:rPr kumimoji="1" lang="zh-CN" altLang="en-US" smtClean="0"/>
-              <a:t>2021/11/14</a:t>
+              <a:t>2021/11/18</a:t>
             </a:fld>
             <a:endParaRPr kumimoji="1" lang="zh-CN" altLang="en-US"/>
           </a:p>
@@ -462,7 +899,7 @@
           <a:p>
             <a:fld id="{7EC9D4B1-B320-B74E-A342-105CA0158066}" type="datetimeFigureOut">
               <a:rPr kumimoji="1" lang="zh-CN" altLang="en-US" smtClean="0"/>
-              <a:t>2021/11/14</a:t>
+              <a:t>2021/11/18</a:t>
             </a:fld>
             <a:endParaRPr kumimoji="1" lang="zh-CN" altLang="en-US"/>
           </a:p>
@@ -670,7 +1107,7 @@
           <a:p>
             <a:fld id="{7EC9D4B1-B320-B74E-A342-105CA0158066}" type="datetimeFigureOut">
               <a:rPr kumimoji="1" lang="zh-CN" altLang="en-US" smtClean="0"/>
-              <a:t>2021/11/14</a:t>
+              <a:t>2021/11/18</a:t>
             </a:fld>
             <a:endParaRPr kumimoji="1" lang="zh-CN" altLang="en-US"/>
           </a:p>
@@ -868,7 +1305,7 @@
           <a:p>
             <a:fld id="{7EC9D4B1-B320-B74E-A342-105CA0158066}" type="datetimeFigureOut">
               <a:rPr kumimoji="1" lang="zh-CN" altLang="en-US" smtClean="0"/>
-              <a:t>2021/11/14</a:t>
+              <a:t>2021/11/18</a:t>
             </a:fld>
             <a:endParaRPr kumimoji="1" lang="zh-CN" altLang="en-US"/>
           </a:p>
@@ -1143,7 +1580,7 @@
           <a:p>
             <a:fld id="{7EC9D4B1-B320-B74E-A342-105CA0158066}" type="datetimeFigureOut">
               <a:rPr kumimoji="1" lang="zh-CN" altLang="en-US" smtClean="0"/>
-              <a:t>2021/11/14</a:t>
+              <a:t>2021/11/18</a:t>
             </a:fld>
             <a:endParaRPr kumimoji="1" lang="zh-CN" altLang="en-US"/>
           </a:p>
@@ -1408,7 +1845,7 @@
           <a:p>
             <a:fld id="{7EC9D4B1-B320-B74E-A342-105CA0158066}" type="datetimeFigureOut">
               <a:rPr kumimoji="1" lang="zh-CN" altLang="en-US" smtClean="0"/>
-              <a:t>2021/11/14</a:t>
+              <a:t>2021/11/18</a:t>
             </a:fld>
             <a:endParaRPr kumimoji="1" lang="zh-CN" altLang="en-US"/>
           </a:p>
@@ -1820,7 +2257,7 @@
           <a:p>
             <a:fld id="{7EC9D4B1-B320-B74E-A342-105CA0158066}" type="datetimeFigureOut">
               <a:rPr kumimoji="1" lang="zh-CN" altLang="en-US" smtClean="0"/>
-              <a:t>2021/11/14</a:t>
+              <a:t>2021/11/18</a:t>
             </a:fld>
             <a:endParaRPr kumimoji="1" lang="zh-CN" altLang="en-US"/>
           </a:p>
@@ -1961,7 +2398,7 @@
           <a:p>
             <a:fld id="{7EC9D4B1-B320-B74E-A342-105CA0158066}" type="datetimeFigureOut">
               <a:rPr kumimoji="1" lang="zh-CN" altLang="en-US" smtClean="0"/>
-              <a:t>2021/11/14</a:t>
+              <a:t>2021/11/18</a:t>
             </a:fld>
             <a:endParaRPr kumimoji="1" lang="zh-CN" altLang="en-US"/>
           </a:p>
@@ -2074,7 +2511,7 @@
           <a:p>
             <a:fld id="{7EC9D4B1-B320-B74E-A342-105CA0158066}" type="datetimeFigureOut">
               <a:rPr kumimoji="1" lang="zh-CN" altLang="en-US" smtClean="0"/>
-              <a:t>2021/11/14</a:t>
+              <a:t>2021/11/18</a:t>
             </a:fld>
             <a:endParaRPr kumimoji="1" lang="zh-CN" altLang="en-US"/>
           </a:p>
@@ -2385,7 +2822,7 @@
           <a:p>
             <a:fld id="{7EC9D4B1-B320-B74E-A342-105CA0158066}" type="datetimeFigureOut">
               <a:rPr kumimoji="1" lang="zh-CN" altLang="en-US" smtClean="0"/>
-              <a:t>2021/11/14</a:t>
+              <a:t>2021/11/18</a:t>
             </a:fld>
             <a:endParaRPr kumimoji="1" lang="zh-CN" altLang="en-US"/>
           </a:p>
@@ -2673,7 +3110,7 @@
           <a:p>
             <a:fld id="{7EC9D4B1-B320-B74E-A342-105CA0158066}" type="datetimeFigureOut">
               <a:rPr kumimoji="1" lang="zh-CN" altLang="en-US" smtClean="0"/>
-              <a:t>2021/11/14</a:t>
+              <a:t>2021/11/18</a:t>
             </a:fld>
             <a:endParaRPr kumimoji="1" lang="zh-CN" altLang="en-US"/>
           </a:p>
@@ -2914,7 +3351,7 @@
           <a:p>
             <a:fld id="{7EC9D4B1-B320-B74E-A342-105CA0158066}" type="datetimeFigureOut">
               <a:rPr kumimoji="1" lang="zh-CN" altLang="en-US" smtClean="0"/>
-              <a:t>2021/11/14</a:t>
+              <a:t>2021/11/18</a:t>
             </a:fld>
             <a:endParaRPr kumimoji="1" lang="zh-CN" altLang="en-US"/>
           </a:p>
@@ -5182,6 +5619,1312 @@
           <a:chExt cx="0" cy="0"/>
         </a:xfrm>
       </p:grpSpPr>
+      <p:sp>
+        <p:nvSpPr>
+          <p:cNvPr id="2" name="标题 1">
+            <a:extLst>
+              <a:ext uri="{FF2B5EF4-FFF2-40B4-BE49-F238E27FC236}">
+                <a16:creationId xmlns:a16="http://schemas.microsoft.com/office/drawing/2014/main" id="{E70CE690-C3D5-7448-B0CC-E7C5F873FE1B}"/>
+              </a:ext>
+            </a:extLst>
+          </p:cNvPr>
+          <p:cNvSpPr>
+            <a:spLocks noGrp="1"/>
+          </p:cNvSpPr>
+          <p:nvPr>
+            <p:ph type="title"/>
+          </p:nvPr>
+        </p:nvSpPr>
+        <p:spPr/>
+        <p:txBody>
+          <a:bodyPr/>
+          <a:lstStyle/>
+          <a:p>
+            <a:r>
+              <a:rPr kumimoji="1" lang="en-US" altLang="zh-CN" dirty="0"/>
+              <a:t>Truncation error (1e-6)</a:t>
+            </a:r>
+            <a:endParaRPr kumimoji="1" lang="zh-CN" altLang="en-US" dirty="0"/>
+          </a:p>
+        </p:txBody>
+      </p:sp>
+      <p:graphicFrame>
+        <p:nvGraphicFramePr>
+          <p:cNvPr id="4" name="表格 4">
+            <a:extLst>
+              <a:ext uri="{FF2B5EF4-FFF2-40B4-BE49-F238E27FC236}">
+                <a16:creationId xmlns:a16="http://schemas.microsoft.com/office/drawing/2014/main" id="{BD787BC7-66D5-B74F-937D-E99DD5D6128E}"/>
+              </a:ext>
+            </a:extLst>
+          </p:cNvPr>
+          <p:cNvGraphicFramePr>
+            <a:graphicFrameLocks noGrp="1"/>
+          </p:cNvGraphicFramePr>
+          <p:nvPr>
+            <p:extLst>
+              <p:ext uri="{D42A27DB-BD31-4B8C-83A1-F6EECF244321}">
+                <p14:modId xmlns:p14="http://schemas.microsoft.com/office/powerpoint/2010/main" val="1843389537"/>
+              </p:ext>
+            </p:extLst>
+          </p:nvPr>
+        </p:nvGraphicFramePr>
+        <p:xfrm>
+          <a:off x="753036" y="2825091"/>
+          <a:ext cx="8884449" cy="2223661"/>
+        </p:xfrm>
+        <a:graphic>
+          <a:graphicData uri="http://schemas.openxmlformats.org/drawingml/2006/table">
+            <a:tbl>
+              <a:tblPr firstRow="1" bandRow="1">
+                <a:tableStyleId>{5C22544A-7EE6-4342-B048-85BDC9FD1C3A}</a:tableStyleId>
+              </a:tblPr>
+              <a:tblGrid>
+                <a:gridCol w="987161">
+                  <a:extLst>
+                    <a:ext uri="{9D8B030D-6E8A-4147-A177-3AD203B41FA5}">
+                      <a16:colId xmlns:a16="http://schemas.microsoft.com/office/drawing/2014/main" val="412038785"/>
+                    </a:ext>
+                  </a:extLst>
+                </a:gridCol>
+                <a:gridCol w="987161">
+                  <a:extLst>
+                    <a:ext uri="{9D8B030D-6E8A-4147-A177-3AD203B41FA5}">
+                      <a16:colId xmlns:a16="http://schemas.microsoft.com/office/drawing/2014/main" val="1577917048"/>
+                    </a:ext>
+                  </a:extLst>
+                </a:gridCol>
+                <a:gridCol w="987161">
+                  <a:extLst>
+                    <a:ext uri="{9D8B030D-6E8A-4147-A177-3AD203B41FA5}">
+                      <a16:colId xmlns:a16="http://schemas.microsoft.com/office/drawing/2014/main" val="3721405068"/>
+                    </a:ext>
+                  </a:extLst>
+                </a:gridCol>
+                <a:gridCol w="987161">
+                  <a:extLst>
+                    <a:ext uri="{9D8B030D-6E8A-4147-A177-3AD203B41FA5}">
+                      <a16:colId xmlns:a16="http://schemas.microsoft.com/office/drawing/2014/main" val="1531851066"/>
+                    </a:ext>
+                  </a:extLst>
+                </a:gridCol>
+                <a:gridCol w="987161">
+                  <a:extLst>
+                    <a:ext uri="{9D8B030D-6E8A-4147-A177-3AD203B41FA5}">
+                      <a16:colId xmlns:a16="http://schemas.microsoft.com/office/drawing/2014/main" val="3482833152"/>
+                    </a:ext>
+                  </a:extLst>
+                </a:gridCol>
+                <a:gridCol w="987161">
+                  <a:extLst>
+                    <a:ext uri="{9D8B030D-6E8A-4147-A177-3AD203B41FA5}">
+                      <a16:colId xmlns:a16="http://schemas.microsoft.com/office/drawing/2014/main" val="3721807256"/>
+                    </a:ext>
+                  </a:extLst>
+                </a:gridCol>
+                <a:gridCol w="987161">
+                  <a:extLst>
+                    <a:ext uri="{9D8B030D-6E8A-4147-A177-3AD203B41FA5}">
+                      <a16:colId xmlns:a16="http://schemas.microsoft.com/office/drawing/2014/main" val="814516143"/>
+                    </a:ext>
+                  </a:extLst>
+                </a:gridCol>
+                <a:gridCol w="987161">
+                  <a:extLst>
+                    <a:ext uri="{9D8B030D-6E8A-4147-A177-3AD203B41FA5}">
+                      <a16:colId xmlns:a16="http://schemas.microsoft.com/office/drawing/2014/main" val="3471143688"/>
+                    </a:ext>
+                  </a:extLst>
+                </a:gridCol>
+                <a:gridCol w="987161">
+                  <a:extLst>
+                    <a:ext uri="{9D8B030D-6E8A-4147-A177-3AD203B41FA5}">
+                      <a16:colId xmlns:a16="http://schemas.microsoft.com/office/drawing/2014/main" val="3536677003"/>
+                    </a:ext>
+                  </a:extLst>
+                </a:gridCol>
+              </a:tblGrid>
+              <a:tr h="370840">
+                <a:tc>
+                  <a:txBody>
+                    <a:bodyPr/>
+                    <a:lstStyle/>
+                    <a:p>
+                      <a:r>
+                        <a:rPr lang="en-US" altLang="zh-CN" dirty="0"/>
+                        <a:t>Lx\D</a:t>
+                      </a:r>
+                      <a:endParaRPr lang="zh-CN" altLang="en-US" dirty="0"/>
+                    </a:p>
+                  </a:txBody>
+                  <a:tcPr/>
+                </a:tc>
+                <a:tc>
+                  <a:txBody>
+                    <a:bodyPr/>
+                    <a:lstStyle/>
+                    <a:p>
+                      <a:r>
+                        <a:rPr lang="en-US" altLang="zh-CN" dirty="0"/>
+                        <a:t>8000</a:t>
+                      </a:r>
+                      <a:endParaRPr lang="zh-CN" altLang="en-US" dirty="0"/>
+                    </a:p>
+                  </a:txBody>
+                  <a:tcPr/>
+                </a:tc>
+                <a:tc>
+                  <a:txBody>
+                    <a:bodyPr/>
+                    <a:lstStyle/>
+                    <a:p>
+                      <a:r>
+                        <a:rPr lang="en-US" altLang="zh-CN" dirty="0"/>
+                        <a:t>10000</a:t>
+                      </a:r>
+                      <a:endParaRPr lang="zh-CN" altLang="en-US" dirty="0"/>
+                    </a:p>
+                  </a:txBody>
+                  <a:tcPr/>
+                </a:tc>
+                <a:tc>
+                  <a:txBody>
+                    <a:bodyPr/>
+                    <a:lstStyle/>
+                    <a:p>
+                      <a:r>
+                        <a:rPr lang="en-US" altLang="zh-CN" dirty="0"/>
+                        <a:t>12000</a:t>
+                      </a:r>
+                      <a:endParaRPr lang="zh-CN" altLang="en-US" dirty="0"/>
+                    </a:p>
+                  </a:txBody>
+                  <a:tcPr/>
+                </a:tc>
+                <a:tc>
+                  <a:txBody>
+                    <a:bodyPr/>
+                    <a:lstStyle/>
+                    <a:p>
+                      <a:r>
+                        <a:rPr lang="en-US" altLang="zh-CN" dirty="0"/>
+                        <a:t>14000</a:t>
+                      </a:r>
+                      <a:endParaRPr lang="zh-CN" altLang="en-US" dirty="0"/>
+                    </a:p>
+                  </a:txBody>
+                  <a:tcPr/>
+                </a:tc>
+                <a:tc>
+                  <a:txBody>
+                    <a:bodyPr/>
+                    <a:lstStyle/>
+                    <a:p>
+                      <a:r>
+                        <a:rPr lang="en-US" altLang="zh-CN" dirty="0"/>
+                        <a:t>16000</a:t>
+                      </a:r>
+                      <a:endParaRPr lang="zh-CN" altLang="en-US" dirty="0"/>
+                    </a:p>
+                  </a:txBody>
+                  <a:tcPr/>
+                </a:tc>
+                <a:tc>
+                  <a:txBody>
+                    <a:bodyPr/>
+                    <a:lstStyle/>
+                    <a:p>
+                      <a:r>
+                        <a:rPr lang="en-US" altLang="zh-CN" dirty="0"/>
+                        <a:t>18000</a:t>
+                      </a:r>
+                      <a:endParaRPr lang="zh-CN" altLang="en-US" dirty="0"/>
+                    </a:p>
+                  </a:txBody>
+                  <a:tcPr/>
+                </a:tc>
+                <a:tc>
+                  <a:txBody>
+                    <a:bodyPr/>
+                    <a:lstStyle/>
+                    <a:p>
+                      <a:r>
+                        <a:rPr lang="en-US" altLang="zh-CN" dirty="0"/>
+                        <a:t>20000</a:t>
+                      </a:r>
+                      <a:endParaRPr lang="zh-CN" altLang="en-US" dirty="0"/>
+                    </a:p>
+                  </a:txBody>
+                  <a:tcPr/>
+                </a:tc>
+                <a:tc>
+                  <a:txBody>
+                    <a:bodyPr/>
+                    <a:lstStyle/>
+                    <a:p>
+                      <a:endParaRPr lang="zh-CN" altLang="en-US"/>
+                    </a:p>
+                  </a:txBody>
+                  <a:tcPr/>
+                </a:tc>
+                <a:extLst>
+                  <a:ext uri="{0D108BD9-81ED-4DB2-BD59-A6C34878D82A}">
+                    <a16:rowId xmlns:a16="http://schemas.microsoft.com/office/drawing/2014/main" val="285822557"/>
+                  </a:ext>
+                </a:extLst>
+              </a:tr>
+              <a:tr h="369461">
+                <a:tc>
+                  <a:txBody>
+                    <a:bodyPr/>
+                    <a:lstStyle/>
+                    <a:p>
+                      <a:r>
+                        <a:rPr lang="en-US" altLang="zh-CN" dirty="0"/>
+                        <a:t>16</a:t>
+                      </a:r>
+                      <a:endParaRPr lang="zh-CN" altLang="en-US" dirty="0"/>
+                    </a:p>
+                  </a:txBody>
+                  <a:tcPr/>
+                </a:tc>
+                <a:tc>
+                  <a:txBody>
+                    <a:bodyPr/>
+                    <a:lstStyle/>
+                    <a:p>
+                      <a:pPr marL="0" marR="0" lvl="0" indent="0" algn="l" defTabSz="914400" rtl="0" eaLnBrk="1" fontAlgn="auto" latinLnBrk="0" hangingPunct="1">
+                        <a:lnSpc>
+                          <a:spcPct val="100000"/>
+                        </a:lnSpc>
+                        <a:spcBef>
+                          <a:spcPts val="0"/>
+                        </a:spcBef>
+                        <a:spcAft>
+                          <a:spcPts val="0"/>
+                        </a:spcAft>
+                        <a:buClrTx/>
+                        <a:buSzTx/>
+                        <a:buFontTx/>
+                        <a:buNone/>
+                        <a:tabLst/>
+                        <a:defRPr/>
+                      </a:pPr>
+                      <a:r>
+                        <a:rPr lang="en-US" altLang="zh-CN" sz="1800" kern="1200" dirty="0">
+                          <a:solidFill>
+                            <a:schemeClr val="dk1"/>
+                          </a:solidFill>
+                          <a:effectLst/>
+                          <a:latin typeface="+mn-lt"/>
+                          <a:ea typeface="+mn-ea"/>
+                          <a:cs typeface="+mn-cs"/>
+                        </a:rPr>
+                        <a:t>3.37</a:t>
+                      </a:r>
+                      <a:endParaRPr lang="zh-CN" altLang="en-US" dirty="0"/>
+                    </a:p>
+                  </a:txBody>
+                  <a:tcPr/>
+                </a:tc>
+                <a:tc>
+                  <a:txBody>
+                    <a:bodyPr/>
+                    <a:lstStyle/>
+                    <a:p>
+                      <a:pPr marL="0" marR="0" lvl="0" indent="0" algn="l" defTabSz="914400" rtl="0" eaLnBrk="1" fontAlgn="auto" latinLnBrk="0" hangingPunct="1">
+                        <a:lnSpc>
+                          <a:spcPct val="100000"/>
+                        </a:lnSpc>
+                        <a:spcBef>
+                          <a:spcPts val="0"/>
+                        </a:spcBef>
+                        <a:spcAft>
+                          <a:spcPts val="0"/>
+                        </a:spcAft>
+                        <a:buClrTx/>
+                        <a:buSzTx/>
+                        <a:buFontTx/>
+                        <a:buNone/>
+                        <a:tabLst/>
+                        <a:defRPr/>
+                      </a:pPr>
+                      <a:r>
+                        <a:rPr lang="en-US" altLang="zh-CN" sz="1800" kern="1200" dirty="0">
+                          <a:solidFill>
+                            <a:schemeClr val="dk1"/>
+                          </a:solidFill>
+                          <a:effectLst/>
+                          <a:latin typeface="+mn-lt"/>
+                          <a:ea typeface="+mn-ea"/>
+                          <a:cs typeface="+mn-cs"/>
+                        </a:rPr>
+                        <a:t>2.82</a:t>
+                      </a:r>
+                    </a:p>
+                  </a:txBody>
+                  <a:tcPr/>
+                </a:tc>
+                <a:tc>
+                  <a:txBody>
+                    <a:bodyPr/>
+                    <a:lstStyle/>
+                    <a:p>
+                      <a:pPr marL="0" marR="0" lvl="0" indent="0" algn="l" defTabSz="914400" rtl="0" eaLnBrk="1" fontAlgn="auto" latinLnBrk="0" hangingPunct="1">
+                        <a:lnSpc>
+                          <a:spcPct val="100000"/>
+                        </a:lnSpc>
+                        <a:spcBef>
+                          <a:spcPts val="0"/>
+                        </a:spcBef>
+                        <a:spcAft>
+                          <a:spcPts val="0"/>
+                        </a:spcAft>
+                        <a:buClrTx/>
+                        <a:buSzTx/>
+                        <a:buFontTx/>
+                        <a:buNone/>
+                        <a:tabLst/>
+                        <a:defRPr/>
+                      </a:pPr>
+                      <a:r>
+                        <a:rPr lang="en-US" altLang="zh-CN" sz="1800" kern="1200" dirty="0">
+                          <a:solidFill>
+                            <a:schemeClr val="dk1"/>
+                          </a:solidFill>
+                          <a:effectLst/>
+                          <a:latin typeface="+mn-lt"/>
+                          <a:ea typeface="+mn-ea"/>
+                          <a:cs typeface="+mn-cs"/>
+                        </a:rPr>
+                        <a:t>2.46</a:t>
+                      </a:r>
+                    </a:p>
+                  </a:txBody>
+                  <a:tcPr/>
+                </a:tc>
+                <a:tc>
+                  <a:txBody>
+                    <a:bodyPr/>
+                    <a:lstStyle/>
+                    <a:p>
+                      <a:endParaRPr lang="zh-CN" altLang="en-US"/>
+                    </a:p>
+                  </a:txBody>
+                  <a:tcPr/>
+                </a:tc>
+                <a:tc>
+                  <a:txBody>
+                    <a:bodyPr/>
+                    <a:lstStyle/>
+                    <a:p>
+                      <a:endParaRPr lang="zh-CN" altLang="en-US"/>
+                    </a:p>
+                  </a:txBody>
+                  <a:tcPr/>
+                </a:tc>
+                <a:tc>
+                  <a:txBody>
+                    <a:bodyPr/>
+                    <a:lstStyle/>
+                    <a:p>
+                      <a:endParaRPr lang="zh-CN" altLang="en-US"/>
+                    </a:p>
+                  </a:txBody>
+                  <a:tcPr/>
+                </a:tc>
+                <a:tc>
+                  <a:txBody>
+                    <a:bodyPr/>
+                    <a:lstStyle/>
+                    <a:p>
+                      <a:endParaRPr lang="zh-CN" altLang="en-US"/>
+                    </a:p>
+                  </a:txBody>
+                  <a:tcPr/>
+                </a:tc>
+                <a:tc>
+                  <a:txBody>
+                    <a:bodyPr/>
+                    <a:lstStyle/>
+                    <a:p>
+                      <a:endParaRPr lang="zh-CN" altLang="en-US"/>
+                    </a:p>
+                  </a:txBody>
+                  <a:tcPr/>
+                </a:tc>
+                <a:extLst>
+                  <a:ext uri="{0D108BD9-81ED-4DB2-BD59-A6C34878D82A}">
+                    <a16:rowId xmlns:a16="http://schemas.microsoft.com/office/drawing/2014/main" val="3593187368"/>
+                  </a:ext>
+                </a:extLst>
+              </a:tr>
+              <a:tr h="370840">
+                <a:tc>
+                  <a:txBody>
+                    <a:bodyPr/>
+                    <a:lstStyle/>
+                    <a:p>
+                      <a:r>
+                        <a:rPr lang="en-US" altLang="zh-CN" dirty="0"/>
+                        <a:t>24</a:t>
+                      </a:r>
+                      <a:endParaRPr lang="zh-CN" altLang="en-US" dirty="0"/>
+                    </a:p>
+                  </a:txBody>
+                  <a:tcPr/>
+                </a:tc>
+                <a:tc>
+                  <a:txBody>
+                    <a:bodyPr/>
+                    <a:lstStyle/>
+                    <a:p>
+                      <a:pPr marL="0" marR="0" lvl="0" indent="0" algn="l" defTabSz="914400" rtl="0" eaLnBrk="1" fontAlgn="auto" latinLnBrk="0" hangingPunct="1">
+                        <a:lnSpc>
+                          <a:spcPct val="100000"/>
+                        </a:lnSpc>
+                        <a:spcBef>
+                          <a:spcPts val="0"/>
+                        </a:spcBef>
+                        <a:spcAft>
+                          <a:spcPts val="0"/>
+                        </a:spcAft>
+                        <a:buClrTx/>
+                        <a:buSzTx/>
+                        <a:buFontTx/>
+                        <a:buNone/>
+                        <a:tabLst/>
+                        <a:defRPr/>
+                      </a:pPr>
+                      <a:r>
+                        <a:rPr lang="en-US" altLang="zh-CN" sz="1800" kern="1200" dirty="0">
+                          <a:solidFill>
+                            <a:schemeClr val="dk1"/>
+                          </a:solidFill>
+                          <a:effectLst/>
+                          <a:latin typeface="+mn-lt"/>
+                          <a:ea typeface="+mn-ea"/>
+                          <a:cs typeface="+mn-cs"/>
+                        </a:rPr>
+                        <a:t>3.44</a:t>
+                      </a:r>
+                    </a:p>
+                  </a:txBody>
+                  <a:tcPr/>
+                </a:tc>
+                <a:tc>
+                  <a:txBody>
+                    <a:bodyPr/>
+                    <a:lstStyle/>
+                    <a:p>
+                      <a:pPr marL="0" marR="0" lvl="0" indent="0" algn="l" defTabSz="914400" rtl="0" eaLnBrk="1" fontAlgn="auto" latinLnBrk="0" hangingPunct="1">
+                        <a:lnSpc>
+                          <a:spcPct val="100000"/>
+                        </a:lnSpc>
+                        <a:spcBef>
+                          <a:spcPts val="0"/>
+                        </a:spcBef>
+                        <a:spcAft>
+                          <a:spcPts val="0"/>
+                        </a:spcAft>
+                        <a:buClrTx/>
+                        <a:buSzTx/>
+                        <a:buFontTx/>
+                        <a:buNone/>
+                        <a:tabLst/>
+                        <a:defRPr/>
+                      </a:pPr>
+                      <a:r>
+                        <a:rPr lang="en-US" altLang="zh-CN" sz="1800" kern="1200" dirty="0">
+                          <a:solidFill>
+                            <a:schemeClr val="dk1"/>
+                          </a:solidFill>
+                          <a:effectLst/>
+                          <a:latin typeface="+mn-lt"/>
+                          <a:ea typeface="+mn-ea"/>
+                          <a:cs typeface="+mn-cs"/>
+                        </a:rPr>
+                        <a:t>2.79</a:t>
+                      </a:r>
+                    </a:p>
+                  </a:txBody>
+                  <a:tcPr/>
+                </a:tc>
+                <a:tc>
+                  <a:txBody>
+                    <a:bodyPr/>
+                    <a:lstStyle/>
+                    <a:p>
+                      <a:pPr marL="0" marR="0" lvl="0" indent="0" algn="l" defTabSz="914400" rtl="0" eaLnBrk="1" fontAlgn="auto" latinLnBrk="0" hangingPunct="1">
+                        <a:lnSpc>
+                          <a:spcPct val="100000"/>
+                        </a:lnSpc>
+                        <a:spcBef>
+                          <a:spcPts val="0"/>
+                        </a:spcBef>
+                        <a:spcAft>
+                          <a:spcPts val="0"/>
+                        </a:spcAft>
+                        <a:buClrTx/>
+                        <a:buSzTx/>
+                        <a:buFontTx/>
+                        <a:buNone/>
+                        <a:tabLst/>
+                        <a:defRPr/>
+                      </a:pPr>
+                      <a:r>
+                        <a:rPr lang="en-US" altLang="zh-CN" sz="1800" kern="1200" dirty="0">
+                          <a:solidFill>
+                            <a:schemeClr val="dk1"/>
+                          </a:solidFill>
+                          <a:effectLst/>
+                          <a:latin typeface="+mn-lt"/>
+                          <a:ea typeface="+mn-ea"/>
+                          <a:cs typeface="+mn-cs"/>
+                        </a:rPr>
+                        <a:t>2.41</a:t>
+                      </a:r>
+                    </a:p>
+                  </a:txBody>
+                  <a:tcPr/>
+                </a:tc>
+                <a:tc>
+                  <a:txBody>
+                    <a:bodyPr/>
+                    <a:lstStyle/>
+                    <a:p>
+                      <a:pPr marL="0" marR="0" lvl="0" indent="0" algn="l" defTabSz="914400" rtl="0" eaLnBrk="1" fontAlgn="auto" latinLnBrk="0" hangingPunct="1">
+                        <a:lnSpc>
+                          <a:spcPct val="100000"/>
+                        </a:lnSpc>
+                        <a:spcBef>
+                          <a:spcPts val="0"/>
+                        </a:spcBef>
+                        <a:spcAft>
+                          <a:spcPts val="0"/>
+                        </a:spcAft>
+                        <a:buClrTx/>
+                        <a:buSzTx/>
+                        <a:buFontTx/>
+                        <a:buNone/>
+                        <a:tabLst/>
+                        <a:defRPr/>
+                      </a:pPr>
+                      <a:r>
+                        <a:rPr lang="en-US" altLang="zh-CN" sz="1800" kern="1200" dirty="0">
+                          <a:solidFill>
+                            <a:schemeClr val="dk1"/>
+                          </a:solidFill>
+                          <a:effectLst/>
+                          <a:latin typeface="+mn-lt"/>
+                          <a:ea typeface="+mn-ea"/>
+                          <a:cs typeface="+mn-cs"/>
+                        </a:rPr>
+                        <a:t>2.14</a:t>
+                      </a:r>
+                    </a:p>
+                  </a:txBody>
+                  <a:tcPr/>
+                </a:tc>
+                <a:tc>
+                  <a:txBody>
+                    <a:bodyPr/>
+                    <a:lstStyle/>
+                    <a:p>
+                      <a:endParaRPr lang="zh-CN" altLang="en-US"/>
+                    </a:p>
+                  </a:txBody>
+                  <a:tcPr/>
+                </a:tc>
+                <a:tc>
+                  <a:txBody>
+                    <a:bodyPr/>
+                    <a:lstStyle/>
+                    <a:p>
+                      <a:endParaRPr lang="zh-CN" altLang="en-US"/>
+                    </a:p>
+                  </a:txBody>
+                  <a:tcPr/>
+                </a:tc>
+                <a:tc>
+                  <a:txBody>
+                    <a:bodyPr/>
+                    <a:lstStyle/>
+                    <a:p>
+                      <a:endParaRPr lang="zh-CN" altLang="en-US"/>
+                    </a:p>
+                  </a:txBody>
+                  <a:tcPr/>
+                </a:tc>
+                <a:tc>
+                  <a:txBody>
+                    <a:bodyPr/>
+                    <a:lstStyle/>
+                    <a:p>
+                      <a:endParaRPr lang="zh-CN" altLang="en-US"/>
+                    </a:p>
+                  </a:txBody>
+                  <a:tcPr/>
+                </a:tc>
+                <a:extLst>
+                  <a:ext uri="{0D108BD9-81ED-4DB2-BD59-A6C34878D82A}">
+                    <a16:rowId xmlns:a16="http://schemas.microsoft.com/office/drawing/2014/main" val="2301512918"/>
+                  </a:ext>
+                </a:extLst>
+              </a:tr>
+              <a:tr h="370840">
+                <a:tc>
+                  <a:txBody>
+                    <a:bodyPr/>
+                    <a:lstStyle/>
+                    <a:p>
+                      <a:r>
+                        <a:rPr lang="en-US" altLang="zh-CN" dirty="0"/>
+                        <a:t>32</a:t>
+                      </a:r>
+                      <a:endParaRPr lang="zh-CN" altLang="en-US" dirty="0"/>
+                    </a:p>
+                  </a:txBody>
+                  <a:tcPr/>
+                </a:tc>
+                <a:tc>
+                  <a:txBody>
+                    <a:bodyPr/>
+                    <a:lstStyle/>
+                    <a:p>
+                      <a:pPr marL="0" marR="0" lvl="0" indent="0" algn="l" defTabSz="914400" rtl="0" eaLnBrk="1" fontAlgn="auto" latinLnBrk="0" hangingPunct="1">
+                        <a:lnSpc>
+                          <a:spcPct val="100000"/>
+                        </a:lnSpc>
+                        <a:spcBef>
+                          <a:spcPts val="0"/>
+                        </a:spcBef>
+                        <a:spcAft>
+                          <a:spcPts val="0"/>
+                        </a:spcAft>
+                        <a:buClrTx/>
+                        <a:buSzTx/>
+                        <a:buFontTx/>
+                        <a:buNone/>
+                        <a:tabLst/>
+                        <a:defRPr/>
+                      </a:pPr>
+                      <a:r>
+                        <a:rPr lang="en-US" altLang="zh-CN" sz="1800" kern="1200" dirty="0">
+                          <a:solidFill>
+                            <a:schemeClr val="dk1"/>
+                          </a:solidFill>
+                          <a:effectLst/>
+                          <a:latin typeface="+mn-lt"/>
+                          <a:ea typeface="+mn-ea"/>
+                          <a:cs typeface="+mn-cs"/>
+                        </a:rPr>
+                        <a:t>3.70</a:t>
+                      </a:r>
+                    </a:p>
+                  </a:txBody>
+                  <a:tcPr/>
+                </a:tc>
+                <a:tc>
+                  <a:txBody>
+                    <a:bodyPr/>
+                    <a:lstStyle/>
+                    <a:p>
+                      <a:pPr marL="0" marR="0" lvl="0" indent="0" algn="l" defTabSz="914400" rtl="0" eaLnBrk="1" fontAlgn="auto" latinLnBrk="0" hangingPunct="1">
+                        <a:lnSpc>
+                          <a:spcPct val="100000"/>
+                        </a:lnSpc>
+                        <a:spcBef>
+                          <a:spcPts val="0"/>
+                        </a:spcBef>
+                        <a:spcAft>
+                          <a:spcPts val="0"/>
+                        </a:spcAft>
+                        <a:buClrTx/>
+                        <a:buSzTx/>
+                        <a:buFontTx/>
+                        <a:buNone/>
+                        <a:tabLst/>
+                        <a:defRPr/>
+                      </a:pPr>
+                      <a:r>
+                        <a:rPr lang="en-US" altLang="zh-CN" sz="1800" kern="1200" dirty="0">
+                          <a:solidFill>
+                            <a:schemeClr val="dk1"/>
+                          </a:solidFill>
+                          <a:effectLst/>
+                          <a:latin typeface="+mn-lt"/>
+                          <a:ea typeface="+mn-ea"/>
+                          <a:cs typeface="+mn-cs"/>
+                        </a:rPr>
+                        <a:t>2.96</a:t>
+                      </a:r>
+                    </a:p>
+                  </a:txBody>
+                  <a:tcPr/>
+                </a:tc>
+                <a:tc>
+                  <a:txBody>
+                    <a:bodyPr/>
+                    <a:lstStyle/>
+                    <a:p>
+                      <a:pPr marL="0" marR="0" lvl="0" indent="0" algn="l" defTabSz="914400" rtl="0" eaLnBrk="1" fontAlgn="auto" latinLnBrk="0" hangingPunct="1">
+                        <a:lnSpc>
+                          <a:spcPct val="100000"/>
+                        </a:lnSpc>
+                        <a:spcBef>
+                          <a:spcPts val="0"/>
+                        </a:spcBef>
+                        <a:spcAft>
+                          <a:spcPts val="0"/>
+                        </a:spcAft>
+                        <a:buClrTx/>
+                        <a:buSzTx/>
+                        <a:buFontTx/>
+                        <a:buNone/>
+                        <a:tabLst/>
+                        <a:defRPr/>
+                      </a:pPr>
+                      <a:r>
+                        <a:rPr lang="en-US" altLang="zh-CN" sz="1800" kern="1200" dirty="0">
+                          <a:solidFill>
+                            <a:schemeClr val="dk1"/>
+                          </a:solidFill>
+                          <a:effectLst/>
+                          <a:latin typeface="+mn-lt"/>
+                          <a:ea typeface="+mn-ea"/>
+                          <a:cs typeface="+mn-cs"/>
+                        </a:rPr>
+                        <a:t>2.60</a:t>
+                      </a:r>
+                    </a:p>
+                  </a:txBody>
+                  <a:tcPr/>
+                </a:tc>
+                <a:tc>
+                  <a:txBody>
+                    <a:bodyPr/>
+                    <a:lstStyle/>
+                    <a:p>
+                      <a:pPr marL="0" marR="0" lvl="0" indent="0" algn="l" defTabSz="914400" rtl="0" eaLnBrk="1" fontAlgn="auto" latinLnBrk="0" hangingPunct="1">
+                        <a:lnSpc>
+                          <a:spcPct val="100000"/>
+                        </a:lnSpc>
+                        <a:spcBef>
+                          <a:spcPts val="0"/>
+                        </a:spcBef>
+                        <a:spcAft>
+                          <a:spcPts val="0"/>
+                        </a:spcAft>
+                        <a:buClrTx/>
+                        <a:buSzTx/>
+                        <a:buFontTx/>
+                        <a:buNone/>
+                        <a:tabLst/>
+                        <a:defRPr/>
+                      </a:pPr>
+                      <a:r>
+                        <a:rPr lang="en-US" altLang="zh-CN" sz="1800" kern="1200" dirty="0">
+                          <a:solidFill>
+                            <a:schemeClr val="dk1"/>
+                          </a:solidFill>
+                          <a:effectLst/>
+                          <a:latin typeface="+mn-lt"/>
+                          <a:ea typeface="+mn-ea"/>
+                          <a:cs typeface="+mn-cs"/>
+                        </a:rPr>
+                        <a:t>2.49</a:t>
+                      </a:r>
+                    </a:p>
+                  </a:txBody>
+                  <a:tcPr/>
+                </a:tc>
+                <a:tc>
+                  <a:txBody>
+                    <a:bodyPr/>
+                    <a:lstStyle/>
+                    <a:p>
+                      <a:endParaRPr lang="zh-CN" altLang="en-US"/>
+                    </a:p>
+                  </a:txBody>
+                  <a:tcPr/>
+                </a:tc>
+                <a:tc>
+                  <a:txBody>
+                    <a:bodyPr/>
+                    <a:lstStyle/>
+                    <a:p>
+                      <a:endParaRPr lang="zh-CN" altLang="en-US"/>
+                    </a:p>
+                  </a:txBody>
+                  <a:tcPr/>
+                </a:tc>
+                <a:tc>
+                  <a:txBody>
+                    <a:bodyPr/>
+                    <a:lstStyle/>
+                    <a:p>
+                      <a:endParaRPr lang="zh-CN" altLang="en-US"/>
+                    </a:p>
+                  </a:txBody>
+                  <a:tcPr/>
+                </a:tc>
+                <a:tc>
+                  <a:txBody>
+                    <a:bodyPr/>
+                    <a:lstStyle/>
+                    <a:p>
+                      <a:endParaRPr lang="zh-CN" altLang="en-US"/>
+                    </a:p>
+                  </a:txBody>
+                  <a:tcPr/>
+                </a:tc>
+                <a:extLst>
+                  <a:ext uri="{0D108BD9-81ED-4DB2-BD59-A6C34878D82A}">
+                    <a16:rowId xmlns:a16="http://schemas.microsoft.com/office/drawing/2014/main" val="3170753781"/>
+                  </a:ext>
+                </a:extLst>
+              </a:tr>
+              <a:tr h="370840">
+                <a:tc>
+                  <a:txBody>
+                    <a:bodyPr/>
+                    <a:lstStyle/>
+                    <a:p>
+                      <a:r>
+                        <a:rPr lang="en-US" altLang="zh-CN" dirty="0"/>
+                        <a:t>40</a:t>
+                      </a:r>
+                      <a:endParaRPr lang="zh-CN" altLang="en-US" dirty="0"/>
+                    </a:p>
+                  </a:txBody>
+                  <a:tcPr/>
+                </a:tc>
+                <a:tc>
+                  <a:txBody>
+                    <a:bodyPr/>
+                    <a:lstStyle/>
+                    <a:p>
+                      <a:endParaRPr lang="zh-CN" altLang="en-US" dirty="0"/>
+                    </a:p>
+                  </a:txBody>
+                  <a:tcPr/>
+                </a:tc>
+                <a:tc>
+                  <a:txBody>
+                    <a:bodyPr/>
+                    <a:lstStyle/>
+                    <a:p>
+                      <a:endParaRPr lang="zh-CN" altLang="en-US"/>
+                    </a:p>
+                  </a:txBody>
+                  <a:tcPr/>
+                </a:tc>
+                <a:tc>
+                  <a:txBody>
+                    <a:bodyPr/>
+                    <a:lstStyle/>
+                    <a:p>
+                      <a:endParaRPr lang="zh-CN" altLang="en-US"/>
+                    </a:p>
+                  </a:txBody>
+                  <a:tcPr/>
+                </a:tc>
+                <a:tc>
+                  <a:txBody>
+                    <a:bodyPr/>
+                    <a:lstStyle/>
+                    <a:p>
+                      <a:endParaRPr lang="zh-CN" altLang="en-US"/>
+                    </a:p>
+                  </a:txBody>
+                  <a:tcPr/>
+                </a:tc>
+                <a:tc>
+                  <a:txBody>
+                    <a:bodyPr/>
+                    <a:lstStyle/>
+                    <a:p>
+                      <a:endParaRPr lang="zh-CN" altLang="en-US"/>
+                    </a:p>
+                  </a:txBody>
+                  <a:tcPr/>
+                </a:tc>
+                <a:tc>
+                  <a:txBody>
+                    <a:bodyPr/>
+                    <a:lstStyle/>
+                    <a:p>
+                      <a:endParaRPr lang="zh-CN" altLang="en-US"/>
+                    </a:p>
+                  </a:txBody>
+                  <a:tcPr/>
+                </a:tc>
+                <a:tc>
+                  <a:txBody>
+                    <a:bodyPr/>
+                    <a:lstStyle/>
+                    <a:p>
+                      <a:endParaRPr lang="zh-CN" altLang="en-US"/>
+                    </a:p>
+                  </a:txBody>
+                  <a:tcPr/>
+                </a:tc>
+                <a:tc>
+                  <a:txBody>
+                    <a:bodyPr/>
+                    <a:lstStyle/>
+                    <a:p>
+                      <a:endParaRPr lang="zh-CN" altLang="en-US"/>
+                    </a:p>
+                  </a:txBody>
+                  <a:tcPr/>
+                </a:tc>
+                <a:extLst>
+                  <a:ext uri="{0D108BD9-81ED-4DB2-BD59-A6C34878D82A}">
+                    <a16:rowId xmlns:a16="http://schemas.microsoft.com/office/drawing/2014/main" val="2897520415"/>
+                  </a:ext>
+                </a:extLst>
+              </a:tr>
+              <a:tr h="370840">
+                <a:tc>
+                  <a:txBody>
+                    <a:bodyPr/>
+                    <a:lstStyle/>
+                    <a:p>
+                      <a:r>
+                        <a:rPr lang="en-US" altLang="zh-CN" dirty="0"/>
+                        <a:t>48</a:t>
+                      </a:r>
+                      <a:endParaRPr lang="zh-CN" altLang="en-US" dirty="0"/>
+                    </a:p>
+                  </a:txBody>
+                  <a:tcPr/>
+                </a:tc>
+                <a:tc>
+                  <a:txBody>
+                    <a:bodyPr/>
+                    <a:lstStyle/>
+                    <a:p>
+                      <a:pPr marL="0" marR="0" lvl="0" indent="0" algn="l" defTabSz="914400" rtl="0" eaLnBrk="1" fontAlgn="auto" latinLnBrk="0" hangingPunct="1">
+                        <a:lnSpc>
+                          <a:spcPct val="100000"/>
+                        </a:lnSpc>
+                        <a:spcBef>
+                          <a:spcPts val="0"/>
+                        </a:spcBef>
+                        <a:spcAft>
+                          <a:spcPts val="0"/>
+                        </a:spcAft>
+                        <a:buClrTx/>
+                        <a:buSzTx/>
+                        <a:buFontTx/>
+                        <a:buNone/>
+                        <a:tabLst/>
+                        <a:defRPr/>
+                      </a:pPr>
+                      <a:r>
+                        <a:rPr lang="en-US" altLang="zh-CN" sz="1800" kern="1200" dirty="0">
+                          <a:solidFill>
+                            <a:schemeClr val="dk1"/>
+                          </a:solidFill>
+                          <a:effectLst/>
+                          <a:latin typeface="+mn-lt"/>
+                          <a:ea typeface="+mn-ea"/>
+                          <a:cs typeface="+mn-cs"/>
+                        </a:rPr>
+                        <a:t>3.16</a:t>
+                      </a:r>
+                    </a:p>
+                  </a:txBody>
+                  <a:tcPr/>
+                </a:tc>
+                <a:tc>
+                  <a:txBody>
+                    <a:bodyPr/>
+                    <a:lstStyle/>
+                    <a:p>
+                      <a:pPr marL="0" marR="0" lvl="0" indent="0" algn="l" defTabSz="914400" rtl="0" eaLnBrk="1" fontAlgn="auto" latinLnBrk="0" hangingPunct="1">
+                        <a:lnSpc>
+                          <a:spcPct val="100000"/>
+                        </a:lnSpc>
+                        <a:spcBef>
+                          <a:spcPts val="0"/>
+                        </a:spcBef>
+                        <a:spcAft>
+                          <a:spcPts val="0"/>
+                        </a:spcAft>
+                        <a:buClrTx/>
+                        <a:buSzTx/>
+                        <a:buFontTx/>
+                        <a:buNone/>
+                        <a:tabLst/>
+                        <a:defRPr/>
+                      </a:pPr>
+                      <a:r>
+                        <a:rPr lang="en-US" altLang="zh-CN" sz="1800" kern="1200" dirty="0">
+                          <a:solidFill>
+                            <a:schemeClr val="dk1"/>
+                          </a:solidFill>
+                          <a:effectLst/>
+                          <a:latin typeface="+mn-lt"/>
+                          <a:ea typeface="+mn-ea"/>
+                          <a:cs typeface="+mn-cs"/>
+                        </a:rPr>
+                        <a:t>2.67</a:t>
+                      </a:r>
+                    </a:p>
+                  </a:txBody>
+                  <a:tcPr/>
+                </a:tc>
+                <a:tc>
+                  <a:txBody>
+                    <a:bodyPr/>
+                    <a:lstStyle/>
+                    <a:p>
+                      <a:pPr marL="0" marR="0" lvl="0" indent="0" algn="l" defTabSz="914400" rtl="0" eaLnBrk="1" fontAlgn="auto" latinLnBrk="0" hangingPunct="1">
+                        <a:lnSpc>
+                          <a:spcPct val="100000"/>
+                        </a:lnSpc>
+                        <a:spcBef>
+                          <a:spcPts val="0"/>
+                        </a:spcBef>
+                        <a:spcAft>
+                          <a:spcPts val="0"/>
+                        </a:spcAft>
+                        <a:buClrTx/>
+                        <a:buSzTx/>
+                        <a:buFontTx/>
+                        <a:buNone/>
+                        <a:tabLst/>
+                        <a:defRPr/>
+                      </a:pPr>
+                      <a:r>
+                        <a:rPr lang="en-US" altLang="zh-CN" sz="1800" kern="1200" dirty="0">
+                          <a:solidFill>
+                            <a:schemeClr val="dk1"/>
+                          </a:solidFill>
+                          <a:effectLst/>
+                          <a:latin typeface="+mn-lt"/>
+                          <a:ea typeface="+mn-ea"/>
+                          <a:cs typeface="+mn-cs"/>
+                        </a:rPr>
+                        <a:t>2.34</a:t>
+                      </a:r>
+                    </a:p>
+                  </a:txBody>
+                  <a:tcPr/>
+                </a:tc>
+                <a:tc>
+                  <a:txBody>
+                    <a:bodyPr/>
+                    <a:lstStyle/>
+                    <a:p>
+                      <a:pPr marL="0" marR="0" lvl="0" indent="0" algn="l" defTabSz="914400" rtl="0" eaLnBrk="1" fontAlgn="auto" latinLnBrk="0" hangingPunct="1">
+                        <a:lnSpc>
+                          <a:spcPct val="100000"/>
+                        </a:lnSpc>
+                        <a:spcBef>
+                          <a:spcPts val="0"/>
+                        </a:spcBef>
+                        <a:spcAft>
+                          <a:spcPts val="0"/>
+                        </a:spcAft>
+                        <a:buClrTx/>
+                        <a:buSzTx/>
+                        <a:buFontTx/>
+                        <a:buNone/>
+                        <a:tabLst/>
+                        <a:defRPr/>
+                      </a:pPr>
+                      <a:r>
+                        <a:rPr lang="en-US" altLang="zh-CN" sz="1800" kern="1200" dirty="0">
+                          <a:solidFill>
+                            <a:schemeClr val="dk1"/>
+                          </a:solidFill>
+                          <a:effectLst/>
+                          <a:latin typeface="+mn-lt"/>
+                          <a:ea typeface="+mn-ea"/>
+                          <a:cs typeface="+mn-cs"/>
+                        </a:rPr>
+                        <a:t>2.08</a:t>
+                      </a:r>
+                    </a:p>
+                  </a:txBody>
+                  <a:tcPr/>
+                </a:tc>
+                <a:tc>
+                  <a:txBody>
+                    <a:bodyPr/>
+                    <a:lstStyle/>
+                    <a:p>
+                      <a:pPr marL="0" marR="0" lvl="0" indent="0" algn="l" defTabSz="914400" rtl="0" eaLnBrk="1" fontAlgn="auto" latinLnBrk="0" hangingPunct="1">
+                        <a:lnSpc>
+                          <a:spcPct val="100000"/>
+                        </a:lnSpc>
+                        <a:spcBef>
+                          <a:spcPts val="0"/>
+                        </a:spcBef>
+                        <a:spcAft>
+                          <a:spcPts val="0"/>
+                        </a:spcAft>
+                        <a:buClrTx/>
+                        <a:buSzTx/>
+                        <a:buFontTx/>
+                        <a:buNone/>
+                        <a:tabLst/>
+                        <a:defRPr/>
+                      </a:pPr>
+                      <a:r>
+                        <a:rPr lang="en-US" altLang="zh-CN" sz="1800" kern="1200" dirty="0">
+                          <a:solidFill>
+                            <a:schemeClr val="dk1"/>
+                          </a:solidFill>
+                          <a:effectLst/>
+                          <a:latin typeface="+mn-lt"/>
+                          <a:ea typeface="+mn-ea"/>
+                          <a:cs typeface="+mn-cs"/>
+                        </a:rPr>
+                        <a:t>1.95</a:t>
+                      </a:r>
+                    </a:p>
+                  </a:txBody>
+                  <a:tcPr/>
+                </a:tc>
+                <a:tc>
+                  <a:txBody>
+                    <a:bodyPr/>
+                    <a:lstStyle/>
+                    <a:p>
+                      <a:pPr marL="0" marR="0" lvl="0" indent="0" algn="l" defTabSz="914400" rtl="0" eaLnBrk="1" fontAlgn="auto" latinLnBrk="0" hangingPunct="1">
+                        <a:lnSpc>
+                          <a:spcPct val="100000"/>
+                        </a:lnSpc>
+                        <a:spcBef>
+                          <a:spcPts val="0"/>
+                        </a:spcBef>
+                        <a:spcAft>
+                          <a:spcPts val="0"/>
+                        </a:spcAft>
+                        <a:buClrTx/>
+                        <a:buSzTx/>
+                        <a:buFontTx/>
+                        <a:buNone/>
+                        <a:tabLst/>
+                        <a:defRPr/>
+                      </a:pPr>
+                      <a:r>
+                        <a:rPr lang="en-US" altLang="zh-CN" sz="1800" kern="1200">
+                          <a:solidFill>
+                            <a:schemeClr val="dk1"/>
+                          </a:solidFill>
+                          <a:effectLst/>
+                          <a:latin typeface="+mn-lt"/>
+                          <a:ea typeface="+mn-ea"/>
+                          <a:cs typeface="+mn-cs"/>
+                        </a:rPr>
+                        <a:t>1.77</a:t>
+                      </a:r>
+                      <a:endParaRPr lang="en-US" altLang="zh-CN" sz="1800" kern="1200" dirty="0">
+                        <a:solidFill>
+                          <a:schemeClr val="dk1"/>
+                        </a:solidFill>
+                        <a:effectLst/>
+                        <a:latin typeface="+mn-lt"/>
+                        <a:ea typeface="+mn-ea"/>
+                        <a:cs typeface="+mn-cs"/>
+                      </a:endParaRPr>
+                    </a:p>
+                  </a:txBody>
+                  <a:tcPr/>
+                </a:tc>
+                <a:tc>
+                  <a:txBody>
+                    <a:bodyPr/>
+                    <a:lstStyle/>
+                    <a:p>
+                      <a:pPr marL="0" marR="0" lvl="0" indent="0" algn="l" defTabSz="914400" rtl="0" eaLnBrk="1" fontAlgn="auto" latinLnBrk="0" hangingPunct="1">
+                        <a:lnSpc>
+                          <a:spcPct val="100000"/>
+                        </a:lnSpc>
+                        <a:spcBef>
+                          <a:spcPts val="0"/>
+                        </a:spcBef>
+                        <a:spcAft>
+                          <a:spcPts val="0"/>
+                        </a:spcAft>
+                        <a:buClrTx/>
+                        <a:buSzTx/>
+                        <a:buFontTx/>
+                        <a:buNone/>
+                        <a:tabLst/>
+                        <a:defRPr/>
+                      </a:pPr>
+                      <a:r>
+                        <a:rPr lang="en-US" altLang="zh-CN" sz="1800" kern="1200" dirty="0">
+                          <a:solidFill>
+                            <a:schemeClr val="dk1"/>
+                          </a:solidFill>
+                          <a:effectLst/>
+                          <a:latin typeface="+mn-lt"/>
+                          <a:ea typeface="+mn-ea"/>
+                          <a:cs typeface="+mn-cs"/>
+                        </a:rPr>
+                        <a:t>1.47</a:t>
+                      </a:r>
+                    </a:p>
+                  </a:txBody>
+                  <a:tcPr/>
+                </a:tc>
+                <a:tc>
+                  <a:txBody>
+                    <a:bodyPr/>
+                    <a:lstStyle/>
+                    <a:p>
+                      <a:endParaRPr lang="zh-CN" altLang="en-US" dirty="0"/>
+                    </a:p>
+                  </a:txBody>
+                  <a:tcPr/>
+                </a:tc>
+                <a:extLst>
+                  <a:ext uri="{0D108BD9-81ED-4DB2-BD59-A6C34878D82A}">
+                    <a16:rowId xmlns:a16="http://schemas.microsoft.com/office/drawing/2014/main" val="2212377042"/>
+                  </a:ext>
+                </a:extLst>
+              </a:tr>
+            </a:tbl>
+          </a:graphicData>
+        </a:graphic>
+      </p:graphicFrame>
+    </p:spTree>
+    <p:extLst>
+      <p:ext uri="{BB962C8B-B14F-4D97-AF65-F5344CB8AC3E}">
+        <p14:creationId xmlns:p14="http://schemas.microsoft.com/office/powerpoint/2010/main" val="902149289"/>
+      </p:ext>
+    </p:extLst>
+  </p:cSld>
+  <p:clrMapOvr>
+    <a:masterClrMapping/>
+  </p:clrMapOvr>
+</p:sld>
+</file>
+
+<file path=ppt/slides/slide4.xml><?xml version="1.0" encoding="utf-8"?>
+<p:sld xmlns:a="http://schemas.openxmlformats.org/drawingml/2006/main" xmlns:r="http://schemas.openxmlformats.org/officeDocument/2006/relationships" xmlns:p="http://schemas.openxmlformats.org/presentationml/2006/main">
+  <p:cSld>
+    <p:spTree>
+      <p:nvGrpSpPr>
+        <p:cNvPr id="1" name=""/>
+        <p:cNvGrpSpPr/>
+        <p:nvPr/>
+      </p:nvGrpSpPr>
+      <p:grpSpPr>
+        <a:xfrm>
+          <a:off x="0" y="0"/>
+          <a:ext cx="0" cy="0"/>
+          <a:chOff x="0" y="0"/>
+          <a:chExt cx="0" cy="0"/>
+        </a:xfrm>
+      </p:grpSpPr>
       <p:pic>
         <p:nvPicPr>
           <p:cNvPr id="3" name="图片 2">
@@ -5527,7 +7270,7 @@
 </p:sld>
 </file>
 
-<file path=ppt/slides/slide4.xml><?xml version="1.0" encoding="utf-8"?>
+<file path=ppt/slides/slide5.xml><?xml version="1.0" encoding="utf-8"?>
 <p:sld xmlns:a="http://schemas.openxmlformats.org/drawingml/2006/main" xmlns:r="http://schemas.openxmlformats.org/officeDocument/2006/relationships" xmlns:p="http://schemas.openxmlformats.org/presentationml/2006/main">
   <p:cSld>
     <p:spTree>
@@ -5544,8 +7287,8 @@
           <a:chExt cx="0" cy="0"/>
         </a:xfrm>
       </p:grpSpPr>
-      <mc:AlternateContent xmlns:mc="http://schemas.openxmlformats.org/markup-compatibility/2006">
-        <mc:Choice xmlns:a14="http://schemas.microsoft.com/office/drawing/2010/main" Requires="a14">
+      <mc:AlternateContent xmlns:mc="http://schemas.openxmlformats.org/markup-compatibility/2006" xmlns:a14="http://schemas.microsoft.com/office/drawing/2010/main">
+        <mc:Choice Requires="a14">
           <p:sp>
             <p:nvSpPr>
               <p:cNvPr id="4" name="文本框 3">
@@ -5745,7 +7488,7 @@
             </p:txBody>
           </p:sp>
         </mc:Choice>
-        <mc:Fallback>
+        <mc:Fallback xmlns="">
           <p:sp>
             <p:nvSpPr>
               <p:cNvPr id="4" name="文本框 3">
@@ -5833,7 +7576,7 @@
 </p:sld>
 </file>
 
-<file path=ppt/slides/slide5.xml><?xml version="1.0" encoding="utf-8"?>
+<file path=ppt/slides/slide6.xml><?xml version="1.0" encoding="utf-8"?>
 <p:sld xmlns:a="http://schemas.openxmlformats.org/drawingml/2006/main" xmlns:r="http://schemas.openxmlformats.org/officeDocument/2006/relationships" xmlns:p="http://schemas.openxmlformats.org/presentationml/2006/main" show="0">
   <p:cSld>
     <p:spTree>
@@ -5998,7 +7741,7 @@
 </p:sld>
 </file>
 
-<file path=ppt/slides/slide6.xml><?xml version="1.0" encoding="utf-8"?>
+<file path=ppt/slides/slide7.xml><?xml version="1.0" encoding="utf-8"?>
 <p:sld xmlns:a="http://schemas.openxmlformats.org/drawingml/2006/main" xmlns:r="http://schemas.openxmlformats.org/officeDocument/2006/relationships" xmlns:p="http://schemas.openxmlformats.org/presentationml/2006/main" show="0">
   <p:cSld>
     <p:spTree>
@@ -6452,4 +8195,299 @@
     </a:ext>
   </a:extLst>
 </a:theme>
+</file>
+
+<file path=ppt/theme/theme2.xml><?xml version="1.0" encoding="utf-8"?>
+<a:theme xmlns:a="http://schemas.openxmlformats.org/drawingml/2006/main" name="Office 主题​​">
+  <a:themeElements>
+    <a:clrScheme name="Office">
+      <a:dk1>
+        <a:sysClr val="windowText" lastClr="000000"/>
+      </a:dk1>
+      <a:lt1>
+        <a:sysClr val="window" lastClr="FFFFFF"/>
+      </a:lt1>
+      <a:dk2>
+        <a:srgbClr val="44546A"/>
+      </a:dk2>
+      <a:lt2>
+        <a:srgbClr val="E7E6E6"/>
+      </a:lt2>
+      <a:accent1>
+        <a:srgbClr val="4472C4"/>
+      </a:accent1>
+      <a:accent2>
+        <a:srgbClr val="ED7D31"/>
+      </a:accent2>
+      <a:accent3>
+        <a:srgbClr val="A5A5A5"/>
+      </a:accent3>
+      <a:accent4>
+        <a:srgbClr val="FFC000"/>
+      </a:accent4>
+      <a:accent5>
+        <a:srgbClr val="5B9BD5"/>
+      </a:accent5>
+      <a:accent6>
+        <a:srgbClr val="70AD47"/>
+      </a:accent6>
+      <a:hlink>
+        <a:srgbClr val="0563C1"/>
+      </a:hlink>
+      <a:folHlink>
+        <a:srgbClr val="954F72"/>
+      </a:folHlink>
+    </a:clrScheme>
+    <a:fontScheme name="Office">
+      <a:majorFont>
+        <a:latin typeface="等线 Light" panose="020F0302020204030204"/>
+        <a:ea typeface=""/>
+        <a:cs typeface=""/>
+        <a:font script="Jpan" typeface="游ゴシック Light"/>
+        <a:font script="Hang" typeface="맑은 고딕"/>
+        <a:font script="Hans" typeface="等线 Light"/>
+        <a:font script="Hant" typeface="新細明體"/>
+        <a:font script="Arab" typeface="Times New Roman"/>
+        <a:font script="Hebr" typeface="Times New Roman"/>
+        <a:font script="Thai" typeface="Angsana New"/>
+        <a:font script="Ethi" typeface="Nyala"/>
+        <a:font script="Beng" typeface="Vrinda"/>
+        <a:font script="Gujr" typeface="Shruti"/>
+        <a:font script="Khmr" typeface="MoolBoran"/>
+        <a:font script="Knda" typeface="Tunga"/>
+        <a:font script="Guru" typeface="Raavi"/>
+        <a:font script="Cans" typeface="Euphemia"/>
+        <a:font script="Cher" typeface="Plantagenet Cherokee"/>
+        <a:font script="Yiii" typeface="Microsoft Yi Baiti"/>
+        <a:font script="Tibt" typeface="Microsoft Himalaya"/>
+        <a:font script="Thaa" typeface="MV Boli"/>
+        <a:font script="Deva" typeface="Mangal"/>
+        <a:font script="Telu" typeface="Gautami"/>
+        <a:font script="Taml" typeface="Latha"/>
+        <a:font script="Syrc" typeface="Estrangelo Edessa"/>
+        <a:font script="Orya" typeface="Kalinga"/>
+        <a:font script="Mlym" typeface="Kartika"/>
+        <a:font script="Laoo" typeface="DokChampa"/>
+        <a:font script="Sinh" typeface="Iskoola Pota"/>
+        <a:font script="Mong" typeface="Mongolian Baiti"/>
+        <a:font script="Viet" typeface="Times New Roman"/>
+        <a:font script="Uigh" typeface="Microsoft Uighur"/>
+        <a:font script="Geor" typeface="Sylfaen"/>
+        <a:font script="Armn" typeface="Arial"/>
+        <a:font script="Bugi" typeface="Leelawadee UI"/>
+        <a:font script="Bopo" typeface="Microsoft JhengHei"/>
+        <a:font script="Java" typeface="Javanese Text"/>
+        <a:font script="Lisu" typeface="Segoe UI"/>
+        <a:font script="Mymr" typeface="Myanmar Text"/>
+        <a:font script="Nkoo" typeface="Ebrima"/>
+        <a:font script="Olck" typeface="Nirmala UI"/>
+        <a:font script="Osma" typeface="Ebrima"/>
+        <a:font script="Phag" typeface="Phagspa"/>
+        <a:font script="Syrn" typeface="Estrangelo Edessa"/>
+        <a:font script="Syrj" typeface="Estrangelo Edessa"/>
+        <a:font script="Syre" typeface="Estrangelo Edessa"/>
+        <a:font script="Sora" typeface="Nirmala UI"/>
+        <a:font script="Tale" typeface="Microsoft Tai Le"/>
+        <a:font script="Talu" typeface="Microsoft New Tai Lue"/>
+        <a:font script="Tfng" typeface="Ebrima"/>
+      </a:majorFont>
+      <a:minorFont>
+        <a:latin typeface="等线" panose="020F0502020204030204"/>
+        <a:ea typeface=""/>
+        <a:cs typeface=""/>
+        <a:font script="Jpan" typeface="游ゴシック"/>
+        <a:font script="Hang" typeface="맑은 고딕"/>
+        <a:font script="Hans" typeface="等线"/>
+        <a:font script="Hant" typeface="新細明體"/>
+        <a:font script="Arab" typeface="Arial"/>
+        <a:font script="Hebr" typeface="Arial"/>
+        <a:font script="Thai" typeface="Cordia New"/>
+        <a:font script="Ethi" typeface="Nyala"/>
+        <a:font script="Beng" typeface="Vrinda"/>
+        <a:font script="Gujr" typeface="Shruti"/>
+        <a:font script="Khmr" typeface="DaunPenh"/>
+        <a:font script="Knda" typeface="Tunga"/>
+        <a:font script="Guru" typeface="Raavi"/>
+        <a:font script="Cans" typeface="Euphemia"/>
+        <a:font script="Cher" typeface="Plantagenet Cherokee"/>
+        <a:font script="Yiii" typeface="Microsoft Yi Baiti"/>
+        <a:font script="Tibt" typeface="Microsoft Himalaya"/>
+        <a:font script="Thaa" typeface="MV Boli"/>
+        <a:font script="Deva" typeface="Mangal"/>
+        <a:font script="Telu" typeface="Gautami"/>
+        <a:font script="Taml" typeface="Latha"/>
+        <a:font script="Syrc" typeface="Estrangelo Edessa"/>
+        <a:font script="Orya" typeface="Kalinga"/>
+        <a:font script="Mlym" typeface="Kartika"/>
+        <a:font script="Laoo" typeface="DokChampa"/>
+        <a:font script="Sinh" typeface="Iskoola Pota"/>
+        <a:font script="Mong" typeface="Mongolian Baiti"/>
+        <a:font script="Viet" typeface="Arial"/>
+        <a:font script="Uigh" typeface="Microsoft Uighur"/>
+        <a:font script="Geor" typeface="Sylfaen"/>
+        <a:font script="Armn" typeface="Arial"/>
+        <a:font script="Bugi" typeface="Leelawadee UI"/>
+        <a:font script="Bopo" typeface="Microsoft JhengHei"/>
+        <a:font script="Java" typeface="Javanese Text"/>
+        <a:font script="Lisu" typeface="Segoe UI"/>
+        <a:font script="Mymr" typeface="Myanmar Text"/>
+        <a:font script="Nkoo" typeface="Ebrima"/>
+        <a:font script="Olck" typeface="Nirmala UI"/>
+        <a:font script="Osma" typeface="Ebrima"/>
+        <a:font script="Phag" typeface="Phagspa"/>
+        <a:font script="Syrn" typeface="Estrangelo Edessa"/>
+        <a:font script="Syrj" typeface="Estrangelo Edessa"/>
+        <a:font script="Syre" typeface="Estrangelo Edessa"/>
+        <a:font script="Sora" typeface="Nirmala UI"/>
+        <a:font script="Tale" typeface="Microsoft Tai Le"/>
+        <a:font script="Talu" typeface="Microsoft New Tai Lue"/>
+        <a:font script="Tfng" typeface="Ebrima"/>
+      </a:minorFont>
+    </a:fontScheme>
+    <a:fmtScheme name="Office">
+      <a:fillStyleLst>
+        <a:solidFill>
+          <a:schemeClr val="phClr"/>
+        </a:solidFill>
+        <a:gradFill rotWithShape="1">
+          <a:gsLst>
+            <a:gs pos="0">
+              <a:schemeClr val="phClr">
+                <a:lumMod val="110000"/>
+                <a:satMod val="105000"/>
+                <a:tint val="67000"/>
+              </a:schemeClr>
+            </a:gs>
+            <a:gs pos="50000">
+              <a:schemeClr val="phClr">
+                <a:lumMod val="105000"/>
+                <a:satMod val="103000"/>
+                <a:tint val="73000"/>
+              </a:schemeClr>
+            </a:gs>
+            <a:gs pos="100000">
+              <a:schemeClr val="phClr">
+                <a:lumMod val="105000"/>
+                <a:satMod val="109000"/>
+                <a:tint val="81000"/>
+              </a:schemeClr>
+            </a:gs>
+          </a:gsLst>
+          <a:lin ang="5400000" scaled="0"/>
+        </a:gradFill>
+        <a:gradFill rotWithShape="1">
+          <a:gsLst>
+            <a:gs pos="0">
+              <a:schemeClr val="phClr">
+                <a:satMod val="103000"/>
+                <a:lumMod val="102000"/>
+                <a:tint val="94000"/>
+              </a:schemeClr>
+            </a:gs>
+            <a:gs pos="50000">
+              <a:schemeClr val="phClr">
+                <a:satMod val="110000"/>
+                <a:lumMod val="100000"/>
+                <a:shade val="100000"/>
+              </a:schemeClr>
+            </a:gs>
+            <a:gs pos="100000">
+              <a:schemeClr val="phClr">
+                <a:lumMod val="99000"/>
+                <a:satMod val="120000"/>
+                <a:shade val="78000"/>
+              </a:schemeClr>
+            </a:gs>
+          </a:gsLst>
+          <a:lin ang="5400000" scaled="0"/>
+        </a:gradFill>
+      </a:fillStyleLst>
+      <a:lnStyleLst>
+        <a:ln w="6350" cap="flat" cmpd="sng" algn="ctr">
+          <a:solidFill>
+            <a:schemeClr val="phClr"/>
+          </a:solidFill>
+          <a:prstDash val="solid"/>
+          <a:miter lim="800000"/>
+        </a:ln>
+        <a:ln w="12700" cap="flat" cmpd="sng" algn="ctr">
+          <a:solidFill>
+            <a:schemeClr val="phClr"/>
+          </a:solidFill>
+          <a:prstDash val="solid"/>
+          <a:miter lim="800000"/>
+        </a:ln>
+        <a:ln w="19050" cap="flat" cmpd="sng" algn="ctr">
+          <a:solidFill>
+            <a:schemeClr val="phClr"/>
+          </a:solidFill>
+          <a:prstDash val="solid"/>
+          <a:miter lim="800000"/>
+        </a:ln>
+      </a:lnStyleLst>
+      <a:effectStyleLst>
+        <a:effectStyle>
+          <a:effectLst/>
+        </a:effectStyle>
+        <a:effectStyle>
+          <a:effectLst/>
+        </a:effectStyle>
+        <a:effectStyle>
+          <a:effectLst>
+            <a:outerShdw blurRad="57150" dist="19050" dir="5400000" algn="ctr" rotWithShape="0">
+              <a:srgbClr val="000000">
+                <a:alpha val="63000"/>
+              </a:srgbClr>
+            </a:outerShdw>
+          </a:effectLst>
+        </a:effectStyle>
+      </a:effectStyleLst>
+      <a:bgFillStyleLst>
+        <a:solidFill>
+          <a:schemeClr val="phClr"/>
+        </a:solidFill>
+        <a:solidFill>
+          <a:schemeClr val="phClr">
+            <a:tint val="95000"/>
+            <a:satMod val="170000"/>
+          </a:schemeClr>
+        </a:solidFill>
+        <a:gradFill rotWithShape="1">
+          <a:gsLst>
+            <a:gs pos="0">
+              <a:schemeClr val="phClr">
+                <a:tint val="93000"/>
+                <a:satMod val="150000"/>
+                <a:shade val="98000"/>
+                <a:lumMod val="102000"/>
+              </a:schemeClr>
+            </a:gs>
+            <a:gs pos="50000">
+              <a:schemeClr val="phClr">
+                <a:tint val="98000"/>
+                <a:satMod val="130000"/>
+                <a:shade val="90000"/>
+                <a:lumMod val="103000"/>
+              </a:schemeClr>
+            </a:gs>
+            <a:gs pos="100000">
+              <a:schemeClr val="phClr">
+                <a:shade val="63000"/>
+                <a:satMod val="120000"/>
+              </a:schemeClr>
+            </a:gs>
+          </a:gsLst>
+          <a:lin ang="5400000" scaled="0"/>
+        </a:gradFill>
+      </a:bgFillStyleLst>
+    </a:fmtScheme>
+  </a:themeElements>
+  <a:objectDefaults/>
+  <a:extraClrSchemeLst/>
+  <a:extLst>
+    <a:ext uri="{05A4C25C-085E-4340-85A3-A5531E510DB2}">
+      <thm15:themeFamily xmlns:thm15="http://schemas.microsoft.com/office/thememl/2012/main" name="Office Theme" id="{62F939B6-93AF-4DB8-9C6B-D6C7DFDC589F}" vid="{4A3C46E8-61CC-4603-A589-7422A47A8E4A}"/>
+    </a:ext>
+  </a:extLst>
+</a:theme>
 </file>
--- a/note/SSH-Hubbard-Note6.pptx
+++ b/note/SSH-Hubbard-Note6.pptx
@@ -5,16 +5,17 @@
     <p:sldMasterId id="2147483648" r:id="rId1"/>
   </p:sldMasterIdLst>
   <p:notesMasterIdLst>
-    <p:notesMasterId r:id="rId9"/>
+    <p:notesMasterId r:id="rId10"/>
   </p:notesMasterIdLst>
   <p:sldIdLst>
     <p:sldId id="257" r:id="rId2"/>
     <p:sldId id="261" r:id="rId3"/>
     <p:sldId id="263" r:id="rId4"/>
-    <p:sldId id="262" r:id="rId5"/>
-    <p:sldId id="260" r:id="rId6"/>
-    <p:sldId id="258" r:id="rId7"/>
-    <p:sldId id="259" r:id="rId8"/>
+    <p:sldId id="264" r:id="rId5"/>
+    <p:sldId id="262" r:id="rId6"/>
+    <p:sldId id="260" r:id="rId7"/>
+    <p:sldId id="258" r:id="rId8"/>
+    <p:sldId id="259" r:id="rId9"/>
   </p:sldIdLst>
   <p:sldSz cx="12192000" cy="6858000"/>
   <p:notesSz cx="6858000" cy="9144000"/>
@@ -203,7 +204,7 @@
           <a:p>
             <a:fld id="{F66D3945-E88B-024D-B052-6EEDA3375027}" type="datetimeFigureOut">
               <a:rPr kumimoji="1" lang="zh-CN" altLang="en-US" smtClean="0"/>
-              <a:t>2021/11/18</a:t>
+              <a:t>2021/11/21</a:t>
             </a:fld>
             <a:endParaRPr kumimoji="1" lang="zh-CN" altLang="en-US"/>
           </a:p>
@@ -701,7 +702,7 @@
           <a:p>
             <a:fld id="{7EC9D4B1-B320-B74E-A342-105CA0158066}" type="datetimeFigureOut">
               <a:rPr kumimoji="1" lang="zh-CN" altLang="en-US" smtClean="0"/>
-              <a:t>2021/11/18</a:t>
+              <a:t>2021/11/21</a:t>
             </a:fld>
             <a:endParaRPr kumimoji="1" lang="zh-CN" altLang="en-US"/>
           </a:p>
@@ -899,7 +900,7 @@
           <a:p>
             <a:fld id="{7EC9D4B1-B320-B74E-A342-105CA0158066}" type="datetimeFigureOut">
               <a:rPr kumimoji="1" lang="zh-CN" altLang="en-US" smtClean="0"/>
-              <a:t>2021/11/18</a:t>
+              <a:t>2021/11/21</a:t>
             </a:fld>
             <a:endParaRPr kumimoji="1" lang="zh-CN" altLang="en-US"/>
           </a:p>
@@ -1107,7 +1108,7 @@
           <a:p>
             <a:fld id="{7EC9D4B1-B320-B74E-A342-105CA0158066}" type="datetimeFigureOut">
               <a:rPr kumimoji="1" lang="zh-CN" altLang="en-US" smtClean="0"/>
-              <a:t>2021/11/18</a:t>
+              <a:t>2021/11/21</a:t>
             </a:fld>
             <a:endParaRPr kumimoji="1" lang="zh-CN" altLang="en-US"/>
           </a:p>
@@ -1305,7 +1306,7 @@
           <a:p>
             <a:fld id="{7EC9D4B1-B320-B74E-A342-105CA0158066}" type="datetimeFigureOut">
               <a:rPr kumimoji="1" lang="zh-CN" altLang="en-US" smtClean="0"/>
-              <a:t>2021/11/18</a:t>
+              <a:t>2021/11/21</a:t>
             </a:fld>
             <a:endParaRPr kumimoji="1" lang="zh-CN" altLang="en-US"/>
           </a:p>
@@ -1580,7 +1581,7 @@
           <a:p>
             <a:fld id="{7EC9D4B1-B320-B74E-A342-105CA0158066}" type="datetimeFigureOut">
               <a:rPr kumimoji="1" lang="zh-CN" altLang="en-US" smtClean="0"/>
-              <a:t>2021/11/18</a:t>
+              <a:t>2021/11/21</a:t>
             </a:fld>
             <a:endParaRPr kumimoji="1" lang="zh-CN" altLang="en-US"/>
           </a:p>
@@ -1845,7 +1846,7 @@
           <a:p>
             <a:fld id="{7EC9D4B1-B320-B74E-A342-105CA0158066}" type="datetimeFigureOut">
               <a:rPr kumimoji="1" lang="zh-CN" altLang="en-US" smtClean="0"/>
-              <a:t>2021/11/18</a:t>
+              <a:t>2021/11/21</a:t>
             </a:fld>
             <a:endParaRPr kumimoji="1" lang="zh-CN" altLang="en-US"/>
           </a:p>
@@ -2257,7 +2258,7 @@
           <a:p>
             <a:fld id="{7EC9D4B1-B320-B74E-A342-105CA0158066}" type="datetimeFigureOut">
               <a:rPr kumimoji="1" lang="zh-CN" altLang="en-US" smtClean="0"/>
-              <a:t>2021/11/18</a:t>
+              <a:t>2021/11/21</a:t>
             </a:fld>
             <a:endParaRPr kumimoji="1" lang="zh-CN" altLang="en-US"/>
           </a:p>
@@ -2398,7 +2399,7 @@
           <a:p>
             <a:fld id="{7EC9D4B1-B320-B74E-A342-105CA0158066}" type="datetimeFigureOut">
               <a:rPr kumimoji="1" lang="zh-CN" altLang="en-US" smtClean="0"/>
-              <a:t>2021/11/18</a:t>
+              <a:t>2021/11/21</a:t>
             </a:fld>
             <a:endParaRPr kumimoji="1" lang="zh-CN" altLang="en-US"/>
           </a:p>
@@ -2511,7 +2512,7 @@
           <a:p>
             <a:fld id="{7EC9D4B1-B320-B74E-A342-105CA0158066}" type="datetimeFigureOut">
               <a:rPr kumimoji="1" lang="zh-CN" altLang="en-US" smtClean="0"/>
-              <a:t>2021/11/18</a:t>
+              <a:t>2021/11/21</a:t>
             </a:fld>
             <a:endParaRPr kumimoji="1" lang="zh-CN" altLang="en-US"/>
           </a:p>
@@ -2822,7 +2823,7 @@
           <a:p>
             <a:fld id="{7EC9D4B1-B320-B74E-A342-105CA0158066}" type="datetimeFigureOut">
               <a:rPr kumimoji="1" lang="zh-CN" altLang="en-US" smtClean="0"/>
-              <a:t>2021/11/18</a:t>
+              <a:t>2021/11/21</a:t>
             </a:fld>
             <a:endParaRPr kumimoji="1" lang="zh-CN" altLang="en-US"/>
           </a:p>
@@ -3110,7 +3111,7 @@
           <a:p>
             <a:fld id="{7EC9D4B1-B320-B74E-A342-105CA0158066}" type="datetimeFigureOut">
               <a:rPr kumimoji="1" lang="zh-CN" altLang="en-US" smtClean="0"/>
-              <a:t>2021/11/18</a:t>
+              <a:t>2021/11/21</a:t>
             </a:fld>
             <a:endParaRPr kumimoji="1" lang="zh-CN" altLang="en-US"/>
           </a:p>
@@ -3351,7 +3352,7 @@
           <a:p>
             <a:fld id="{7EC9D4B1-B320-B74E-A342-105CA0158066}" type="datetimeFigureOut">
               <a:rPr kumimoji="1" lang="zh-CN" altLang="en-US" smtClean="0"/>
-              <a:t>2021/11/18</a:t>
+              <a:t>2021/11/21</a:t>
             </a:fld>
             <a:endParaRPr kumimoji="1" lang="zh-CN" altLang="en-US"/>
           </a:p>
@@ -5663,7 +5664,7 @@
           <p:nvPr>
             <p:extLst>
               <p:ext uri="{D42A27DB-BD31-4B8C-83A1-F6EECF244321}">
-                <p14:modId xmlns:p14="http://schemas.microsoft.com/office/powerpoint/2010/main" val="1843389537"/>
+                <p14:modId xmlns:p14="http://schemas.microsoft.com/office/powerpoint/2010/main" val="960787257"/>
               </p:ext>
             </p:extLst>
           </p:nvPr>
@@ -5996,7 +5997,7 @@
                           <a:ea typeface="+mn-ea"/>
                           <a:cs typeface="+mn-cs"/>
                         </a:rPr>
-                        <a:t>2.46</a:t>
+                        <a:t>2.44</a:t>
                       </a:r>
                     </a:p>
                   </a:txBody>
@@ -6925,6 +6926,1054 @@
           <a:chExt cx="0" cy="0"/>
         </a:xfrm>
       </p:grpSpPr>
+      <p:sp>
+        <p:nvSpPr>
+          <p:cNvPr id="2" name="标题 1">
+            <a:extLst>
+              <a:ext uri="{FF2B5EF4-FFF2-40B4-BE49-F238E27FC236}">
+                <a16:creationId xmlns:a16="http://schemas.microsoft.com/office/drawing/2014/main" id="{D6070064-04B0-C64A-9AEE-0FBC7DA62FE6}"/>
+              </a:ext>
+            </a:extLst>
+          </p:cNvPr>
+          <p:cNvSpPr>
+            <a:spLocks noGrp="1"/>
+          </p:cNvSpPr>
+          <p:nvPr>
+            <p:ph type="title"/>
+          </p:nvPr>
+        </p:nvSpPr>
+        <p:spPr>
+          <a:xfrm>
+            <a:off x="415578" y="65448"/>
+            <a:ext cx="10380490" cy="641483"/>
+          </a:xfrm>
+        </p:spPr>
+        <p:txBody>
+          <a:bodyPr>
+            <a:normAutofit/>
+          </a:bodyPr>
+          <a:lstStyle/>
+          <a:p>
+            <a:r>
+              <a:rPr kumimoji="1" lang="en-US" altLang="zh-CN" sz="2400" dirty="0">
+                <a:latin typeface="Palatino Linotype" panose="02040502050505030304" pitchFamily="18" charset="0"/>
+                <a:cs typeface="Times New Roman" panose="02020603050405020304" pitchFamily="18" charset="0"/>
+              </a:rPr>
+              <a:t>Charge density profile and reference point when measuring </a:t>
+            </a:r>
+            <a:endParaRPr kumimoji="1" lang="zh-CN" altLang="en-US" sz="2400" dirty="0">
+              <a:latin typeface="Palatino Linotype" panose="02040502050505030304" pitchFamily="18" charset="0"/>
+              <a:cs typeface="Times New Roman" panose="02020603050405020304" pitchFamily="18" charset="0"/>
+            </a:endParaRPr>
+          </a:p>
+        </p:txBody>
+      </p:sp>
+      <p:pic>
+        <p:nvPicPr>
+          <p:cNvPr id="4" name="图片 3">
+            <a:extLst>
+              <a:ext uri="{FF2B5EF4-FFF2-40B4-BE49-F238E27FC236}">
+                <a16:creationId xmlns:a16="http://schemas.microsoft.com/office/drawing/2014/main" id="{7ACF1B89-10A9-184F-A7B0-7DB04B3B1288}"/>
+              </a:ext>
+            </a:extLst>
+          </p:cNvPr>
+          <p:cNvPicPr>
+            <a:picLocks noChangeAspect="1"/>
+          </p:cNvPicPr>
+          <p:nvPr/>
+        </p:nvPicPr>
+        <p:blipFill>
+          <a:blip r:embed="rId2"/>
+          <a:stretch>
+            <a:fillRect/>
+          </a:stretch>
+        </p:blipFill>
+        <p:spPr>
+          <a:xfrm>
+            <a:off x="62113" y="1236987"/>
+            <a:ext cx="3160048" cy="2520362"/>
+          </a:xfrm>
+          <a:prstGeom prst="rect">
+            <a:avLst/>
+          </a:prstGeom>
+        </p:spPr>
+      </p:pic>
+      <p:sp>
+        <p:nvSpPr>
+          <p:cNvPr id="5" name="椭圆 4">
+            <a:extLst>
+              <a:ext uri="{FF2B5EF4-FFF2-40B4-BE49-F238E27FC236}">
+                <a16:creationId xmlns:a16="http://schemas.microsoft.com/office/drawing/2014/main" id="{EF66939A-7882-B14F-B1BF-3EE2AB52627C}"/>
+              </a:ext>
+            </a:extLst>
+          </p:cNvPr>
+          <p:cNvSpPr/>
+          <p:nvPr/>
+        </p:nvSpPr>
+        <p:spPr>
+          <a:xfrm>
+            <a:off x="952821" y="1619361"/>
+            <a:ext cx="230521" cy="230521"/>
+          </a:xfrm>
+          <a:prstGeom prst="ellipse">
+            <a:avLst/>
+          </a:prstGeom>
+          <a:noFill/>
+          <a:ln w="38100">
+            <a:solidFill>
+              <a:srgbClr val="FF0000"/>
+            </a:solidFill>
+          </a:ln>
+        </p:spPr>
+        <p:style>
+          <a:lnRef idx="2">
+            <a:schemeClr val="accent1">
+              <a:shade val="50000"/>
+            </a:schemeClr>
+          </a:lnRef>
+          <a:fillRef idx="1">
+            <a:schemeClr val="accent1"/>
+          </a:fillRef>
+          <a:effectRef idx="0">
+            <a:schemeClr val="accent1"/>
+          </a:effectRef>
+          <a:fontRef idx="minor">
+            <a:schemeClr val="lt1"/>
+          </a:fontRef>
+        </p:style>
+        <p:txBody>
+          <a:bodyPr rtlCol="0" anchor="ctr"/>
+          <a:lstStyle/>
+          <a:p>
+            <a:pPr algn="ctr"/>
+            <a:endParaRPr kumimoji="1" lang="zh-CN" altLang="en-US"/>
+          </a:p>
+        </p:txBody>
+      </p:sp>
+      <p:pic>
+        <p:nvPicPr>
+          <p:cNvPr id="6" name="图片 5">
+            <a:extLst>
+              <a:ext uri="{FF2B5EF4-FFF2-40B4-BE49-F238E27FC236}">
+                <a16:creationId xmlns:a16="http://schemas.microsoft.com/office/drawing/2014/main" id="{ADA1460A-1626-9E40-8E56-BC8A3374EFC5}"/>
+              </a:ext>
+            </a:extLst>
+          </p:cNvPr>
+          <p:cNvPicPr>
+            <a:picLocks noChangeAspect="1"/>
+          </p:cNvPicPr>
+          <p:nvPr/>
+        </p:nvPicPr>
+        <p:blipFill>
+          <a:blip r:embed="rId3"/>
+          <a:stretch>
+            <a:fillRect/>
+          </a:stretch>
+        </p:blipFill>
+        <p:spPr>
+          <a:xfrm>
+            <a:off x="3296450" y="1102846"/>
+            <a:ext cx="3844579" cy="2693353"/>
+          </a:xfrm>
+          <a:prstGeom prst="rect">
+            <a:avLst/>
+          </a:prstGeom>
+        </p:spPr>
+      </p:pic>
+      <p:sp>
+        <p:nvSpPr>
+          <p:cNvPr id="7" name="椭圆 6">
+            <a:extLst>
+              <a:ext uri="{FF2B5EF4-FFF2-40B4-BE49-F238E27FC236}">
+                <a16:creationId xmlns:a16="http://schemas.microsoft.com/office/drawing/2014/main" id="{6189ED6C-9B49-8A40-8DB4-F22321647164}"/>
+              </a:ext>
+            </a:extLst>
+          </p:cNvPr>
+          <p:cNvSpPr/>
+          <p:nvPr/>
+        </p:nvSpPr>
+        <p:spPr>
+          <a:xfrm>
+            <a:off x="4639877" y="1613025"/>
+            <a:ext cx="230521" cy="230521"/>
+          </a:xfrm>
+          <a:prstGeom prst="ellipse">
+            <a:avLst/>
+          </a:prstGeom>
+          <a:noFill/>
+          <a:ln w="38100">
+            <a:solidFill>
+              <a:srgbClr val="FF0000"/>
+            </a:solidFill>
+          </a:ln>
+        </p:spPr>
+        <p:style>
+          <a:lnRef idx="2">
+            <a:schemeClr val="accent1">
+              <a:shade val="50000"/>
+            </a:schemeClr>
+          </a:lnRef>
+          <a:fillRef idx="1">
+            <a:schemeClr val="accent1"/>
+          </a:fillRef>
+          <a:effectRef idx="0">
+            <a:schemeClr val="accent1"/>
+          </a:effectRef>
+          <a:fontRef idx="minor">
+            <a:schemeClr val="lt1"/>
+          </a:fontRef>
+        </p:style>
+        <p:txBody>
+          <a:bodyPr rtlCol="0" anchor="ctr"/>
+          <a:lstStyle/>
+          <a:p>
+            <a:pPr algn="ctr"/>
+            <a:endParaRPr kumimoji="1" lang="zh-CN" altLang="en-US"/>
+          </a:p>
+        </p:txBody>
+      </p:sp>
+      <mc:AlternateContent xmlns:mc="http://schemas.openxmlformats.org/markup-compatibility/2006">
+        <mc:Choice xmlns:a14="http://schemas.microsoft.com/office/drawing/2010/main" Requires="a14">
+          <p:sp>
+            <p:nvSpPr>
+              <p:cNvPr id="8" name="文本框 7">
+                <a:extLst>
+                  <a:ext uri="{FF2B5EF4-FFF2-40B4-BE49-F238E27FC236}">
+                    <a16:creationId xmlns:a16="http://schemas.microsoft.com/office/drawing/2014/main" id="{BC4A46D0-BFA4-9244-9D76-D04050B50FAC}"/>
+                  </a:ext>
+                </a:extLst>
+              </p:cNvPr>
+              <p:cNvSpPr txBox="1"/>
+              <p:nvPr/>
+            </p:nvSpPr>
+            <p:spPr>
+              <a:xfrm>
+                <a:off x="1298602" y="825847"/>
+                <a:ext cx="857222" cy="276999"/>
+              </a:xfrm>
+              <a:prstGeom prst="rect">
+                <a:avLst/>
+              </a:prstGeom>
+              <a:noFill/>
+            </p:spPr>
+            <p:txBody>
+              <a:bodyPr wrap="none" lIns="0" tIns="0" rIns="0" bIns="0" rtlCol="0">
+                <a:spAutoFit/>
+              </a:bodyPr>
+              <a:lstStyle/>
+              <a:p>
+                <a14:m>
+                  <m:oMathPara xmlns:m="http://schemas.openxmlformats.org/officeDocument/2006/math">
+                    <m:oMathParaPr>
+                      <m:jc m:val="centerGroup"/>
+                    </m:oMathParaPr>
+                    <m:oMath xmlns:m="http://schemas.openxmlformats.org/officeDocument/2006/math">
+                      <m:sSub>
+                        <m:sSubPr>
+                          <m:ctrlPr>
+                            <a:rPr kumimoji="1" lang="en-US" altLang="zh-CN" b="0" i="1" smtClean="0">
+                              <a:latin typeface="Cambria Math" panose="02040503050406030204" pitchFamily="18" charset="0"/>
+                            </a:rPr>
+                          </m:ctrlPr>
+                        </m:sSubPr>
+                        <m:e>
+                          <m:r>
+                            <a:rPr kumimoji="1" lang="en-US" altLang="zh-CN" b="0" i="1" smtClean="0">
+                              <a:latin typeface="Cambria Math" panose="02040503050406030204" pitchFamily="18" charset="0"/>
+                            </a:rPr>
+                            <m:t>𝐿</m:t>
+                          </m:r>
+                        </m:e>
+                        <m:sub>
+                          <m:r>
+                            <a:rPr kumimoji="1" lang="en-US" altLang="zh-CN" b="0" i="1" smtClean="0">
+                              <a:latin typeface="Cambria Math" panose="02040503050406030204" pitchFamily="18" charset="0"/>
+                            </a:rPr>
+                            <m:t>𝑥</m:t>
+                          </m:r>
+                        </m:sub>
+                      </m:sSub>
+                      <m:r>
+                        <a:rPr kumimoji="1" lang="en-US" altLang="zh-CN" b="0" i="1" smtClean="0">
+                          <a:latin typeface="Cambria Math" panose="02040503050406030204" pitchFamily="18" charset="0"/>
+                        </a:rPr>
+                        <m:t>=16</m:t>
+                      </m:r>
+                    </m:oMath>
+                  </m:oMathPara>
+                </a14:m>
+                <a:endParaRPr kumimoji="1" lang="zh-CN" altLang="en-US" dirty="0"/>
+              </a:p>
+            </p:txBody>
+          </p:sp>
+        </mc:Choice>
+        <mc:Fallback>
+          <p:sp>
+            <p:nvSpPr>
+              <p:cNvPr id="8" name="文本框 7">
+                <a:extLst>
+                  <a:ext uri="{FF2B5EF4-FFF2-40B4-BE49-F238E27FC236}">
+                    <a16:creationId xmlns:a16="http://schemas.microsoft.com/office/drawing/2014/main" id="{BC4A46D0-BFA4-9244-9D76-D04050B50FAC}"/>
+                  </a:ext>
+                </a:extLst>
+              </p:cNvPr>
+              <p:cNvSpPr txBox="1">
+                <a:spLocks noRot="1" noChangeAspect="1" noMove="1" noResize="1" noEditPoints="1" noAdjustHandles="1" noChangeArrowheads="1" noChangeShapeType="1" noTextEdit="1"/>
+              </p:cNvSpPr>
+              <p:nvPr/>
+            </p:nvSpPr>
+            <p:spPr>
+              <a:xfrm>
+                <a:off x="1298602" y="825847"/>
+                <a:ext cx="857222" cy="276999"/>
+              </a:xfrm>
+              <a:prstGeom prst="rect">
+                <a:avLst/>
+              </a:prstGeom>
+              <a:blipFill>
+                <a:blip r:embed="rId4"/>
+                <a:stretch>
+                  <a:fillRect l="-5882" r="-5882" b="-8696"/>
+                </a:stretch>
+              </a:blipFill>
+            </p:spPr>
+            <p:txBody>
+              <a:bodyPr/>
+              <a:lstStyle/>
+              <a:p>
+                <a:r>
+                  <a:rPr lang="zh-CN" altLang="en-US">
+                    <a:noFill/>
+                  </a:rPr>
+                  <a:t> </a:t>
+                </a:r>
+              </a:p>
+            </p:txBody>
+          </p:sp>
+        </mc:Fallback>
+      </mc:AlternateContent>
+      <p:sp>
+        <p:nvSpPr>
+          <p:cNvPr id="9" name="文本框 8">
+            <a:extLst>
+              <a:ext uri="{FF2B5EF4-FFF2-40B4-BE49-F238E27FC236}">
+                <a16:creationId xmlns:a16="http://schemas.microsoft.com/office/drawing/2014/main" id="{9127A963-6077-2D42-BAFC-056342C3CE77}"/>
+              </a:ext>
+            </a:extLst>
+          </p:cNvPr>
+          <p:cNvSpPr txBox="1"/>
+          <p:nvPr/>
+        </p:nvSpPr>
+        <p:spPr>
+          <a:xfrm>
+            <a:off x="952821" y="1984166"/>
+            <a:ext cx="230521" cy="307777"/>
+          </a:xfrm>
+          <a:prstGeom prst="rect">
+            <a:avLst/>
+          </a:prstGeom>
+          <a:noFill/>
+        </p:spPr>
+        <p:txBody>
+          <a:bodyPr wrap="square" rtlCol="0">
+            <a:spAutoFit/>
+          </a:bodyPr>
+          <a:lstStyle/>
+          <a:p>
+            <a:r>
+              <a:rPr kumimoji="1" lang="en-US" altLang="zh-CN" sz="1400" dirty="0">
+                <a:latin typeface="Times New Roman" panose="02020603050405020304" pitchFamily="18" charset="0"/>
+                <a:cs typeface="Times New Roman" panose="02020603050405020304" pitchFamily="18" charset="0"/>
+              </a:rPr>
+              <a:t>4</a:t>
+            </a:r>
+            <a:endParaRPr kumimoji="1" lang="zh-CN" altLang="en-US" sz="1400" dirty="0">
+              <a:latin typeface="Times New Roman" panose="02020603050405020304" pitchFamily="18" charset="0"/>
+              <a:cs typeface="Times New Roman" panose="02020603050405020304" pitchFamily="18" charset="0"/>
+            </a:endParaRPr>
+          </a:p>
+        </p:txBody>
+      </p:sp>
+      <p:sp>
+        <p:nvSpPr>
+          <p:cNvPr id="10" name="文本框 9">
+            <a:extLst>
+              <a:ext uri="{FF2B5EF4-FFF2-40B4-BE49-F238E27FC236}">
+                <a16:creationId xmlns:a16="http://schemas.microsoft.com/office/drawing/2014/main" id="{41BDCF9E-1196-0347-8A68-74C25D29A2EE}"/>
+              </a:ext>
+            </a:extLst>
+          </p:cNvPr>
+          <p:cNvSpPr txBox="1"/>
+          <p:nvPr/>
+        </p:nvSpPr>
+        <p:spPr>
+          <a:xfrm>
+            <a:off x="4639876" y="1843546"/>
+            <a:ext cx="230521" cy="307777"/>
+          </a:xfrm>
+          <a:prstGeom prst="rect">
+            <a:avLst/>
+          </a:prstGeom>
+          <a:noFill/>
+        </p:spPr>
+        <p:txBody>
+          <a:bodyPr wrap="square" rtlCol="0">
+            <a:spAutoFit/>
+          </a:bodyPr>
+          <a:lstStyle/>
+          <a:p>
+            <a:r>
+              <a:rPr kumimoji="1" lang="en-US" altLang="zh-CN" sz="1400" dirty="0">
+                <a:latin typeface="Times New Roman" panose="02020603050405020304" pitchFamily="18" charset="0"/>
+                <a:cs typeface="Times New Roman" panose="02020603050405020304" pitchFamily="18" charset="0"/>
+              </a:rPr>
+              <a:t>8</a:t>
+            </a:r>
+            <a:endParaRPr kumimoji="1" lang="zh-CN" altLang="en-US" sz="1400" dirty="0">
+              <a:latin typeface="Times New Roman" panose="02020603050405020304" pitchFamily="18" charset="0"/>
+              <a:cs typeface="Times New Roman" panose="02020603050405020304" pitchFamily="18" charset="0"/>
+            </a:endParaRPr>
+          </a:p>
+        </p:txBody>
+      </p:sp>
+      <mc:AlternateContent xmlns:mc="http://schemas.openxmlformats.org/markup-compatibility/2006">
+        <mc:Choice xmlns:a14="http://schemas.microsoft.com/office/drawing/2010/main" Requires="a14">
+          <p:sp>
+            <p:nvSpPr>
+              <p:cNvPr id="11" name="文本框 10">
+                <a:extLst>
+                  <a:ext uri="{FF2B5EF4-FFF2-40B4-BE49-F238E27FC236}">
+                    <a16:creationId xmlns:a16="http://schemas.microsoft.com/office/drawing/2014/main" id="{1E1FB701-FC06-9645-BE54-EF8B104043AC}"/>
+                  </a:ext>
+                </a:extLst>
+              </p:cNvPr>
+              <p:cNvSpPr txBox="1"/>
+              <p:nvPr/>
+            </p:nvSpPr>
+            <p:spPr>
+              <a:xfrm>
+                <a:off x="3986734" y="691705"/>
+                <a:ext cx="857222" cy="276999"/>
+              </a:xfrm>
+              <a:prstGeom prst="rect">
+                <a:avLst/>
+              </a:prstGeom>
+              <a:noFill/>
+            </p:spPr>
+            <p:txBody>
+              <a:bodyPr wrap="none" lIns="0" tIns="0" rIns="0" bIns="0" rtlCol="0">
+                <a:spAutoFit/>
+              </a:bodyPr>
+              <a:lstStyle/>
+              <a:p>
+                <a14:m>
+                  <m:oMathPara xmlns:m="http://schemas.openxmlformats.org/officeDocument/2006/math">
+                    <m:oMathParaPr>
+                      <m:jc m:val="centerGroup"/>
+                    </m:oMathParaPr>
+                    <m:oMath xmlns:m="http://schemas.openxmlformats.org/officeDocument/2006/math">
+                      <m:sSub>
+                        <m:sSubPr>
+                          <m:ctrlPr>
+                            <a:rPr kumimoji="1" lang="en-US" altLang="zh-CN" b="0" i="1" smtClean="0">
+                              <a:latin typeface="Cambria Math" panose="02040503050406030204" pitchFamily="18" charset="0"/>
+                            </a:rPr>
+                          </m:ctrlPr>
+                        </m:sSubPr>
+                        <m:e>
+                          <m:r>
+                            <a:rPr kumimoji="1" lang="en-US" altLang="zh-CN" b="0" i="1" smtClean="0">
+                              <a:latin typeface="Cambria Math" panose="02040503050406030204" pitchFamily="18" charset="0"/>
+                            </a:rPr>
+                            <m:t>𝐿</m:t>
+                          </m:r>
+                        </m:e>
+                        <m:sub>
+                          <m:r>
+                            <a:rPr kumimoji="1" lang="en-US" altLang="zh-CN" b="0" i="1" smtClean="0">
+                              <a:latin typeface="Cambria Math" panose="02040503050406030204" pitchFamily="18" charset="0"/>
+                            </a:rPr>
+                            <m:t>𝑥</m:t>
+                          </m:r>
+                        </m:sub>
+                      </m:sSub>
+                      <m:r>
+                        <a:rPr kumimoji="1" lang="en-US" altLang="zh-CN" b="0" i="1" smtClean="0">
+                          <a:latin typeface="Cambria Math" panose="02040503050406030204" pitchFamily="18" charset="0"/>
+                        </a:rPr>
+                        <m:t>=24</m:t>
+                      </m:r>
+                    </m:oMath>
+                  </m:oMathPara>
+                </a14:m>
+                <a:endParaRPr kumimoji="1" lang="zh-CN" altLang="en-US" dirty="0"/>
+              </a:p>
+            </p:txBody>
+          </p:sp>
+        </mc:Choice>
+        <mc:Fallback>
+          <p:sp>
+            <p:nvSpPr>
+              <p:cNvPr id="11" name="文本框 10">
+                <a:extLst>
+                  <a:ext uri="{FF2B5EF4-FFF2-40B4-BE49-F238E27FC236}">
+                    <a16:creationId xmlns:a16="http://schemas.microsoft.com/office/drawing/2014/main" id="{1E1FB701-FC06-9645-BE54-EF8B104043AC}"/>
+                  </a:ext>
+                </a:extLst>
+              </p:cNvPr>
+              <p:cNvSpPr txBox="1">
+                <a:spLocks noRot="1" noChangeAspect="1" noMove="1" noResize="1" noEditPoints="1" noAdjustHandles="1" noChangeArrowheads="1" noChangeShapeType="1" noTextEdit="1"/>
+              </p:cNvSpPr>
+              <p:nvPr/>
+            </p:nvSpPr>
+            <p:spPr>
+              <a:xfrm>
+                <a:off x="3986734" y="691705"/>
+                <a:ext cx="857222" cy="276999"/>
+              </a:xfrm>
+              <a:prstGeom prst="rect">
+                <a:avLst/>
+              </a:prstGeom>
+              <a:blipFill>
+                <a:blip r:embed="rId5"/>
+                <a:stretch>
+                  <a:fillRect l="-4348" r="-4348" b="-8696"/>
+                </a:stretch>
+              </a:blipFill>
+            </p:spPr>
+            <p:txBody>
+              <a:bodyPr/>
+              <a:lstStyle/>
+              <a:p>
+                <a:r>
+                  <a:rPr lang="zh-CN" altLang="en-US">
+                    <a:noFill/>
+                  </a:rPr>
+                  <a:t> </a:t>
+                </a:r>
+              </a:p>
+            </p:txBody>
+          </p:sp>
+        </mc:Fallback>
+      </mc:AlternateContent>
+      <p:pic>
+        <p:nvPicPr>
+          <p:cNvPr id="12" name="图片 11">
+            <a:extLst>
+              <a:ext uri="{FF2B5EF4-FFF2-40B4-BE49-F238E27FC236}">
+                <a16:creationId xmlns:a16="http://schemas.microsoft.com/office/drawing/2014/main" id="{06F1DE40-DA22-884D-A395-57A24BF3BFCF}"/>
+              </a:ext>
+            </a:extLst>
+          </p:cNvPr>
+          <p:cNvPicPr>
+            <a:picLocks noChangeAspect="1"/>
+          </p:cNvPicPr>
+          <p:nvPr/>
+        </p:nvPicPr>
+        <p:blipFill>
+          <a:blip r:embed="rId6"/>
+          <a:stretch>
+            <a:fillRect/>
+          </a:stretch>
+        </p:blipFill>
+        <p:spPr>
+          <a:xfrm>
+            <a:off x="7415092" y="1141315"/>
+            <a:ext cx="4455460" cy="3132992"/>
+          </a:xfrm>
+          <a:prstGeom prst="rect">
+            <a:avLst/>
+          </a:prstGeom>
+        </p:spPr>
+      </p:pic>
+      <p:sp>
+        <p:nvSpPr>
+          <p:cNvPr id="13" name="椭圆 12">
+            <a:extLst>
+              <a:ext uri="{FF2B5EF4-FFF2-40B4-BE49-F238E27FC236}">
+                <a16:creationId xmlns:a16="http://schemas.microsoft.com/office/drawing/2014/main" id="{38B0311F-8905-F945-9DEC-DD38E492A4DE}"/>
+              </a:ext>
+            </a:extLst>
+          </p:cNvPr>
+          <p:cNvSpPr/>
+          <p:nvPr/>
+        </p:nvSpPr>
+        <p:spPr>
+          <a:xfrm>
+            <a:off x="8657346" y="1753645"/>
+            <a:ext cx="230521" cy="230521"/>
+          </a:xfrm>
+          <a:prstGeom prst="ellipse">
+            <a:avLst/>
+          </a:prstGeom>
+          <a:noFill/>
+          <a:ln w="38100">
+            <a:solidFill>
+              <a:srgbClr val="FF0000"/>
+            </a:solidFill>
+          </a:ln>
+        </p:spPr>
+        <p:style>
+          <a:lnRef idx="2">
+            <a:schemeClr val="accent1">
+              <a:shade val="50000"/>
+            </a:schemeClr>
+          </a:lnRef>
+          <a:fillRef idx="1">
+            <a:schemeClr val="accent1"/>
+          </a:fillRef>
+          <a:effectRef idx="0">
+            <a:schemeClr val="accent1"/>
+          </a:effectRef>
+          <a:fontRef idx="minor">
+            <a:schemeClr val="lt1"/>
+          </a:fontRef>
+        </p:style>
+        <p:txBody>
+          <a:bodyPr rtlCol="0" anchor="ctr"/>
+          <a:lstStyle/>
+          <a:p>
+            <a:pPr algn="ctr"/>
+            <a:endParaRPr kumimoji="1" lang="zh-CN" altLang="en-US"/>
+          </a:p>
+        </p:txBody>
+      </p:sp>
+      <p:sp>
+        <p:nvSpPr>
+          <p:cNvPr id="14" name="文本框 13">
+            <a:extLst>
+              <a:ext uri="{FF2B5EF4-FFF2-40B4-BE49-F238E27FC236}">
+                <a16:creationId xmlns:a16="http://schemas.microsoft.com/office/drawing/2014/main" id="{F5AE88DD-4C03-8641-A3FD-9000A37D2502}"/>
+              </a:ext>
+            </a:extLst>
+          </p:cNvPr>
+          <p:cNvSpPr txBox="1"/>
+          <p:nvPr/>
+        </p:nvSpPr>
+        <p:spPr>
+          <a:xfrm>
+            <a:off x="8657345" y="1997434"/>
+            <a:ext cx="230521" cy="307777"/>
+          </a:xfrm>
+          <a:prstGeom prst="rect">
+            <a:avLst/>
+          </a:prstGeom>
+          <a:noFill/>
+        </p:spPr>
+        <p:txBody>
+          <a:bodyPr wrap="square" rtlCol="0">
+            <a:spAutoFit/>
+          </a:bodyPr>
+          <a:lstStyle/>
+          <a:p>
+            <a:r>
+              <a:rPr kumimoji="1" lang="en-US" altLang="zh-CN" sz="1400" dirty="0">
+                <a:latin typeface="Times New Roman" panose="02020603050405020304" pitchFamily="18" charset="0"/>
+                <a:cs typeface="Times New Roman" panose="02020603050405020304" pitchFamily="18" charset="0"/>
+              </a:rPr>
+              <a:t>8</a:t>
+            </a:r>
+            <a:endParaRPr kumimoji="1" lang="zh-CN" altLang="en-US" sz="1400" dirty="0">
+              <a:latin typeface="Times New Roman" panose="02020603050405020304" pitchFamily="18" charset="0"/>
+              <a:cs typeface="Times New Roman" panose="02020603050405020304" pitchFamily="18" charset="0"/>
+            </a:endParaRPr>
+          </a:p>
+        </p:txBody>
+      </p:sp>
+      <mc:AlternateContent xmlns:mc="http://schemas.openxmlformats.org/markup-compatibility/2006">
+        <mc:Choice xmlns:a14="http://schemas.microsoft.com/office/drawing/2010/main" Requires="a14">
+          <p:sp>
+            <p:nvSpPr>
+              <p:cNvPr id="15" name="文本框 14">
+                <a:extLst>
+                  <a:ext uri="{FF2B5EF4-FFF2-40B4-BE49-F238E27FC236}">
+                    <a16:creationId xmlns:a16="http://schemas.microsoft.com/office/drawing/2014/main" id="{3832E488-CF45-4F42-98BB-40BF98AB61F6}"/>
+                  </a:ext>
+                </a:extLst>
+              </p:cNvPr>
+              <p:cNvSpPr txBox="1"/>
+              <p:nvPr/>
+            </p:nvSpPr>
+            <p:spPr>
+              <a:xfrm>
+                <a:off x="9064600" y="710444"/>
+                <a:ext cx="857222" cy="276999"/>
+              </a:xfrm>
+              <a:prstGeom prst="rect">
+                <a:avLst/>
+              </a:prstGeom>
+              <a:noFill/>
+            </p:spPr>
+            <p:txBody>
+              <a:bodyPr wrap="none" lIns="0" tIns="0" rIns="0" bIns="0" rtlCol="0">
+                <a:spAutoFit/>
+              </a:bodyPr>
+              <a:lstStyle/>
+              <a:p>
+                <a14:m>
+                  <m:oMathPara xmlns:m="http://schemas.openxmlformats.org/officeDocument/2006/math">
+                    <m:oMathParaPr>
+                      <m:jc m:val="centerGroup"/>
+                    </m:oMathParaPr>
+                    <m:oMath xmlns:m="http://schemas.openxmlformats.org/officeDocument/2006/math">
+                      <m:sSub>
+                        <m:sSubPr>
+                          <m:ctrlPr>
+                            <a:rPr kumimoji="1" lang="en-US" altLang="zh-CN" b="0" i="1" smtClean="0">
+                              <a:latin typeface="Cambria Math" panose="02040503050406030204" pitchFamily="18" charset="0"/>
+                            </a:rPr>
+                          </m:ctrlPr>
+                        </m:sSubPr>
+                        <m:e>
+                          <m:r>
+                            <a:rPr kumimoji="1" lang="en-US" altLang="zh-CN" b="0" i="1" smtClean="0">
+                              <a:latin typeface="Cambria Math" panose="02040503050406030204" pitchFamily="18" charset="0"/>
+                            </a:rPr>
+                            <m:t>𝐿</m:t>
+                          </m:r>
+                        </m:e>
+                        <m:sub>
+                          <m:r>
+                            <a:rPr kumimoji="1" lang="en-US" altLang="zh-CN" b="0" i="1" smtClean="0">
+                              <a:latin typeface="Cambria Math" panose="02040503050406030204" pitchFamily="18" charset="0"/>
+                            </a:rPr>
+                            <m:t>𝑥</m:t>
+                          </m:r>
+                        </m:sub>
+                      </m:sSub>
+                      <m:r>
+                        <a:rPr kumimoji="1" lang="en-US" altLang="zh-CN" b="0" i="1" smtClean="0">
+                          <a:latin typeface="Cambria Math" panose="02040503050406030204" pitchFamily="18" charset="0"/>
+                        </a:rPr>
+                        <m:t>=32</m:t>
+                      </m:r>
+                    </m:oMath>
+                  </m:oMathPara>
+                </a14:m>
+                <a:endParaRPr kumimoji="1" lang="zh-CN" altLang="en-US" dirty="0"/>
+              </a:p>
+            </p:txBody>
+          </p:sp>
+        </mc:Choice>
+        <mc:Fallback>
+          <p:sp>
+            <p:nvSpPr>
+              <p:cNvPr id="15" name="文本框 14">
+                <a:extLst>
+                  <a:ext uri="{FF2B5EF4-FFF2-40B4-BE49-F238E27FC236}">
+                    <a16:creationId xmlns:a16="http://schemas.microsoft.com/office/drawing/2014/main" id="{3832E488-CF45-4F42-98BB-40BF98AB61F6}"/>
+                  </a:ext>
+                </a:extLst>
+              </p:cNvPr>
+              <p:cNvSpPr txBox="1">
+                <a:spLocks noRot="1" noChangeAspect="1" noMove="1" noResize="1" noEditPoints="1" noAdjustHandles="1" noChangeArrowheads="1" noChangeShapeType="1" noTextEdit="1"/>
+              </p:cNvSpPr>
+              <p:nvPr/>
+            </p:nvSpPr>
+            <p:spPr>
+              <a:xfrm>
+                <a:off x="9064600" y="710444"/>
+                <a:ext cx="857222" cy="276999"/>
+              </a:xfrm>
+              <a:prstGeom prst="rect">
+                <a:avLst/>
+              </a:prstGeom>
+              <a:blipFill>
+                <a:blip r:embed="rId7"/>
+                <a:stretch>
+                  <a:fillRect l="-4348" r="-4348" b="-9091"/>
+                </a:stretch>
+              </a:blipFill>
+            </p:spPr>
+            <p:txBody>
+              <a:bodyPr/>
+              <a:lstStyle/>
+              <a:p>
+                <a:r>
+                  <a:rPr lang="zh-CN" altLang="en-US">
+                    <a:noFill/>
+                  </a:rPr>
+                  <a:t> </a:t>
+                </a:r>
+              </a:p>
+            </p:txBody>
+          </p:sp>
+        </mc:Fallback>
+      </mc:AlternateContent>
+      <p:pic>
+        <p:nvPicPr>
+          <p:cNvPr id="17" name="图片 16">
+            <a:extLst>
+              <a:ext uri="{FF2B5EF4-FFF2-40B4-BE49-F238E27FC236}">
+                <a16:creationId xmlns:a16="http://schemas.microsoft.com/office/drawing/2014/main" id="{073C9F8B-2C33-2041-8424-C0725912D8FE}"/>
+              </a:ext>
+            </a:extLst>
+          </p:cNvPr>
+          <p:cNvPicPr>
+            <a:picLocks noChangeAspect="1"/>
+          </p:cNvPicPr>
+          <p:nvPr/>
+        </p:nvPicPr>
+        <p:blipFill>
+          <a:blip r:embed="rId8"/>
+          <a:stretch>
+            <a:fillRect/>
+          </a:stretch>
+        </p:blipFill>
+        <p:spPr>
+          <a:xfrm>
+            <a:off x="1183342" y="4192114"/>
+            <a:ext cx="5926311" cy="2675117"/>
+          </a:xfrm>
+          <a:prstGeom prst="rect">
+            <a:avLst/>
+          </a:prstGeom>
+        </p:spPr>
+      </p:pic>
+      <p:sp>
+        <p:nvSpPr>
+          <p:cNvPr id="18" name="椭圆 17">
+            <a:extLst>
+              <a:ext uri="{FF2B5EF4-FFF2-40B4-BE49-F238E27FC236}">
+                <a16:creationId xmlns:a16="http://schemas.microsoft.com/office/drawing/2014/main" id="{A1DB88F3-6F6B-CF4C-B7A9-C4E268012E03}"/>
+              </a:ext>
+            </a:extLst>
+          </p:cNvPr>
+          <p:cNvSpPr/>
+          <p:nvPr/>
+        </p:nvSpPr>
+        <p:spPr>
+          <a:xfrm>
+            <a:off x="2839252" y="4856714"/>
+            <a:ext cx="230521" cy="230521"/>
+          </a:xfrm>
+          <a:prstGeom prst="ellipse">
+            <a:avLst/>
+          </a:prstGeom>
+          <a:noFill/>
+          <a:ln w="38100">
+            <a:solidFill>
+              <a:srgbClr val="FF0000"/>
+            </a:solidFill>
+          </a:ln>
+        </p:spPr>
+        <p:style>
+          <a:lnRef idx="2">
+            <a:schemeClr val="accent1">
+              <a:shade val="50000"/>
+            </a:schemeClr>
+          </a:lnRef>
+          <a:fillRef idx="1">
+            <a:schemeClr val="accent1"/>
+          </a:fillRef>
+          <a:effectRef idx="0">
+            <a:schemeClr val="accent1"/>
+          </a:effectRef>
+          <a:fontRef idx="minor">
+            <a:schemeClr val="lt1"/>
+          </a:fontRef>
+        </p:style>
+        <p:txBody>
+          <a:bodyPr rtlCol="0" anchor="ctr"/>
+          <a:lstStyle/>
+          <a:p>
+            <a:pPr algn="ctr"/>
+            <a:endParaRPr kumimoji="1" lang="zh-CN" altLang="en-US"/>
+          </a:p>
+        </p:txBody>
+      </p:sp>
+      <mc:AlternateContent xmlns:mc="http://schemas.openxmlformats.org/markup-compatibility/2006">
+        <mc:Choice xmlns:a14="http://schemas.microsoft.com/office/drawing/2010/main" Requires="a14">
+          <p:sp>
+            <p:nvSpPr>
+              <p:cNvPr id="19" name="文本框 18">
+                <a:extLst>
+                  <a:ext uri="{FF2B5EF4-FFF2-40B4-BE49-F238E27FC236}">
+                    <a16:creationId xmlns:a16="http://schemas.microsoft.com/office/drawing/2014/main" id="{2A669481-3017-214A-874C-9615CD1C1DBD}"/>
+                  </a:ext>
+                </a:extLst>
+              </p:cNvPr>
+              <p:cNvSpPr txBox="1"/>
+              <p:nvPr/>
+            </p:nvSpPr>
+            <p:spPr>
+              <a:xfrm>
+                <a:off x="3461659" y="3911130"/>
+                <a:ext cx="857222" cy="276999"/>
+              </a:xfrm>
+              <a:prstGeom prst="rect">
+                <a:avLst/>
+              </a:prstGeom>
+              <a:noFill/>
+            </p:spPr>
+            <p:txBody>
+              <a:bodyPr wrap="none" lIns="0" tIns="0" rIns="0" bIns="0" rtlCol="0">
+                <a:spAutoFit/>
+              </a:bodyPr>
+              <a:lstStyle/>
+              <a:p>
+                <a14:m>
+                  <m:oMathPara xmlns:m="http://schemas.openxmlformats.org/officeDocument/2006/math">
+                    <m:oMathParaPr>
+                      <m:jc m:val="centerGroup"/>
+                    </m:oMathParaPr>
+                    <m:oMath xmlns:m="http://schemas.openxmlformats.org/officeDocument/2006/math">
+                      <m:sSub>
+                        <m:sSubPr>
+                          <m:ctrlPr>
+                            <a:rPr kumimoji="1" lang="en-US" altLang="zh-CN" b="0" i="1" smtClean="0">
+                              <a:latin typeface="Cambria Math" panose="02040503050406030204" pitchFamily="18" charset="0"/>
+                            </a:rPr>
+                          </m:ctrlPr>
+                        </m:sSubPr>
+                        <m:e>
+                          <m:r>
+                            <a:rPr kumimoji="1" lang="en-US" altLang="zh-CN" b="0" i="1" smtClean="0">
+                              <a:latin typeface="Cambria Math" panose="02040503050406030204" pitchFamily="18" charset="0"/>
+                            </a:rPr>
+                            <m:t>𝐿</m:t>
+                          </m:r>
+                        </m:e>
+                        <m:sub>
+                          <m:r>
+                            <a:rPr kumimoji="1" lang="en-US" altLang="zh-CN" b="0" i="1" smtClean="0">
+                              <a:latin typeface="Cambria Math" panose="02040503050406030204" pitchFamily="18" charset="0"/>
+                            </a:rPr>
+                            <m:t>𝑥</m:t>
+                          </m:r>
+                        </m:sub>
+                      </m:sSub>
+                      <m:r>
+                        <a:rPr kumimoji="1" lang="en-US" altLang="zh-CN" b="0" i="1" smtClean="0">
+                          <a:latin typeface="Cambria Math" panose="02040503050406030204" pitchFamily="18" charset="0"/>
+                        </a:rPr>
+                        <m:t>=48</m:t>
+                      </m:r>
+                    </m:oMath>
+                  </m:oMathPara>
+                </a14:m>
+                <a:endParaRPr kumimoji="1" lang="zh-CN" altLang="en-US" dirty="0"/>
+              </a:p>
+            </p:txBody>
+          </p:sp>
+        </mc:Choice>
+        <mc:Fallback>
+          <p:sp>
+            <p:nvSpPr>
+              <p:cNvPr id="19" name="文本框 18">
+                <a:extLst>
+                  <a:ext uri="{FF2B5EF4-FFF2-40B4-BE49-F238E27FC236}">
+                    <a16:creationId xmlns:a16="http://schemas.microsoft.com/office/drawing/2014/main" id="{2A669481-3017-214A-874C-9615CD1C1DBD}"/>
+                  </a:ext>
+                </a:extLst>
+              </p:cNvPr>
+              <p:cNvSpPr txBox="1">
+                <a:spLocks noRot="1" noChangeAspect="1" noMove="1" noResize="1" noEditPoints="1" noAdjustHandles="1" noChangeArrowheads="1" noChangeShapeType="1" noTextEdit="1"/>
+              </p:cNvSpPr>
+              <p:nvPr/>
+            </p:nvSpPr>
+            <p:spPr>
+              <a:xfrm>
+                <a:off x="3461659" y="3911130"/>
+                <a:ext cx="857222" cy="276999"/>
+              </a:xfrm>
+              <a:prstGeom prst="rect">
+                <a:avLst/>
+              </a:prstGeom>
+              <a:blipFill>
+                <a:blip r:embed="rId9"/>
+                <a:stretch>
+                  <a:fillRect l="-5882" r="-5882" b="-9091"/>
+                </a:stretch>
+              </a:blipFill>
+            </p:spPr>
+            <p:txBody>
+              <a:bodyPr/>
+              <a:lstStyle/>
+              <a:p>
+                <a:r>
+                  <a:rPr lang="zh-CN" altLang="en-US">
+                    <a:noFill/>
+                  </a:rPr>
+                  <a:t> </a:t>
+                </a:r>
+              </a:p>
+            </p:txBody>
+          </p:sp>
+        </mc:Fallback>
+      </mc:AlternateContent>
+      <p:sp>
+        <p:nvSpPr>
+          <p:cNvPr id="20" name="文本框 19">
+            <a:extLst>
+              <a:ext uri="{FF2B5EF4-FFF2-40B4-BE49-F238E27FC236}">
+                <a16:creationId xmlns:a16="http://schemas.microsoft.com/office/drawing/2014/main" id="{4DB44AD2-5AC5-1B49-8527-98CF946BB1E2}"/>
+              </a:ext>
+            </a:extLst>
+          </p:cNvPr>
+          <p:cNvSpPr txBox="1"/>
+          <p:nvPr/>
+        </p:nvSpPr>
+        <p:spPr>
+          <a:xfrm>
+            <a:off x="2765619" y="5087235"/>
+            <a:ext cx="377786" cy="307777"/>
+          </a:xfrm>
+          <a:prstGeom prst="rect">
+            <a:avLst/>
+          </a:prstGeom>
+          <a:noFill/>
+        </p:spPr>
+        <p:txBody>
+          <a:bodyPr wrap="square" rtlCol="0">
+            <a:spAutoFit/>
+          </a:bodyPr>
+          <a:lstStyle/>
+          <a:p>
+            <a:r>
+              <a:rPr kumimoji="1" lang="en-US" altLang="zh-CN" sz="1400" dirty="0">
+                <a:latin typeface="Times New Roman" panose="02020603050405020304" pitchFamily="18" charset="0"/>
+                <a:cs typeface="Times New Roman" panose="02020603050405020304" pitchFamily="18" charset="0"/>
+              </a:rPr>
+              <a:t>12</a:t>
+            </a:r>
+            <a:endParaRPr kumimoji="1" lang="zh-CN" altLang="en-US" sz="1400" dirty="0">
+              <a:latin typeface="Times New Roman" panose="02020603050405020304" pitchFamily="18" charset="0"/>
+              <a:cs typeface="Times New Roman" panose="02020603050405020304" pitchFamily="18" charset="0"/>
+            </a:endParaRPr>
+          </a:p>
+        </p:txBody>
+      </p:sp>
+    </p:spTree>
+    <p:extLst>
+      <p:ext uri="{BB962C8B-B14F-4D97-AF65-F5344CB8AC3E}">
+        <p14:creationId xmlns:p14="http://schemas.microsoft.com/office/powerpoint/2010/main" val="2471626849"/>
+      </p:ext>
+    </p:extLst>
+  </p:cSld>
+  <p:clrMapOvr>
+    <a:masterClrMapping/>
+  </p:clrMapOvr>
+</p:sld>
+</file>
+
+<file path=ppt/slides/slide5.xml><?xml version="1.0" encoding="utf-8"?>
+<p:sld xmlns:a="http://schemas.openxmlformats.org/drawingml/2006/main" xmlns:r="http://schemas.openxmlformats.org/officeDocument/2006/relationships" xmlns:p="http://schemas.openxmlformats.org/presentationml/2006/main">
+  <p:cSld>
+    <p:spTree>
+      <p:nvGrpSpPr>
+        <p:cNvPr id="1" name=""/>
+        <p:cNvGrpSpPr/>
+        <p:nvPr/>
+      </p:nvGrpSpPr>
+      <p:grpSpPr>
+        <a:xfrm>
+          <a:off x="0" y="0"/>
+          <a:ext cx="0" cy="0"/>
+          <a:chOff x="0" y="0"/>
+          <a:chExt cx="0" cy="0"/>
+        </a:xfrm>
+      </p:grpSpPr>
       <p:pic>
         <p:nvPicPr>
           <p:cNvPr id="3" name="图片 2">
@@ -7270,7 +8319,7 @@
 </p:sld>
 </file>
 
-<file path=ppt/slides/slide5.xml><?xml version="1.0" encoding="utf-8"?>
+<file path=ppt/slides/slide6.xml><?xml version="1.0" encoding="utf-8"?>
 <p:sld xmlns:a="http://schemas.openxmlformats.org/drawingml/2006/main" xmlns:r="http://schemas.openxmlformats.org/officeDocument/2006/relationships" xmlns:p="http://schemas.openxmlformats.org/presentationml/2006/main">
   <p:cSld>
     <p:spTree>
@@ -7576,7 +8625,7 @@
 </p:sld>
 </file>
 
-<file path=ppt/slides/slide6.xml><?xml version="1.0" encoding="utf-8"?>
+<file path=ppt/slides/slide7.xml><?xml version="1.0" encoding="utf-8"?>
 <p:sld xmlns:a="http://schemas.openxmlformats.org/drawingml/2006/main" xmlns:r="http://schemas.openxmlformats.org/officeDocument/2006/relationships" xmlns:p="http://schemas.openxmlformats.org/presentationml/2006/main" show="0">
   <p:cSld>
     <p:spTree>
@@ -7741,7 +8790,7 @@
 </p:sld>
 </file>
 
-<file path=ppt/slides/slide7.xml><?xml version="1.0" encoding="utf-8"?>
+<file path=ppt/slides/slide8.xml><?xml version="1.0" encoding="utf-8"?>
 <p:sld xmlns:a="http://schemas.openxmlformats.org/drawingml/2006/main" xmlns:r="http://schemas.openxmlformats.org/officeDocument/2006/relationships" xmlns:p="http://schemas.openxmlformats.org/presentationml/2006/main" show="0">
   <p:cSld>
     <p:spTree>

--- a/note/SSH-Hubbard-Note6.pptx
+++ b/note/SSH-Hubbard-Note6.pptx
@@ -5,17 +5,18 @@
     <p:sldMasterId id="2147483648" r:id="rId1"/>
   </p:sldMasterIdLst>
   <p:notesMasterIdLst>
-    <p:notesMasterId r:id="rId10"/>
+    <p:notesMasterId r:id="rId11"/>
   </p:notesMasterIdLst>
   <p:sldIdLst>
     <p:sldId id="257" r:id="rId2"/>
     <p:sldId id="261" r:id="rId3"/>
     <p:sldId id="263" r:id="rId4"/>
-    <p:sldId id="264" r:id="rId5"/>
-    <p:sldId id="262" r:id="rId6"/>
-    <p:sldId id="260" r:id="rId7"/>
-    <p:sldId id="258" r:id="rId8"/>
-    <p:sldId id="259" r:id="rId9"/>
+    <p:sldId id="262" r:id="rId5"/>
+    <p:sldId id="260" r:id="rId6"/>
+    <p:sldId id="264" r:id="rId7"/>
+    <p:sldId id="265" r:id="rId8"/>
+    <p:sldId id="258" r:id="rId9"/>
+    <p:sldId id="259" r:id="rId10"/>
   </p:sldIdLst>
   <p:sldSz cx="12192000" cy="6858000"/>
   <p:notesSz cx="6858000" cy="9144000"/>
@@ -204,7 +205,7 @@
           <a:p>
             <a:fld id="{F66D3945-E88B-024D-B052-6EEDA3375027}" type="datetimeFigureOut">
               <a:rPr kumimoji="1" lang="zh-CN" altLang="en-US" smtClean="0"/>
-              <a:t>2021/11/21</a:t>
+              <a:t>2021/11/24</a:t>
             </a:fld>
             <a:endParaRPr kumimoji="1" lang="zh-CN" altLang="en-US"/>
           </a:p>
@@ -702,7 +703,7 @@
           <a:p>
             <a:fld id="{7EC9D4B1-B320-B74E-A342-105CA0158066}" type="datetimeFigureOut">
               <a:rPr kumimoji="1" lang="zh-CN" altLang="en-US" smtClean="0"/>
-              <a:t>2021/11/21</a:t>
+              <a:t>2021/11/24</a:t>
             </a:fld>
             <a:endParaRPr kumimoji="1" lang="zh-CN" altLang="en-US"/>
           </a:p>
@@ -900,7 +901,7 @@
           <a:p>
             <a:fld id="{7EC9D4B1-B320-B74E-A342-105CA0158066}" type="datetimeFigureOut">
               <a:rPr kumimoji="1" lang="zh-CN" altLang="en-US" smtClean="0"/>
-              <a:t>2021/11/21</a:t>
+              <a:t>2021/11/24</a:t>
             </a:fld>
             <a:endParaRPr kumimoji="1" lang="zh-CN" altLang="en-US"/>
           </a:p>
@@ -1108,7 +1109,7 @@
           <a:p>
             <a:fld id="{7EC9D4B1-B320-B74E-A342-105CA0158066}" type="datetimeFigureOut">
               <a:rPr kumimoji="1" lang="zh-CN" altLang="en-US" smtClean="0"/>
-              <a:t>2021/11/21</a:t>
+              <a:t>2021/11/24</a:t>
             </a:fld>
             <a:endParaRPr kumimoji="1" lang="zh-CN" altLang="en-US"/>
           </a:p>
@@ -1306,7 +1307,7 @@
           <a:p>
             <a:fld id="{7EC9D4B1-B320-B74E-A342-105CA0158066}" type="datetimeFigureOut">
               <a:rPr kumimoji="1" lang="zh-CN" altLang="en-US" smtClean="0"/>
-              <a:t>2021/11/21</a:t>
+              <a:t>2021/11/24</a:t>
             </a:fld>
             <a:endParaRPr kumimoji="1" lang="zh-CN" altLang="en-US"/>
           </a:p>
@@ -1581,7 +1582,7 @@
           <a:p>
             <a:fld id="{7EC9D4B1-B320-B74E-A342-105CA0158066}" type="datetimeFigureOut">
               <a:rPr kumimoji="1" lang="zh-CN" altLang="en-US" smtClean="0"/>
-              <a:t>2021/11/21</a:t>
+              <a:t>2021/11/24</a:t>
             </a:fld>
             <a:endParaRPr kumimoji="1" lang="zh-CN" altLang="en-US"/>
           </a:p>
@@ -1846,7 +1847,7 @@
           <a:p>
             <a:fld id="{7EC9D4B1-B320-B74E-A342-105CA0158066}" type="datetimeFigureOut">
               <a:rPr kumimoji="1" lang="zh-CN" altLang="en-US" smtClean="0"/>
-              <a:t>2021/11/21</a:t>
+              <a:t>2021/11/24</a:t>
             </a:fld>
             <a:endParaRPr kumimoji="1" lang="zh-CN" altLang="en-US"/>
           </a:p>
@@ -2258,7 +2259,7 @@
           <a:p>
             <a:fld id="{7EC9D4B1-B320-B74E-A342-105CA0158066}" type="datetimeFigureOut">
               <a:rPr kumimoji="1" lang="zh-CN" altLang="en-US" smtClean="0"/>
-              <a:t>2021/11/21</a:t>
+              <a:t>2021/11/24</a:t>
             </a:fld>
             <a:endParaRPr kumimoji="1" lang="zh-CN" altLang="en-US"/>
           </a:p>
@@ -2399,7 +2400,7 @@
           <a:p>
             <a:fld id="{7EC9D4B1-B320-B74E-A342-105CA0158066}" type="datetimeFigureOut">
               <a:rPr kumimoji="1" lang="zh-CN" altLang="en-US" smtClean="0"/>
-              <a:t>2021/11/21</a:t>
+              <a:t>2021/11/24</a:t>
             </a:fld>
             <a:endParaRPr kumimoji="1" lang="zh-CN" altLang="en-US"/>
           </a:p>
@@ -2512,7 +2513,7 @@
           <a:p>
             <a:fld id="{7EC9D4B1-B320-B74E-A342-105CA0158066}" type="datetimeFigureOut">
               <a:rPr kumimoji="1" lang="zh-CN" altLang="en-US" smtClean="0"/>
-              <a:t>2021/11/21</a:t>
+              <a:t>2021/11/24</a:t>
             </a:fld>
             <a:endParaRPr kumimoji="1" lang="zh-CN" altLang="en-US"/>
           </a:p>
@@ -2823,7 +2824,7 @@
           <a:p>
             <a:fld id="{7EC9D4B1-B320-B74E-A342-105CA0158066}" type="datetimeFigureOut">
               <a:rPr kumimoji="1" lang="zh-CN" altLang="en-US" smtClean="0"/>
-              <a:t>2021/11/21</a:t>
+              <a:t>2021/11/24</a:t>
             </a:fld>
             <a:endParaRPr kumimoji="1" lang="zh-CN" altLang="en-US"/>
           </a:p>
@@ -3111,7 +3112,7 @@
           <a:p>
             <a:fld id="{7EC9D4B1-B320-B74E-A342-105CA0158066}" type="datetimeFigureOut">
               <a:rPr kumimoji="1" lang="zh-CN" altLang="en-US" smtClean="0"/>
-              <a:t>2021/11/21</a:t>
+              <a:t>2021/11/24</a:t>
             </a:fld>
             <a:endParaRPr kumimoji="1" lang="zh-CN" altLang="en-US"/>
           </a:p>
@@ -3352,7 +3353,7 @@
           <a:p>
             <a:fld id="{7EC9D4B1-B320-B74E-A342-105CA0158066}" type="datetimeFigureOut">
               <a:rPr kumimoji="1" lang="zh-CN" altLang="en-US" smtClean="0"/>
-              <a:t>2021/11/21</a:t>
+              <a:t>2021/11/24</a:t>
             </a:fld>
             <a:endParaRPr kumimoji="1" lang="zh-CN" altLang="en-US"/>
           </a:p>
@@ -5636,16 +5637,27 @@
             <p:ph type="title"/>
           </p:nvPr>
         </p:nvSpPr>
-        <p:spPr/>
+        <p:spPr>
+          <a:xfrm>
+            <a:off x="676836" y="557225"/>
+            <a:ext cx="10515600" cy="1325563"/>
+          </a:xfrm>
+        </p:spPr>
         <p:txBody>
           <a:bodyPr/>
           <a:lstStyle/>
           <a:p>
             <a:r>
-              <a:rPr kumimoji="1" lang="en-US" altLang="zh-CN" dirty="0"/>
-              <a:t>Truncation error (1e-6)</a:t>
+              <a:rPr kumimoji="1" lang="en-US" altLang="zh-CN" dirty="0">
+                <a:latin typeface="Times New Roman" panose="02020603050405020304" pitchFamily="18" charset="0"/>
+                <a:cs typeface="Times New Roman" panose="02020603050405020304" pitchFamily="18" charset="0"/>
+              </a:rPr>
+              <a:t>Truncation error (1e-6), extract from the middle bond</a:t>
             </a:r>
-            <a:endParaRPr kumimoji="1" lang="zh-CN" altLang="en-US" dirty="0"/>
+            <a:endParaRPr kumimoji="1" lang="zh-CN" altLang="en-US" dirty="0">
+              <a:latin typeface="Times New Roman" panose="02020603050405020304" pitchFamily="18" charset="0"/>
+              <a:cs typeface="Times New Roman" panose="02020603050405020304" pitchFamily="18" charset="0"/>
+            </a:endParaRPr>
           </a:p>
         </p:txBody>
       </p:sp>
@@ -5664,13 +5676,13 @@
           <p:nvPr>
             <p:extLst>
               <p:ext uri="{D42A27DB-BD31-4B8C-83A1-F6EECF244321}">
-                <p14:modId xmlns:p14="http://schemas.microsoft.com/office/powerpoint/2010/main" val="960787257"/>
+                <p14:modId xmlns:p14="http://schemas.microsoft.com/office/powerpoint/2010/main" val="4058255257"/>
               </p:ext>
             </p:extLst>
           </p:nvPr>
         </p:nvGraphicFramePr>
         <p:xfrm>
-          <a:off x="753036" y="2825091"/>
+          <a:off x="875981" y="2164264"/>
           <a:ext cx="8884449" cy="2223661"/>
         </p:xfrm>
         <a:graphic>
@@ -5751,10 +5763,16 @@
                     <a:lstStyle/>
                     <a:p>
                       <a:r>
-                        <a:rPr lang="en-US" altLang="zh-CN" dirty="0"/>
+                        <a:rPr lang="en-US" altLang="zh-CN" dirty="0">
+                          <a:latin typeface="Times New Roman" panose="02020603050405020304" pitchFamily="18" charset="0"/>
+                          <a:cs typeface="Times New Roman" panose="02020603050405020304" pitchFamily="18" charset="0"/>
+                        </a:rPr>
                         <a:t>Lx\D</a:t>
                       </a:r>
-                      <a:endParaRPr lang="zh-CN" altLang="en-US" dirty="0"/>
+                      <a:endParaRPr lang="zh-CN" altLang="en-US" dirty="0">
+                        <a:latin typeface="Times New Roman" panose="02020603050405020304" pitchFamily="18" charset="0"/>
+                        <a:cs typeface="Times New Roman" panose="02020603050405020304" pitchFamily="18" charset="0"/>
+                      </a:endParaRPr>
                     </a:p>
                   </a:txBody>
                   <a:tcPr/>
@@ -5765,10 +5783,16 @@
                     <a:lstStyle/>
                     <a:p>
                       <a:r>
-                        <a:rPr lang="en-US" altLang="zh-CN" dirty="0"/>
+                        <a:rPr lang="en-US" altLang="zh-CN" dirty="0">
+                          <a:latin typeface="Times New Roman" panose="02020603050405020304" pitchFamily="18" charset="0"/>
+                          <a:cs typeface="Times New Roman" panose="02020603050405020304" pitchFamily="18" charset="0"/>
+                        </a:rPr>
                         <a:t>8000</a:t>
                       </a:r>
-                      <a:endParaRPr lang="zh-CN" altLang="en-US" dirty="0"/>
+                      <a:endParaRPr lang="zh-CN" altLang="en-US" dirty="0">
+                        <a:latin typeface="Times New Roman" panose="02020603050405020304" pitchFamily="18" charset="0"/>
+                        <a:cs typeface="Times New Roman" panose="02020603050405020304" pitchFamily="18" charset="0"/>
+                      </a:endParaRPr>
                     </a:p>
                   </a:txBody>
                   <a:tcPr/>
@@ -5779,10 +5803,16 @@
                     <a:lstStyle/>
                     <a:p>
                       <a:r>
-                        <a:rPr lang="en-US" altLang="zh-CN" dirty="0"/>
+                        <a:rPr lang="en-US" altLang="zh-CN" dirty="0">
+                          <a:latin typeface="Times New Roman" panose="02020603050405020304" pitchFamily="18" charset="0"/>
+                          <a:cs typeface="Times New Roman" panose="02020603050405020304" pitchFamily="18" charset="0"/>
+                        </a:rPr>
                         <a:t>10000</a:t>
                       </a:r>
-                      <a:endParaRPr lang="zh-CN" altLang="en-US" dirty="0"/>
+                      <a:endParaRPr lang="zh-CN" altLang="en-US" dirty="0">
+                        <a:latin typeface="Times New Roman" panose="02020603050405020304" pitchFamily="18" charset="0"/>
+                        <a:cs typeface="Times New Roman" panose="02020603050405020304" pitchFamily="18" charset="0"/>
+                      </a:endParaRPr>
                     </a:p>
                   </a:txBody>
                   <a:tcPr/>
@@ -5793,10 +5823,16 @@
                     <a:lstStyle/>
                     <a:p>
                       <a:r>
-                        <a:rPr lang="en-US" altLang="zh-CN" dirty="0"/>
+                        <a:rPr lang="en-US" altLang="zh-CN" dirty="0">
+                          <a:latin typeface="Times New Roman" panose="02020603050405020304" pitchFamily="18" charset="0"/>
+                          <a:cs typeface="Times New Roman" panose="02020603050405020304" pitchFamily="18" charset="0"/>
+                        </a:rPr>
                         <a:t>12000</a:t>
                       </a:r>
-                      <a:endParaRPr lang="zh-CN" altLang="en-US" dirty="0"/>
+                      <a:endParaRPr lang="zh-CN" altLang="en-US" dirty="0">
+                        <a:latin typeface="Times New Roman" panose="02020603050405020304" pitchFamily="18" charset="0"/>
+                        <a:cs typeface="Times New Roman" panose="02020603050405020304" pitchFamily="18" charset="0"/>
+                      </a:endParaRPr>
                     </a:p>
                   </a:txBody>
                   <a:tcPr/>
@@ -5807,10 +5843,16 @@
                     <a:lstStyle/>
                     <a:p>
                       <a:r>
-                        <a:rPr lang="en-US" altLang="zh-CN" dirty="0"/>
+                        <a:rPr lang="en-US" altLang="zh-CN" dirty="0">
+                          <a:latin typeface="Times New Roman" panose="02020603050405020304" pitchFamily="18" charset="0"/>
+                          <a:cs typeface="Times New Roman" panose="02020603050405020304" pitchFamily="18" charset="0"/>
+                        </a:rPr>
                         <a:t>14000</a:t>
                       </a:r>
-                      <a:endParaRPr lang="zh-CN" altLang="en-US" dirty="0"/>
+                      <a:endParaRPr lang="zh-CN" altLang="en-US" dirty="0">
+                        <a:latin typeface="Times New Roman" panose="02020603050405020304" pitchFamily="18" charset="0"/>
+                        <a:cs typeface="Times New Roman" panose="02020603050405020304" pitchFamily="18" charset="0"/>
+                      </a:endParaRPr>
                     </a:p>
                   </a:txBody>
                   <a:tcPr/>
@@ -5821,10 +5863,16 @@
                     <a:lstStyle/>
                     <a:p>
                       <a:r>
-                        <a:rPr lang="en-US" altLang="zh-CN" dirty="0"/>
+                        <a:rPr lang="en-US" altLang="zh-CN" dirty="0">
+                          <a:latin typeface="Times New Roman" panose="02020603050405020304" pitchFamily="18" charset="0"/>
+                          <a:cs typeface="Times New Roman" panose="02020603050405020304" pitchFamily="18" charset="0"/>
+                        </a:rPr>
                         <a:t>16000</a:t>
                       </a:r>
-                      <a:endParaRPr lang="zh-CN" altLang="en-US" dirty="0"/>
+                      <a:endParaRPr lang="zh-CN" altLang="en-US" dirty="0">
+                        <a:latin typeface="Times New Roman" panose="02020603050405020304" pitchFamily="18" charset="0"/>
+                        <a:cs typeface="Times New Roman" panose="02020603050405020304" pitchFamily="18" charset="0"/>
+                      </a:endParaRPr>
                     </a:p>
                   </a:txBody>
                   <a:tcPr/>
@@ -5835,10 +5883,16 @@
                     <a:lstStyle/>
                     <a:p>
                       <a:r>
-                        <a:rPr lang="en-US" altLang="zh-CN" dirty="0"/>
+                        <a:rPr lang="en-US" altLang="zh-CN" dirty="0">
+                          <a:latin typeface="Times New Roman" panose="02020603050405020304" pitchFamily="18" charset="0"/>
+                          <a:cs typeface="Times New Roman" panose="02020603050405020304" pitchFamily="18" charset="0"/>
+                        </a:rPr>
                         <a:t>18000</a:t>
                       </a:r>
-                      <a:endParaRPr lang="zh-CN" altLang="en-US" dirty="0"/>
+                      <a:endParaRPr lang="zh-CN" altLang="en-US" dirty="0">
+                        <a:latin typeface="Times New Roman" panose="02020603050405020304" pitchFamily="18" charset="0"/>
+                        <a:cs typeface="Times New Roman" panose="02020603050405020304" pitchFamily="18" charset="0"/>
+                      </a:endParaRPr>
                     </a:p>
                   </a:txBody>
                   <a:tcPr/>
@@ -5849,10 +5903,16 @@
                     <a:lstStyle/>
                     <a:p>
                       <a:r>
-                        <a:rPr lang="en-US" altLang="zh-CN" dirty="0"/>
+                        <a:rPr lang="en-US" altLang="zh-CN" dirty="0">
+                          <a:latin typeface="Times New Roman" panose="02020603050405020304" pitchFamily="18" charset="0"/>
+                          <a:cs typeface="Times New Roman" panose="02020603050405020304" pitchFamily="18" charset="0"/>
+                        </a:rPr>
                         <a:t>20000</a:t>
                       </a:r>
-                      <a:endParaRPr lang="zh-CN" altLang="en-US" dirty="0"/>
+                      <a:endParaRPr lang="zh-CN" altLang="en-US" dirty="0">
+                        <a:latin typeface="Times New Roman" panose="02020603050405020304" pitchFamily="18" charset="0"/>
+                        <a:cs typeface="Times New Roman" panose="02020603050405020304" pitchFamily="18" charset="0"/>
+                      </a:endParaRPr>
                     </a:p>
                   </a:txBody>
                   <a:tcPr/>
@@ -5880,10 +5940,16 @@
                     <a:lstStyle/>
                     <a:p>
                       <a:r>
-                        <a:rPr lang="en-US" altLang="zh-CN" dirty="0"/>
+                        <a:rPr lang="en-US" altLang="zh-CN" dirty="0">
+                          <a:latin typeface="Times New Roman" panose="02020603050405020304" pitchFamily="18" charset="0"/>
+                          <a:cs typeface="Times New Roman" panose="02020603050405020304" pitchFamily="18" charset="0"/>
+                        </a:rPr>
                         <a:t>16</a:t>
                       </a:r>
-                      <a:endParaRPr lang="zh-CN" altLang="en-US" dirty="0"/>
+                      <a:endParaRPr lang="zh-CN" altLang="en-US" dirty="0">
+                        <a:latin typeface="Times New Roman" panose="02020603050405020304" pitchFamily="18" charset="0"/>
+                        <a:cs typeface="Times New Roman" panose="02020603050405020304" pitchFamily="18" charset="0"/>
+                      </a:endParaRPr>
                     </a:p>
                   </a:txBody>
                   <a:tcPr/>
@@ -5916,13 +5982,16 @@
                             <a:schemeClr val="dk1"/>
                           </a:solidFill>
                           <a:effectLst/>
-                          <a:latin typeface="+mn-lt"/>
+                          <a:latin typeface="Times New Roman" panose="02020603050405020304" pitchFamily="18" charset="0"/>
                           <a:ea typeface="+mn-ea"/>
-                          <a:cs typeface="+mn-cs"/>
+                          <a:cs typeface="Times New Roman" panose="02020603050405020304" pitchFamily="18" charset="0"/>
                         </a:rPr>
                         <a:t>3.37</a:t>
                       </a:r>
-                      <a:endParaRPr lang="zh-CN" altLang="en-US" dirty="0"/>
+                      <a:endParaRPr lang="zh-CN" altLang="en-US" dirty="0">
+                        <a:latin typeface="Times New Roman" panose="02020603050405020304" pitchFamily="18" charset="0"/>
+                        <a:cs typeface="Times New Roman" panose="02020603050405020304" pitchFamily="18" charset="0"/>
+                      </a:endParaRPr>
                     </a:p>
                   </a:txBody>
                   <a:tcPr/>
@@ -5955,9 +6024,9 @@
                             <a:schemeClr val="dk1"/>
                           </a:solidFill>
                           <a:effectLst/>
-                          <a:latin typeface="+mn-lt"/>
+                          <a:latin typeface="Times New Roman" panose="02020603050405020304" pitchFamily="18" charset="0"/>
                           <a:ea typeface="+mn-ea"/>
-                          <a:cs typeface="+mn-cs"/>
+                          <a:cs typeface="Times New Roman" panose="02020603050405020304" pitchFamily="18" charset="0"/>
                         </a:rPr>
                         <a:t>2.82</a:t>
                       </a:r>
@@ -5993,11 +6062,11 @@
                             <a:schemeClr val="dk1"/>
                           </a:solidFill>
                           <a:effectLst/>
-                          <a:latin typeface="+mn-lt"/>
+                          <a:latin typeface="Times New Roman" panose="02020603050405020304" pitchFamily="18" charset="0"/>
                           <a:ea typeface="+mn-ea"/>
-                          <a:cs typeface="+mn-cs"/>
+                          <a:cs typeface="Times New Roman" panose="02020603050405020304" pitchFamily="18" charset="0"/>
                         </a:rPr>
-                        <a:t>2.44</a:t>
+                        <a:t>2.45</a:t>
                       </a:r>
                     </a:p>
                   </a:txBody>
@@ -6008,7 +6077,10 @@
                     <a:bodyPr/>
                     <a:lstStyle/>
                     <a:p>
-                      <a:endParaRPr lang="zh-CN" altLang="en-US"/>
+                      <a:endParaRPr lang="zh-CN" altLang="en-US">
+                        <a:latin typeface="Times New Roman" panose="02020603050405020304" pitchFamily="18" charset="0"/>
+                        <a:cs typeface="Times New Roman" panose="02020603050405020304" pitchFamily="18" charset="0"/>
+                      </a:endParaRPr>
                     </a:p>
                   </a:txBody>
                   <a:tcPr/>
@@ -6018,7 +6090,10 @@
                     <a:bodyPr/>
                     <a:lstStyle/>
                     <a:p>
-                      <a:endParaRPr lang="zh-CN" altLang="en-US"/>
+                      <a:endParaRPr lang="zh-CN" altLang="en-US">
+                        <a:latin typeface="Times New Roman" panose="02020603050405020304" pitchFamily="18" charset="0"/>
+                        <a:cs typeface="Times New Roman" panose="02020603050405020304" pitchFamily="18" charset="0"/>
+                      </a:endParaRPr>
                     </a:p>
                   </a:txBody>
                   <a:tcPr/>
@@ -6028,7 +6103,10 @@
                     <a:bodyPr/>
                     <a:lstStyle/>
                     <a:p>
-                      <a:endParaRPr lang="zh-CN" altLang="en-US"/>
+                      <a:endParaRPr lang="zh-CN" altLang="en-US">
+                        <a:latin typeface="Times New Roman" panose="02020603050405020304" pitchFamily="18" charset="0"/>
+                        <a:cs typeface="Times New Roman" panose="02020603050405020304" pitchFamily="18" charset="0"/>
+                      </a:endParaRPr>
                     </a:p>
                   </a:txBody>
                   <a:tcPr/>
@@ -6038,7 +6116,10 @@
                     <a:bodyPr/>
                     <a:lstStyle/>
                     <a:p>
-                      <a:endParaRPr lang="zh-CN" altLang="en-US"/>
+                      <a:endParaRPr lang="zh-CN" altLang="en-US">
+                        <a:latin typeface="Times New Roman" panose="02020603050405020304" pitchFamily="18" charset="0"/>
+                        <a:cs typeface="Times New Roman" panose="02020603050405020304" pitchFamily="18" charset="0"/>
+                      </a:endParaRPr>
                     </a:p>
                   </a:txBody>
                   <a:tcPr/>
@@ -6066,10 +6147,16 @@
                     <a:lstStyle/>
                     <a:p>
                       <a:r>
-                        <a:rPr lang="en-US" altLang="zh-CN" dirty="0"/>
+                        <a:rPr lang="en-US" altLang="zh-CN" dirty="0">
+                          <a:latin typeface="Times New Roman" panose="02020603050405020304" pitchFamily="18" charset="0"/>
+                          <a:cs typeface="Times New Roman" panose="02020603050405020304" pitchFamily="18" charset="0"/>
+                        </a:rPr>
                         <a:t>24</a:t>
                       </a:r>
-                      <a:endParaRPr lang="zh-CN" altLang="en-US" dirty="0"/>
+                      <a:endParaRPr lang="zh-CN" altLang="en-US" dirty="0">
+                        <a:latin typeface="Times New Roman" panose="02020603050405020304" pitchFamily="18" charset="0"/>
+                        <a:cs typeface="Times New Roman" panose="02020603050405020304" pitchFamily="18" charset="0"/>
+                      </a:endParaRPr>
                     </a:p>
                   </a:txBody>
                   <a:tcPr/>
@@ -6102,9 +6189,9 @@
                             <a:schemeClr val="dk1"/>
                           </a:solidFill>
                           <a:effectLst/>
-                          <a:latin typeface="+mn-lt"/>
+                          <a:latin typeface="Times New Roman" panose="02020603050405020304" pitchFamily="18" charset="0"/>
                           <a:ea typeface="+mn-ea"/>
-                          <a:cs typeface="+mn-cs"/>
+                          <a:cs typeface="Times New Roman" panose="02020603050405020304" pitchFamily="18" charset="0"/>
                         </a:rPr>
                         <a:t>3.44</a:t>
                       </a:r>
@@ -6140,9 +6227,9 @@
                             <a:schemeClr val="dk1"/>
                           </a:solidFill>
                           <a:effectLst/>
-                          <a:latin typeface="+mn-lt"/>
+                          <a:latin typeface="Times New Roman" panose="02020603050405020304" pitchFamily="18" charset="0"/>
                           <a:ea typeface="+mn-ea"/>
-                          <a:cs typeface="+mn-cs"/>
+                          <a:cs typeface="Times New Roman" panose="02020603050405020304" pitchFamily="18" charset="0"/>
                         </a:rPr>
                         <a:t>2.79</a:t>
                       </a:r>
@@ -6178,9 +6265,9 @@
                             <a:schemeClr val="dk1"/>
                           </a:solidFill>
                           <a:effectLst/>
-                          <a:latin typeface="+mn-lt"/>
+                          <a:latin typeface="Times New Roman" panose="02020603050405020304" pitchFamily="18" charset="0"/>
                           <a:ea typeface="+mn-ea"/>
-                          <a:cs typeface="+mn-cs"/>
+                          <a:cs typeface="Times New Roman" panose="02020603050405020304" pitchFamily="18" charset="0"/>
                         </a:rPr>
                         <a:t>2.41</a:t>
                       </a:r>
@@ -6216,11 +6303,11 @@
                             <a:schemeClr val="dk1"/>
                           </a:solidFill>
                           <a:effectLst/>
-                          <a:latin typeface="+mn-lt"/>
+                          <a:latin typeface="Times New Roman" panose="02020603050405020304" pitchFamily="18" charset="0"/>
                           <a:ea typeface="+mn-ea"/>
-                          <a:cs typeface="+mn-cs"/>
+                          <a:cs typeface="Times New Roman" panose="02020603050405020304" pitchFamily="18" charset="0"/>
                         </a:rPr>
-                        <a:t>2.14</a:t>
+                        <a:t>2.17</a:t>
                       </a:r>
                     </a:p>
                   </a:txBody>
@@ -6231,7 +6318,10 @@
                     <a:bodyPr/>
                     <a:lstStyle/>
                     <a:p>
-                      <a:endParaRPr lang="zh-CN" altLang="en-US"/>
+                      <a:endParaRPr lang="zh-CN" altLang="en-US">
+                        <a:latin typeface="Times New Roman" panose="02020603050405020304" pitchFamily="18" charset="0"/>
+                        <a:cs typeface="Times New Roman" panose="02020603050405020304" pitchFamily="18" charset="0"/>
+                      </a:endParaRPr>
                     </a:p>
                   </a:txBody>
                   <a:tcPr/>
@@ -6241,7 +6331,10 @@
                     <a:bodyPr/>
                     <a:lstStyle/>
                     <a:p>
-                      <a:endParaRPr lang="zh-CN" altLang="en-US"/>
+                      <a:endParaRPr lang="zh-CN" altLang="en-US">
+                        <a:latin typeface="Times New Roman" panose="02020603050405020304" pitchFamily="18" charset="0"/>
+                        <a:cs typeface="Times New Roman" panose="02020603050405020304" pitchFamily="18" charset="0"/>
+                      </a:endParaRPr>
                     </a:p>
                   </a:txBody>
                   <a:tcPr/>
@@ -6251,7 +6344,10 @@
                     <a:bodyPr/>
                     <a:lstStyle/>
                     <a:p>
-                      <a:endParaRPr lang="zh-CN" altLang="en-US"/>
+                      <a:endParaRPr lang="zh-CN" altLang="en-US">
+                        <a:latin typeface="Times New Roman" panose="02020603050405020304" pitchFamily="18" charset="0"/>
+                        <a:cs typeface="Times New Roman" panose="02020603050405020304" pitchFamily="18" charset="0"/>
+                      </a:endParaRPr>
                     </a:p>
                   </a:txBody>
                   <a:tcPr/>
@@ -6279,10 +6375,16 @@
                     <a:lstStyle/>
                     <a:p>
                       <a:r>
-                        <a:rPr lang="en-US" altLang="zh-CN" dirty="0"/>
+                        <a:rPr lang="en-US" altLang="zh-CN" dirty="0">
+                          <a:latin typeface="Times New Roman" panose="02020603050405020304" pitchFamily="18" charset="0"/>
+                          <a:cs typeface="Times New Roman" panose="02020603050405020304" pitchFamily="18" charset="0"/>
+                        </a:rPr>
                         <a:t>32</a:t>
                       </a:r>
-                      <a:endParaRPr lang="zh-CN" altLang="en-US" dirty="0"/>
+                      <a:endParaRPr lang="zh-CN" altLang="en-US" dirty="0">
+                        <a:latin typeface="Times New Roman" panose="02020603050405020304" pitchFamily="18" charset="0"/>
+                        <a:cs typeface="Times New Roman" panose="02020603050405020304" pitchFamily="18" charset="0"/>
+                      </a:endParaRPr>
                     </a:p>
                   </a:txBody>
                   <a:tcPr/>
@@ -6315,9 +6417,9 @@
                             <a:schemeClr val="dk1"/>
                           </a:solidFill>
                           <a:effectLst/>
-                          <a:latin typeface="+mn-lt"/>
+                          <a:latin typeface="Times New Roman" panose="02020603050405020304" pitchFamily="18" charset="0"/>
                           <a:ea typeface="+mn-ea"/>
-                          <a:cs typeface="+mn-cs"/>
+                          <a:cs typeface="Times New Roman" panose="02020603050405020304" pitchFamily="18" charset="0"/>
                         </a:rPr>
                         <a:t>3.70</a:t>
                       </a:r>
@@ -6353,9 +6455,9 @@
                             <a:schemeClr val="dk1"/>
                           </a:solidFill>
                           <a:effectLst/>
-                          <a:latin typeface="+mn-lt"/>
+                          <a:latin typeface="Times New Roman" panose="02020603050405020304" pitchFamily="18" charset="0"/>
                           <a:ea typeface="+mn-ea"/>
-                          <a:cs typeface="+mn-cs"/>
+                          <a:cs typeface="Times New Roman" panose="02020603050405020304" pitchFamily="18" charset="0"/>
                         </a:rPr>
                         <a:t>2.96</a:t>
                       </a:r>
@@ -6391,11 +6493,11 @@
                             <a:schemeClr val="dk1"/>
                           </a:solidFill>
                           <a:effectLst/>
-                          <a:latin typeface="+mn-lt"/>
+                          <a:latin typeface="Times New Roman" panose="02020603050405020304" pitchFamily="18" charset="0"/>
                           <a:ea typeface="+mn-ea"/>
-                          <a:cs typeface="+mn-cs"/>
+                          <a:cs typeface="Times New Roman" panose="02020603050405020304" pitchFamily="18" charset="0"/>
                         </a:rPr>
-                        <a:t>2.60</a:t>
+                        <a:t>2.61</a:t>
                       </a:r>
                     </a:p>
                   </a:txBody>
@@ -6429,9 +6531,9 @@
                             <a:schemeClr val="dk1"/>
                           </a:solidFill>
                           <a:effectLst/>
-                          <a:latin typeface="+mn-lt"/>
+                          <a:latin typeface="Times New Roman" panose="02020603050405020304" pitchFamily="18" charset="0"/>
                           <a:ea typeface="+mn-ea"/>
-                          <a:cs typeface="+mn-cs"/>
+                          <a:cs typeface="Times New Roman" panose="02020603050405020304" pitchFamily="18" charset="0"/>
                         </a:rPr>
                         <a:t>2.49</a:t>
                       </a:r>
@@ -6444,7 +6546,10 @@
                     <a:bodyPr/>
                     <a:lstStyle/>
                     <a:p>
-                      <a:endParaRPr lang="zh-CN" altLang="en-US"/>
+                      <a:endParaRPr lang="zh-CN" altLang="en-US">
+                        <a:latin typeface="Times New Roman" panose="02020603050405020304" pitchFamily="18" charset="0"/>
+                        <a:cs typeface="Times New Roman" panose="02020603050405020304" pitchFamily="18" charset="0"/>
+                      </a:endParaRPr>
                     </a:p>
                   </a:txBody>
                   <a:tcPr/>
@@ -6454,7 +6559,10 @@
                     <a:bodyPr/>
                     <a:lstStyle/>
                     <a:p>
-                      <a:endParaRPr lang="zh-CN" altLang="en-US"/>
+                      <a:endParaRPr lang="zh-CN" altLang="en-US" dirty="0">
+                        <a:latin typeface="Times New Roman" panose="02020603050405020304" pitchFamily="18" charset="0"/>
+                        <a:cs typeface="Times New Roman" panose="02020603050405020304" pitchFamily="18" charset="0"/>
+                      </a:endParaRPr>
                     </a:p>
                   </a:txBody>
                   <a:tcPr/>
@@ -6464,7 +6572,10 @@
                     <a:bodyPr/>
                     <a:lstStyle/>
                     <a:p>
-                      <a:endParaRPr lang="zh-CN" altLang="en-US"/>
+                      <a:endParaRPr lang="zh-CN" altLang="en-US">
+                        <a:latin typeface="Times New Roman" panose="02020603050405020304" pitchFamily="18" charset="0"/>
+                        <a:cs typeface="Times New Roman" panose="02020603050405020304" pitchFamily="18" charset="0"/>
+                      </a:endParaRPr>
                     </a:p>
                   </a:txBody>
                   <a:tcPr/>
@@ -6492,10 +6603,16 @@
                     <a:lstStyle/>
                     <a:p>
                       <a:r>
-                        <a:rPr lang="en-US" altLang="zh-CN" dirty="0"/>
+                        <a:rPr lang="en-US" altLang="zh-CN" dirty="0">
+                          <a:latin typeface="Times New Roman" panose="02020603050405020304" pitchFamily="18" charset="0"/>
+                          <a:cs typeface="Times New Roman" panose="02020603050405020304" pitchFamily="18" charset="0"/>
+                        </a:rPr>
                         <a:t>40</a:t>
                       </a:r>
-                      <a:endParaRPr lang="zh-CN" altLang="en-US" dirty="0"/>
+                      <a:endParaRPr lang="zh-CN" altLang="en-US" dirty="0">
+                        <a:latin typeface="Times New Roman" panose="02020603050405020304" pitchFamily="18" charset="0"/>
+                        <a:cs typeface="Times New Roman" panose="02020603050405020304" pitchFamily="18" charset="0"/>
+                      </a:endParaRPr>
                     </a:p>
                   </a:txBody>
                   <a:tcPr/>
@@ -6505,7 +6622,10 @@
                     <a:bodyPr/>
                     <a:lstStyle/>
                     <a:p>
-                      <a:endParaRPr lang="zh-CN" altLang="en-US" dirty="0"/>
+                      <a:endParaRPr lang="zh-CN" altLang="en-US" dirty="0">
+                        <a:latin typeface="Times New Roman" panose="02020603050405020304" pitchFamily="18" charset="0"/>
+                        <a:cs typeface="Times New Roman" panose="02020603050405020304" pitchFamily="18" charset="0"/>
+                      </a:endParaRPr>
                     </a:p>
                   </a:txBody>
                   <a:tcPr/>
@@ -6515,7 +6635,10 @@
                     <a:bodyPr/>
                     <a:lstStyle/>
                     <a:p>
-                      <a:endParaRPr lang="zh-CN" altLang="en-US"/>
+                      <a:endParaRPr lang="zh-CN" altLang="en-US">
+                        <a:latin typeface="Times New Roman" panose="02020603050405020304" pitchFamily="18" charset="0"/>
+                        <a:cs typeface="Times New Roman" panose="02020603050405020304" pitchFamily="18" charset="0"/>
+                      </a:endParaRPr>
                     </a:p>
                   </a:txBody>
                   <a:tcPr/>
@@ -6525,7 +6648,10 @@
                     <a:bodyPr/>
                     <a:lstStyle/>
                     <a:p>
-                      <a:endParaRPr lang="zh-CN" altLang="en-US"/>
+                      <a:endParaRPr lang="zh-CN" altLang="en-US" dirty="0">
+                        <a:latin typeface="Times New Roman" panose="02020603050405020304" pitchFamily="18" charset="0"/>
+                        <a:cs typeface="Times New Roman" panose="02020603050405020304" pitchFamily="18" charset="0"/>
+                      </a:endParaRPr>
                     </a:p>
                   </a:txBody>
                   <a:tcPr/>
@@ -6535,7 +6661,10 @@
                     <a:bodyPr/>
                     <a:lstStyle/>
                     <a:p>
-                      <a:endParaRPr lang="zh-CN" altLang="en-US"/>
+                      <a:endParaRPr lang="zh-CN" altLang="en-US">
+                        <a:latin typeface="Times New Roman" panose="02020603050405020304" pitchFamily="18" charset="0"/>
+                        <a:cs typeface="Times New Roman" panose="02020603050405020304" pitchFamily="18" charset="0"/>
+                      </a:endParaRPr>
                     </a:p>
                   </a:txBody>
                   <a:tcPr/>
@@ -6545,7 +6674,10 @@
                     <a:bodyPr/>
                     <a:lstStyle/>
                     <a:p>
-                      <a:endParaRPr lang="zh-CN" altLang="en-US"/>
+                      <a:endParaRPr lang="zh-CN" altLang="en-US" dirty="0">
+                        <a:latin typeface="Times New Roman" panose="02020603050405020304" pitchFamily="18" charset="0"/>
+                        <a:cs typeface="Times New Roman" panose="02020603050405020304" pitchFamily="18" charset="0"/>
+                      </a:endParaRPr>
                     </a:p>
                   </a:txBody>
                   <a:tcPr/>
@@ -6555,7 +6687,10 @@
                     <a:bodyPr/>
                     <a:lstStyle/>
                     <a:p>
-                      <a:endParaRPr lang="zh-CN" altLang="en-US"/>
+                      <a:endParaRPr lang="zh-CN" altLang="en-US">
+                        <a:latin typeface="Times New Roman" panose="02020603050405020304" pitchFamily="18" charset="0"/>
+                        <a:cs typeface="Times New Roman" panose="02020603050405020304" pitchFamily="18" charset="0"/>
+                      </a:endParaRPr>
                     </a:p>
                   </a:txBody>
                   <a:tcPr/>
@@ -6565,7 +6700,10 @@
                     <a:bodyPr/>
                     <a:lstStyle/>
                     <a:p>
-                      <a:endParaRPr lang="zh-CN" altLang="en-US"/>
+                      <a:endParaRPr lang="zh-CN" altLang="en-US">
+                        <a:latin typeface="Times New Roman" panose="02020603050405020304" pitchFamily="18" charset="0"/>
+                        <a:cs typeface="Times New Roman" panose="02020603050405020304" pitchFamily="18" charset="0"/>
+                      </a:endParaRPr>
                     </a:p>
                   </a:txBody>
                   <a:tcPr/>
@@ -6593,10 +6731,16 @@
                     <a:lstStyle/>
                     <a:p>
                       <a:r>
-                        <a:rPr lang="en-US" altLang="zh-CN" dirty="0"/>
+                        <a:rPr lang="en-US" altLang="zh-CN" dirty="0">
+                          <a:latin typeface="Times New Roman" panose="02020603050405020304" pitchFamily="18" charset="0"/>
+                          <a:cs typeface="Times New Roman" panose="02020603050405020304" pitchFamily="18" charset="0"/>
+                        </a:rPr>
                         <a:t>48</a:t>
                       </a:r>
-                      <a:endParaRPr lang="zh-CN" altLang="en-US" dirty="0"/>
+                      <a:endParaRPr lang="zh-CN" altLang="en-US" dirty="0">
+                        <a:latin typeface="Times New Roman" panose="02020603050405020304" pitchFamily="18" charset="0"/>
+                        <a:cs typeface="Times New Roman" panose="02020603050405020304" pitchFamily="18" charset="0"/>
+                      </a:endParaRPr>
                     </a:p>
                   </a:txBody>
                   <a:tcPr/>
@@ -6629,9 +6773,9 @@
                             <a:schemeClr val="dk1"/>
                           </a:solidFill>
                           <a:effectLst/>
-                          <a:latin typeface="+mn-lt"/>
+                          <a:latin typeface="Times New Roman" panose="02020603050405020304" pitchFamily="18" charset="0"/>
                           <a:ea typeface="+mn-ea"/>
-                          <a:cs typeface="+mn-cs"/>
+                          <a:cs typeface="Times New Roman" panose="02020603050405020304" pitchFamily="18" charset="0"/>
                         </a:rPr>
                         <a:t>3.16</a:t>
                       </a:r>
@@ -6667,9 +6811,9 @@
                             <a:schemeClr val="dk1"/>
                           </a:solidFill>
                           <a:effectLst/>
-                          <a:latin typeface="+mn-lt"/>
+                          <a:latin typeface="Times New Roman" panose="02020603050405020304" pitchFamily="18" charset="0"/>
                           <a:ea typeface="+mn-ea"/>
-                          <a:cs typeface="+mn-cs"/>
+                          <a:cs typeface="Times New Roman" panose="02020603050405020304" pitchFamily="18" charset="0"/>
                         </a:rPr>
                         <a:t>2.67</a:t>
                       </a:r>
@@ -6705,9 +6849,9 @@
                             <a:schemeClr val="dk1"/>
                           </a:solidFill>
                           <a:effectLst/>
-                          <a:latin typeface="+mn-lt"/>
+                          <a:latin typeface="Times New Roman" panose="02020603050405020304" pitchFamily="18" charset="0"/>
                           <a:ea typeface="+mn-ea"/>
-                          <a:cs typeface="+mn-cs"/>
+                          <a:cs typeface="Times New Roman" panose="02020603050405020304" pitchFamily="18" charset="0"/>
                         </a:rPr>
                         <a:t>2.34</a:t>
                       </a:r>
@@ -6743,9 +6887,9 @@
                             <a:schemeClr val="dk1"/>
                           </a:solidFill>
                           <a:effectLst/>
-                          <a:latin typeface="+mn-lt"/>
+                          <a:latin typeface="Times New Roman" panose="02020603050405020304" pitchFamily="18" charset="0"/>
                           <a:ea typeface="+mn-ea"/>
-                          <a:cs typeface="+mn-cs"/>
+                          <a:cs typeface="Times New Roman" panose="02020603050405020304" pitchFamily="18" charset="0"/>
                         </a:rPr>
                         <a:t>2.08</a:t>
                       </a:r>
@@ -6781,59 +6925,12 @@
                             <a:schemeClr val="dk1"/>
                           </a:solidFill>
                           <a:effectLst/>
-                          <a:latin typeface="+mn-lt"/>
+                          <a:latin typeface="Times New Roman" panose="02020603050405020304" pitchFamily="18" charset="0"/>
                           <a:ea typeface="+mn-ea"/>
-                          <a:cs typeface="+mn-cs"/>
+                          <a:cs typeface="Times New Roman" panose="02020603050405020304" pitchFamily="18" charset="0"/>
                         </a:rPr>
                         <a:t>1.95</a:t>
                       </a:r>
-                    </a:p>
-                  </a:txBody>
-                  <a:tcPr/>
-                </a:tc>
-                <a:tc>
-                  <a:txBody>
-                    <a:bodyPr/>
-                    <a:lstStyle/>
-                    <a:p>
-                      <a:pPr marL="0" marR="0" lvl="0" indent="0" algn="l" defTabSz="914400" rtl="0" eaLnBrk="1" fontAlgn="auto" latinLnBrk="0" hangingPunct="1">
-                        <a:lnSpc>
-                          <a:spcPct val="100000"/>
-                        </a:lnSpc>
-                        <a:spcBef>
-                          <a:spcPts val="0"/>
-                        </a:spcBef>
-                        <a:spcAft>
-                          <a:spcPts val="0"/>
-                        </a:spcAft>
-                        <a:buClrTx/>
-                        <a:buSzTx/>
-                        <a:buFontTx/>
-                        <a:buNone/>
-                        <a:tabLst/>
-                        <a:defRPr/>
-                      </a:pPr>
-                      <a:r>
-                        <a:rPr lang="en-US" altLang="zh-CN" sz="1800" kern="1200">
-                          <a:solidFill>
-                            <a:schemeClr val="dk1"/>
-                          </a:solidFill>
-                          <a:effectLst/>
-                          <a:latin typeface="+mn-lt"/>
-                          <a:ea typeface="+mn-ea"/>
-                          <a:cs typeface="+mn-cs"/>
-                        </a:rPr>
-                        <a:t>1.77</a:t>
-                      </a:r>
-                      <a:endParaRPr lang="en-US" altLang="zh-CN" sz="1800" kern="1200" dirty="0">
-                        <a:solidFill>
-                          <a:schemeClr val="dk1"/>
-                        </a:solidFill>
-                        <a:effectLst/>
-                        <a:latin typeface="+mn-lt"/>
-                        <a:ea typeface="+mn-ea"/>
-                        <a:cs typeface="+mn-cs"/>
-                      </a:endParaRPr>
                     </a:p>
                   </a:txBody>
                   <a:tcPr/>
@@ -6866,9 +6963,47 @@
                             <a:schemeClr val="dk1"/>
                           </a:solidFill>
                           <a:effectLst/>
-                          <a:latin typeface="+mn-lt"/>
+                          <a:latin typeface="Times New Roman" panose="02020603050405020304" pitchFamily="18" charset="0"/>
                           <a:ea typeface="+mn-ea"/>
-                          <a:cs typeface="+mn-cs"/>
+                          <a:cs typeface="Times New Roman" panose="02020603050405020304" pitchFamily="18" charset="0"/>
+                        </a:rPr>
+                        <a:t>1.78</a:t>
+                      </a:r>
+                    </a:p>
+                  </a:txBody>
+                  <a:tcPr/>
+                </a:tc>
+                <a:tc>
+                  <a:txBody>
+                    <a:bodyPr/>
+                    <a:lstStyle/>
+                    <a:p>
+                      <a:pPr marL="0" marR="0" lvl="0" indent="0" algn="l" defTabSz="914400" rtl="0" eaLnBrk="1" fontAlgn="auto" latinLnBrk="0" hangingPunct="1">
+                        <a:lnSpc>
+                          <a:spcPct val="100000"/>
+                        </a:lnSpc>
+                        <a:spcBef>
+                          <a:spcPts val="0"/>
+                        </a:spcBef>
+                        <a:spcAft>
+                          <a:spcPts val="0"/>
+                        </a:spcAft>
+                        <a:buClrTx/>
+                        <a:buSzTx/>
+                        <a:buFontTx/>
+                        <a:buNone/>
+                        <a:tabLst/>
+                        <a:defRPr/>
+                      </a:pPr>
+                      <a:r>
+                        <a:rPr lang="en-US" altLang="zh-CN" sz="1800" kern="1200" dirty="0">
+                          <a:solidFill>
+                            <a:schemeClr val="dk1"/>
+                          </a:solidFill>
+                          <a:effectLst/>
+                          <a:latin typeface="Times New Roman" panose="02020603050405020304" pitchFamily="18" charset="0"/>
+                          <a:ea typeface="+mn-ea"/>
+                          <a:cs typeface="Times New Roman" panose="02020603050405020304" pitchFamily="18" charset="0"/>
                         </a:rPr>
                         <a:t>1.47</a:t>
                       </a:r>
@@ -6910,6 +7045,1438 @@
 </file>
 
 <file path=ppt/slides/slide4.xml><?xml version="1.0" encoding="utf-8"?>
+<p:sld xmlns:a="http://schemas.openxmlformats.org/drawingml/2006/main" xmlns:r="http://schemas.openxmlformats.org/officeDocument/2006/relationships" xmlns:p="http://schemas.openxmlformats.org/presentationml/2006/main">
+  <p:cSld>
+    <p:spTree>
+      <p:nvGrpSpPr>
+        <p:cNvPr id="1" name=""/>
+        <p:cNvGrpSpPr/>
+        <p:nvPr/>
+      </p:nvGrpSpPr>
+      <p:grpSpPr>
+        <a:xfrm>
+          <a:off x="0" y="0"/>
+          <a:ext cx="0" cy="0"/>
+          <a:chOff x="0" y="0"/>
+          <a:chExt cx="0" cy="0"/>
+        </a:xfrm>
+      </p:grpSpPr>
+      <p:pic>
+        <p:nvPicPr>
+          <p:cNvPr id="2" name="图片 1">
+            <a:extLst>
+              <a:ext uri="{FF2B5EF4-FFF2-40B4-BE49-F238E27FC236}">
+                <a16:creationId xmlns:a16="http://schemas.microsoft.com/office/drawing/2014/main" id="{6030E406-4D92-0742-88E2-9D39A6269298}"/>
+              </a:ext>
+            </a:extLst>
+          </p:cNvPr>
+          <p:cNvPicPr>
+            <a:picLocks noChangeAspect="1"/>
+          </p:cNvPicPr>
+          <p:nvPr/>
+        </p:nvPicPr>
+        <p:blipFill>
+          <a:blip r:embed="rId2"/>
+          <a:stretch>
+            <a:fillRect/>
+          </a:stretch>
+        </p:blipFill>
+        <p:spPr>
+          <a:xfrm>
+            <a:off x="868294" y="2113505"/>
+            <a:ext cx="4303059" cy="4053067"/>
+          </a:xfrm>
+          <a:prstGeom prst="rect">
+            <a:avLst/>
+          </a:prstGeom>
+        </p:spPr>
+      </p:pic>
+      <mc:AlternateContent xmlns:mc="http://schemas.openxmlformats.org/markup-compatibility/2006">
+        <mc:Choice xmlns:a14="http://schemas.microsoft.com/office/drawing/2010/main" Requires="a14">
+          <p:sp>
+            <p:nvSpPr>
+              <p:cNvPr id="4" name="文本框 3">
+                <a:extLst>
+                  <a:ext uri="{FF2B5EF4-FFF2-40B4-BE49-F238E27FC236}">
+                    <a16:creationId xmlns:a16="http://schemas.microsoft.com/office/drawing/2014/main" id="{728F85E9-9DCF-A148-9D68-C682AA7D6BA0}"/>
+                  </a:ext>
+                </a:extLst>
+              </p:cNvPr>
+              <p:cNvSpPr txBox="1"/>
+              <p:nvPr/>
+            </p:nvSpPr>
+            <p:spPr>
+              <a:xfrm>
+                <a:off x="653143" y="284309"/>
+                <a:ext cx="6531428" cy="646331"/>
+              </a:xfrm>
+              <a:prstGeom prst="rect">
+                <a:avLst/>
+              </a:prstGeom>
+              <a:noFill/>
+            </p:spPr>
+            <p:txBody>
+              <a:bodyPr wrap="square" rtlCol="0">
+                <a:spAutoFit/>
+              </a:bodyPr>
+              <a:lstStyle/>
+              <a:p>
+                <a:r>
+                  <a:rPr kumimoji="1" lang="en-US" altLang="zh-CN" sz="3600" dirty="0">
+                    <a:latin typeface="Times New Roman" panose="02020603050405020304" pitchFamily="18" charset="0"/>
+                    <a:cs typeface="Times New Roman" panose="02020603050405020304" pitchFamily="18" charset="0"/>
+                  </a:rPr>
+                  <a:t>Fit </a:t>
+                </a:r>
+                <a14:m>
+                  <m:oMath xmlns:m="http://schemas.openxmlformats.org/officeDocument/2006/math">
+                    <m:sSub>
+                      <m:sSubPr>
+                        <m:ctrlPr>
+                          <a:rPr kumimoji="1" lang="en-US" altLang="zh-CN" sz="3600" i="1" dirty="0" smtClean="0">
+                            <a:latin typeface="Cambria Math" panose="02040503050406030204" pitchFamily="18" charset="0"/>
+                          </a:rPr>
+                        </m:ctrlPr>
+                      </m:sSubPr>
+                      <m:e>
+                        <m:r>
+                          <a:rPr kumimoji="1" lang="en-US" altLang="zh-CN" sz="3600" i="1" dirty="0" smtClean="0">
+                            <a:latin typeface="Cambria Math" panose="02040503050406030204" pitchFamily="18" charset="0"/>
+                          </a:rPr>
+                          <m:t>𝐾</m:t>
+                        </m:r>
+                      </m:e>
+                      <m:sub>
+                        <m:r>
+                          <a:rPr kumimoji="1" lang="en-US" altLang="zh-CN" sz="3600" i="1" dirty="0" smtClean="0">
+                            <a:latin typeface="Cambria Math" panose="02040503050406030204" pitchFamily="18" charset="0"/>
+                          </a:rPr>
+                          <m:t>𝑐</m:t>
+                        </m:r>
+                      </m:sub>
+                    </m:sSub>
+                  </m:oMath>
+                </a14:m>
+                <a:r>
+                  <a:rPr kumimoji="1" lang="en-US" altLang="zh-CN" sz="3600" dirty="0">
+                    <a:latin typeface="Times New Roman" panose="02020603050405020304" pitchFamily="18" charset="0"/>
+                    <a:cs typeface="Times New Roman" panose="02020603050405020304" pitchFamily="18" charset="0"/>
+                  </a:rPr>
+                  <a:t> from </a:t>
+                </a:r>
+                <a14:m>
+                  <m:oMath xmlns:m="http://schemas.openxmlformats.org/officeDocument/2006/math">
+                    <m:sSub>
+                      <m:sSubPr>
+                        <m:ctrlPr>
+                          <a:rPr kumimoji="1" lang="en-US" altLang="zh-CN" sz="3600" i="1" dirty="0" smtClean="0">
+                            <a:latin typeface="Cambria Math" panose="02040503050406030204" pitchFamily="18" charset="0"/>
+                          </a:rPr>
+                        </m:ctrlPr>
+                      </m:sSubPr>
+                      <m:e>
+                        <m:r>
+                          <a:rPr kumimoji="1" lang="en-US" altLang="zh-CN" sz="3600" i="1" dirty="0" smtClean="0">
+                            <a:latin typeface="Cambria Math" panose="02040503050406030204" pitchFamily="18" charset="0"/>
+                          </a:rPr>
+                          <m:t>𝐴</m:t>
+                        </m:r>
+                      </m:e>
+                      <m:sub>
+                        <m:r>
+                          <a:rPr kumimoji="1" lang="en-US" altLang="zh-CN" sz="3600" i="1" dirty="0" smtClean="0">
+                            <a:latin typeface="Cambria Math" panose="02040503050406030204" pitchFamily="18" charset="0"/>
+                          </a:rPr>
+                          <m:t>𝑐𝑑𝑤</m:t>
+                        </m:r>
+                      </m:sub>
+                    </m:sSub>
+                  </m:oMath>
+                </a14:m>
+                <a:endParaRPr kumimoji="1" lang="zh-CN" altLang="en-US" sz="3600" dirty="0">
+                  <a:latin typeface="Times New Roman" panose="02020603050405020304" pitchFamily="18" charset="0"/>
+                  <a:cs typeface="Times New Roman" panose="02020603050405020304" pitchFamily="18" charset="0"/>
+                </a:endParaRPr>
+              </a:p>
+            </p:txBody>
+          </p:sp>
+        </mc:Choice>
+        <mc:Fallback>
+          <p:sp>
+            <p:nvSpPr>
+              <p:cNvPr id="4" name="文本框 3">
+                <a:extLst>
+                  <a:ext uri="{FF2B5EF4-FFF2-40B4-BE49-F238E27FC236}">
+                    <a16:creationId xmlns:a16="http://schemas.microsoft.com/office/drawing/2014/main" id="{728F85E9-9DCF-A148-9D68-C682AA7D6BA0}"/>
+                  </a:ext>
+                </a:extLst>
+              </p:cNvPr>
+              <p:cNvSpPr txBox="1">
+                <a:spLocks noRot="1" noChangeAspect="1" noMove="1" noResize="1" noEditPoints="1" noAdjustHandles="1" noChangeArrowheads="1" noChangeShapeType="1" noTextEdit="1"/>
+              </p:cNvSpPr>
+              <p:nvPr/>
+            </p:nvSpPr>
+            <p:spPr>
+              <a:xfrm>
+                <a:off x="653143" y="284309"/>
+                <a:ext cx="6531428" cy="646331"/>
+              </a:xfrm>
+              <a:prstGeom prst="rect">
+                <a:avLst/>
+              </a:prstGeom>
+              <a:blipFill>
+                <a:blip r:embed="rId3"/>
+                <a:stretch>
+                  <a:fillRect l="-2913" t="-15385" b="-32692"/>
+                </a:stretch>
+              </a:blipFill>
+            </p:spPr>
+            <p:txBody>
+              <a:bodyPr/>
+              <a:lstStyle/>
+              <a:p>
+                <a:r>
+                  <a:rPr lang="zh-CN" altLang="en-US">
+                    <a:noFill/>
+                  </a:rPr>
+                  <a:t> </a:t>
+                </a:r>
+              </a:p>
+            </p:txBody>
+          </p:sp>
+        </mc:Fallback>
+      </mc:AlternateContent>
+      <mc:AlternateContent xmlns:mc="http://schemas.openxmlformats.org/markup-compatibility/2006">
+        <mc:Choice xmlns:a14="http://schemas.microsoft.com/office/drawing/2010/main" Requires="a14">
+          <p:sp>
+            <p:nvSpPr>
+              <p:cNvPr id="9" name="文本框 8">
+                <a:extLst>
+                  <a:ext uri="{FF2B5EF4-FFF2-40B4-BE49-F238E27FC236}">
+                    <a16:creationId xmlns:a16="http://schemas.microsoft.com/office/drawing/2014/main" id="{80C32E13-0BEA-8B47-9B69-0BEA0128F327}"/>
+                  </a:ext>
+                </a:extLst>
+              </p:cNvPr>
+              <p:cNvSpPr txBox="1"/>
+              <p:nvPr/>
+            </p:nvSpPr>
+            <p:spPr>
+              <a:xfrm>
+                <a:off x="6600585" y="5553840"/>
+                <a:ext cx="3019825" cy="612732"/>
+              </a:xfrm>
+              <a:prstGeom prst="rect">
+                <a:avLst/>
+              </a:prstGeom>
+              <a:noFill/>
+            </p:spPr>
+            <p:txBody>
+              <a:bodyPr wrap="square" rtlCol="0">
+                <a:spAutoFit/>
+              </a:bodyPr>
+              <a:lstStyle/>
+              <a:p>
+                <a14:m>
+                  <m:oMathPara xmlns:m="http://schemas.openxmlformats.org/officeDocument/2006/math">
+                    <m:oMathParaPr>
+                      <m:jc m:val="centerGroup"/>
+                    </m:oMathParaPr>
+                    <m:oMath xmlns:m="http://schemas.openxmlformats.org/officeDocument/2006/math">
+                      <m:f>
+                        <m:fPr>
+                          <m:ctrlPr>
+                            <a:rPr kumimoji="1" lang="en-US" altLang="zh-CN" b="0" i="1" smtClean="0">
+                              <a:latin typeface="Cambria Math" panose="02040503050406030204" pitchFamily="18" charset="0"/>
+                            </a:rPr>
+                          </m:ctrlPr>
+                        </m:fPr>
+                        <m:num>
+                          <m:r>
+                            <a:rPr kumimoji="1" lang="en-US" altLang="zh-CN" b="0" i="1" smtClean="0">
+                              <a:latin typeface="Cambria Math" panose="02040503050406030204" pitchFamily="18" charset="0"/>
+                            </a:rPr>
+                            <m:t>1</m:t>
+                          </m:r>
+                        </m:num>
+                        <m:den>
+                          <m:r>
+                            <a:rPr kumimoji="1" lang="en-US" altLang="zh-CN" b="0" i="1" smtClean="0">
+                              <a:latin typeface="Cambria Math" panose="02040503050406030204" pitchFamily="18" charset="0"/>
+                            </a:rPr>
+                            <m:t>0.739</m:t>
+                          </m:r>
+                        </m:den>
+                      </m:f>
+                      <m:r>
+                        <a:rPr kumimoji="1" lang="en-US" altLang="zh-CN" i="1">
+                          <a:latin typeface="Cambria Math" panose="02040503050406030204" pitchFamily="18" charset="0"/>
+                        </a:rPr>
+                        <m:t>=1.3532</m:t>
+                      </m:r>
+                    </m:oMath>
+                  </m:oMathPara>
+                </a14:m>
+                <a:endParaRPr kumimoji="1" lang="zh-CN" altLang="en-US" dirty="0"/>
+              </a:p>
+            </p:txBody>
+          </p:sp>
+        </mc:Choice>
+        <mc:Fallback>
+          <p:sp>
+            <p:nvSpPr>
+              <p:cNvPr id="9" name="文本框 8">
+                <a:extLst>
+                  <a:ext uri="{FF2B5EF4-FFF2-40B4-BE49-F238E27FC236}">
+                    <a16:creationId xmlns:a16="http://schemas.microsoft.com/office/drawing/2014/main" id="{80C32E13-0BEA-8B47-9B69-0BEA0128F327}"/>
+                  </a:ext>
+                </a:extLst>
+              </p:cNvPr>
+              <p:cNvSpPr txBox="1">
+                <a:spLocks noRot="1" noChangeAspect="1" noMove="1" noResize="1" noEditPoints="1" noAdjustHandles="1" noChangeArrowheads="1" noChangeShapeType="1" noTextEdit="1"/>
+              </p:cNvSpPr>
+              <p:nvPr/>
+            </p:nvSpPr>
+            <p:spPr>
+              <a:xfrm>
+                <a:off x="6600585" y="5553840"/>
+                <a:ext cx="3019825" cy="612732"/>
+              </a:xfrm>
+              <a:prstGeom prst="rect">
+                <a:avLst/>
+              </a:prstGeom>
+              <a:blipFill>
+                <a:blip r:embed="rId4"/>
+                <a:stretch>
+                  <a:fillRect b="-4082"/>
+                </a:stretch>
+              </a:blipFill>
+            </p:spPr>
+            <p:txBody>
+              <a:bodyPr/>
+              <a:lstStyle/>
+              <a:p>
+                <a:r>
+                  <a:rPr lang="zh-CN" altLang="en-US">
+                    <a:noFill/>
+                  </a:rPr>
+                  <a:t> </a:t>
+                </a:r>
+              </a:p>
+            </p:txBody>
+          </p:sp>
+        </mc:Fallback>
+      </mc:AlternateContent>
+      <mc:AlternateContent xmlns:mc="http://schemas.openxmlformats.org/markup-compatibility/2006">
+        <mc:Choice xmlns:a14="http://schemas.microsoft.com/office/drawing/2010/main" Requires="a14">
+          <p:sp>
+            <p:nvSpPr>
+              <p:cNvPr id="10" name="文本框 9">
+                <a:extLst>
+                  <a:ext uri="{FF2B5EF4-FFF2-40B4-BE49-F238E27FC236}">
+                    <a16:creationId xmlns:a16="http://schemas.microsoft.com/office/drawing/2014/main" id="{12A3FB64-A5D3-B347-A542-BA5E1BE786C3}"/>
+                  </a:ext>
+                </a:extLst>
+              </p:cNvPr>
+              <p:cNvSpPr txBox="1"/>
+              <p:nvPr/>
+            </p:nvSpPr>
+            <p:spPr>
+              <a:xfrm>
+                <a:off x="6285540" y="930640"/>
+                <a:ext cx="4303059" cy="2700163"/>
+              </a:xfrm>
+              <a:prstGeom prst="rect">
+                <a:avLst/>
+              </a:prstGeom>
+              <a:noFill/>
+            </p:spPr>
+            <p:txBody>
+              <a:bodyPr wrap="square" rtlCol="0">
+                <a:spAutoFit/>
+              </a:bodyPr>
+              <a:lstStyle/>
+              <a:p>
+                <a:r>
+                  <a:rPr kumimoji="1" lang="en-US" altLang="zh-CN" dirty="0">
+                    <a:latin typeface="Times New Roman" panose="02020603050405020304" pitchFamily="18" charset="0"/>
+                    <a:cs typeface="Times New Roman" panose="02020603050405020304" pitchFamily="18" charset="0"/>
+                  </a:rPr>
+                  <a:t>The procedure of get the </a:t>
+                </a:r>
+                <a14:m>
+                  <m:oMath xmlns:m="http://schemas.openxmlformats.org/officeDocument/2006/math">
+                    <m:sSub>
+                      <m:sSubPr>
+                        <m:ctrlPr>
+                          <a:rPr kumimoji="1" lang="en-US" altLang="zh-CN" i="1" dirty="0" smtClean="0">
+                            <a:latin typeface="Cambria Math" panose="02040503050406030204" pitchFamily="18" charset="0"/>
+                            <a:cs typeface="Times New Roman" panose="02020603050405020304" pitchFamily="18" charset="0"/>
+                          </a:rPr>
+                        </m:ctrlPr>
+                      </m:sSubPr>
+                      <m:e>
+                        <m:r>
+                          <a:rPr kumimoji="1" lang="en-US" altLang="zh-CN" i="1" dirty="0" smtClean="0">
+                            <a:latin typeface="Cambria Math" panose="02040503050406030204" pitchFamily="18" charset="0"/>
+                            <a:cs typeface="Times New Roman" panose="02020603050405020304" pitchFamily="18" charset="0"/>
+                          </a:rPr>
+                          <m:t>𝐴</m:t>
+                        </m:r>
+                      </m:e>
+                      <m:sub>
+                        <m:r>
+                          <a:rPr kumimoji="1" lang="en-US" altLang="zh-CN" i="1" dirty="0" smtClean="0">
+                            <a:latin typeface="Cambria Math" panose="02040503050406030204" pitchFamily="18" charset="0"/>
+                            <a:cs typeface="Times New Roman" panose="02020603050405020304" pitchFamily="18" charset="0"/>
+                          </a:rPr>
+                          <m:t>𝑐𝑑𝑤</m:t>
+                        </m:r>
+                      </m:sub>
+                    </m:sSub>
+                  </m:oMath>
+                </a14:m>
+                <a:r>
+                  <a:rPr kumimoji="1" lang="en-US" altLang="zh-CN" dirty="0">
+                    <a:latin typeface="Times New Roman" panose="02020603050405020304" pitchFamily="18" charset="0"/>
+                    <a:cs typeface="Times New Roman" panose="02020603050405020304" pitchFamily="18" charset="0"/>
+                  </a:rPr>
+                  <a:t>:</a:t>
+                </a:r>
+              </a:p>
+              <a:p>
+                <a:pPr marL="342900" indent="-342900">
+                  <a:buAutoNum type="arabicPeriod"/>
+                </a:pPr>
+                <a:r>
+                  <a:rPr kumimoji="1" lang="en-US" altLang="zh-CN" dirty="0">
+                    <a:latin typeface="Times New Roman" panose="02020603050405020304" pitchFamily="18" charset="0"/>
+                    <a:cs typeface="Times New Roman" panose="02020603050405020304" pitchFamily="18" charset="0"/>
+                  </a:rPr>
+                  <a:t>Linearly extrapolate the charge density data </a:t>
+                </a:r>
+                <a14:m>
+                  <m:oMath xmlns:m="http://schemas.openxmlformats.org/officeDocument/2006/math">
+                    <m:r>
+                      <a:rPr kumimoji="1" lang="en-US" altLang="zh-CN" i="1" dirty="0" smtClean="0">
+                        <a:latin typeface="Cambria Math" panose="02040503050406030204" pitchFamily="18" charset="0"/>
+                        <a:cs typeface="Times New Roman" panose="02020603050405020304" pitchFamily="18" charset="0"/>
+                      </a:rPr>
+                      <m:t>𝑛</m:t>
+                    </m:r>
+                    <m:r>
+                      <a:rPr kumimoji="1" lang="en-US" altLang="zh-CN" i="1" dirty="0" smtClean="0">
+                        <a:latin typeface="Cambria Math" panose="02040503050406030204" pitchFamily="18" charset="0"/>
+                        <a:cs typeface="Times New Roman" panose="02020603050405020304" pitchFamily="18" charset="0"/>
+                      </a:rPr>
+                      <m:t>(</m:t>
+                    </m:r>
+                    <m:r>
+                      <a:rPr kumimoji="1" lang="en-US" altLang="zh-CN" i="1" dirty="0" smtClean="0">
+                        <a:latin typeface="Cambria Math" panose="02040503050406030204" pitchFamily="18" charset="0"/>
+                        <a:cs typeface="Times New Roman" panose="02020603050405020304" pitchFamily="18" charset="0"/>
+                      </a:rPr>
+                      <m:t>𝑥</m:t>
+                    </m:r>
+                    <m:r>
+                      <a:rPr kumimoji="1" lang="en-US" altLang="zh-CN" i="1" dirty="0" smtClean="0">
+                        <a:latin typeface="Cambria Math" panose="02040503050406030204" pitchFamily="18" charset="0"/>
+                        <a:cs typeface="Times New Roman" panose="02020603050405020304" pitchFamily="18" charset="0"/>
+                      </a:rPr>
+                      <m:t>) </m:t>
+                    </m:r>
+                  </m:oMath>
+                </a14:m>
+                <a:r>
+                  <a:rPr kumimoji="1" lang="en-US" altLang="zh-CN" dirty="0">
+                    <a:latin typeface="Times New Roman" panose="02020603050405020304" pitchFamily="18" charset="0"/>
+                    <a:cs typeface="Times New Roman" panose="02020603050405020304" pitchFamily="18" charset="0"/>
+                  </a:rPr>
+                  <a:t>to infinite bond dimension. The extrapolation is under the truncation error.</a:t>
+                </a:r>
+              </a:p>
+              <a:p>
+                <a:pPr marL="342900" indent="-342900">
+                  <a:buAutoNum type="arabicPeriod"/>
+                </a:pPr>
+                <a:r>
+                  <a:rPr kumimoji="1" lang="en-US" altLang="zh-CN" dirty="0">
+                    <a:latin typeface="Times New Roman" panose="02020603050405020304" pitchFamily="18" charset="0"/>
+                    <a:cs typeface="Times New Roman" panose="02020603050405020304" pitchFamily="18" charset="0"/>
+                  </a:rPr>
+                  <a:t>Symmetrize the charge density </a:t>
+                </a:r>
+                <a14:m>
+                  <m:oMath xmlns:m="http://schemas.openxmlformats.org/officeDocument/2006/math">
+                    <m:r>
+                      <a:rPr kumimoji="1" lang="en-US" altLang="zh-CN" i="1" dirty="0" smtClean="0">
+                        <a:latin typeface="Cambria Math" panose="02040503050406030204" pitchFamily="18" charset="0"/>
+                        <a:cs typeface="Times New Roman" panose="02020603050405020304" pitchFamily="18" charset="0"/>
+                      </a:rPr>
+                      <m:t>𝑛</m:t>
+                    </m:r>
+                    <m:r>
+                      <a:rPr kumimoji="1" lang="en-US" altLang="zh-CN" i="1" dirty="0" smtClean="0">
+                        <a:latin typeface="Cambria Math" panose="02040503050406030204" pitchFamily="18" charset="0"/>
+                        <a:cs typeface="Times New Roman" panose="02020603050405020304" pitchFamily="18" charset="0"/>
+                      </a:rPr>
+                      <m:t>(</m:t>
+                    </m:r>
+                    <m:r>
+                      <a:rPr kumimoji="1" lang="en-US" altLang="zh-CN" i="1" dirty="0" smtClean="0">
+                        <a:latin typeface="Cambria Math" panose="02040503050406030204" pitchFamily="18" charset="0"/>
+                        <a:cs typeface="Times New Roman" panose="02020603050405020304" pitchFamily="18" charset="0"/>
+                      </a:rPr>
+                      <m:t>𝑥</m:t>
+                    </m:r>
+                    <m:r>
+                      <a:rPr kumimoji="1" lang="en-US" altLang="zh-CN" i="1" dirty="0" smtClean="0">
+                        <a:latin typeface="Cambria Math" panose="02040503050406030204" pitchFamily="18" charset="0"/>
+                        <a:cs typeface="Times New Roman" panose="02020603050405020304" pitchFamily="18" charset="0"/>
+                      </a:rPr>
+                      <m:t>) </m:t>
+                    </m:r>
+                  </m:oMath>
+                </a14:m>
+                <a:r>
+                  <a:rPr kumimoji="1" lang="en-US" altLang="zh-CN" dirty="0">
+                    <a:latin typeface="Times New Roman" panose="02020603050405020304" pitchFamily="18" charset="0"/>
+                    <a:cs typeface="Times New Roman" panose="02020603050405020304" pitchFamily="18" charset="0"/>
+                  </a:rPr>
+                  <a:t>by reflection symmetry.</a:t>
+                </a:r>
+              </a:p>
+              <a:p>
+                <a:pPr marL="342900" indent="-342900">
+                  <a:buAutoNum type="arabicPeriod"/>
+                </a:pPr>
+                <a:r>
+                  <a:rPr kumimoji="1" lang="en-US" altLang="zh-CN" dirty="0">
+                    <a:latin typeface="Times New Roman" panose="02020603050405020304" pitchFamily="18" charset="0"/>
+                    <a:cs typeface="Times New Roman" panose="02020603050405020304" pitchFamily="18" charset="0"/>
+                  </a:rPr>
+                  <a:t>Fit </a:t>
+                </a:r>
+                <a14:m>
+                  <m:oMath xmlns:m="http://schemas.openxmlformats.org/officeDocument/2006/math">
+                    <m:sSub>
+                      <m:sSubPr>
+                        <m:ctrlPr>
+                          <a:rPr kumimoji="1" lang="en-US" altLang="zh-CN" i="1" dirty="0" smtClean="0">
+                            <a:latin typeface="Cambria Math" panose="02040503050406030204" pitchFamily="18" charset="0"/>
+                            <a:cs typeface="Times New Roman" panose="02020603050405020304" pitchFamily="18" charset="0"/>
+                          </a:rPr>
+                        </m:ctrlPr>
+                      </m:sSubPr>
+                      <m:e>
+                        <m:r>
+                          <a:rPr kumimoji="1" lang="en-US" altLang="zh-CN" i="1" dirty="0" smtClean="0">
+                            <a:latin typeface="Cambria Math" panose="02040503050406030204" pitchFamily="18" charset="0"/>
+                            <a:cs typeface="Times New Roman" panose="02020603050405020304" pitchFamily="18" charset="0"/>
+                          </a:rPr>
+                          <m:t>𝐴</m:t>
+                        </m:r>
+                      </m:e>
+                      <m:sub>
+                        <m:r>
+                          <a:rPr kumimoji="1" lang="en-US" altLang="zh-CN" i="1" dirty="0" smtClean="0">
+                            <a:latin typeface="Cambria Math" panose="02040503050406030204" pitchFamily="18" charset="0"/>
+                            <a:cs typeface="Times New Roman" panose="02020603050405020304" pitchFamily="18" charset="0"/>
+                          </a:rPr>
+                          <m:t>𝑐𝑑𝑤</m:t>
+                        </m:r>
+                      </m:sub>
+                    </m:sSub>
+                    <m:r>
+                      <a:rPr kumimoji="1" lang="en-US" altLang="zh-CN" i="1" dirty="0">
+                        <a:latin typeface="Cambria Math" panose="02040503050406030204" pitchFamily="18" charset="0"/>
+                        <a:cs typeface="Times New Roman" panose="02020603050405020304" pitchFamily="18" charset="0"/>
+                      </a:rPr>
+                      <m:t> </m:t>
+                    </m:r>
+                  </m:oMath>
+                </a14:m>
+                <a:r>
+                  <a:rPr kumimoji="1" lang="en-US" altLang="zh-CN" dirty="0">
+                    <a:latin typeface="Times New Roman" panose="02020603050405020304" pitchFamily="18" charset="0"/>
+                    <a:cs typeface="Times New Roman" panose="02020603050405020304" pitchFamily="18" charset="0"/>
+                  </a:rPr>
+                  <a:t>from </a:t>
+                </a:r>
+                <a14:m>
+                  <m:oMath xmlns:m="http://schemas.openxmlformats.org/officeDocument/2006/math">
+                    <m:f>
+                      <m:fPr>
+                        <m:ctrlPr>
+                          <a:rPr kumimoji="1" lang="en-US" altLang="zh-CN" i="1" dirty="0" smtClean="0">
+                            <a:latin typeface="Cambria Math" panose="02040503050406030204" pitchFamily="18" charset="0"/>
+                            <a:cs typeface="Times New Roman" panose="02020603050405020304" pitchFamily="18" charset="0"/>
+                          </a:rPr>
+                        </m:ctrlPr>
+                      </m:fPr>
+                      <m:num>
+                        <m:sSub>
+                          <m:sSubPr>
+                            <m:ctrlPr>
+                              <a:rPr kumimoji="1" lang="en-US" altLang="zh-CN" b="0" i="1" dirty="0" smtClean="0">
+                                <a:latin typeface="Cambria Math" panose="02040503050406030204" pitchFamily="18" charset="0"/>
+                                <a:cs typeface="Times New Roman" panose="02020603050405020304" pitchFamily="18" charset="0"/>
+                              </a:rPr>
+                            </m:ctrlPr>
+                          </m:sSubPr>
+                          <m:e>
+                            <m:r>
+                              <a:rPr kumimoji="1" lang="en-US" altLang="zh-CN" i="1" dirty="0" smtClean="0">
+                                <a:latin typeface="Cambria Math" panose="02040503050406030204" pitchFamily="18" charset="0"/>
+                                <a:cs typeface="Times New Roman" panose="02020603050405020304" pitchFamily="18" charset="0"/>
+                              </a:rPr>
+                              <m:t>𝐿</m:t>
+                            </m:r>
+                          </m:e>
+                          <m:sub>
+                            <m:r>
+                              <a:rPr kumimoji="1" lang="en-US" altLang="zh-CN" i="1" dirty="0" smtClean="0">
+                                <a:latin typeface="Cambria Math" panose="02040503050406030204" pitchFamily="18" charset="0"/>
+                                <a:cs typeface="Times New Roman" panose="02020603050405020304" pitchFamily="18" charset="0"/>
+                              </a:rPr>
+                              <m:t>𝑥</m:t>
+                            </m:r>
+                          </m:sub>
+                        </m:sSub>
+                      </m:num>
+                      <m:den>
+                        <m:r>
+                          <a:rPr kumimoji="1" lang="en-US" altLang="zh-CN" i="1" dirty="0" smtClean="0">
+                            <a:latin typeface="Cambria Math" panose="02040503050406030204" pitchFamily="18" charset="0"/>
+                            <a:cs typeface="Times New Roman" panose="02020603050405020304" pitchFamily="18" charset="0"/>
+                          </a:rPr>
+                          <m:t>4</m:t>
+                        </m:r>
+                      </m:den>
+                    </m:f>
+                    <m:r>
+                      <a:rPr kumimoji="1" lang="en-US" altLang="zh-CN" i="1" dirty="0" smtClean="0">
+                        <a:latin typeface="Cambria Math" panose="02040503050406030204" pitchFamily="18" charset="0"/>
+                        <a:cs typeface="Times New Roman" panose="02020603050405020304" pitchFamily="18" charset="0"/>
+                      </a:rPr>
+                      <m:t>+1</m:t>
+                    </m:r>
+                  </m:oMath>
+                </a14:m>
+                <a:r>
+                  <a:rPr kumimoji="1" lang="en-US" altLang="zh-CN" dirty="0">
+                    <a:latin typeface="Times New Roman" panose="02020603050405020304" pitchFamily="18" charset="0"/>
+                    <a:cs typeface="Times New Roman" panose="02020603050405020304" pitchFamily="18" charset="0"/>
+                  </a:rPr>
+                  <a:t> to  </a:t>
+                </a:r>
+                <a14:m>
+                  <m:oMath xmlns:m="http://schemas.openxmlformats.org/officeDocument/2006/math">
+                    <m:f>
+                      <m:fPr>
+                        <m:ctrlPr>
+                          <a:rPr kumimoji="1" lang="en-US" altLang="zh-CN" i="1" dirty="0">
+                            <a:latin typeface="Cambria Math" panose="02040503050406030204" pitchFamily="18" charset="0"/>
+                            <a:cs typeface="Times New Roman" panose="02020603050405020304" pitchFamily="18" charset="0"/>
+                          </a:rPr>
+                        </m:ctrlPr>
+                      </m:fPr>
+                      <m:num>
+                        <m:sSub>
+                          <m:sSubPr>
+                            <m:ctrlPr>
+                              <a:rPr kumimoji="1" lang="en-US" altLang="zh-CN" i="1" dirty="0">
+                                <a:latin typeface="Cambria Math" panose="02040503050406030204" pitchFamily="18" charset="0"/>
+                                <a:cs typeface="Times New Roman" panose="02020603050405020304" pitchFamily="18" charset="0"/>
+                              </a:rPr>
+                            </m:ctrlPr>
+                          </m:sSubPr>
+                          <m:e>
+                            <m:r>
+                              <a:rPr kumimoji="1" lang="en-US" altLang="zh-CN" b="0" i="1" dirty="0" smtClean="0">
+                                <a:latin typeface="Cambria Math" panose="02040503050406030204" pitchFamily="18" charset="0"/>
+                                <a:cs typeface="Times New Roman" panose="02020603050405020304" pitchFamily="18" charset="0"/>
+                              </a:rPr>
+                              <m:t>3</m:t>
+                            </m:r>
+                            <m:r>
+                              <a:rPr kumimoji="1" lang="en-US" altLang="zh-CN" i="1" dirty="0">
+                                <a:latin typeface="Cambria Math" panose="02040503050406030204" pitchFamily="18" charset="0"/>
+                                <a:cs typeface="Times New Roman" panose="02020603050405020304" pitchFamily="18" charset="0"/>
+                              </a:rPr>
+                              <m:t>𝐿</m:t>
+                            </m:r>
+                          </m:e>
+                          <m:sub>
+                            <m:r>
+                              <a:rPr kumimoji="1" lang="en-US" altLang="zh-CN" i="1" dirty="0">
+                                <a:latin typeface="Cambria Math" panose="02040503050406030204" pitchFamily="18" charset="0"/>
+                                <a:cs typeface="Times New Roman" panose="02020603050405020304" pitchFamily="18" charset="0"/>
+                              </a:rPr>
+                              <m:t>𝑥</m:t>
+                            </m:r>
+                          </m:sub>
+                        </m:sSub>
+                      </m:num>
+                      <m:den>
+                        <m:r>
+                          <a:rPr kumimoji="1" lang="en-US" altLang="zh-CN" i="1" dirty="0">
+                            <a:latin typeface="Cambria Math" panose="02040503050406030204" pitchFamily="18" charset="0"/>
+                            <a:cs typeface="Times New Roman" panose="02020603050405020304" pitchFamily="18" charset="0"/>
+                          </a:rPr>
+                          <m:t>4</m:t>
+                        </m:r>
+                      </m:den>
+                    </m:f>
+                  </m:oMath>
+                </a14:m>
+                <a:r>
+                  <a:rPr kumimoji="1" lang="en-US" altLang="zh-CN" dirty="0">
+                    <a:latin typeface="Times New Roman" panose="02020603050405020304" pitchFamily="18" charset="0"/>
+                    <a:cs typeface="Times New Roman" panose="02020603050405020304" pitchFamily="18" charset="0"/>
+                  </a:rPr>
+                  <a:t> by sine wave.</a:t>
+                </a:r>
+                <a:endParaRPr kumimoji="1" lang="zh-CN" altLang="en-US" dirty="0">
+                  <a:latin typeface="Times New Roman" panose="02020603050405020304" pitchFamily="18" charset="0"/>
+                  <a:cs typeface="Times New Roman" panose="02020603050405020304" pitchFamily="18" charset="0"/>
+                </a:endParaRPr>
+              </a:p>
+            </p:txBody>
+          </p:sp>
+        </mc:Choice>
+        <mc:Fallback>
+          <p:sp>
+            <p:nvSpPr>
+              <p:cNvPr id="10" name="文本框 9">
+                <a:extLst>
+                  <a:ext uri="{FF2B5EF4-FFF2-40B4-BE49-F238E27FC236}">
+                    <a16:creationId xmlns:a16="http://schemas.microsoft.com/office/drawing/2014/main" id="{12A3FB64-A5D3-B347-A542-BA5E1BE786C3}"/>
+                  </a:ext>
+                </a:extLst>
+              </p:cNvPr>
+              <p:cNvSpPr txBox="1">
+                <a:spLocks noRot="1" noChangeAspect="1" noMove="1" noResize="1" noEditPoints="1" noAdjustHandles="1" noChangeArrowheads="1" noChangeShapeType="1" noTextEdit="1"/>
+              </p:cNvSpPr>
+              <p:nvPr/>
+            </p:nvSpPr>
+            <p:spPr>
+              <a:xfrm>
+                <a:off x="6285540" y="930640"/>
+                <a:ext cx="4303059" cy="2700163"/>
+              </a:xfrm>
+              <a:prstGeom prst="rect">
+                <a:avLst/>
+              </a:prstGeom>
+              <a:blipFill>
+                <a:blip r:embed="rId5"/>
+                <a:stretch>
+                  <a:fillRect l="-882" t="-935" r="-1471" b="-1869"/>
+                </a:stretch>
+              </a:blipFill>
+            </p:spPr>
+            <p:txBody>
+              <a:bodyPr/>
+              <a:lstStyle/>
+              <a:p>
+                <a:r>
+                  <a:rPr lang="zh-CN" altLang="en-US">
+                    <a:noFill/>
+                  </a:rPr>
+                  <a:t> </a:t>
+                </a:r>
+              </a:p>
+            </p:txBody>
+          </p:sp>
+        </mc:Fallback>
+      </mc:AlternateContent>
+    </p:spTree>
+    <p:extLst>
+      <p:ext uri="{BB962C8B-B14F-4D97-AF65-F5344CB8AC3E}">
+        <p14:creationId xmlns:p14="http://schemas.microsoft.com/office/powerpoint/2010/main" val="1374167003"/>
+      </p:ext>
+    </p:extLst>
+  </p:cSld>
+  <p:clrMapOvr>
+    <a:masterClrMapping/>
+  </p:clrMapOvr>
+</p:sld>
+</file>
+
+<file path=ppt/slides/slide5.xml><?xml version="1.0" encoding="utf-8"?>
+<p:sld xmlns:a="http://schemas.openxmlformats.org/drawingml/2006/main" xmlns:r="http://schemas.openxmlformats.org/officeDocument/2006/relationships" xmlns:p="http://schemas.openxmlformats.org/presentationml/2006/main">
+  <p:cSld>
+    <p:spTree>
+      <p:nvGrpSpPr>
+        <p:cNvPr id="1" name=""/>
+        <p:cNvGrpSpPr/>
+        <p:nvPr/>
+      </p:nvGrpSpPr>
+      <p:grpSpPr>
+        <a:xfrm>
+          <a:off x="0" y="0"/>
+          <a:ext cx="0" cy="0"/>
+          <a:chOff x="0" y="0"/>
+          <a:chExt cx="0" cy="0"/>
+        </a:xfrm>
+      </p:grpSpPr>
+      <mc:AlternateContent xmlns:mc="http://schemas.openxmlformats.org/markup-compatibility/2006">
+        <mc:Choice xmlns:a14="http://schemas.microsoft.com/office/drawing/2010/main" Requires="a14">
+          <p:sp>
+            <p:nvSpPr>
+              <p:cNvPr id="4" name="文本框 3">
+                <a:extLst>
+                  <a:ext uri="{FF2B5EF4-FFF2-40B4-BE49-F238E27FC236}">
+                    <a16:creationId xmlns:a16="http://schemas.microsoft.com/office/drawing/2014/main" id="{712B0BB5-06FF-254C-8E5E-63FBF240B33C}"/>
+                  </a:ext>
+                </a:extLst>
+              </p:cNvPr>
+              <p:cNvSpPr txBox="1"/>
+              <p:nvPr/>
+            </p:nvSpPr>
+            <p:spPr>
+              <a:xfrm>
+                <a:off x="6808053" y="2230947"/>
+                <a:ext cx="3802315" cy="2722092"/>
+              </a:xfrm>
+              <a:prstGeom prst="rect">
+                <a:avLst/>
+              </a:prstGeom>
+              <a:noFill/>
+            </p:spPr>
+            <p:txBody>
+              <a:bodyPr wrap="square">
+                <a:spAutoFit/>
+              </a:bodyPr>
+              <a:lstStyle/>
+              <a:p>
+                <a:r>
+                  <a:rPr lang="en-US" altLang="zh-CN" dirty="0">
+                    <a:latin typeface="Times New Roman" panose="02020603050405020304" pitchFamily="18" charset="0"/>
+                    <a:cs typeface="Times New Roman" panose="02020603050405020304" pitchFamily="18" charset="0"/>
+                  </a:rPr>
+                  <a:t>In this figure, we measure </a:t>
+                </a:r>
+                <a14:m>
+                  <m:oMath xmlns:m="http://schemas.openxmlformats.org/officeDocument/2006/math">
+                    <m:sSub>
+                      <m:sSubPr>
+                        <m:ctrlPr>
+                          <a:rPr lang="en-US" altLang="zh-CN" i="1">
+                            <a:latin typeface="Cambria Math" panose="02040503050406030204" pitchFamily="18" charset="0"/>
+                            <a:cs typeface="Times New Roman" panose="02020603050405020304" pitchFamily="18" charset="0"/>
+                          </a:rPr>
+                        </m:ctrlPr>
+                      </m:sSubPr>
+                      <m:e>
+                        <m:r>
+                          <m:rPr>
+                            <m:sty m:val="p"/>
+                          </m:rPr>
+                          <a:rPr lang="en-US" altLang="zh-CN">
+                            <a:latin typeface="Cambria Math" panose="02040503050406030204" pitchFamily="18" charset="0"/>
+                            <a:cs typeface="Times New Roman" panose="02020603050405020304" pitchFamily="18" charset="0"/>
+                          </a:rPr>
+                          <m:t>Φ</m:t>
+                        </m:r>
+                      </m:e>
+                      <m:sub>
+                        <m:r>
+                          <a:rPr lang="en-US" altLang="zh-CN" i="1">
+                            <a:latin typeface="Cambria Math" panose="02040503050406030204" pitchFamily="18" charset="0"/>
+                            <a:cs typeface="Times New Roman" panose="02020603050405020304" pitchFamily="18" charset="0"/>
+                          </a:rPr>
+                          <m:t>𝑦𝑦</m:t>
+                        </m:r>
+                      </m:sub>
+                    </m:sSub>
+                    <m:r>
+                      <a:rPr lang="en-US" altLang="zh-CN" i="1">
+                        <a:latin typeface="Cambria Math" panose="02040503050406030204" pitchFamily="18" charset="0"/>
+                        <a:cs typeface="Times New Roman" panose="02020603050405020304" pitchFamily="18" charset="0"/>
+                      </a:rPr>
+                      <m:t>(</m:t>
+                    </m:r>
+                    <m:r>
+                      <a:rPr lang="en-US" altLang="zh-CN" i="1">
+                        <a:latin typeface="Cambria Math" panose="02040503050406030204" pitchFamily="18" charset="0"/>
+                        <a:cs typeface="Times New Roman" panose="02020603050405020304" pitchFamily="18" charset="0"/>
+                      </a:rPr>
+                      <m:t>𝑥</m:t>
+                    </m:r>
+                    <m:r>
+                      <a:rPr lang="en-US" altLang="zh-CN" i="1">
+                        <a:latin typeface="Cambria Math" panose="02040503050406030204" pitchFamily="18" charset="0"/>
+                        <a:cs typeface="Times New Roman" panose="02020603050405020304" pitchFamily="18" charset="0"/>
+                      </a:rPr>
+                      <m:t>)</m:t>
+                    </m:r>
+                  </m:oMath>
+                </a14:m>
+                <a:r>
+                  <a:rPr lang="en-US" altLang="zh-CN" dirty="0">
+                    <a:latin typeface="Times New Roman" panose="02020603050405020304" pitchFamily="18" charset="0"/>
+                    <a:cs typeface="Times New Roman" panose="02020603050405020304" pitchFamily="18" charset="0"/>
+                  </a:rPr>
+                  <a:t> with reference point </a:t>
+                </a:r>
+                <a14:m>
+                  <m:oMath xmlns:m="http://schemas.openxmlformats.org/officeDocument/2006/math">
+                    <m:sSub>
+                      <m:sSubPr>
+                        <m:ctrlPr>
+                          <a:rPr lang="en-US" altLang="zh-CN" b="0" i="1" smtClean="0">
+                            <a:latin typeface="Cambria Math" panose="02040503050406030204" pitchFamily="18" charset="0"/>
+                            <a:cs typeface="Times New Roman" panose="02020603050405020304" pitchFamily="18" charset="0"/>
+                          </a:rPr>
+                        </m:ctrlPr>
+                      </m:sSubPr>
+                      <m:e>
+                        <m:r>
+                          <a:rPr lang="en-US" altLang="zh-CN" b="0" i="1" smtClean="0">
+                            <a:latin typeface="Cambria Math" panose="02040503050406030204" pitchFamily="18" charset="0"/>
+                            <a:cs typeface="Times New Roman" panose="02020603050405020304" pitchFamily="18" charset="0"/>
+                          </a:rPr>
+                          <m:t>𝑥</m:t>
+                        </m:r>
+                      </m:e>
+                      <m:sub>
+                        <m:r>
+                          <a:rPr lang="en-US" altLang="zh-CN" b="0" i="1" smtClean="0">
+                            <a:latin typeface="Cambria Math" panose="02040503050406030204" pitchFamily="18" charset="0"/>
+                            <a:cs typeface="Times New Roman" panose="02020603050405020304" pitchFamily="18" charset="0"/>
+                          </a:rPr>
+                          <m:t>0</m:t>
+                        </m:r>
+                      </m:sub>
+                    </m:sSub>
+                    <m:r>
+                      <a:rPr lang="en-US" altLang="zh-CN" b="0" i="1" smtClean="0">
+                        <a:latin typeface="Cambria Math" panose="02040503050406030204" pitchFamily="18" charset="0"/>
+                        <a:cs typeface="Times New Roman" panose="02020603050405020304" pitchFamily="18" charset="0"/>
+                      </a:rPr>
+                      <m:t>=</m:t>
+                    </m:r>
+                    <m:f>
+                      <m:fPr>
+                        <m:ctrlPr>
+                          <a:rPr lang="en-US" altLang="zh-CN" b="0" i="1" smtClean="0">
+                            <a:latin typeface="Cambria Math" panose="02040503050406030204" pitchFamily="18" charset="0"/>
+                            <a:cs typeface="Times New Roman" panose="02020603050405020304" pitchFamily="18" charset="0"/>
+                          </a:rPr>
+                        </m:ctrlPr>
+                      </m:fPr>
+                      <m:num>
+                        <m:sSub>
+                          <m:sSubPr>
+                            <m:ctrlPr>
+                              <a:rPr lang="en-US" altLang="zh-CN" b="0" i="1" smtClean="0">
+                                <a:latin typeface="Cambria Math" panose="02040503050406030204" pitchFamily="18" charset="0"/>
+                                <a:cs typeface="Times New Roman" panose="02020603050405020304" pitchFamily="18" charset="0"/>
+                              </a:rPr>
+                            </m:ctrlPr>
+                          </m:sSubPr>
+                          <m:e>
+                            <m:r>
+                              <a:rPr lang="en-US" altLang="zh-CN" b="0" i="1" smtClean="0">
+                                <a:latin typeface="Cambria Math" panose="02040503050406030204" pitchFamily="18" charset="0"/>
+                                <a:cs typeface="Times New Roman" panose="02020603050405020304" pitchFamily="18" charset="0"/>
+                              </a:rPr>
+                              <m:t>𝐿</m:t>
+                            </m:r>
+                          </m:e>
+                          <m:sub>
+                            <m:r>
+                              <a:rPr lang="en-US" altLang="zh-CN" b="0" i="1" smtClean="0">
+                                <a:latin typeface="Cambria Math" panose="02040503050406030204" pitchFamily="18" charset="0"/>
+                                <a:cs typeface="Times New Roman" panose="02020603050405020304" pitchFamily="18" charset="0"/>
+                              </a:rPr>
+                              <m:t>𝑥</m:t>
+                            </m:r>
+                          </m:sub>
+                        </m:sSub>
+                      </m:num>
+                      <m:den>
+                        <m:r>
+                          <a:rPr lang="en-US" altLang="zh-CN" b="0" i="1" smtClean="0">
+                            <a:latin typeface="Cambria Math" panose="02040503050406030204" pitchFamily="18" charset="0"/>
+                            <a:cs typeface="Times New Roman" panose="02020603050405020304" pitchFamily="18" charset="0"/>
+                          </a:rPr>
+                          <m:t>4</m:t>
+                        </m:r>
+                      </m:den>
+                    </m:f>
+                    <m:r>
+                      <a:rPr lang="en-US" altLang="zh-CN" b="0" i="1" smtClean="0">
+                        <a:latin typeface="Cambria Math" panose="02040503050406030204" pitchFamily="18" charset="0"/>
+                        <a:cs typeface="Times New Roman" panose="02020603050405020304" pitchFamily="18" charset="0"/>
+                      </a:rPr>
+                      <m:t>+1,</m:t>
+                    </m:r>
+                  </m:oMath>
+                </a14:m>
+                <a:r>
+                  <a:rPr lang="en-US" altLang="zh-CN" dirty="0">
+                    <a:latin typeface="Times New Roman" panose="02020603050405020304" pitchFamily="18" charset="0"/>
+                    <a:cs typeface="Times New Roman" panose="02020603050405020304" pitchFamily="18" charset="0"/>
+                  </a:rPr>
+                  <a:t> (the first rung is labelled as 1)</a:t>
+                </a:r>
+              </a:p>
+              <a:p>
+                <a:r>
+                  <a:rPr lang="en-US" altLang="zh-CN" dirty="0">
+                    <a:latin typeface="Times New Roman" panose="02020603050405020304" pitchFamily="18" charset="0"/>
+                    <a:cs typeface="Times New Roman" panose="02020603050405020304" pitchFamily="18" charset="0"/>
+                  </a:rPr>
+                  <a:t>where </a:t>
+                </a:r>
+                <a14:m>
+                  <m:oMath xmlns:m="http://schemas.openxmlformats.org/officeDocument/2006/math">
+                    <m:sSub>
+                      <m:sSubPr>
+                        <m:ctrlPr>
+                          <a:rPr lang="en-US" altLang="zh-CN" b="0" i="1" dirty="0" smtClean="0">
+                            <a:latin typeface="Cambria Math" panose="02040503050406030204" pitchFamily="18" charset="0"/>
+                            <a:cs typeface="Times New Roman" panose="02020603050405020304" pitchFamily="18" charset="0"/>
+                          </a:rPr>
+                        </m:ctrlPr>
+                      </m:sSubPr>
+                      <m:e>
+                        <m:r>
+                          <a:rPr lang="en-US" altLang="zh-CN" i="1" dirty="0" smtClean="0">
+                            <a:latin typeface="Cambria Math" panose="02040503050406030204" pitchFamily="18" charset="0"/>
+                            <a:cs typeface="Times New Roman" panose="02020603050405020304" pitchFamily="18" charset="0"/>
+                          </a:rPr>
+                          <m:t>𝐿</m:t>
+                        </m:r>
+                      </m:e>
+                      <m:sub>
+                        <m:r>
+                          <a:rPr lang="en-US" altLang="zh-CN" i="1" dirty="0" smtClean="0">
+                            <a:latin typeface="Cambria Math" panose="02040503050406030204" pitchFamily="18" charset="0"/>
+                            <a:cs typeface="Times New Roman" panose="02020603050405020304" pitchFamily="18" charset="0"/>
+                          </a:rPr>
+                          <m:t>𝑥</m:t>
+                        </m:r>
+                      </m:sub>
+                    </m:sSub>
+                  </m:oMath>
+                </a14:m>
+                <a:r>
+                  <a:rPr lang="en-US" altLang="zh-CN" dirty="0">
+                    <a:latin typeface="Times New Roman" panose="02020603050405020304" pitchFamily="18" charset="0"/>
+                    <a:cs typeface="Times New Roman" panose="02020603050405020304" pitchFamily="18" charset="0"/>
+                  </a:rPr>
+                  <a:t> = 16, 24, 32, 48, and </a:t>
+                </a:r>
+                <a14:m>
+                  <m:oMath xmlns:m="http://schemas.openxmlformats.org/officeDocument/2006/math">
+                    <m:r>
+                      <a:rPr lang="en-US" altLang="zh-CN" b="0" i="1" smtClean="0">
+                        <a:latin typeface="Cambria Math" panose="02040503050406030204" pitchFamily="18" charset="0"/>
+                        <a:cs typeface="Times New Roman" panose="02020603050405020304" pitchFamily="18" charset="0"/>
+                      </a:rPr>
+                      <m:t>𝑥</m:t>
+                    </m:r>
+                    <m:r>
+                      <a:rPr lang="en-US" altLang="zh-CN" b="0" i="1" smtClean="0">
+                        <a:latin typeface="Cambria Math" panose="02040503050406030204" pitchFamily="18" charset="0"/>
+                        <a:cs typeface="Times New Roman" panose="02020603050405020304" pitchFamily="18" charset="0"/>
+                      </a:rPr>
+                      <m:t>=7, 9, 15, 23</m:t>
+                    </m:r>
+                  </m:oMath>
+                </a14:m>
+                <a:r>
+                  <a:rPr lang="en-US" altLang="zh-CN" dirty="0">
+                    <a:latin typeface="Times New Roman" panose="02020603050405020304" pitchFamily="18" charset="0"/>
+                    <a:cs typeface="Times New Roman" panose="02020603050405020304" pitchFamily="18" charset="0"/>
+                  </a:rPr>
+                  <a:t> respectively. </a:t>
+                </a:r>
+              </a:p>
+              <a:p>
+                <a:endParaRPr lang="en-US" altLang="zh-CN" dirty="0">
+                  <a:latin typeface="Times New Roman" panose="02020603050405020304" pitchFamily="18" charset="0"/>
+                  <a:cs typeface="Times New Roman" panose="02020603050405020304" pitchFamily="18" charset="0"/>
+                </a:endParaRPr>
+              </a:p>
+              <a:p>
+                <a:r>
+                  <a:rPr lang="en-US" altLang="zh-CN" dirty="0">
+                    <a:latin typeface="Times New Roman" panose="02020603050405020304" pitchFamily="18" charset="0"/>
+                    <a:cs typeface="Times New Roman" panose="02020603050405020304" pitchFamily="18" charset="0"/>
+                  </a:rPr>
+                  <a:t>If we suppose the data of </a:t>
+                </a:r>
+                <a14:m>
+                  <m:oMath xmlns:m="http://schemas.openxmlformats.org/officeDocument/2006/math">
+                    <m:r>
+                      <a:rPr lang="en-US" altLang="zh-CN" b="0" i="1" smtClean="0">
+                        <a:latin typeface="Cambria Math" panose="02040503050406030204" pitchFamily="18" charset="0"/>
+                        <a:cs typeface="Times New Roman" panose="02020603050405020304" pitchFamily="18" charset="0"/>
+                      </a:rPr>
+                      <m:t>𝑥</m:t>
+                    </m:r>
+                    <m:r>
+                      <a:rPr lang="en-US" altLang="zh-CN" b="0" i="1" smtClean="0">
+                        <a:latin typeface="Cambria Math" panose="02040503050406030204" pitchFamily="18" charset="0"/>
+                        <a:cs typeface="Times New Roman" panose="02020603050405020304" pitchFamily="18" charset="0"/>
+                      </a:rPr>
+                      <m:t>=23</m:t>
+                    </m:r>
+                  </m:oMath>
+                </a14:m>
+                <a:r>
+                  <a:rPr lang="en-US" altLang="zh-CN" dirty="0">
+                    <a:latin typeface="Times New Roman" panose="02020603050405020304" pitchFamily="18" charset="0"/>
+                    <a:cs typeface="Times New Roman" panose="02020603050405020304" pitchFamily="18" charset="0"/>
+                  </a:rPr>
+                  <a:t> is not accurate, and abandon it, we get the orange line with </a:t>
+                </a:r>
+                <a14:m>
+                  <m:oMath xmlns:m="http://schemas.openxmlformats.org/officeDocument/2006/math">
+                    <m:sSub>
+                      <m:sSubPr>
+                        <m:ctrlPr>
+                          <a:rPr lang="en-US" altLang="zh-CN" i="1" dirty="0" smtClean="0">
+                            <a:latin typeface="Cambria Math" panose="02040503050406030204" pitchFamily="18" charset="0"/>
+                            <a:cs typeface="Times New Roman" panose="02020603050405020304" pitchFamily="18" charset="0"/>
+                          </a:rPr>
+                        </m:ctrlPr>
+                      </m:sSubPr>
+                      <m:e>
+                        <m:r>
+                          <a:rPr lang="en-US" altLang="zh-CN" i="1" dirty="0" smtClean="0">
+                            <a:latin typeface="Cambria Math" panose="02040503050406030204" pitchFamily="18" charset="0"/>
+                            <a:cs typeface="Times New Roman" panose="02020603050405020304" pitchFamily="18" charset="0"/>
+                          </a:rPr>
+                          <m:t>𝐾</m:t>
+                        </m:r>
+                      </m:e>
+                      <m:sub>
+                        <m:r>
+                          <a:rPr lang="en-US" altLang="zh-CN" i="1" dirty="0" smtClean="0">
+                            <a:latin typeface="Cambria Math" panose="02040503050406030204" pitchFamily="18" charset="0"/>
+                            <a:cs typeface="Times New Roman" panose="02020603050405020304" pitchFamily="18" charset="0"/>
+                          </a:rPr>
+                          <m:t>𝑠𝑐</m:t>
+                        </m:r>
+                      </m:sub>
+                    </m:sSub>
+                    <m:r>
+                      <a:rPr lang="en-US" altLang="zh-CN" i="1" dirty="0">
+                        <a:latin typeface="Cambria Math" panose="02040503050406030204" pitchFamily="18" charset="0"/>
+                        <a:cs typeface="Times New Roman" panose="02020603050405020304" pitchFamily="18" charset="0"/>
+                      </a:rPr>
+                      <m:t>=</m:t>
+                    </m:r>
+                    <m:r>
+                      <a:rPr lang="en-US" altLang="zh-CN" i="1" dirty="0">
+                        <a:latin typeface="Cambria Math" panose="02040503050406030204" pitchFamily="18" charset="0"/>
+                        <a:cs typeface="Times New Roman" panose="02020603050405020304" pitchFamily="18" charset="0"/>
+                      </a:rPr>
+                      <m:t>1.09671</m:t>
+                    </m:r>
+                  </m:oMath>
+                </a14:m>
+                <a:r>
+                  <a:rPr lang="en-US" altLang="zh-CN" dirty="0">
+                    <a:latin typeface="Times New Roman" panose="02020603050405020304" pitchFamily="18" charset="0"/>
+                    <a:cs typeface="Times New Roman" panose="02020603050405020304" pitchFamily="18" charset="0"/>
+                  </a:rPr>
+                  <a:t>. </a:t>
+                </a:r>
+                <a:endParaRPr lang="zh-CN" altLang="en-US" dirty="0">
+                  <a:latin typeface="Times New Roman" panose="02020603050405020304" pitchFamily="18" charset="0"/>
+                  <a:cs typeface="Times New Roman" panose="02020603050405020304" pitchFamily="18" charset="0"/>
+                </a:endParaRPr>
+              </a:p>
+            </p:txBody>
+          </p:sp>
+        </mc:Choice>
+        <mc:Fallback>
+          <p:sp>
+            <p:nvSpPr>
+              <p:cNvPr id="4" name="文本框 3">
+                <a:extLst>
+                  <a:ext uri="{FF2B5EF4-FFF2-40B4-BE49-F238E27FC236}">
+                    <a16:creationId xmlns:a16="http://schemas.microsoft.com/office/drawing/2014/main" id="{712B0BB5-06FF-254C-8E5E-63FBF240B33C}"/>
+                  </a:ext>
+                </a:extLst>
+              </p:cNvPr>
+              <p:cNvSpPr txBox="1">
+                <a:spLocks noRot="1" noChangeAspect="1" noMove="1" noResize="1" noEditPoints="1" noAdjustHandles="1" noChangeArrowheads="1" noChangeShapeType="1" noTextEdit="1"/>
+              </p:cNvSpPr>
+              <p:nvPr/>
+            </p:nvSpPr>
+            <p:spPr>
+              <a:xfrm>
+                <a:off x="6808053" y="2230947"/>
+                <a:ext cx="3802315" cy="2722092"/>
+              </a:xfrm>
+              <a:prstGeom prst="rect">
+                <a:avLst/>
+              </a:prstGeom>
+              <a:blipFill>
+                <a:blip r:embed="rId2"/>
+                <a:stretch>
+                  <a:fillRect l="-1667" t="-926" r="-2000" b="-2315"/>
+                </a:stretch>
+              </a:blipFill>
+            </p:spPr>
+            <p:txBody>
+              <a:bodyPr/>
+              <a:lstStyle/>
+              <a:p>
+                <a:r>
+                  <a:rPr lang="zh-CN" altLang="en-US">
+                    <a:noFill/>
+                  </a:rPr>
+                  <a:t> </a:t>
+                </a:r>
+              </a:p>
+            </p:txBody>
+          </p:sp>
+        </mc:Fallback>
+      </mc:AlternateContent>
+      <p:pic>
+        <p:nvPicPr>
+          <p:cNvPr id="2" name="图片 1">
+            <a:extLst>
+              <a:ext uri="{FF2B5EF4-FFF2-40B4-BE49-F238E27FC236}">
+                <a16:creationId xmlns:a16="http://schemas.microsoft.com/office/drawing/2014/main" id="{5EE02CBD-73B4-DB4D-9496-748197E10782}"/>
+              </a:ext>
+            </a:extLst>
+          </p:cNvPr>
+          <p:cNvPicPr>
+            <a:picLocks noChangeAspect="1"/>
+          </p:cNvPicPr>
+          <p:nvPr/>
+        </p:nvPicPr>
+        <p:blipFill>
+          <a:blip r:embed="rId3"/>
+          <a:stretch>
+            <a:fillRect/>
+          </a:stretch>
+        </p:blipFill>
+        <p:spPr>
+          <a:xfrm>
+            <a:off x="901273" y="1575801"/>
+            <a:ext cx="5422074" cy="4032383"/>
+          </a:xfrm>
+          <a:prstGeom prst="rect">
+            <a:avLst/>
+          </a:prstGeom>
+        </p:spPr>
+      </p:pic>
+      <mc:AlternateContent xmlns:mc="http://schemas.openxmlformats.org/markup-compatibility/2006">
+        <mc:Choice xmlns:a14="http://schemas.microsoft.com/office/drawing/2010/main" Requires="a14">
+          <p:sp>
+            <p:nvSpPr>
+              <p:cNvPr id="6" name="文本框 5">
+                <a:extLst>
+                  <a:ext uri="{FF2B5EF4-FFF2-40B4-BE49-F238E27FC236}">
+                    <a16:creationId xmlns:a16="http://schemas.microsoft.com/office/drawing/2014/main" id="{798C844E-487C-D14F-81D1-ACA5E6A6DFB5}"/>
+                  </a:ext>
+                </a:extLst>
+              </p:cNvPr>
+              <p:cNvSpPr txBox="1"/>
+              <p:nvPr/>
+            </p:nvSpPr>
+            <p:spPr>
+              <a:xfrm>
+                <a:off x="653143" y="284309"/>
+                <a:ext cx="6531428" cy="557204"/>
+              </a:xfrm>
+              <a:prstGeom prst="rect">
+                <a:avLst/>
+              </a:prstGeom>
+              <a:noFill/>
+            </p:spPr>
+            <p:txBody>
+              <a:bodyPr wrap="square" rtlCol="0">
+                <a:spAutoFit/>
+              </a:bodyPr>
+              <a:lstStyle/>
+              <a:p>
+                <a:r>
+                  <a:rPr kumimoji="1" lang="en-US" altLang="zh-CN" sz="2800" dirty="0">
+                    <a:latin typeface="Times New Roman" panose="02020603050405020304" pitchFamily="18" charset="0"/>
+                    <a:cs typeface="Times New Roman" panose="02020603050405020304" pitchFamily="18" charset="0"/>
+                  </a:rPr>
+                  <a:t>Fit </a:t>
+                </a:r>
+                <a14:m>
+                  <m:oMath xmlns:m="http://schemas.openxmlformats.org/officeDocument/2006/math">
+                    <m:sSub>
+                      <m:sSubPr>
+                        <m:ctrlPr>
+                          <a:rPr kumimoji="1" lang="en-US" altLang="zh-CN" sz="2800" i="1" dirty="0" smtClean="0">
+                            <a:latin typeface="Cambria Math" panose="02040503050406030204" pitchFamily="18" charset="0"/>
+                          </a:rPr>
+                        </m:ctrlPr>
+                      </m:sSubPr>
+                      <m:e>
+                        <m:r>
+                          <a:rPr kumimoji="1" lang="en-US" altLang="zh-CN" sz="2800" i="1" dirty="0" smtClean="0">
+                            <a:latin typeface="Cambria Math" panose="02040503050406030204" pitchFamily="18" charset="0"/>
+                          </a:rPr>
+                          <m:t>𝐾</m:t>
+                        </m:r>
+                      </m:e>
+                      <m:sub>
+                        <m:r>
+                          <a:rPr kumimoji="1" lang="en-US" altLang="zh-CN" sz="2800" b="0" i="1" dirty="0" smtClean="0">
+                            <a:latin typeface="Cambria Math" panose="02040503050406030204" pitchFamily="18" charset="0"/>
+                          </a:rPr>
+                          <m:t>𝑠</m:t>
+                        </m:r>
+                        <m:r>
+                          <a:rPr kumimoji="1" lang="en-US" altLang="zh-CN" sz="2800" i="1" dirty="0" smtClean="0">
+                            <a:latin typeface="Cambria Math" panose="02040503050406030204" pitchFamily="18" charset="0"/>
+                          </a:rPr>
+                          <m:t>𝑐</m:t>
+                        </m:r>
+                      </m:sub>
+                    </m:sSub>
+                  </m:oMath>
+                </a14:m>
+                <a:r>
+                  <a:rPr kumimoji="1" lang="en-US" altLang="zh-CN" sz="2800" dirty="0">
+                    <a:latin typeface="Times New Roman" panose="02020603050405020304" pitchFamily="18" charset="0"/>
+                    <a:cs typeface="Times New Roman" panose="02020603050405020304" pitchFamily="18" charset="0"/>
+                  </a:rPr>
+                  <a:t> from </a:t>
+                </a:r>
+                <a14:m>
+                  <m:oMath xmlns:m="http://schemas.openxmlformats.org/officeDocument/2006/math">
+                    <m:sSub>
+                      <m:sSubPr>
+                        <m:ctrlPr>
+                          <a:rPr kumimoji="1" lang="en-US" altLang="zh-CN" sz="2800" b="0" i="1" smtClean="0">
+                            <a:latin typeface="Cambria Math" panose="02040503050406030204" pitchFamily="18" charset="0"/>
+                            <a:cs typeface="Times New Roman" panose="02020603050405020304" pitchFamily="18" charset="0"/>
+                          </a:rPr>
+                        </m:ctrlPr>
+                      </m:sSubPr>
+                      <m:e>
+                        <m:r>
+                          <m:rPr>
+                            <m:sty m:val="p"/>
+                          </m:rPr>
+                          <a:rPr kumimoji="1" lang="en-US" altLang="zh-CN" sz="2800" b="0" i="0" smtClean="0">
+                            <a:latin typeface="Cambria Math" panose="02040503050406030204" pitchFamily="18" charset="0"/>
+                            <a:cs typeface="Times New Roman" panose="02020603050405020304" pitchFamily="18" charset="0"/>
+                          </a:rPr>
+                          <m:t>Φ</m:t>
+                        </m:r>
+                      </m:e>
+                      <m:sub>
+                        <m:r>
+                          <a:rPr kumimoji="1" lang="en-US" altLang="zh-CN" sz="2800" b="0" i="1" smtClean="0">
+                            <a:latin typeface="Cambria Math" panose="02040503050406030204" pitchFamily="18" charset="0"/>
+                            <a:cs typeface="Times New Roman" panose="02020603050405020304" pitchFamily="18" charset="0"/>
+                          </a:rPr>
+                          <m:t>𝑦𝑦</m:t>
+                        </m:r>
+                      </m:sub>
+                    </m:sSub>
+                    <m:d>
+                      <m:dPr>
+                        <m:ctrlPr>
+                          <a:rPr kumimoji="1" lang="en-US" altLang="zh-CN" sz="2800" b="0" i="1" smtClean="0">
+                            <a:latin typeface="Cambria Math" panose="02040503050406030204" pitchFamily="18" charset="0"/>
+                            <a:cs typeface="Times New Roman" panose="02020603050405020304" pitchFamily="18" charset="0"/>
+                          </a:rPr>
+                        </m:ctrlPr>
+                      </m:dPr>
+                      <m:e>
+                        <m:r>
+                          <a:rPr kumimoji="1" lang="en-US" altLang="zh-CN" sz="2800" b="0" i="1" smtClean="0">
+                            <a:latin typeface="Cambria Math" panose="02040503050406030204" pitchFamily="18" charset="0"/>
+                            <a:cs typeface="Times New Roman" panose="02020603050405020304" pitchFamily="18" charset="0"/>
+                          </a:rPr>
+                          <m:t>𝑥</m:t>
+                        </m:r>
+                      </m:e>
+                    </m:d>
+                  </m:oMath>
+                </a14:m>
+                <a:r>
+                  <a:rPr kumimoji="1" lang="en-US" altLang="zh-CN" sz="2800" dirty="0">
+                    <a:latin typeface="Times New Roman" panose="02020603050405020304" pitchFamily="18" charset="0"/>
+                    <a:cs typeface="Times New Roman" panose="02020603050405020304" pitchFamily="18" charset="0"/>
+                  </a:rPr>
+                  <a:t> (fixing reference point)</a:t>
+                </a:r>
+                <a:endParaRPr kumimoji="1" lang="zh-CN" altLang="en-US" sz="2800" dirty="0">
+                  <a:latin typeface="Times New Roman" panose="02020603050405020304" pitchFamily="18" charset="0"/>
+                  <a:cs typeface="Times New Roman" panose="02020603050405020304" pitchFamily="18" charset="0"/>
+                </a:endParaRPr>
+              </a:p>
+            </p:txBody>
+          </p:sp>
+        </mc:Choice>
+        <mc:Fallback>
+          <p:sp>
+            <p:nvSpPr>
+              <p:cNvPr id="6" name="文本框 5">
+                <a:extLst>
+                  <a:ext uri="{FF2B5EF4-FFF2-40B4-BE49-F238E27FC236}">
+                    <a16:creationId xmlns:a16="http://schemas.microsoft.com/office/drawing/2014/main" id="{798C844E-487C-D14F-81D1-ACA5E6A6DFB5}"/>
+                  </a:ext>
+                </a:extLst>
+              </p:cNvPr>
+              <p:cNvSpPr txBox="1">
+                <a:spLocks noRot="1" noChangeAspect="1" noMove="1" noResize="1" noEditPoints="1" noAdjustHandles="1" noChangeArrowheads="1" noChangeShapeType="1" noTextEdit="1"/>
+              </p:cNvSpPr>
+              <p:nvPr/>
+            </p:nvSpPr>
+            <p:spPr>
+              <a:xfrm>
+                <a:off x="653143" y="284309"/>
+                <a:ext cx="6531428" cy="557204"/>
+              </a:xfrm>
+              <a:prstGeom prst="rect">
+                <a:avLst/>
+              </a:prstGeom>
+              <a:blipFill>
+                <a:blip r:embed="rId4"/>
+                <a:stretch>
+                  <a:fillRect l="-1942" t="-11111" r="-3883" b="-24444"/>
+                </a:stretch>
+              </a:blipFill>
+            </p:spPr>
+            <p:txBody>
+              <a:bodyPr/>
+              <a:lstStyle/>
+              <a:p>
+                <a:r>
+                  <a:rPr lang="zh-CN" altLang="en-US">
+                    <a:noFill/>
+                  </a:rPr>
+                  <a:t> </a:t>
+                </a:r>
+              </a:p>
+            </p:txBody>
+          </p:sp>
+        </mc:Fallback>
+      </mc:AlternateContent>
+    </p:spTree>
+    <p:extLst>
+      <p:ext uri="{BB962C8B-B14F-4D97-AF65-F5344CB8AC3E}">
+        <p14:creationId xmlns:p14="http://schemas.microsoft.com/office/powerpoint/2010/main" val="1791224263"/>
+      </p:ext>
+    </p:extLst>
+  </p:cSld>
+  <p:clrMapOvr>
+    <a:masterClrMapping/>
+  </p:clrMapOvr>
+</p:sld>
+</file>
+
+<file path=ppt/slides/slide6.xml><?xml version="1.0" encoding="utf-8"?>
 <p:sld xmlns:a="http://schemas.openxmlformats.org/drawingml/2006/main" xmlns:r="http://schemas.openxmlformats.org/officeDocument/2006/relationships" xmlns:p="http://schemas.openxmlformats.org/presentationml/2006/main">
   <p:cSld>
     <p:spTree>
@@ -7132,8 +8699,8 @@
           </a:p>
         </p:txBody>
       </p:sp>
-      <mc:AlternateContent xmlns:mc="http://schemas.openxmlformats.org/markup-compatibility/2006">
-        <mc:Choice xmlns:a14="http://schemas.microsoft.com/office/drawing/2010/main" Requires="a14">
+      <mc:AlternateContent xmlns:mc="http://schemas.openxmlformats.org/markup-compatibility/2006" xmlns:a14="http://schemas.microsoft.com/office/drawing/2010/main">
+        <mc:Choice Requires="a14">
           <p:sp>
             <p:nvSpPr>
               <p:cNvPr id="8" name="文本框 7">
@@ -7162,6 +8729,7 @@
               </a:bodyPr>
               <a:lstStyle/>
               <a:p>
+                <a:pPr/>
                 <a14:m>
                   <m:oMathPara xmlns:m="http://schemas.openxmlformats.org/officeDocument/2006/math">
                     <m:oMathParaPr>
@@ -7207,7 +8775,7 @@
             </p:txBody>
           </p:sp>
         </mc:Choice>
-        <mc:Fallback>
+        <mc:Fallback xmlns="">
           <p:sp>
             <p:nvSpPr>
               <p:cNvPr id="8" name="文本框 7">
@@ -7336,8 +8904,8 @@
           </a:p>
         </p:txBody>
       </p:sp>
-      <mc:AlternateContent xmlns:mc="http://schemas.openxmlformats.org/markup-compatibility/2006">
-        <mc:Choice xmlns:a14="http://schemas.microsoft.com/office/drawing/2010/main" Requires="a14">
+      <mc:AlternateContent xmlns:mc="http://schemas.openxmlformats.org/markup-compatibility/2006" xmlns:a14="http://schemas.microsoft.com/office/drawing/2010/main">
+        <mc:Choice Requires="a14">
           <p:sp>
             <p:nvSpPr>
               <p:cNvPr id="11" name="文本框 10">
@@ -7366,6 +8934,7 @@
               </a:bodyPr>
               <a:lstStyle/>
               <a:p>
+                <a:pPr/>
                 <a14:m>
                   <m:oMathPara xmlns:m="http://schemas.openxmlformats.org/officeDocument/2006/math">
                     <m:oMathParaPr>
@@ -7411,7 +8980,7 @@
             </p:txBody>
           </p:sp>
         </mc:Choice>
-        <mc:Fallback>
+        <mc:Fallback xmlns="">
           <p:sp>
             <p:nvSpPr>
               <p:cNvPr id="11" name="文本框 10">
@@ -7580,8 +9149,8 @@
           </a:p>
         </p:txBody>
       </p:sp>
-      <mc:AlternateContent xmlns:mc="http://schemas.openxmlformats.org/markup-compatibility/2006">
-        <mc:Choice xmlns:a14="http://schemas.microsoft.com/office/drawing/2010/main" Requires="a14">
+      <mc:AlternateContent xmlns:mc="http://schemas.openxmlformats.org/markup-compatibility/2006" xmlns:a14="http://schemas.microsoft.com/office/drawing/2010/main">
+        <mc:Choice Requires="a14">
           <p:sp>
             <p:nvSpPr>
               <p:cNvPr id="15" name="文本框 14">
@@ -7610,6 +9179,7 @@
               </a:bodyPr>
               <a:lstStyle/>
               <a:p>
+                <a:pPr/>
                 <a14:m>
                   <m:oMathPara xmlns:m="http://schemas.openxmlformats.org/officeDocument/2006/math">
                     <m:oMathParaPr>
@@ -7655,7 +9225,7 @@
             </p:txBody>
           </p:sp>
         </mc:Choice>
-        <mc:Fallback>
+        <mc:Fallback xmlns="">
           <p:sp>
             <p:nvSpPr>
               <p:cNvPr id="15" name="文本框 14">
@@ -7782,8 +9352,8 @@
           </a:p>
         </p:txBody>
       </p:sp>
-      <mc:AlternateContent xmlns:mc="http://schemas.openxmlformats.org/markup-compatibility/2006">
-        <mc:Choice xmlns:a14="http://schemas.microsoft.com/office/drawing/2010/main" Requires="a14">
+      <mc:AlternateContent xmlns:mc="http://schemas.openxmlformats.org/markup-compatibility/2006" xmlns:a14="http://schemas.microsoft.com/office/drawing/2010/main">
+        <mc:Choice Requires="a14">
           <p:sp>
             <p:nvSpPr>
               <p:cNvPr id="19" name="文本框 18">
@@ -7812,6 +9382,7 @@
               </a:bodyPr>
               <a:lstStyle/>
               <a:p>
+                <a:pPr/>
                 <a14:m>
                   <m:oMathPara xmlns:m="http://schemas.openxmlformats.org/officeDocument/2006/math">
                     <m:oMathParaPr>
@@ -7857,7 +9428,7 @@
             </p:txBody>
           </p:sp>
         </mc:Choice>
-        <mc:Fallback>
+        <mc:Fallback xmlns="">
           <p:sp>
             <p:nvSpPr>
               <p:cNvPr id="19" name="文本框 18">
@@ -7957,7 +9528,7 @@
 </p:sld>
 </file>
 
-<file path=ppt/slides/slide5.xml><?xml version="1.0" encoding="utf-8"?>
+<file path=ppt/slides/slide7.xml><?xml version="1.0" encoding="utf-8"?>
 <p:sld xmlns:a="http://schemas.openxmlformats.org/drawingml/2006/main" xmlns:r="http://schemas.openxmlformats.org/officeDocument/2006/relationships" xmlns:p="http://schemas.openxmlformats.org/presentationml/2006/main">
   <p:cSld>
     <p:spTree>
@@ -7976,10 +9547,10 @@
       </p:grpSpPr>
       <p:pic>
         <p:nvPicPr>
-          <p:cNvPr id="3" name="图片 2">
+          <p:cNvPr id="4" name="图片 3">
             <a:extLst>
               <a:ext uri="{FF2B5EF4-FFF2-40B4-BE49-F238E27FC236}">
-                <a16:creationId xmlns:a16="http://schemas.microsoft.com/office/drawing/2014/main" id="{146C72CA-1D96-BB4F-BE6F-96FCEDB35464}"/>
+                <a16:creationId xmlns:a16="http://schemas.microsoft.com/office/drawing/2014/main" id="{23DBE57D-9433-CD4F-8229-DAACBEF55611}"/>
               </a:ext>
             </a:extLst>
           </p:cNvPr>
@@ -7996,354 +9567,22 @@
         </p:blipFill>
         <p:spPr>
           <a:xfrm>
-            <a:off x="395249" y="516805"/>
-            <a:ext cx="5869800" cy="4521183"/>
+            <a:off x="719638" y="1237130"/>
+            <a:ext cx="5859516" cy="4614262"/>
           </a:xfrm>
           <a:prstGeom prst="rect">
             <a:avLst/>
           </a:prstGeom>
         </p:spPr>
       </p:pic>
-      <p:graphicFrame>
-        <p:nvGraphicFramePr>
-          <p:cNvPr id="5" name="表格 4">
-            <a:extLst>
-              <a:ext uri="{FF2B5EF4-FFF2-40B4-BE49-F238E27FC236}">
-                <a16:creationId xmlns:a16="http://schemas.microsoft.com/office/drawing/2014/main" id="{BD9E4129-F39E-4540-8591-8EF34B8B1673}"/>
-              </a:ext>
-            </a:extLst>
-          </p:cNvPr>
-          <p:cNvGraphicFramePr>
-            <a:graphicFrameLocks noGrp="1"/>
-          </p:cNvGraphicFramePr>
-          <p:nvPr>
-            <p:extLst>
-              <p:ext uri="{D42A27DB-BD31-4B8C-83A1-F6EECF244321}">
-                <p14:modId xmlns:p14="http://schemas.microsoft.com/office/powerpoint/2010/main" val="3585127721"/>
-              </p:ext>
-            </p:extLst>
-          </p:nvPr>
-        </p:nvGraphicFramePr>
-        <p:xfrm>
-          <a:off x="5666548" y="5837232"/>
-          <a:ext cx="6096000" cy="741680"/>
-        </p:xfrm>
-        <a:graphic>
-          <a:graphicData uri="http://schemas.openxmlformats.org/drawingml/2006/table">
-            <a:tbl>
-              <a:tblPr firstRow="1" bandRow="1">
-                <a:tableStyleId>{5C22544A-7EE6-4342-B048-85BDC9FD1C3A}</a:tableStyleId>
-              </a:tblPr>
-              <a:tblGrid>
-                <a:gridCol w="1016000">
-                  <a:extLst>
-                    <a:ext uri="{9D8B030D-6E8A-4147-A177-3AD203B41FA5}">
-                      <a16:colId xmlns:a16="http://schemas.microsoft.com/office/drawing/2014/main" val="2389338963"/>
-                    </a:ext>
-                  </a:extLst>
-                </a:gridCol>
-                <a:gridCol w="1016000">
-                  <a:extLst>
-                    <a:ext uri="{9D8B030D-6E8A-4147-A177-3AD203B41FA5}">
-                      <a16:colId xmlns:a16="http://schemas.microsoft.com/office/drawing/2014/main" val="1482990793"/>
-                    </a:ext>
-                  </a:extLst>
-                </a:gridCol>
-                <a:gridCol w="1016000">
-                  <a:extLst>
-                    <a:ext uri="{9D8B030D-6E8A-4147-A177-3AD203B41FA5}">
-                      <a16:colId xmlns:a16="http://schemas.microsoft.com/office/drawing/2014/main" val="2818294443"/>
-                    </a:ext>
-                  </a:extLst>
-                </a:gridCol>
-                <a:gridCol w="1016000">
-                  <a:extLst>
-                    <a:ext uri="{9D8B030D-6E8A-4147-A177-3AD203B41FA5}">
-                      <a16:colId xmlns:a16="http://schemas.microsoft.com/office/drawing/2014/main" val="2358132177"/>
-                    </a:ext>
-                  </a:extLst>
-                </a:gridCol>
-                <a:gridCol w="1016000">
-                  <a:extLst>
-                    <a:ext uri="{9D8B030D-6E8A-4147-A177-3AD203B41FA5}">
-                      <a16:colId xmlns:a16="http://schemas.microsoft.com/office/drawing/2014/main" val="2357405322"/>
-                    </a:ext>
-                  </a:extLst>
-                </a:gridCol>
-                <a:gridCol w="1016000">
-                  <a:extLst>
-                    <a:ext uri="{9D8B030D-6E8A-4147-A177-3AD203B41FA5}">
-                      <a16:colId xmlns:a16="http://schemas.microsoft.com/office/drawing/2014/main" val="1739885987"/>
-                    </a:ext>
-                  </a:extLst>
-                </a:gridCol>
-              </a:tblGrid>
-              <a:tr h="370840">
-                <a:tc>
-                  <a:txBody>
-                    <a:bodyPr/>
-                    <a:lstStyle/>
-                    <a:p>
-                      <a:r>
-                        <a:rPr lang="en-US" altLang="zh-CN" dirty="0"/>
-                        <a:t>Lx</a:t>
-                      </a:r>
-                      <a:endParaRPr lang="zh-CN" altLang="en-US" dirty="0"/>
-                    </a:p>
-                  </a:txBody>
-                  <a:tcPr/>
-                </a:tc>
-                <a:tc>
-                  <a:txBody>
-                    <a:bodyPr/>
-                    <a:lstStyle/>
-                    <a:p>
-                      <a:r>
-                        <a:rPr lang="en-US" altLang="zh-CN" dirty="0"/>
-                        <a:t>16</a:t>
-                      </a:r>
-                      <a:endParaRPr lang="zh-CN" altLang="en-US" dirty="0"/>
-                    </a:p>
-                  </a:txBody>
-                  <a:tcPr/>
-                </a:tc>
-                <a:tc>
-                  <a:txBody>
-                    <a:bodyPr/>
-                    <a:lstStyle/>
-                    <a:p>
-                      <a:r>
-                        <a:rPr lang="en-US" altLang="zh-CN" dirty="0"/>
-                        <a:t>24</a:t>
-                      </a:r>
-                      <a:endParaRPr lang="zh-CN" altLang="en-US" dirty="0"/>
-                    </a:p>
-                  </a:txBody>
-                  <a:tcPr/>
-                </a:tc>
-                <a:tc>
-                  <a:txBody>
-                    <a:bodyPr/>
-                    <a:lstStyle/>
-                    <a:p>
-                      <a:r>
-                        <a:rPr lang="en-US" altLang="zh-CN" dirty="0"/>
-                        <a:t>32</a:t>
-                      </a:r>
-                      <a:endParaRPr lang="zh-CN" altLang="en-US" dirty="0"/>
-                    </a:p>
-                  </a:txBody>
-                  <a:tcPr/>
-                </a:tc>
-                <a:tc>
-                  <a:txBody>
-                    <a:bodyPr/>
-                    <a:lstStyle/>
-                    <a:p>
-                      <a:r>
-                        <a:rPr lang="en-US" altLang="zh-CN" dirty="0"/>
-                        <a:t>40</a:t>
-                      </a:r>
-                      <a:endParaRPr lang="zh-CN" altLang="en-US" dirty="0"/>
-                    </a:p>
-                  </a:txBody>
-                  <a:tcPr/>
-                </a:tc>
-                <a:tc>
-                  <a:txBody>
-                    <a:bodyPr/>
-                    <a:lstStyle/>
-                    <a:p>
-                      <a:r>
-                        <a:rPr lang="en-US" altLang="zh-CN" dirty="0"/>
-                        <a:t>48</a:t>
-                      </a:r>
-                      <a:endParaRPr lang="zh-CN" altLang="en-US" dirty="0"/>
-                    </a:p>
-                  </a:txBody>
-                  <a:tcPr/>
-                </a:tc>
-                <a:extLst>
-                  <a:ext uri="{0D108BD9-81ED-4DB2-BD59-A6C34878D82A}">
-                    <a16:rowId xmlns:a16="http://schemas.microsoft.com/office/drawing/2014/main" val="161756523"/>
-                  </a:ext>
-                </a:extLst>
-              </a:tr>
-              <a:tr h="370840">
-                <a:tc>
-                  <a:txBody>
-                    <a:bodyPr/>
-                    <a:lstStyle/>
-                    <a:p>
-                      <a:r>
-                        <a:rPr lang="en-US" altLang="zh-CN" dirty="0"/>
-                        <a:t>D</a:t>
-                      </a:r>
-                      <a:endParaRPr lang="zh-CN" altLang="en-US" dirty="0"/>
-                    </a:p>
-                  </a:txBody>
-                  <a:tcPr/>
-                </a:tc>
-                <a:tc>
-                  <a:txBody>
-                    <a:bodyPr/>
-                    <a:lstStyle/>
-                    <a:p>
-                      <a:r>
-                        <a:rPr lang="en-US" altLang="zh-CN" dirty="0"/>
-                        <a:t>12000</a:t>
-                      </a:r>
-                      <a:endParaRPr lang="zh-CN" altLang="en-US" dirty="0"/>
-                    </a:p>
-                  </a:txBody>
-                  <a:tcPr/>
-                </a:tc>
-                <a:tc>
-                  <a:txBody>
-                    <a:bodyPr/>
-                    <a:lstStyle/>
-                    <a:p>
-                      <a:r>
-                        <a:rPr lang="en-US" altLang="zh-CN" dirty="0"/>
-                        <a:t>14000</a:t>
-                      </a:r>
-                      <a:endParaRPr lang="zh-CN" altLang="en-US" dirty="0"/>
-                    </a:p>
-                  </a:txBody>
-                  <a:tcPr/>
-                </a:tc>
-                <a:tc>
-                  <a:txBody>
-                    <a:bodyPr/>
-                    <a:lstStyle/>
-                    <a:p>
-                      <a:r>
-                        <a:rPr lang="en-US" altLang="zh-CN" dirty="0"/>
-                        <a:t>14000</a:t>
-                      </a:r>
-                      <a:endParaRPr lang="zh-CN" altLang="en-US" dirty="0"/>
-                    </a:p>
-                  </a:txBody>
-                  <a:tcPr/>
-                </a:tc>
-                <a:tc>
-                  <a:txBody>
-                    <a:bodyPr/>
-                    <a:lstStyle/>
-                    <a:p>
-                      <a:r>
-                        <a:rPr lang="en-US" altLang="zh-CN" dirty="0"/>
-                        <a:t>12000</a:t>
-                      </a:r>
-                      <a:endParaRPr lang="zh-CN" altLang="en-US" dirty="0"/>
-                    </a:p>
-                  </a:txBody>
-                  <a:tcPr/>
-                </a:tc>
-                <a:tc>
-                  <a:txBody>
-                    <a:bodyPr/>
-                    <a:lstStyle/>
-                    <a:p>
-                      <a:r>
-                        <a:rPr lang="en-US" altLang="zh-CN" dirty="0"/>
-                        <a:t>18000</a:t>
-                      </a:r>
-                      <a:endParaRPr lang="zh-CN" altLang="en-US" dirty="0"/>
-                    </a:p>
-                  </a:txBody>
-                  <a:tcPr/>
-                </a:tc>
-                <a:extLst>
-                  <a:ext uri="{0D108BD9-81ED-4DB2-BD59-A6C34878D82A}">
-                    <a16:rowId xmlns:a16="http://schemas.microsoft.com/office/drawing/2014/main" val="3374598932"/>
-                  </a:ext>
-                </a:extLst>
-              </a:tr>
-            </a:tbl>
-          </a:graphicData>
-        </a:graphic>
-      </p:graphicFrame>
-      <p:sp>
-        <p:nvSpPr>
-          <p:cNvPr id="7" name="标题 1">
-            <a:extLst>
-              <a:ext uri="{FF2B5EF4-FFF2-40B4-BE49-F238E27FC236}">
-                <a16:creationId xmlns:a16="http://schemas.microsoft.com/office/drawing/2014/main" id="{D8C80899-F24E-4840-BEEB-F6CE2223C366}"/>
-              </a:ext>
-            </a:extLst>
-          </p:cNvPr>
-          <p:cNvSpPr>
-            <a:spLocks noGrp="1"/>
-          </p:cNvSpPr>
-          <p:nvPr>
-            <p:ph type="title"/>
-          </p:nvPr>
-        </p:nvSpPr>
-        <p:spPr>
-          <a:xfrm>
-            <a:off x="6938682" y="5336696"/>
-            <a:ext cx="4725680" cy="387910"/>
-          </a:xfrm>
-        </p:spPr>
-        <p:txBody>
-          <a:bodyPr>
-            <a:normAutofit/>
-          </a:bodyPr>
-          <a:lstStyle/>
-          <a:p>
-            <a:r>
-              <a:rPr kumimoji="1" lang="en-US" altLang="zh-CN" sz="2000" dirty="0">
-                <a:latin typeface="Times New Roman" panose="02020603050405020304" pitchFamily="18" charset="0"/>
-                <a:cs typeface="Times New Roman" panose="02020603050405020304" pitchFamily="18" charset="0"/>
-              </a:rPr>
-              <a:t>Bond dimension up to now</a:t>
-            </a:r>
-            <a:endParaRPr kumimoji="1" lang="zh-CN" altLang="en-US" sz="2000" dirty="0">
-              <a:latin typeface="Times New Roman" panose="02020603050405020304" pitchFamily="18" charset="0"/>
-              <a:cs typeface="Times New Roman" panose="02020603050405020304" pitchFamily="18" charset="0"/>
-            </a:endParaRPr>
-          </a:p>
-        </p:txBody>
-      </p:sp>
-    </p:spTree>
-    <p:extLst>
-      <p:ext uri="{BB962C8B-B14F-4D97-AF65-F5344CB8AC3E}">
-        <p14:creationId xmlns:p14="http://schemas.microsoft.com/office/powerpoint/2010/main" val="1374167003"/>
-      </p:ext>
-    </p:extLst>
-  </p:cSld>
-  <p:clrMapOvr>
-    <a:masterClrMapping/>
-  </p:clrMapOvr>
-</p:sld>
-</file>
-
-<file path=ppt/slides/slide6.xml><?xml version="1.0" encoding="utf-8"?>
-<p:sld xmlns:a="http://schemas.openxmlformats.org/drawingml/2006/main" xmlns:r="http://schemas.openxmlformats.org/officeDocument/2006/relationships" xmlns:p="http://schemas.openxmlformats.org/presentationml/2006/main">
-  <p:cSld>
-    <p:spTree>
-      <p:nvGrpSpPr>
-        <p:cNvPr id="1" name=""/>
-        <p:cNvGrpSpPr/>
-        <p:nvPr/>
-      </p:nvGrpSpPr>
-      <p:grpSpPr>
-        <a:xfrm>
-          <a:off x="0" y="0"/>
-          <a:ext cx="0" cy="0"/>
-          <a:chOff x="0" y="0"/>
-          <a:chExt cx="0" cy="0"/>
-        </a:xfrm>
-      </p:grpSpPr>
-      <mc:AlternateContent xmlns:mc="http://schemas.openxmlformats.org/markup-compatibility/2006" xmlns:a14="http://schemas.microsoft.com/office/drawing/2010/main">
-        <mc:Choice Requires="a14">
+      <mc:AlternateContent xmlns:mc="http://schemas.openxmlformats.org/markup-compatibility/2006">
+        <mc:Choice xmlns:a14="http://schemas.microsoft.com/office/drawing/2010/main" Requires="a14">
           <p:sp>
             <p:nvSpPr>
-              <p:cNvPr id="4" name="文本框 3">
+              <p:cNvPr id="5" name="文本框 4">
                 <a:extLst>
                   <a:ext uri="{FF2B5EF4-FFF2-40B4-BE49-F238E27FC236}">
-                    <a16:creationId xmlns:a16="http://schemas.microsoft.com/office/drawing/2014/main" id="{712B0BB5-06FF-254C-8E5E-63FBF240B33C}"/>
+                    <a16:creationId xmlns:a16="http://schemas.microsoft.com/office/drawing/2014/main" id="{590B761A-510F-B848-9792-D8F452B50FB0}"/>
                   </a:ext>
                 </a:extLst>
               </p:cNvPr>
@@ -8352,8 +9591,8 @@
             </p:nvSpPr>
             <p:spPr>
               <a:xfrm>
-                <a:off x="6869526" y="2982828"/>
-                <a:ext cx="3802315" cy="2607252"/>
+                <a:off x="7184571" y="1944061"/>
+                <a:ext cx="4479792" cy="886076"/>
               </a:xfrm>
               <a:prstGeom prst="rect">
                 <a:avLst/>
@@ -8361,175 +9600,141 @@
               <a:noFill/>
             </p:spPr>
             <p:txBody>
-              <a:bodyPr wrap="square">
+              <a:bodyPr wrap="square" rtlCol="0">
                 <a:spAutoFit/>
               </a:bodyPr>
               <a:lstStyle/>
               <a:p>
-                <a:r>
-                  <a:rPr lang="en-US" altLang="zh-CN" dirty="0">
-                    <a:latin typeface="Times New Roman" panose="02020603050405020304" pitchFamily="18" charset="0"/>
-                    <a:cs typeface="Times New Roman" panose="02020603050405020304" pitchFamily="18" charset="0"/>
-                  </a:rPr>
-                  <a:t>We choose the </a:t>
-                </a:r>
                 <a14:m>
-                  <m:oMath xmlns:m="http://schemas.openxmlformats.org/officeDocument/2006/math">
-                    <m:sSub>
-                      <m:sSubPr>
-                        <m:ctrlPr>
-                          <a:rPr lang="en-US" altLang="zh-CN" b="0" i="1" smtClean="0">
-                            <a:latin typeface="Cambria Math" panose="02040503050406030204" pitchFamily="18" charset="0"/>
-                            <a:cs typeface="Times New Roman" panose="02020603050405020304" pitchFamily="18" charset="0"/>
-                          </a:rPr>
-                        </m:ctrlPr>
-                      </m:sSubPr>
-                      <m:e>
-                        <m:r>
-                          <m:rPr>
-                            <m:sty m:val="p"/>
-                          </m:rPr>
-                          <a:rPr lang="en-US" altLang="zh-CN" b="0" i="0" smtClean="0">
-                            <a:latin typeface="Cambria Math" panose="02040503050406030204" pitchFamily="18" charset="0"/>
-                            <a:cs typeface="Times New Roman" panose="02020603050405020304" pitchFamily="18" charset="0"/>
-                          </a:rPr>
-                          <m:t>Φ</m:t>
-                        </m:r>
-                      </m:e>
-                      <m:sub>
-                        <m:r>
-                          <a:rPr lang="en-US" altLang="zh-CN" b="0" i="1" smtClean="0">
-                            <a:latin typeface="Cambria Math" panose="02040503050406030204" pitchFamily="18" charset="0"/>
-                            <a:cs typeface="Times New Roman" panose="02020603050405020304" pitchFamily="18" charset="0"/>
-                          </a:rPr>
-                          <m:t>𝑦𝑦</m:t>
-                        </m:r>
-                      </m:sub>
-                    </m:sSub>
-                    <m:r>
-                      <a:rPr lang="en-US" altLang="zh-CN" b="0" i="1" smtClean="0">
-                        <a:latin typeface="Cambria Math" panose="02040503050406030204" pitchFamily="18" charset="0"/>
-                        <a:cs typeface="Times New Roman" panose="02020603050405020304" pitchFamily="18" charset="0"/>
-                      </a:rPr>
-                      <m:t>(</m:t>
-                    </m:r>
-                    <m:r>
-                      <a:rPr lang="en-US" altLang="zh-CN" b="0" i="1" smtClean="0">
-                        <a:latin typeface="Cambria Math" panose="02040503050406030204" pitchFamily="18" charset="0"/>
-                        <a:cs typeface="Times New Roman" panose="02020603050405020304" pitchFamily="18" charset="0"/>
-                      </a:rPr>
-                      <m:t>𝑥</m:t>
-                    </m:r>
-                    <m:r>
-                      <a:rPr lang="en-US" altLang="zh-CN" b="0" i="1" smtClean="0">
-                        <a:latin typeface="Cambria Math" panose="02040503050406030204" pitchFamily="18" charset="0"/>
-                        <a:cs typeface="Times New Roman" panose="02020603050405020304" pitchFamily="18" charset="0"/>
-                      </a:rPr>
-                      <m:t>)</m:t>
-                    </m:r>
-                  </m:oMath>
+                  <m:oMathPara xmlns:m="http://schemas.openxmlformats.org/officeDocument/2006/math">
+                    <m:oMathParaPr>
+                      <m:jc m:val="centerGroup"/>
+                    </m:oMathParaPr>
+                    <m:oMath xmlns:m="http://schemas.openxmlformats.org/officeDocument/2006/math">
+                      <m:r>
+                        <a:rPr kumimoji="1" lang="en-US" altLang="zh-CN" b="0" i="1" smtClean="0">
+                          <a:latin typeface="Cambria Math" panose="02040503050406030204" pitchFamily="18" charset="0"/>
+                          <a:cs typeface="Times New Roman" panose="02020603050405020304" pitchFamily="18" charset="0"/>
+                        </a:rPr>
+                        <m:t>𝑥</m:t>
+                      </m:r>
+                      <m:r>
+                        <a:rPr kumimoji="1" lang="en-US" altLang="zh-CN" b="0" i="1" smtClean="0">
+                          <a:latin typeface="Cambria Math" panose="02040503050406030204" pitchFamily="18" charset="0"/>
+                          <a:cs typeface="Times New Roman" panose="02020603050405020304" pitchFamily="18" charset="0"/>
+                        </a:rPr>
+                        <m:t>=</m:t>
+                      </m:r>
+                      <m:f>
+                        <m:fPr>
+                          <m:ctrlPr>
+                            <a:rPr kumimoji="1" lang="en-US" altLang="zh-CN" b="0" i="1" smtClean="0">
+                              <a:latin typeface="Cambria Math" panose="02040503050406030204" pitchFamily="18" charset="0"/>
+                              <a:cs typeface="Times New Roman" panose="02020603050405020304" pitchFamily="18" charset="0"/>
+                            </a:rPr>
+                          </m:ctrlPr>
+                        </m:fPr>
+                        <m:num>
+                          <m:sSub>
+                            <m:sSubPr>
+                              <m:ctrlPr>
+                                <a:rPr kumimoji="1" lang="en-US" altLang="zh-CN" b="0" i="1" smtClean="0">
+                                  <a:latin typeface="Cambria Math" panose="02040503050406030204" pitchFamily="18" charset="0"/>
+                                  <a:cs typeface="Times New Roman" panose="02020603050405020304" pitchFamily="18" charset="0"/>
+                                </a:rPr>
+                              </m:ctrlPr>
+                            </m:sSubPr>
+                            <m:e>
+                              <m:r>
+                                <a:rPr kumimoji="1" lang="en-US" altLang="zh-CN" b="0" i="1" smtClean="0">
+                                  <a:latin typeface="Cambria Math" panose="02040503050406030204" pitchFamily="18" charset="0"/>
+                                  <a:cs typeface="Times New Roman" panose="02020603050405020304" pitchFamily="18" charset="0"/>
+                                </a:rPr>
+                                <m:t>𝐿</m:t>
+                              </m:r>
+                            </m:e>
+                            <m:sub>
+                              <m:r>
+                                <a:rPr kumimoji="1" lang="en-US" altLang="zh-CN" b="0" i="1" smtClean="0">
+                                  <a:latin typeface="Cambria Math" panose="02040503050406030204" pitchFamily="18" charset="0"/>
+                                  <a:cs typeface="Times New Roman" panose="02020603050405020304" pitchFamily="18" charset="0"/>
+                                </a:rPr>
+                                <m:t>𝑥</m:t>
+                              </m:r>
+                            </m:sub>
+                          </m:sSub>
+                        </m:num>
+                        <m:den>
+                          <m:r>
+                            <a:rPr kumimoji="1" lang="en-US" altLang="zh-CN" b="0" i="1" smtClean="0">
+                              <a:latin typeface="Cambria Math" panose="02040503050406030204" pitchFamily="18" charset="0"/>
+                              <a:cs typeface="Times New Roman" panose="02020603050405020304" pitchFamily="18" charset="0"/>
+                            </a:rPr>
+                            <m:t>2</m:t>
+                          </m:r>
+                        </m:den>
+                      </m:f>
+                      <m:r>
+                        <a:rPr kumimoji="1" lang="en-US" altLang="zh-CN" b="0" i="1" smtClean="0">
+                          <a:latin typeface="Cambria Math" panose="02040503050406030204" pitchFamily="18" charset="0"/>
+                          <a:cs typeface="Times New Roman" panose="02020603050405020304" pitchFamily="18" charset="0"/>
+                        </a:rPr>
+                        <m:t>,</m:t>
+                      </m:r>
+                    </m:oMath>
+                  </m:oMathPara>
                 </a14:m>
-                <a:r>
-                  <a:rPr lang="en-US" altLang="zh-CN" dirty="0">
-                    <a:latin typeface="Times New Roman" panose="02020603050405020304" pitchFamily="18" charset="0"/>
-                    <a:cs typeface="Times New Roman" panose="02020603050405020304" pitchFamily="18" charset="0"/>
-                  </a:rPr>
-                  <a:t> from Lx = 16, 24, 32, 48, with </a:t>
-                </a:r>
-                <a14:m>
-                  <m:oMath xmlns:m="http://schemas.openxmlformats.org/officeDocument/2006/math">
-                    <m:r>
-                      <a:rPr lang="en-US" altLang="zh-CN" b="0" i="1" smtClean="0">
-                        <a:latin typeface="Cambria Math" panose="02040503050406030204" pitchFamily="18" charset="0"/>
-                        <a:cs typeface="Times New Roman" panose="02020603050405020304" pitchFamily="18" charset="0"/>
-                      </a:rPr>
-                      <m:t>𝑥</m:t>
-                    </m:r>
-                    <m:r>
-                      <a:rPr lang="en-US" altLang="zh-CN" b="0" i="1" smtClean="0">
-                        <a:latin typeface="Cambria Math" panose="02040503050406030204" pitchFamily="18" charset="0"/>
-                        <a:cs typeface="Times New Roman" panose="02020603050405020304" pitchFamily="18" charset="0"/>
-                      </a:rPr>
-                      <m:t>=7, 9, 15, 23</m:t>
-                    </m:r>
-                  </m:oMath>
-                </a14:m>
-                <a:r>
-                  <a:rPr lang="en-US" altLang="zh-CN" dirty="0">
-                    <a:latin typeface="Times New Roman" panose="02020603050405020304" pitchFamily="18" charset="0"/>
-                    <a:cs typeface="Times New Roman" panose="02020603050405020304" pitchFamily="18" charset="0"/>
-                  </a:rPr>
-                  <a:t> respectively. </a:t>
-                </a:r>
-              </a:p>
-              <a:p>
-                <a:endParaRPr lang="en-US" altLang="zh-CN" dirty="0">
+                <a:endParaRPr kumimoji="1" lang="en-US" altLang="zh-CN" dirty="0">
                   <a:latin typeface="Times New Roman" panose="02020603050405020304" pitchFamily="18" charset="0"/>
                   <a:cs typeface="Times New Roman" panose="02020603050405020304" pitchFamily="18" charset="0"/>
                 </a:endParaRPr>
               </a:p>
               <a:p>
-                <a:r>
-                  <a:rPr lang="en-US" altLang="zh-CN" dirty="0">
-                    <a:latin typeface="Times New Roman" panose="02020603050405020304" pitchFamily="18" charset="0"/>
-                    <a:cs typeface="Times New Roman" panose="02020603050405020304" pitchFamily="18" charset="0"/>
-                  </a:rPr>
-                  <a:t>If we suppose the data of </a:t>
-                </a:r>
                 <a14:m>
-                  <m:oMath xmlns:m="http://schemas.openxmlformats.org/officeDocument/2006/math">
-                    <m:r>
-                      <a:rPr lang="en-US" altLang="zh-CN" b="0" i="1" smtClean="0">
-                        <a:latin typeface="Cambria Math" panose="02040503050406030204" pitchFamily="18" charset="0"/>
-                        <a:cs typeface="Times New Roman" panose="02020603050405020304" pitchFamily="18" charset="0"/>
-                      </a:rPr>
-                      <m:t>𝑥</m:t>
-                    </m:r>
-                    <m:r>
-                      <a:rPr lang="en-US" altLang="zh-CN" b="0" i="1" smtClean="0">
-                        <a:latin typeface="Cambria Math" panose="02040503050406030204" pitchFamily="18" charset="0"/>
-                        <a:cs typeface="Times New Roman" panose="02020603050405020304" pitchFamily="18" charset="0"/>
-                      </a:rPr>
-                      <m:t>=23</m:t>
-                    </m:r>
-                  </m:oMath>
+                  <m:oMathPara xmlns:m="http://schemas.openxmlformats.org/officeDocument/2006/math">
+                    <m:oMathParaPr>
+                      <m:jc m:val="centerGroup"/>
+                    </m:oMathParaPr>
+                    <m:oMath xmlns:m="http://schemas.openxmlformats.org/officeDocument/2006/math">
+                      <m:sSub>
+                        <m:sSubPr>
+                          <m:ctrlPr>
+                            <a:rPr kumimoji="1" lang="en-US" altLang="zh-CN" b="0" i="1" smtClean="0">
+                              <a:latin typeface="Cambria Math" panose="02040503050406030204" pitchFamily="18" charset="0"/>
+                              <a:cs typeface="Times New Roman" panose="02020603050405020304" pitchFamily="18" charset="0"/>
+                            </a:rPr>
+                          </m:ctrlPr>
+                        </m:sSubPr>
+                        <m:e>
+                          <m:r>
+                            <a:rPr kumimoji="1" lang="en-US" altLang="zh-CN" b="0" i="1" smtClean="0">
+                              <a:latin typeface="Cambria Math" panose="02040503050406030204" pitchFamily="18" charset="0"/>
+                              <a:cs typeface="Times New Roman" panose="02020603050405020304" pitchFamily="18" charset="0"/>
+                            </a:rPr>
+                            <m:t>𝐾</m:t>
+                          </m:r>
+                        </m:e>
+                        <m:sub>
+                          <m:r>
+                            <a:rPr kumimoji="1" lang="en-US" altLang="zh-CN" b="0" i="1" smtClean="0">
+                              <a:latin typeface="Cambria Math" panose="02040503050406030204" pitchFamily="18" charset="0"/>
+                              <a:cs typeface="Times New Roman" panose="02020603050405020304" pitchFamily="18" charset="0"/>
+                            </a:rPr>
+                            <m:t>𝑠𝑐</m:t>
+                          </m:r>
+                        </m:sub>
+                      </m:sSub>
+                      <m:r>
+                        <a:rPr kumimoji="1" lang="en-US" altLang="zh-CN" i="1">
+                          <a:latin typeface="Cambria Math" panose="02040503050406030204" pitchFamily="18" charset="0"/>
+                          <a:cs typeface="Times New Roman" panose="02020603050405020304" pitchFamily="18" charset="0"/>
+                        </a:rPr>
+                        <m:t>=1.608</m:t>
+                      </m:r>
+                    </m:oMath>
+                  </m:oMathPara>
                 </a14:m>
-                <a:r>
-                  <a:rPr lang="en-US" altLang="zh-CN" dirty="0">
-                    <a:latin typeface="Times New Roman" panose="02020603050405020304" pitchFamily="18" charset="0"/>
-                    <a:cs typeface="Times New Roman" panose="02020603050405020304" pitchFamily="18" charset="0"/>
-                  </a:rPr>
-                  <a:t> is not accurate, and abandon it, we get the orange line with </a:t>
-                </a:r>
-                <a:r>
-                  <a:rPr lang="en-US" altLang="zh-CN" dirty="0" err="1">
-                    <a:latin typeface="Times New Roman" panose="02020603050405020304" pitchFamily="18" charset="0"/>
-                    <a:cs typeface="Times New Roman" panose="02020603050405020304" pitchFamily="18" charset="0"/>
-                  </a:rPr>
-                  <a:t>Ksc</a:t>
-                </a:r>
-                <a:r>
-                  <a:rPr lang="en-US" altLang="zh-CN" dirty="0">
-                    <a:latin typeface="Times New Roman" panose="02020603050405020304" pitchFamily="18" charset="0"/>
-                    <a:cs typeface="Times New Roman" panose="02020603050405020304" pitchFamily="18" charset="0"/>
-                  </a:rPr>
-                  <a:t> = 1.8261. Otherwise, the purple line with </a:t>
-                </a:r>
-                <a:r>
-                  <a:rPr lang="zh-CN" altLang="en-US" dirty="0">
-                    <a:latin typeface="Times New Roman" panose="02020603050405020304" pitchFamily="18" charset="0"/>
-                    <a:cs typeface="Times New Roman" panose="02020603050405020304" pitchFamily="18" charset="0"/>
-                  </a:rPr>
-                  <a:t>Ksc=</a:t>
-                </a:r>
-                <a:r>
-                  <a:rPr lang="en-US" altLang="zh-CN" dirty="0">
-                    <a:latin typeface="Times New Roman" panose="02020603050405020304" pitchFamily="18" charset="0"/>
-                    <a:cs typeface="Times New Roman" panose="02020603050405020304" pitchFamily="18" charset="0"/>
-                  </a:rPr>
-                  <a:t>2.63</a:t>
-                </a:r>
-                <a:endParaRPr lang="zh-CN" altLang="en-US" dirty="0">
+                <a:endParaRPr kumimoji="1" lang="zh-CN" altLang="en-US" dirty="0">
                   <a:latin typeface="Times New Roman" panose="02020603050405020304" pitchFamily="18" charset="0"/>
                   <a:cs typeface="Times New Roman" panose="02020603050405020304" pitchFamily="18" charset="0"/>
                 </a:endParaRPr>
@@ -8537,13 +9742,13 @@
             </p:txBody>
           </p:sp>
         </mc:Choice>
-        <mc:Fallback xmlns="">
+        <mc:Fallback>
           <p:sp>
             <p:nvSpPr>
-              <p:cNvPr id="4" name="文本框 3">
+              <p:cNvPr id="5" name="文本框 4">
                 <a:extLst>
                   <a:ext uri="{FF2B5EF4-FFF2-40B4-BE49-F238E27FC236}">
-                    <a16:creationId xmlns:a16="http://schemas.microsoft.com/office/drawing/2014/main" id="{712B0BB5-06FF-254C-8E5E-63FBF240B33C}"/>
+                    <a16:creationId xmlns:a16="http://schemas.microsoft.com/office/drawing/2014/main" id="{590B761A-510F-B848-9792-D8F452B50FB0}"/>
                   </a:ext>
                 </a:extLst>
               </p:cNvPr>
@@ -8554,16 +9759,16 @@
             </p:nvSpPr>
             <p:spPr>
               <a:xfrm>
-                <a:off x="6869526" y="2982828"/>
-                <a:ext cx="3802315" cy="2607252"/>
+                <a:off x="7184571" y="1944061"/>
+                <a:ext cx="4479792" cy="886076"/>
               </a:xfrm>
               <a:prstGeom prst="rect">
                 <a:avLst/>
               </a:prstGeom>
               <a:blipFill>
-                <a:blip r:embed="rId2"/>
+                <a:blip r:embed="rId3"/>
                 <a:stretch>
-                  <a:fillRect l="-1329" t="-966" r="-1993" b="-2415"/>
+                  <a:fillRect/>
                 </a:stretch>
               </a:blipFill>
             </p:spPr>
@@ -8582,40 +9787,267 @@
           </p:sp>
         </mc:Fallback>
       </mc:AlternateContent>
-      <p:pic>
-        <p:nvPicPr>
-          <p:cNvPr id="5" name="图片 4">
-            <a:extLst>
-              <a:ext uri="{FF2B5EF4-FFF2-40B4-BE49-F238E27FC236}">
-                <a16:creationId xmlns:a16="http://schemas.microsoft.com/office/drawing/2014/main" id="{9F3AB8EB-7DC6-534D-BF88-7F5C812BC4BC}"/>
-              </a:ext>
-            </a:extLst>
-          </p:cNvPr>
-          <p:cNvPicPr>
-            <a:picLocks noChangeAspect="1"/>
-          </p:cNvPicPr>
-          <p:nvPr/>
-        </p:nvPicPr>
-        <p:blipFill>
-          <a:blip r:embed="rId3"/>
-          <a:stretch>
-            <a:fillRect/>
-          </a:stretch>
-        </p:blipFill>
-        <p:spPr>
-          <a:xfrm>
-            <a:off x="681992" y="1536752"/>
-            <a:ext cx="5246199" cy="4053328"/>
-          </a:xfrm>
-          <a:prstGeom prst="rect">
-            <a:avLst/>
-          </a:prstGeom>
-        </p:spPr>
-      </p:pic>
+      <mc:AlternateContent xmlns:mc="http://schemas.openxmlformats.org/markup-compatibility/2006">
+        <mc:Choice xmlns:a14="http://schemas.microsoft.com/office/drawing/2010/main" Requires="a14">
+          <p:sp>
+            <p:nvSpPr>
+              <p:cNvPr id="6" name="文本框 5">
+                <a:extLst>
+                  <a:ext uri="{FF2B5EF4-FFF2-40B4-BE49-F238E27FC236}">
+                    <a16:creationId xmlns:a16="http://schemas.microsoft.com/office/drawing/2014/main" id="{693A9FE4-E54F-C34D-A66C-256FFE330B67}"/>
+                  </a:ext>
+                </a:extLst>
+              </p:cNvPr>
+              <p:cNvSpPr txBox="1"/>
+              <p:nvPr/>
+            </p:nvSpPr>
+            <p:spPr>
+              <a:xfrm>
+                <a:off x="860612" y="322729"/>
+                <a:ext cx="8360228" cy="557204"/>
+              </a:xfrm>
+              <a:prstGeom prst="rect">
+                <a:avLst/>
+              </a:prstGeom>
+              <a:noFill/>
+            </p:spPr>
+            <p:txBody>
+              <a:bodyPr wrap="square" rtlCol="0">
+                <a:spAutoFit/>
+              </a:bodyPr>
+              <a:lstStyle/>
+              <a:p>
+                <a:r>
+                  <a:rPr kumimoji="1" lang="en-US" altLang="zh-CN" sz="2800" dirty="0">
+                    <a:latin typeface="Times New Roman" panose="02020603050405020304" pitchFamily="18" charset="0"/>
+                    <a:cs typeface="Times New Roman" panose="02020603050405020304" pitchFamily="18" charset="0"/>
+                  </a:rPr>
+                  <a:t>Fit </a:t>
+                </a:r>
+                <a14:m>
+                  <m:oMath xmlns:m="http://schemas.openxmlformats.org/officeDocument/2006/math">
+                    <m:sSub>
+                      <m:sSubPr>
+                        <m:ctrlPr>
+                          <a:rPr kumimoji="1" lang="en-US" altLang="zh-CN" sz="2800" i="1" dirty="0" smtClean="0">
+                            <a:latin typeface="Cambria Math" panose="02040503050406030204" pitchFamily="18" charset="0"/>
+                            <a:cs typeface="Times New Roman" panose="02020603050405020304" pitchFamily="18" charset="0"/>
+                          </a:rPr>
+                        </m:ctrlPr>
+                      </m:sSubPr>
+                      <m:e>
+                        <m:r>
+                          <a:rPr kumimoji="1" lang="en-US" altLang="zh-CN" sz="2800" i="1" dirty="0" smtClean="0">
+                            <a:latin typeface="Cambria Math" panose="02040503050406030204" pitchFamily="18" charset="0"/>
+                            <a:cs typeface="Times New Roman" panose="02020603050405020304" pitchFamily="18" charset="0"/>
+                          </a:rPr>
+                          <m:t>𝐾</m:t>
+                        </m:r>
+                      </m:e>
+                      <m:sub>
+                        <m:r>
+                          <a:rPr kumimoji="1" lang="en-US" altLang="zh-CN" sz="2800" i="1" dirty="0" smtClean="0">
+                            <a:latin typeface="Cambria Math" panose="02040503050406030204" pitchFamily="18" charset="0"/>
+                            <a:cs typeface="Times New Roman" panose="02020603050405020304" pitchFamily="18" charset="0"/>
+                          </a:rPr>
+                          <m:t>𝑠𝑐</m:t>
+                        </m:r>
+                      </m:sub>
+                    </m:sSub>
+                    <m:r>
+                      <a:rPr kumimoji="1" lang="en-US" altLang="zh-CN" sz="2800" i="1" dirty="0" smtClean="0">
+                        <a:latin typeface="Cambria Math" panose="02040503050406030204" pitchFamily="18" charset="0"/>
+                        <a:cs typeface="Times New Roman" panose="02020603050405020304" pitchFamily="18" charset="0"/>
+                      </a:rPr>
+                      <m:t> </m:t>
+                    </m:r>
+                  </m:oMath>
+                </a14:m>
+                <a:r>
+                  <a:rPr kumimoji="1" lang="en-US" altLang="zh-CN" sz="2800" dirty="0">
+                    <a:latin typeface="Times New Roman" panose="02020603050405020304" pitchFamily="18" charset="0"/>
+                    <a:cs typeface="Times New Roman" panose="02020603050405020304" pitchFamily="18" charset="0"/>
+                  </a:rPr>
+                  <a:t>from </a:t>
+                </a:r>
+                <a14:m>
+                  <m:oMath xmlns:m="http://schemas.openxmlformats.org/officeDocument/2006/math">
+                    <m:sSub>
+                      <m:sSubPr>
+                        <m:ctrlPr>
+                          <a:rPr kumimoji="1" lang="en-US" altLang="zh-CN" sz="2800" i="1">
+                            <a:latin typeface="Cambria Math" panose="02040503050406030204" pitchFamily="18" charset="0"/>
+                            <a:cs typeface="Times New Roman" panose="02020603050405020304" pitchFamily="18" charset="0"/>
+                          </a:rPr>
+                        </m:ctrlPr>
+                      </m:sSubPr>
+                      <m:e>
+                        <m:r>
+                          <m:rPr>
+                            <m:sty m:val="p"/>
+                          </m:rPr>
+                          <a:rPr kumimoji="1" lang="en-US" altLang="zh-CN" sz="2800">
+                            <a:latin typeface="Cambria Math" panose="02040503050406030204" pitchFamily="18" charset="0"/>
+                            <a:cs typeface="Times New Roman" panose="02020603050405020304" pitchFamily="18" charset="0"/>
+                          </a:rPr>
+                          <m:t>Φ</m:t>
+                        </m:r>
+                      </m:e>
+                      <m:sub>
+                        <m:r>
+                          <a:rPr kumimoji="1" lang="en-US" altLang="zh-CN" sz="2800" i="1">
+                            <a:latin typeface="Cambria Math" panose="02040503050406030204" pitchFamily="18" charset="0"/>
+                            <a:cs typeface="Times New Roman" panose="02020603050405020304" pitchFamily="18" charset="0"/>
+                          </a:rPr>
+                          <m:t>𝑦𝑦</m:t>
+                        </m:r>
+                      </m:sub>
+                    </m:sSub>
+                    <m:d>
+                      <m:dPr>
+                        <m:ctrlPr>
+                          <a:rPr kumimoji="1" lang="en-US" altLang="zh-CN" sz="2800" i="1">
+                            <a:latin typeface="Cambria Math" panose="02040503050406030204" pitchFamily="18" charset="0"/>
+                            <a:cs typeface="Times New Roman" panose="02020603050405020304" pitchFamily="18" charset="0"/>
+                          </a:rPr>
+                        </m:ctrlPr>
+                      </m:dPr>
+                      <m:e>
+                        <m:r>
+                          <a:rPr kumimoji="1" lang="en-US" altLang="zh-CN" sz="2800" i="1">
+                            <a:latin typeface="Cambria Math" panose="02040503050406030204" pitchFamily="18" charset="0"/>
+                            <a:cs typeface="Times New Roman" panose="02020603050405020304" pitchFamily="18" charset="0"/>
+                          </a:rPr>
+                          <m:t>𝑥</m:t>
+                        </m:r>
+                      </m:e>
+                    </m:d>
+                  </m:oMath>
+                </a14:m>
+                <a:r>
+                  <a:rPr kumimoji="1" lang="en-US" altLang="zh-CN" sz="2800" dirty="0">
+                    <a:latin typeface="Times New Roman" panose="02020603050405020304" pitchFamily="18" charset="0"/>
+                    <a:cs typeface="Times New Roman" panose="02020603050405020304" pitchFamily="18" charset="0"/>
+                  </a:rPr>
+                  <a:t> (fix </a:t>
+                </a:r>
+                <a14:m>
+                  <m:oMath xmlns:m="http://schemas.openxmlformats.org/officeDocument/2006/math">
+                    <m:r>
+                      <a:rPr kumimoji="1" lang="en-US" altLang="zh-CN" sz="2800" b="0" i="1" smtClean="0">
+                        <a:latin typeface="Cambria Math" panose="02040503050406030204" pitchFamily="18" charset="0"/>
+                        <a:cs typeface="Times New Roman" panose="02020603050405020304" pitchFamily="18" charset="0"/>
+                      </a:rPr>
+                      <m:t>𝑥</m:t>
+                    </m:r>
+                    <m:r>
+                      <a:rPr kumimoji="1" lang="en-US" altLang="zh-CN" sz="2800" b="0" i="1" smtClean="0">
+                        <a:latin typeface="Cambria Math" panose="02040503050406030204" pitchFamily="18" charset="0"/>
+                        <a:cs typeface="Times New Roman" panose="02020603050405020304" pitchFamily="18" charset="0"/>
+                      </a:rPr>
+                      <m:t>=</m:t>
+                    </m:r>
+                    <m:sSub>
+                      <m:sSubPr>
+                        <m:ctrlPr>
+                          <a:rPr kumimoji="1" lang="en-US" altLang="zh-CN" sz="2800" b="0" i="1" smtClean="0">
+                            <a:latin typeface="Cambria Math" panose="02040503050406030204" pitchFamily="18" charset="0"/>
+                            <a:cs typeface="Times New Roman" panose="02020603050405020304" pitchFamily="18" charset="0"/>
+                          </a:rPr>
+                        </m:ctrlPr>
+                      </m:sSubPr>
+                      <m:e>
+                        <m:r>
+                          <a:rPr kumimoji="1" lang="en-US" altLang="zh-CN" sz="2800" b="0" i="1" smtClean="0">
+                            <a:latin typeface="Cambria Math" panose="02040503050406030204" pitchFamily="18" charset="0"/>
+                            <a:cs typeface="Times New Roman" panose="02020603050405020304" pitchFamily="18" charset="0"/>
+                          </a:rPr>
+                          <m:t>𝐿</m:t>
+                        </m:r>
+                      </m:e>
+                      <m:sub>
+                        <m:r>
+                          <a:rPr kumimoji="1" lang="en-US" altLang="zh-CN" sz="2800" b="0" i="1" smtClean="0">
+                            <a:latin typeface="Cambria Math" panose="02040503050406030204" pitchFamily="18" charset="0"/>
+                            <a:cs typeface="Times New Roman" panose="02020603050405020304" pitchFamily="18" charset="0"/>
+                          </a:rPr>
+                          <m:t>𝑥</m:t>
+                        </m:r>
+                      </m:sub>
+                    </m:sSub>
+                    <m:r>
+                      <a:rPr kumimoji="1" lang="en-US" altLang="zh-CN" sz="2800" b="0" i="1" smtClean="0">
+                        <a:latin typeface="Cambria Math" panose="02040503050406030204" pitchFamily="18" charset="0"/>
+                        <a:cs typeface="Times New Roman" panose="02020603050405020304" pitchFamily="18" charset="0"/>
+                      </a:rPr>
+                      <m:t>/2</m:t>
+                    </m:r>
+                  </m:oMath>
+                </a14:m>
+                <a:r>
+                  <a:rPr kumimoji="1" lang="en-US" altLang="zh-CN" sz="2800" dirty="0">
+                    <a:latin typeface="Times New Roman" panose="02020603050405020304" pitchFamily="18" charset="0"/>
+                    <a:cs typeface="Times New Roman" panose="02020603050405020304" pitchFamily="18" charset="0"/>
+                  </a:rPr>
+                  <a:t> )</a:t>
+                </a:r>
+                <a:endParaRPr kumimoji="1" lang="zh-CN" altLang="en-US" sz="2800" dirty="0">
+                  <a:latin typeface="Times New Roman" panose="02020603050405020304" pitchFamily="18" charset="0"/>
+                  <a:cs typeface="Times New Roman" panose="02020603050405020304" pitchFamily="18" charset="0"/>
+                </a:endParaRPr>
+              </a:p>
+            </p:txBody>
+          </p:sp>
+        </mc:Choice>
+        <mc:Fallback>
+          <p:sp>
+            <p:nvSpPr>
+              <p:cNvPr id="6" name="文本框 5">
+                <a:extLst>
+                  <a:ext uri="{FF2B5EF4-FFF2-40B4-BE49-F238E27FC236}">
+                    <a16:creationId xmlns:a16="http://schemas.microsoft.com/office/drawing/2014/main" id="{693A9FE4-E54F-C34D-A66C-256FFE330B67}"/>
+                  </a:ext>
+                </a:extLst>
+              </p:cNvPr>
+              <p:cNvSpPr txBox="1">
+                <a:spLocks noRot="1" noChangeAspect="1" noMove="1" noResize="1" noEditPoints="1" noAdjustHandles="1" noChangeArrowheads="1" noChangeShapeType="1" noTextEdit="1"/>
+              </p:cNvSpPr>
+              <p:nvPr/>
+            </p:nvSpPr>
+            <p:spPr>
+              <a:xfrm>
+                <a:off x="860612" y="322729"/>
+                <a:ext cx="8360228" cy="557204"/>
+              </a:xfrm>
+              <a:prstGeom prst="rect">
+                <a:avLst/>
+              </a:prstGeom>
+              <a:blipFill>
+                <a:blip r:embed="rId4"/>
+                <a:stretch>
+                  <a:fillRect l="-1515" t="-11111" b="-24444"/>
+                </a:stretch>
+              </a:blipFill>
+            </p:spPr>
+            <p:txBody>
+              <a:bodyPr/>
+              <a:lstStyle/>
+              <a:p>
+                <a:r>
+                  <a:rPr lang="zh-CN" altLang="en-US">
+                    <a:noFill/>
+                  </a:rPr>
+                  <a:t> </a:t>
+                </a:r>
+              </a:p>
+            </p:txBody>
+          </p:sp>
+        </mc:Fallback>
+      </mc:AlternateContent>
     </p:spTree>
     <p:extLst>
       <p:ext uri="{BB962C8B-B14F-4D97-AF65-F5344CB8AC3E}">
-        <p14:creationId xmlns:p14="http://schemas.microsoft.com/office/powerpoint/2010/main" val="1791224263"/>
+        <p14:creationId xmlns:p14="http://schemas.microsoft.com/office/powerpoint/2010/main" val="1428834503"/>
       </p:ext>
     </p:extLst>
   </p:cSld>
@@ -8625,7 +10057,7 @@
 </p:sld>
 </file>
 
-<file path=ppt/slides/slide7.xml><?xml version="1.0" encoding="utf-8"?>
+<file path=ppt/slides/slide8.xml><?xml version="1.0" encoding="utf-8"?>
 <p:sld xmlns:a="http://schemas.openxmlformats.org/drawingml/2006/main" xmlns:r="http://schemas.openxmlformats.org/officeDocument/2006/relationships" xmlns:p="http://schemas.openxmlformats.org/presentationml/2006/main" show="0">
   <p:cSld>
     <p:spTree>
@@ -8790,7 +10222,7 @@
 </p:sld>
 </file>
 
-<file path=ppt/slides/slide8.xml><?xml version="1.0" encoding="utf-8"?>
+<file path=ppt/slides/slide9.xml><?xml version="1.0" encoding="utf-8"?>
 <p:sld xmlns:a="http://schemas.openxmlformats.org/drawingml/2006/main" xmlns:r="http://schemas.openxmlformats.org/officeDocument/2006/relationships" xmlns:p="http://schemas.openxmlformats.org/presentationml/2006/main" show="0">
   <p:cSld>
     <p:spTree>

--- a/note/SSH-Hubbard-Note6.pptx
+++ b/note/SSH-Hubbard-Note6.pptx
@@ -205,7 +205,7 @@
           <a:p>
             <a:fld id="{F66D3945-E88B-024D-B052-6EEDA3375027}" type="datetimeFigureOut">
               <a:rPr kumimoji="1" lang="zh-CN" altLang="en-US" smtClean="0"/>
-              <a:t>2021/11/24</a:t>
+              <a:t>2021/11/29</a:t>
             </a:fld>
             <a:endParaRPr kumimoji="1" lang="zh-CN" altLang="en-US"/>
           </a:p>
@@ -703,7 +703,7 @@
           <a:p>
             <a:fld id="{7EC9D4B1-B320-B74E-A342-105CA0158066}" type="datetimeFigureOut">
               <a:rPr kumimoji="1" lang="zh-CN" altLang="en-US" smtClean="0"/>
-              <a:t>2021/11/24</a:t>
+              <a:t>2021/11/29</a:t>
             </a:fld>
             <a:endParaRPr kumimoji="1" lang="zh-CN" altLang="en-US"/>
           </a:p>
@@ -901,7 +901,7 @@
           <a:p>
             <a:fld id="{7EC9D4B1-B320-B74E-A342-105CA0158066}" type="datetimeFigureOut">
               <a:rPr kumimoji="1" lang="zh-CN" altLang="en-US" smtClean="0"/>
-              <a:t>2021/11/24</a:t>
+              <a:t>2021/11/29</a:t>
             </a:fld>
             <a:endParaRPr kumimoji="1" lang="zh-CN" altLang="en-US"/>
           </a:p>
@@ -1109,7 +1109,7 @@
           <a:p>
             <a:fld id="{7EC9D4B1-B320-B74E-A342-105CA0158066}" type="datetimeFigureOut">
               <a:rPr kumimoji="1" lang="zh-CN" altLang="en-US" smtClean="0"/>
-              <a:t>2021/11/24</a:t>
+              <a:t>2021/11/29</a:t>
             </a:fld>
             <a:endParaRPr kumimoji="1" lang="zh-CN" altLang="en-US"/>
           </a:p>
@@ -1307,7 +1307,7 @@
           <a:p>
             <a:fld id="{7EC9D4B1-B320-B74E-A342-105CA0158066}" type="datetimeFigureOut">
               <a:rPr kumimoji="1" lang="zh-CN" altLang="en-US" smtClean="0"/>
-              <a:t>2021/11/24</a:t>
+              <a:t>2021/11/29</a:t>
             </a:fld>
             <a:endParaRPr kumimoji="1" lang="zh-CN" altLang="en-US"/>
           </a:p>
@@ -1582,7 +1582,7 @@
           <a:p>
             <a:fld id="{7EC9D4B1-B320-B74E-A342-105CA0158066}" type="datetimeFigureOut">
               <a:rPr kumimoji="1" lang="zh-CN" altLang="en-US" smtClean="0"/>
-              <a:t>2021/11/24</a:t>
+              <a:t>2021/11/29</a:t>
             </a:fld>
             <a:endParaRPr kumimoji="1" lang="zh-CN" altLang="en-US"/>
           </a:p>
@@ -1847,7 +1847,7 @@
           <a:p>
             <a:fld id="{7EC9D4B1-B320-B74E-A342-105CA0158066}" type="datetimeFigureOut">
               <a:rPr kumimoji="1" lang="zh-CN" altLang="en-US" smtClean="0"/>
-              <a:t>2021/11/24</a:t>
+              <a:t>2021/11/29</a:t>
             </a:fld>
             <a:endParaRPr kumimoji="1" lang="zh-CN" altLang="en-US"/>
           </a:p>
@@ -2259,7 +2259,7 @@
           <a:p>
             <a:fld id="{7EC9D4B1-B320-B74E-A342-105CA0158066}" type="datetimeFigureOut">
               <a:rPr kumimoji="1" lang="zh-CN" altLang="en-US" smtClean="0"/>
-              <a:t>2021/11/24</a:t>
+              <a:t>2021/11/29</a:t>
             </a:fld>
             <a:endParaRPr kumimoji="1" lang="zh-CN" altLang="en-US"/>
           </a:p>
@@ -2400,7 +2400,7 @@
           <a:p>
             <a:fld id="{7EC9D4B1-B320-B74E-A342-105CA0158066}" type="datetimeFigureOut">
               <a:rPr kumimoji="1" lang="zh-CN" altLang="en-US" smtClean="0"/>
-              <a:t>2021/11/24</a:t>
+              <a:t>2021/11/29</a:t>
             </a:fld>
             <a:endParaRPr kumimoji="1" lang="zh-CN" altLang="en-US"/>
           </a:p>
@@ -2513,7 +2513,7 @@
           <a:p>
             <a:fld id="{7EC9D4B1-B320-B74E-A342-105CA0158066}" type="datetimeFigureOut">
               <a:rPr kumimoji="1" lang="zh-CN" altLang="en-US" smtClean="0"/>
-              <a:t>2021/11/24</a:t>
+              <a:t>2021/11/29</a:t>
             </a:fld>
             <a:endParaRPr kumimoji="1" lang="zh-CN" altLang="en-US"/>
           </a:p>
@@ -2824,7 +2824,7 @@
           <a:p>
             <a:fld id="{7EC9D4B1-B320-B74E-A342-105CA0158066}" type="datetimeFigureOut">
               <a:rPr kumimoji="1" lang="zh-CN" altLang="en-US" smtClean="0"/>
-              <a:t>2021/11/24</a:t>
+              <a:t>2021/11/29</a:t>
             </a:fld>
             <a:endParaRPr kumimoji="1" lang="zh-CN" altLang="en-US"/>
           </a:p>
@@ -3112,7 +3112,7 @@
           <a:p>
             <a:fld id="{7EC9D4B1-B320-B74E-A342-105CA0158066}" type="datetimeFigureOut">
               <a:rPr kumimoji="1" lang="zh-CN" altLang="en-US" smtClean="0"/>
-              <a:t>2021/11/24</a:t>
+              <a:t>2021/11/29</a:t>
             </a:fld>
             <a:endParaRPr kumimoji="1" lang="zh-CN" altLang="en-US"/>
           </a:p>
@@ -3353,7 +3353,7 @@
           <a:p>
             <a:fld id="{7EC9D4B1-B320-B74E-A342-105CA0158066}" type="datetimeFigureOut">
               <a:rPr kumimoji="1" lang="zh-CN" altLang="en-US" smtClean="0"/>
-              <a:t>2021/11/24</a:t>
+              <a:t>2021/11/29</a:t>
             </a:fld>
             <a:endParaRPr kumimoji="1" lang="zh-CN" altLang="en-US"/>
           </a:p>
@@ -5676,7 +5676,7 @@
           <p:nvPr>
             <p:extLst>
               <p:ext uri="{D42A27DB-BD31-4B8C-83A1-F6EECF244321}">
-                <p14:modId xmlns:p14="http://schemas.microsoft.com/office/powerpoint/2010/main" val="4058255257"/>
+                <p14:modId xmlns:p14="http://schemas.microsoft.com/office/powerpoint/2010/main" val="3288131036"/>
               </p:ext>
             </p:extLst>
           </p:nvPr>
@@ -7031,6 +7031,48 @@
           </a:graphicData>
         </a:graphic>
       </p:graphicFrame>
+      <p:sp>
+        <p:nvSpPr>
+          <p:cNvPr id="3" name="文本框 2">
+            <a:extLst>
+              <a:ext uri="{FF2B5EF4-FFF2-40B4-BE49-F238E27FC236}">
+                <a16:creationId xmlns:a16="http://schemas.microsoft.com/office/drawing/2014/main" id="{E634996C-E757-F54C-9169-CC55900C3E6C}"/>
+              </a:ext>
+            </a:extLst>
+          </p:cNvPr>
+          <p:cNvSpPr txBox="1"/>
+          <p:nvPr/>
+        </p:nvSpPr>
+        <p:spPr>
+          <a:xfrm>
+            <a:off x="1229446" y="5243905"/>
+            <a:ext cx="8421700" cy="923330"/>
+          </a:xfrm>
+          <a:prstGeom prst="rect">
+            <a:avLst/>
+          </a:prstGeom>
+          <a:noFill/>
+        </p:spPr>
+        <p:txBody>
+          <a:bodyPr wrap="square" rtlCol="0">
+            <a:spAutoFit/>
+          </a:bodyPr>
+          <a:lstStyle/>
+          <a:p>
+            <a:r>
+              <a:rPr kumimoji="1" lang="en-US" altLang="zh-CN" dirty="0">
+                <a:latin typeface="Times New Roman" panose="02020603050405020304" pitchFamily="18" charset="0"/>
+                <a:cs typeface="Times New Roman" panose="02020603050405020304" pitchFamily="18" charset="0"/>
+              </a:rPr>
+              <a:t>I recalculated Lx = 48 on D = 8000. The energy value is lower than before by at least 0.02. The state of Lx=48 we get previously may be trapped to local minimum thus the correlation may not right.</a:t>
+            </a:r>
+            <a:endParaRPr kumimoji="1" lang="zh-CN" altLang="en-US" dirty="0">
+              <a:latin typeface="Times New Roman" panose="02020603050405020304" pitchFamily="18" charset="0"/>
+              <a:cs typeface="Times New Roman" panose="02020603050405020304" pitchFamily="18" charset="0"/>
+            </a:endParaRPr>
+          </a:p>
+        </p:txBody>
+      </p:sp>
     </p:spTree>
     <p:extLst>
       <p:ext uri="{BB962C8B-B14F-4D97-AF65-F5344CB8AC3E}">
@@ -7061,38 +7103,8 @@
           <a:chExt cx="0" cy="0"/>
         </a:xfrm>
       </p:grpSpPr>
-      <p:pic>
-        <p:nvPicPr>
-          <p:cNvPr id="2" name="图片 1">
-            <a:extLst>
-              <a:ext uri="{FF2B5EF4-FFF2-40B4-BE49-F238E27FC236}">
-                <a16:creationId xmlns:a16="http://schemas.microsoft.com/office/drawing/2014/main" id="{6030E406-4D92-0742-88E2-9D39A6269298}"/>
-              </a:ext>
-            </a:extLst>
-          </p:cNvPr>
-          <p:cNvPicPr>
-            <a:picLocks noChangeAspect="1"/>
-          </p:cNvPicPr>
-          <p:nvPr/>
-        </p:nvPicPr>
-        <p:blipFill>
-          <a:blip r:embed="rId2"/>
-          <a:stretch>
-            <a:fillRect/>
-          </a:stretch>
-        </p:blipFill>
-        <p:spPr>
-          <a:xfrm>
-            <a:off x="868294" y="2113505"/>
-            <a:ext cx="4303059" cy="4053067"/>
-          </a:xfrm>
-          <a:prstGeom prst="rect">
-            <a:avLst/>
-          </a:prstGeom>
-        </p:spPr>
-      </p:pic>
-      <mc:AlternateContent xmlns:mc="http://schemas.openxmlformats.org/markup-compatibility/2006">
-        <mc:Choice xmlns:a14="http://schemas.microsoft.com/office/drawing/2010/main" Requires="a14">
+      <mc:AlternateContent xmlns:mc="http://schemas.openxmlformats.org/markup-compatibility/2006" xmlns:a14="http://schemas.microsoft.com/office/drawing/2010/main">
+        <mc:Choice Requires="a14">
           <p:sp>
             <p:nvSpPr>
               <p:cNvPr id="4" name="文本框 3">
@@ -7201,7 +7213,7 @@
             </p:txBody>
           </p:sp>
         </mc:Choice>
-        <mc:Fallback>
+        <mc:Fallback xmlns="">
           <p:sp>
             <p:nvSpPr>
               <p:cNvPr id="4" name="文本框 3">
@@ -7276,6 +7288,7 @@
               </a:bodyPr>
               <a:lstStyle/>
               <a:p>
+                <a:pPr/>
                 <a14:m>
                   <m:oMathPara xmlns:m="http://schemas.openxmlformats.org/officeDocument/2006/math">
                     <m:oMathParaPr>
@@ -7303,7 +7316,13 @@
                             <a:rPr kumimoji="1" lang="en-US" altLang="zh-CN" b="0" i="1" smtClean="0">
                               <a:latin typeface="Cambria Math" panose="02040503050406030204" pitchFamily="18" charset="0"/>
                             </a:rPr>
-                            <m:t>0.739</m:t>
+                            <m:t>0.</m:t>
+                          </m:r>
+                          <m:r>
+                            <a:rPr kumimoji="1" lang="en-US" altLang="zh-CN" b="0" i="1" smtClean="0">
+                              <a:latin typeface="Cambria Math" panose="02040503050406030204" pitchFamily="18" charset="0"/>
+                            </a:rPr>
+                            <m:t>874</m:t>
                           </m:r>
                         </m:den>
                       </m:f>
@@ -7311,7 +7330,13 @@
                         <a:rPr kumimoji="1" lang="en-US" altLang="zh-CN" i="1">
                           <a:latin typeface="Cambria Math" panose="02040503050406030204" pitchFamily="18" charset="0"/>
                         </a:rPr>
-                        <m:t>=1.3532</m:t>
+                        <m:t>=</m:t>
+                      </m:r>
+                      <m:r>
+                        <a:rPr kumimoji="1" lang="en-US" altLang="zh-CN" i="1">
+                          <a:latin typeface="Cambria Math" panose="02040503050406030204" pitchFamily="18" charset="0"/>
+                        </a:rPr>
+                        <m:t>1.1436</m:t>
                       </m:r>
                     </m:oMath>
                   </m:oMathPara>
@@ -7366,8 +7391,8 @@
           </p:sp>
         </mc:Fallback>
       </mc:AlternateContent>
-      <mc:AlternateContent xmlns:mc="http://schemas.openxmlformats.org/markup-compatibility/2006">
-        <mc:Choice xmlns:a14="http://schemas.microsoft.com/office/drawing/2010/main" Requires="a14">
+      <mc:AlternateContent xmlns:mc="http://schemas.openxmlformats.org/markup-compatibility/2006" xmlns:a14="http://schemas.microsoft.com/office/drawing/2010/main">
+        <mc:Choice Requires="a14">
           <p:sp>
             <p:nvSpPr>
               <p:cNvPr id="10" name="文本框 9">
@@ -7744,7 +7769,7 @@
             </p:txBody>
           </p:sp>
         </mc:Choice>
-        <mc:Fallback>
+        <mc:Fallback xmlns="">
           <p:sp>
             <p:nvSpPr>
               <p:cNvPr id="10" name="文本框 9">
@@ -7789,6 +7814,36 @@
           </p:sp>
         </mc:Fallback>
       </mc:AlternateContent>
+      <p:pic>
+        <p:nvPicPr>
+          <p:cNvPr id="3" name="图片 2">
+            <a:extLst>
+              <a:ext uri="{FF2B5EF4-FFF2-40B4-BE49-F238E27FC236}">
+                <a16:creationId xmlns:a16="http://schemas.microsoft.com/office/drawing/2014/main" id="{DEF98731-AA41-BC45-9FDA-D47B26B14381}"/>
+              </a:ext>
+            </a:extLst>
+          </p:cNvPr>
+          <p:cNvPicPr>
+            <a:picLocks noChangeAspect="1"/>
+          </p:cNvPicPr>
+          <p:nvPr/>
+        </p:nvPicPr>
+        <p:blipFill>
+          <a:blip r:embed="rId6"/>
+          <a:stretch>
+            <a:fillRect/>
+          </a:stretch>
+        </p:blipFill>
+        <p:spPr>
+          <a:xfrm>
+            <a:off x="506678" y="1806878"/>
+            <a:ext cx="5144609" cy="4053328"/>
+          </a:xfrm>
+          <a:prstGeom prst="rect">
+            <a:avLst/>
+          </a:prstGeom>
+        </p:spPr>
+      </p:pic>
     </p:spTree>
     <p:extLst>
       <p:ext uri="{BB962C8B-B14F-4D97-AF65-F5344CB8AC3E}">
@@ -8176,7 +8231,7 @@
                         <a:latin typeface="Cambria Math" panose="02040503050406030204" pitchFamily="18" charset="0"/>
                         <a:cs typeface="Times New Roman" panose="02020603050405020304" pitchFamily="18" charset="0"/>
                       </a:rPr>
-                      <m:t>1.09671</m:t>
+                      <m:t>1.118</m:t>
                     </m:r>
                   </m:oMath>
                 </a14:m>
@@ -8240,38 +8295,8 @@
           </p:sp>
         </mc:Fallback>
       </mc:AlternateContent>
-      <p:pic>
-        <p:nvPicPr>
-          <p:cNvPr id="2" name="图片 1">
-            <a:extLst>
-              <a:ext uri="{FF2B5EF4-FFF2-40B4-BE49-F238E27FC236}">
-                <a16:creationId xmlns:a16="http://schemas.microsoft.com/office/drawing/2014/main" id="{5EE02CBD-73B4-DB4D-9496-748197E10782}"/>
-              </a:ext>
-            </a:extLst>
-          </p:cNvPr>
-          <p:cNvPicPr>
-            <a:picLocks noChangeAspect="1"/>
-          </p:cNvPicPr>
-          <p:nvPr/>
-        </p:nvPicPr>
-        <p:blipFill>
-          <a:blip r:embed="rId3"/>
-          <a:stretch>
-            <a:fillRect/>
-          </a:stretch>
-        </p:blipFill>
-        <p:spPr>
-          <a:xfrm>
-            <a:off x="901273" y="1575801"/>
-            <a:ext cx="5422074" cy="4032383"/>
-          </a:xfrm>
-          <a:prstGeom prst="rect">
-            <a:avLst/>
-          </a:prstGeom>
-        </p:spPr>
-      </p:pic>
-      <mc:AlternateContent xmlns:mc="http://schemas.openxmlformats.org/markup-compatibility/2006">
-        <mc:Choice xmlns:a14="http://schemas.microsoft.com/office/drawing/2010/main" Requires="a14">
+      <mc:AlternateContent xmlns:mc="http://schemas.openxmlformats.org/markup-compatibility/2006" xmlns:a14="http://schemas.microsoft.com/office/drawing/2010/main">
+        <mc:Choice Requires="a14">
           <p:sp>
             <p:nvSpPr>
               <p:cNvPr id="6" name="文本框 5">
@@ -8418,7 +8443,7 @@
             </p:txBody>
           </p:sp>
         </mc:Choice>
-        <mc:Fallback>
+        <mc:Fallback xmlns="">
           <p:sp>
             <p:nvSpPr>
               <p:cNvPr id="6" name="文本框 5">
@@ -8463,6 +8488,36 @@
           </p:sp>
         </mc:Fallback>
       </mc:AlternateContent>
+      <p:pic>
+        <p:nvPicPr>
+          <p:cNvPr id="3" name="图片 2">
+            <a:extLst>
+              <a:ext uri="{FF2B5EF4-FFF2-40B4-BE49-F238E27FC236}">
+                <a16:creationId xmlns:a16="http://schemas.microsoft.com/office/drawing/2014/main" id="{9A360F96-BDCC-934B-958D-A05B838EEA7A}"/>
+              </a:ext>
+            </a:extLst>
+          </p:cNvPr>
+          <p:cNvPicPr>
+            <a:picLocks noChangeAspect="1"/>
+          </p:cNvPicPr>
+          <p:nvPr/>
+        </p:nvPicPr>
+        <p:blipFill>
+          <a:blip r:embed="rId5"/>
+          <a:stretch>
+            <a:fillRect/>
+          </a:stretch>
+        </p:blipFill>
+        <p:spPr>
+          <a:xfrm>
+            <a:off x="515897" y="1429229"/>
+            <a:ext cx="5876365" cy="4352525"/>
+          </a:xfrm>
+          <a:prstGeom prst="rect">
+            <a:avLst/>
+          </a:prstGeom>
+        </p:spPr>
+      </p:pic>
     </p:spTree>
     <p:extLst>
       <p:ext uri="{BB962C8B-B14F-4D97-AF65-F5344CB8AC3E}">
@@ -9575,8 +9630,8 @@
           </a:prstGeom>
         </p:spPr>
       </p:pic>
-      <mc:AlternateContent xmlns:mc="http://schemas.openxmlformats.org/markup-compatibility/2006">
-        <mc:Choice xmlns:a14="http://schemas.microsoft.com/office/drawing/2010/main" Requires="a14">
+      <mc:AlternateContent xmlns:mc="http://schemas.openxmlformats.org/markup-compatibility/2006" xmlns:a14="http://schemas.microsoft.com/office/drawing/2010/main">
+        <mc:Choice Requires="a14">
           <p:sp>
             <p:nvSpPr>
               <p:cNvPr id="5" name="文本框 4">
@@ -9605,6 +9660,7 @@
               </a:bodyPr>
               <a:lstStyle/>
               <a:p>
+                <a:pPr/>
                 <a14:m>
                   <m:oMathPara xmlns:m="http://schemas.openxmlformats.org/officeDocument/2006/math">
                     <m:oMathParaPr>
@@ -9690,6 +9746,7 @@
                 </a:endParaRPr>
               </a:p>
               <a:p>
+                <a:pPr/>
                 <a14:m>
                   <m:oMathPara xmlns:m="http://schemas.openxmlformats.org/officeDocument/2006/math">
                     <m:oMathParaPr>
@@ -9742,7 +9799,7 @@
             </p:txBody>
           </p:sp>
         </mc:Choice>
-        <mc:Fallback>
+        <mc:Fallback xmlns="">
           <p:sp>
             <p:nvSpPr>
               <p:cNvPr id="5" name="文本框 4">
@@ -9787,8 +9844,8 @@
           </p:sp>
         </mc:Fallback>
       </mc:AlternateContent>
-      <mc:AlternateContent xmlns:mc="http://schemas.openxmlformats.org/markup-compatibility/2006">
-        <mc:Choice xmlns:a14="http://schemas.microsoft.com/office/drawing/2010/main" Requires="a14">
+      <mc:AlternateContent xmlns:mc="http://schemas.openxmlformats.org/markup-compatibility/2006" xmlns:a14="http://schemas.microsoft.com/office/drawing/2010/main">
+        <mc:Choice Requires="a14">
           <p:sp>
             <p:nvSpPr>
               <p:cNvPr id="6" name="文本框 5">
@@ -9999,7 +10056,7 @@
             </p:txBody>
           </p:sp>
         </mc:Choice>
-        <mc:Fallback>
+        <mc:Fallback xmlns="">
           <p:sp>
             <p:nvSpPr>
               <p:cNvPr id="6" name="文本框 5">

--- a/note/SSH-Hubbard-Note6.pptx
+++ b/note/SSH-Hubbard-Note6.pptx
@@ -5,18 +5,21 @@
     <p:sldMasterId id="2147483648" r:id="rId1"/>
   </p:sldMasterIdLst>
   <p:notesMasterIdLst>
-    <p:notesMasterId r:id="rId11"/>
+    <p:notesMasterId r:id="rId14"/>
   </p:notesMasterIdLst>
   <p:sldIdLst>
     <p:sldId id="257" r:id="rId2"/>
     <p:sldId id="261" r:id="rId3"/>
     <p:sldId id="263" r:id="rId4"/>
     <p:sldId id="262" r:id="rId5"/>
-    <p:sldId id="260" r:id="rId6"/>
-    <p:sldId id="264" r:id="rId7"/>
-    <p:sldId id="265" r:id="rId8"/>
-    <p:sldId id="258" r:id="rId9"/>
-    <p:sldId id="259" r:id="rId10"/>
+    <p:sldId id="266" r:id="rId6"/>
+    <p:sldId id="268" r:id="rId7"/>
+    <p:sldId id="260" r:id="rId8"/>
+    <p:sldId id="265" r:id="rId9"/>
+    <p:sldId id="267" r:id="rId10"/>
+    <p:sldId id="264" r:id="rId11"/>
+    <p:sldId id="258" r:id="rId12"/>
+    <p:sldId id="259" r:id="rId13"/>
   </p:sldIdLst>
   <p:sldSz cx="12192000" cy="6858000"/>
   <p:notesSz cx="6858000" cy="9144000"/>
@@ -205,7 +208,7 @@
           <a:p>
             <a:fld id="{F66D3945-E88B-024D-B052-6EEDA3375027}" type="datetimeFigureOut">
               <a:rPr kumimoji="1" lang="zh-CN" altLang="en-US" smtClean="0"/>
-              <a:t>2021/11/29</a:t>
+              <a:t>2021/12/14</a:t>
             </a:fld>
             <a:endParaRPr kumimoji="1" lang="zh-CN" altLang="en-US"/>
           </a:p>
@@ -703,7 +706,7 @@
           <a:p>
             <a:fld id="{7EC9D4B1-B320-B74E-A342-105CA0158066}" type="datetimeFigureOut">
               <a:rPr kumimoji="1" lang="zh-CN" altLang="en-US" smtClean="0"/>
-              <a:t>2021/11/29</a:t>
+              <a:t>2021/12/14</a:t>
             </a:fld>
             <a:endParaRPr kumimoji="1" lang="zh-CN" altLang="en-US"/>
           </a:p>
@@ -901,7 +904,7 @@
           <a:p>
             <a:fld id="{7EC9D4B1-B320-B74E-A342-105CA0158066}" type="datetimeFigureOut">
               <a:rPr kumimoji="1" lang="zh-CN" altLang="en-US" smtClean="0"/>
-              <a:t>2021/11/29</a:t>
+              <a:t>2021/12/14</a:t>
             </a:fld>
             <a:endParaRPr kumimoji="1" lang="zh-CN" altLang="en-US"/>
           </a:p>
@@ -1109,7 +1112,7 @@
           <a:p>
             <a:fld id="{7EC9D4B1-B320-B74E-A342-105CA0158066}" type="datetimeFigureOut">
               <a:rPr kumimoji="1" lang="zh-CN" altLang="en-US" smtClean="0"/>
-              <a:t>2021/11/29</a:t>
+              <a:t>2021/12/14</a:t>
             </a:fld>
             <a:endParaRPr kumimoji="1" lang="zh-CN" altLang="en-US"/>
           </a:p>
@@ -1307,7 +1310,7 @@
           <a:p>
             <a:fld id="{7EC9D4B1-B320-B74E-A342-105CA0158066}" type="datetimeFigureOut">
               <a:rPr kumimoji="1" lang="zh-CN" altLang="en-US" smtClean="0"/>
-              <a:t>2021/11/29</a:t>
+              <a:t>2021/12/14</a:t>
             </a:fld>
             <a:endParaRPr kumimoji="1" lang="zh-CN" altLang="en-US"/>
           </a:p>
@@ -1582,7 +1585,7 @@
           <a:p>
             <a:fld id="{7EC9D4B1-B320-B74E-A342-105CA0158066}" type="datetimeFigureOut">
               <a:rPr kumimoji="1" lang="zh-CN" altLang="en-US" smtClean="0"/>
-              <a:t>2021/11/29</a:t>
+              <a:t>2021/12/14</a:t>
             </a:fld>
             <a:endParaRPr kumimoji="1" lang="zh-CN" altLang="en-US"/>
           </a:p>
@@ -1847,7 +1850,7 @@
           <a:p>
             <a:fld id="{7EC9D4B1-B320-B74E-A342-105CA0158066}" type="datetimeFigureOut">
               <a:rPr kumimoji="1" lang="zh-CN" altLang="en-US" smtClean="0"/>
-              <a:t>2021/11/29</a:t>
+              <a:t>2021/12/14</a:t>
             </a:fld>
             <a:endParaRPr kumimoji="1" lang="zh-CN" altLang="en-US"/>
           </a:p>
@@ -2259,7 +2262,7 @@
           <a:p>
             <a:fld id="{7EC9D4B1-B320-B74E-A342-105CA0158066}" type="datetimeFigureOut">
               <a:rPr kumimoji="1" lang="zh-CN" altLang="en-US" smtClean="0"/>
-              <a:t>2021/11/29</a:t>
+              <a:t>2021/12/14</a:t>
             </a:fld>
             <a:endParaRPr kumimoji="1" lang="zh-CN" altLang="en-US"/>
           </a:p>
@@ -2400,7 +2403,7 @@
           <a:p>
             <a:fld id="{7EC9D4B1-B320-B74E-A342-105CA0158066}" type="datetimeFigureOut">
               <a:rPr kumimoji="1" lang="zh-CN" altLang="en-US" smtClean="0"/>
-              <a:t>2021/11/29</a:t>
+              <a:t>2021/12/14</a:t>
             </a:fld>
             <a:endParaRPr kumimoji="1" lang="zh-CN" altLang="en-US"/>
           </a:p>
@@ -2513,7 +2516,7 @@
           <a:p>
             <a:fld id="{7EC9D4B1-B320-B74E-A342-105CA0158066}" type="datetimeFigureOut">
               <a:rPr kumimoji="1" lang="zh-CN" altLang="en-US" smtClean="0"/>
-              <a:t>2021/11/29</a:t>
+              <a:t>2021/12/14</a:t>
             </a:fld>
             <a:endParaRPr kumimoji="1" lang="zh-CN" altLang="en-US"/>
           </a:p>
@@ -2824,7 +2827,7 @@
           <a:p>
             <a:fld id="{7EC9D4B1-B320-B74E-A342-105CA0158066}" type="datetimeFigureOut">
               <a:rPr kumimoji="1" lang="zh-CN" altLang="en-US" smtClean="0"/>
-              <a:t>2021/11/29</a:t>
+              <a:t>2021/12/14</a:t>
             </a:fld>
             <a:endParaRPr kumimoji="1" lang="zh-CN" altLang="en-US"/>
           </a:p>
@@ -3112,7 +3115,7 @@
           <a:p>
             <a:fld id="{7EC9D4B1-B320-B74E-A342-105CA0158066}" type="datetimeFigureOut">
               <a:rPr kumimoji="1" lang="zh-CN" altLang="en-US" smtClean="0"/>
-              <a:t>2021/11/29</a:t>
+              <a:t>2021/12/14</a:t>
             </a:fld>
             <a:endParaRPr kumimoji="1" lang="zh-CN" altLang="en-US"/>
           </a:p>
@@ -3353,7 +3356,7 @@
           <a:p>
             <a:fld id="{7EC9D4B1-B320-B74E-A342-105CA0158066}" type="datetimeFigureOut">
               <a:rPr kumimoji="1" lang="zh-CN" altLang="en-US" smtClean="0"/>
-              <a:t>2021/11/29</a:t>
+              <a:t>2021/12/14</a:t>
             </a:fld>
             <a:endParaRPr kumimoji="1" lang="zh-CN" altLang="en-US"/>
           </a:p>
@@ -5508,3030 +5511,7 @@
 </p:sld>
 </file>
 
-<file path=ppt/slides/slide2.xml><?xml version="1.0" encoding="utf-8"?>
-<p:sld xmlns:a="http://schemas.openxmlformats.org/drawingml/2006/main" xmlns:r="http://schemas.openxmlformats.org/officeDocument/2006/relationships" xmlns:p="http://schemas.openxmlformats.org/presentationml/2006/main" show="0">
-  <p:cSld>
-    <p:spTree>
-      <p:nvGrpSpPr>
-        <p:cNvPr id="1" name=""/>
-        <p:cNvGrpSpPr/>
-        <p:nvPr/>
-      </p:nvGrpSpPr>
-      <p:grpSpPr>
-        <a:xfrm>
-          <a:off x="0" y="0"/>
-          <a:ext cx="0" cy="0"/>
-          <a:chOff x="0" y="0"/>
-          <a:chExt cx="0" cy="0"/>
-        </a:xfrm>
-      </p:grpSpPr>
-      <p:pic>
-        <p:nvPicPr>
-          <p:cNvPr id="4" name="图片 3">
-            <a:extLst>
-              <a:ext uri="{FF2B5EF4-FFF2-40B4-BE49-F238E27FC236}">
-                <a16:creationId xmlns:a16="http://schemas.microsoft.com/office/drawing/2014/main" id="{C82DB58F-B619-7E46-A9C9-EDCB1BBF8FDB}"/>
-              </a:ext>
-            </a:extLst>
-          </p:cNvPr>
-          <p:cNvPicPr>
-            <a:picLocks noChangeAspect="1"/>
-          </p:cNvPicPr>
-          <p:nvPr/>
-        </p:nvPicPr>
-        <p:blipFill>
-          <a:blip r:embed="rId2"/>
-          <a:stretch>
-            <a:fillRect/>
-          </a:stretch>
-        </p:blipFill>
-        <p:spPr>
-          <a:xfrm>
-            <a:off x="655825" y="1083448"/>
-            <a:ext cx="6537215" cy="4360689"/>
-          </a:xfrm>
-          <a:prstGeom prst="rect">
-            <a:avLst/>
-          </a:prstGeom>
-        </p:spPr>
-      </p:pic>
-      <p:sp>
-        <p:nvSpPr>
-          <p:cNvPr id="5" name="文本框 4">
-            <a:extLst>
-              <a:ext uri="{FF2B5EF4-FFF2-40B4-BE49-F238E27FC236}">
-                <a16:creationId xmlns:a16="http://schemas.microsoft.com/office/drawing/2014/main" id="{FD2BFEC6-9EF9-1F4A-AB03-10FAB22C3716}"/>
-              </a:ext>
-            </a:extLst>
-          </p:cNvPr>
-          <p:cNvSpPr txBox="1"/>
-          <p:nvPr/>
-        </p:nvSpPr>
-        <p:spPr>
-          <a:xfrm>
-            <a:off x="1452282" y="299677"/>
-            <a:ext cx="3603812" cy="369332"/>
-          </a:xfrm>
-          <a:prstGeom prst="rect">
-            <a:avLst/>
-          </a:prstGeom>
-          <a:noFill/>
-        </p:spPr>
-        <p:txBody>
-          <a:bodyPr wrap="square" rtlCol="0">
-            <a:spAutoFit/>
-          </a:bodyPr>
-          <a:lstStyle/>
-          <a:p>
-            <a:r>
-              <a:rPr kumimoji="1" lang="en-US" altLang="zh-CN" dirty="0"/>
-              <a:t>Lambda = 0.3, 0.4</a:t>
-            </a:r>
-            <a:endParaRPr kumimoji="1" lang="zh-CN" altLang="en-US" dirty="0"/>
-          </a:p>
-        </p:txBody>
-      </p:sp>
-    </p:spTree>
-    <p:extLst>
-      <p:ext uri="{BB962C8B-B14F-4D97-AF65-F5344CB8AC3E}">
-        <p14:creationId xmlns:p14="http://schemas.microsoft.com/office/powerpoint/2010/main" val="2637854027"/>
-      </p:ext>
-    </p:extLst>
-  </p:cSld>
-  <p:clrMapOvr>
-    <a:masterClrMapping/>
-  </p:clrMapOvr>
-</p:sld>
-</file>
-
-<file path=ppt/slides/slide3.xml><?xml version="1.0" encoding="utf-8"?>
-<p:sld xmlns:a="http://schemas.openxmlformats.org/drawingml/2006/main" xmlns:r="http://schemas.openxmlformats.org/officeDocument/2006/relationships" xmlns:p="http://schemas.openxmlformats.org/presentationml/2006/main">
-  <p:cSld>
-    <p:spTree>
-      <p:nvGrpSpPr>
-        <p:cNvPr id="1" name=""/>
-        <p:cNvGrpSpPr/>
-        <p:nvPr/>
-      </p:nvGrpSpPr>
-      <p:grpSpPr>
-        <a:xfrm>
-          <a:off x="0" y="0"/>
-          <a:ext cx="0" cy="0"/>
-          <a:chOff x="0" y="0"/>
-          <a:chExt cx="0" cy="0"/>
-        </a:xfrm>
-      </p:grpSpPr>
-      <p:sp>
-        <p:nvSpPr>
-          <p:cNvPr id="2" name="标题 1">
-            <a:extLst>
-              <a:ext uri="{FF2B5EF4-FFF2-40B4-BE49-F238E27FC236}">
-                <a16:creationId xmlns:a16="http://schemas.microsoft.com/office/drawing/2014/main" id="{E70CE690-C3D5-7448-B0CC-E7C5F873FE1B}"/>
-              </a:ext>
-            </a:extLst>
-          </p:cNvPr>
-          <p:cNvSpPr>
-            <a:spLocks noGrp="1"/>
-          </p:cNvSpPr>
-          <p:nvPr>
-            <p:ph type="title"/>
-          </p:nvPr>
-        </p:nvSpPr>
-        <p:spPr>
-          <a:xfrm>
-            <a:off x="676836" y="557225"/>
-            <a:ext cx="10515600" cy="1325563"/>
-          </a:xfrm>
-        </p:spPr>
-        <p:txBody>
-          <a:bodyPr/>
-          <a:lstStyle/>
-          <a:p>
-            <a:r>
-              <a:rPr kumimoji="1" lang="en-US" altLang="zh-CN" dirty="0">
-                <a:latin typeface="Times New Roman" panose="02020603050405020304" pitchFamily="18" charset="0"/>
-                <a:cs typeface="Times New Roman" panose="02020603050405020304" pitchFamily="18" charset="0"/>
-              </a:rPr>
-              <a:t>Truncation error (1e-6), extract from the middle bond</a:t>
-            </a:r>
-            <a:endParaRPr kumimoji="1" lang="zh-CN" altLang="en-US" dirty="0">
-              <a:latin typeface="Times New Roman" panose="02020603050405020304" pitchFamily="18" charset="0"/>
-              <a:cs typeface="Times New Roman" panose="02020603050405020304" pitchFamily="18" charset="0"/>
-            </a:endParaRPr>
-          </a:p>
-        </p:txBody>
-      </p:sp>
-      <p:graphicFrame>
-        <p:nvGraphicFramePr>
-          <p:cNvPr id="4" name="表格 4">
-            <a:extLst>
-              <a:ext uri="{FF2B5EF4-FFF2-40B4-BE49-F238E27FC236}">
-                <a16:creationId xmlns:a16="http://schemas.microsoft.com/office/drawing/2014/main" id="{BD787BC7-66D5-B74F-937D-E99DD5D6128E}"/>
-              </a:ext>
-            </a:extLst>
-          </p:cNvPr>
-          <p:cNvGraphicFramePr>
-            <a:graphicFrameLocks noGrp="1"/>
-          </p:cNvGraphicFramePr>
-          <p:nvPr>
-            <p:extLst>
-              <p:ext uri="{D42A27DB-BD31-4B8C-83A1-F6EECF244321}">
-                <p14:modId xmlns:p14="http://schemas.microsoft.com/office/powerpoint/2010/main" val="3288131036"/>
-              </p:ext>
-            </p:extLst>
-          </p:nvPr>
-        </p:nvGraphicFramePr>
-        <p:xfrm>
-          <a:off x="875981" y="2164264"/>
-          <a:ext cx="8884449" cy="2223661"/>
-        </p:xfrm>
-        <a:graphic>
-          <a:graphicData uri="http://schemas.openxmlformats.org/drawingml/2006/table">
-            <a:tbl>
-              <a:tblPr firstRow="1" bandRow="1">
-                <a:tableStyleId>{5C22544A-7EE6-4342-B048-85BDC9FD1C3A}</a:tableStyleId>
-              </a:tblPr>
-              <a:tblGrid>
-                <a:gridCol w="987161">
-                  <a:extLst>
-                    <a:ext uri="{9D8B030D-6E8A-4147-A177-3AD203B41FA5}">
-                      <a16:colId xmlns:a16="http://schemas.microsoft.com/office/drawing/2014/main" val="412038785"/>
-                    </a:ext>
-                  </a:extLst>
-                </a:gridCol>
-                <a:gridCol w="987161">
-                  <a:extLst>
-                    <a:ext uri="{9D8B030D-6E8A-4147-A177-3AD203B41FA5}">
-                      <a16:colId xmlns:a16="http://schemas.microsoft.com/office/drawing/2014/main" val="1577917048"/>
-                    </a:ext>
-                  </a:extLst>
-                </a:gridCol>
-                <a:gridCol w="987161">
-                  <a:extLst>
-                    <a:ext uri="{9D8B030D-6E8A-4147-A177-3AD203B41FA5}">
-                      <a16:colId xmlns:a16="http://schemas.microsoft.com/office/drawing/2014/main" val="3721405068"/>
-                    </a:ext>
-                  </a:extLst>
-                </a:gridCol>
-                <a:gridCol w="987161">
-                  <a:extLst>
-                    <a:ext uri="{9D8B030D-6E8A-4147-A177-3AD203B41FA5}">
-                      <a16:colId xmlns:a16="http://schemas.microsoft.com/office/drawing/2014/main" val="1531851066"/>
-                    </a:ext>
-                  </a:extLst>
-                </a:gridCol>
-                <a:gridCol w="987161">
-                  <a:extLst>
-                    <a:ext uri="{9D8B030D-6E8A-4147-A177-3AD203B41FA5}">
-                      <a16:colId xmlns:a16="http://schemas.microsoft.com/office/drawing/2014/main" val="3482833152"/>
-                    </a:ext>
-                  </a:extLst>
-                </a:gridCol>
-                <a:gridCol w="987161">
-                  <a:extLst>
-                    <a:ext uri="{9D8B030D-6E8A-4147-A177-3AD203B41FA5}">
-                      <a16:colId xmlns:a16="http://schemas.microsoft.com/office/drawing/2014/main" val="3721807256"/>
-                    </a:ext>
-                  </a:extLst>
-                </a:gridCol>
-                <a:gridCol w="987161">
-                  <a:extLst>
-                    <a:ext uri="{9D8B030D-6E8A-4147-A177-3AD203B41FA5}">
-                      <a16:colId xmlns:a16="http://schemas.microsoft.com/office/drawing/2014/main" val="814516143"/>
-                    </a:ext>
-                  </a:extLst>
-                </a:gridCol>
-                <a:gridCol w="987161">
-                  <a:extLst>
-                    <a:ext uri="{9D8B030D-6E8A-4147-A177-3AD203B41FA5}">
-                      <a16:colId xmlns:a16="http://schemas.microsoft.com/office/drawing/2014/main" val="3471143688"/>
-                    </a:ext>
-                  </a:extLst>
-                </a:gridCol>
-                <a:gridCol w="987161">
-                  <a:extLst>
-                    <a:ext uri="{9D8B030D-6E8A-4147-A177-3AD203B41FA5}">
-                      <a16:colId xmlns:a16="http://schemas.microsoft.com/office/drawing/2014/main" val="3536677003"/>
-                    </a:ext>
-                  </a:extLst>
-                </a:gridCol>
-              </a:tblGrid>
-              <a:tr h="370840">
-                <a:tc>
-                  <a:txBody>
-                    <a:bodyPr/>
-                    <a:lstStyle/>
-                    <a:p>
-                      <a:r>
-                        <a:rPr lang="en-US" altLang="zh-CN" dirty="0">
-                          <a:latin typeface="Times New Roman" panose="02020603050405020304" pitchFamily="18" charset="0"/>
-                          <a:cs typeface="Times New Roman" panose="02020603050405020304" pitchFamily="18" charset="0"/>
-                        </a:rPr>
-                        <a:t>Lx\D</a:t>
-                      </a:r>
-                      <a:endParaRPr lang="zh-CN" altLang="en-US" dirty="0">
-                        <a:latin typeface="Times New Roman" panose="02020603050405020304" pitchFamily="18" charset="0"/>
-                        <a:cs typeface="Times New Roman" panose="02020603050405020304" pitchFamily="18" charset="0"/>
-                      </a:endParaRPr>
-                    </a:p>
-                  </a:txBody>
-                  <a:tcPr/>
-                </a:tc>
-                <a:tc>
-                  <a:txBody>
-                    <a:bodyPr/>
-                    <a:lstStyle/>
-                    <a:p>
-                      <a:r>
-                        <a:rPr lang="en-US" altLang="zh-CN" dirty="0">
-                          <a:latin typeface="Times New Roman" panose="02020603050405020304" pitchFamily="18" charset="0"/>
-                          <a:cs typeface="Times New Roman" panose="02020603050405020304" pitchFamily="18" charset="0"/>
-                        </a:rPr>
-                        <a:t>8000</a:t>
-                      </a:r>
-                      <a:endParaRPr lang="zh-CN" altLang="en-US" dirty="0">
-                        <a:latin typeface="Times New Roman" panose="02020603050405020304" pitchFamily="18" charset="0"/>
-                        <a:cs typeface="Times New Roman" panose="02020603050405020304" pitchFamily="18" charset="0"/>
-                      </a:endParaRPr>
-                    </a:p>
-                  </a:txBody>
-                  <a:tcPr/>
-                </a:tc>
-                <a:tc>
-                  <a:txBody>
-                    <a:bodyPr/>
-                    <a:lstStyle/>
-                    <a:p>
-                      <a:r>
-                        <a:rPr lang="en-US" altLang="zh-CN" dirty="0">
-                          <a:latin typeface="Times New Roman" panose="02020603050405020304" pitchFamily="18" charset="0"/>
-                          <a:cs typeface="Times New Roman" panose="02020603050405020304" pitchFamily="18" charset="0"/>
-                        </a:rPr>
-                        <a:t>10000</a:t>
-                      </a:r>
-                      <a:endParaRPr lang="zh-CN" altLang="en-US" dirty="0">
-                        <a:latin typeface="Times New Roman" panose="02020603050405020304" pitchFamily="18" charset="0"/>
-                        <a:cs typeface="Times New Roman" panose="02020603050405020304" pitchFamily="18" charset="0"/>
-                      </a:endParaRPr>
-                    </a:p>
-                  </a:txBody>
-                  <a:tcPr/>
-                </a:tc>
-                <a:tc>
-                  <a:txBody>
-                    <a:bodyPr/>
-                    <a:lstStyle/>
-                    <a:p>
-                      <a:r>
-                        <a:rPr lang="en-US" altLang="zh-CN" dirty="0">
-                          <a:latin typeface="Times New Roman" panose="02020603050405020304" pitchFamily="18" charset="0"/>
-                          <a:cs typeface="Times New Roman" panose="02020603050405020304" pitchFamily="18" charset="0"/>
-                        </a:rPr>
-                        <a:t>12000</a:t>
-                      </a:r>
-                      <a:endParaRPr lang="zh-CN" altLang="en-US" dirty="0">
-                        <a:latin typeface="Times New Roman" panose="02020603050405020304" pitchFamily="18" charset="0"/>
-                        <a:cs typeface="Times New Roman" panose="02020603050405020304" pitchFamily="18" charset="0"/>
-                      </a:endParaRPr>
-                    </a:p>
-                  </a:txBody>
-                  <a:tcPr/>
-                </a:tc>
-                <a:tc>
-                  <a:txBody>
-                    <a:bodyPr/>
-                    <a:lstStyle/>
-                    <a:p>
-                      <a:r>
-                        <a:rPr lang="en-US" altLang="zh-CN" dirty="0">
-                          <a:latin typeface="Times New Roman" panose="02020603050405020304" pitchFamily="18" charset="0"/>
-                          <a:cs typeface="Times New Roman" panose="02020603050405020304" pitchFamily="18" charset="0"/>
-                        </a:rPr>
-                        <a:t>14000</a:t>
-                      </a:r>
-                      <a:endParaRPr lang="zh-CN" altLang="en-US" dirty="0">
-                        <a:latin typeface="Times New Roman" panose="02020603050405020304" pitchFamily="18" charset="0"/>
-                        <a:cs typeface="Times New Roman" panose="02020603050405020304" pitchFamily="18" charset="0"/>
-                      </a:endParaRPr>
-                    </a:p>
-                  </a:txBody>
-                  <a:tcPr/>
-                </a:tc>
-                <a:tc>
-                  <a:txBody>
-                    <a:bodyPr/>
-                    <a:lstStyle/>
-                    <a:p>
-                      <a:r>
-                        <a:rPr lang="en-US" altLang="zh-CN" dirty="0">
-                          <a:latin typeface="Times New Roman" panose="02020603050405020304" pitchFamily="18" charset="0"/>
-                          <a:cs typeface="Times New Roman" panose="02020603050405020304" pitchFamily="18" charset="0"/>
-                        </a:rPr>
-                        <a:t>16000</a:t>
-                      </a:r>
-                      <a:endParaRPr lang="zh-CN" altLang="en-US" dirty="0">
-                        <a:latin typeface="Times New Roman" panose="02020603050405020304" pitchFamily="18" charset="0"/>
-                        <a:cs typeface="Times New Roman" panose="02020603050405020304" pitchFamily="18" charset="0"/>
-                      </a:endParaRPr>
-                    </a:p>
-                  </a:txBody>
-                  <a:tcPr/>
-                </a:tc>
-                <a:tc>
-                  <a:txBody>
-                    <a:bodyPr/>
-                    <a:lstStyle/>
-                    <a:p>
-                      <a:r>
-                        <a:rPr lang="en-US" altLang="zh-CN" dirty="0">
-                          <a:latin typeface="Times New Roman" panose="02020603050405020304" pitchFamily="18" charset="0"/>
-                          <a:cs typeface="Times New Roman" panose="02020603050405020304" pitchFamily="18" charset="0"/>
-                        </a:rPr>
-                        <a:t>18000</a:t>
-                      </a:r>
-                      <a:endParaRPr lang="zh-CN" altLang="en-US" dirty="0">
-                        <a:latin typeface="Times New Roman" panose="02020603050405020304" pitchFamily="18" charset="0"/>
-                        <a:cs typeface="Times New Roman" panose="02020603050405020304" pitchFamily="18" charset="0"/>
-                      </a:endParaRPr>
-                    </a:p>
-                  </a:txBody>
-                  <a:tcPr/>
-                </a:tc>
-                <a:tc>
-                  <a:txBody>
-                    <a:bodyPr/>
-                    <a:lstStyle/>
-                    <a:p>
-                      <a:r>
-                        <a:rPr lang="en-US" altLang="zh-CN" dirty="0">
-                          <a:latin typeface="Times New Roman" panose="02020603050405020304" pitchFamily="18" charset="0"/>
-                          <a:cs typeface="Times New Roman" panose="02020603050405020304" pitchFamily="18" charset="0"/>
-                        </a:rPr>
-                        <a:t>20000</a:t>
-                      </a:r>
-                      <a:endParaRPr lang="zh-CN" altLang="en-US" dirty="0">
-                        <a:latin typeface="Times New Roman" panose="02020603050405020304" pitchFamily="18" charset="0"/>
-                        <a:cs typeface="Times New Roman" panose="02020603050405020304" pitchFamily="18" charset="0"/>
-                      </a:endParaRPr>
-                    </a:p>
-                  </a:txBody>
-                  <a:tcPr/>
-                </a:tc>
-                <a:tc>
-                  <a:txBody>
-                    <a:bodyPr/>
-                    <a:lstStyle/>
-                    <a:p>
-                      <a:endParaRPr lang="zh-CN" altLang="en-US"/>
-                    </a:p>
-                  </a:txBody>
-                  <a:tcPr/>
-                </a:tc>
-                <a:extLst>
-                  <a:ext uri="{0D108BD9-81ED-4DB2-BD59-A6C34878D82A}">
-                    <a16:rowId xmlns:a16="http://schemas.microsoft.com/office/drawing/2014/main" val="285822557"/>
-                  </a:ext>
-                </a:extLst>
-              </a:tr>
-              <a:tr h="369461">
-                <a:tc>
-                  <a:txBody>
-                    <a:bodyPr/>
-                    <a:lstStyle/>
-                    <a:p>
-                      <a:r>
-                        <a:rPr lang="en-US" altLang="zh-CN" dirty="0">
-                          <a:latin typeface="Times New Roman" panose="02020603050405020304" pitchFamily="18" charset="0"/>
-                          <a:cs typeface="Times New Roman" panose="02020603050405020304" pitchFamily="18" charset="0"/>
-                        </a:rPr>
-                        <a:t>16</a:t>
-                      </a:r>
-                      <a:endParaRPr lang="zh-CN" altLang="en-US" dirty="0">
-                        <a:latin typeface="Times New Roman" panose="02020603050405020304" pitchFamily="18" charset="0"/>
-                        <a:cs typeface="Times New Roman" panose="02020603050405020304" pitchFamily="18" charset="0"/>
-                      </a:endParaRPr>
-                    </a:p>
-                  </a:txBody>
-                  <a:tcPr/>
-                </a:tc>
-                <a:tc>
-                  <a:txBody>
-                    <a:bodyPr/>
-                    <a:lstStyle/>
-                    <a:p>
-                      <a:pPr marL="0" marR="0" lvl="0" indent="0" algn="l" defTabSz="914400" rtl="0" eaLnBrk="1" fontAlgn="auto" latinLnBrk="0" hangingPunct="1">
-                        <a:lnSpc>
-                          <a:spcPct val="100000"/>
-                        </a:lnSpc>
-                        <a:spcBef>
-                          <a:spcPts val="0"/>
-                        </a:spcBef>
-                        <a:spcAft>
-                          <a:spcPts val="0"/>
-                        </a:spcAft>
-                        <a:buClrTx/>
-                        <a:buSzTx/>
-                        <a:buFontTx/>
-                        <a:buNone/>
-                        <a:tabLst/>
-                        <a:defRPr/>
-                      </a:pPr>
-                      <a:r>
-                        <a:rPr lang="en-US" altLang="zh-CN" sz="1800" kern="1200" dirty="0">
-                          <a:solidFill>
-                            <a:schemeClr val="dk1"/>
-                          </a:solidFill>
-                          <a:effectLst/>
-                          <a:latin typeface="Times New Roman" panose="02020603050405020304" pitchFamily="18" charset="0"/>
-                          <a:ea typeface="+mn-ea"/>
-                          <a:cs typeface="Times New Roman" panose="02020603050405020304" pitchFamily="18" charset="0"/>
-                        </a:rPr>
-                        <a:t>3.37</a:t>
-                      </a:r>
-                      <a:endParaRPr lang="zh-CN" altLang="en-US" dirty="0">
-                        <a:latin typeface="Times New Roman" panose="02020603050405020304" pitchFamily="18" charset="0"/>
-                        <a:cs typeface="Times New Roman" panose="02020603050405020304" pitchFamily="18" charset="0"/>
-                      </a:endParaRPr>
-                    </a:p>
-                  </a:txBody>
-                  <a:tcPr/>
-                </a:tc>
-                <a:tc>
-                  <a:txBody>
-                    <a:bodyPr/>
-                    <a:lstStyle/>
-                    <a:p>
-                      <a:pPr marL="0" marR="0" lvl="0" indent="0" algn="l" defTabSz="914400" rtl="0" eaLnBrk="1" fontAlgn="auto" latinLnBrk="0" hangingPunct="1">
-                        <a:lnSpc>
-                          <a:spcPct val="100000"/>
-                        </a:lnSpc>
-                        <a:spcBef>
-                          <a:spcPts val="0"/>
-                        </a:spcBef>
-                        <a:spcAft>
-                          <a:spcPts val="0"/>
-                        </a:spcAft>
-                        <a:buClrTx/>
-                        <a:buSzTx/>
-                        <a:buFontTx/>
-                        <a:buNone/>
-                        <a:tabLst/>
-                        <a:defRPr/>
-                      </a:pPr>
-                      <a:r>
-                        <a:rPr lang="en-US" altLang="zh-CN" sz="1800" kern="1200" dirty="0">
-                          <a:solidFill>
-                            <a:schemeClr val="dk1"/>
-                          </a:solidFill>
-                          <a:effectLst/>
-                          <a:latin typeface="Times New Roman" panose="02020603050405020304" pitchFamily="18" charset="0"/>
-                          <a:ea typeface="+mn-ea"/>
-                          <a:cs typeface="Times New Roman" panose="02020603050405020304" pitchFamily="18" charset="0"/>
-                        </a:rPr>
-                        <a:t>2.82</a:t>
-                      </a:r>
-                    </a:p>
-                  </a:txBody>
-                  <a:tcPr/>
-                </a:tc>
-                <a:tc>
-                  <a:txBody>
-                    <a:bodyPr/>
-                    <a:lstStyle/>
-                    <a:p>
-                      <a:pPr marL="0" marR="0" lvl="0" indent="0" algn="l" defTabSz="914400" rtl="0" eaLnBrk="1" fontAlgn="auto" latinLnBrk="0" hangingPunct="1">
-                        <a:lnSpc>
-                          <a:spcPct val="100000"/>
-                        </a:lnSpc>
-                        <a:spcBef>
-                          <a:spcPts val="0"/>
-                        </a:spcBef>
-                        <a:spcAft>
-                          <a:spcPts val="0"/>
-                        </a:spcAft>
-                        <a:buClrTx/>
-                        <a:buSzTx/>
-                        <a:buFontTx/>
-                        <a:buNone/>
-                        <a:tabLst/>
-                        <a:defRPr/>
-                      </a:pPr>
-                      <a:r>
-                        <a:rPr lang="en-US" altLang="zh-CN" sz="1800" kern="1200" dirty="0">
-                          <a:solidFill>
-                            <a:schemeClr val="dk1"/>
-                          </a:solidFill>
-                          <a:effectLst/>
-                          <a:latin typeface="Times New Roman" panose="02020603050405020304" pitchFamily="18" charset="0"/>
-                          <a:ea typeface="+mn-ea"/>
-                          <a:cs typeface="Times New Roman" panose="02020603050405020304" pitchFamily="18" charset="0"/>
-                        </a:rPr>
-                        <a:t>2.45</a:t>
-                      </a:r>
-                    </a:p>
-                  </a:txBody>
-                  <a:tcPr/>
-                </a:tc>
-                <a:tc>
-                  <a:txBody>
-                    <a:bodyPr/>
-                    <a:lstStyle/>
-                    <a:p>
-                      <a:endParaRPr lang="zh-CN" altLang="en-US">
-                        <a:latin typeface="Times New Roman" panose="02020603050405020304" pitchFamily="18" charset="0"/>
-                        <a:cs typeface="Times New Roman" panose="02020603050405020304" pitchFamily="18" charset="0"/>
-                      </a:endParaRPr>
-                    </a:p>
-                  </a:txBody>
-                  <a:tcPr/>
-                </a:tc>
-                <a:tc>
-                  <a:txBody>
-                    <a:bodyPr/>
-                    <a:lstStyle/>
-                    <a:p>
-                      <a:endParaRPr lang="zh-CN" altLang="en-US">
-                        <a:latin typeface="Times New Roman" panose="02020603050405020304" pitchFamily="18" charset="0"/>
-                        <a:cs typeface="Times New Roman" panose="02020603050405020304" pitchFamily="18" charset="0"/>
-                      </a:endParaRPr>
-                    </a:p>
-                  </a:txBody>
-                  <a:tcPr/>
-                </a:tc>
-                <a:tc>
-                  <a:txBody>
-                    <a:bodyPr/>
-                    <a:lstStyle/>
-                    <a:p>
-                      <a:endParaRPr lang="zh-CN" altLang="en-US">
-                        <a:latin typeface="Times New Roman" panose="02020603050405020304" pitchFamily="18" charset="0"/>
-                        <a:cs typeface="Times New Roman" panose="02020603050405020304" pitchFamily="18" charset="0"/>
-                      </a:endParaRPr>
-                    </a:p>
-                  </a:txBody>
-                  <a:tcPr/>
-                </a:tc>
-                <a:tc>
-                  <a:txBody>
-                    <a:bodyPr/>
-                    <a:lstStyle/>
-                    <a:p>
-                      <a:endParaRPr lang="zh-CN" altLang="en-US">
-                        <a:latin typeface="Times New Roman" panose="02020603050405020304" pitchFamily="18" charset="0"/>
-                        <a:cs typeface="Times New Roman" panose="02020603050405020304" pitchFamily="18" charset="0"/>
-                      </a:endParaRPr>
-                    </a:p>
-                  </a:txBody>
-                  <a:tcPr/>
-                </a:tc>
-                <a:tc>
-                  <a:txBody>
-                    <a:bodyPr/>
-                    <a:lstStyle/>
-                    <a:p>
-                      <a:endParaRPr lang="zh-CN" altLang="en-US"/>
-                    </a:p>
-                  </a:txBody>
-                  <a:tcPr/>
-                </a:tc>
-                <a:extLst>
-                  <a:ext uri="{0D108BD9-81ED-4DB2-BD59-A6C34878D82A}">
-                    <a16:rowId xmlns:a16="http://schemas.microsoft.com/office/drawing/2014/main" val="3593187368"/>
-                  </a:ext>
-                </a:extLst>
-              </a:tr>
-              <a:tr h="370840">
-                <a:tc>
-                  <a:txBody>
-                    <a:bodyPr/>
-                    <a:lstStyle/>
-                    <a:p>
-                      <a:r>
-                        <a:rPr lang="en-US" altLang="zh-CN" dirty="0">
-                          <a:latin typeface="Times New Roman" panose="02020603050405020304" pitchFamily="18" charset="0"/>
-                          <a:cs typeface="Times New Roman" panose="02020603050405020304" pitchFamily="18" charset="0"/>
-                        </a:rPr>
-                        <a:t>24</a:t>
-                      </a:r>
-                      <a:endParaRPr lang="zh-CN" altLang="en-US" dirty="0">
-                        <a:latin typeface="Times New Roman" panose="02020603050405020304" pitchFamily="18" charset="0"/>
-                        <a:cs typeface="Times New Roman" panose="02020603050405020304" pitchFamily="18" charset="0"/>
-                      </a:endParaRPr>
-                    </a:p>
-                  </a:txBody>
-                  <a:tcPr/>
-                </a:tc>
-                <a:tc>
-                  <a:txBody>
-                    <a:bodyPr/>
-                    <a:lstStyle/>
-                    <a:p>
-                      <a:pPr marL="0" marR="0" lvl="0" indent="0" algn="l" defTabSz="914400" rtl="0" eaLnBrk="1" fontAlgn="auto" latinLnBrk="0" hangingPunct="1">
-                        <a:lnSpc>
-                          <a:spcPct val="100000"/>
-                        </a:lnSpc>
-                        <a:spcBef>
-                          <a:spcPts val="0"/>
-                        </a:spcBef>
-                        <a:spcAft>
-                          <a:spcPts val="0"/>
-                        </a:spcAft>
-                        <a:buClrTx/>
-                        <a:buSzTx/>
-                        <a:buFontTx/>
-                        <a:buNone/>
-                        <a:tabLst/>
-                        <a:defRPr/>
-                      </a:pPr>
-                      <a:r>
-                        <a:rPr lang="en-US" altLang="zh-CN" sz="1800" kern="1200" dirty="0">
-                          <a:solidFill>
-                            <a:schemeClr val="dk1"/>
-                          </a:solidFill>
-                          <a:effectLst/>
-                          <a:latin typeface="Times New Roman" panose="02020603050405020304" pitchFamily="18" charset="0"/>
-                          <a:ea typeface="+mn-ea"/>
-                          <a:cs typeface="Times New Roman" panose="02020603050405020304" pitchFamily="18" charset="0"/>
-                        </a:rPr>
-                        <a:t>3.44</a:t>
-                      </a:r>
-                    </a:p>
-                  </a:txBody>
-                  <a:tcPr/>
-                </a:tc>
-                <a:tc>
-                  <a:txBody>
-                    <a:bodyPr/>
-                    <a:lstStyle/>
-                    <a:p>
-                      <a:pPr marL="0" marR="0" lvl="0" indent="0" algn="l" defTabSz="914400" rtl="0" eaLnBrk="1" fontAlgn="auto" latinLnBrk="0" hangingPunct="1">
-                        <a:lnSpc>
-                          <a:spcPct val="100000"/>
-                        </a:lnSpc>
-                        <a:spcBef>
-                          <a:spcPts val="0"/>
-                        </a:spcBef>
-                        <a:spcAft>
-                          <a:spcPts val="0"/>
-                        </a:spcAft>
-                        <a:buClrTx/>
-                        <a:buSzTx/>
-                        <a:buFontTx/>
-                        <a:buNone/>
-                        <a:tabLst/>
-                        <a:defRPr/>
-                      </a:pPr>
-                      <a:r>
-                        <a:rPr lang="en-US" altLang="zh-CN" sz="1800" kern="1200" dirty="0">
-                          <a:solidFill>
-                            <a:schemeClr val="dk1"/>
-                          </a:solidFill>
-                          <a:effectLst/>
-                          <a:latin typeface="Times New Roman" panose="02020603050405020304" pitchFamily="18" charset="0"/>
-                          <a:ea typeface="+mn-ea"/>
-                          <a:cs typeface="Times New Roman" panose="02020603050405020304" pitchFamily="18" charset="0"/>
-                        </a:rPr>
-                        <a:t>2.79</a:t>
-                      </a:r>
-                    </a:p>
-                  </a:txBody>
-                  <a:tcPr/>
-                </a:tc>
-                <a:tc>
-                  <a:txBody>
-                    <a:bodyPr/>
-                    <a:lstStyle/>
-                    <a:p>
-                      <a:pPr marL="0" marR="0" lvl="0" indent="0" algn="l" defTabSz="914400" rtl="0" eaLnBrk="1" fontAlgn="auto" latinLnBrk="0" hangingPunct="1">
-                        <a:lnSpc>
-                          <a:spcPct val="100000"/>
-                        </a:lnSpc>
-                        <a:spcBef>
-                          <a:spcPts val="0"/>
-                        </a:spcBef>
-                        <a:spcAft>
-                          <a:spcPts val="0"/>
-                        </a:spcAft>
-                        <a:buClrTx/>
-                        <a:buSzTx/>
-                        <a:buFontTx/>
-                        <a:buNone/>
-                        <a:tabLst/>
-                        <a:defRPr/>
-                      </a:pPr>
-                      <a:r>
-                        <a:rPr lang="en-US" altLang="zh-CN" sz="1800" kern="1200" dirty="0">
-                          <a:solidFill>
-                            <a:schemeClr val="dk1"/>
-                          </a:solidFill>
-                          <a:effectLst/>
-                          <a:latin typeface="Times New Roman" panose="02020603050405020304" pitchFamily="18" charset="0"/>
-                          <a:ea typeface="+mn-ea"/>
-                          <a:cs typeface="Times New Roman" panose="02020603050405020304" pitchFamily="18" charset="0"/>
-                        </a:rPr>
-                        <a:t>2.41</a:t>
-                      </a:r>
-                    </a:p>
-                  </a:txBody>
-                  <a:tcPr/>
-                </a:tc>
-                <a:tc>
-                  <a:txBody>
-                    <a:bodyPr/>
-                    <a:lstStyle/>
-                    <a:p>
-                      <a:pPr marL="0" marR="0" lvl="0" indent="0" algn="l" defTabSz="914400" rtl="0" eaLnBrk="1" fontAlgn="auto" latinLnBrk="0" hangingPunct="1">
-                        <a:lnSpc>
-                          <a:spcPct val="100000"/>
-                        </a:lnSpc>
-                        <a:spcBef>
-                          <a:spcPts val="0"/>
-                        </a:spcBef>
-                        <a:spcAft>
-                          <a:spcPts val="0"/>
-                        </a:spcAft>
-                        <a:buClrTx/>
-                        <a:buSzTx/>
-                        <a:buFontTx/>
-                        <a:buNone/>
-                        <a:tabLst/>
-                        <a:defRPr/>
-                      </a:pPr>
-                      <a:r>
-                        <a:rPr lang="en-US" altLang="zh-CN" sz="1800" kern="1200" dirty="0">
-                          <a:solidFill>
-                            <a:schemeClr val="dk1"/>
-                          </a:solidFill>
-                          <a:effectLst/>
-                          <a:latin typeface="Times New Roman" panose="02020603050405020304" pitchFamily="18" charset="0"/>
-                          <a:ea typeface="+mn-ea"/>
-                          <a:cs typeface="Times New Roman" panose="02020603050405020304" pitchFamily="18" charset="0"/>
-                        </a:rPr>
-                        <a:t>2.17</a:t>
-                      </a:r>
-                    </a:p>
-                  </a:txBody>
-                  <a:tcPr/>
-                </a:tc>
-                <a:tc>
-                  <a:txBody>
-                    <a:bodyPr/>
-                    <a:lstStyle/>
-                    <a:p>
-                      <a:endParaRPr lang="zh-CN" altLang="en-US">
-                        <a:latin typeface="Times New Roman" panose="02020603050405020304" pitchFamily="18" charset="0"/>
-                        <a:cs typeface="Times New Roman" panose="02020603050405020304" pitchFamily="18" charset="0"/>
-                      </a:endParaRPr>
-                    </a:p>
-                  </a:txBody>
-                  <a:tcPr/>
-                </a:tc>
-                <a:tc>
-                  <a:txBody>
-                    <a:bodyPr/>
-                    <a:lstStyle/>
-                    <a:p>
-                      <a:endParaRPr lang="zh-CN" altLang="en-US">
-                        <a:latin typeface="Times New Roman" panose="02020603050405020304" pitchFamily="18" charset="0"/>
-                        <a:cs typeface="Times New Roman" panose="02020603050405020304" pitchFamily="18" charset="0"/>
-                      </a:endParaRPr>
-                    </a:p>
-                  </a:txBody>
-                  <a:tcPr/>
-                </a:tc>
-                <a:tc>
-                  <a:txBody>
-                    <a:bodyPr/>
-                    <a:lstStyle/>
-                    <a:p>
-                      <a:endParaRPr lang="zh-CN" altLang="en-US">
-                        <a:latin typeface="Times New Roman" panose="02020603050405020304" pitchFamily="18" charset="0"/>
-                        <a:cs typeface="Times New Roman" panose="02020603050405020304" pitchFamily="18" charset="0"/>
-                      </a:endParaRPr>
-                    </a:p>
-                  </a:txBody>
-                  <a:tcPr/>
-                </a:tc>
-                <a:tc>
-                  <a:txBody>
-                    <a:bodyPr/>
-                    <a:lstStyle/>
-                    <a:p>
-                      <a:endParaRPr lang="zh-CN" altLang="en-US"/>
-                    </a:p>
-                  </a:txBody>
-                  <a:tcPr/>
-                </a:tc>
-                <a:extLst>
-                  <a:ext uri="{0D108BD9-81ED-4DB2-BD59-A6C34878D82A}">
-                    <a16:rowId xmlns:a16="http://schemas.microsoft.com/office/drawing/2014/main" val="2301512918"/>
-                  </a:ext>
-                </a:extLst>
-              </a:tr>
-              <a:tr h="370840">
-                <a:tc>
-                  <a:txBody>
-                    <a:bodyPr/>
-                    <a:lstStyle/>
-                    <a:p>
-                      <a:r>
-                        <a:rPr lang="en-US" altLang="zh-CN" dirty="0">
-                          <a:latin typeface="Times New Roman" panose="02020603050405020304" pitchFamily="18" charset="0"/>
-                          <a:cs typeface="Times New Roman" panose="02020603050405020304" pitchFamily="18" charset="0"/>
-                        </a:rPr>
-                        <a:t>32</a:t>
-                      </a:r>
-                      <a:endParaRPr lang="zh-CN" altLang="en-US" dirty="0">
-                        <a:latin typeface="Times New Roman" panose="02020603050405020304" pitchFamily="18" charset="0"/>
-                        <a:cs typeface="Times New Roman" panose="02020603050405020304" pitchFamily="18" charset="0"/>
-                      </a:endParaRPr>
-                    </a:p>
-                  </a:txBody>
-                  <a:tcPr/>
-                </a:tc>
-                <a:tc>
-                  <a:txBody>
-                    <a:bodyPr/>
-                    <a:lstStyle/>
-                    <a:p>
-                      <a:pPr marL="0" marR="0" lvl="0" indent="0" algn="l" defTabSz="914400" rtl="0" eaLnBrk="1" fontAlgn="auto" latinLnBrk="0" hangingPunct="1">
-                        <a:lnSpc>
-                          <a:spcPct val="100000"/>
-                        </a:lnSpc>
-                        <a:spcBef>
-                          <a:spcPts val="0"/>
-                        </a:spcBef>
-                        <a:spcAft>
-                          <a:spcPts val="0"/>
-                        </a:spcAft>
-                        <a:buClrTx/>
-                        <a:buSzTx/>
-                        <a:buFontTx/>
-                        <a:buNone/>
-                        <a:tabLst/>
-                        <a:defRPr/>
-                      </a:pPr>
-                      <a:r>
-                        <a:rPr lang="en-US" altLang="zh-CN" sz="1800" kern="1200" dirty="0">
-                          <a:solidFill>
-                            <a:schemeClr val="dk1"/>
-                          </a:solidFill>
-                          <a:effectLst/>
-                          <a:latin typeface="Times New Roman" panose="02020603050405020304" pitchFamily="18" charset="0"/>
-                          <a:ea typeface="+mn-ea"/>
-                          <a:cs typeface="Times New Roman" panose="02020603050405020304" pitchFamily="18" charset="0"/>
-                        </a:rPr>
-                        <a:t>3.70</a:t>
-                      </a:r>
-                    </a:p>
-                  </a:txBody>
-                  <a:tcPr/>
-                </a:tc>
-                <a:tc>
-                  <a:txBody>
-                    <a:bodyPr/>
-                    <a:lstStyle/>
-                    <a:p>
-                      <a:pPr marL="0" marR="0" lvl="0" indent="0" algn="l" defTabSz="914400" rtl="0" eaLnBrk="1" fontAlgn="auto" latinLnBrk="0" hangingPunct="1">
-                        <a:lnSpc>
-                          <a:spcPct val="100000"/>
-                        </a:lnSpc>
-                        <a:spcBef>
-                          <a:spcPts val="0"/>
-                        </a:spcBef>
-                        <a:spcAft>
-                          <a:spcPts val="0"/>
-                        </a:spcAft>
-                        <a:buClrTx/>
-                        <a:buSzTx/>
-                        <a:buFontTx/>
-                        <a:buNone/>
-                        <a:tabLst/>
-                        <a:defRPr/>
-                      </a:pPr>
-                      <a:r>
-                        <a:rPr lang="en-US" altLang="zh-CN" sz="1800" kern="1200" dirty="0">
-                          <a:solidFill>
-                            <a:schemeClr val="dk1"/>
-                          </a:solidFill>
-                          <a:effectLst/>
-                          <a:latin typeface="Times New Roman" panose="02020603050405020304" pitchFamily="18" charset="0"/>
-                          <a:ea typeface="+mn-ea"/>
-                          <a:cs typeface="Times New Roman" panose="02020603050405020304" pitchFamily="18" charset="0"/>
-                        </a:rPr>
-                        <a:t>2.96</a:t>
-                      </a:r>
-                    </a:p>
-                  </a:txBody>
-                  <a:tcPr/>
-                </a:tc>
-                <a:tc>
-                  <a:txBody>
-                    <a:bodyPr/>
-                    <a:lstStyle/>
-                    <a:p>
-                      <a:pPr marL="0" marR="0" lvl="0" indent="0" algn="l" defTabSz="914400" rtl="0" eaLnBrk="1" fontAlgn="auto" latinLnBrk="0" hangingPunct="1">
-                        <a:lnSpc>
-                          <a:spcPct val="100000"/>
-                        </a:lnSpc>
-                        <a:spcBef>
-                          <a:spcPts val="0"/>
-                        </a:spcBef>
-                        <a:spcAft>
-                          <a:spcPts val="0"/>
-                        </a:spcAft>
-                        <a:buClrTx/>
-                        <a:buSzTx/>
-                        <a:buFontTx/>
-                        <a:buNone/>
-                        <a:tabLst/>
-                        <a:defRPr/>
-                      </a:pPr>
-                      <a:r>
-                        <a:rPr lang="en-US" altLang="zh-CN" sz="1800" kern="1200" dirty="0">
-                          <a:solidFill>
-                            <a:schemeClr val="dk1"/>
-                          </a:solidFill>
-                          <a:effectLst/>
-                          <a:latin typeface="Times New Roman" panose="02020603050405020304" pitchFamily="18" charset="0"/>
-                          <a:ea typeface="+mn-ea"/>
-                          <a:cs typeface="Times New Roman" panose="02020603050405020304" pitchFamily="18" charset="0"/>
-                        </a:rPr>
-                        <a:t>2.61</a:t>
-                      </a:r>
-                    </a:p>
-                  </a:txBody>
-                  <a:tcPr/>
-                </a:tc>
-                <a:tc>
-                  <a:txBody>
-                    <a:bodyPr/>
-                    <a:lstStyle/>
-                    <a:p>
-                      <a:pPr marL="0" marR="0" lvl="0" indent="0" algn="l" defTabSz="914400" rtl="0" eaLnBrk="1" fontAlgn="auto" latinLnBrk="0" hangingPunct="1">
-                        <a:lnSpc>
-                          <a:spcPct val="100000"/>
-                        </a:lnSpc>
-                        <a:spcBef>
-                          <a:spcPts val="0"/>
-                        </a:spcBef>
-                        <a:spcAft>
-                          <a:spcPts val="0"/>
-                        </a:spcAft>
-                        <a:buClrTx/>
-                        <a:buSzTx/>
-                        <a:buFontTx/>
-                        <a:buNone/>
-                        <a:tabLst/>
-                        <a:defRPr/>
-                      </a:pPr>
-                      <a:r>
-                        <a:rPr lang="en-US" altLang="zh-CN" sz="1800" kern="1200" dirty="0">
-                          <a:solidFill>
-                            <a:schemeClr val="dk1"/>
-                          </a:solidFill>
-                          <a:effectLst/>
-                          <a:latin typeface="Times New Roman" panose="02020603050405020304" pitchFamily="18" charset="0"/>
-                          <a:ea typeface="+mn-ea"/>
-                          <a:cs typeface="Times New Roman" panose="02020603050405020304" pitchFamily="18" charset="0"/>
-                        </a:rPr>
-                        <a:t>2.49</a:t>
-                      </a:r>
-                    </a:p>
-                  </a:txBody>
-                  <a:tcPr/>
-                </a:tc>
-                <a:tc>
-                  <a:txBody>
-                    <a:bodyPr/>
-                    <a:lstStyle/>
-                    <a:p>
-                      <a:endParaRPr lang="zh-CN" altLang="en-US">
-                        <a:latin typeface="Times New Roman" panose="02020603050405020304" pitchFamily="18" charset="0"/>
-                        <a:cs typeface="Times New Roman" panose="02020603050405020304" pitchFamily="18" charset="0"/>
-                      </a:endParaRPr>
-                    </a:p>
-                  </a:txBody>
-                  <a:tcPr/>
-                </a:tc>
-                <a:tc>
-                  <a:txBody>
-                    <a:bodyPr/>
-                    <a:lstStyle/>
-                    <a:p>
-                      <a:endParaRPr lang="zh-CN" altLang="en-US" dirty="0">
-                        <a:latin typeface="Times New Roman" panose="02020603050405020304" pitchFamily="18" charset="0"/>
-                        <a:cs typeface="Times New Roman" panose="02020603050405020304" pitchFamily="18" charset="0"/>
-                      </a:endParaRPr>
-                    </a:p>
-                  </a:txBody>
-                  <a:tcPr/>
-                </a:tc>
-                <a:tc>
-                  <a:txBody>
-                    <a:bodyPr/>
-                    <a:lstStyle/>
-                    <a:p>
-                      <a:endParaRPr lang="zh-CN" altLang="en-US">
-                        <a:latin typeface="Times New Roman" panose="02020603050405020304" pitchFamily="18" charset="0"/>
-                        <a:cs typeface="Times New Roman" panose="02020603050405020304" pitchFamily="18" charset="0"/>
-                      </a:endParaRPr>
-                    </a:p>
-                  </a:txBody>
-                  <a:tcPr/>
-                </a:tc>
-                <a:tc>
-                  <a:txBody>
-                    <a:bodyPr/>
-                    <a:lstStyle/>
-                    <a:p>
-                      <a:endParaRPr lang="zh-CN" altLang="en-US"/>
-                    </a:p>
-                  </a:txBody>
-                  <a:tcPr/>
-                </a:tc>
-                <a:extLst>
-                  <a:ext uri="{0D108BD9-81ED-4DB2-BD59-A6C34878D82A}">
-                    <a16:rowId xmlns:a16="http://schemas.microsoft.com/office/drawing/2014/main" val="3170753781"/>
-                  </a:ext>
-                </a:extLst>
-              </a:tr>
-              <a:tr h="370840">
-                <a:tc>
-                  <a:txBody>
-                    <a:bodyPr/>
-                    <a:lstStyle/>
-                    <a:p>
-                      <a:r>
-                        <a:rPr lang="en-US" altLang="zh-CN" dirty="0">
-                          <a:latin typeface="Times New Roman" panose="02020603050405020304" pitchFamily="18" charset="0"/>
-                          <a:cs typeface="Times New Roman" panose="02020603050405020304" pitchFamily="18" charset="0"/>
-                        </a:rPr>
-                        <a:t>40</a:t>
-                      </a:r>
-                      <a:endParaRPr lang="zh-CN" altLang="en-US" dirty="0">
-                        <a:latin typeface="Times New Roman" panose="02020603050405020304" pitchFamily="18" charset="0"/>
-                        <a:cs typeface="Times New Roman" panose="02020603050405020304" pitchFamily="18" charset="0"/>
-                      </a:endParaRPr>
-                    </a:p>
-                  </a:txBody>
-                  <a:tcPr/>
-                </a:tc>
-                <a:tc>
-                  <a:txBody>
-                    <a:bodyPr/>
-                    <a:lstStyle/>
-                    <a:p>
-                      <a:endParaRPr lang="zh-CN" altLang="en-US" dirty="0">
-                        <a:latin typeface="Times New Roman" panose="02020603050405020304" pitchFamily="18" charset="0"/>
-                        <a:cs typeface="Times New Roman" panose="02020603050405020304" pitchFamily="18" charset="0"/>
-                      </a:endParaRPr>
-                    </a:p>
-                  </a:txBody>
-                  <a:tcPr/>
-                </a:tc>
-                <a:tc>
-                  <a:txBody>
-                    <a:bodyPr/>
-                    <a:lstStyle/>
-                    <a:p>
-                      <a:endParaRPr lang="zh-CN" altLang="en-US">
-                        <a:latin typeface="Times New Roman" panose="02020603050405020304" pitchFamily="18" charset="0"/>
-                        <a:cs typeface="Times New Roman" panose="02020603050405020304" pitchFamily="18" charset="0"/>
-                      </a:endParaRPr>
-                    </a:p>
-                  </a:txBody>
-                  <a:tcPr/>
-                </a:tc>
-                <a:tc>
-                  <a:txBody>
-                    <a:bodyPr/>
-                    <a:lstStyle/>
-                    <a:p>
-                      <a:endParaRPr lang="zh-CN" altLang="en-US" dirty="0">
-                        <a:latin typeface="Times New Roman" panose="02020603050405020304" pitchFamily="18" charset="0"/>
-                        <a:cs typeface="Times New Roman" panose="02020603050405020304" pitchFamily="18" charset="0"/>
-                      </a:endParaRPr>
-                    </a:p>
-                  </a:txBody>
-                  <a:tcPr/>
-                </a:tc>
-                <a:tc>
-                  <a:txBody>
-                    <a:bodyPr/>
-                    <a:lstStyle/>
-                    <a:p>
-                      <a:endParaRPr lang="zh-CN" altLang="en-US">
-                        <a:latin typeface="Times New Roman" panose="02020603050405020304" pitchFamily="18" charset="0"/>
-                        <a:cs typeface="Times New Roman" panose="02020603050405020304" pitchFamily="18" charset="0"/>
-                      </a:endParaRPr>
-                    </a:p>
-                  </a:txBody>
-                  <a:tcPr/>
-                </a:tc>
-                <a:tc>
-                  <a:txBody>
-                    <a:bodyPr/>
-                    <a:lstStyle/>
-                    <a:p>
-                      <a:endParaRPr lang="zh-CN" altLang="en-US" dirty="0">
-                        <a:latin typeface="Times New Roman" panose="02020603050405020304" pitchFamily="18" charset="0"/>
-                        <a:cs typeface="Times New Roman" panose="02020603050405020304" pitchFamily="18" charset="0"/>
-                      </a:endParaRPr>
-                    </a:p>
-                  </a:txBody>
-                  <a:tcPr/>
-                </a:tc>
-                <a:tc>
-                  <a:txBody>
-                    <a:bodyPr/>
-                    <a:lstStyle/>
-                    <a:p>
-                      <a:endParaRPr lang="zh-CN" altLang="en-US">
-                        <a:latin typeface="Times New Roman" panose="02020603050405020304" pitchFamily="18" charset="0"/>
-                        <a:cs typeface="Times New Roman" panose="02020603050405020304" pitchFamily="18" charset="0"/>
-                      </a:endParaRPr>
-                    </a:p>
-                  </a:txBody>
-                  <a:tcPr/>
-                </a:tc>
-                <a:tc>
-                  <a:txBody>
-                    <a:bodyPr/>
-                    <a:lstStyle/>
-                    <a:p>
-                      <a:endParaRPr lang="zh-CN" altLang="en-US">
-                        <a:latin typeface="Times New Roman" panose="02020603050405020304" pitchFamily="18" charset="0"/>
-                        <a:cs typeface="Times New Roman" panose="02020603050405020304" pitchFamily="18" charset="0"/>
-                      </a:endParaRPr>
-                    </a:p>
-                  </a:txBody>
-                  <a:tcPr/>
-                </a:tc>
-                <a:tc>
-                  <a:txBody>
-                    <a:bodyPr/>
-                    <a:lstStyle/>
-                    <a:p>
-                      <a:endParaRPr lang="zh-CN" altLang="en-US"/>
-                    </a:p>
-                  </a:txBody>
-                  <a:tcPr/>
-                </a:tc>
-                <a:extLst>
-                  <a:ext uri="{0D108BD9-81ED-4DB2-BD59-A6C34878D82A}">
-                    <a16:rowId xmlns:a16="http://schemas.microsoft.com/office/drawing/2014/main" val="2897520415"/>
-                  </a:ext>
-                </a:extLst>
-              </a:tr>
-              <a:tr h="370840">
-                <a:tc>
-                  <a:txBody>
-                    <a:bodyPr/>
-                    <a:lstStyle/>
-                    <a:p>
-                      <a:r>
-                        <a:rPr lang="en-US" altLang="zh-CN" dirty="0">
-                          <a:latin typeface="Times New Roman" panose="02020603050405020304" pitchFamily="18" charset="0"/>
-                          <a:cs typeface="Times New Roman" panose="02020603050405020304" pitchFamily="18" charset="0"/>
-                        </a:rPr>
-                        <a:t>48</a:t>
-                      </a:r>
-                      <a:endParaRPr lang="zh-CN" altLang="en-US" dirty="0">
-                        <a:latin typeface="Times New Roman" panose="02020603050405020304" pitchFamily="18" charset="0"/>
-                        <a:cs typeface="Times New Roman" panose="02020603050405020304" pitchFamily="18" charset="0"/>
-                      </a:endParaRPr>
-                    </a:p>
-                  </a:txBody>
-                  <a:tcPr/>
-                </a:tc>
-                <a:tc>
-                  <a:txBody>
-                    <a:bodyPr/>
-                    <a:lstStyle/>
-                    <a:p>
-                      <a:pPr marL="0" marR="0" lvl="0" indent="0" algn="l" defTabSz="914400" rtl="0" eaLnBrk="1" fontAlgn="auto" latinLnBrk="0" hangingPunct="1">
-                        <a:lnSpc>
-                          <a:spcPct val="100000"/>
-                        </a:lnSpc>
-                        <a:spcBef>
-                          <a:spcPts val="0"/>
-                        </a:spcBef>
-                        <a:spcAft>
-                          <a:spcPts val="0"/>
-                        </a:spcAft>
-                        <a:buClrTx/>
-                        <a:buSzTx/>
-                        <a:buFontTx/>
-                        <a:buNone/>
-                        <a:tabLst/>
-                        <a:defRPr/>
-                      </a:pPr>
-                      <a:r>
-                        <a:rPr lang="en-US" altLang="zh-CN" sz="1800" kern="1200" dirty="0">
-                          <a:solidFill>
-                            <a:schemeClr val="dk1"/>
-                          </a:solidFill>
-                          <a:effectLst/>
-                          <a:latin typeface="Times New Roman" panose="02020603050405020304" pitchFamily="18" charset="0"/>
-                          <a:ea typeface="+mn-ea"/>
-                          <a:cs typeface="Times New Roman" panose="02020603050405020304" pitchFamily="18" charset="0"/>
-                        </a:rPr>
-                        <a:t>3.16</a:t>
-                      </a:r>
-                    </a:p>
-                  </a:txBody>
-                  <a:tcPr/>
-                </a:tc>
-                <a:tc>
-                  <a:txBody>
-                    <a:bodyPr/>
-                    <a:lstStyle/>
-                    <a:p>
-                      <a:pPr marL="0" marR="0" lvl="0" indent="0" algn="l" defTabSz="914400" rtl="0" eaLnBrk="1" fontAlgn="auto" latinLnBrk="0" hangingPunct="1">
-                        <a:lnSpc>
-                          <a:spcPct val="100000"/>
-                        </a:lnSpc>
-                        <a:spcBef>
-                          <a:spcPts val="0"/>
-                        </a:spcBef>
-                        <a:spcAft>
-                          <a:spcPts val="0"/>
-                        </a:spcAft>
-                        <a:buClrTx/>
-                        <a:buSzTx/>
-                        <a:buFontTx/>
-                        <a:buNone/>
-                        <a:tabLst/>
-                        <a:defRPr/>
-                      </a:pPr>
-                      <a:r>
-                        <a:rPr lang="en-US" altLang="zh-CN" sz="1800" kern="1200" dirty="0">
-                          <a:solidFill>
-                            <a:schemeClr val="dk1"/>
-                          </a:solidFill>
-                          <a:effectLst/>
-                          <a:latin typeface="Times New Roman" panose="02020603050405020304" pitchFamily="18" charset="0"/>
-                          <a:ea typeface="+mn-ea"/>
-                          <a:cs typeface="Times New Roman" panose="02020603050405020304" pitchFamily="18" charset="0"/>
-                        </a:rPr>
-                        <a:t>2.67</a:t>
-                      </a:r>
-                    </a:p>
-                  </a:txBody>
-                  <a:tcPr/>
-                </a:tc>
-                <a:tc>
-                  <a:txBody>
-                    <a:bodyPr/>
-                    <a:lstStyle/>
-                    <a:p>
-                      <a:pPr marL="0" marR="0" lvl="0" indent="0" algn="l" defTabSz="914400" rtl="0" eaLnBrk="1" fontAlgn="auto" latinLnBrk="0" hangingPunct="1">
-                        <a:lnSpc>
-                          <a:spcPct val="100000"/>
-                        </a:lnSpc>
-                        <a:spcBef>
-                          <a:spcPts val="0"/>
-                        </a:spcBef>
-                        <a:spcAft>
-                          <a:spcPts val="0"/>
-                        </a:spcAft>
-                        <a:buClrTx/>
-                        <a:buSzTx/>
-                        <a:buFontTx/>
-                        <a:buNone/>
-                        <a:tabLst/>
-                        <a:defRPr/>
-                      </a:pPr>
-                      <a:r>
-                        <a:rPr lang="en-US" altLang="zh-CN" sz="1800" kern="1200" dirty="0">
-                          <a:solidFill>
-                            <a:schemeClr val="dk1"/>
-                          </a:solidFill>
-                          <a:effectLst/>
-                          <a:latin typeface="Times New Roman" panose="02020603050405020304" pitchFamily="18" charset="0"/>
-                          <a:ea typeface="+mn-ea"/>
-                          <a:cs typeface="Times New Roman" panose="02020603050405020304" pitchFamily="18" charset="0"/>
-                        </a:rPr>
-                        <a:t>2.34</a:t>
-                      </a:r>
-                    </a:p>
-                  </a:txBody>
-                  <a:tcPr/>
-                </a:tc>
-                <a:tc>
-                  <a:txBody>
-                    <a:bodyPr/>
-                    <a:lstStyle/>
-                    <a:p>
-                      <a:pPr marL="0" marR="0" lvl="0" indent="0" algn="l" defTabSz="914400" rtl="0" eaLnBrk="1" fontAlgn="auto" latinLnBrk="0" hangingPunct="1">
-                        <a:lnSpc>
-                          <a:spcPct val="100000"/>
-                        </a:lnSpc>
-                        <a:spcBef>
-                          <a:spcPts val="0"/>
-                        </a:spcBef>
-                        <a:spcAft>
-                          <a:spcPts val="0"/>
-                        </a:spcAft>
-                        <a:buClrTx/>
-                        <a:buSzTx/>
-                        <a:buFontTx/>
-                        <a:buNone/>
-                        <a:tabLst/>
-                        <a:defRPr/>
-                      </a:pPr>
-                      <a:r>
-                        <a:rPr lang="en-US" altLang="zh-CN" sz="1800" kern="1200" dirty="0">
-                          <a:solidFill>
-                            <a:schemeClr val="dk1"/>
-                          </a:solidFill>
-                          <a:effectLst/>
-                          <a:latin typeface="Times New Roman" panose="02020603050405020304" pitchFamily="18" charset="0"/>
-                          <a:ea typeface="+mn-ea"/>
-                          <a:cs typeface="Times New Roman" panose="02020603050405020304" pitchFamily="18" charset="0"/>
-                        </a:rPr>
-                        <a:t>2.08</a:t>
-                      </a:r>
-                    </a:p>
-                  </a:txBody>
-                  <a:tcPr/>
-                </a:tc>
-                <a:tc>
-                  <a:txBody>
-                    <a:bodyPr/>
-                    <a:lstStyle/>
-                    <a:p>
-                      <a:pPr marL="0" marR="0" lvl="0" indent="0" algn="l" defTabSz="914400" rtl="0" eaLnBrk="1" fontAlgn="auto" latinLnBrk="0" hangingPunct="1">
-                        <a:lnSpc>
-                          <a:spcPct val="100000"/>
-                        </a:lnSpc>
-                        <a:spcBef>
-                          <a:spcPts val="0"/>
-                        </a:spcBef>
-                        <a:spcAft>
-                          <a:spcPts val="0"/>
-                        </a:spcAft>
-                        <a:buClrTx/>
-                        <a:buSzTx/>
-                        <a:buFontTx/>
-                        <a:buNone/>
-                        <a:tabLst/>
-                        <a:defRPr/>
-                      </a:pPr>
-                      <a:r>
-                        <a:rPr lang="en-US" altLang="zh-CN" sz="1800" kern="1200" dirty="0">
-                          <a:solidFill>
-                            <a:schemeClr val="dk1"/>
-                          </a:solidFill>
-                          <a:effectLst/>
-                          <a:latin typeface="Times New Roman" panose="02020603050405020304" pitchFamily="18" charset="0"/>
-                          <a:ea typeface="+mn-ea"/>
-                          <a:cs typeface="Times New Roman" panose="02020603050405020304" pitchFamily="18" charset="0"/>
-                        </a:rPr>
-                        <a:t>1.95</a:t>
-                      </a:r>
-                    </a:p>
-                  </a:txBody>
-                  <a:tcPr/>
-                </a:tc>
-                <a:tc>
-                  <a:txBody>
-                    <a:bodyPr/>
-                    <a:lstStyle/>
-                    <a:p>
-                      <a:pPr marL="0" marR="0" lvl="0" indent="0" algn="l" defTabSz="914400" rtl="0" eaLnBrk="1" fontAlgn="auto" latinLnBrk="0" hangingPunct="1">
-                        <a:lnSpc>
-                          <a:spcPct val="100000"/>
-                        </a:lnSpc>
-                        <a:spcBef>
-                          <a:spcPts val="0"/>
-                        </a:spcBef>
-                        <a:spcAft>
-                          <a:spcPts val="0"/>
-                        </a:spcAft>
-                        <a:buClrTx/>
-                        <a:buSzTx/>
-                        <a:buFontTx/>
-                        <a:buNone/>
-                        <a:tabLst/>
-                        <a:defRPr/>
-                      </a:pPr>
-                      <a:r>
-                        <a:rPr lang="en-US" altLang="zh-CN" sz="1800" kern="1200" dirty="0">
-                          <a:solidFill>
-                            <a:schemeClr val="dk1"/>
-                          </a:solidFill>
-                          <a:effectLst/>
-                          <a:latin typeface="Times New Roman" panose="02020603050405020304" pitchFamily="18" charset="0"/>
-                          <a:ea typeface="+mn-ea"/>
-                          <a:cs typeface="Times New Roman" panose="02020603050405020304" pitchFamily="18" charset="0"/>
-                        </a:rPr>
-                        <a:t>1.78</a:t>
-                      </a:r>
-                    </a:p>
-                  </a:txBody>
-                  <a:tcPr/>
-                </a:tc>
-                <a:tc>
-                  <a:txBody>
-                    <a:bodyPr/>
-                    <a:lstStyle/>
-                    <a:p>
-                      <a:pPr marL="0" marR="0" lvl="0" indent="0" algn="l" defTabSz="914400" rtl="0" eaLnBrk="1" fontAlgn="auto" latinLnBrk="0" hangingPunct="1">
-                        <a:lnSpc>
-                          <a:spcPct val="100000"/>
-                        </a:lnSpc>
-                        <a:spcBef>
-                          <a:spcPts val="0"/>
-                        </a:spcBef>
-                        <a:spcAft>
-                          <a:spcPts val="0"/>
-                        </a:spcAft>
-                        <a:buClrTx/>
-                        <a:buSzTx/>
-                        <a:buFontTx/>
-                        <a:buNone/>
-                        <a:tabLst/>
-                        <a:defRPr/>
-                      </a:pPr>
-                      <a:r>
-                        <a:rPr lang="en-US" altLang="zh-CN" sz="1800" kern="1200" dirty="0">
-                          <a:solidFill>
-                            <a:schemeClr val="dk1"/>
-                          </a:solidFill>
-                          <a:effectLst/>
-                          <a:latin typeface="Times New Roman" panose="02020603050405020304" pitchFamily="18" charset="0"/>
-                          <a:ea typeface="+mn-ea"/>
-                          <a:cs typeface="Times New Roman" panose="02020603050405020304" pitchFamily="18" charset="0"/>
-                        </a:rPr>
-                        <a:t>1.47</a:t>
-                      </a:r>
-                    </a:p>
-                  </a:txBody>
-                  <a:tcPr/>
-                </a:tc>
-                <a:tc>
-                  <a:txBody>
-                    <a:bodyPr/>
-                    <a:lstStyle/>
-                    <a:p>
-                      <a:endParaRPr lang="zh-CN" altLang="en-US" dirty="0"/>
-                    </a:p>
-                  </a:txBody>
-                  <a:tcPr/>
-                </a:tc>
-                <a:extLst>
-                  <a:ext uri="{0D108BD9-81ED-4DB2-BD59-A6C34878D82A}">
-                    <a16:rowId xmlns:a16="http://schemas.microsoft.com/office/drawing/2014/main" val="2212377042"/>
-                  </a:ext>
-                </a:extLst>
-              </a:tr>
-            </a:tbl>
-          </a:graphicData>
-        </a:graphic>
-      </p:graphicFrame>
-      <p:sp>
-        <p:nvSpPr>
-          <p:cNvPr id="3" name="文本框 2">
-            <a:extLst>
-              <a:ext uri="{FF2B5EF4-FFF2-40B4-BE49-F238E27FC236}">
-                <a16:creationId xmlns:a16="http://schemas.microsoft.com/office/drawing/2014/main" id="{E634996C-E757-F54C-9169-CC55900C3E6C}"/>
-              </a:ext>
-            </a:extLst>
-          </p:cNvPr>
-          <p:cNvSpPr txBox="1"/>
-          <p:nvPr/>
-        </p:nvSpPr>
-        <p:spPr>
-          <a:xfrm>
-            <a:off x="1229446" y="5243905"/>
-            <a:ext cx="8421700" cy="923330"/>
-          </a:xfrm>
-          <a:prstGeom prst="rect">
-            <a:avLst/>
-          </a:prstGeom>
-          <a:noFill/>
-        </p:spPr>
-        <p:txBody>
-          <a:bodyPr wrap="square" rtlCol="0">
-            <a:spAutoFit/>
-          </a:bodyPr>
-          <a:lstStyle/>
-          <a:p>
-            <a:r>
-              <a:rPr kumimoji="1" lang="en-US" altLang="zh-CN" dirty="0">
-                <a:latin typeface="Times New Roman" panose="02020603050405020304" pitchFamily="18" charset="0"/>
-                <a:cs typeface="Times New Roman" panose="02020603050405020304" pitchFamily="18" charset="0"/>
-              </a:rPr>
-              <a:t>I recalculated Lx = 48 on D = 8000. The energy value is lower than before by at least 0.02. The state of Lx=48 we get previously may be trapped to local minimum thus the correlation may not right.</a:t>
-            </a:r>
-            <a:endParaRPr kumimoji="1" lang="zh-CN" altLang="en-US" dirty="0">
-              <a:latin typeface="Times New Roman" panose="02020603050405020304" pitchFamily="18" charset="0"/>
-              <a:cs typeface="Times New Roman" panose="02020603050405020304" pitchFamily="18" charset="0"/>
-            </a:endParaRPr>
-          </a:p>
-        </p:txBody>
-      </p:sp>
-    </p:spTree>
-    <p:extLst>
-      <p:ext uri="{BB962C8B-B14F-4D97-AF65-F5344CB8AC3E}">
-        <p14:creationId xmlns:p14="http://schemas.microsoft.com/office/powerpoint/2010/main" val="902149289"/>
-      </p:ext>
-    </p:extLst>
-  </p:cSld>
-  <p:clrMapOvr>
-    <a:masterClrMapping/>
-  </p:clrMapOvr>
-</p:sld>
-</file>
-
-<file path=ppt/slides/slide4.xml><?xml version="1.0" encoding="utf-8"?>
-<p:sld xmlns:a="http://schemas.openxmlformats.org/drawingml/2006/main" xmlns:r="http://schemas.openxmlformats.org/officeDocument/2006/relationships" xmlns:p="http://schemas.openxmlformats.org/presentationml/2006/main">
-  <p:cSld>
-    <p:spTree>
-      <p:nvGrpSpPr>
-        <p:cNvPr id="1" name=""/>
-        <p:cNvGrpSpPr/>
-        <p:nvPr/>
-      </p:nvGrpSpPr>
-      <p:grpSpPr>
-        <a:xfrm>
-          <a:off x="0" y="0"/>
-          <a:ext cx="0" cy="0"/>
-          <a:chOff x="0" y="0"/>
-          <a:chExt cx="0" cy="0"/>
-        </a:xfrm>
-      </p:grpSpPr>
-      <mc:AlternateContent xmlns:mc="http://schemas.openxmlformats.org/markup-compatibility/2006" xmlns:a14="http://schemas.microsoft.com/office/drawing/2010/main">
-        <mc:Choice Requires="a14">
-          <p:sp>
-            <p:nvSpPr>
-              <p:cNvPr id="4" name="文本框 3">
-                <a:extLst>
-                  <a:ext uri="{FF2B5EF4-FFF2-40B4-BE49-F238E27FC236}">
-                    <a16:creationId xmlns:a16="http://schemas.microsoft.com/office/drawing/2014/main" id="{728F85E9-9DCF-A148-9D68-C682AA7D6BA0}"/>
-                  </a:ext>
-                </a:extLst>
-              </p:cNvPr>
-              <p:cNvSpPr txBox="1"/>
-              <p:nvPr/>
-            </p:nvSpPr>
-            <p:spPr>
-              <a:xfrm>
-                <a:off x="653143" y="284309"/>
-                <a:ext cx="6531428" cy="646331"/>
-              </a:xfrm>
-              <a:prstGeom prst="rect">
-                <a:avLst/>
-              </a:prstGeom>
-              <a:noFill/>
-            </p:spPr>
-            <p:txBody>
-              <a:bodyPr wrap="square" rtlCol="0">
-                <a:spAutoFit/>
-              </a:bodyPr>
-              <a:lstStyle/>
-              <a:p>
-                <a:r>
-                  <a:rPr kumimoji="1" lang="en-US" altLang="zh-CN" sz="3600" dirty="0">
-                    <a:latin typeface="Times New Roman" panose="02020603050405020304" pitchFamily="18" charset="0"/>
-                    <a:cs typeface="Times New Roman" panose="02020603050405020304" pitchFamily="18" charset="0"/>
-                  </a:rPr>
-                  <a:t>Fit </a:t>
-                </a:r>
-                <a14:m>
-                  <m:oMath xmlns:m="http://schemas.openxmlformats.org/officeDocument/2006/math">
-                    <m:sSub>
-                      <m:sSubPr>
-                        <m:ctrlPr>
-                          <a:rPr kumimoji="1" lang="en-US" altLang="zh-CN" sz="3600" i="1" dirty="0" smtClean="0">
-                            <a:latin typeface="Cambria Math" panose="02040503050406030204" pitchFamily="18" charset="0"/>
-                          </a:rPr>
-                        </m:ctrlPr>
-                      </m:sSubPr>
-                      <m:e>
-                        <m:r>
-                          <a:rPr kumimoji="1" lang="en-US" altLang="zh-CN" sz="3600" i="1" dirty="0" smtClean="0">
-                            <a:latin typeface="Cambria Math" panose="02040503050406030204" pitchFamily="18" charset="0"/>
-                          </a:rPr>
-                          <m:t>𝐾</m:t>
-                        </m:r>
-                      </m:e>
-                      <m:sub>
-                        <m:r>
-                          <a:rPr kumimoji="1" lang="en-US" altLang="zh-CN" sz="3600" i="1" dirty="0" smtClean="0">
-                            <a:latin typeface="Cambria Math" panose="02040503050406030204" pitchFamily="18" charset="0"/>
-                          </a:rPr>
-                          <m:t>𝑐</m:t>
-                        </m:r>
-                      </m:sub>
-                    </m:sSub>
-                  </m:oMath>
-                </a14:m>
-                <a:r>
-                  <a:rPr kumimoji="1" lang="en-US" altLang="zh-CN" sz="3600" dirty="0">
-                    <a:latin typeface="Times New Roman" panose="02020603050405020304" pitchFamily="18" charset="0"/>
-                    <a:cs typeface="Times New Roman" panose="02020603050405020304" pitchFamily="18" charset="0"/>
-                  </a:rPr>
-                  <a:t> from </a:t>
-                </a:r>
-                <a14:m>
-                  <m:oMath xmlns:m="http://schemas.openxmlformats.org/officeDocument/2006/math">
-                    <m:sSub>
-                      <m:sSubPr>
-                        <m:ctrlPr>
-                          <a:rPr kumimoji="1" lang="en-US" altLang="zh-CN" sz="3600" i="1" dirty="0" smtClean="0">
-                            <a:latin typeface="Cambria Math" panose="02040503050406030204" pitchFamily="18" charset="0"/>
-                          </a:rPr>
-                        </m:ctrlPr>
-                      </m:sSubPr>
-                      <m:e>
-                        <m:r>
-                          <a:rPr kumimoji="1" lang="en-US" altLang="zh-CN" sz="3600" i="1" dirty="0" smtClean="0">
-                            <a:latin typeface="Cambria Math" panose="02040503050406030204" pitchFamily="18" charset="0"/>
-                          </a:rPr>
-                          <m:t>𝐴</m:t>
-                        </m:r>
-                      </m:e>
-                      <m:sub>
-                        <m:r>
-                          <a:rPr kumimoji="1" lang="en-US" altLang="zh-CN" sz="3600" i="1" dirty="0" smtClean="0">
-                            <a:latin typeface="Cambria Math" panose="02040503050406030204" pitchFamily="18" charset="0"/>
-                          </a:rPr>
-                          <m:t>𝑐𝑑𝑤</m:t>
-                        </m:r>
-                      </m:sub>
-                    </m:sSub>
-                  </m:oMath>
-                </a14:m>
-                <a:endParaRPr kumimoji="1" lang="zh-CN" altLang="en-US" sz="3600" dirty="0">
-                  <a:latin typeface="Times New Roman" panose="02020603050405020304" pitchFamily="18" charset="0"/>
-                  <a:cs typeface="Times New Roman" panose="02020603050405020304" pitchFamily="18" charset="0"/>
-                </a:endParaRPr>
-              </a:p>
-            </p:txBody>
-          </p:sp>
-        </mc:Choice>
-        <mc:Fallback xmlns="">
-          <p:sp>
-            <p:nvSpPr>
-              <p:cNvPr id="4" name="文本框 3">
-                <a:extLst>
-                  <a:ext uri="{FF2B5EF4-FFF2-40B4-BE49-F238E27FC236}">
-                    <a16:creationId xmlns:a16="http://schemas.microsoft.com/office/drawing/2014/main" id="{728F85E9-9DCF-A148-9D68-C682AA7D6BA0}"/>
-                  </a:ext>
-                </a:extLst>
-              </p:cNvPr>
-              <p:cNvSpPr txBox="1">
-                <a:spLocks noRot="1" noChangeAspect="1" noMove="1" noResize="1" noEditPoints="1" noAdjustHandles="1" noChangeArrowheads="1" noChangeShapeType="1" noTextEdit="1"/>
-              </p:cNvSpPr>
-              <p:nvPr/>
-            </p:nvSpPr>
-            <p:spPr>
-              <a:xfrm>
-                <a:off x="653143" y="284309"/>
-                <a:ext cx="6531428" cy="646331"/>
-              </a:xfrm>
-              <a:prstGeom prst="rect">
-                <a:avLst/>
-              </a:prstGeom>
-              <a:blipFill>
-                <a:blip r:embed="rId3"/>
-                <a:stretch>
-                  <a:fillRect l="-2913" t="-15385" b="-32692"/>
-                </a:stretch>
-              </a:blipFill>
-            </p:spPr>
-            <p:txBody>
-              <a:bodyPr/>
-              <a:lstStyle/>
-              <a:p>
-                <a:r>
-                  <a:rPr lang="zh-CN" altLang="en-US">
-                    <a:noFill/>
-                  </a:rPr>
-                  <a:t> </a:t>
-                </a:r>
-              </a:p>
-            </p:txBody>
-          </p:sp>
-        </mc:Fallback>
-      </mc:AlternateContent>
-      <mc:AlternateContent xmlns:mc="http://schemas.openxmlformats.org/markup-compatibility/2006">
-        <mc:Choice xmlns:a14="http://schemas.microsoft.com/office/drawing/2010/main" Requires="a14">
-          <p:sp>
-            <p:nvSpPr>
-              <p:cNvPr id="9" name="文本框 8">
-                <a:extLst>
-                  <a:ext uri="{FF2B5EF4-FFF2-40B4-BE49-F238E27FC236}">
-                    <a16:creationId xmlns:a16="http://schemas.microsoft.com/office/drawing/2014/main" id="{80C32E13-0BEA-8B47-9B69-0BEA0128F327}"/>
-                  </a:ext>
-                </a:extLst>
-              </p:cNvPr>
-              <p:cNvSpPr txBox="1"/>
-              <p:nvPr/>
-            </p:nvSpPr>
-            <p:spPr>
-              <a:xfrm>
-                <a:off x="6600585" y="5553840"/>
-                <a:ext cx="3019825" cy="612732"/>
-              </a:xfrm>
-              <a:prstGeom prst="rect">
-                <a:avLst/>
-              </a:prstGeom>
-              <a:noFill/>
-            </p:spPr>
-            <p:txBody>
-              <a:bodyPr wrap="square" rtlCol="0">
-                <a:spAutoFit/>
-              </a:bodyPr>
-              <a:lstStyle/>
-              <a:p>
-                <a:pPr/>
-                <a14:m>
-                  <m:oMathPara xmlns:m="http://schemas.openxmlformats.org/officeDocument/2006/math">
-                    <m:oMathParaPr>
-                      <m:jc m:val="centerGroup"/>
-                    </m:oMathParaPr>
-                    <m:oMath xmlns:m="http://schemas.openxmlformats.org/officeDocument/2006/math">
-                      <m:f>
-                        <m:fPr>
-                          <m:ctrlPr>
-                            <a:rPr kumimoji="1" lang="en-US" altLang="zh-CN" b="0" i="1" smtClean="0">
-                              <a:latin typeface="Cambria Math" panose="02040503050406030204" pitchFamily="18" charset="0"/>
-                            </a:rPr>
-                          </m:ctrlPr>
-                        </m:fPr>
-                        <m:num>
-                          <m:r>
-                            <a:rPr kumimoji="1" lang="en-US" altLang="zh-CN" b="0" i="1" smtClean="0">
-                              <a:latin typeface="Cambria Math" panose="02040503050406030204" pitchFamily="18" charset="0"/>
-                            </a:rPr>
-                            <m:t>1</m:t>
-                          </m:r>
-                        </m:num>
-                        <m:den>
-                          <m:r>
-                            <a:rPr kumimoji="1" lang="en-US" altLang="zh-CN" b="0" i="1" smtClean="0">
-                              <a:latin typeface="Cambria Math" panose="02040503050406030204" pitchFamily="18" charset="0"/>
-                            </a:rPr>
-                            <m:t>0.</m:t>
-                          </m:r>
-                          <m:r>
-                            <a:rPr kumimoji="1" lang="en-US" altLang="zh-CN" b="0" i="1" smtClean="0">
-                              <a:latin typeface="Cambria Math" panose="02040503050406030204" pitchFamily="18" charset="0"/>
-                            </a:rPr>
-                            <m:t>874</m:t>
-                          </m:r>
-                        </m:den>
-                      </m:f>
-                      <m:r>
-                        <a:rPr kumimoji="1" lang="en-US" altLang="zh-CN" i="1">
-                          <a:latin typeface="Cambria Math" panose="02040503050406030204" pitchFamily="18" charset="0"/>
-                        </a:rPr>
-                        <m:t>=</m:t>
-                      </m:r>
-                      <m:r>
-                        <a:rPr kumimoji="1" lang="en-US" altLang="zh-CN" i="1">
-                          <a:latin typeface="Cambria Math" panose="02040503050406030204" pitchFamily="18" charset="0"/>
-                        </a:rPr>
-                        <m:t>1.1436</m:t>
-                      </m:r>
-                    </m:oMath>
-                  </m:oMathPara>
-                </a14:m>
-                <a:endParaRPr kumimoji="1" lang="zh-CN" altLang="en-US" dirty="0"/>
-              </a:p>
-            </p:txBody>
-          </p:sp>
-        </mc:Choice>
-        <mc:Fallback>
-          <p:sp>
-            <p:nvSpPr>
-              <p:cNvPr id="9" name="文本框 8">
-                <a:extLst>
-                  <a:ext uri="{FF2B5EF4-FFF2-40B4-BE49-F238E27FC236}">
-                    <a16:creationId xmlns:a16="http://schemas.microsoft.com/office/drawing/2014/main" id="{80C32E13-0BEA-8B47-9B69-0BEA0128F327}"/>
-                  </a:ext>
-                </a:extLst>
-              </p:cNvPr>
-              <p:cNvSpPr txBox="1">
-                <a:spLocks noRot="1" noChangeAspect="1" noMove="1" noResize="1" noEditPoints="1" noAdjustHandles="1" noChangeArrowheads="1" noChangeShapeType="1" noTextEdit="1"/>
-              </p:cNvSpPr>
-              <p:nvPr/>
-            </p:nvSpPr>
-            <p:spPr>
-              <a:xfrm>
-                <a:off x="6600585" y="5553840"/>
-                <a:ext cx="3019825" cy="612732"/>
-              </a:xfrm>
-              <a:prstGeom prst="rect">
-                <a:avLst/>
-              </a:prstGeom>
-              <a:blipFill>
-                <a:blip r:embed="rId4"/>
-                <a:stretch>
-                  <a:fillRect b="-4082"/>
-                </a:stretch>
-              </a:blipFill>
-            </p:spPr>
-            <p:txBody>
-              <a:bodyPr/>
-              <a:lstStyle/>
-              <a:p>
-                <a:r>
-                  <a:rPr lang="zh-CN" altLang="en-US">
-                    <a:noFill/>
-                  </a:rPr>
-                  <a:t> </a:t>
-                </a:r>
-              </a:p>
-            </p:txBody>
-          </p:sp>
-        </mc:Fallback>
-      </mc:AlternateContent>
-      <mc:AlternateContent xmlns:mc="http://schemas.openxmlformats.org/markup-compatibility/2006" xmlns:a14="http://schemas.microsoft.com/office/drawing/2010/main">
-        <mc:Choice Requires="a14">
-          <p:sp>
-            <p:nvSpPr>
-              <p:cNvPr id="10" name="文本框 9">
-                <a:extLst>
-                  <a:ext uri="{FF2B5EF4-FFF2-40B4-BE49-F238E27FC236}">
-                    <a16:creationId xmlns:a16="http://schemas.microsoft.com/office/drawing/2014/main" id="{12A3FB64-A5D3-B347-A542-BA5E1BE786C3}"/>
-                  </a:ext>
-                </a:extLst>
-              </p:cNvPr>
-              <p:cNvSpPr txBox="1"/>
-              <p:nvPr/>
-            </p:nvSpPr>
-            <p:spPr>
-              <a:xfrm>
-                <a:off x="6285540" y="930640"/>
-                <a:ext cx="4303059" cy="2700163"/>
-              </a:xfrm>
-              <a:prstGeom prst="rect">
-                <a:avLst/>
-              </a:prstGeom>
-              <a:noFill/>
-            </p:spPr>
-            <p:txBody>
-              <a:bodyPr wrap="square" rtlCol="0">
-                <a:spAutoFit/>
-              </a:bodyPr>
-              <a:lstStyle/>
-              <a:p>
-                <a:r>
-                  <a:rPr kumimoji="1" lang="en-US" altLang="zh-CN" dirty="0">
-                    <a:latin typeface="Times New Roman" panose="02020603050405020304" pitchFamily="18" charset="0"/>
-                    <a:cs typeface="Times New Roman" panose="02020603050405020304" pitchFamily="18" charset="0"/>
-                  </a:rPr>
-                  <a:t>The procedure of get the </a:t>
-                </a:r>
-                <a14:m>
-                  <m:oMath xmlns:m="http://schemas.openxmlformats.org/officeDocument/2006/math">
-                    <m:sSub>
-                      <m:sSubPr>
-                        <m:ctrlPr>
-                          <a:rPr kumimoji="1" lang="en-US" altLang="zh-CN" i="1" dirty="0" smtClean="0">
-                            <a:latin typeface="Cambria Math" panose="02040503050406030204" pitchFamily="18" charset="0"/>
-                            <a:cs typeface="Times New Roman" panose="02020603050405020304" pitchFamily="18" charset="0"/>
-                          </a:rPr>
-                        </m:ctrlPr>
-                      </m:sSubPr>
-                      <m:e>
-                        <m:r>
-                          <a:rPr kumimoji="1" lang="en-US" altLang="zh-CN" i="1" dirty="0" smtClean="0">
-                            <a:latin typeface="Cambria Math" panose="02040503050406030204" pitchFamily="18" charset="0"/>
-                            <a:cs typeface="Times New Roman" panose="02020603050405020304" pitchFamily="18" charset="0"/>
-                          </a:rPr>
-                          <m:t>𝐴</m:t>
-                        </m:r>
-                      </m:e>
-                      <m:sub>
-                        <m:r>
-                          <a:rPr kumimoji="1" lang="en-US" altLang="zh-CN" i="1" dirty="0" smtClean="0">
-                            <a:latin typeface="Cambria Math" panose="02040503050406030204" pitchFamily="18" charset="0"/>
-                            <a:cs typeface="Times New Roman" panose="02020603050405020304" pitchFamily="18" charset="0"/>
-                          </a:rPr>
-                          <m:t>𝑐𝑑𝑤</m:t>
-                        </m:r>
-                      </m:sub>
-                    </m:sSub>
-                  </m:oMath>
-                </a14:m>
-                <a:r>
-                  <a:rPr kumimoji="1" lang="en-US" altLang="zh-CN" dirty="0">
-                    <a:latin typeface="Times New Roman" panose="02020603050405020304" pitchFamily="18" charset="0"/>
-                    <a:cs typeface="Times New Roman" panose="02020603050405020304" pitchFamily="18" charset="0"/>
-                  </a:rPr>
-                  <a:t>:</a:t>
-                </a:r>
-              </a:p>
-              <a:p>
-                <a:pPr marL="342900" indent="-342900">
-                  <a:buAutoNum type="arabicPeriod"/>
-                </a:pPr>
-                <a:r>
-                  <a:rPr kumimoji="1" lang="en-US" altLang="zh-CN" dirty="0">
-                    <a:latin typeface="Times New Roman" panose="02020603050405020304" pitchFamily="18" charset="0"/>
-                    <a:cs typeface="Times New Roman" panose="02020603050405020304" pitchFamily="18" charset="0"/>
-                  </a:rPr>
-                  <a:t>Linearly extrapolate the charge density data </a:t>
-                </a:r>
-                <a14:m>
-                  <m:oMath xmlns:m="http://schemas.openxmlformats.org/officeDocument/2006/math">
-                    <m:r>
-                      <a:rPr kumimoji="1" lang="en-US" altLang="zh-CN" i="1" dirty="0" smtClean="0">
-                        <a:latin typeface="Cambria Math" panose="02040503050406030204" pitchFamily="18" charset="0"/>
-                        <a:cs typeface="Times New Roman" panose="02020603050405020304" pitchFamily="18" charset="0"/>
-                      </a:rPr>
-                      <m:t>𝑛</m:t>
-                    </m:r>
-                    <m:r>
-                      <a:rPr kumimoji="1" lang="en-US" altLang="zh-CN" i="1" dirty="0" smtClean="0">
-                        <a:latin typeface="Cambria Math" panose="02040503050406030204" pitchFamily="18" charset="0"/>
-                        <a:cs typeface="Times New Roman" panose="02020603050405020304" pitchFamily="18" charset="0"/>
-                      </a:rPr>
-                      <m:t>(</m:t>
-                    </m:r>
-                    <m:r>
-                      <a:rPr kumimoji="1" lang="en-US" altLang="zh-CN" i="1" dirty="0" smtClean="0">
-                        <a:latin typeface="Cambria Math" panose="02040503050406030204" pitchFamily="18" charset="0"/>
-                        <a:cs typeface="Times New Roman" panose="02020603050405020304" pitchFamily="18" charset="0"/>
-                      </a:rPr>
-                      <m:t>𝑥</m:t>
-                    </m:r>
-                    <m:r>
-                      <a:rPr kumimoji="1" lang="en-US" altLang="zh-CN" i="1" dirty="0" smtClean="0">
-                        <a:latin typeface="Cambria Math" panose="02040503050406030204" pitchFamily="18" charset="0"/>
-                        <a:cs typeface="Times New Roman" panose="02020603050405020304" pitchFamily="18" charset="0"/>
-                      </a:rPr>
-                      <m:t>) </m:t>
-                    </m:r>
-                  </m:oMath>
-                </a14:m>
-                <a:r>
-                  <a:rPr kumimoji="1" lang="en-US" altLang="zh-CN" dirty="0">
-                    <a:latin typeface="Times New Roman" panose="02020603050405020304" pitchFamily="18" charset="0"/>
-                    <a:cs typeface="Times New Roman" panose="02020603050405020304" pitchFamily="18" charset="0"/>
-                  </a:rPr>
-                  <a:t>to infinite bond dimension. The extrapolation is under the truncation error.</a:t>
-                </a:r>
-              </a:p>
-              <a:p>
-                <a:pPr marL="342900" indent="-342900">
-                  <a:buAutoNum type="arabicPeriod"/>
-                </a:pPr>
-                <a:r>
-                  <a:rPr kumimoji="1" lang="en-US" altLang="zh-CN" dirty="0">
-                    <a:latin typeface="Times New Roman" panose="02020603050405020304" pitchFamily="18" charset="0"/>
-                    <a:cs typeface="Times New Roman" panose="02020603050405020304" pitchFamily="18" charset="0"/>
-                  </a:rPr>
-                  <a:t>Symmetrize the charge density </a:t>
-                </a:r>
-                <a14:m>
-                  <m:oMath xmlns:m="http://schemas.openxmlformats.org/officeDocument/2006/math">
-                    <m:r>
-                      <a:rPr kumimoji="1" lang="en-US" altLang="zh-CN" i="1" dirty="0" smtClean="0">
-                        <a:latin typeface="Cambria Math" panose="02040503050406030204" pitchFamily="18" charset="0"/>
-                        <a:cs typeface="Times New Roman" panose="02020603050405020304" pitchFamily="18" charset="0"/>
-                      </a:rPr>
-                      <m:t>𝑛</m:t>
-                    </m:r>
-                    <m:r>
-                      <a:rPr kumimoji="1" lang="en-US" altLang="zh-CN" i="1" dirty="0" smtClean="0">
-                        <a:latin typeface="Cambria Math" panose="02040503050406030204" pitchFamily="18" charset="0"/>
-                        <a:cs typeface="Times New Roman" panose="02020603050405020304" pitchFamily="18" charset="0"/>
-                      </a:rPr>
-                      <m:t>(</m:t>
-                    </m:r>
-                    <m:r>
-                      <a:rPr kumimoji="1" lang="en-US" altLang="zh-CN" i="1" dirty="0" smtClean="0">
-                        <a:latin typeface="Cambria Math" panose="02040503050406030204" pitchFamily="18" charset="0"/>
-                        <a:cs typeface="Times New Roman" panose="02020603050405020304" pitchFamily="18" charset="0"/>
-                      </a:rPr>
-                      <m:t>𝑥</m:t>
-                    </m:r>
-                    <m:r>
-                      <a:rPr kumimoji="1" lang="en-US" altLang="zh-CN" i="1" dirty="0" smtClean="0">
-                        <a:latin typeface="Cambria Math" panose="02040503050406030204" pitchFamily="18" charset="0"/>
-                        <a:cs typeface="Times New Roman" panose="02020603050405020304" pitchFamily="18" charset="0"/>
-                      </a:rPr>
-                      <m:t>) </m:t>
-                    </m:r>
-                  </m:oMath>
-                </a14:m>
-                <a:r>
-                  <a:rPr kumimoji="1" lang="en-US" altLang="zh-CN" dirty="0">
-                    <a:latin typeface="Times New Roman" panose="02020603050405020304" pitchFamily="18" charset="0"/>
-                    <a:cs typeface="Times New Roman" panose="02020603050405020304" pitchFamily="18" charset="0"/>
-                  </a:rPr>
-                  <a:t>by reflection symmetry.</a:t>
-                </a:r>
-              </a:p>
-              <a:p>
-                <a:pPr marL="342900" indent="-342900">
-                  <a:buAutoNum type="arabicPeriod"/>
-                </a:pPr>
-                <a:r>
-                  <a:rPr kumimoji="1" lang="en-US" altLang="zh-CN" dirty="0">
-                    <a:latin typeface="Times New Roman" panose="02020603050405020304" pitchFamily="18" charset="0"/>
-                    <a:cs typeface="Times New Roman" panose="02020603050405020304" pitchFamily="18" charset="0"/>
-                  </a:rPr>
-                  <a:t>Fit </a:t>
-                </a:r>
-                <a14:m>
-                  <m:oMath xmlns:m="http://schemas.openxmlformats.org/officeDocument/2006/math">
-                    <m:sSub>
-                      <m:sSubPr>
-                        <m:ctrlPr>
-                          <a:rPr kumimoji="1" lang="en-US" altLang="zh-CN" i="1" dirty="0" smtClean="0">
-                            <a:latin typeface="Cambria Math" panose="02040503050406030204" pitchFamily="18" charset="0"/>
-                            <a:cs typeface="Times New Roman" panose="02020603050405020304" pitchFamily="18" charset="0"/>
-                          </a:rPr>
-                        </m:ctrlPr>
-                      </m:sSubPr>
-                      <m:e>
-                        <m:r>
-                          <a:rPr kumimoji="1" lang="en-US" altLang="zh-CN" i="1" dirty="0" smtClean="0">
-                            <a:latin typeface="Cambria Math" panose="02040503050406030204" pitchFamily="18" charset="0"/>
-                            <a:cs typeface="Times New Roman" panose="02020603050405020304" pitchFamily="18" charset="0"/>
-                          </a:rPr>
-                          <m:t>𝐴</m:t>
-                        </m:r>
-                      </m:e>
-                      <m:sub>
-                        <m:r>
-                          <a:rPr kumimoji="1" lang="en-US" altLang="zh-CN" i="1" dirty="0" smtClean="0">
-                            <a:latin typeface="Cambria Math" panose="02040503050406030204" pitchFamily="18" charset="0"/>
-                            <a:cs typeface="Times New Roman" panose="02020603050405020304" pitchFamily="18" charset="0"/>
-                          </a:rPr>
-                          <m:t>𝑐𝑑𝑤</m:t>
-                        </m:r>
-                      </m:sub>
-                    </m:sSub>
-                    <m:r>
-                      <a:rPr kumimoji="1" lang="en-US" altLang="zh-CN" i="1" dirty="0">
-                        <a:latin typeface="Cambria Math" panose="02040503050406030204" pitchFamily="18" charset="0"/>
-                        <a:cs typeface="Times New Roman" panose="02020603050405020304" pitchFamily="18" charset="0"/>
-                      </a:rPr>
-                      <m:t> </m:t>
-                    </m:r>
-                  </m:oMath>
-                </a14:m>
-                <a:r>
-                  <a:rPr kumimoji="1" lang="en-US" altLang="zh-CN" dirty="0">
-                    <a:latin typeface="Times New Roman" panose="02020603050405020304" pitchFamily="18" charset="0"/>
-                    <a:cs typeface="Times New Roman" panose="02020603050405020304" pitchFamily="18" charset="0"/>
-                  </a:rPr>
-                  <a:t>from </a:t>
-                </a:r>
-                <a14:m>
-                  <m:oMath xmlns:m="http://schemas.openxmlformats.org/officeDocument/2006/math">
-                    <m:f>
-                      <m:fPr>
-                        <m:ctrlPr>
-                          <a:rPr kumimoji="1" lang="en-US" altLang="zh-CN" i="1" dirty="0" smtClean="0">
-                            <a:latin typeface="Cambria Math" panose="02040503050406030204" pitchFamily="18" charset="0"/>
-                            <a:cs typeface="Times New Roman" panose="02020603050405020304" pitchFamily="18" charset="0"/>
-                          </a:rPr>
-                        </m:ctrlPr>
-                      </m:fPr>
-                      <m:num>
-                        <m:sSub>
-                          <m:sSubPr>
-                            <m:ctrlPr>
-                              <a:rPr kumimoji="1" lang="en-US" altLang="zh-CN" b="0" i="1" dirty="0" smtClean="0">
-                                <a:latin typeface="Cambria Math" panose="02040503050406030204" pitchFamily="18" charset="0"/>
-                                <a:cs typeface="Times New Roman" panose="02020603050405020304" pitchFamily="18" charset="0"/>
-                              </a:rPr>
-                            </m:ctrlPr>
-                          </m:sSubPr>
-                          <m:e>
-                            <m:r>
-                              <a:rPr kumimoji="1" lang="en-US" altLang="zh-CN" i="1" dirty="0" smtClean="0">
-                                <a:latin typeface="Cambria Math" panose="02040503050406030204" pitchFamily="18" charset="0"/>
-                                <a:cs typeface="Times New Roman" panose="02020603050405020304" pitchFamily="18" charset="0"/>
-                              </a:rPr>
-                              <m:t>𝐿</m:t>
-                            </m:r>
-                          </m:e>
-                          <m:sub>
-                            <m:r>
-                              <a:rPr kumimoji="1" lang="en-US" altLang="zh-CN" i="1" dirty="0" smtClean="0">
-                                <a:latin typeface="Cambria Math" panose="02040503050406030204" pitchFamily="18" charset="0"/>
-                                <a:cs typeface="Times New Roman" panose="02020603050405020304" pitchFamily="18" charset="0"/>
-                              </a:rPr>
-                              <m:t>𝑥</m:t>
-                            </m:r>
-                          </m:sub>
-                        </m:sSub>
-                      </m:num>
-                      <m:den>
-                        <m:r>
-                          <a:rPr kumimoji="1" lang="en-US" altLang="zh-CN" i="1" dirty="0" smtClean="0">
-                            <a:latin typeface="Cambria Math" panose="02040503050406030204" pitchFamily="18" charset="0"/>
-                            <a:cs typeface="Times New Roman" panose="02020603050405020304" pitchFamily="18" charset="0"/>
-                          </a:rPr>
-                          <m:t>4</m:t>
-                        </m:r>
-                      </m:den>
-                    </m:f>
-                    <m:r>
-                      <a:rPr kumimoji="1" lang="en-US" altLang="zh-CN" i="1" dirty="0" smtClean="0">
-                        <a:latin typeface="Cambria Math" panose="02040503050406030204" pitchFamily="18" charset="0"/>
-                        <a:cs typeface="Times New Roman" panose="02020603050405020304" pitchFamily="18" charset="0"/>
-                      </a:rPr>
-                      <m:t>+1</m:t>
-                    </m:r>
-                  </m:oMath>
-                </a14:m>
-                <a:r>
-                  <a:rPr kumimoji="1" lang="en-US" altLang="zh-CN" dirty="0">
-                    <a:latin typeface="Times New Roman" panose="02020603050405020304" pitchFamily="18" charset="0"/>
-                    <a:cs typeface="Times New Roman" panose="02020603050405020304" pitchFamily="18" charset="0"/>
-                  </a:rPr>
-                  <a:t> to  </a:t>
-                </a:r>
-                <a14:m>
-                  <m:oMath xmlns:m="http://schemas.openxmlformats.org/officeDocument/2006/math">
-                    <m:f>
-                      <m:fPr>
-                        <m:ctrlPr>
-                          <a:rPr kumimoji="1" lang="en-US" altLang="zh-CN" i="1" dirty="0">
-                            <a:latin typeface="Cambria Math" panose="02040503050406030204" pitchFamily="18" charset="0"/>
-                            <a:cs typeface="Times New Roman" panose="02020603050405020304" pitchFamily="18" charset="0"/>
-                          </a:rPr>
-                        </m:ctrlPr>
-                      </m:fPr>
-                      <m:num>
-                        <m:sSub>
-                          <m:sSubPr>
-                            <m:ctrlPr>
-                              <a:rPr kumimoji="1" lang="en-US" altLang="zh-CN" i="1" dirty="0">
-                                <a:latin typeface="Cambria Math" panose="02040503050406030204" pitchFamily="18" charset="0"/>
-                                <a:cs typeface="Times New Roman" panose="02020603050405020304" pitchFamily="18" charset="0"/>
-                              </a:rPr>
-                            </m:ctrlPr>
-                          </m:sSubPr>
-                          <m:e>
-                            <m:r>
-                              <a:rPr kumimoji="1" lang="en-US" altLang="zh-CN" b="0" i="1" dirty="0" smtClean="0">
-                                <a:latin typeface="Cambria Math" panose="02040503050406030204" pitchFamily="18" charset="0"/>
-                                <a:cs typeface="Times New Roman" panose="02020603050405020304" pitchFamily="18" charset="0"/>
-                              </a:rPr>
-                              <m:t>3</m:t>
-                            </m:r>
-                            <m:r>
-                              <a:rPr kumimoji="1" lang="en-US" altLang="zh-CN" i="1" dirty="0">
-                                <a:latin typeface="Cambria Math" panose="02040503050406030204" pitchFamily="18" charset="0"/>
-                                <a:cs typeface="Times New Roman" panose="02020603050405020304" pitchFamily="18" charset="0"/>
-                              </a:rPr>
-                              <m:t>𝐿</m:t>
-                            </m:r>
-                          </m:e>
-                          <m:sub>
-                            <m:r>
-                              <a:rPr kumimoji="1" lang="en-US" altLang="zh-CN" i="1" dirty="0">
-                                <a:latin typeface="Cambria Math" panose="02040503050406030204" pitchFamily="18" charset="0"/>
-                                <a:cs typeface="Times New Roman" panose="02020603050405020304" pitchFamily="18" charset="0"/>
-                              </a:rPr>
-                              <m:t>𝑥</m:t>
-                            </m:r>
-                          </m:sub>
-                        </m:sSub>
-                      </m:num>
-                      <m:den>
-                        <m:r>
-                          <a:rPr kumimoji="1" lang="en-US" altLang="zh-CN" i="1" dirty="0">
-                            <a:latin typeface="Cambria Math" panose="02040503050406030204" pitchFamily="18" charset="0"/>
-                            <a:cs typeface="Times New Roman" panose="02020603050405020304" pitchFamily="18" charset="0"/>
-                          </a:rPr>
-                          <m:t>4</m:t>
-                        </m:r>
-                      </m:den>
-                    </m:f>
-                  </m:oMath>
-                </a14:m>
-                <a:r>
-                  <a:rPr kumimoji="1" lang="en-US" altLang="zh-CN" dirty="0">
-                    <a:latin typeface="Times New Roman" panose="02020603050405020304" pitchFamily="18" charset="0"/>
-                    <a:cs typeface="Times New Roman" panose="02020603050405020304" pitchFamily="18" charset="0"/>
-                  </a:rPr>
-                  <a:t> by sine wave.</a:t>
-                </a:r>
-                <a:endParaRPr kumimoji="1" lang="zh-CN" altLang="en-US" dirty="0">
-                  <a:latin typeface="Times New Roman" panose="02020603050405020304" pitchFamily="18" charset="0"/>
-                  <a:cs typeface="Times New Roman" panose="02020603050405020304" pitchFamily="18" charset="0"/>
-                </a:endParaRPr>
-              </a:p>
-            </p:txBody>
-          </p:sp>
-        </mc:Choice>
-        <mc:Fallback xmlns="">
-          <p:sp>
-            <p:nvSpPr>
-              <p:cNvPr id="10" name="文本框 9">
-                <a:extLst>
-                  <a:ext uri="{FF2B5EF4-FFF2-40B4-BE49-F238E27FC236}">
-                    <a16:creationId xmlns:a16="http://schemas.microsoft.com/office/drawing/2014/main" id="{12A3FB64-A5D3-B347-A542-BA5E1BE786C3}"/>
-                  </a:ext>
-                </a:extLst>
-              </p:cNvPr>
-              <p:cNvSpPr txBox="1">
-                <a:spLocks noRot="1" noChangeAspect="1" noMove="1" noResize="1" noEditPoints="1" noAdjustHandles="1" noChangeArrowheads="1" noChangeShapeType="1" noTextEdit="1"/>
-              </p:cNvSpPr>
-              <p:nvPr/>
-            </p:nvSpPr>
-            <p:spPr>
-              <a:xfrm>
-                <a:off x="6285540" y="930640"/>
-                <a:ext cx="4303059" cy="2700163"/>
-              </a:xfrm>
-              <a:prstGeom prst="rect">
-                <a:avLst/>
-              </a:prstGeom>
-              <a:blipFill>
-                <a:blip r:embed="rId5"/>
-                <a:stretch>
-                  <a:fillRect l="-882" t="-935" r="-1471" b="-1869"/>
-                </a:stretch>
-              </a:blipFill>
-            </p:spPr>
-            <p:txBody>
-              <a:bodyPr/>
-              <a:lstStyle/>
-              <a:p>
-                <a:r>
-                  <a:rPr lang="zh-CN" altLang="en-US">
-                    <a:noFill/>
-                  </a:rPr>
-                  <a:t> </a:t>
-                </a:r>
-              </a:p>
-            </p:txBody>
-          </p:sp>
-        </mc:Fallback>
-      </mc:AlternateContent>
-      <p:pic>
-        <p:nvPicPr>
-          <p:cNvPr id="3" name="图片 2">
-            <a:extLst>
-              <a:ext uri="{FF2B5EF4-FFF2-40B4-BE49-F238E27FC236}">
-                <a16:creationId xmlns:a16="http://schemas.microsoft.com/office/drawing/2014/main" id="{DEF98731-AA41-BC45-9FDA-D47B26B14381}"/>
-              </a:ext>
-            </a:extLst>
-          </p:cNvPr>
-          <p:cNvPicPr>
-            <a:picLocks noChangeAspect="1"/>
-          </p:cNvPicPr>
-          <p:nvPr/>
-        </p:nvPicPr>
-        <p:blipFill>
-          <a:blip r:embed="rId6"/>
-          <a:stretch>
-            <a:fillRect/>
-          </a:stretch>
-        </p:blipFill>
-        <p:spPr>
-          <a:xfrm>
-            <a:off x="506678" y="1806878"/>
-            <a:ext cx="5144609" cy="4053328"/>
-          </a:xfrm>
-          <a:prstGeom prst="rect">
-            <a:avLst/>
-          </a:prstGeom>
-        </p:spPr>
-      </p:pic>
-    </p:spTree>
-    <p:extLst>
-      <p:ext uri="{BB962C8B-B14F-4D97-AF65-F5344CB8AC3E}">
-        <p14:creationId xmlns:p14="http://schemas.microsoft.com/office/powerpoint/2010/main" val="1374167003"/>
-      </p:ext>
-    </p:extLst>
-  </p:cSld>
-  <p:clrMapOvr>
-    <a:masterClrMapping/>
-  </p:clrMapOvr>
-</p:sld>
-</file>
-
-<file path=ppt/slides/slide5.xml><?xml version="1.0" encoding="utf-8"?>
-<p:sld xmlns:a="http://schemas.openxmlformats.org/drawingml/2006/main" xmlns:r="http://schemas.openxmlformats.org/officeDocument/2006/relationships" xmlns:p="http://schemas.openxmlformats.org/presentationml/2006/main">
-  <p:cSld>
-    <p:spTree>
-      <p:nvGrpSpPr>
-        <p:cNvPr id="1" name=""/>
-        <p:cNvGrpSpPr/>
-        <p:nvPr/>
-      </p:nvGrpSpPr>
-      <p:grpSpPr>
-        <a:xfrm>
-          <a:off x="0" y="0"/>
-          <a:ext cx="0" cy="0"/>
-          <a:chOff x="0" y="0"/>
-          <a:chExt cx="0" cy="0"/>
-        </a:xfrm>
-      </p:grpSpPr>
-      <mc:AlternateContent xmlns:mc="http://schemas.openxmlformats.org/markup-compatibility/2006">
-        <mc:Choice xmlns:a14="http://schemas.microsoft.com/office/drawing/2010/main" Requires="a14">
-          <p:sp>
-            <p:nvSpPr>
-              <p:cNvPr id="4" name="文本框 3">
-                <a:extLst>
-                  <a:ext uri="{FF2B5EF4-FFF2-40B4-BE49-F238E27FC236}">
-                    <a16:creationId xmlns:a16="http://schemas.microsoft.com/office/drawing/2014/main" id="{712B0BB5-06FF-254C-8E5E-63FBF240B33C}"/>
-                  </a:ext>
-                </a:extLst>
-              </p:cNvPr>
-              <p:cNvSpPr txBox="1"/>
-              <p:nvPr/>
-            </p:nvSpPr>
-            <p:spPr>
-              <a:xfrm>
-                <a:off x="6808053" y="2230947"/>
-                <a:ext cx="3802315" cy="2722092"/>
-              </a:xfrm>
-              <a:prstGeom prst="rect">
-                <a:avLst/>
-              </a:prstGeom>
-              <a:noFill/>
-            </p:spPr>
-            <p:txBody>
-              <a:bodyPr wrap="square">
-                <a:spAutoFit/>
-              </a:bodyPr>
-              <a:lstStyle/>
-              <a:p>
-                <a:r>
-                  <a:rPr lang="en-US" altLang="zh-CN" dirty="0">
-                    <a:latin typeface="Times New Roman" panose="02020603050405020304" pitchFamily="18" charset="0"/>
-                    <a:cs typeface="Times New Roman" panose="02020603050405020304" pitchFamily="18" charset="0"/>
-                  </a:rPr>
-                  <a:t>In this figure, we measure </a:t>
-                </a:r>
-                <a14:m>
-                  <m:oMath xmlns:m="http://schemas.openxmlformats.org/officeDocument/2006/math">
-                    <m:sSub>
-                      <m:sSubPr>
-                        <m:ctrlPr>
-                          <a:rPr lang="en-US" altLang="zh-CN" i="1">
-                            <a:latin typeface="Cambria Math" panose="02040503050406030204" pitchFamily="18" charset="0"/>
-                            <a:cs typeface="Times New Roman" panose="02020603050405020304" pitchFamily="18" charset="0"/>
-                          </a:rPr>
-                        </m:ctrlPr>
-                      </m:sSubPr>
-                      <m:e>
-                        <m:r>
-                          <m:rPr>
-                            <m:sty m:val="p"/>
-                          </m:rPr>
-                          <a:rPr lang="en-US" altLang="zh-CN">
-                            <a:latin typeface="Cambria Math" panose="02040503050406030204" pitchFamily="18" charset="0"/>
-                            <a:cs typeface="Times New Roman" panose="02020603050405020304" pitchFamily="18" charset="0"/>
-                          </a:rPr>
-                          <m:t>Φ</m:t>
-                        </m:r>
-                      </m:e>
-                      <m:sub>
-                        <m:r>
-                          <a:rPr lang="en-US" altLang="zh-CN" i="1">
-                            <a:latin typeface="Cambria Math" panose="02040503050406030204" pitchFamily="18" charset="0"/>
-                            <a:cs typeface="Times New Roman" panose="02020603050405020304" pitchFamily="18" charset="0"/>
-                          </a:rPr>
-                          <m:t>𝑦𝑦</m:t>
-                        </m:r>
-                      </m:sub>
-                    </m:sSub>
-                    <m:r>
-                      <a:rPr lang="en-US" altLang="zh-CN" i="1">
-                        <a:latin typeface="Cambria Math" panose="02040503050406030204" pitchFamily="18" charset="0"/>
-                        <a:cs typeface="Times New Roman" panose="02020603050405020304" pitchFamily="18" charset="0"/>
-                      </a:rPr>
-                      <m:t>(</m:t>
-                    </m:r>
-                    <m:r>
-                      <a:rPr lang="en-US" altLang="zh-CN" i="1">
-                        <a:latin typeface="Cambria Math" panose="02040503050406030204" pitchFamily="18" charset="0"/>
-                        <a:cs typeface="Times New Roman" panose="02020603050405020304" pitchFamily="18" charset="0"/>
-                      </a:rPr>
-                      <m:t>𝑥</m:t>
-                    </m:r>
-                    <m:r>
-                      <a:rPr lang="en-US" altLang="zh-CN" i="1">
-                        <a:latin typeface="Cambria Math" panose="02040503050406030204" pitchFamily="18" charset="0"/>
-                        <a:cs typeface="Times New Roman" panose="02020603050405020304" pitchFamily="18" charset="0"/>
-                      </a:rPr>
-                      <m:t>)</m:t>
-                    </m:r>
-                  </m:oMath>
-                </a14:m>
-                <a:r>
-                  <a:rPr lang="en-US" altLang="zh-CN" dirty="0">
-                    <a:latin typeface="Times New Roman" panose="02020603050405020304" pitchFamily="18" charset="0"/>
-                    <a:cs typeface="Times New Roman" panose="02020603050405020304" pitchFamily="18" charset="0"/>
-                  </a:rPr>
-                  <a:t> with reference point </a:t>
-                </a:r>
-                <a14:m>
-                  <m:oMath xmlns:m="http://schemas.openxmlformats.org/officeDocument/2006/math">
-                    <m:sSub>
-                      <m:sSubPr>
-                        <m:ctrlPr>
-                          <a:rPr lang="en-US" altLang="zh-CN" b="0" i="1" smtClean="0">
-                            <a:latin typeface="Cambria Math" panose="02040503050406030204" pitchFamily="18" charset="0"/>
-                            <a:cs typeface="Times New Roman" panose="02020603050405020304" pitchFamily="18" charset="0"/>
-                          </a:rPr>
-                        </m:ctrlPr>
-                      </m:sSubPr>
-                      <m:e>
-                        <m:r>
-                          <a:rPr lang="en-US" altLang="zh-CN" b="0" i="1" smtClean="0">
-                            <a:latin typeface="Cambria Math" panose="02040503050406030204" pitchFamily="18" charset="0"/>
-                            <a:cs typeface="Times New Roman" panose="02020603050405020304" pitchFamily="18" charset="0"/>
-                          </a:rPr>
-                          <m:t>𝑥</m:t>
-                        </m:r>
-                      </m:e>
-                      <m:sub>
-                        <m:r>
-                          <a:rPr lang="en-US" altLang="zh-CN" b="0" i="1" smtClean="0">
-                            <a:latin typeface="Cambria Math" panose="02040503050406030204" pitchFamily="18" charset="0"/>
-                            <a:cs typeface="Times New Roman" panose="02020603050405020304" pitchFamily="18" charset="0"/>
-                          </a:rPr>
-                          <m:t>0</m:t>
-                        </m:r>
-                      </m:sub>
-                    </m:sSub>
-                    <m:r>
-                      <a:rPr lang="en-US" altLang="zh-CN" b="0" i="1" smtClean="0">
-                        <a:latin typeface="Cambria Math" panose="02040503050406030204" pitchFamily="18" charset="0"/>
-                        <a:cs typeface="Times New Roman" panose="02020603050405020304" pitchFamily="18" charset="0"/>
-                      </a:rPr>
-                      <m:t>=</m:t>
-                    </m:r>
-                    <m:f>
-                      <m:fPr>
-                        <m:ctrlPr>
-                          <a:rPr lang="en-US" altLang="zh-CN" b="0" i="1" smtClean="0">
-                            <a:latin typeface="Cambria Math" panose="02040503050406030204" pitchFamily="18" charset="0"/>
-                            <a:cs typeface="Times New Roman" panose="02020603050405020304" pitchFamily="18" charset="0"/>
-                          </a:rPr>
-                        </m:ctrlPr>
-                      </m:fPr>
-                      <m:num>
-                        <m:sSub>
-                          <m:sSubPr>
-                            <m:ctrlPr>
-                              <a:rPr lang="en-US" altLang="zh-CN" b="0" i="1" smtClean="0">
-                                <a:latin typeface="Cambria Math" panose="02040503050406030204" pitchFamily="18" charset="0"/>
-                                <a:cs typeface="Times New Roman" panose="02020603050405020304" pitchFamily="18" charset="0"/>
-                              </a:rPr>
-                            </m:ctrlPr>
-                          </m:sSubPr>
-                          <m:e>
-                            <m:r>
-                              <a:rPr lang="en-US" altLang="zh-CN" b="0" i="1" smtClean="0">
-                                <a:latin typeface="Cambria Math" panose="02040503050406030204" pitchFamily="18" charset="0"/>
-                                <a:cs typeface="Times New Roman" panose="02020603050405020304" pitchFamily="18" charset="0"/>
-                              </a:rPr>
-                              <m:t>𝐿</m:t>
-                            </m:r>
-                          </m:e>
-                          <m:sub>
-                            <m:r>
-                              <a:rPr lang="en-US" altLang="zh-CN" b="0" i="1" smtClean="0">
-                                <a:latin typeface="Cambria Math" panose="02040503050406030204" pitchFamily="18" charset="0"/>
-                                <a:cs typeface="Times New Roman" panose="02020603050405020304" pitchFamily="18" charset="0"/>
-                              </a:rPr>
-                              <m:t>𝑥</m:t>
-                            </m:r>
-                          </m:sub>
-                        </m:sSub>
-                      </m:num>
-                      <m:den>
-                        <m:r>
-                          <a:rPr lang="en-US" altLang="zh-CN" b="0" i="1" smtClean="0">
-                            <a:latin typeface="Cambria Math" panose="02040503050406030204" pitchFamily="18" charset="0"/>
-                            <a:cs typeface="Times New Roman" panose="02020603050405020304" pitchFamily="18" charset="0"/>
-                          </a:rPr>
-                          <m:t>4</m:t>
-                        </m:r>
-                      </m:den>
-                    </m:f>
-                    <m:r>
-                      <a:rPr lang="en-US" altLang="zh-CN" b="0" i="1" smtClean="0">
-                        <a:latin typeface="Cambria Math" panose="02040503050406030204" pitchFamily="18" charset="0"/>
-                        <a:cs typeface="Times New Roman" panose="02020603050405020304" pitchFamily="18" charset="0"/>
-                      </a:rPr>
-                      <m:t>+1,</m:t>
-                    </m:r>
-                  </m:oMath>
-                </a14:m>
-                <a:r>
-                  <a:rPr lang="en-US" altLang="zh-CN" dirty="0">
-                    <a:latin typeface="Times New Roman" panose="02020603050405020304" pitchFamily="18" charset="0"/>
-                    <a:cs typeface="Times New Roman" panose="02020603050405020304" pitchFamily="18" charset="0"/>
-                  </a:rPr>
-                  <a:t> (the first rung is labelled as 1)</a:t>
-                </a:r>
-              </a:p>
-              <a:p>
-                <a:r>
-                  <a:rPr lang="en-US" altLang="zh-CN" dirty="0">
-                    <a:latin typeface="Times New Roman" panose="02020603050405020304" pitchFamily="18" charset="0"/>
-                    <a:cs typeface="Times New Roman" panose="02020603050405020304" pitchFamily="18" charset="0"/>
-                  </a:rPr>
-                  <a:t>where </a:t>
-                </a:r>
-                <a14:m>
-                  <m:oMath xmlns:m="http://schemas.openxmlformats.org/officeDocument/2006/math">
-                    <m:sSub>
-                      <m:sSubPr>
-                        <m:ctrlPr>
-                          <a:rPr lang="en-US" altLang="zh-CN" b="0" i="1" dirty="0" smtClean="0">
-                            <a:latin typeface="Cambria Math" panose="02040503050406030204" pitchFamily="18" charset="0"/>
-                            <a:cs typeface="Times New Roman" panose="02020603050405020304" pitchFamily="18" charset="0"/>
-                          </a:rPr>
-                        </m:ctrlPr>
-                      </m:sSubPr>
-                      <m:e>
-                        <m:r>
-                          <a:rPr lang="en-US" altLang="zh-CN" i="1" dirty="0" smtClean="0">
-                            <a:latin typeface="Cambria Math" panose="02040503050406030204" pitchFamily="18" charset="0"/>
-                            <a:cs typeface="Times New Roman" panose="02020603050405020304" pitchFamily="18" charset="0"/>
-                          </a:rPr>
-                          <m:t>𝐿</m:t>
-                        </m:r>
-                      </m:e>
-                      <m:sub>
-                        <m:r>
-                          <a:rPr lang="en-US" altLang="zh-CN" i="1" dirty="0" smtClean="0">
-                            <a:latin typeface="Cambria Math" panose="02040503050406030204" pitchFamily="18" charset="0"/>
-                            <a:cs typeface="Times New Roman" panose="02020603050405020304" pitchFamily="18" charset="0"/>
-                          </a:rPr>
-                          <m:t>𝑥</m:t>
-                        </m:r>
-                      </m:sub>
-                    </m:sSub>
-                  </m:oMath>
-                </a14:m>
-                <a:r>
-                  <a:rPr lang="en-US" altLang="zh-CN" dirty="0">
-                    <a:latin typeface="Times New Roman" panose="02020603050405020304" pitchFamily="18" charset="0"/>
-                    <a:cs typeface="Times New Roman" panose="02020603050405020304" pitchFamily="18" charset="0"/>
-                  </a:rPr>
-                  <a:t> = 16, 24, 32, 48, and </a:t>
-                </a:r>
-                <a14:m>
-                  <m:oMath xmlns:m="http://schemas.openxmlformats.org/officeDocument/2006/math">
-                    <m:r>
-                      <a:rPr lang="en-US" altLang="zh-CN" b="0" i="1" smtClean="0">
-                        <a:latin typeface="Cambria Math" panose="02040503050406030204" pitchFamily="18" charset="0"/>
-                        <a:cs typeface="Times New Roman" panose="02020603050405020304" pitchFamily="18" charset="0"/>
-                      </a:rPr>
-                      <m:t>𝑥</m:t>
-                    </m:r>
-                    <m:r>
-                      <a:rPr lang="en-US" altLang="zh-CN" b="0" i="1" smtClean="0">
-                        <a:latin typeface="Cambria Math" panose="02040503050406030204" pitchFamily="18" charset="0"/>
-                        <a:cs typeface="Times New Roman" panose="02020603050405020304" pitchFamily="18" charset="0"/>
-                      </a:rPr>
-                      <m:t>=7, 9, 15, 23</m:t>
-                    </m:r>
-                  </m:oMath>
-                </a14:m>
-                <a:r>
-                  <a:rPr lang="en-US" altLang="zh-CN" dirty="0">
-                    <a:latin typeface="Times New Roman" panose="02020603050405020304" pitchFamily="18" charset="0"/>
-                    <a:cs typeface="Times New Roman" panose="02020603050405020304" pitchFamily="18" charset="0"/>
-                  </a:rPr>
-                  <a:t> respectively. </a:t>
-                </a:r>
-              </a:p>
-              <a:p>
-                <a:endParaRPr lang="en-US" altLang="zh-CN" dirty="0">
-                  <a:latin typeface="Times New Roman" panose="02020603050405020304" pitchFamily="18" charset="0"/>
-                  <a:cs typeface="Times New Roman" panose="02020603050405020304" pitchFamily="18" charset="0"/>
-                </a:endParaRPr>
-              </a:p>
-              <a:p>
-                <a:r>
-                  <a:rPr lang="en-US" altLang="zh-CN" dirty="0">
-                    <a:latin typeface="Times New Roman" panose="02020603050405020304" pitchFamily="18" charset="0"/>
-                    <a:cs typeface="Times New Roman" panose="02020603050405020304" pitchFamily="18" charset="0"/>
-                  </a:rPr>
-                  <a:t>If we suppose the data of </a:t>
-                </a:r>
-                <a14:m>
-                  <m:oMath xmlns:m="http://schemas.openxmlformats.org/officeDocument/2006/math">
-                    <m:r>
-                      <a:rPr lang="en-US" altLang="zh-CN" b="0" i="1" smtClean="0">
-                        <a:latin typeface="Cambria Math" panose="02040503050406030204" pitchFamily="18" charset="0"/>
-                        <a:cs typeface="Times New Roman" panose="02020603050405020304" pitchFamily="18" charset="0"/>
-                      </a:rPr>
-                      <m:t>𝑥</m:t>
-                    </m:r>
-                    <m:r>
-                      <a:rPr lang="en-US" altLang="zh-CN" b="0" i="1" smtClean="0">
-                        <a:latin typeface="Cambria Math" panose="02040503050406030204" pitchFamily="18" charset="0"/>
-                        <a:cs typeface="Times New Roman" panose="02020603050405020304" pitchFamily="18" charset="0"/>
-                      </a:rPr>
-                      <m:t>=23</m:t>
-                    </m:r>
-                  </m:oMath>
-                </a14:m>
-                <a:r>
-                  <a:rPr lang="en-US" altLang="zh-CN" dirty="0">
-                    <a:latin typeface="Times New Roman" panose="02020603050405020304" pitchFamily="18" charset="0"/>
-                    <a:cs typeface="Times New Roman" panose="02020603050405020304" pitchFamily="18" charset="0"/>
-                  </a:rPr>
-                  <a:t> is not accurate, and abandon it, we get the orange line with </a:t>
-                </a:r>
-                <a14:m>
-                  <m:oMath xmlns:m="http://schemas.openxmlformats.org/officeDocument/2006/math">
-                    <m:sSub>
-                      <m:sSubPr>
-                        <m:ctrlPr>
-                          <a:rPr lang="en-US" altLang="zh-CN" i="1" dirty="0" smtClean="0">
-                            <a:latin typeface="Cambria Math" panose="02040503050406030204" pitchFamily="18" charset="0"/>
-                            <a:cs typeface="Times New Roman" panose="02020603050405020304" pitchFamily="18" charset="0"/>
-                          </a:rPr>
-                        </m:ctrlPr>
-                      </m:sSubPr>
-                      <m:e>
-                        <m:r>
-                          <a:rPr lang="en-US" altLang="zh-CN" i="1" dirty="0" smtClean="0">
-                            <a:latin typeface="Cambria Math" panose="02040503050406030204" pitchFamily="18" charset="0"/>
-                            <a:cs typeface="Times New Roman" panose="02020603050405020304" pitchFamily="18" charset="0"/>
-                          </a:rPr>
-                          <m:t>𝐾</m:t>
-                        </m:r>
-                      </m:e>
-                      <m:sub>
-                        <m:r>
-                          <a:rPr lang="en-US" altLang="zh-CN" i="1" dirty="0" smtClean="0">
-                            <a:latin typeface="Cambria Math" panose="02040503050406030204" pitchFamily="18" charset="0"/>
-                            <a:cs typeface="Times New Roman" panose="02020603050405020304" pitchFamily="18" charset="0"/>
-                          </a:rPr>
-                          <m:t>𝑠𝑐</m:t>
-                        </m:r>
-                      </m:sub>
-                    </m:sSub>
-                    <m:r>
-                      <a:rPr lang="en-US" altLang="zh-CN" i="1" dirty="0">
-                        <a:latin typeface="Cambria Math" panose="02040503050406030204" pitchFamily="18" charset="0"/>
-                        <a:cs typeface="Times New Roman" panose="02020603050405020304" pitchFamily="18" charset="0"/>
-                      </a:rPr>
-                      <m:t>=</m:t>
-                    </m:r>
-                    <m:r>
-                      <a:rPr lang="en-US" altLang="zh-CN" i="1" dirty="0">
-                        <a:latin typeface="Cambria Math" panose="02040503050406030204" pitchFamily="18" charset="0"/>
-                        <a:cs typeface="Times New Roman" panose="02020603050405020304" pitchFamily="18" charset="0"/>
-                      </a:rPr>
-                      <m:t>1.118</m:t>
-                    </m:r>
-                  </m:oMath>
-                </a14:m>
-                <a:r>
-                  <a:rPr lang="en-US" altLang="zh-CN" dirty="0">
-                    <a:latin typeface="Times New Roman" panose="02020603050405020304" pitchFamily="18" charset="0"/>
-                    <a:cs typeface="Times New Roman" panose="02020603050405020304" pitchFamily="18" charset="0"/>
-                  </a:rPr>
-                  <a:t>. </a:t>
-                </a:r>
-                <a:endParaRPr lang="zh-CN" altLang="en-US" dirty="0">
-                  <a:latin typeface="Times New Roman" panose="02020603050405020304" pitchFamily="18" charset="0"/>
-                  <a:cs typeface="Times New Roman" panose="02020603050405020304" pitchFamily="18" charset="0"/>
-                </a:endParaRPr>
-              </a:p>
-            </p:txBody>
-          </p:sp>
-        </mc:Choice>
-        <mc:Fallback>
-          <p:sp>
-            <p:nvSpPr>
-              <p:cNvPr id="4" name="文本框 3">
-                <a:extLst>
-                  <a:ext uri="{FF2B5EF4-FFF2-40B4-BE49-F238E27FC236}">
-                    <a16:creationId xmlns:a16="http://schemas.microsoft.com/office/drawing/2014/main" id="{712B0BB5-06FF-254C-8E5E-63FBF240B33C}"/>
-                  </a:ext>
-                </a:extLst>
-              </p:cNvPr>
-              <p:cNvSpPr txBox="1">
-                <a:spLocks noRot="1" noChangeAspect="1" noMove="1" noResize="1" noEditPoints="1" noAdjustHandles="1" noChangeArrowheads="1" noChangeShapeType="1" noTextEdit="1"/>
-              </p:cNvSpPr>
-              <p:nvPr/>
-            </p:nvSpPr>
-            <p:spPr>
-              <a:xfrm>
-                <a:off x="6808053" y="2230947"/>
-                <a:ext cx="3802315" cy="2722092"/>
-              </a:xfrm>
-              <a:prstGeom prst="rect">
-                <a:avLst/>
-              </a:prstGeom>
-              <a:blipFill>
-                <a:blip r:embed="rId2"/>
-                <a:stretch>
-                  <a:fillRect l="-1667" t="-926" r="-2000" b="-2315"/>
-                </a:stretch>
-              </a:blipFill>
-            </p:spPr>
-            <p:txBody>
-              <a:bodyPr/>
-              <a:lstStyle/>
-              <a:p>
-                <a:r>
-                  <a:rPr lang="zh-CN" altLang="en-US">
-                    <a:noFill/>
-                  </a:rPr>
-                  <a:t> </a:t>
-                </a:r>
-              </a:p>
-            </p:txBody>
-          </p:sp>
-        </mc:Fallback>
-      </mc:AlternateContent>
-      <mc:AlternateContent xmlns:mc="http://schemas.openxmlformats.org/markup-compatibility/2006" xmlns:a14="http://schemas.microsoft.com/office/drawing/2010/main">
-        <mc:Choice Requires="a14">
-          <p:sp>
-            <p:nvSpPr>
-              <p:cNvPr id="6" name="文本框 5">
-                <a:extLst>
-                  <a:ext uri="{FF2B5EF4-FFF2-40B4-BE49-F238E27FC236}">
-                    <a16:creationId xmlns:a16="http://schemas.microsoft.com/office/drawing/2014/main" id="{798C844E-487C-D14F-81D1-ACA5E6A6DFB5}"/>
-                  </a:ext>
-                </a:extLst>
-              </p:cNvPr>
-              <p:cNvSpPr txBox="1"/>
-              <p:nvPr/>
-            </p:nvSpPr>
-            <p:spPr>
-              <a:xfrm>
-                <a:off x="653143" y="284309"/>
-                <a:ext cx="6531428" cy="557204"/>
-              </a:xfrm>
-              <a:prstGeom prst="rect">
-                <a:avLst/>
-              </a:prstGeom>
-              <a:noFill/>
-            </p:spPr>
-            <p:txBody>
-              <a:bodyPr wrap="square" rtlCol="0">
-                <a:spAutoFit/>
-              </a:bodyPr>
-              <a:lstStyle/>
-              <a:p>
-                <a:r>
-                  <a:rPr kumimoji="1" lang="en-US" altLang="zh-CN" sz="2800" dirty="0">
-                    <a:latin typeface="Times New Roman" panose="02020603050405020304" pitchFamily="18" charset="0"/>
-                    <a:cs typeface="Times New Roman" panose="02020603050405020304" pitchFamily="18" charset="0"/>
-                  </a:rPr>
-                  <a:t>Fit </a:t>
-                </a:r>
-                <a14:m>
-                  <m:oMath xmlns:m="http://schemas.openxmlformats.org/officeDocument/2006/math">
-                    <m:sSub>
-                      <m:sSubPr>
-                        <m:ctrlPr>
-                          <a:rPr kumimoji="1" lang="en-US" altLang="zh-CN" sz="2800" i="1" dirty="0" smtClean="0">
-                            <a:latin typeface="Cambria Math" panose="02040503050406030204" pitchFamily="18" charset="0"/>
-                          </a:rPr>
-                        </m:ctrlPr>
-                      </m:sSubPr>
-                      <m:e>
-                        <m:r>
-                          <a:rPr kumimoji="1" lang="en-US" altLang="zh-CN" sz="2800" i="1" dirty="0" smtClean="0">
-                            <a:latin typeface="Cambria Math" panose="02040503050406030204" pitchFamily="18" charset="0"/>
-                          </a:rPr>
-                          <m:t>𝐾</m:t>
-                        </m:r>
-                      </m:e>
-                      <m:sub>
-                        <m:r>
-                          <a:rPr kumimoji="1" lang="en-US" altLang="zh-CN" sz="2800" b="0" i="1" dirty="0" smtClean="0">
-                            <a:latin typeface="Cambria Math" panose="02040503050406030204" pitchFamily="18" charset="0"/>
-                          </a:rPr>
-                          <m:t>𝑠</m:t>
-                        </m:r>
-                        <m:r>
-                          <a:rPr kumimoji="1" lang="en-US" altLang="zh-CN" sz="2800" i="1" dirty="0" smtClean="0">
-                            <a:latin typeface="Cambria Math" panose="02040503050406030204" pitchFamily="18" charset="0"/>
-                          </a:rPr>
-                          <m:t>𝑐</m:t>
-                        </m:r>
-                      </m:sub>
-                    </m:sSub>
-                  </m:oMath>
-                </a14:m>
-                <a:r>
-                  <a:rPr kumimoji="1" lang="en-US" altLang="zh-CN" sz="2800" dirty="0">
-                    <a:latin typeface="Times New Roman" panose="02020603050405020304" pitchFamily="18" charset="0"/>
-                    <a:cs typeface="Times New Roman" panose="02020603050405020304" pitchFamily="18" charset="0"/>
-                  </a:rPr>
-                  <a:t> from </a:t>
-                </a:r>
-                <a14:m>
-                  <m:oMath xmlns:m="http://schemas.openxmlformats.org/officeDocument/2006/math">
-                    <m:sSub>
-                      <m:sSubPr>
-                        <m:ctrlPr>
-                          <a:rPr kumimoji="1" lang="en-US" altLang="zh-CN" sz="2800" b="0" i="1" smtClean="0">
-                            <a:latin typeface="Cambria Math" panose="02040503050406030204" pitchFamily="18" charset="0"/>
-                            <a:cs typeface="Times New Roman" panose="02020603050405020304" pitchFamily="18" charset="0"/>
-                          </a:rPr>
-                        </m:ctrlPr>
-                      </m:sSubPr>
-                      <m:e>
-                        <m:r>
-                          <m:rPr>
-                            <m:sty m:val="p"/>
-                          </m:rPr>
-                          <a:rPr kumimoji="1" lang="en-US" altLang="zh-CN" sz="2800" b="0" i="0" smtClean="0">
-                            <a:latin typeface="Cambria Math" panose="02040503050406030204" pitchFamily="18" charset="0"/>
-                            <a:cs typeface="Times New Roman" panose="02020603050405020304" pitchFamily="18" charset="0"/>
-                          </a:rPr>
-                          <m:t>Φ</m:t>
-                        </m:r>
-                      </m:e>
-                      <m:sub>
-                        <m:r>
-                          <a:rPr kumimoji="1" lang="en-US" altLang="zh-CN" sz="2800" b="0" i="1" smtClean="0">
-                            <a:latin typeface="Cambria Math" panose="02040503050406030204" pitchFamily="18" charset="0"/>
-                            <a:cs typeface="Times New Roman" panose="02020603050405020304" pitchFamily="18" charset="0"/>
-                          </a:rPr>
-                          <m:t>𝑦𝑦</m:t>
-                        </m:r>
-                      </m:sub>
-                    </m:sSub>
-                    <m:d>
-                      <m:dPr>
-                        <m:ctrlPr>
-                          <a:rPr kumimoji="1" lang="en-US" altLang="zh-CN" sz="2800" b="0" i="1" smtClean="0">
-                            <a:latin typeface="Cambria Math" panose="02040503050406030204" pitchFamily="18" charset="0"/>
-                            <a:cs typeface="Times New Roman" panose="02020603050405020304" pitchFamily="18" charset="0"/>
-                          </a:rPr>
-                        </m:ctrlPr>
-                      </m:dPr>
-                      <m:e>
-                        <m:r>
-                          <a:rPr kumimoji="1" lang="en-US" altLang="zh-CN" sz="2800" b="0" i="1" smtClean="0">
-                            <a:latin typeface="Cambria Math" panose="02040503050406030204" pitchFamily="18" charset="0"/>
-                            <a:cs typeface="Times New Roman" panose="02020603050405020304" pitchFamily="18" charset="0"/>
-                          </a:rPr>
-                          <m:t>𝑥</m:t>
-                        </m:r>
-                      </m:e>
-                    </m:d>
-                  </m:oMath>
-                </a14:m>
-                <a:r>
-                  <a:rPr kumimoji="1" lang="en-US" altLang="zh-CN" sz="2800" dirty="0">
-                    <a:latin typeface="Times New Roman" panose="02020603050405020304" pitchFamily="18" charset="0"/>
-                    <a:cs typeface="Times New Roman" panose="02020603050405020304" pitchFamily="18" charset="0"/>
-                  </a:rPr>
-                  <a:t> (fixing reference point)</a:t>
-                </a:r>
-                <a:endParaRPr kumimoji="1" lang="zh-CN" altLang="en-US" sz="2800" dirty="0">
-                  <a:latin typeface="Times New Roman" panose="02020603050405020304" pitchFamily="18" charset="0"/>
-                  <a:cs typeface="Times New Roman" panose="02020603050405020304" pitchFamily="18" charset="0"/>
-                </a:endParaRPr>
-              </a:p>
-            </p:txBody>
-          </p:sp>
-        </mc:Choice>
-        <mc:Fallback xmlns="">
-          <p:sp>
-            <p:nvSpPr>
-              <p:cNvPr id="6" name="文本框 5">
-                <a:extLst>
-                  <a:ext uri="{FF2B5EF4-FFF2-40B4-BE49-F238E27FC236}">
-                    <a16:creationId xmlns:a16="http://schemas.microsoft.com/office/drawing/2014/main" id="{798C844E-487C-D14F-81D1-ACA5E6A6DFB5}"/>
-                  </a:ext>
-                </a:extLst>
-              </p:cNvPr>
-              <p:cNvSpPr txBox="1">
-                <a:spLocks noRot="1" noChangeAspect="1" noMove="1" noResize="1" noEditPoints="1" noAdjustHandles="1" noChangeArrowheads="1" noChangeShapeType="1" noTextEdit="1"/>
-              </p:cNvSpPr>
-              <p:nvPr/>
-            </p:nvSpPr>
-            <p:spPr>
-              <a:xfrm>
-                <a:off x="653143" y="284309"/>
-                <a:ext cx="6531428" cy="557204"/>
-              </a:xfrm>
-              <a:prstGeom prst="rect">
-                <a:avLst/>
-              </a:prstGeom>
-              <a:blipFill>
-                <a:blip r:embed="rId4"/>
-                <a:stretch>
-                  <a:fillRect l="-1942" t="-11111" r="-3883" b="-24444"/>
-                </a:stretch>
-              </a:blipFill>
-            </p:spPr>
-            <p:txBody>
-              <a:bodyPr/>
-              <a:lstStyle/>
-              <a:p>
-                <a:r>
-                  <a:rPr lang="zh-CN" altLang="en-US">
-                    <a:noFill/>
-                  </a:rPr>
-                  <a:t> </a:t>
-                </a:r>
-              </a:p>
-            </p:txBody>
-          </p:sp>
-        </mc:Fallback>
-      </mc:AlternateContent>
-      <p:pic>
-        <p:nvPicPr>
-          <p:cNvPr id="3" name="图片 2">
-            <a:extLst>
-              <a:ext uri="{FF2B5EF4-FFF2-40B4-BE49-F238E27FC236}">
-                <a16:creationId xmlns:a16="http://schemas.microsoft.com/office/drawing/2014/main" id="{9A360F96-BDCC-934B-958D-A05B838EEA7A}"/>
-              </a:ext>
-            </a:extLst>
-          </p:cNvPr>
-          <p:cNvPicPr>
-            <a:picLocks noChangeAspect="1"/>
-          </p:cNvPicPr>
-          <p:nvPr/>
-        </p:nvPicPr>
-        <p:blipFill>
-          <a:blip r:embed="rId5"/>
-          <a:stretch>
-            <a:fillRect/>
-          </a:stretch>
-        </p:blipFill>
-        <p:spPr>
-          <a:xfrm>
-            <a:off x="515897" y="1429229"/>
-            <a:ext cx="5876365" cy="4352525"/>
-          </a:xfrm>
-          <a:prstGeom prst="rect">
-            <a:avLst/>
-          </a:prstGeom>
-        </p:spPr>
-      </p:pic>
-    </p:spTree>
-    <p:extLst>
-      <p:ext uri="{BB962C8B-B14F-4D97-AF65-F5344CB8AC3E}">
-        <p14:creationId xmlns:p14="http://schemas.microsoft.com/office/powerpoint/2010/main" val="1791224263"/>
-      </p:ext>
-    </p:extLst>
-  </p:cSld>
-  <p:clrMapOvr>
-    <a:masterClrMapping/>
-  </p:clrMapOvr>
-</p:sld>
-</file>
-
-<file path=ppt/slides/slide6.xml><?xml version="1.0" encoding="utf-8"?>
+<file path=ppt/slides/slide10.xml><?xml version="1.0" encoding="utf-8"?>
 <p:sld xmlns:a="http://schemas.openxmlformats.org/drawingml/2006/main" xmlns:r="http://schemas.openxmlformats.org/officeDocument/2006/relationships" xmlns:p="http://schemas.openxmlformats.org/presentationml/2006/main">
   <p:cSld>
     <p:spTree>
@@ -9583,538 +6563,7 @@
 </p:sld>
 </file>
 
-<file path=ppt/slides/slide7.xml><?xml version="1.0" encoding="utf-8"?>
-<p:sld xmlns:a="http://schemas.openxmlformats.org/drawingml/2006/main" xmlns:r="http://schemas.openxmlformats.org/officeDocument/2006/relationships" xmlns:p="http://schemas.openxmlformats.org/presentationml/2006/main">
-  <p:cSld>
-    <p:spTree>
-      <p:nvGrpSpPr>
-        <p:cNvPr id="1" name=""/>
-        <p:cNvGrpSpPr/>
-        <p:nvPr/>
-      </p:nvGrpSpPr>
-      <p:grpSpPr>
-        <a:xfrm>
-          <a:off x="0" y="0"/>
-          <a:ext cx="0" cy="0"/>
-          <a:chOff x="0" y="0"/>
-          <a:chExt cx="0" cy="0"/>
-        </a:xfrm>
-      </p:grpSpPr>
-      <p:pic>
-        <p:nvPicPr>
-          <p:cNvPr id="4" name="图片 3">
-            <a:extLst>
-              <a:ext uri="{FF2B5EF4-FFF2-40B4-BE49-F238E27FC236}">
-                <a16:creationId xmlns:a16="http://schemas.microsoft.com/office/drawing/2014/main" id="{23DBE57D-9433-CD4F-8229-DAACBEF55611}"/>
-              </a:ext>
-            </a:extLst>
-          </p:cNvPr>
-          <p:cNvPicPr>
-            <a:picLocks noChangeAspect="1"/>
-          </p:cNvPicPr>
-          <p:nvPr/>
-        </p:nvPicPr>
-        <p:blipFill>
-          <a:blip r:embed="rId2"/>
-          <a:stretch>
-            <a:fillRect/>
-          </a:stretch>
-        </p:blipFill>
-        <p:spPr>
-          <a:xfrm>
-            <a:off x="719638" y="1237130"/>
-            <a:ext cx="5859516" cy="4614262"/>
-          </a:xfrm>
-          <a:prstGeom prst="rect">
-            <a:avLst/>
-          </a:prstGeom>
-        </p:spPr>
-      </p:pic>
-      <mc:AlternateContent xmlns:mc="http://schemas.openxmlformats.org/markup-compatibility/2006" xmlns:a14="http://schemas.microsoft.com/office/drawing/2010/main">
-        <mc:Choice Requires="a14">
-          <p:sp>
-            <p:nvSpPr>
-              <p:cNvPr id="5" name="文本框 4">
-                <a:extLst>
-                  <a:ext uri="{FF2B5EF4-FFF2-40B4-BE49-F238E27FC236}">
-                    <a16:creationId xmlns:a16="http://schemas.microsoft.com/office/drawing/2014/main" id="{590B761A-510F-B848-9792-D8F452B50FB0}"/>
-                  </a:ext>
-                </a:extLst>
-              </p:cNvPr>
-              <p:cNvSpPr txBox="1"/>
-              <p:nvPr/>
-            </p:nvSpPr>
-            <p:spPr>
-              <a:xfrm>
-                <a:off x="7184571" y="1944061"/>
-                <a:ext cx="4479792" cy="886076"/>
-              </a:xfrm>
-              <a:prstGeom prst="rect">
-                <a:avLst/>
-              </a:prstGeom>
-              <a:noFill/>
-            </p:spPr>
-            <p:txBody>
-              <a:bodyPr wrap="square" rtlCol="0">
-                <a:spAutoFit/>
-              </a:bodyPr>
-              <a:lstStyle/>
-              <a:p>
-                <a:pPr/>
-                <a14:m>
-                  <m:oMathPara xmlns:m="http://schemas.openxmlformats.org/officeDocument/2006/math">
-                    <m:oMathParaPr>
-                      <m:jc m:val="centerGroup"/>
-                    </m:oMathParaPr>
-                    <m:oMath xmlns:m="http://schemas.openxmlformats.org/officeDocument/2006/math">
-                      <m:r>
-                        <a:rPr kumimoji="1" lang="en-US" altLang="zh-CN" b="0" i="1" smtClean="0">
-                          <a:latin typeface="Cambria Math" panose="02040503050406030204" pitchFamily="18" charset="0"/>
-                          <a:cs typeface="Times New Roman" panose="02020603050405020304" pitchFamily="18" charset="0"/>
-                        </a:rPr>
-                        <m:t>𝑥</m:t>
-                      </m:r>
-                      <m:r>
-                        <a:rPr kumimoji="1" lang="en-US" altLang="zh-CN" b="0" i="1" smtClean="0">
-                          <a:latin typeface="Cambria Math" panose="02040503050406030204" pitchFamily="18" charset="0"/>
-                          <a:cs typeface="Times New Roman" panose="02020603050405020304" pitchFamily="18" charset="0"/>
-                        </a:rPr>
-                        <m:t>=</m:t>
-                      </m:r>
-                      <m:f>
-                        <m:fPr>
-                          <m:ctrlPr>
-                            <a:rPr kumimoji="1" lang="en-US" altLang="zh-CN" b="0" i="1" smtClean="0">
-                              <a:latin typeface="Cambria Math" panose="02040503050406030204" pitchFamily="18" charset="0"/>
-                              <a:cs typeface="Times New Roman" panose="02020603050405020304" pitchFamily="18" charset="0"/>
-                            </a:rPr>
-                          </m:ctrlPr>
-                        </m:fPr>
-                        <m:num>
-                          <m:sSub>
-                            <m:sSubPr>
-                              <m:ctrlPr>
-                                <a:rPr kumimoji="1" lang="en-US" altLang="zh-CN" b="0" i="1" smtClean="0">
-                                  <a:latin typeface="Cambria Math" panose="02040503050406030204" pitchFamily="18" charset="0"/>
-                                  <a:cs typeface="Times New Roman" panose="02020603050405020304" pitchFamily="18" charset="0"/>
-                                </a:rPr>
-                              </m:ctrlPr>
-                            </m:sSubPr>
-                            <m:e>
-                              <m:r>
-                                <a:rPr kumimoji="1" lang="en-US" altLang="zh-CN" b="0" i="1" smtClean="0">
-                                  <a:latin typeface="Cambria Math" panose="02040503050406030204" pitchFamily="18" charset="0"/>
-                                  <a:cs typeface="Times New Roman" panose="02020603050405020304" pitchFamily="18" charset="0"/>
-                                </a:rPr>
-                                <m:t>𝐿</m:t>
-                              </m:r>
-                            </m:e>
-                            <m:sub>
-                              <m:r>
-                                <a:rPr kumimoji="1" lang="en-US" altLang="zh-CN" b="0" i="1" smtClean="0">
-                                  <a:latin typeface="Cambria Math" panose="02040503050406030204" pitchFamily="18" charset="0"/>
-                                  <a:cs typeface="Times New Roman" panose="02020603050405020304" pitchFamily="18" charset="0"/>
-                                </a:rPr>
-                                <m:t>𝑥</m:t>
-                              </m:r>
-                            </m:sub>
-                          </m:sSub>
-                        </m:num>
-                        <m:den>
-                          <m:r>
-                            <a:rPr kumimoji="1" lang="en-US" altLang="zh-CN" b="0" i="1" smtClean="0">
-                              <a:latin typeface="Cambria Math" panose="02040503050406030204" pitchFamily="18" charset="0"/>
-                              <a:cs typeface="Times New Roman" panose="02020603050405020304" pitchFamily="18" charset="0"/>
-                            </a:rPr>
-                            <m:t>2</m:t>
-                          </m:r>
-                        </m:den>
-                      </m:f>
-                      <m:r>
-                        <a:rPr kumimoji="1" lang="en-US" altLang="zh-CN" b="0" i="1" smtClean="0">
-                          <a:latin typeface="Cambria Math" panose="02040503050406030204" pitchFamily="18" charset="0"/>
-                          <a:cs typeface="Times New Roman" panose="02020603050405020304" pitchFamily="18" charset="0"/>
-                        </a:rPr>
-                        <m:t>,</m:t>
-                      </m:r>
-                    </m:oMath>
-                  </m:oMathPara>
-                </a14:m>
-                <a:endParaRPr kumimoji="1" lang="en-US" altLang="zh-CN" dirty="0">
-                  <a:latin typeface="Times New Roman" panose="02020603050405020304" pitchFamily="18" charset="0"/>
-                  <a:cs typeface="Times New Roman" panose="02020603050405020304" pitchFamily="18" charset="0"/>
-                </a:endParaRPr>
-              </a:p>
-              <a:p>
-                <a:pPr/>
-                <a14:m>
-                  <m:oMathPara xmlns:m="http://schemas.openxmlformats.org/officeDocument/2006/math">
-                    <m:oMathParaPr>
-                      <m:jc m:val="centerGroup"/>
-                    </m:oMathParaPr>
-                    <m:oMath xmlns:m="http://schemas.openxmlformats.org/officeDocument/2006/math">
-                      <m:sSub>
-                        <m:sSubPr>
-                          <m:ctrlPr>
-                            <a:rPr kumimoji="1" lang="en-US" altLang="zh-CN" b="0" i="1" smtClean="0">
-                              <a:latin typeface="Cambria Math" panose="02040503050406030204" pitchFamily="18" charset="0"/>
-                              <a:cs typeface="Times New Roman" panose="02020603050405020304" pitchFamily="18" charset="0"/>
-                            </a:rPr>
-                          </m:ctrlPr>
-                        </m:sSubPr>
-                        <m:e>
-                          <m:r>
-                            <a:rPr kumimoji="1" lang="en-US" altLang="zh-CN" b="0" i="1" smtClean="0">
-                              <a:latin typeface="Cambria Math" panose="02040503050406030204" pitchFamily="18" charset="0"/>
-                              <a:cs typeface="Times New Roman" panose="02020603050405020304" pitchFamily="18" charset="0"/>
-                            </a:rPr>
-                            <m:t>𝐾</m:t>
-                          </m:r>
-                        </m:e>
-                        <m:sub>
-                          <m:r>
-                            <a:rPr kumimoji="1" lang="en-US" altLang="zh-CN" b="0" i="1" smtClean="0">
-                              <a:latin typeface="Cambria Math" panose="02040503050406030204" pitchFamily="18" charset="0"/>
-                              <a:cs typeface="Times New Roman" panose="02020603050405020304" pitchFamily="18" charset="0"/>
-                            </a:rPr>
-                            <m:t>𝑠𝑐</m:t>
-                          </m:r>
-                        </m:sub>
-                      </m:sSub>
-                      <m:r>
-                        <a:rPr kumimoji="1" lang="en-US" altLang="zh-CN" i="1">
-                          <a:latin typeface="Cambria Math" panose="02040503050406030204" pitchFamily="18" charset="0"/>
-                          <a:cs typeface="Times New Roman" panose="02020603050405020304" pitchFamily="18" charset="0"/>
-                        </a:rPr>
-                        <m:t>=1.608</m:t>
-                      </m:r>
-                    </m:oMath>
-                  </m:oMathPara>
-                </a14:m>
-                <a:endParaRPr kumimoji="1" lang="zh-CN" altLang="en-US" dirty="0">
-                  <a:latin typeface="Times New Roman" panose="02020603050405020304" pitchFamily="18" charset="0"/>
-                  <a:cs typeface="Times New Roman" panose="02020603050405020304" pitchFamily="18" charset="0"/>
-                </a:endParaRPr>
-              </a:p>
-            </p:txBody>
-          </p:sp>
-        </mc:Choice>
-        <mc:Fallback xmlns="">
-          <p:sp>
-            <p:nvSpPr>
-              <p:cNvPr id="5" name="文本框 4">
-                <a:extLst>
-                  <a:ext uri="{FF2B5EF4-FFF2-40B4-BE49-F238E27FC236}">
-                    <a16:creationId xmlns:a16="http://schemas.microsoft.com/office/drawing/2014/main" id="{590B761A-510F-B848-9792-D8F452B50FB0}"/>
-                  </a:ext>
-                </a:extLst>
-              </p:cNvPr>
-              <p:cNvSpPr txBox="1">
-                <a:spLocks noRot="1" noChangeAspect="1" noMove="1" noResize="1" noEditPoints="1" noAdjustHandles="1" noChangeArrowheads="1" noChangeShapeType="1" noTextEdit="1"/>
-              </p:cNvSpPr>
-              <p:nvPr/>
-            </p:nvSpPr>
-            <p:spPr>
-              <a:xfrm>
-                <a:off x="7184571" y="1944061"/>
-                <a:ext cx="4479792" cy="886076"/>
-              </a:xfrm>
-              <a:prstGeom prst="rect">
-                <a:avLst/>
-              </a:prstGeom>
-              <a:blipFill>
-                <a:blip r:embed="rId3"/>
-                <a:stretch>
-                  <a:fillRect/>
-                </a:stretch>
-              </a:blipFill>
-            </p:spPr>
-            <p:txBody>
-              <a:bodyPr/>
-              <a:lstStyle/>
-              <a:p>
-                <a:r>
-                  <a:rPr lang="zh-CN" altLang="en-US">
-                    <a:noFill/>
-                  </a:rPr>
-                  <a:t> </a:t>
-                </a:r>
-              </a:p>
-            </p:txBody>
-          </p:sp>
-        </mc:Fallback>
-      </mc:AlternateContent>
-      <mc:AlternateContent xmlns:mc="http://schemas.openxmlformats.org/markup-compatibility/2006" xmlns:a14="http://schemas.microsoft.com/office/drawing/2010/main">
-        <mc:Choice Requires="a14">
-          <p:sp>
-            <p:nvSpPr>
-              <p:cNvPr id="6" name="文本框 5">
-                <a:extLst>
-                  <a:ext uri="{FF2B5EF4-FFF2-40B4-BE49-F238E27FC236}">
-                    <a16:creationId xmlns:a16="http://schemas.microsoft.com/office/drawing/2014/main" id="{693A9FE4-E54F-C34D-A66C-256FFE330B67}"/>
-                  </a:ext>
-                </a:extLst>
-              </p:cNvPr>
-              <p:cNvSpPr txBox="1"/>
-              <p:nvPr/>
-            </p:nvSpPr>
-            <p:spPr>
-              <a:xfrm>
-                <a:off x="860612" y="322729"/>
-                <a:ext cx="8360228" cy="557204"/>
-              </a:xfrm>
-              <a:prstGeom prst="rect">
-                <a:avLst/>
-              </a:prstGeom>
-              <a:noFill/>
-            </p:spPr>
-            <p:txBody>
-              <a:bodyPr wrap="square" rtlCol="0">
-                <a:spAutoFit/>
-              </a:bodyPr>
-              <a:lstStyle/>
-              <a:p>
-                <a:r>
-                  <a:rPr kumimoji="1" lang="en-US" altLang="zh-CN" sz="2800" dirty="0">
-                    <a:latin typeface="Times New Roman" panose="02020603050405020304" pitchFamily="18" charset="0"/>
-                    <a:cs typeface="Times New Roman" panose="02020603050405020304" pitchFamily="18" charset="0"/>
-                  </a:rPr>
-                  <a:t>Fit </a:t>
-                </a:r>
-                <a14:m>
-                  <m:oMath xmlns:m="http://schemas.openxmlformats.org/officeDocument/2006/math">
-                    <m:sSub>
-                      <m:sSubPr>
-                        <m:ctrlPr>
-                          <a:rPr kumimoji="1" lang="en-US" altLang="zh-CN" sz="2800" i="1" dirty="0" smtClean="0">
-                            <a:latin typeface="Cambria Math" panose="02040503050406030204" pitchFamily="18" charset="0"/>
-                            <a:cs typeface="Times New Roman" panose="02020603050405020304" pitchFamily="18" charset="0"/>
-                          </a:rPr>
-                        </m:ctrlPr>
-                      </m:sSubPr>
-                      <m:e>
-                        <m:r>
-                          <a:rPr kumimoji="1" lang="en-US" altLang="zh-CN" sz="2800" i="1" dirty="0" smtClean="0">
-                            <a:latin typeface="Cambria Math" panose="02040503050406030204" pitchFamily="18" charset="0"/>
-                            <a:cs typeface="Times New Roman" panose="02020603050405020304" pitchFamily="18" charset="0"/>
-                          </a:rPr>
-                          <m:t>𝐾</m:t>
-                        </m:r>
-                      </m:e>
-                      <m:sub>
-                        <m:r>
-                          <a:rPr kumimoji="1" lang="en-US" altLang="zh-CN" sz="2800" i="1" dirty="0" smtClean="0">
-                            <a:latin typeface="Cambria Math" panose="02040503050406030204" pitchFamily="18" charset="0"/>
-                            <a:cs typeface="Times New Roman" panose="02020603050405020304" pitchFamily="18" charset="0"/>
-                          </a:rPr>
-                          <m:t>𝑠𝑐</m:t>
-                        </m:r>
-                      </m:sub>
-                    </m:sSub>
-                    <m:r>
-                      <a:rPr kumimoji="1" lang="en-US" altLang="zh-CN" sz="2800" i="1" dirty="0" smtClean="0">
-                        <a:latin typeface="Cambria Math" panose="02040503050406030204" pitchFamily="18" charset="0"/>
-                        <a:cs typeface="Times New Roman" panose="02020603050405020304" pitchFamily="18" charset="0"/>
-                      </a:rPr>
-                      <m:t> </m:t>
-                    </m:r>
-                  </m:oMath>
-                </a14:m>
-                <a:r>
-                  <a:rPr kumimoji="1" lang="en-US" altLang="zh-CN" sz="2800" dirty="0">
-                    <a:latin typeface="Times New Roman" panose="02020603050405020304" pitchFamily="18" charset="0"/>
-                    <a:cs typeface="Times New Roman" panose="02020603050405020304" pitchFamily="18" charset="0"/>
-                  </a:rPr>
-                  <a:t>from </a:t>
-                </a:r>
-                <a14:m>
-                  <m:oMath xmlns:m="http://schemas.openxmlformats.org/officeDocument/2006/math">
-                    <m:sSub>
-                      <m:sSubPr>
-                        <m:ctrlPr>
-                          <a:rPr kumimoji="1" lang="en-US" altLang="zh-CN" sz="2800" i="1">
-                            <a:latin typeface="Cambria Math" panose="02040503050406030204" pitchFamily="18" charset="0"/>
-                            <a:cs typeface="Times New Roman" panose="02020603050405020304" pitchFamily="18" charset="0"/>
-                          </a:rPr>
-                        </m:ctrlPr>
-                      </m:sSubPr>
-                      <m:e>
-                        <m:r>
-                          <m:rPr>
-                            <m:sty m:val="p"/>
-                          </m:rPr>
-                          <a:rPr kumimoji="1" lang="en-US" altLang="zh-CN" sz="2800">
-                            <a:latin typeface="Cambria Math" panose="02040503050406030204" pitchFamily="18" charset="0"/>
-                            <a:cs typeface="Times New Roman" panose="02020603050405020304" pitchFamily="18" charset="0"/>
-                          </a:rPr>
-                          <m:t>Φ</m:t>
-                        </m:r>
-                      </m:e>
-                      <m:sub>
-                        <m:r>
-                          <a:rPr kumimoji="1" lang="en-US" altLang="zh-CN" sz="2800" i="1">
-                            <a:latin typeface="Cambria Math" panose="02040503050406030204" pitchFamily="18" charset="0"/>
-                            <a:cs typeface="Times New Roman" panose="02020603050405020304" pitchFamily="18" charset="0"/>
-                          </a:rPr>
-                          <m:t>𝑦𝑦</m:t>
-                        </m:r>
-                      </m:sub>
-                    </m:sSub>
-                    <m:d>
-                      <m:dPr>
-                        <m:ctrlPr>
-                          <a:rPr kumimoji="1" lang="en-US" altLang="zh-CN" sz="2800" i="1">
-                            <a:latin typeface="Cambria Math" panose="02040503050406030204" pitchFamily="18" charset="0"/>
-                            <a:cs typeface="Times New Roman" panose="02020603050405020304" pitchFamily="18" charset="0"/>
-                          </a:rPr>
-                        </m:ctrlPr>
-                      </m:dPr>
-                      <m:e>
-                        <m:r>
-                          <a:rPr kumimoji="1" lang="en-US" altLang="zh-CN" sz="2800" i="1">
-                            <a:latin typeface="Cambria Math" panose="02040503050406030204" pitchFamily="18" charset="0"/>
-                            <a:cs typeface="Times New Roman" panose="02020603050405020304" pitchFamily="18" charset="0"/>
-                          </a:rPr>
-                          <m:t>𝑥</m:t>
-                        </m:r>
-                      </m:e>
-                    </m:d>
-                  </m:oMath>
-                </a14:m>
-                <a:r>
-                  <a:rPr kumimoji="1" lang="en-US" altLang="zh-CN" sz="2800" dirty="0">
-                    <a:latin typeface="Times New Roman" panose="02020603050405020304" pitchFamily="18" charset="0"/>
-                    <a:cs typeface="Times New Roman" panose="02020603050405020304" pitchFamily="18" charset="0"/>
-                  </a:rPr>
-                  <a:t> (fix </a:t>
-                </a:r>
-                <a14:m>
-                  <m:oMath xmlns:m="http://schemas.openxmlformats.org/officeDocument/2006/math">
-                    <m:r>
-                      <a:rPr kumimoji="1" lang="en-US" altLang="zh-CN" sz="2800" b="0" i="1" smtClean="0">
-                        <a:latin typeface="Cambria Math" panose="02040503050406030204" pitchFamily="18" charset="0"/>
-                        <a:cs typeface="Times New Roman" panose="02020603050405020304" pitchFamily="18" charset="0"/>
-                      </a:rPr>
-                      <m:t>𝑥</m:t>
-                    </m:r>
-                    <m:r>
-                      <a:rPr kumimoji="1" lang="en-US" altLang="zh-CN" sz="2800" b="0" i="1" smtClean="0">
-                        <a:latin typeface="Cambria Math" panose="02040503050406030204" pitchFamily="18" charset="0"/>
-                        <a:cs typeface="Times New Roman" panose="02020603050405020304" pitchFamily="18" charset="0"/>
-                      </a:rPr>
-                      <m:t>=</m:t>
-                    </m:r>
-                    <m:sSub>
-                      <m:sSubPr>
-                        <m:ctrlPr>
-                          <a:rPr kumimoji="1" lang="en-US" altLang="zh-CN" sz="2800" b="0" i="1" smtClean="0">
-                            <a:latin typeface="Cambria Math" panose="02040503050406030204" pitchFamily="18" charset="0"/>
-                            <a:cs typeface="Times New Roman" panose="02020603050405020304" pitchFamily="18" charset="0"/>
-                          </a:rPr>
-                        </m:ctrlPr>
-                      </m:sSubPr>
-                      <m:e>
-                        <m:r>
-                          <a:rPr kumimoji="1" lang="en-US" altLang="zh-CN" sz="2800" b="0" i="1" smtClean="0">
-                            <a:latin typeface="Cambria Math" panose="02040503050406030204" pitchFamily="18" charset="0"/>
-                            <a:cs typeface="Times New Roman" panose="02020603050405020304" pitchFamily="18" charset="0"/>
-                          </a:rPr>
-                          <m:t>𝐿</m:t>
-                        </m:r>
-                      </m:e>
-                      <m:sub>
-                        <m:r>
-                          <a:rPr kumimoji="1" lang="en-US" altLang="zh-CN" sz="2800" b="0" i="1" smtClean="0">
-                            <a:latin typeface="Cambria Math" panose="02040503050406030204" pitchFamily="18" charset="0"/>
-                            <a:cs typeface="Times New Roman" panose="02020603050405020304" pitchFamily="18" charset="0"/>
-                          </a:rPr>
-                          <m:t>𝑥</m:t>
-                        </m:r>
-                      </m:sub>
-                    </m:sSub>
-                    <m:r>
-                      <a:rPr kumimoji="1" lang="en-US" altLang="zh-CN" sz="2800" b="0" i="1" smtClean="0">
-                        <a:latin typeface="Cambria Math" panose="02040503050406030204" pitchFamily="18" charset="0"/>
-                        <a:cs typeface="Times New Roman" panose="02020603050405020304" pitchFamily="18" charset="0"/>
-                      </a:rPr>
-                      <m:t>/2</m:t>
-                    </m:r>
-                  </m:oMath>
-                </a14:m>
-                <a:r>
-                  <a:rPr kumimoji="1" lang="en-US" altLang="zh-CN" sz="2800" dirty="0">
-                    <a:latin typeface="Times New Roman" panose="02020603050405020304" pitchFamily="18" charset="0"/>
-                    <a:cs typeface="Times New Roman" panose="02020603050405020304" pitchFamily="18" charset="0"/>
-                  </a:rPr>
-                  <a:t> )</a:t>
-                </a:r>
-                <a:endParaRPr kumimoji="1" lang="zh-CN" altLang="en-US" sz="2800" dirty="0">
-                  <a:latin typeface="Times New Roman" panose="02020603050405020304" pitchFamily="18" charset="0"/>
-                  <a:cs typeface="Times New Roman" panose="02020603050405020304" pitchFamily="18" charset="0"/>
-                </a:endParaRPr>
-              </a:p>
-            </p:txBody>
-          </p:sp>
-        </mc:Choice>
-        <mc:Fallback xmlns="">
-          <p:sp>
-            <p:nvSpPr>
-              <p:cNvPr id="6" name="文本框 5">
-                <a:extLst>
-                  <a:ext uri="{FF2B5EF4-FFF2-40B4-BE49-F238E27FC236}">
-                    <a16:creationId xmlns:a16="http://schemas.microsoft.com/office/drawing/2014/main" id="{693A9FE4-E54F-C34D-A66C-256FFE330B67}"/>
-                  </a:ext>
-                </a:extLst>
-              </p:cNvPr>
-              <p:cNvSpPr txBox="1">
-                <a:spLocks noRot="1" noChangeAspect="1" noMove="1" noResize="1" noEditPoints="1" noAdjustHandles="1" noChangeArrowheads="1" noChangeShapeType="1" noTextEdit="1"/>
-              </p:cNvSpPr>
-              <p:nvPr/>
-            </p:nvSpPr>
-            <p:spPr>
-              <a:xfrm>
-                <a:off x="860612" y="322729"/>
-                <a:ext cx="8360228" cy="557204"/>
-              </a:xfrm>
-              <a:prstGeom prst="rect">
-                <a:avLst/>
-              </a:prstGeom>
-              <a:blipFill>
-                <a:blip r:embed="rId4"/>
-                <a:stretch>
-                  <a:fillRect l="-1515" t="-11111" b="-24444"/>
-                </a:stretch>
-              </a:blipFill>
-            </p:spPr>
-            <p:txBody>
-              <a:bodyPr/>
-              <a:lstStyle/>
-              <a:p>
-                <a:r>
-                  <a:rPr lang="zh-CN" altLang="en-US">
-                    <a:noFill/>
-                  </a:rPr>
-                  <a:t> </a:t>
-                </a:r>
-              </a:p>
-            </p:txBody>
-          </p:sp>
-        </mc:Fallback>
-      </mc:AlternateContent>
-    </p:spTree>
-    <p:extLst>
-      <p:ext uri="{BB962C8B-B14F-4D97-AF65-F5344CB8AC3E}">
-        <p14:creationId xmlns:p14="http://schemas.microsoft.com/office/powerpoint/2010/main" val="1428834503"/>
-      </p:ext>
-    </p:extLst>
-  </p:cSld>
-  <p:clrMapOvr>
-    <a:masterClrMapping/>
-  </p:clrMapOvr>
-</p:sld>
-</file>
-
-<file path=ppt/slides/slide8.xml><?xml version="1.0" encoding="utf-8"?>
+<file path=ppt/slides/slide11.xml><?xml version="1.0" encoding="utf-8"?>
 <p:sld xmlns:a="http://schemas.openxmlformats.org/drawingml/2006/main" xmlns:r="http://schemas.openxmlformats.org/officeDocument/2006/relationships" xmlns:p="http://schemas.openxmlformats.org/presentationml/2006/main" show="0">
   <p:cSld>
     <p:spTree>
@@ -10279,7 +6728,7 @@
 </p:sld>
 </file>
 
-<file path=ppt/slides/slide9.xml><?xml version="1.0" encoding="utf-8"?>
+<file path=ppt/slides/slide12.xml><?xml version="1.0" encoding="utf-8"?>
 <p:sld xmlns:a="http://schemas.openxmlformats.org/drawingml/2006/main" xmlns:r="http://schemas.openxmlformats.org/officeDocument/2006/relationships" xmlns:p="http://schemas.openxmlformats.org/presentationml/2006/main" show="0">
   <p:cSld>
     <p:spTree>
@@ -10431,6 +6880,5907 @@
     <p:extLst>
       <p:ext uri="{BB962C8B-B14F-4D97-AF65-F5344CB8AC3E}">
         <p14:creationId xmlns:p14="http://schemas.microsoft.com/office/powerpoint/2010/main" val="2744334416"/>
+      </p:ext>
+    </p:extLst>
+  </p:cSld>
+  <p:clrMapOvr>
+    <a:masterClrMapping/>
+  </p:clrMapOvr>
+</p:sld>
+</file>
+
+<file path=ppt/slides/slide2.xml><?xml version="1.0" encoding="utf-8"?>
+<p:sld xmlns:a="http://schemas.openxmlformats.org/drawingml/2006/main" xmlns:r="http://schemas.openxmlformats.org/officeDocument/2006/relationships" xmlns:p="http://schemas.openxmlformats.org/presentationml/2006/main" show="0">
+  <p:cSld>
+    <p:spTree>
+      <p:nvGrpSpPr>
+        <p:cNvPr id="1" name=""/>
+        <p:cNvGrpSpPr/>
+        <p:nvPr/>
+      </p:nvGrpSpPr>
+      <p:grpSpPr>
+        <a:xfrm>
+          <a:off x="0" y="0"/>
+          <a:ext cx="0" cy="0"/>
+          <a:chOff x="0" y="0"/>
+          <a:chExt cx="0" cy="0"/>
+        </a:xfrm>
+      </p:grpSpPr>
+      <p:pic>
+        <p:nvPicPr>
+          <p:cNvPr id="4" name="图片 3">
+            <a:extLst>
+              <a:ext uri="{FF2B5EF4-FFF2-40B4-BE49-F238E27FC236}">
+                <a16:creationId xmlns:a16="http://schemas.microsoft.com/office/drawing/2014/main" id="{C82DB58F-B619-7E46-A9C9-EDCB1BBF8FDB}"/>
+              </a:ext>
+            </a:extLst>
+          </p:cNvPr>
+          <p:cNvPicPr>
+            <a:picLocks noChangeAspect="1"/>
+          </p:cNvPicPr>
+          <p:nvPr/>
+        </p:nvPicPr>
+        <p:blipFill>
+          <a:blip r:embed="rId2"/>
+          <a:stretch>
+            <a:fillRect/>
+          </a:stretch>
+        </p:blipFill>
+        <p:spPr>
+          <a:xfrm>
+            <a:off x="655825" y="1083448"/>
+            <a:ext cx="6537215" cy="4360689"/>
+          </a:xfrm>
+          <a:prstGeom prst="rect">
+            <a:avLst/>
+          </a:prstGeom>
+        </p:spPr>
+      </p:pic>
+      <p:sp>
+        <p:nvSpPr>
+          <p:cNvPr id="5" name="文本框 4">
+            <a:extLst>
+              <a:ext uri="{FF2B5EF4-FFF2-40B4-BE49-F238E27FC236}">
+                <a16:creationId xmlns:a16="http://schemas.microsoft.com/office/drawing/2014/main" id="{FD2BFEC6-9EF9-1F4A-AB03-10FAB22C3716}"/>
+              </a:ext>
+            </a:extLst>
+          </p:cNvPr>
+          <p:cNvSpPr txBox="1"/>
+          <p:nvPr/>
+        </p:nvSpPr>
+        <p:spPr>
+          <a:xfrm>
+            <a:off x="1452282" y="299677"/>
+            <a:ext cx="3603812" cy="369332"/>
+          </a:xfrm>
+          <a:prstGeom prst="rect">
+            <a:avLst/>
+          </a:prstGeom>
+          <a:noFill/>
+        </p:spPr>
+        <p:txBody>
+          <a:bodyPr wrap="square" rtlCol="0">
+            <a:spAutoFit/>
+          </a:bodyPr>
+          <a:lstStyle/>
+          <a:p>
+            <a:r>
+              <a:rPr kumimoji="1" lang="en-US" altLang="zh-CN" dirty="0"/>
+              <a:t>Lambda = 0.3, 0.4</a:t>
+            </a:r>
+            <a:endParaRPr kumimoji="1" lang="zh-CN" altLang="en-US" dirty="0"/>
+          </a:p>
+        </p:txBody>
+      </p:sp>
+    </p:spTree>
+    <p:extLst>
+      <p:ext uri="{BB962C8B-B14F-4D97-AF65-F5344CB8AC3E}">
+        <p14:creationId xmlns:p14="http://schemas.microsoft.com/office/powerpoint/2010/main" val="2637854027"/>
+      </p:ext>
+    </p:extLst>
+  </p:cSld>
+  <p:clrMapOvr>
+    <a:masterClrMapping/>
+  </p:clrMapOvr>
+</p:sld>
+</file>
+
+<file path=ppt/slides/slide3.xml><?xml version="1.0" encoding="utf-8"?>
+<p:sld xmlns:a="http://schemas.openxmlformats.org/drawingml/2006/main" xmlns:r="http://schemas.openxmlformats.org/officeDocument/2006/relationships" xmlns:p="http://schemas.openxmlformats.org/presentationml/2006/main">
+  <p:cSld>
+    <p:spTree>
+      <p:nvGrpSpPr>
+        <p:cNvPr id="1" name=""/>
+        <p:cNvGrpSpPr/>
+        <p:nvPr/>
+      </p:nvGrpSpPr>
+      <p:grpSpPr>
+        <a:xfrm>
+          <a:off x="0" y="0"/>
+          <a:ext cx="0" cy="0"/>
+          <a:chOff x="0" y="0"/>
+          <a:chExt cx="0" cy="0"/>
+        </a:xfrm>
+      </p:grpSpPr>
+      <p:sp>
+        <p:nvSpPr>
+          <p:cNvPr id="2" name="标题 1">
+            <a:extLst>
+              <a:ext uri="{FF2B5EF4-FFF2-40B4-BE49-F238E27FC236}">
+                <a16:creationId xmlns:a16="http://schemas.microsoft.com/office/drawing/2014/main" id="{E70CE690-C3D5-7448-B0CC-E7C5F873FE1B}"/>
+              </a:ext>
+            </a:extLst>
+          </p:cNvPr>
+          <p:cNvSpPr>
+            <a:spLocks noGrp="1"/>
+          </p:cNvSpPr>
+          <p:nvPr>
+            <p:ph type="title"/>
+          </p:nvPr>
+        </p:nvSpPr>
+        <p:spPr>
+          <a:xfrm>
+            <a:off x="676836" y="557225"/>
+            <a:ext cx="10515600" cy="1325563"/>
+          </a:xfrm>
+        </p:spPr>
+        <p:txBody>
+          <a:bodyPr/>
+          <a:lstStyle/>
+          <a:p>
+            <a:r>
+              <a:rPr kumimoji="1" lang="en-US" altLang="zh-CN" dirty="0">
+                <a:latin typeface="Times New Roman" panose="02020603050405020304" pitchFamily="18" charset="0"/>
+                <a:cs typeface="Times New Roman" panose="02020603050405020304" pitchFamily="18" charset="0"/>
+              </a:rPr>
+              <a:t>Truncation error (1e-6), extract from the middle bond</a:t>
+            </a:r>
+            <a:endParaRPr kumimoji="1" lang="zh-CN" altLang="en-US" dirty="0">
+              <a:latin typeface="Times New Roman" panose="02020603050405020304" pitchFamily="18" charset="0"/>
+              <a:cs typeface="Times New Roman" panose="02020603050405020304" pitchFamily="18" charset="0"/>
+            </a:endParaRPr>
+          </a:p>
+        </p:txBody>
+      </p:sp>
+      <p:graphicFrame>
+        <p:nvGraphicFramePr>
+          <p:cNvPr id="4" name="表格 4">
+            <a:extLst>
+              <a:ext uri="{FF2B5EF4-FFF2-40B4-BE49-F238E27FC236}">
+                <a16:creationId xmlns:a16="http://schemas.microsoft.com/office/drawing/2014/main" id="{BD787BC7-66D5-B74F-937D-E99DD5D6128E}"/>
+              </a:ext>
+            </a:extLst>
+          </p:cNvPr>
+          <p:cNvGraphicFramePr>
+            <a:graphicFrameLocks noGrp="1"/>
+          </p:cNvGraphicFramePr>
+          <p:nvPr>
+            <p:extLst>
+              <p:ext uri="{D42A27DB-BD31-4B8C-83A1-F6EECF244321}">
+                <p14:modId xmlns:p14="http://schemas.microsoft.com/office/powerpoint/2010/main" val="1653846664"/>
+              </p:ext>
+            </p:extLst>
+          </p:nvPr>
+        </p:nvGraphicFramePr>
+        <p:xfrm>
+          <a:off x="875981" y="2164264"/>
+          <a:ext cx="8884449" cy="2223661"/>
+        </p:xfrm>
+        <a:graphic>
+          <a:graphicData uri="http://schemas.openxmlformats.org/drawingml/2006/table">
+            <a:tbl>
+              <a:tblPr firstRow="1" bandRow="1">
+                <a:tableStyleId>{5C22544A-7EE6-4342-B048-85BDC9FD1C3A}</a:tableStyleId>
+              </a:tblPr>
+              <a:tblGrid>
+                <a:gridCol w="987161">
+                  <a:extLst>
+                    <a:ext uri="{9D8B030D-6E8A-4147-A177-3AD203B41FA5}">
+                      <a16:colId xmlns:a16="http://schemas.microsoft.com/office/drawing/2014/main" val="412038785"/>
+                    </a:ext>
+                  </a:extLst>
+                </a:gridCol>
+                <a:gridCol w="987161">
+                  <a:extLst>
+                    <a:ext uri="{9D8B030D-6E8A-4147-A177-3AD203B41FA5}">
+                      <a16:colId xmlns:a16="http://schemas.microsoft.com/office/drawing/2014/main" val="1577917048"/>
+                    </a:ext>
+                  </a:extLst>
+                </a:gridCol>
+                <a:gridCol w="987161">
+                  <a:extLst>
+                    <a:ext uri="{9D8B030D-6E8A-4147-A177-3AD203B41FA5}">
+                      <a16:colId xmlns:a16="http://schemas.microsoft.com/office/drawing/2014/main" val="3721405068"/>
+                    </a:ext>
+                  </a:extLst>
+                </a:gridCol>
+                <a:gridCol w="987161">
+                  <a:extLst>
+                    <a:ext uri="{9D8B030D-6E8A-4147-A177-3AD203B41FA5}">
+                      <a16:colId xmlns:a16="http://schemas.microsoft.com/office/drawing/2014/main" val="1531851066"/>
+                    </a:ext>
+                  </a:extLst>
+                </a:gridCol>
+                <a:gridCol w="987161">
+                  <a:extLst>
+                    <a:ext uri="{9D8B030D-6E8A-4147-A177-3AD203B41FA5}">
+                      <a16:colId xmlns:a16="http://schemas.microsoft.com/office/drawing/2014/main" val="3482833152"/>
+                    </a:ext>
+                  </a:extLst>
+                </a:gridCol>
+                <a:gridCol w="987161">
+                  <a:extLst>
+                    <a:ext uri="{9D8B030D-6E8A-4147-A177-3AD203B41FA5}">
+                      <a16:colId xmlns:a16="http://schemas.microsoft.com/office/drawing/2014/main" val="3721807256"/>
+                    </a:ext>
+                  </a:extLst>
+                </a:gridCol>
+                <a:gridCol w="987161">
+                  <a:extLst>
+                    <a:ext uri="{9D8B030D-6E8A-4147-A177-3AD203B41FA5}">
+                      <a16:colId xmlns:a16="http://schemas.microsoft.com/office/drawing/2014/main" val="814516143"/>
+                    </a:ext>
+                  </a:extLst>
+                </a:gridCol>
+                <a:gridCol w="987161">
+                  <a:extLst>
+                    <a:ext uri="{9D8B030D-6E8A-4147-A177-3AD203B41FA5}">
+                      <a16:colId xmlns:a16="http://schemas.microsoft.com/office/drawing/2014/main" val="3471143688"/>
+                    </a:ext>
+                  </a:extLst>
+                </a:gridCol>
+                <a:gridCol w="987161">
+                  <a:extLst>
+                    <a:ext uri="{9D8B030D-6E8A-4147-A177-3AD203B41FA5}">
+                      <a16:colId xmlns:a16="http://schemas.microsoft.com/office/drawing/2014/main" val="3536677003"/>
+                    </a:ext>
+                  </a:extLst>
+                </a:gridCol>
+              </a:tblGrid>
+              <a:tr h="370840">
+                <a:tc>
+                  <a:txBody>
+                    <a:bodyPr/>
+                    <a:lstStyle/>
+                    <a:p>
+                      <a:r>
+                        <a:rPr lang="en-US" altLang="zh-CN" dirty="0">
+                          <a:latin typeface="Times New Roman" panose="02020603050405020304" pitchFamily="18" charset="0"/>
+                          <a:cs typeface="Times New Roman" panose="02020603050405020304" pitchFamily="18" charset="0"/>
+                        </a:rPr>
+                        <a:t>Lx\D</a:t>
+                      </a:r>
+                      <a:endParaRPr lang="zh-CN" altLang="en-US" dirty="0">
+                        <a:latin typeface="Times New Roman" panose="02020603050405020304" pitchFamily="18" charset="0"/>
+                        <a:cs typeface="Times New Roman" panose="02020603050405020304" pitchFamily="18" charset="0"/>
+                      </a:endParaRPr>
+                    </a:p>
+                  </a:txBody>
+                  <a:tcPr/>
+                </a:tc>
+                <a:tc>
+                  <a:txBody>
+                    <a:bodyPr/>
+                    <a:lstStyle/>
+                    <a:p>
+                      <a:r>
+                        <a:rPr lang="en-US" altLang="zh-CN" dirty="0">
+                          <a:latin typeface="Times New Roman" panose="02020603050405020304" pitchFamily="18" charset="0"/>
+                          <a:cs typeface="Times New Roman" panose="02020603050405020304" pitchFamily="18" charset="0"/>
+                        </a:rPr>
+                        <a:t>8000</a:t>
+                      </a:r>
+                      <a:endParaRPr lang="zh-CN" altLang="en-US" dirty="0">
+                        <a:latin typeface="Times New Roman" panose="02020603050405020304" pitchFamily="18" charset="0"/>
+                        <a:cs typeface="Times New Roman" panose="02020603050405020304" pitchFamily="18" charset="0"/>
+                      </a:endParaRPr>
+                    </a:p>
+                  </a:txBody>
+                  <a:tcPr/>
+                </a:tc>
+                <a:tc>
+                  <a:txBody>
+                    <a:bodyPr/>
+                    <a:lstStyle/>
+                    <a:p>
+                      <a:r>
+                        <a:rPr lang="en-US" altLang="zh-CN" dirty="0">
+                          <a:latin typeface="Times New Roman" panose="02020603050405020304" pitchFamily="18" charset="0"/>
+                          <a:cs typeface="Times New Roman" panose="02020603050405020304" pitchFamily="18" charset="0"/>
+                        </a:rPr>
+                        <a:t>10000</a:t>
+                      </a:r>
+                      <a:endParaRPr lang="zh-CN" altLang="en-US" dirty="0">
+                        <a:latin typeface="Times New Roman" panose="02020603050405020304" pitchFamily="18" charset="0"/>
+                        <a:cs typeface="Times New Roman" panose="02020603050405020304" pitchFamily="18" charset="0"/>
+                      </a:endParaRPr>
+                    </a:p>
+                  </a:txBody>
+                  <a:tcPr/>
+                </a:tc>
+                <a:tc>
+                  <a:txBody>
+                    <a:bodyPr/>
+                    <a:lstStyle/>
+                    <a:p>
+                      <a:r>
+                        <a:rPr lang="en-US" altLang="zh-CN" dirty="0">
+                          <a:latin typeface="Times New Roman" panose="02020603050405020304" pitchFamily="18" charset="0"/>
+                          <a:cs typeface="Times New Roman" panose="02020603050405020304" pitchFamily="18" charset="0"/>
+                        </a:rPr>
+                        <a:t>12000</a:t>
+                      </a:r>
+                      <a:endParaRPr lang="zh-CN" altLang="en-US" dirty="0">
+                        <a:latin typeface="Times New Roman" panose="02020603050405020304" pitchFamily="18" charset="0"/>
+                        <a:cs typeface="Times New Roman" panose="02020603050405020304" pitchFamily="18" charset="0"/>
+                      </a:endParaRPr>
+                    </a:p>
+                  </a:txBody>
+                  <a:tcPr/>
+                </a:tc>
+                <a:tc>
+                  <a:txBody>
+                    <a:bodyPr/>
+                    <a:lstStyle/>
+                    <a:p>
+                      <a:r>
+                        <a:rPr lang="en-US" altLang="zh-CN" dirty="0">
+                          <a:latin typeface="Times New Roman" panose="02020603050405020304" pitchFamily="18" charset="0"/>
+                          <a:cs typeface="Times New Roman" panose="02020603050405020304" pitchFamily="18" charset="0"/>
+                        </a:rPr>
+                        <a:t>14000</a:t>
+                      </a:r>
+                      <a:endParaRPr lang="zh-CN" altLang="en-US" dirty="0">
+                        <a:latin typeface="Times New Roman" panose="02020603050405020304" pitchFamily="18" charset="0"/>
+                        <a:cs typeface="Times New Roman" panose="02020603050405020304" pitchFamily="18" charset="0"/>
+                      </a:endParaRPr>
+                    </a:p>
+                  </a:txBody>
+                  <a:tcPr/>
+                </a:tc>
+                <a:tc>
+                  <a:txBody>
+                    <a:bodyPr/>
+                    <a:lstStyle/>
+                    <a:p>
+                      <a:r>
+                        <a:rPr lang="en-US" altLang="zh-CN" dirty="0">
+                          <a:latin typeface="Times New Roman" panose="02020603050405020304" pitchFamily="18" charset="0"/>
+                          <a:cs typeface="Times New Roman" panose="02020603050405020304" pitchFamily="18" charset="0"/>
+                        </a:rPr>
+                        <a:t>16000</a:t>
+                      </a:r>
+                      <a:endParaRPr lang="zh-CN" altLang="en-US" dirty="0">
+                        <a:latin typeface="Times New Roman" panose="02020603050405020304" pitchFamily="18" charset="0"/>
+                        <a:cs typeface="Times New Roman" panose="02020603050405020304" pitchFamily="18" charset="0"/>
+                      </a:endParaRPr>
+                    </a:p>
+                  </a:txBody>
+                  <a:tcPr/>
+                </a:tc>
+                <a:tc>
+                  <a:txBody>
+                    <a:bodyPr/>
+                    <a:lstStyle/>
+                    <a:p>
+                      <a:r>
+                        <a:rPr lang="en-US" altLang="zh-CN" dirty="0">
+                          <a:latin typeface="Times New Roman" panose="02020603050405020304" pitchFamily="18" charset="0"/>
+                          <a:cs typeface="Times New Roman" panose="02020603050405020304" pitchFamily="18" charset="0"/>
+                        </a:rPr>
+                        <a:t>18000</a:t>
+                      </a:r>
+                      <a:endParaRPr lang="zh-CN" altLang="en-US" dirty="0">
+                        <a:latin typeface="Times New Roman" panose="02020603050405020304" pitchFamily="18" charset="0"/>
+                        <a:cs typeface="Times New Roman" panose="02020603050405020304" pitchFamily="18" charset="0"/>
+                      </a:endParaRPr>
+                    </a:p>
+                  </a:txBody>
+                  <a:tcPr/>
+                </a:tc>
+                <a:tc>
+                  <a:txBody>
+                    <a:bodyPr/>
+                    <a:lstStyle/>
+                    <a:p>
+                      <a:r>
+                        <a:rPr lang="en-US" altLang="zh-CN" dirty="0">
+                          <a:latin typeface="Times New Roman" panose="02020603050405020304" pitchFamily="18" charset="0"/>
+                          <a:cs typeface="Times New Roman" panose="02020603050405020304" pitchFamily="18" charset="0"/>
+                        </a:rPr>
+                        <a:t>20000</a:t>
+                      </a:r>
+                      <a:endParaRPr lang="zh-CN" altLang="en-US" dirty="0">
+                        <a:latin typeface="Times New Roman" panose="02020603050405020304" pitchFamily="18" charset="0"/>
+                        <a:cs typeface="Times New Roman" panose="02020603050405020304" pitchFamily="18" charset="0"/>
+                      </a:endParaRPr>
+                    </a:p>
+                  </a:txBody>
+                  <a:tcPr/>
+                </a:tc>
+                <a:tc>
+                  <a:txBody>
+                    <a:bodyPr/>
+                    <a:lstStyle/>
+                    <a:p>
+                      <a:endParaRPr lang="zh-CN" altLang="en-US"/>
+                    </a:p>
+                  </a:txBody>
+                  <a:tcPr/>
+                </a:tc>
+                <a:extLst>
+                  <a:ext uri="{0D108BD9-81ED-4DB2-BD59-A6C34878D82A}">
+                    <a16:rowId xmlns:a16="http://schemas.microsoft.com/office/drawing/2014/main" val="285822557"/>
+                  </a:ext>
+                </a:extLst>
+              </a:tr>
+              <a:tr h="369461">
+                <a:tc>
+                  <a:txBody>
+                    <a:bodyPr/>
+                    <a:lstStyle/>
+                    <a:p>
+                      <a:r>
+                        <a:rPr lang="en-US" altLang="zh-CN" dirty="0">
+                          <a:latin typeface="Times New Roman" panose="02020603050405020304" pitchFamily="18" charset="0"/>
+                          <a:cs typeface="Times New Roman" panose="02020603050405020304" pitchFamily="18" charset="0"/>
+                        </a:rPr>
+                        <a:t>16</a:t>
+                      </a:r>
+                      <a:endParaRPr lang="zh-CN" altLang="en-US" dirty="0">
+                        <a:latin typeface="Times New Roman" panose="02020603050405020304" pitchFamily="18" charset="0"/>
+                        <a:cs typeface="Times New Roman" panose="02020603050405020304" pitchFamily="18" charset="0"/>
+                      </a:endParaRPr>
+                    </a:p>
+                  </a:txBody>
+                  <a:tcPr/>
+                </a:tc>
+                <a:tc>
+                  <a:txBody>
+                    <a:bodyPr/>
+                    <a:lstStyle/>
+                    <a:p>
+                      <a:pPr marL="0" marR="0" lvl="0" indent="0" algn="l" defTabSz="914400" rtl="0" eaLnBrk="1" fontAlgn="auto" latinLnBrk="0" hangingPunct="1">
+                        <a:lnSpc>
+                          <a:spcPct val="100000"/>
+                        </a:lnSpc>
+                        <a:spcBef>
+                          <a:spcPts val="0"/>
+                        </a:spcBef>
+                        <a:spcAft>
+                          <a:spcPts val="0"/>
+                        </a:spcAft>
+                        <a:buClrTx/>
+                        <a:buSzTx/>
+                        <a:buFontTx/>
+                        <a:buNone/>
+                        <a:tabLst/>
+                        <a:defRPr/>
+                      </a:pPr>
+                      <a:r>
+                        <a:rPr lang="en-US" altLang="zh-CN" sz="1800" kern="1200" dirty="0">
+                          <a:solidFill>
+                            <a:schemeClr val="dk1"/>
+                          </a:solidFill>
+                          <a:effectLst/>
+                          <a:latin typeface="Times New Roman" panose="02020603050405020304" pitchFamily="18" charset="0"/>
+                          <a:ea typeface="+mn-ea"/>
+                          <a:cs typeface="Times New Roman" panose="02020603050405020304" pitchFamily="18" charset="0"/>
+                        </a:rPr>
+                        <a:t>3.37</a:t>
+                      </a:r>
+                      <a:endParaRPr lang="zh-CN" altLang="en-US" dirty="0">
+                        <a:latin typeface="Times New Roman" panose="02020603050405020304" pitchFamily="18" charset="0"/>
+                        <a:cs typeface="Times New Roman" panose="02020603050405020304" pitchFamily="18" charset="0"/>
+                      </a:endParaRPr>
+                    </a:p>
+                  </a:txBody>
+                  <a:tcPr/>
+                </a:tc>
+                <a:tc>
+                  <a:txBody>
+                    <a:bodyPr/>
+                    <a:lstStyle/>
+                    <a:p>
+                      <a:pPr marL="0" marR="0" lvl="0" indent="0" algn="l" defTabSz="914400" rtl="0" eaLnBrk="1" fontAlgn="auto" latinLnBrk="0" hangingPunct="1">
+                        <a:lnSpc>
+                          <a:spcPct val="100000"/>
+                        </a:lnSpc>
+                        <a:spcBef>
+                          <a:spcPts val="0"/>
+                        </a:spcBef>
+                        <a:spcAft>
+                          <a:spcPts val="0"/>
+                        </a:spcAft>
+                        <a:buClrTx/>
+                        <a:buSzTx/>
+                        <a:buFontTx/>
+                        <a:buNone/>
+                        <a:tabLst/>
+                        <a:defRPr/>
+                      </a:pPr>
+                      <a:r>
+                        <a:rPr lang="en-US" altLang="zh-CN" sz="1800" kern="1200" dirty="0">
+                          <a:solidFill>
+                            <a:schemeClr val="dk1"/>
+                          </a:solidFill>
+                          <a:effectLst/>
+                          <a:latin typeface="Times New Roman" panose="02020603050405020304" pitchFamily="18" charset="0"/>
+                          <a:ea typeface="+mn-ea"/>
+                          <a:cs typeface="Times New Roman" panose="02020603050405020304" pitchFamily="18" charset="0"/>
+                        </a:rPr>
+                        <a:t>2.82</a:t>
+                      </a:r>
+                    </a:p>
+                  </a:txBody>
+                  <a:tcPr/>
+                </a:tc>
+                <a:tc>
+                  <a:txBody>
+                    <a:bodyPr/>
+                    <a:lstStyle/>
+                    <a:p>
+                      <a:pPr marL="0" marR="0" lvl="0" indent="0" algn="l" defTabSz="914400" rtl="0" eaLnBrk="1" fontAlgn="auto" latinLnBrk="0" hangingPunct="1">
+                        <a:lnSpc>
+                          <a:spcPct val="100000"/>
+                        </a:lnSpc>
+                        <a:spcBef>
+                          <a:spcPts val="0"/>
+                        </a:spcBef>
+                        <a:spcAft>
+                          <a:spcPts val="0"/>
+                        </a:spcAft>
+                        <a:buClrTx/>
+                        <a:buSzTx/>
+                        <a:buFontTx/>
+                        <a:buNone/>
+                        <a:tabLst/>
+                        <a:defRPr/>
+                      </a:pPr>
+                      <a:r>
+                        <a:rPr lang="en-US" altLang="zh-CN" sz="1800" kern="1200" dirty="0">
+                          <a:solidFill>
+                            <a:schemeClr val="dk1"/>
+                          </a:solidFill>
+                          <a:effectLst/>
+                          <a:latin typeface="Times New Roman" panose="02020603050405020304" pitchFamily="18" charset="0"/>
+                          <a:ea typeface="+mn-ea"/>
+                          <a:cs typeface="Times New Roman" panose="02020603050405020304" pitchFamily="18" charset="0"/>
+                        </a:rPr>
+                        <a:t>2.45</a:t>
+                      </a:r>
+                    </a:p>
+                  </a:txBody>
+                  <a:tcPr/>
+                </a:tc>
+                <a:tc>
+                  <a:txBody>
+                    <a:bodyPr/>
+                    <a:lstStyle/>
+                    <a:p>
+                      <a:r>
+                        <a:rPr lang="en-US" altLang="zh-CN" dirty="0">
+                          <a:latin typeface="Times New Roman" panose="02020603050405020304" pitchFamily="18" charset="0"/>
+                          <a:cs typeface="Times New Roman" panose="02020603050405020304" pitchFamily="18" charset="0"/>
+                        </a:rPr>
+                        <a:t>2.18</a:t>
+                      </a:r>
+                    </a:p>
+                  </a:txBody>
+                  <a:tcPr/>
+                </a:tc>
+                <a:tc>
+                  <a:txBody>
+                    <a:bodyPr/>
+                    <a:lstStyle/>
+                    <a:p>
+                      <a:endParaRPr lang="zh-CN" altLang="en-US">
+                        <a:latin typeface="Times New Roman" panose="02020603050405020304" pitchFamily="18" charset="0"/>
+                        <a:cs typeface="Times New Roman" panose="02020603050405020304" pitchFamily="18" charset="0"/>
+                      </a:endParaRPr>
+                    </a:p>
+                  </a:txBody>
+                  <a:tcPr/>
+                </a:tc>
+                <a:tc>
+                  <a:txBody>
+                    <a:bodyPr/>
+                    <a:lstStyle/>
+                    <a:p>
+                      <a:endParaRPr lang="zh-CN" altLang="en-US">
+                        <a:latin typeface="Times New Roman" panose="02020603050405020304" pitchFamily="18" charset="0"/>
+                        <a:cs typeface="Times New Roman" panose="02020603050405020304" pitchFamily="18" charset="0"/>
+                      </a:endParaRPr>
+                    </a:p>
+                  </a:txBody>
+                  <a:tcPr/>
+                </a:tc>
+                <a:tc>
+                  <a:txBody>
+                    <a:bodyPr/>
+                    <a:lstStyle/>
+                    <a:p>
+                      <a:endParaRPr lang="zh-CN" altLang="en-US">
+                        <a:latin typeface="Times New Roman" panose="02020603050405020304" pitchFamily="18" charset="0"/>
+                        <a:cs typeface="Times New Roman" panose="02020603050405020304" pitchFamily="18" charset="0"/>
+                      </a:endParaRPr>
+                    </a:p>
+                  </a:txBody>
+                  <a:tcPr/>
+                </a:tc>
+                <a:tc>
+                  <a:txBody>
+                    <a:bodyPr/>
+                    <a:lstStyle/>
+                    <a:p>
+                      <a:endParaRPr lang="zh-CN" altLang="en-US"/>
+                    </a:p>
+                  </a:txBody>
+                  <a:tcPr/>
+                </a:tc>
+                <a:extLst>
+                  <a:ext uri="{0D108BD9-81ED-4DB2-BD59-A6C34878D82A}">
+                    <a16:rowId xmlns:a16="http://schemas.microsoft.com/office/drawing/2014/main" val="3593187368"/>
+                  </a:ext>
+                </a:extLst>
+              </a:tr>
+              <a:tr h="370840">
+                <a:tc>
+                  <a:txBody>
+                    <a:bodyPr/>
+                    <a:lstStyle/>
+                    <a:p>
+                      <a:r>
+                        <a:rPr lang="en-US" altLang="zh-CN" dirty="0">
+                          <a:latin typeface="Times New Roman" panose="02020603050405020304" pitchFamily="18" charset="0"/>
+                          <a:cs typeface="Times New Roman" panose="02020603050405020304" pitchFamily="18" charset="0"/>
+                        </a:rPr>
+                        <a:t>24</a:t>
+                      </a:r>
+                      <a:endParaRPr lang="zh-CN" altLang="en-US" dirty="0">
+                        <a:latin typeface="Times New Roman" panose="02020603050405020304" pitchFamily="18" charset="0"/>
+                        <a:cs typeface="Times New Roman" panose="02020603050405020304" pitchFamily="18" charset="0"/>
+                      </a:endParaRPr>
+                    </a:p>
+                  </a:txBody>
+                  <a:tcPr/>
+                </a:tc>
+                <a:tc>
+                  <a:txBody>
+                    <a:bodyPr/>
+                    <a:lstStyle/>
+                    <a:p>
+                      <a:pPr marL="0" marR="0" lvl="0" indent="0" algn="l" defTabSz="914400" rtl="0" eaLnBrk="1" fontAlgn="auto" latinLnBrk="0" hangingPunct="1">
+                        <a:lnSpc>
+                          <a:spcPct val="100000"/>
+                        </a:lnSpc>
+                        <a:spcBef>
+                          <a:spcPts val="0"/>
+                        </a:spcBef>
+                        <a:spcAft>
+                          <a:spcPts val="0"/>
+                        </a:spcAft>
+                        <a:buClrTx/>
+                        <a:buSzTx/>
+                        <a:buFontTx/>
+                        <a:buNone/>
+                        <a:tabLst/>
+                        <a:defRPr/>
+                      </a:pPr>
+                      <a:r>
+                        <a:rPr lang="en-US" altLang="zh-CN" sz="1800" kern="1200" dirty="0">
+                          <a:solidFill>
+                            <a:schemeClr val="dk1"/>
+                          </a:solidFill>
+                          <a:effectLst/>
+                          <a:latin typeface="Times New Roman" panose="02020603050405020304" pitchFamily="18" charset="0"/>
+                          <a:ea typeface="+mn-ea"/>
+                          <a:cs typeface="Times New Roman" panose="02020603050405020304" pitchFamily="18" charset="0"/>
+                        </a:rPr>
+                        <a:t>3.44</a:t>
+                      </a:r>
+                    </a:p>
+                  </a:txBody>
+                  <a:tcPr/>
+                </a:tc>
+                <a:tc>
+                  <a:txBody>
+                    <a:bodyPr/>
+                    <a:lstStyle/>
+                    <a:p>
+                      <a:pPr marL="0" marR="0" lvl="0" indent="0" algn="l" defTabSz="914400" rtl="0" eaLnBrk="1" fontAlgn="auto" latinLnBrk="0" hangingPunct="1">
+                        <a:lnSpc>
+                          <a:spcPct val="100000"/>
+                        </a:lnSpc>
+                        <a:spcBef>
+                          <a:spcPts val="0"/>
+                        </a:spcBef>
+                        <a:spcAft>
+                          <a:spcPts val="0"/>
+                        </a:spcAft>
+                        <a:buClrTx/>
+                        <a:buSzTx/>
+                        <a:buFontTx/>
+                        <a:buNone/>
+                        <a:tabLst/>
+                        <a:defRPr/>
+                      </a:pPr>
+                      <a:r>
+                        <a:rPr lang="en-US" altLang="zh-CN" sz="1800" kern="1200" dirty="0">
+                          <a:solidFill>
+                            <a:schemeClr val="dk1"/>
+                          </a:solidFill>
+                          <a:effectLst/>
+                          <a:latin typeface="Times New Roman" panose="02020603050405020304" pitchFamily="18" charset="0"/>
+                          <a:ea typeface="+mn-ea"/>
+                          <a:cs typeface="Times New Roman" panose="02020603050405020304" pitchFamily="18" charset="0"/>
+                        </a:rPr>
+                        <a:t>2.79</a:t>
+                      </a:r>
+                    </a:p>
+                  </a:txBody>
+                  <a:tcPr/>
+                </a:tc>
+                <a:tc>
+                  <a:txBody>
+                    <a:bodyPr/>
+                    <a:lstStyle/>
+                    <a:p>
+                      <a:pPr marL="0" marR="0" lvl="0" indent="0" algn="l" defTabSz="914400" rtl="0" eaLnBrk="1" fontAlgn="auto" latinLnBrk="0" hangingPunct="1">
+                        <a:lnSpc>
+                          <a:spcPct val="100000"/>
+                        </a:lnSpc>
+                        <a:spcBef>
+                          <a:spcPts val="0"/>
+                        </a:spcBef>
+                        <a:spcAft>
+                          <a:spcPts val="0"/>
+                        </a:spcAft>
+                        <a:buClrTx/>
+                        <a:buSzTx/>
+                        <a:buFontTx/>
+                        <a:buNone/>
+                        <a:tabLst/>
+                        <a:defRPr/>
+                      </a:pPr>
+                      <a:r>
+                        <a:rPr lang="en-US" altLang="zh-CN" sz="1800" kern="1200" dirty="0">
+                          <a:solidFill>
+                            <a:schemeClr val="dk1"/>
+                          </a:solidFill>
+                          <a:effectLst/>
+                          <a:latin typeface="Times New Roman" panose="02020603050405020304" pitchFamily="18" charset="0"/>
+                          <a:ea typeface="+mn-ea"/>
+                          <a:cs typeface="Times New Roman" panose="02020603050405020304" pitchFamily="18" charset="0"/>
+                        </a:rPr>
+                        <a:t>2.41</a:t>
+                      </a:r>
+                    </a:p>
+                  </a:txBody>
+                  <a:tcPr/>
+                </a:tc>
+                <a:tc>
+                  <a:txBody>
+                    <a:bodyPr/>
+                    <a:lstStyle/>
+                    <a:p>
+                      <a:pPr marL="0" marR="0" lvl="0" indent="0" algn="l" defTabSz="914400" rtl="0" eaLnBrk="1" fontAlgn="auto" latinLnBrk="0" hangingPunct="1">
+                        <a:lnSpc>
+                          <a:spcPct val="100000"/>
+                        </a:lnSpc>
+                        <a:spcBef>
+                          <a:spcPts val="0"/>
+                        </a:spcBef>
+                        <a:spcAft>
+                          <a:spcPts val="0"/>
+                        </a:spcAft>
+                        <a:buClrTx/>
+                        <a:buSzTx/>
+                        <a:buFontTx/>
+                        <a:buNone/>
+                        <a:tabLst/>
+                        <a:defRPr/>
+                      </a:pPr>
+                      <a:r>
+                        <a:rPr lang="en-US" altLang="zh-CN" sz="1800" kern="1200" dirty="0">
+                          <a:solidFill>
+                            <a:schemeClr val="dk1"/>
+                          </a:solidFill>
+                          <a:effectLst/>
+                          <a:latin typeface="Times New Roman" panose="02020603050405020304" pitchFamily="18" charset="0"/>
+                          <a:ea typeface="+mn-ea"/>
+                          <a:cs typeface="Times New Roman" panose="02020603050405020304" pitchFamily="18" charset="0"/>
+                        </a:rPr>
+                        <a:t>2.17</a:t>
+                      </a:r>
+                    </a:p>
+                  </a:txBody>
+                  <a:tcPr/>
+                </a:tc>
+                <a:tc>
+                  <a:txBody>
+                    <a:bodyPr/>
+                    <a:lstStyle/>
+                    <a:p>
+                      <a:r>
+                        <a:rPr lang="en-US" altLang="zh-CN" dirty="0">
+                          <a:latin typeface="Times New Roman" panose="02020603050405020304" pitchFamily="18" charset="0"/>
+                          <a:cs typeface="Times New Roman" panose="02020603050405020304" pitchFamily="18" charset="0"/>
+                        </a:rPr>
+                        <a:t>1.93</a:t>
+                      </a:r>
+                      <a:endParaRPr lang="zh-CN" altLang="en-US" dirty="0">
+                        <a:latin typeface="Times New Roman" panose="02020603050405020304" pitchFamily="18" charset="0"/>
+                        <a:cs typeface="Times New Roman" panose="02020603050405020304" pitchFamily="18" charset="0"/>
+                      </a:endParaRPr>
+                    </a:p>
+                  </a:txBody>
+                  <a:tcPr/>
+                </a:tc>
+                <a:tc>
+                  <a:txBody>
+                    <a:bodyPr/>
+                    <a:lstStyle/>
+                    <a:p>
+                      <a:endParaRPr lang="zh-CN" altLang="en-US">
+                        <a:latin typeface="Times New Roman" panose="02020603050405020304" pitchFamily="18" charset="0"/>
+                        <a:cs typeface="Times New Roman" panose="02020603050405020304" pitchFamily="18" charset="0"/>
+                      </a:endParaRPr>
+                    </a:p>
+                  </a:txBody>
+                  <a:tcPr/>
+                </a:tc>
+                <a:tc>
+                  <a:txBody>
+                    <a:bodyPr/>
+                    <a:lstStyle/>
+                    <a:p>
+                      <a:endParaRPr lang="zh-CN" altLang="en-US">
+                        <a:latin typeface="Times New Roman" panose="02020603050405020304" pitchFamily="18" charset="0"/>
+                        <a:cs typeface="Times New Roman" panose="02020603050405020304" pitchFamily="18" charset="0"/>
+                      </a:endParaRPr>
+                    </a:p>
+                  </a:txBody>
+                  <a:tcPr/>
+                </a:tc>
+                <a:tc>
+                  <a:txBody>
+                    <a:bodyPr/>
+                    <a:lstStyle/>
+                    <a:p>
+                      <a:endParaRPr lang="zh-CN" altLang="en-US"/>
+                    </a:p>
+                  </a:txBody>
+                  <a:tcPr/>
+                </a:tc>
+                <a:extLst>
+                  <a:ext uri="{0D108BD9-81ED-4DB2-BD59-A6C34878D82A}">
+                    <a16:rowId xmlns:a16="http://schemas.microsoft.com/office/drawing/2014/main" val="2301512918"/>
+                  </a:ext>
+                </a:extLst>
+              </a:tr>
+              <a:tr h="370840">
+                <a:tc>
+                  <a:txBody>
+                    <a:bodyPr/>
+                    <a:lstStyle/>
+                    <a:p>
+                      <a:r>
+                        <a:rPr lang="en-US" altLang="zh-CN" dirty="0">
+                          <a:latin typeface="Times New Roman" panose="02020603050405020304" pitchFamily="18" charset="0"/>
+                          <a:cs typeface="Times New Roman" panose="02020603050405020304" pitchFamily="18" charset="0"/>
+                        </a:rPr>
+                        <a:t>32</a:t>
+                      </a:r>
+                      <a:endParaRPr lang="zh-CN" altLang="en-US" dirty="0">
+                        <a:latin typeface="Times New Roman" panose="02020603050405020304" pitchFamily="18" charset="0"/>
+                        <a:cs typeface="Times New Roman" panose="02020603050405020304" pitchFamily="18" charset="0"/>
+                      </a:endParaRPr>
+                    </a:p>
+                  </a:txBody>
+                  <a:tcPr/>
+                </a:tc>
+                <a:tc>
+                  <a:txBody>
+                    <a:bodyPr/>
+                    <a:lstStyle/>
+                    <a:p>
+                      <a:pPr marL="0" marR="0" lvl="0" indent="0" algn="l" defTabSz="914400" rtl="0" eaLnBrk="1" fontAlgn="auto" latinLnBrk="0" hangingPunct="1">
+                        <a:lnSpc>
+                          <a:spcPct val="100000"/>
+                        </a:lnSpc>
+                        <a:spcBef>
+                          <a:spcPts val="0"/>
+                        </a:spcBef>
+                        <a:spcAft>
+                          <a:spcPts val="0"/>
+                        </a:spcAft>
+                        <a:buClrTx/>
+                        <a:buSzTx/>
+                        <a:buFontTx/>
+                        <a:buNone/>
+                        <a:tabLst/>
+                        <a:defRPr/>
+                      </a:pPr>
+                      <a:r>
+                        <a:rPr lang="en-US" altLang="zh-CN" sz="1800" kern="1200" dirty="0">
+                          <a:solidFill>
+                            <a:schemeClr val="dk1"/>
+                          </a:solidFill>
+                          <a:effectLst/>
+                          <a:latin typeface="Times New Roman" panose="02020603050405020304" pitchFamily="18" charset="0"/>
+                          <a:ea typeface="+mn-ea"/>
+                          <a:cs typeface="Times New Roman" panose="02020603050405020304" pitchFamily="18" charset="0"/>
+                        </a:rPr>
+                        <a:t>3.70</a:t>
+                      </a:r>
+                    </a:p>
+                  </a:txBody>
+                  <a:tcPr/>
+                </a:tc>
+                <a:tc>
+                  <a:txBody>
+                    <a:bodyPr/>
+                    <a:lstStyle/>
+                    <a:p>
+                      <a:pPr marL="0" marR="0" lvl="0" indent="0" algn="l" defTabSz="914400" rtl="0" eaLnBrk="1" fontAlgn="auto" latinLnBrk="0" hangingPunct="1">
+                        <a:lnSpc>
+                          <a:spcPct val="100000"/>
+                        </a:lnSpc>
+                        <a:spcBef>
+                          <a:spcPts val="0"/>
+                        </a:spcBef>
+                        <a:spcAft>
+                          <a:spcPts val="0"/>
+                        </a:spcAft>
+                        <a:buClrTx/>
+                        <a:buSzTx/>
+                        <a:buFontTx/>
+                        <a:buNone/>
+                        <a:tabLst/>
+                        <a:defRPr/>
+                      </a:pPr>
+                      <a:r>
+                        <a:rPr lang="en-US" altLang="zh-CN" sz="1800" kern="1200" dirty="0">
+                          <a:solidFill>
+                            <a:schemeClr val="dk1"/>
+                          </a:solidFill>
+                          <a:effectLst/>
+                          <a:latin typeface="Times New Roman" panose="02020603050405020304" pitchFamily="18" charset="0"/>
+                          <a:ea typeface="+mn-ea"/>
+                          <a:cs typeface="Times New Roman" panose="02020603050405020304" pitchFamily="18" charset="0"/>
+                        </a:rPr>
+                        <a:t>2.96</a:t>
+                      </a:r>
+                    </a:p>
+                  </a:txBody>
+                  <a:tcPr/>
+                </a:tc>
+                <a:tc>
+                  <a:txBody>
+                    <a:bodyPr/>
+                    <a:lstStyle/>
+                    <a:p>
+                      <a:pPr marL="0" marR="0" lvl="0" indent="0" algn="l" defTabSz="914400" rtl="0" eaLnBrk="1" fontAlgn="auto" latinLnBrk="0" hangingPunct="1">
+                        <a:lnSpc>
+                          <a:spcPct val="100000"/>
+                        </a:lnSpc>
+                        <a:spcBef>
+                          <a:spcPts val="0"/>
+                        </a:spcBef>
+                        <a:spcAft>
+                          <a:spcPts val="0"/>
+                        </a:spcAft>
+                        <a:buClrTx/>
+                        <a:buSzTx/>
+                        <a:buFontTx/>
+                        <a:buNone/>
+                        <a:tabLst/>
+                        <a:defRPr/>
+                      </a:pPr>
+                      <a:r>
+                        <a:rPr lang="en-US" altLang="zh-CN" sz="1800" kern="1200" dirty="0">
+                          <a:solidFill>
+                            <a:schemeClr val="dk1"/>
+                          </a:solidFill>
+                          <a:effectLst/>
+                          <a:latin typeface="Times New Roman" panose="02020603050405020304" pitchFamily="18" charset="0"/>
+                          <a:ea typeface="+mn-ea"/>
+                          <a:cs typeface="Times New Roman" panose="02020603050405020304" pitchFamily="18" charset="0"/>
+                        </a:rPr>
+                        <a:t>2.61</a:t>
+                      </a:r>
+                    </a:p>
+                  </a:txBody>
+                  <a:tcPr/>
+                </a:tc>
+                <a:tc>
+                  <a:txBody>
+                    <a:bodyPr/>
+                    <a:lstStyle/>
+                    <a:p>
+                      <a:pPr marL="0" marR="0" lvl="0" indent="0" algn="l" defTabSz="914400" rtl="0" eaLnBrk="1" fontAlgn="auto" latinLnBrk="0" hangingPunct="1">
+                        <a:lnSpc>
+                          <a:spcPct val="100000"/>
+                        </a:lnSpc>
+                        <a:spcBef>
+                          <a:spcPts val="0"/>
+                        </a:spcBef>
+                        <a:spcAft>
+                          <a:spcPts val="0"/>
+                        </a:spcAft>
+                        <a:buClrTx/>
+                        <a:buSzTx/>
+                        <a:buFontTx/>
+                        <a:buNone/>
+                        <a:tabLst/>
+                        <a:defRPr/>
+                      </a:pPr>
+                      <a:r>
+                        <a:rPr lang="en-US" altLang="zh-CN" sz="1800" kern="1200" dirty="0">
+                          <a:solidFill>
+                            <a:schemeClr val="dk1"/>
+                          </a:solidFill>
+                          <a:effectLst/>
+                          <a:latin typeface="Times New Roman" panose="02020603050405020304" pitchFamily="18" charset="0"/>
+                          <a:ea typeface="+mn-ea"/>
+                          <a:cs typeface="Times New Roman" panose="02020603050405020304" pitchFamily="18" charset="0"/>
+                        </a:rPr>
+                        <a:t>2.27</a:t>
+                      </a:r>
+                    </a:p>
+                  </a:txBody>
+                  <a:tcPr/>
+                </a:tc>
+                <a:tc>
+                  <a:txBody>
+                    <a:bodyPr/>
+                    <a:lstStyle/>
+                    <a:p>
+                      <a:r>
+                        <a:rPr lang="en-US" altLang="zh-CN" dirty="0">
+                          <a:latin typeface="Times New Roman" panose="02020603050405020304" pitchFamily="18" charset="0"/>
+                          <a:cs typeface="Times New Roman" panose="02020603050405020304" pitchFamily="18" charset="0"/>
+                        </a:rPr>
+                        <a:t>2.07</a:t>
+                      </a:r>
+                    </a:p>
+                  </a:txBody>
+                  <a:tcPr/>
+                </a:tc>
+                <a:tc>
+                  <a:txBody>
+                    <a:bodyPr/>
+                    <a:lstStyle/>
+                    <a:p>
+                      <a:endParaRPr lang="zh-CN" altLang="en-US" dirty="0">
+                        <a:latin typeface="Times New Roman" panose="02020603050405020304" pitchFamily="18" charset="0"/>
+                        <a:cs typeface="Times New Roman" panose="02020603050405020304" pitchFamily="18" charset="0"/>
+                      </a:endParaRPr>
+                    </a:p>
+                  </a:txBody>
+                  <a:tcPr/>
+                </a:tc>
+                <a:tc>
+                  <a:txBody>
+                    <a:bodyPr/>
+                    <a:lstStyle/>
+                    <a:p>
+                      <a:endParaRPr lang="zh-CN" altLang="en-US">
+                        <a:latin typeface="Times New Roman" panose="02020603050405020304" pitchFamily="18" charset="0"/>
+                        <a:cs typeface="Times New Roman" panose="02020603050405020304" pitchFamily="18" charset="0"/>
+                      </a:endParaRPr>
+                    </a:p>
+                  </a:txBody>
+                  <a:tcPr/>
+                </a:tc>
+                <a:tc>
+                  <a:txBody>
+                    <a:bodyPr/>
+                    <a:lstStyle/>
+                    <a:p>
+                      <a:endParaRPr lang="zh-CN" altLang="en-US"/>
+                    </a:p>
+                  </a:txBody>
+                  <a:tcPr/>
+                </a:tc>
+                <a:extLst>
+                  <a:ext uri="{0D108BD9-81ED-4DB2-BD59-A6C34878D82A}">
+                    <a16:rowId xmlns:a16="http://schemas.microsoft.com/office/drawing/2014/main" val="3170753781"/>
+                  </a:ext>
+                </a:extLst>
+              </a:tr>
+              <a:tr h="370840">
+                <a:tc>
+                  <a:txBody>
+                    <a:bodyPr/>
+                    <a:lstStyle/>
+                    <a:p>
+                      <a:r>
+                        <a:rPr lang="en-US" altLang="zh-CN" dirty="0">
+                          <a:latin typeface="Times New Roman" panose="02020603050405020304" pitchFamily="18" charset="0"/>
+                          <a:cs typeface="Times New Roman" panose="02020603050405020304" pitchFamily="18" charset="0"/>
+                        </a:rPr>
+                        <a:t>40</a:t>
+                      </a:r>
+                      <a:endParaRPr lang="zh-CN" altLang="en-US" dirty="0">
+                        <a:latin typeface="Times New Roman" panose="02020603050405020304" pitchFamily="18" charset="0"/>
+                        <a:cs typeface="Times New Roman" panose="02020603050405020304" pitchFamily="18" charset="0"/>
+                      </a:endParaRPr>
+                    </a:p>
+                  </a:txBody>
+                  <a:tcPr/>
+                </a:tc>
+                <a:tc>
+                  <a:txBody>
+                    <a:bodyPr/>
+                    <a:lstStyle/>
+                    <a:p>
+                      <a:r>
+                        <a:rPr lang="en-US" altLang="zh-CN" dirty="0">
+                          <a:latin typeface="Times New Roman" panose="02020603050405020304" pitchFamily="18" charset="0"/>
+                          <a:cs typeface="Times New Roman" panose="02020603050405020304" pitchFamily="18" charset="0"/>
+                        </a:rPr>
+                        <a:t>3.45</a:t>
+                      </a:r>
+                      <a:endParaRPr lang="zh-CN" altLang="en-US" dirty="0">
+                        <a:latin typeface="Times New Roman" panose="02020603050405020304" pitchFamily="18" charset="0"/>
+                        <a:cs typeface="Times New Roman" panose="02020603050405020304" pitchFamily="18" charset="0"/>
+                      </a:endParaRPr>
+                    </a:p>
+                  </a:txBody>
+                  <a:tcPr/>
+                </a:tc>
+                <a:tc>
+                  <a:txBody>
+                    <a:bodyPr/>
+                    <a:lstStyle/>
+                    <a:p>
+                      <a:endParaRPr lang="zh-CN" altLang="en-US">
+                        <a:latin typeface="Times New Roman" panose="02020603050405020304" pitchFamily="18" charset="0"/>
+                        <a:cs typeface="Times New Roman" panose="02020603050405020304" pitchFamily="18" charset="0"/>
+                      </a:endParaRPr>
+                    </a:p>
+                  </a:txBody>
+                  <a:tcPr/>
+                </a:tc>
+                <a:tc>
+                  <a:txBody>
+                    <a:bodyPr/>
+                    <a:lstStyle/>
+                    <a:p>
+                      <a:r>
+                        <a:rPr lang="en-US" altLang="zh-CN" dirty="0">
+                          <a:latin typeface="Times New Roman" panose="02020603050405020304" pitchFamily="18" charset="0"/>
+                          <a:cs typeface="Times New Roman" panose="02020603050405020304" pitchFamily="18" charset="0"/>
+                        </a:rPr>
+                        <a:t>2.47</a:t>
+                      </a:r>
+                      <a:endParaRPr lang="zh-CN" altLang="en-US" dirty="0">
+                        <a:latin typeface="Times New Roman" panose="02020603050405020304" pitchFamily="18" charset="0"/>
+                        <a:cs typeface="Times New Roman" panose="02020603050405020304" pitchFamily="18" charset="0"/>
+                      </a:endParaRPr>
+                    </a:p>
+                  </a:txBody>
+                  <a:tcPr/>
+                </a:tc>
+                <a:tc>
+                  <a:txBody>
+                    <a:bodyPr/>
+                    <a:lstStyle/>
+                    <a:p>
+                      <a:endParaRPr lang="zh-CN" altLang="en-US" dirty="0">
+                        <a:latin typeface="Times New Roman" panose="02020603050405020304" pitchFamily="18" charset="0"/>
+                        <a:cs typeface="Times New Roman" panose="02020603050405020304" pitchFamily="18" charset="0"/>
+                      </a:endParaRPr>
+                    </a:p>
+                  </a:txBody>
+                  <a:tcPr/>
+                </a:tc>
+                <a:tc>
+                  <a:txBody>
+                    <a:bodyPr/>
+                    <a:lstStyle/>
+                    <a:p>
+                      <a:endParaRPr lang="zh-CN" altLang="en-US" dirty="0">
+                        <a:latin typeface="Times New Roman" panose="02020603050405020304" pitchFamily="18" charset="0"/>
+                        <a:cs typeface="Times New Roman" panose="02020603050405020304" pitchFamily="18" charset="0"/>
+                      </a:endParaRPr>
+                    </a:p>
+                  </a:txBody>
+                  <a:tcPr/>
+                </a:tc>
+                <a:tc>
+                  <a:txBody>
+                    <a:bodyPr/>
+                    <a:lstStyle/>
+                    <a:p>
+                      <a:endParaRPr lang="zh-CN" altLang="en-US">
+                        <a:latin typeface="Times New Roman" panose="02020603050405020304" pitchFamily="18" charset="0"/>
+                        <a:cs typeface="Times New Roman" panose="02020603050405020304" pitchFamily="18" charset="0"/>
+                      </a:endParaRPr>
+                    </a:p>
+                  </a:txBody>
+                  <a:tcPr/>
+                </a:tc>
+                <a:tc>
+                  <a:txBody>
+                    <a:bodyPr/>
+                    <a:lstStyle/>
+                    <a:p>
+                      <a:endParaRPr lang="zh-CN" altLang="en-US">
+                        <a:latin typeface="Times New Roman" panose="02020603050405020304" pitchFamily="18" charset="0"/>
+                        <a:cs typeface="Times New Roman" panose="02020603050405020304" pitchFamily="18" charset="0"/>
+                      </a:endParaRPr>
+                    </a:p>
+                  </a:txBody>
+                  <a:tcPr/>
+                </a:tc>
+                <a:tc>
+                  <a:txBody>
+                    <a:bodyPr/>
+                    <a:lstStyle/>
+                    <a:p>
+                      <a:endParaRPr lang="zh-CN" altLang="en-US"/>
+                    </a:p>
+                  </a:txBody>
+                  <a:tcPr/>
+                </a:tc>
+                <a:extLst>
+                  <a:ext uri="{0D108BD9-81ED-4DB2-BD59-A6C34878D82A}">
+                    <a16:rowId xmlns:a16="http://schemas.microsoft.com/office/drawing/2014/main" val="2897520415"/>
+                  </a:ext>
+                </a:extLst>
+              </a:tr>
+              <a:tr h="370840">
+                <a:tc>
+                  <a:txBody>
+                    <a:bodyPr/>
+                    <a:lstStyle/>
+                    <a:p>
+                      <a:r>
+                        <a:rPr lang="en-US" altLang="zh-CN" dirty="0">
+                          <a:latin typeface="Times New Roman" panose="02020603050405020304" pitchFamily="18" charset="0"/>
+                          <a:cs typeface="Times New Roman" panose="02020603050405020304" pitchFamily="18" charset="0"/>
+                        </a:rPr>
+                        <a:t>48</a:t>
+                      </a:r>
+                      <a:endParaRPr lang="zh-CN" altLang="en-US" dirty="0">
+                        <a:latin typeface="Times New Roman" panose="02020603050405020304" pitchFamily="18" charset="0"/>
+                        <a:cs typeface="Times New Roman" panose="02020603050405020304" pitchFamily="18" charset="0"/>
+                      </a:endParaRPr>
+                    </a:p>
+                  </a:txBody>
+                  <a:tcPr/>
+                </a:tc>
+                <a:tc>
+                  <a:txBody>
+                    <a:bodyPr/>
+                    <a:lstStyle/>
+                    <a:p>
+                      <a:pPr marL="0" marR="0" lvl="0" indent="0" algn="l" defTabSz="914400" rtl="0" eaLnBrk="1" fontAlgn="auto" latinLnBrk="0" hangingPunct="1">
+                        <a:lnSpc>
+                          <a:spcPct val="100000"/>
+                        </a:lnSpc>
+                        <a:spcBef>
+                          <a:spcPts val="0"/>
+                        </a:spcBef>
+                        <a:spcAft>
+                          <a:spcPts val="0"/>
+                        </a:spcAft>
+                        <a:buClrTx/>
+                        <a:buSzTx/>
+                        <a:buFontTx/>
+                        <a:buNone/>
+                        <a:tabLst/>
+                        <a:defRPr/>
+                      </a:pPr>
+                      <a:r>
+                        <a:rPr lang="en-US" altLang="zh-CN" sz="1800" kern="1200" dirty="0">
+                          <a:solidFill>
+                            <a:schemeClr val="dk1"/>
+                          </a:solidFill>
+                          <a:effectLst/>
+                          <a:latin typeface="Times New Roman" panose="02020603050405020304" pitchFamily="18" charset="0"/>
+                          <a:ea typeface="+mn-ea"/>
+                          <a:cs typeface="Times New Roman" panose="02020603050405020304" pitchFamily="18" charset="0"/>
+                        </a:rPr>
+                        <a:t>3.16</a:t>
+                      </a:r>
+                    </a:p>
+                  </a:txBody>
+                  <a:tcPr/>
+                </a:tc>
+                <a:tc>
+                  <a:txBody>
+                    <a:bodyPr/>
+                    <a:lstStyle/>
+                    <a:p>
+                      <a:pPr marL="0" marR="0" lvl="0" indent="0" algn="l" defTabSz="914400" rtl="0" eaLnBrk="1" fontAlgn="auto" latinLnBrk="0" hangingPunct="1">
+                        <a:lnSpc>
+                          <a:spcPct val="100000"/>
+                        </a:lnSpc>
+                        <a:spcBef>
+                          <a:spcPts val="0"/>
+                        </a:spcBef>
+                        <a:spcAft>
+                          <a:spcPts val="0"/>
+                        </a:spcAft>
+                        <a:buClrTx/>
+                        <a:buSzTx/>
+                        <a:buFontTx/>
+                        <a:buNone/>
+                        <a:tabLst/>
+                        <a:defRPr/>
+                      </a:pPr>
+                      <a:r>
+                        <a:rPr lang="en-US" altLang="zh-CN" sz="1800" kern="1200" dirty="0">
+                          <a:solidFill>
+                            <a:schemeClr val="dk1"/>
+                          </a:solidFill>
+                          <a:effectLst/>
+                          <a:latin typeface="Times New Roman" panose="02020603050405020304" pitchFamily="18" charset="0"/>
+                          <a:ea typeface="+mn-ea"/>
+                          <a:cs typeface="Times New Roman" panose="02020603050405020304" pitchFamily="18" charset="0"/>
+                        </a:rPr>
+                        <a:t>2.67</a:t>
+                      </a:r>
+                    </a:p>
+                  </a:txBody>
+                  <a:tcPr/>
+                </a:tc>
+                <a:tc>
+                  <a:txBody>
+                    <a:bodyPr/>
+                    <a:lstStyle/>
+                    <a:p>
+                      <a:pPr marL="0" marR="0" lvl="0" indent="0" algn="l" defTabSz="914400" rtl="0" eaLnBrk="1" fontAlgn="auto" latinLnBrk="0" hangingPunct="1">
+                        <a:lnSpc>
+                          <a:spcPct val="100000"/>
+                        </a:lnSpc>
+                        <a:spcBef>
+                          <a:spcPts val="0"/>
+                        </a:spcBef>
+                        <a:spcAft>
+                          <a:spcPts val="0"/>
+                        </a:spcAft>
+                        <a:buClrTx/>
+                        <a:buSzTx/>
+                        <a:buFontTx/>
+                        <a:buNone/>
+                        <a:tabLst/>
+                        <a:defRPr/>
+                      </a:pPr>
+                      <a:r>
+                        <a:rPr lang="en-US" altLang="zh-CN" sz="1800" kern="1200" dirty="0">
+                          <a:solidFill>
+                            <a:schemeClr val="dk1"/>
+                          </a:solidFill>
+                          <a:effectLst/>
+                          <a:latin typeface="Times New Roman" panose="02020603050405020304" pitchFamily="18" charset="0"/>
+                          <a:ea typeface="+mn-ea"/>
+                          <a:cs typeface="Times New Roman" panose="02020603050405020304" pitchFamily="18" charset="0"/>
+                        </a:rPr>
+                        <a:t>2.34</a:t>
+                      </a:r>
+                    </a:p>
+                  </a:txBody>
+                  <a:tcPr/>
+                </a:tc>
+                <a:tc>
+                  <a:txBody>
+                    <a:bodyPr/>
+                    <a:lstStyle/>
+                    <a:p>
+                      <a:pPr marL="0" marR="0" lvl="0" indent="0" algn="l" defTabSz="914400" rtl="0" eaLnBrk="1" fontAlgn="auto" latinLnBrk="0" hangingPunct="1">
+                        <a:lnSpc>
+                          <a:spcPct val="100000"/>
+                        </a:lnSpc>
+                        <a:spcBef>
+                          <a:spcPts val="0"/>
+                        </a:spcBef>
+                        <a:spcAft>
+                          <a:spcPts val="0"/>
+                        </a:spcAft>
+                        <a:buClrTx/>
+                        <a:buSzTx/>
+                        <a:buFontTx/>
+                        <a:buNone/>
+                        <a:tabLst/>
+                        <a:defRPr/>
+                      </a:pPr>
+                      <a:r>
+                        <a:rPr lang="en-US" altLang="zh-CN" sz="1800" kern="1200" dirty="0">
+                          <a:solidFill>
+                            <a:schemeClr val="dk1"/>
+                          </a:solidFill>
+                          <a:effectLst/>
+                          <a:latin typeface="Times New Roman" panose="02020603050405020304" pitchFamily="18" charset="0"/>
+                          <a:ea typeface="+mn-ea"/>
+                          <a:cs typeface="Times New Roman" panose="02020603050405020304" pitchFamily="18" charset="0"/>
+                        </a:rPr>
+                        <a:t>2.08</a:t>
+                      </a:r>
+                    </a:p>
+                  </a:txBody>
+                  <a:tcPr/>
+                </a:tc>
+                <a:tc>
+                  <a:txBody>
+                    <a:bodyPr/>
+                    <a:lstStyle/>
+                    <a:p>
+                      <a:pPr marL="0" marR="0" lvl="0" indent="0" algn="l" defTabSz="914400" rtl="0" eaLnBrk="1" fontAlgn="auto" latinLnBrk="0" hangingPunct="1">
+                        <a:lnSpc>
+                          <a:spcPct val="100000"/>
+                        </a:lnSpc>
+                        <a:spcBef>
+                          <a:spcPts val="0"/>
+                        </a:spcBef>
+                        <a:spcAft>
+                          <a:spcPts val="0"/>
+                        </a:spcAft>
+                        <a:buClrTx/>
+                        <a:buSzTx/>
+                        <a:buFontTx/>
+                        <a:buNone/>
+                        <a:tabLst/>
+                        <a:defRPr/>
+                      </a:pPr>
+                      <a:r>
+                        <a:rPr lang="en-US" altLang="zh-CN" sz="1800" kern="1200" dirty="0">
+                          <a:solidFill>
+                            <a:schemeClr val="dk1"/>
+                          </a:solidFill>
+                          <a:effectLst/>
+                          <a:latin typeface="Times New Roman" panose="02020603050405020304" pitchFamily="18" charset="0"/>
+                          <a:ea typeface="+mn-ea"/>
+                          <a:cs typeface="Times New Roman" panose="02020603050405020304" pitchFamily="18" charset="0"/>
+                        </a:rPr>
+                        <a:t>1.92</a:t>
+                      </a:r>
+                    </a:p>
+                  </a:txBody>
+                  <a:tcPr/>
+                </a:tc>
+                <a:tc>
+                  <a:txBody>
+                    <a:bodyPr/>
+                    <a:lstStyle/>
+                    <a:p>
+                      <a:pPr marL="0" marR="0" lvl="0" indent="0" algn="l" defTabSz="914400" rtl="0" eaLnBrk="1" fontAlgn="auto" latinLnBrk="0" hangingPunct="1">
+                        <a:lnSpc>
+                          <a:spcPct val="100000"/>
+                        </a:lnSpc>
+                        <a:spcBef>
+                          <a:spcPts val="0"/>
+                        </a:spcBef>
+                        <a:spcAft>
+                          <a:spcPts val="0"/>
+                        </a:spcAft>
+                        <a:buClrTx/>
+                        <a:buSzTx/>
+                        <a:buFontTx/>
+                        <a:buNone/>
+                        <a:tabLst/>
+                        <a:defRPr/>
+                      </a:pPr>
+                      <a:r>
+                        <a:rPr lang="en-US" altLang="zh-CN" sz="1800" kern="1200" dirty="0">
+                          <a:solidFill>
+                            <a:schemeClr val="dk1"/>
+                          </a:solidFill>
+                          <a:effectLst/>
+                          <a:latin typeface="Times New Roman" panose="02020603050405020304" pitchFamily="18" charset="0"/>
+                          <a:ea typeface="+mn-ea"/>
+                          <a:cs typeface="Times New Roman" panose="02020603050405020304" pitchFamily="18" charset="0"/>
+                        </a:rPr>
+                        <a:t>1.78</a:t>
+                      </a:r>
+                    </a:p>
+                  </a:txBody>
+                  <a:tcPr/>
+                </a:tc>
+                <a:tc>
+                  <a:txBody>
+                    <a:bodyPr/>
+                    <a:lstStyle/>
+                    <a:p>
+                      <a:pPr marL="0" marR="0" lvl="0" indent="0" algn="l" defTabSz="914400" rtl="0" eaLnBrk="1" fontAlgn="auto" latinLnBrk="0" hangingPunct="1">
+                        <a:lnSpc>
+                          <a:spcPct val="100000"/>
+                        </a:lnSpc>
+                        <a:spcBef>
+                          <a:spcPts val="0"/>
+                        </a:spcBef>
+                        <a:spcAft>
+                          <a:spcPts val="0"/>
+                        </a:spcAft>
+                        <a:buClrTx/>
+                        <a:buSzTx/>
+                        <a:buFontTx/>
+                        <a:buNone/>
+                        <a:tabLst/>
+                        <a:defRPr/>
+                      </a:pPr>
+                      <a:r>
+                        <a:rPr lang="en-US" altLang="zh-CN" sz="1800" kern="1200" dirty="0">
+                          <a:solidFill>
+                            <a:schemeClr val="dk1"/>
+                          </a:solidFill>
+                          <a:effectLst/>
+                          <a:latin typeface="Times New Roman" panose="02020603050405020304" pitchFamily="18" charset="0"/>
+                          <a:ea typeface="+mn-ea"/>
+                          <a:cs typeface="Times New Roman" panose="02020603050405020304" pitchFamily="18" charset="0"/>
+                        </a:rPr>
+                        <a:t>1.47</a:t>
+                      </a:r>
+                    </a:p>
+                  </a:txBody>
+                  <a:tcPr/>
+                </a:tc>
+                <a:tc>
+                  <a:txBody>
+                    <a:bodyPr/>
+                    <a:lstStyle/>
+                    <a:p>
+                      <a:endParaRPr lang="zh-CN" altLang="en-US" dirty="0"/>
+                    </a:p>
+                  </a:txBody>
+                  <a:tcPr/>
+                </a:tc>
+                <a:extLst>
+                  <a:ext uri="{0D108BD9-81ED-4DB2-BD59-A6C34878D82A}">
+                    <a16:rowId xmlns:a16="http://schemas.microsoft.com/office/drawing/2014/main" val="2212377042"/>
+                  </a:ext>
+                </a:extLst>
+              </a:tr>
+            </a:tbl>
+          </a:graphicData>
+        </a:graphic>
+      </p:graphicFrame>
+      <p:sp>
+        <p:nvSpPr>
+          <p:cNvPr id="3" name="文本框 2">
+            <a:extLst>
+              <a:ext uri="{FF2B5EF4-FFF2-40B4-BE49-F238E27FC236}">
+                <a16:creationId xmlns:a16="http://schemas.microsoft.com/office/drawing/2014/main" id="{E634996C-E757-F54C-9169-CC55900C3E6C}"/>
+              </a:ext>
+            </a:extLst>
+          </p:cNvPr>
+          <p:cNvSpPr txBox="1"/>
+          <p:nvPr/>
+        </p:nvSpPr>
+        <p:spPr>
+          <a:xfrm>
+            <a:off x="1229446" y="5243905"/>
+            <a:ext cx="8421700" cy="923330"/>
+          </a:xfrm>
+          <a:prstGeom prst="rect">
+            <a:avLst/>
+          </a:prstGeom>
+          <a:noFill/>
+        </p:spPr>
+        <p:txBody>
+          <a:bodyPr wrap="square" rtlCol="0">
+            <a:spAutoFit/>
+          </a:bodyPr>
+          <a:lstStyle/>
+          <a:p>
+            <a:r>
+              <a:rPr kumimoji="1" lang="en-US" altLang="zh-CN" dirty="0">
+                <a:latin typeface="Times New Roman" panose="02020603050405020304" pitchFamily="18" charset="0"/>
+                <a:cs typeface="Times New Roman" panose="02020603050405020304" pitchFamily="18" charset="0"/>
+              </a:rPr>
+              <a:t>I recalculated Lx = 48 on D = 8000. The energy value is lower than before by at least 0.02. The state of Lx=48 we get previously may be trapped to local minimum thus the correlation may not right.</a:t>
+            </a:r>
+            <a:endParaRPr kumimoji="1" lang="zh-CN" altLang="en-US" dirty="0">
+              <a:latin typeface="Times New Roman" panose="02020603050405020304" pitchFamily="18" charset="0"/>
+              <a:cs typeface="Times New Roman" panose="02020603050405020304" pitchFamily="18" charset="0"/>
+            </a:endParaRPr>
+          </a:p>
+        </p:txBody>
+      </p:sp>
+    </p:spTree>
+    <p:extLst>
+      <p:ext uri="{BB962C8B-B14F-4D97-AF65-F5344CB8AC3E}">
+        <p14:creationId xmlns:p14="http://schemas.microsoft.com/office/powerpoint/2010/main" val="902149289"/>
+      </p:ext>
+    </p:extLst>
+  </p:cSld>
+  <p:clrMapOvr>
+    <a:masterClrMapping/>
+  </p:clrMapOvr>
+</p:sld>
+</file>
+
+<file path=ppt/slides/slide4.xml><?xml version="1.0" encoding="utf-8"?>
+<p:sld xmlns:a="http://schemas.openxmlformats.org/drawingml/2006/main" xmlns:r="http://schemas.openxmlformats.org/officeDocument/2006/relationships" xmlns:p="http://schemas.openxmlformats.org/presentationml/2006/main">
+  <p:cSld>
+    <p:spTree>
+      <p:nvGrpSpPr>
+        <p:cNvPr id="1" name=""/>
+        <p:cNvGrpSpPr/>
+        <p:nvPr/>
+      </p:nvGrpSpPr>
+      <p:grpSpPr>
+        <a:xfrm>
+          <a:off x="0" y="0"/>
+          <a:ext cx="0" cy="0"/>
+          <a:chOff x="0" y="0"/>
+          <a:chExt cx="0" cy="0"/>
+        </a:xfrm>
+      </p:grpSpPr>
+      <mc:AlternateContent xmlns:mc="http://schemas.openxmlformats.org/markup-compatibility/2006" xmlns:a14="http://schemas.microsoft.com/office/drawing/2010/main">
+        <mc:Choice Requires="a14">
+          <p:sp>
+            <p:nvSpPr>
+              <p:cNvPr id="4" name="文本框 3">
+                <a:extLst>
+                  <a:ext uri="{FF2B5EF4-FFF2-40B4-BE49-F238E27FC236}">
+                    <a16:creationId xmlns:a16="http://schemas.microsoft.com/office/drawing/2014/main" id="{728F85E9-9DCF-A148-9D68-C682AA7D6BA0}"/>
+                  </a:ext>
+                </a:extLst>
+              </p:cNvPr>
+              <p:cNvSpPr txBox="1"/>
+              <p:nvPr/>
+            </p:nvSpPr>
+            <p:spPr>
+              <a:xfrm>
+                <a:off x="653143" y="284309"/>
+                <a:ext cx="6531428" cy="646331"/>
+              </a:xfrm>
+              <a:prstGeom prst="rect">
+                <a:avLst/>
+              </a:prstGeom>
+              <a:noFill/>
+            </p:spPr>
+            <p:txBody>
+              <a:bodyPr wrap="square" rtlCol="0">
+                <a:spAutoFit/>
+              </a:bodyPr>
+              <a:lstStyle/>
+              <a:p>
+                <a:r>
+                  <a:rPr kumimoji="1" lang="en-US" altLang="zh-CN" sz="3600" dirty="0">
+                    <a:latin typeface="Times New Roman" panose="02020603050405020304" pitchFamily="18" charset="0"/>
+                    <a:cs typeface="Times New Roman" panose="02020603050405020304" pitchFamily="18" charset="0"/>
+                  </a:rPr>
+                  <a:t>Fit </a:t>
+                </a:r>
+                <a14:m>
+                  <m:oMath xmlns:m="http://schemas.openxmlformats.org/officeDocument/2006/math">
+                    <m:sSub>
+                      <m:sSubPr>
+                        <m:ctrlPr>
+                          <a:rPr kumimoji="1" lang="en-US" altLang="zh-CN" sz="3600" i="1" dirty="0" smtClean="0">
+                            <a:latin typeface="Cambria Math" panose="02040503050406030204" pitchFamily="18" charset="0"/>
+                          </a:rPr>
+                        </m:ctrlPr>
+                      </m:sSubPr>
+                      <m:e>
+                        <m:r>
+                          <a:rPr kumimoji="1" lang="en-US" altLang="zh-CN" sz="3600" i="1" dirty="0" smtClean="0">
+                            <a:latin typeface="Cambria Math" panose="02040503050406030204" pitchFamily="18" charset="0"/>
+                          </a:rPr>
+                          <m:t>𝐾</m:t>
+                        </m:r>
+                      </m:e>
+                      <m:sub>
+                        <m:r>
+                          <a:rPr kumimoji="1" lang="en-US" altLang="zh-CN" sz="3600" i="1" dirty="0" smtClean="0">
+                            <a:latin typeface="Cambria Math" panose="02040503050406030204" pitchFamily="18" charset="0"/>
+                          </a:rPr>
+                          <m:t>𝑐</m:t>
+                        </m:r>
+                      </m:sub>
+                    </m:sSub>
+                  </m:oMath>
+                </a14:m>
+                <a:r>
+                  <a:rPr kumimoji="1" lang="en-US" altLang="zh-CN" sz="3600" dirty="0">
+                    <a:latin typeface="Times New Roman" panose="02020603050405020304" pitchFamily="18" charset="0"/>
+                    <a:cs typeface="Times New Roman" panose="02020603050405020304" pitchFamily="18" charset="0"/>
+                  </a:rPr>
+                  <a:t> from </a:t>
+                </a:r>
+                <a14:m>
+                  <m:oMath xmlns:m="http://schemas.openxmlformats.org/officeDocument/2006/math">
+                    <m:sSub>
+                      <m:sSubPr>
+                        <m:ctrlPr>
+                          <a:rPr kumimoji="1" lang="en-US" altLang="zh-CN" sz="3600" i="1" dirty="0" smtClean="0">
+                            <a:latin typeface="Cambria Math" panose="02040503050406030204" pitchFamily="18" charset="0"/>
+                          </a:rPr>
+                        </m:ctrlPr>
+                      </m:sSubPr>
+                      <m:e>
+                        <m:r>
+                          <a:rPr kumimoji="1" lang="en-US" altLang="zh-CN" sz="3600" i="1" dirty="0" smtClean="0">
+                            <a:latin typeface="Cambria Math" panose="02040503050406030204" pitchFamily="18" charset="0"/>
+                          </a:rPr>
+                          <m:t>𝐴</m:t>
+                        </m:r>
+                      </m:e>
+                      <m:sub>
+                        <m:r>
+                          <a:rPr kumimoji="1" lang="en-US" altLang="zh-CN" sz="3600" i="1" dirty="0" smtClean="0">
+                            <a:latin typeface="Cambria Math" panose="02040503050406030204" pitchFamily="18" charset="0"/>
+                          </a:rPr>
+                          <m:t>𝑐𝑑𝑤</m:t>
+                        </m:r>
+                      </m:sub>
+                    </m:sSub>
+                  </m:oMath>
+                </a14:m>
+                <a:endParaRPr kumimoji="1" lang="zh-CN" altLang="en-US" sz="3600" dirty="0">
+                  <a:latin typeface="Times New Roman" panose="02020603050405020304" pitchFamily="18" charset="0"/>
+                  <a:cs typeface="Times New Roman" panose="02020603050405020304" pitchFamily="18" charset="0"/>
+                </a:endParaRPr>
+              </a:p>
+            </p:txBody>
+          </p:sp>
+        </mc:Choice>
+        <mc:Fallback xmlns="">
+          <p:sp>
+            <p:nvSpPr>
+              <p:cNvPr id="4" name="文本框 3">
+                <a:extLst>
+                  <a:ext uri="{FF2B5EF4-FFF2-40B4-BE49-F238E27FC236}">
+                    <a16:creationId xmlns:a16="http://schemas.microsoft.com/office/drawing/2014/main" id="{728F85E9-9DCF-A148-9D68-C682AA7D6BA0}"/>
+                  </a:ext>
+                </a:extLst>
+              </p:cNvPr>
+              <p:cNvSpPr txBox="1">
+                <a:spLocks noRot="1" noChangeAspect="1" noMove="1" noResize="1" noEditPoints="1" noAdjustHandles="1" noChangeArrowheads="1" noChangeShapeType="1" noTextEdit="1"/>
+              </p:cNvSpPr>
+              <p:nvPr/>
+            </p:nvSpPr>
+            <p:spPr>
+              <a:xfrm>
+                <a:off x="653143" y="284309"/>
+                <a:ext cx="6531428" cy="646331"/>
+              </a:xfrm>
+              <a:prstGeom prst="rect">
+                <a:avLst/>
+              </a:prstGeom>
+              <a:blipFill>
+                <a:blip r:embed="rId3"/>
+                <a:stretch>
+                  <a:fillRect l="-2913" t="-15385" b="-32692"/>
+                </a:stretch>
+              </a:blipFill>
+            </p:spPr>
+            <p:txBody>
+              <a:bodyPr/>
+              <a:lstStyle/>
+              <a:p>
+                <a:r>
+                  <a:rPr lang="zh-CN" altLang="en-US">
+                    <a:noFill/>
+                  </a:rPr>
+                  <a:t> </a:t>
+                </a:r>
+              </a:p>
+            </p:txBody>
+          </p:sp>
+        </mc:Fallback>
+      </mc:AlternateContent>
+      <mc:AlternateContent xmlns:mc="http://schemas.openxmlformats.org/markup-compatibility/2006" xmlns:a14="http://schemas.microsoft.com/office/drawing/2010/main">
+        <mc:Choice Requires="a14">
+          <p:sp>
+            <p:nvSpPr>
+              <p:cNvPr id="9" name="文本框 8">
+                <a:extLst>
+                  <a:ext uri="{FF2B5EF4-FFF2-40B4-BE49-F238E27FC236}">
+                    <a16:creationId xmlns:a16="http://schemas.microsoft.com/office/drawing/2014/main" id="{80C32E13-0BEA-8B47-9B69-0BEA0128F327}"/>
+                  </a:ext>
+                </a:extLst>
+              </p:cNvPr>
+              <p:cNvSpPr txBox="1"/>
+              <p:nvPr/>
+            </p:nvSpPr>
+            <p:spPr>
+              <a:xfrm>
+                <a:off x="6600585" y="5553840"/>
+                <a:ext cx="3019825" cy="612732"/>
+              </a:xfrm>
+              <a:prstGeom prst="rect">
+                <a:avLst/>
+              </a:prstGeom>
+              <a:noFill/>
+            </p:spPr>
+            <p:txBody>
+              <a:bodyPr wrap="square" rtlCol="0">
+                <a:spAutoFit/>
+              </a:bodyPr>
+              <a:lstStyle/>
+              <a:p>
+                <a:pPr/>
+                <a14:m>
+                  <m:oMathPara xmlns:m="http://schemas.openxmlformats.org/officeDocument/2006/math">
+                    <m:oMathParaPr>
+                      <m:jc m:val="centerGroup"/>
+                    </m:oMathParaPr>
+                    <m:oMath xmlns:m="http://schemas.openxmlformats.org/officeDocument/2006/math">
+                      <m:f>
+                        <m:fPr>
+                          <m:ctrlPr>
+                            <a:rPr kumimoji="1" lang="en-US" altLang="zh-CN" b="0" i="1" smtClean="0">
+                              <a:latin typeface="Cambria Math" panose="02040503050406030204" pitchFamily="18" charset="0"/>
+                            </a:rPr>
+                          </m:ctrlPr>
+                        </m:fPr>
+                        <m:num>
+                          <m:r>
+                            <a:rPr kumimoji="1" lang="en-US" altLang="zh-CN" b="0" i="1" smtClean="0">
+                              <a:latin typeface="Cambria Math" panose="02040503050406030204" pitchFamily="18" charset="0"/>
+                            </a:rPr>
+                            <m:t>1</m:t>
+                          </m:r>
+                        </m:num>
+                        <m:den>
+                          <m:r>
+                            <a:rPr kumimoji="1" lang="en-US" altLang="zh-CN" b="0" i="1" smtClean="0">
+                              <a:latin typeface="Cambria Math" panose="02040503050406030204" pitchFamily="18" charset="0"/>
+                            </a:rPr>
+                            <m:t>0.706</m:t>
+                          </m:r>
+                        </m:den>
+                      </m:f>
+                      <m:r>
+                        <a:rPr kumimoji="1" lang="en-US" altLang="zh-CN" i="1">
+                          <a:latin typeface="Cambria Math" panose="02040503050406030204" pitchFamily="18" charset="0"/>
+                        </a:rPr>
+                        <m:t>=1.</m:t>
+                      </m:r>
+                      <m:r>
+                        <a:rPr kumimoji="1" lang="en-US" altLang="zh-CN" b="0" i="1" smtClean="0">
+                          <a:latin typeface="Cambria Math" panose="02040503050406030204" pitchFamily="18" charset="0"/>
+                        </a:rPr>
+                        <m:t>4159</m:t>
+                      </m:r>
+                    </m:oMath>
+                  </m:oMathPara>
+                </a14:m>
+                <a:endParaRPr kumimoji="1" lang="zh-CN" altLang="en-US" dirty="0"/>
+              </a:p>
+            </p:txBody>
+          </p:sp>
+        </mc:Choice>
+        <mc:Fallback xmlns="">
+          <p:sp>
+            <p:nvSpPr>
+              <p:cNvPr id="9" name="文本框 8">
+                <a:extLst>
+                  <a:ext uri="{FF2B5EF4-FFF2-40B4-BE49-F238E27FC236}">
+                    <a16:creationId xmlns:a16="http://schemas.microsoft.com/office/drawing/2014/main" id="{80C32E13-0BEA-8B47-9B69-0BEA0128F327}"/>
+                  </a:ext>
+                </a:extLst>
+              </p:cNvPr>
+              <p:cNvSpPr txBox="1">
+                <a:spLocks noRot="1" noChangeAspect="1" noMove="1" noResize="1" noEditPoints="1" noAdjustHandles="1" noChangeArrowheads="1" noChangeShapeType="1" noTextEdit="1"/>
+              </p:cNvSpPr>
+              <p:nvPr/>
+            </p:nvSpPr>
+            <p:spPr>
+              <a:xfrm>
+                <a:off x="6600585" y="5553840"/>
+                <a:ext cx="3019825" cy="612732"/>
+              </a:xfrm>
+              <a:prstGeom prst="rect">
+                <a:avLst/>
+              </a:prstGeom>
+              <a:blipFill>
+                <a:blip r:embed="rId4"/>
+                <a:stretch>
+                  <a:fillRect b="-4082"/>
+                </a:stretch>
+              </a:blipFill>
+            </p:spPr>
+            <p:txBody>
+              <a:bodyPr/>
+              <a:lstStyle/>
+              <a:p>
+                <a:r>
+                  <a:rPr lang="zh-CN" altLang="en-US">
+                    <a:noFill/>
+                  </a:rPr>
+                  <a:t> </a:t>
+                </a:r>
+              </a:p>
+            </p:txBody>
+          </p:sp>
+        </mc:Fallback>
+      </mc:AlternateContent>
+      <mc:AlternateContent xmlns:mc="http://schemas.openxmlformats.org/markup-compatibility/2006" xmlns:a14="http://schemas.microsoft.com/office/drawing/2010/main">
+        <mc:Choice Requires="a14">
+          <p:sp>
+            <p:nvSpPr>
+              <p:cNvPr id="10" name="文本框 9">
+                <a:extLst>
+                  <a:ext uri="{FF2B5EF4-FFF2-40B4-BE49-F238E27FC236}">
+                    <a16:creationId xmlns:a16="http://schemas.microsoft.com/office/drawing/2014/main" id="{12A3FB64-A5D3-B347-A542-BA5E1BE786C3}"/>
+                  </a:ext>
+                </a:extLst>
+              </p:cNvPr>
+              <p:cNvSpPr txBox="1"/>
+              <p:nvPr/>
+            </p:nvSpPr>
+            <p:spPr>
+              <a:xfrm>
+                <a:off x="6285540" y="930640"/>
+                <a:ext cx="4303059" cy="2700163"/>
+              </a:xfrm>
+              <a:prstGeom prst="rect">
+                <a:avLst/>
+              </a:prstGeom>
+              <a:noFill/>
+            </p:spPr>
+            <p:txBody>
+              <a:bodyPr wrap="square" rtlCol="0">
+                <a:spAutoFit/>
+              </a:bodyPr>
+              <a:lstStyle/>
+              <a:p>
+                <a:r>
+                  <a:rPr kumimoji="1" lang="en-US" altLang="zh-CN" dirty="0">
+                    <a:latin typeface="Times New Roman" panose="02020603050405020304" pitchFamily="18" charset="0"/>
+                    <a:cs typeface="Times New Roman" panose="02020603050405020304" pitchFamily="18" charset="0"/>
+                  </a:rPr>
+                  <a:t>The procedure of get the </a:t>
+                </a:r>
+                <a14:m>
+                  <m:oMath xmlns:m="http://schemas.openxmlformats.org/officeDocument/2006/math">
+                    <m:sSub>
+                      <m:sSubPr>
+                        <m:ctrlPr>
+                          <a:rPr kumimoji="1" lang="en-US" altLang="zh-CN" i="1" dirty="0" smtClean="0">
+                            <a:latin typeface="Cambria Math" panose="02040503050406030204" pitchFamily="18" charset="0"/>
+                            <a:cs typeface="Times New Roman" panose="02020603050405020304" pitchFamily="18" charset="0"/>
+                          </a:rPr>
+                        </m:ctrlPr>
+                      </m:sSubPr>
+                      <m:e>
+                        <m:r>
+                          <a:rPr kumimoji="1" lang="en-US" altLang="zh-CN" i="1" dirty="0" smtClean="0">
+                            <a:latin typeface="Cambria Math" panose="02040503050406030204" pitchFamily="18" charset="0"/>
+                            <a:cs typeface="Times New Roman" panose="02020603050405020304" pitchFamily="18" charset="0"/>
+                          </a:rPr>
+                          <m:t>𝐴</m:t>
+                        </m:r>
+                      </m:e>
+                      <m:sub>
+                        <m:r>
+                          <a:rPr kumimoji="1" lang="en-US" altLang="zh-CN" i="1" dirty="0" smtClean="0">
+                            <a:latin typeface="Cambria Math" panose="02040503050406030204" pitchFamily="18" charset="0"/>
+                            <a:cs typeface="Times New Roman" panose="02020603050405020304" pitchFamily="18" charset="0"/>
+                          </a:rPr>
+                          <m:t>𝑐𝑑𝑤</m:t>
+                        </m:r>
+                      </m:sub>
+                    </m:sSub>
+                  </m:oMath>
+                </a14:m>
+                <a:r>
+                  <a:rPr kumimoji="1" lang="en-US" altLang="zh-CN" dirty="0">
+                    <a:latin typeface="Times New Roman" panose="02020603050405020304" pitchFamily="18" charset="0"/>
+                    <a:cs typeface="Times New Roman" panose="02020603050405020304" pitchFamily="18" charset="0"/>
+                  </a:rPr>
+                  <a:t>:</a:t>
+                </a:r>
+              </a:p>
+              <a:p>
+                <a:pPr marL="342900" indent="-342900">
+                  <a:buAutoNum type="arabicPeriod"/>
+                </a:pPr>
+                <a:r>
+                  <a:rPr kumimoji="1" lang="en-US" altLang="zh-CN" dirty="0">
+                    <a:latin typeface="Times New Roman" panose="02020603050405020304" pitchFamily="18" charset="0"/>
+                    <a:cs typeface="Times New Roman" panose="02020603050405020304" pitchFamily="18" charset="0"/>
+                  </a:rPr>
+                  <a:t>Linearly extrapolate the charge density data </a:t>
+                </a:r>
+                <a14:m>
+                  <m:oMath xmlns:m="http://schemas.openxmlformats.org/officeDocument/2006/math">
+                    <m:r>
+                      <a:rPr kumimoji="1" lang="en-US" altLang="zh-CN" i="1" dirty="0" smtClean="0">
+                        <a:latin typeface="Cambria Math" panose="02040503050406030204" pitchFamily="18" charset="0"/>
+                        <a:cs typeface="Times New Roman" panose="02020603050405020304" pitchFamily="18" charset="0"/>
+                      </a:rPr>
+                      <m:t>𝑛</m:t>
+                    </m:r>
+                    <m:r>
+                      <a:rPr kumimoji="1" lang="en-US" altLang="zh-CN" i="1" dirty="0" smtClean="0">
+                        <a:latin typeface="Cambria Math" panose="02040503050406030204" pitchFamily="18" charset="0"/>
+                        <a:cs typeface="Times New Roman" panose="02020603050405020304" pitchFamily="18" charset="0"/>
+                      </a:rPr>
+                      <m:t>(</m:t>
+                    </m:r>
+                    <m:r>
+                      <a:rPr kumimoji="1" lang="en-US" altLang="zh-CN" i="1" dirty="0" smtClean="0">
+                        <a:latin typeface="Cambria Math" panose="02040503050406030204" pitchFamily="18" charset="0"/>
+                        <a:cs typeface="Times New Roman" panose="02020603050405020304" pitchFamily="18" charset="0"/>
+                      </a:rPr>
+                      <m:t>𝑥</m:t>
+                    </m:r>
+                    <m:r>
+                      <a:rPr kumimoji="1" lang="en-US" altLang="zh-CN" i="1" dirty="0" smtClean="0">
+                        <a:latin typeface="Cambria Math" panose="02040503050406030204" pitchFamily="18" charset="0"/>
+                        <a:cs typeface="Times New Roman" panose="02020603050405020304" pitchFamily="18" charset="0"/>
+                      </a:rPr>
+                      <m:t>) </m:t>
+                    </m:r>
+                  </m:oMath>
+                </a14:m>
+                <a:r>
+                  <a:rPr kumimoji="1" lang="en-US" altLang="zh-CN" dirty="0">
+                    <a:latin typeface="Times New Roman" panose="02020603050405020304" pitchFamily="18" charset="0"/>
+                    <a:cs typeface="Times New Roman" panose="02020603050405020304" pitchFamily="18" charset="0"/>
+                  </a:rPr>
+                  <a:t>to infinite bond dimension. The extrapolation is under the truncation error.</a:t>
+                </a:r>
+              </a:p>
+              <a:p>
+                <a:pPr marL="342900" indent="-342900">
+                  <a:buAutoNum type="arabicPeriod"/>
+                </a:pPr>
+                <a:r>
+                  <a:rPr kumimoji="1" lang="en-US" altLang="zh-CN" dirty="0">
+                    <a:latin typeface="Times New Roman" panose="02020603050405020304" pitchFamily="18" charset="0"/>
+                    <a:cs typeface="Times New Roman" panose="02020603050405020304" pitchFamily="18" charset="0"/>
+                  </a:rPr>
+                  <a:t>Symmetrize the charge density </a:t>
+                </a:r>
+                <a14:m>
+                  <m:oMath xmlns:m="http://schemas.openxmlformats.org/officeDocument/2006/math">
+                    <m:r>
+                      <a:rPr kumimoji="1" lang="en-US" altLang="zh-CN" i="1" dirty="0" smtClean="0">
+                        <a:latin typeface="Cambria Math" panose="02040503050406030204" pitchFamily="18" charset="0"/>
+                        <a:cs typeface="Times New Roman" panose="02020603050405020304" pitchFamily="18" charset="0"/>
+                      </a:rPr>
+                      <m:t>𝑛</m:t>
+                    </m:r>
+                    <m:r>
+                      <a:rPr kumimoji="1" lang="en-US" altLang="zh-CN" i="1" dirty="0" smtClean="0">
+                        <a:latin typeface="Cambria Math" panose="02040503050406030204" pitchFamily="18" charset="0"/>
+                        <a:cs typeface="Times New Roman" panose="02020603050405020304" pitchFamily="18" charset="0"/>
+                      </a:rPr>
+                      <m:t>(</m:t>
+                    </m:r>
+                    <m:r>
+                      <a:rPr kumimoji="1" lang="en-US" altLang="zh-CN" i="1" dirty="0" smtClean="0">
+                        <a:latin typeface="Cambria Math" panose="02040503050406030204" pitchFamily="18" charset="0"/>
+                        <a:cs typeface="Times New Roman" panose="02020603050405020304" pitchFamily="18" charset="0"/>
+                      </a:rPr>
+                      <m:t>𝑥</m:t>
+                    </m:r>
+                    <m:r>
+                      <a:rPr kumimoji="1" lang="en-US" altLang="zh-CN" i="1" dirty="0" smtClean="0">
+                        <a:latin typeface="Cambria Math" panose="02040503050406030204" pitchFamily="18" charset="0"/>
+                        <a:cs typeface="Times New Roman" panose="02020603050405020304" pitchFamily="18" charset="0"/>
+                      </a:rPr>
+                      <m:t>) </m:t>
+                    </m:r>
+                  </m:oMath>
+                </a14:m>
+                <a:r>
+                  <a:rPr kumimoji="1" lang="en-US" altLang="zh-CN" dirty="0">
+                    <a:latin typeface="Times New Roman" panose="02020603050405020304" pitchFamily="18" charset="0"/>
+                    <a:cs typeface="Times New Roman" panose="02020603050405020304" pitchFamily="18" charset="0"/>
+                  </a:rPr>
+                  <a:t>by reflection symmetry.</a:t>
+                </a:r>
+              </a:p>
+              <a:p>
+                <a:pPr marL="342900" indent="-342900">
+                  <a:buAutoNum type="arabicPeriod"/>
+                </a:pPr>
+                <a:r>
+                  <a:rPr kumimoji="1" lang="en-US" altLang="zh-CN" dirty="0">
+                    <a:latin typeface="Times New Roman" panose="02020603050405020304" pitchFamily="18" charset="0"/>
+                    <a:cs typeface="Times New Roman" panose="02020603050405020304" pitchFamily="18" charset="0"/>
+                  </a:rPr>
+                  <a:t>Fit </a:t>
+                </a:r>
+                <a14:m>
+                  <m:oMath xmlns:m="http://schemas.openxmlformats.org/officeDocument/2006/math">
+                    <m:sSub>
+                      <m:sSubPr>
+                        <m:ctrlPr>
+                          <a:rPr kumimoji="1" lang="en-US" altLang="zh-CN" i="1" dirty="0" smtClean="0">
+                            <a:latin typeface="Cambria Math" panose="02040503050406030204" pitchFamily="18" charset="0"/>
+                            <a:cs typeface="Times New Roman" panose="02020603050405020304" pitchFamily="18" charset="0"/>
+                          </a:rPr>
+                        </m:ctrlPr>
+                      </m:sSubPr>
+                      <m:e>
+                        <m:r>
+                          <a:rPr kumimoji="1" lang="en-US" altLang="zh-CN" i="1" dirty="0" smtClean="0">
+                            <a:latin typeface="Cambria Math" panose="02040503050406030204" pitchFamily="18" charset="0"/>
+                            <a:cs typeface="Times New Roman" panose="02020603050405020304" pitchFamily="18" charset="0"/>
+                          </a:rPr>
+                          <m:t>𝐴</m:t>
+                        </m:r>
+                      </m:e>
+                      <m:sub>
+                        <m:r>
+                          <a:rPr kumimoji="1" lang="en-US" altLang="zh-CN" i="1" dirty="0" smtClean="0">
+                            <a:latin typeface="Cambria Math" panose="02040503050406030204" pitchFamily="18" charset="0"/>
+                            <a:cs typeface="Times New Roman" panose="02020603050405020304" pitchFamily="18" charset="0"/>
+                          </a:rPr>
+                          <m:t>𝑐𝑑𝑤</m:t>
+                        </m:r>
+                      </m:sub>
+                    </m:sSub>
+                    <m:r>
+                      <a:rPr kumimoji="1" lang="en-US" altLang="zh-CN" i="1" dirty="0">
+                        <a:latin typeface="Cambria Math" panose="02040503050406030204" pitchFamily="18" charset="0"/>
+                        <a:cs typeface="Times New Roman" panose="02020603050405020304" pitchFamily="18" charset="0"/>
+                      </a:rPr>
+                      <m:t> </m:t>
+                    </m:r>
+                  </m:oMath>
+                </a14:m>
+                <a:r>
+                  <a:rPr kumimoji="1" lang="en-US" altLang="zh-CN" dirty="0">
+                    <a:latin typeface="Times New Roman" panose="02020603050405020304" pitchFamily="18" charset="0"/>
+                    <a:cs typeface="Times New Roman" panose="02020603050405020304" pitchFamily="18" charset="0"/>
+                  </a:rPr>
+                  <a:t>from </a:t>
+                </a:r>
+                <a14:m>
+                  <m:oMath xmlns:m="http://schemas.openxmlformats.org/officeDocument/2006/math">
+                    <m:f>
+                      <m:fPr>
+                        <m:ctrlPr>
+                          <a:rPr kumimoji="1" lang="en-US" altLang="zh-CN" i="1" dirty="0" smtClean="0">
+                            <a:latin typeface="Cambria Math" panose="02040503050406030204" pitchFamily="18" charset="0"/>
+                            <a:cs typeface="Times New Roman" panose="02020603050405020304" pitchFamily="18" charset="0"/>
+                          </a:rPr>
+                        </m:ctrlPr>
+                      </m:fPr>
+                      <m:num>
+                        <m:sSub>
+                          <m:sSubPr>
+                            <m:ctrlPr>
+                              <a:rPr kumimoji="1" lang="en-US" altLang="zh-CN" b="0" i="1" dirty="0" smtClean="0">
+                                <a:latin typeface="Cambria Math" panose="02040503050406030204" pitchFamily="18" charset="0"/>
+                                <a:cs typeface="Times New Roman" panose="02020603050405020304" pitchFamily="18" charset="0"/>
+                              </a:rPr>
+                            </m:ctrlPr>
+                          </m:sSubPr>
+                          <m:e>
+                            <m:r>
+                              <a:rPr kumimoji="1" lang="en-US" altLang="zh-CN" i="1" dirty="0" smtClean="0">
+                                <a:latin typeface="Cambria Math" panose="02040503050406030204" pitchFamily="18" charset="0"/>
+                                <a:cs typeface="Times New Roman" panose="02020603050405020304" pitchFamily="18" charset="0"/>
+                              </a:rPr>
+                              <m:t>𝐿</m:t>
+                            </m:r>
+                          </m:e>
+                          <m:sub>
+                            <m:r>
+                              <a:rPr kumimoji="1" lang="en-US" altLang="zh-CN" i="1" dirty="0" smtClean="0">
+                                <a:latin typeface="Cambria Math" panose="02040503050406030204" pitchFamily="18" charset="0"/>
+                                <a:cs typeface="Times New Roman" panose="02020603050405020304" pitchFamily="18" charset="0"/>
+                              </a:rPr>
+                              <m:t>𝑥</m:t>
+                            </m:r>
+                          </m:sub>
+                        </m:sSub>
+                      </m:num>
+                      <m:den>
+                        <m:r>
+                          <a:rPr kumimoji="1" lang="en-US" altLang="zh-CN" i="1" dirty="0" smtClean="0">
+                            <a:latin typeface="Cambria Math" panose="02040503050406030204" pitchFamily="18" charset="0"/>
+                            <a:cs typeface="Times New Roman" panose="02020603050405020304" pitchFamily="18" charset="0"/>
+                          </a:rPr>
+                          <m:t>4</m:t>
+                        </m:r>
+                      </m:den>
+                    </m:f>
+                    <m:r>
+                      <a:rPr kumimoji="1" lang="en-US" altLang="zh-CN" i="1" dirty="0" smtClean="0">
+                        <a:latin typeface="Cambria Math" panose="02040503050406030204" pitchFamily="18" charset="0"/>
+                        <a:cs typeface="Times New Roman" panose="02020603050405020304" pitchFamily="18" charset="0"/>
+                      </a:rPr>
+                      <m:t>+1</m:t>
+                    </m:r>
+                  </m:oMath>
+                </a14:m>
+                <a:r>
+                  <a:rPr kumimoji="1" lang="en-US" altLang="zh-CN" dirty="0">
+                    <a:latin typeface="Times New Roman" panose="02020603050405020304" pitchFamily="18" charset="0"/>
+                    <a:cs typeface="Times New Roman" panose="02020603050405020304" pitchFamily="18" charset="0"/>
+                  </a:rPr>
+                  <a:t> to  </a:t>
+                </a:r>
+                <a14:m>
+                  <m:oMath xmlns:m="http://schemas.openxmlformats.org/officeDocument/2006/math">
+                    <m:f>
+                      <m:fPr>
+                        <m:ctrlPr>
+                          <a:rPr kumimoji="1" lang="en-US" altLang="zh-CN" i="1" dirty="0">
+                            <a:latin typeface="Cambria Math" panose="02040503050406030204" pitchFamily="18" charset="0"/>
+                            <a:cs typeface="Times New Roman" panose="02020603050405020304" pitchFamily="18" charset="0"/>
+                          </a:rPr>
+                        </m:ctrlPr>
+                      </m:fPr>
+                      <m:num>
+                        <m:sSub>
+                          <m:sSubPr>
+                            <m:ctrlPr>
+                              <a:rPr kumimoji="1" lang="en-US" altLang="zh-CN" i="1" dirty="0">
+                                <a:latin typeface="Cambria Math" panose="02040503050406030204" pitchFamily="18" charset="0"/>
+                                <a:cs typeface="Times New Roman" panose="02020603050405020304" pitchFamily="18" charset="0"/>
+                              </a:rPr>
+                            </m:ctrlPr>
+                          </m:sSubPr>
+                          <m:e>
+                            <m:r>
+                              <a:rPr kumimoji="1" lang="en-US" altLang="zh-CN" b="0" i="1" dirty="0" smtClean="0">
+                                <a:latin typeface="Cambria Math" panose="02040503050406030204" pitchFamily="18" charset="0"/>
+                                <a:cs typeface="Times New Roman" panose="02020603050405020304" pitchFamily="18" charset="0"/>
+                              </a:rPr>
+                              <m:t>3</m:t>
+                            </m:r>
+                            <m:r>
+                              <a:rPr kumimoji="1" lang="en-US" altLang="zh-CN" i="1" dirty="0">
+                                <a:latin typeface="Cambria Math" panose="02040503050406030204" pitchFamily="18" charset="0"/>
+                                <a:cs typeface="Times New Roman" panose="02020603050405020304" pitchFamily="18" charset="0"/>
+                              </a:rPr>
+                              <m:t>𝐿</m:t>
+                            </m:r>
+                          </m:e>
+                          <m:sub>
+                            <m:r>
+                              <a:rPr kumimoji="1" lang="en-US" altLang="zh-CN" i="1" dirty="0">
+                                <a:latin typeface="Cambria Math" panose="02040503050406030204" pitchFamily="18" charset="0"/>
+                                <a:cs typeface="Times New Roman" panose="02020603050405020304" pitchFamily="18" charset="0"/>
+                              </a:rPr>
+                              <m:t>𝑥</m:t>
+                            </m:r>
+                          </m:sub>
+                        </m:sSub>
+                      </m:num>
+                      <m:den>
+                        <m:r>
+                          <a:rPr kumimoji="1" lang="en-US" altLang="zh-CN" i="1" dirty="0">
+                            <a:latin typeface="Cambria Math" panose="02040503050406030204" pitchFamily="18" charset="0"/>
+                            <a:cs typeface="Times New Roman" panose="02020603050405020304" pitchFamily="18" charset="0"/>
+                          </a:rPr>
+                          <m:t>4</m:t>
+                        </m:r>
+                      </m:den>
+                    </m:f>
+                  </m:oMath>
+                </a14:m>
+                <a:r>
+                  <a:rPr kumimoji="1" lang="en-US" altLang="zh-CN" dirty="0">
+                    <a:latin typeface="Times New Roman" panose="02020603050405020304" pitchFamily="18" charset="0"/>
+                    <a:cs typeface="Times New Roman" panose="02020603050405020304" pitchFamily="18" charset="0"/>
+                  </a:rPr>
+                  <a:t> by sine wave.</a:t>
+                </a:r>
+                <a:endParaRPr kumimoji="1" lang="zh-CN" altLang="en-US" dirty="0">
+                  <a:latin typeface="Times New Roman" panose="02020603050405020304" pitchFamily="18" charset="0"/>
+                  <a:cs typeface="Times New Roman" panose="02020603050405020304" pitchFamily="18" charset="0"/>
+                </a:endParaRPr>
+              </a:p>
+            </p:txBody>
+          </p:sp>
+        </mc:Choice>
+        <mc:Fallback xmlns="">
+          <p:sp>
+            <p:nvSpPr>
+              <p:cNvPr id="10" name="文本框 9">
+                <a:extLst>
+                  <a:ext uri="{FF2B5EF4-FFF2-40B4-BE49-F238E27FC236}">
+                    <a16:creationId xmlns:a16="http://schemas.microsoft.com/office/drawing/2014/main" id="{12A3FB64-A5D3-B347-A542-BA5E1BE786C3}"/>
+                  </a:ext>
+                </a:extLst>
+              </p:cNvPr>
+              <p:cNvSpPr txBox="1">
+                <a:spLocks noRot="1" noChangeAspect="1" noMove="1" noResize="1" noEditPoints="1" noAdjustHandles="1" noChangeArrowheads="1" noChangeShapeType="1" noTextEdit="1"/>
+              </p:cNvSpPr>
+              <p:nvPr/>
+            </p:nvSpPr>
+            <p:spPr>
+              <a:xfrm>
+                <a:off x="6285540" y="930640"/>
+                <a:ext cx="4303059" cy="2700163"/>
+              </a:xfrm>
+              <a:prstGeom prst="rect">
+                <a:avLst/>
+              </a:prstGeom>
+              <a:blipFill>
+                <a:blip r:embed="rId5"/>
+                <a:stretch>
+                  <a:fillRect l="-882" t="-935" r="-1471" b="-1869"/>
+                </a:stretch>
+              </a:blipFill>
+            </p:spPr>
+            <p:txBody>
+              <a:bodyPr/>
+              <a:lstStyle/>
+              <a:p>
+                <a:r>
+                  <a:rPr lang="zh-CN" altLang="en-US">
+                    <a:noFill/>
+                  </a:rPr>
+                  <a:t> </a:t>
+                </a:r>
+              </a:p>
+            </p:txBody>
+          </p:sp>
+        </mc:Fallback>
+      </mc:AlternateContent>
+      <p:pic>
+        <p:nvPicPr>
+          <p:cNvPr id="3" name="图片 2">
+            <a:extLst>
+              <a:ext uri="{FF2B5EF4-FFF2-40B4-BE49-F238E27FC236}">
+                <a16:creationId xmlns:a16="http://schemas.microsoft.com/office/drawing/2014/main" id="{ECDD13D6-9550-A741-8AF2-9E963DDB1C25}"/>
+              </a:ext>
+            </a:extLst>
+          </p:cNvPr>
+          <p:cNvPicPr>
+            <a:picLocks noChangeAspect="1"/>
+          </p:cNvPicPr>
+          <p:nvPr/>
+        </p:nvPicPr>
+        <p:blipFill>
+          <a:blip r:embed="rId6"/>
+          <a:stretch>
+            <a:fillRect/>
+          </a:stretch>
+        </p:blipFill>
+        <p:spPr>
+          <a:xfrm>
+            <a:off x="513613" y="1828798"/>
+            <a:ext cx="5300932" cy="4174067"/>
+          </a:xfrm>
+          <a:prstGeom prst="rect">
+            <a:avLst/>
+          </a:prstGeom>
+        </p:spPr>
+      </p:pic>
+    </p:spTree>
+    <p:extLst>
+      <p:ext uri="{BB962C8B-B14F-4D97-AF65-F5344CB8AC3E}">
+        <p14:creationId xmlns:p14="http://schemas.microsoft.com/office/powerpoint/2010/main" val="1374167003"/>
+      </p:ext>
+    </p:extLst>
+  </p:cSld>
+  <p:clrMapOvr>
+    <a:masterClrMapping/>
+  </p:clrMapOvr>
+</p:sld>
+</file>
+
+<file path=ppt/slides/slide5.xml><?xml version="1.0" encoding="utf-8"?>
+<p:sld xmlns:a="http://schemas.openxmlformats.org/drawingml/2006/main" xmlns:r="http://schemas.openxmlformats.org/officeDocument/2006/relationships" xmlns:p="http://schemas.openxmlformats.org/presentationml/2006/main">
+  <p:cSld>
+    <p:spTree>
+      <p:nvGrpSpPr>
+        <p:cNvPr id="1" name=""/>
+        <p:cNvGrpSpPr/>
+        <p:nvPr/>
+      </p:nvGrpSpPr>
+      <p:grpSpPr>
+        <a:xfrm>
+          <a:off x="0" y="0"/>
+          <a:ext cx="0" cy="0"/>
+          <a:chOff x="0" y="0"/>
+          <a:chExt cx="0" cy="0"/>
+        </a:xfrm>
+      </p:grpSpPr>
+      <p:pic>
+        <p:nvPicPr>
+          <p:cNvPr id="4" name="图片 3">
+            <a:extLst>
+              <a:ext uri="{FF2B5EF4-FFF2-40B4-BE49-F238E27FC236}">
+                <a16:creationId xmlns:a16="http://schemas.microsoft.com/office/drawing/2014/main" id="{05BAA01A-6846-4542-B00F-6C66AB3A2498}"/>
+              </a:ext>
+            </a:extLst>
+          </p:cNvPr>
+          <p:cNvPicPr>
+            <a:picLocks noChangeAspect="1"/>
+          </p:cNvPicPr>
+          <p:nvPr/>
+        </p:nvPicPr>
+        <p:blipFill>
+          <a:blip r:embed="rId2"/>
+          <a:stretch>
+            <a:fillRect/>
+          </a:stretch>
+        </p:blipFill>
+        <p:spPr>
+          <a:xfrm>
+            <a:off x="326324" y="824586"/>
+            <a:ext cx="11539352" cy="5208825"/>
+          </a:xfrm>
+          <a:prstGeom prst="rect">
+            <a:avLst/>
+          </a:prstGeom>
+        </p:spPr>
+      </p:pic>
+      <p:sp>
+        <p:nvSpPr>
+          <p:cNvPr id="5" name="文本框 4">
+            <a:extLst>
+              <a:ext uri="{FF2B5EF4-FFF2-40B4-BE49-F238E27FC236}">
+                <a16:creationId xmlns:a16="http://schemas.microsoft.com/office/drawing/2014/main" id="{47D48063-17BA-CB41-A259-C343A06C0E9B}"/>
+              </a:ext>
+            </a:extLst>
+          </p:cNvPr>
+          <p:cNvSpPr txBox="1"/>
+          <p:nvPr/>
+        </p:nvSpPr>
+        <p:spPr>
+          <a:xfrm>
+            <a:off x="634790" y="204039"/>
+            <a:ext cx="4783597" cy="369332"/>
+          </a:xfrm>
+          <a:prstGeom prst="rect">
+            <a:avLst/>
+          </a:prstGeom>
+          <a:noFill/>
+        </p:spPr>
+        <p:txBody>
+          <a:bodyPr wrap="square" rtlCol="0">
+            <a:spAutoFit/>
+          </a:bodyPr>
+          <a:lstStyle/>
+          <a:p>
+            <a:r>
+              <a:rPr kumimoji="1" lang="en-US" altLang="zh-CN" dirty="0">
+                <a:latin typeface="Palatino Linotype" panose="02040502050505030304" pitchFamily="18" charset="0"/>
+              </a:rPr>
+              <a:t>4 class Reference points when measuring</a:t>
+            </a:r>
+            <a:endParaRPr kumimoji="1" lang="zh-CN" altLang="en-US" dirty="0">
+              <a:latin typeface="Palatino Linotype" panose="02040502050505030304" pitchFamily="18" charset="0"/>
+            </a:endParaRPr>
+          </a:p>
+        </p:txBody>
+      </p:sp>
+      <p:sp>
+        <p:nvSpPr>
+          <p:cNvPr id="6" name="文本框 5">
+            <a:extLst>
+              <a:ext uri="{FF2B5EF4-FFF2-40B4-BE49-F238E27FC236}">
+                <a16:creationId xmlns:a16="http://schemas.microsoft.com/office/drawing/2014/main" id="{60639958-05AC-B94C-A757-9F2C6F274294}"/>
+              </a:ext>
+            </a:extLst>
+          </p:cNvPr>
+          <p:cNvSpPr txBox="1"/>
+          <p:nvPr/>
+        </p:nvSpPr>
+        <p:spPr>
+          <a:xfrm>
+            <a:off x="3801184" y="2429681"/>
+            <a:ext cx="249381" cy="369332"/>
+          </a:xfrm>
+          <a:prstGeom prst="rect">
+            <a:avLst/>
+          </a:prstGeom>
+          <a:noFill/>
+        </p:spPr>
+        <p:txBody>
+          <a:bodyPr wrap="square" rtlCol="0">
+            <a:spAutoFit/>
+          </a:bodyPr>
+          <a:lstStyle/>
+          <a:p>
+            <a:r>
+              <a:rPr kumimoji="1" lang="en-US" altLang="zh-CN" dirty="0">
+                <a:latin typeface="Times New Roman" panose="02020603050405020304" pitchFamily="18" charset="0"/>
+                <a:cs typeface="Times New Roman" panose="02020603050405020304" pitchFamily="18" charset="0"/>
+              </a:rPr>
+              <a:t>A</a:t>
+            </a:r>
+            <a:endParaRPr kumimoji="1" lang="zh-CN" altLang="en-US" dirty="0">
+              <a:latin typeface="Times New Roman" panose="02020603050405020304" pitchFamily="18" charset="0"/>
+              <a:cs typeface="Times New Roman" panose="02020603050405020304" pitchFamily="18" charset="0"/>
+            </a:endParaRPr>
+          </a:p>
+        </p:txBody>
+      </p:sp>
+      <p:sp>
+        <p:nvSpPr>
+          <p:cNvPr id="7" name="文本框 6">
+            <a:extLst>
+              <a:ext uri="{FF2B5EF4-FFF2-40B4-BE49-F238E27FC236}">
+                <a16:creationId xmlns:a16="http://schemas.microsoft.com/office/drawing/2014/main" id="{AE30E3CC-A3DE-C24A-82C1-6ED14F9B9390}"/>
+              </a:ext>
+            </a:extLst>
+          </p:cNvPr>
+          <p:cNvSpPr txBox="1"/>
+          <p:nvPr/>
+        </p:nvSpPr>
+        <p:spPr>
+          <a:xfrm>
+            <a:off x="3982552" y="3082338"/>
+            <a:ext cx="249381" cy="369332"/>
+          </a:xfrm>
+          <a:prstGeom prst="rect">
+            <a:avLst/>
+          </a:prstGeom>
+          <a:noFill/>
+        </p:spPr>
+        <p:txBody>
+          <a:bodyPr wrap="square" rtlCol="0">
+            <a:spAutoFit/>
+          </a:bodyPr>
+          <a:lstStyle/>
+          <a:p>
+            <a:r>
+              <a:rPr kumimoji="1" lang="en-US" altLang="zh-CN" dirty="0">
+                <a:latin typeface="Times New Roman" panose="02020603050405020304" pitchFamily="18" charset="0"/>
+                <a:cs typeface="Times New Roman" panose="02020603050405020304" pitchFamily="18" charset="0"/>
+              </a:rPr>
+              <a:t>B</a:t>
+            </a:r>
+            <a:endParaRPr kumimoji="1" lang="zh-CN" altLang="en-US" dirty="0">
+              <a:latin typeface="Times New Roman" panose="02020603050405020304" pitchFamily="18" charset="0"/>
+              <a:cs typeface="Times New Roman" panose="02020603050405020304" pitchFamily="18" charset="0"/>
+            </a:endParaRPr>
+          </a:p>
+        </p:txBody>
+      </p:sp>
+      <p:sp>
+        <p:nvSpPr>
+          <p:cNvPr id="8" name="文本框 7">
+            <a:extLst>
+              <a:ext uri="{FF2B5EF4-FFF2-40B4-BE49-F238E27FC236}">
+                <a16:creationId xmlns:a16="http://schemas.microsoft.com/office/drawing/2014/main" id="{357E6C61-16DF-924D-A98A-9D20CF33F8FA}"/>
+              </a:ext>
+            </a:extLst>
+          </p:cNvPr>
+          <p:cNvSpPr txBox="1"/>
+          <p:nvPr/>
+        </p:nvSpPr>
+        <p:spPr>
+          <a:xfrm>
+            <a:off x="4386849" y="3018584"/>
+            <a:ext cx="249381" cy="369332"/>
+          </a:xfrm>
+          <a:prstGeom prst="rect">
+            <a:avLst/>
+          </a:prstGeom>
+          <a:noFill/>
+        </p:spPr>
+        <p:txBody>
+          <a:bodyPr wrap="square" rtlCol="0">
+            <a:spAutoFit/>
+          </a:bodyPr>
+          <a:lstStyle/>
+          <a:p>
+            <a:r>
+              <a:rPr kumimoji="1" lang="en-US" altLang="zh-CN" dirty="0">
+                <a:latin typeface="Times New Roman" panose="02020603050405020304" pitchFamily="18" charset="0"/>
+                <a:cs typeface="Times New Roman" panose="02020603050405020304" pitchFamily="18" charset="0"/>
+              </a:rPr>
+              <a:t>C</a:t>
+            </a:r>
+            <a:endParaRPr kumimoji="1" lang="zh-CN" altLang="en-US" dirty="0">
+              <a:latin typeface="Times New Roman" panose="02020603050405020304" pitchFamily="18" charset="0"/>
+              <a:cs typeface="Times New Roman" panose="02020603050405020304" pitchFamily="18" charset="0"/>
+            </a:endParaRPr>
+          </a:p>
+        </p:txBody>
+      </p:sp>
+      <p:sp>
+        <p:nvSpPr>
+          <p:cNvPr id="9" name="文本框 8">
+            <a:extLst>
+              <a:ext uri="{FF2B5EF4-FFF2-40B4-BE49-F238E27FC236}">
+                <a16:creationId xmlns:a16="http://schemas.microsoft.com/office/drawing/2014/main" id="{91805BD9-257A-CE48-8EB0-2396E771600E}"/>
+              </a:ext>
+            </a:extLst>
+          </p:cNvPr>
+          <p:cNvSpPr txBox="1"/>
+          <p:nvPr/>
+        </p:nvSpPr>
+        <p:spPr>
+          <a:xfrm>
+            <a:off x="4330175" y="2271384"/>
+            <a:ext cx="249381" cy="369332"/>
+          </a:xfrm>
+          <a:prstGeom prst="rect">
+            <a:avLst/>
+          </a:prstGeom>
+          <a:noFill/>
+        </p:spPr>
+        <p:txBody>
+          <a:bodyPr wrap="square" rtlCol="0">
+            <a:spAutoFit/>
+          </a:bodyPr>
+          <a:lstStyle/>
+          <a:p>
+            <a:r>
+              <a:rPr kumimoji="1" lang="en-US" altLang="zh-CN" dirty="0">
+                <a:latin typeface="Times New Roman" panose="02020603050405020304" pitchFamily="18" charset="0"/>
+                <a:cs typeface="Times New Roman" panose="02020603050405020304" pitchFamily="18" charset="0"/>
+              </a:rPr>
+              <a:t>D</a:t>
+            </a:r>
+            <a:endParaRPr kumimoji="1" lang="zh-CN" altLang="en-US" dirty="0">
+              <a:latin typeface="Times New Roman" panose="02020603050405020304" pitchFamily="18" charset="0"/>
+              <a:cs typeface="Times New Roman" panose="02020603050405020304" pitchFamily="18" charset="0"/>
+            </a:endParaRPr>
+          </a:p>
+        </p:txBody>
+      </p:sp>
+    </p:spTree>
+    <p:extLst>
+      <p:ext uri="{BB962C8B-B14F-4D97-AF65-F5344CB8AC3E}">
+        <p14:creationId xmlns:p14="http://schemas.microsoft.com/office/powerpoint/2010/main" val="882556318"/>
+      </p:ext>
+    </p:extLst>
+  </p:cSld>
+  <p:clrMapOvr>
+    <a:masterClrMapping/>
+  </p:clrMapOvr>
+</p:sld>
+</file>
+
+<file path=ppt/slides/slide6.xml><?xml version="1.0" encoding="utf-8"?>
+<p:sld xmlns:a="http://schemas.openxmlformats.org/drawingml/2006/main" xmlns:r="http://schemas.openxmlformats.org/officeDocument/2006/relationships" xmlns:p="http://schemas.openxmlformats.org/presentationml/2006/main">
+  <p:cSld>
+    <p:spTree>
+      <p:nvGrpSpPr>
+        <p:cNvPr id="1" name=""/>
+        <p:cNvGrpSpPr/>
+        <p:nvPr/>
+      </p:nvGrpSpPr>
+      <p:grpSpPr>
+        <a:xfrm>
+          <a:off x="0" y="0"/>
+          <a:ext cx="0" cy="0"/>
+          <a:chOff x="0" y="0"/>
+          <a:chExt cx="0" cy="0"/>
+        </a:xfrm>
+      </p:grpSpPr>
+      <p:pic>
+        <p:nvPicPr>
+          <p:cNvPr id="4" name="图片 3">
+            <a:extLst>
+              <a:ext uri="{FF2B5EF4-FFF2-40B4-BE49-F238E27FC236}">
+                <a16:creationId xmlns:a16="http://schemas.microsoft.com/office/drawing/2014/main" id="{8361E128-AFB9-7C40-8D49-487D0B063532}"/>
+              </a:ext>
+            </a:extLst>
+          </p:cNvPr>
+          <p:cNvPicPr>
+            <a:picLocks noChangeAspect="1"/>
+          </p:cNvPicPr>
+          <p:nvPr/>
+        </p:nvPicPr>
+        <p:blipFill>
+          <a:blip r:embed="rId2"/>
+          <a:stretch>
+            <a:fillRect/>
+          </a:stretch>
+        </p:blipFill>
+        <p:spPr>
+          <a:xfrm>
+            <a:off x="1167780" y="1938865"/>
+            <a:ext cx="6134645" cy="4224867"/>
+          </a:xfrm>
+          <a:prstGeom prst="rect">
+            <a:avLst/>
+          </a:prstGeom>
+        </p:spPr>
+      </p:pic>
+      <mc:AlternateContent xmlns:mc="http://schemas.openxmlformats.org/markup-compatibility/2006" xmlns:a14="http://schemas.microsoft.com/office/drawing/2010/main">
+        <mc:Choice Requires="a14">
+          <p:sp>
+            <p:nvSpPr>
+              <p:cNvPr id="5" name="文本框 4">
+                <a:extLst>
+                  <a:ext uri="{FF2B5EF4-FFF2-40B4-BE49-F238E27FC236}">
+                    <a16:creationId xmlns:a16="http://schemas.microsoft.com/office/drawing/2014/main" id="{6117C6A1-2612-B24E-94C3-19894457E2FA}"/>
+                  </a:ext>
+                </a:extLst>
+              </p:cNvPr>
+              <p:cNvSpPr txBox="1"/>
+              <p:nvPr/>
+            </p:nvSpPr>
+            <p:spPr>
+              <a:xfrm>
+                <a:off x="7924800" y="2912533"/>
+                <a:ext cx="3437467" cy="646331"/>
+              </a:xfrm>
+              <a:prstGeom prst="rect">
+                <a:avLst/>
+              </a:prstGeom>
+              <a:noFill/>
+            </p:spPr>
+            <p:txBody>
+              <a:bodyPr wrap="square" rtlCol="0">
+                <a:spAutoFit/>
+              </a:bodyPr>
+              <a:lstStyle/>
+              <a:p>
+                <a:r>
+                  <a:rPr kumimoji="1" lang="en-US" altLang="zh-CN" dirty="0">
+                    <a:latin typeface="Palatino" pitchFamily="2" charset="0"/>
+                    <a:ea typeface="Palatino" pitchFamily="2" charset="0"/>
+                    <a:cs typeface="Times New Roman" panose="02020603050405020304" pitchFamily="18" charset="0"/>
+                  </a:rPr>
+                  <a:t>shift </a:t>
+                </a:r>
+                <a14:m>
+                  <m:oMath xmlns:m="http://schemas.openxmlformats.org/officeDocument/2006/math">
+                    <m:r>
+                      <a:rPr kumimoji="1" lang="en-US" altLang="zh-CN" b="0" i="1" smtClean="0">
+                        <a:latin typeface="Cambria Math" panose="02040503050406030204" pitchFamily="18" charset="0"/>
+                        <a:ea typeface="Palatino" pitchFamily="2" charset="0"/>
+                        <a:cs typeface="Times New Roman" panose="02020603050405020304" pitchFamily="18" charset="0"/>
+                      </a:rPr>
+                      <m:t>𝜋</m:t>
+                    </m:r>
+                    <m:r>
+                      <a:rPr kumimoji="1" lang="en-US" altLang="zh-CN" b="0" i="1" smtClean="0">
+                        <a:latin typeface="Cambria Math" panose="02040503050406030204" pitchFamily="18" charset="0"/>
+                        <a:ea typeface="Palatino" pitchFamily="2" charset="0"/>
+                        <a:cs typeface="Times New Roman" panose="02020603050405020304" pitchFamily="18" charset="0"/>
+                      </a:rPr>
+                      <m:t>/4</m:t>
+                    </m:r>
+                  </m:oMath>
+                </a14:m>
+                <a:r>
+                  <a:rPr kumimoji="1" lang="en-US" altLang="zh-CN" dirty="0">
+                    <a:latin typeface="Palatino" pitchFamily="2" charset="0"/>
+                    <a:ea typeface="Palatino" pitchFamily="2" charset="0"/>
+                    <a:cs typeface="Times New Roman" panose="02020603050405020304" pitchFamily="18" charset="0"/>
+                  </a:rPr>
+                  <a:t> to right</a:t>
+                </a:r>
+              </a:p>
+              <a:p>
+                <a:r>
+                  <a:rPr kumimoji="1" lang="en-US" altLang="zh-CN" dirty="0">
+                    <a:latin typeface="Palatino" pitchFamily="2" charset="0"/>
+                    <a:ea typeface="Palatino" pitchFamily="2" charset="0"/>
+                    <a:cs typeface="Times New Roman" panose="02020603050405020304" pitchFamily="18" charset="0"/>
+                  </a:rPr>
+                  <a:t>B-&gt; A -&gt; D (-&gt;C)</a:t>
+                </a:r>
+                <a:endParaRPr kumimoji="1" lang="zh-CN" altLang="en-US" dirty="0">
+                  <a:latin typeface="Palatino" pitchFamily="2" charset="0"/>
+                  <a:ea typeface="Palatino" pitchFamily="2" charset="0"/>
+                  <a:cs typeface="Times New Roman" panose="02020603050405020304" pitchFamily="18" charset="0"/>
+                </a:endParaRPr>
+              </a:p>
+            </p:txBody>
+          </p:sp>
+        </mc:Choice>
+        <mc:Fallback xmlns="">
+          <p:sp>
+            <p:nvSpPr>
+              <p:cNvPr id="5" name="文本框 4">
+                <a:extLst>
+                  <a:ext uri="{FF2B5EF4-FFF2-40B4-BE49-F238E27FC236}">
+                    <a16:creationId xmlns:a16="http://schemas.microsoft.com/office/drawing/2014/main" id="{6117C6A1-2612-B24E-94C3-19894457E2FA}"/>
+                  </a:ext>
+                </a:extLst>
+              </p:cNvPr>
+              <p:cNvSpPr txBox="1">
+                <a:spLocks noRot="1" noChangeAspect="1" noMove="1" noResize="1" noEditPoints="1" noAdjustHandles="1" noChangeArrowheads="1" noChangeShapeType="1" noTextEdit="1"/>
+              </p:cNvSpPr>
+              <p:nvPr/>
+            </p:nvSpPr>
+            <p:spPr>
+              <a:xfrm>
+                <a:off x="7924800" y="2912533"/>
+                <a:ext cx="3437467" cy="646331"/>
+              </a:xfrm>
+              <a:prstGeom prst="rect">
+                <a:avLst/>
+              </a:prstGeom>
+              <a:blipFill>
+                <a:blip r:embed="rId3"/>
+                <a:stretch>
+                  <a:fillRect l="-1476" t="-3846" b="-13462"/>
+                </a:stretch>
+              </a:blipFill>
+            </p:spPr>
+            <p:txBody>
+              <a:bodyPr/>
+              <a:lstStyle/>
+              <a:p>
+                <a:r>
+                  <a:rPr lang="zh-CN" altLang="en-US">
+                    <a:noFill/>
+                  </a:rPr>
+                  <a:t> </a:t>
+                </a:r>
+              </a:p>
+            </p:txBody>
+          </p:sp>
+        </mc:Fallback>
+      </mc:AlternateContent>
+      <mc:AlternateContent xmlns:mc="http://schemas.openxmlformats.org/markup-compatibility/2006" xmlns:a14="http://schemas.microsoft.com/office/drawing/2010/main">
+        <mc:Choice Requires="a14">
+          <p:sp>
+            <p:nvSpPr>
+              <p:cNvPr id="6" name="文本框 5">
+                <a:extLst>
+                  <a:ext uri="{FF2B5EF4-FFF2-40B4-BE49-F238E27FC236}">
+                    <a16:creationId xmlns:a16="http://schemas.microsoft.com/office/drawing/2014/main" id="{8390330F-20A9-1B45-BD17-E62A5AD66D7F}"/>
+                  </a:ext>
+                </a:extLst>
+              </p:cNvPr>
+              <p:cNvSpPr txBox="1"/>
+              <p:nvPr/>
+            </p:nvSpPr>
+            <p:spPr>
+              <a:xfrm>
+                <a:off x="1532466" y="1329267"/>
+                <a:ext cx="4343400" cy="369332"/>
+              </a:xfrm>
+              <a:prstGeom prst="rect">
+                <a:avLst/>
+              </a:prstGeom>
+              <a:noFill/>
+            </p:spPr>
+            <p:txBody>
+              <a:bodyPr wrap="square" rtlCol="0">
+                <a:spAutoFit/>
+              </a:bodyPr>
+              <a:lstStyle/>
+              <a:p>
+                <a:pPr/>
+                <a14:m>
+                  <m:oMathPara xmlns:m="http://schemas.openxmlformats.org/officeDocument/2006/math">
+                    <m:oMathParaPr>
+                      <m:jc m:val="centerGroup"/>
+                    </m:oMathParaPr>
+                    <m:oMath xmlns:m="http://schemas.openxmlformats.org/officeDocument/2006/math">
+                      <m:r>
+                        <a:rPr kumimoji="1" lang="en-US" altLang="zh-CN" b="0" i="1" dirty="0" smtClean="0">
+                          <a:latin typeface="Cambria Math" panose="02040503050406030204" pitchFamily="18" charset="0"/>
+                        </a:rPr>
+                        <m:t>𝜆</m:t>
+                      </m:r>
+                      <m:r>
+                        <a:rPr kumimoji="1" lang="en-US" altLang="zh-CN" i="1" dirty="0" smtClean="0">
+                          <a:latin typeface="Cambria Math" panose="02040503050406030204" pitchFamily="18" charset="0"/>
+                        </a:rPr>
+                        <m:t>=0.3, </m:t>
+                      </m:r>
+                      <m:r>
+                        <a:rPr kumimoji="1" lang="en-US" altLang="zh-CN" i="1" dirty="0" smtClean="0">
+                          <a:latin typeface="Cambria Math" panose="02040503050406030204" pitchFamily="18" charset="0"/>
+                        </a:rPr>
+                        <m:t>𝑈</m:t>
+                      </m:r>
+                      <m:r>
+                        <a:rPr kumimoji="1" lang="en-US" altLang="zh-CN" i="1" dirty="0" smtClean="0">
+                          <a:latin typeface="Cambria Math" panose="02040503050406030204" pitchFamily="18" charset="0"/>
+                        </a:rPr>
+                        <m:t>=8, </m:t>
+                      </m:r>
+                      <m:r>
+                        <a:rPr kumimoji="1" lang="en-US" altLang="zh-CN" i="1" dirty="0" smtClean="0">
+                          <a:latin typeface="Cambria Math" panose="02040503050406030204" pitchFamily="18" charset="0"/>
+                        </a:rPr>
+                        <m:t>𝐷</m:t>
+                      </m:r>
+                      <m:r>
+                        <a:rPr kumimoji="1" lang="en-US" altLang="zh-CN" i="1" dirty="0" smtClean="0">
+                          <a:latin typeface="Cambria Math" panose="02040503050406030204" pitchFamily="18" charset="0"/>
+                        </a:rPr>
+                        <m:t> = 8000, </m:t>
+                      </m:r>
+                      <m:sSub>
+                        <m:sSubPr>
+                          <m:ctrlPr>
+                            <a:rPr kumimoji="1" lang="en-US" altLang="zh-CN" b="0" i="1" dirty="0" smtClean="0">
+                              <a:latin typeface="Cambria Math" panose="02040503050406030204" pitchFamily="18" charset="0"/>
+                            </a:rPr>
+                          </m:ctrlPr>
+                        </m:sSubPr>
+                        <m:e>
+                          <m:r>
+                            <a:rPr kumimoji="1" lang="en-US" altLang="zh-CN" i="1" dirty="0">
+                              <a:latin typeface="Cambria Math" panose="02040503050406030204" pitchFamily="18" charset="0"/>
+                            </a:rPr>
+                            <m:t>𝐿</m:t>
+                          </m:r>
+                        </m:e>
+                        <m:sub>
+                          <m:r>
+                            <a:rPr kumimoji="1" lang="en-US" altLang="zh-CN" i="1" dirty="0">
+                              <a:latin typeface="Cambria Math" panose="02040503050406030204" pitchFamily="18" charset="0"/>
+                            </a:rPr>
+                            <m:t>𝑥</m:t>
+                          </m:r>
+                        </m:sub>
+                      </m:sSub>
+                      <m:r>
+                        <a:rPr kumimoji="1" lang="en-US" altLang="zh-CN" i="1" dirty="0">
+                          <a:latin typeface="Cambria Math" panose="02040503050406030204" pitchFamily="18" charset="0"/>
+                        </a:rPr>
+                        <m:t>=32</m:t>
+                      </m:r>
+                    </m:oMath>
+                  </m:oMathPara>
+                </a14:m>
+                <a:endParaRPr kumimoji="1" lang="zh-CN" altLang="en-US" dirty="0"/>
+              </a:p>
+            </p:txBody>
+          </p:sp>
+        </mc:Choice>
+        <mc:Fallback xmlns="">
+          <p:sp>
+            <p:nvSpPr>
+              <p:cNvPr id="6" name="文本框 5">
+                <a:extLst>
+                  <a:ext uri="{FF2B5EF4-FFF2-40B4-BE49-F238E27FC236}">
+                    <a16:creationId xmlns:a16="http://schemas.microsoft.com/office/drawing/2014/main" id="{8390330F-20A9-1B45-BD17-E62A5AD66D7F}"/>
+                  </a:ext>
+                </a:extLst>
+              </p:cNvPr>
+              <p:cNvSpPr txBox="1">
+                <a:spLocks noRot="1" noChangeAspect="1" noMove="1" noResize="1" noEditPoints="1" noAdjustHandles="1" noChangeArrowheads="1" noChangeShapeType="1" noTextEdit="1"/>
+              </p:cNvSpPr>
+              <p:nvPr/>
+            </p:nvSpPr>
+            <p:spPr>
+              <a:xfrm>
+                <a:off x="1532466" y="1329267"/>
+                <a:ext cx="4343400" cy="369332"/>
+              </a:xfrm>
+              <a:prstGeom prst="rect">
+                <a:avLst/>
+              </a:prstGeom>
+              <a:blipFill>
+                <a:blip r:embed="rId4"/>
+                <a:stretch>
+                  <a:fillRect b="-16667"/>
+                </a:stretch>
+              </a:blipFill>
+            </p:spPr>
+            <p:txBody>
+              <a:bodyPr/>
+              <a:lstStyle/>
+              <a:p>
+                <a:r>
+                  <a:rPr lang="zh-CN" altLang="en-US">
+                    <a:noFill/>
+                  </a:rPr>
+                  <a:t> </a:t>
+                </a:r>
+              </a:p>
+            </p:txBody>
+          </p:sp>
+        </mc:Fallback>
+      </mc:AlternateContent>
+      <mc:AlternateContent xmlns:mc="http://schemas.openxmlformats.org/markup-compatibility/2006" xmlns:a14="http://schemas.microsoft.com/office/drawing/2010/main">
+        <mc:Choice Requires="a14">
+          <p:sp>
+            <p:nvSpPr>
+              <p:cNvPr id="2" name="文本框 1">
+                <a:extLst>
+                  <a:ext uri="{FF2B5EF4-FFF2-40B4-BE49-F238E27FC236}">
+                    <a16:creationId xmlns:a16="http://schemas.microsoft.com/office/drawing/2014/main" id="{E89A2146-7822-A94B-A230-2747FD2AA368}"/>
+                  </a:ext>
+                </a:extLst>
+              </p:cNvPr>
+              <p:cNvSpPr txBox="1"/>
+              <p:nvPr/>
+            </p:nvSpPr>
+            <p:spPr>
+              <a:xfrm>
+                <a:off x="6485467" y="2133600"/>
+                <a:ext cx="299376" cy="516745"/>
+              </a:xfrm>
+              <a:prstGeom prst="rect">
+                <a:avLst/>
+              </a:prstGeom>
+              <a:noFill/>
+            </p:spPr>
+            <p:txBody>
+              <a:bodyPr wrap="none" lIns="0" tIns="0" rIns="0" bIns="0" rtlCol="0">
+                <a:spAutoFit/>
+              </a:bodyPr>
+              <a:lstStyle/>
+              <a:p>
+                <a:pPr/>
+                <a14:m>
+                  <m:oMathPara xmlns:m="http://schemas.openxmlformats.org/officeDocument/2006/math">
+                    <m:oMathParaPr>
+                      <m:jc m:val="centerGroup"/>
+                    </m:oMathParaPr>
+                    <m:oMath xmlns:m="http://schemas.openxmlformats.org/officeDocument/2006/math">
+                      <m:f>
+                        <m:fPr>
+                          <m:ctrlPr>
+                            <a:rPr kumimoji="1" lang="en-US" altLang="zh-CN" b="0" i="1" smtClean="0">
+                              <a:latin typeface="Cambria Math" panose="02040503050406030204" pitchFamily="18" charset="0"/>
+                            </a:rPr>
+                          </m:ctrlPr>
+                        </m:fPr>
+                        <m:num>
+                          <m:sSub>
+                            <m:sSubPr>
+                              <m:ctrlPr>
+                                <a:rPr kumimoji="1" lang="en-US" altLang="zh-CN" b="0" i="1" smtClean="0">
+                                  <a:latin typeface="Cambria Math" panose="02040503050406030204" pitchFamily="18" charset="0"/>
+                                </a:rPr>
+                              </m:ctrlPr>
+                            </m:sSubPr>
+                            <m:e>
+                              <m:r>
+                                <a:rPr kumimoji="1" lang="en-US" altLang="zh-CN" b="0" i="1" smtClean="0">
+                                  <a:latin typeface="Cambria Math" panose="02040503050406030204" pitchFamily="18" charset="0"/>
+                                </a:rPr>
+                                <m:t>𝐿</m:t>
+                              </m:r>
+                            </m:e>
+                            <m:sub>
+                              <m:r>
+                                <a:rPr kumimoji="1" lang="en-US" altLang="zh-CN" b="0" i="1" smtClean="0">
+                                  <a:latin typeface="Cambria Math" panose="02040503050406030204" pitchFamily="18" charset="0"/>
+                                </a:rPr>
+                                <m:t>𝑥</m:t>
+                              </m:r>
+                            </m:sub>
+                          </m:sSub>
+                        </m:num>
+                        <m:den>
+                          <m:r>
+                            <a:rPr kumimoji="1" lang="en-US" altLang="zh-CN" b="0" i="1" smtClean="0">
+                              <a:latin typeface="Cambria Math" panose="02040503050406030204" pitchFamily="18" charset="0"/>
+                            </a:rPr>
+                            <m:t>2</m:t>
+                          </m:r>
+                        </m:den>
+                      </m:f>
+                    </m:oMath>
+                  </m:oMathPara>
+                </a14:m>
+                <a:endParaRPr kumimoji="1" lang="zh-CN" altLang="en-US" dirty="0"/>
+              </a:p>
+            </p:txBody>
+          </p:sp>
+        </mc:Choice>
+        <mc:Fallback xmlns="">
+          <p:sp>
+            <p:nvSpPr>
+              <p:cNvPr id="2" name="文本框 1">
+                <a:extLst>
+                  <a:ext uri="{FF2B5EF4-FFF2-40B4-BE49-F238E27FC236}">
+                    <a16:creationId xmlns:a16="http://schemas.microsoft.com/office/drawing/2014/main" id="{E89A2146-7822-A94B-A230-2747FD2AA368}"/>
+                  </a:ext>
+                </a:extLst>
+              </p:cNvPr>
+              <p:cNvSpPr txBox="1">
+                <a:spLocks noRot="1" noChangeAspect="1" noMove="1" noResize="1" noEditPoints="1" noAdjustHandles="1" noChangeArrowheads="1" noChangeShapeType="1" noTextEdit="1"/>
+              </p:cNvSpPr>
+              <p:nvPr/>
+            </p:nvSpPr>
+            <p:spPr>
+              <a:xfrm>
+                <a:off x="6485467" y="2133600"/>
+                <a:ext cx="299376" cy="516745"/>
+              </a:xfrm>
+              <a:prstGeom prst="rect">
+                <a:avLst/>
+              </a:prstGeom>
+              <a:blipFill>
+                <a:blip r:embed="rId5"/>
+                <a:stretch>
+                  <a:fillRect l="-16000" t="-2439" b="-14634"/>
+                </a:stretch>
+              </a:blipFill>
+            </p:spPr>
+            <p:txBody>
+              <a:bodyPr/>
+              <a:lstStyle/>
+              <a:p>
+                <a:r>
+                  <a:rPr lang="zh-CN" altLang="en-US">
+                    <a:noFill/>
+                  </a:rPr>
+                  <a:t> </a:t>
+                </a:r>
+              </a:p>
+            </p:txBody>
+          </p:sp>
+        </mc:Fallback>
+      </mc:AlternateContent>
+      <p:sp>
+        <p:nvSpPr>
+          <p:cNvPr id="3" name="文本框 2">
+            <a:extLst>
+              <a:ext uri="{FF2B5EF4-FFF2-40B4-BE49-F238E27FC236}">
+                <a16:creationId xmlns:a16="http://schemas.microsoft.com/office/drawing/2014/main" id="{F10BA2D2-D7DA-CF4E-B8BE-5CFADB3DE4E9}"/>
+              </a:ext>
+            </a:extLst>
+          </p:cNvPr>
+          <p:cNvSpPr txBox="1"/>
+          <p:nvPr/>
+        </p:nvSpPr>
+        <p:spPr>
+          <a:xfrm>
+            <a:off x="795867" y="381000"/>
+            <a:ext cx="7205133" cy="461665"/>
+          </a:xfrm>
+          <a:prstGeom prst="rect">
+            <a:avLst/>
+          </a:prstGeom>
+          <a:noFill/>
+        </p:spPr>
+        <p:txBody>
+          <a:bodyPr wrap="square" rtlCol="0">
+            <a:spAutoFit/>
+          </a:bodyPr>
+          <a:lstStyle/>
+          <a:p>
+            <a:r>
+              <a:rPr kumimoji="1" lang="en-US" altLang="zh-CN" sz="2400" dirty="0">
+                <a:latin typeface="Arial Hebrew" pitchFamily="2" charset="-79"/>
+                <a:cs typeface="Arial Hebrew" pitchFamily="2" charset="-79"/>
+              </a:rPr>
+              <a:t>Compare correlations on different reference points</a:t>
+            </a:r>
+            <a:endParaRPr kumimoji="1" lang="zh-CN" altLang="en-US" sz="2400" dirty="0">
+              <a:latin typeface="Arial Hebrew" pitchFamily="2" charset="-79"/>
+              <a:cs typeface="Arial Hebrew" pitchFamily="2" charset="-79"/>
+            </a:endParaRPr>
+          </a:p>
+        </p:txBody>
+      </p:sp>
+    </p:spTree>
+    <p:extLst>
+      <p:ext uri="{BB962C8B-B14F-4D97-AF65-F5344CB8AC3E}">
+        <p14:creationId xmlns:p14="http://schemas.microsoft.com/office/powerpoint/2010/main" val="1209341291"/>
+      </p:ext>
+    </p:extLst>
+  </p:cSld>
+  <p:clrMapOvr>
+    <a:masterClrMapping/>
+  </p:clrMapOvr>
+</p:sld>
+</file>
+
+<file path=ppt/slides/slide7.xml><?xml version="1.0" encoding="utf-8"?>
+<p:sld xmlns:a="http://schemas.openxmlformats.org/drawingml/2006/main" xmlns:r="http://schemas.openxmlformats.org/officeDocument/2006/relationships" xmlns:p="http://schemas.openxmlformats.org/presentationml/2006/main">
+  <p:cSld>
+    <p:spTree>
+      <p:nvGrpSpPr>
+        <p:cNvPr id="1" name=""/>
+        <p:cNvGrpSpPr/>
+        <p:nvPr/>
+      </p:nvGrpSpPr>
+      <p:grpSpPr>
+        <a:xfrm>
+          <a:off x="0" y="0"/>
+          <a:ext cx="0" cy="0"/>
+          <a:chOff x="0" y="0"/>
+          <a:chExt cx="0" cy="0"/>
+        </a:xfrm>
+      </p:grpSpPr>
+      <mc:AlternateContent xmlns:mc="http://schemas.openxmlformats.org/markup-compatibility/2006" xmlns:a14="http://schemas.microsoft.com/office/drawing/2010/main">
+        <mc:Choice Requires="a14">
+          <p:sp>
+            <p:nvSpPr>
+              <p:cNvPr id="4" name="文本框 3">
+                <a:extLst>
+                  <a:ext uri="{FF2B5EF4-FFF2-40B4-BE49-F238E27FC236}">
+                    <a16:creationId xmlns:a16="http://schemas.microsoft.com/office/drawing/2014/main" id="{712B0BB5-06FF-254C-8E5E-63FBF240B33C}"/>
+                  </a:ext>
+                </a:extLst>
+              </p:cNvPr>
+              <p:cNvSpPr txBox="1"/>
+              <p:nvPr/>
+            </p:nvSpPr>
+            <p:spPr>
+              <a:xfrm>
+                <a:off x="6808053" y="2230947"/>
+                <a:ext cx="4342547" cy="2836930"/>
+              </a:xfrm>
+              <a:prstGeom prst="rect">
+                <a:avLst/>
+              </a:prstGeom>
+              <a:noFill/>
+            </p:spPr>
+            <p:txBody>
+              <a:bodyPr wrap="square">
+                <a:spAutoFit/>
+              </a:bodyPr>
+              <a:lstStyle/>
+              <a:p>
+                <a:r>
+                  <a:rPr lang="en-US" altLang="zh-CN" dirty="0">
+                    <a:latin typeface="Times New Roman" panose="02020603050405020304" pitchFamily="18" charset="0"/>
+                    <a:cs typeface="Times New Roman" panose="02020603050405020304" pitchFamily="18" charset="0"/>
+                  </a:rPr>
+                  <a:t>In this figure, we measure </a:t>
+                </a:r>
+                <a14:m>
+                  <m:oMath xmlns:m="http://schemas.openxmlformats.org/officeDocument/2006/math">
+                    <m:sSub>
+                      <m:sSubPr>
+                        <m:ctrlPr>
+                          <a:rPr lang="en-US" altLang="zh-CN" i="1">
+                            <a:latin typeface="Cambria Math" panose="02040503050406030204" pitchFamily="18" charset="0"/>
+                            <a:cs typeface="Times New Roman" panose="02020603050405020304" pitchFamily="18" charset="0"/>
+                          </a:rPr>
+                        </m:ctrlPr>
+                      </m:sSubPr>
+                      <m:e>
+                        <m:r>
+                          <m:rPr>
+                            <m:sty m:val="p"/>
+                          </m:rPr>
+                          <a:rPr lang="en-US" altLang="zh-CN">
+                            <a:latin typeface="Cambria Math" panose="02040503050406030204" pitchFamily="18" charset="0"/>
+                            <a:cs typeface="Times New Roman" panose="02020603050405020304" pitchFamily="18" charset="0"/>
+                          </a:rPr>
+                          <m:t>Φ</m:t>
+                        </m:r>
+                      </m:e>
+                      <m:sub>
+                        <m:r>
+                          <a:rPr lang="en-US" altLang="zh-CN" i="1">
+                            <a:latin typeface="Cambria Math" panose="02040503050406030204" pitchFamily="18" charset="0"/>
+                            <a:cs typeface="Times New Roman" panose="02020603050405020304" pitchFamily="18" charset="0"/>
+                          </a:rPr>
+                          <m:t>𝑦𝑦</m:t>
+                        </m:r>
+                      </m:sub>
+                    </m:sSub>
+                    <m:r>
+                      <a:rPr lang="en-US" altLang="zh-CN" i="1">
+                        <a:latin typeface="Cambria Math" panose="02040503050406030204" pitchFamily="18" charset="0"/>
+                        <a:cs typeface="Times New Roman" panose="02020603050405020304" pitchFamily="18" charset="0"/>
+                      </a:rPr>
+                      <m:t>(</m:t>
+                    </m:r>
+                    <m:r>
+                      <a:rPr lang="en-US" altLang="zh-CN" i="1">
+                        <a:latin typeface="Cambria Math" panose="02040503050406030204" pitchFamily="18" charset="0"/>
+                        <a:cs typeface="Times New Roman" panose="02020603050405020304" pitchFamily="18" charset="0"/>
+                      </a:rPr>
+                      <m:t>𝑥</m:t>
+                    </m:r>
+                    <m:r>
+                      <a:rPr lang="en-US" altLang="zh-CN" i="1">
+                        <a:latin typeface="Cambria Math" panose="02040503050406030204" pitchFamily="18" charset="0"/>
+                        <a:cs typeface="Times New Roman" panose="02020603050405020304" pitchFamily="18" charset="0"/>
+                      </a:rPr>
+                      <m:t>)</m:t>
+                    </m:r>
+                  </m:oMath>
+                </a14:m>
+                <a:r>
+                  <a:rPr lang="en-US" altLang="zh-CN" dirty="0">
+                    <a:latin typeface="Times New Roman" panose="02020603050405020304" pitchFamily="18" charset="0"/>
+                    <a:cs typeface="Times New Roman" panose="02020603050405020304" pitchFamily="18" charset="0"/>
+                  </a:rPr>
+                  <a:t> with reference point around </a:t>
+                </a:r>
+                <a14:m>
+                  <m:oMath xmlns:m="http://schemas.openxmlformats.org/officeDocument/2006/math">
+                    <m:sSub>
+                      <m:sSubPr>
+                        <m:ctrlPr>
+                          <a:rPr lang="en-US" altLang="zh-CN" b="0" i="1" smtClean="0">
+                            <a:latin typeface="Cambria Math" panose="02040503050406030204" pitchFamily="18" charset="0"/>
+                            <a:cs typeface="Times New Roman" panose="02020603050405020304" pitchFamily="18" charset="0"/>
+                          </a:rPr>
+                        </m:ctrlPr>
+                      </m:sSubPr>
+                      <m:e>
+                        <m:r>
+                          <a:rPr lang="en-US" altLang="zh-CN" b="0" i="1" smtClean="0">
+                            <a:latin typeface="Cambria Math" panose="02040503050406030204" pitchFamily="18" charset="0"/>
+                            <a:cs typeface="Times New Roman" panose="02020603050405020304" pitchFamily="18" charset="0"/>
+                          </a:rPr>
+                          <m:t>𝑥</m:t>
+                        </m:r>
+                      </m:e>
+                      <m:sub>
+                        <m:r>
+                          <a:rPr lang="en-US" altLang="zh-CN" b="0" i="1" smtClean="0">
+                            <a:latin typeface="Cambria Math" panose="02040503050406030204" pitchFamily="18" charset="0"/>
+                            <a:cs typeface="Times New Roman" panose="02020603050405020304" pitchFamily="18" charset="0"/>
+                          </a:rPr>
+                          <m:t>0</m:t>
+                        </m:r>
+                      </m:sub>
+                    </m:sSub>
+                    <m:r>
+                      <a:rPr lang="en-US" altLang="zh-CN" b="0" i="1" smtClean="0">
+                        <a:latin typeface="Cambria Math" panose="02040503050406030204" pitchFamily="18" charset="0"/>
+                        <a:cs typeface="Times New Roman" panose="02020603050405020304" pitchFamily="18" charset="0"/>
+                      </a:rPr>
+                      <m:t>=</m:t>
+                    </m:r>
+                    <m:f>
+                      <m:fPr>
+                        <m:ctrlPr>
+                          <a:rPr lang="en-US" altLang="zh-CN" b="0" i="1" smtClean="0">
+                            <a:latin typeface="Cambria Math" panose="02040503050406030204" pitchFamily="18" charset="0"/>
+                            <a:cs typeface="Times New Roman" panose="02020603050405020304" pitchFamily="18" charset="0"/>
+                          </a:rPr>
+                        </m:ctrlPr>
+                      </m:fPr>
+                      <m:num>
+                        <m:sSub>
+                          <m:sSubPr>
+                            <m:ctrlPr>
+                              <a:rPr lang="en-US" altLang="zh-CN" b="0" i="1" smtClean="0">
+                                <a:latin typeface="Cambria Math" panose="02040503050406030204" pitchFamily="18" charset="0"/>
+                                <a:cs typeface="Times New Roman" panose="02020603050405020304" pitchFamily="18" charset="0"/>
+                              </a:rPr>
+                            </m:ctrlPr>
+                          </m:sSubPr>
+                          <m:e>
+                            <m:r>
+                              <a:rPr lang="en-US" altLang="zh-CN" b="0" i="1" smtClean="0">
+                                <a:latin typeface="Cambria Math" panose="02040503050406030204" pitchFamily="18" charset="0"/>
+                                <a:cs typeface="Times New Roman" panose="02020603050405020304" pitchFamily="18" charset="0"/>
+                              </a:rPr>
+                              <m:t>𝐿</m:t>
+                            </m:r>
+                          </m:e>
+                          <m:sub>
+                            <m:r>
+                              <a:rPr lang="en-US" altLang="zh-CN" b="0" i="1" smtClean="0">
+                                <a:latin typeface="Cambria Math" panose="02040503050406030204" pitchFamily="18" charset="0"/>
+                                <a:cs typeface="Times New Roman" panose="02020603050405020304" pitchFamily="18" charset="0"/>
+                              </a:rPr>
+                              <m:t>𝑥</m:t>
+                            </m:r>
+                          </m:sub>
+                        </m:sSub>
+                      </m:num>
+                      <m:den>
+                        <m:r>
+                          <a:rPr lang="en-US" altLang="zh-CN" b="0" i="1" smtClean="0">
+                            <a:latin typeface="Cambria Math" panose="02040503050406030204" pitchFamily="18" charset="0"/>
+                            <a:cs typeface="Times New Roman" panose="02020603050405020304" pitchFamily="18" charset="0"/>
+                          </a:rPr>
+                          <m:t>4</m:t>
+                        </m:r>
+                      </m:den>
+                    </m:f>
+                    <m:r>
+                      <a:rPr lang="en-US" altLang="zh-CN" b="0" i="1" smtClean="0">
+                        <a:latin typeface="Cambria Math" panose="02040503050406030204" pitchFamily="18" charset="0"/>
+                        <a:cs typeface="Times New Roman" panose="02020603050405020304" pitchFamily="18" charset="0"/>
+                      </a:rPr>
+                      <m:t>,</m:t>
+                    </m:r>
+                  </m:oMath>
+                </a14:m>
+                <a:r>
+                  <a:rPr lang="en-US" altLang="zh-CN" dirty="0">
+                    <a:latin typeface="Times New Roman" panose="02020603050405020304" pitchFamily="18" charset="0"/>
+                    <a:cs typeface="Times New Roman" panose="02020603050405020304" pitchFamily="18" charset="0"/>
+                  </a:rPr>
+                  <a:t> (for </a:t>
+                </a:r>
+                <a14:m>
+                  <m:oMath xmlns:m="http://schemas.openxmlformats.org/officeDocument/2006/math">
+                    <m:sSub>
+                      <m:sSubPr>
+                        <m:ctrlPr>
+                          <a:rPr lang="en-US" altLang="zh-CN" b="0" i="1" dirty="0" smtClean="0">
+                            <a:latin typeface="Cambria Math" panose="02040503050406030204" pitchFamily="18" charset="0"/>
+                            <a:cs typeface="Times New Roman" panose="02020603050405020304" pitchFamily="18" charset="0"/>
+                          </a:rPr>
+                        </m:ctrlPr>
+                      </m:sSubPr>
+                      <m:e>
+                        <m:r>
+                          <a:rPr lang="en-US" altLang="zh-CN" i="1" dirty="0" smtClean="0">
+                            <a:latin typeface="Cambria Math" panose="02040503050406030204" pitchFamily="18" charset="0"/>
+                            <a:cs typeface="Times New Roman" panose="02020603050405020304" pitchFamily="18" charset="0"/>
+                          </a:rPr>
+                          <m:t>𝐿</m:t>
+                        </m:r>
+                      </m:e>
+                      <m:sub>
+                        <m:r>
+                          <a:rPr lang="en-US" altLang="zh-CN" i="1" dirty="0" smtClean="0">
+                            <a:latin typeface="Cambria Math" panose="02040503050406030204" pitchFamily="18" charset="0"/>
+                            <a:cs typeface="Times New Roman" panose="02020603050405020304" pitchFamily="18" charset="0"/>
+                          </a:rPr>
+                          <m:t>𝑥</m:t>
+                        </m:r>
+                      </m:sub>
+                    </m:sSub>
+                  </m:oMath>
+                </a14:m>
+                <a:r>
+                  <a:rPr lang="en-US" altLang="zh-CN" dirty="0">
+                    <a:latin typeface="Times New Roman" panose="02020603050405020304" pitchFamily="18" charset="0"/>
+                    <a:cs typeface="Times New Roman" panose="02020603050405020304" pitchFamily="18" charset="0"/>
+                  </a:rPr>
+                  <a:t> =16, 32, 48, </a:t>
+                </a:r>
+                <a14:m>
+                  <m:oMath xmlns:m="http://schemas.openxmlformats.org/officeDocument/2006/math">
+                    <m:sSub>
+                      <m:sSubPr>
+                        <m:ctrlPr>
+                          <a:rPr lang="en-US" altLang="zh-CN" b="0" i="1" dirty="0" smtClean="0">
+                            <a:latin typeface="Cambria Math" panose="02040503050406030204" pitchFamily="18" charset="0"/>
+                            <a:cs typeface="Times New Roman" panose="02020603050405020304" pitchFamily="18" charset="0"/>
+                          </a:rPr>
+                        </m:ctrlPr>
+                      </m:sSubPr>
+                      <m:e>
+                        <m:r>
+                          <a:rPr lang="en-US" altLang="zh-CN" i="1" dirty="0" smtClean="0">
+                            <a:latin typeface="Cambria Math" panose="02040503050406030204" pitchFamily="18" charset="0"/>
+                            <a:cs typeface="Times New Roman" panose="02020603050405020304" pitchFamily="18" charset="0"/>
+                          </a:rPr>
+                          <m:t>𝑥</m:t>
+                        </m:r>
+                      </m:e>
+                      <m:sub>
+                        <m:r>
+                          <a:rPr lang="en-US" altLang="zh-CN" i="1" dirty="0" smtClean="0">
+                            <a:latin typeface="Cambria Math" panose="02040503050406030204" pitchFamily="18" charset="0"/>
+                            <a:cs typeface="Times New Roman" panose="02020603050405020304" pitchFamily="18" charset="0"/>
+                          </a:rPr>
+                          <m:t>0</m:t>
+                        </m:r>
+                      </m:sub>
+                    </m:sSub>
+                  </m:oMath>
+                </a14:m>
+                <a:r>
+                  <a:rPr lang="en-US" altLang="zh-CN" dirty="0">
+                    <a:latin typeface="Times New Roman" panose="02020603050405020304" pitchFamily="18" charset="0"/>
+                    <a:cs typeface="Times New Roman" panose="02020603050405020304" pitchFamily="18" charset="0"/>
+                  </a:rPr>
+                  <a:t> = </a:t>
+                </a:r>
+                <a14:m>
+                  <m:oMath xmlns:m="http://schemas.openxmlformats.org/officeDocument/2006/math">
+                    <m:sSub>
+                      <m:sSubPr>
+                        <m:ctrlPr>
+                          <a:rPr lang="en-US" altLang="zh-CN" b="0" i="1" dirty="0" smtClean="0">
+                            <a:latin typeface="Cambria Math" panose="02040503050406030204" pitchFamily="18" charset="0"/>
+                            <a:cs typeface="Times New Roman" panose="02020603050405020304" pitchFamily="18" charset="0"/>
+                          </a:rPr>
+                        </m:ctrlPr>
+                      </m:sSubPr>
+                      <m:e>
+                        <m:r>
+                          <a:rPr lang="en-US" altLang="zh-CN" i="1" dirty="0" smtClean="0">
+                            <a:latin typeface="Cambria Math" panose="02040503050406030204" pitchFamily="18" charset="0"/>
+                            <a:cs typeface="Times New Roman" panose="02020603050405020304" pitchFamily="18" charset="0"/>
+                          </a:rPr>
+                          <m:t>𝐿</m:t>
+                        </m:r>
+                      </m:e>
+                      <m:sub>
+                        <m:r>
+                          <a:rPr lang="en-US" altLang="zh-CN" i="1" dirty="0" smtClean="0">
+                            <a:latin typeface="Cambria Math" panose="02040503050406030204" pitchFamily="18" charset="0"/>
+                            <a:cs typeface="Times New Roman" panose="02020603050405020304" pitchFamily="18" charset="0"/>
+                          </a:rPr>
+                          <m:t>𝑥</m:t>
+                        </m:r>
+                      </m:sub>
+                    </m:sSub>
+                  </m:oMath>
+                </a14:m>
+                <a:r>
+                  <a:rPr lang="en-US" altLang="zh-CN" dirty="0">
+                    <a:latin typeface="Times New Roman" panose="02020603050405020304" pitchFamily="18" charset="0"/>
+                    <a:cs typeface="Times New Roman" panose="02020603050405020304" pitchFamily="18" charset="0"/>
+                  </a:rPr>
+                  <a:t>/4 +1, for </a:t>
+                </a:r>
+                <a14:m>
+                  <m:oMath xmlns:m="http://schemas.openxmlformats.org/officeDocument/2006/math">
+                    <m:sSub>
+                      <m:sSubPr>
+                        <m:ctrlPr>
+                          <a:rPr lang="en-US" altLang="zh-CN" i="1" dirty="0">
+                            <a:latin typeface="Cambria Math" panose="02040503050406030204" pitchFamily="18" charset="0"/>
+                            <a:cs typeface="Times New Roman" panose="02020603050405020304" pitchFamily="18" charset="0"/>
+                          </a:rPr>
+                        </m:ctrlPr>
+                      </m:sSubPr>
+                      <m:e>
+                        <m:r>
+                          <a:rPr lang="en-US" altLang="zh-CN" i="1" dirty="0">
+                            <a:latin typeface="Cambria Math" panose="02040503050406030204" pitchFamily="18" charset="0"/>
+                            <a:cs typeface="Times New Roman" panose="02020603050405020304" pitchFamily="18" charset="0"/>
+                          </a:rPr>
+                          <m:t>𝐿</m:t>
+                        </m:r>
+                      </m:e>
+                      <m:sub>
+                        <m:r>
+                          <a:rPr lang="en-US" altLang="zh-CN" i="1" dirty="0">
+                            <a:latin typeface="Cambria Math" panose="02040503050406030204" pitchFamily="18" charset="0"/>
+                            <a:cs typeface="Times New Roman" panose="02020603050405020304" pitchFamily="18" charset="0"/>
+                          </a:rPr>
+                          <m:t>𝑥</m:t>
+                        </m:r>
+                      </m:sub>
+                    </m:sSub>
+                  </m:oMath>
+                </a14:m>
+                <a:r>
+                  <a:rPr lang="en-US" altLang="zh-CN" dirty="0">
+                    <a:latin typeface="Times New Roman" panose="02020603050405020304" pitchFamily="18" charset="0"/>
+                    <a:cs typeface="Times New Roman" panose="02020603050405020304" pitchFamily="18" charset="0"/>
+                  </a:rPr>
+                  <a:t> = 24, 40, </a:t>
+                </a:r>
+                <a14:m>
+                  <m:oMath xmlns:m="http://schemas.openxmlformats.org/officeDocument/2006/math">
+                    <m:sSub>
+                      <m:sSubPr>
+                        <m:ctrlPr>
+                          <a:rPr lang="en-US" altLang="zh-CN" i="1" dirty="0">
+                            <a:latin typeface="Cambria Math" panose="02040503050406030204" pitchFamily="18" charset="0"/>
+                            <a:cs typeface="Times New Roman" panose="02020603050405020304" pitchFamily="18" charset="0"/>
+                          </a:rPr>
+                        </m:ctrlPr>
+                      </m:sSubPr>
+                      <m:e>
+                        <m:r>
+                          <a:rPr lang="en-US" altLang="zh-CN" i="1" dirty="0">
+                            <a:latin typeface="Cambria Math" panose="02040503050406030204" pitchFamily="18" charset="0"/>
+                            <a:cs typeface="Times New Roman" panose="02020603050405020304" pitchFamily="18" charset="0"/>
+                          </a:rPr>
+                          <m:t>𝑥</m:t>
+                        </m:r>
+                      </m:e>
+                      <m:sub>
+                        <m:r>
+                          <a:rPr lang="en-US" altLang="zh-CN" i="1" dirty="0">
+                            <a:latin typeface="Cambria Math" panose="02040503050406030204" pitchFamily="18" charset="0"/>
+                            <a:cs typeface="Times New Roman" panose="02020603050405020304" pitchFamily="18" charset="0"/>
+                          </a:rPr>
+                          <m:t>0</m:t>
+                        </m:r>
+                      </m:sub>
+                    </m:sSub>
+                  </m:oMath>
+                </a14:m>
+                <a:r>
+                  <a:rPr lang="en-US" altLang="zh-CN" dirty="0">
+                    <a:latin typeface="Times New Roman" panose="02020603050405020304" pitchFamily="18" charset="0"/>
+                    <a:cs typeface="Times New Roman" panose="02020603050405020304" pitchFamily="18" charset="0"/>
+                  </a:rPr>
+                  <a:t> =</a:t>
+                </a:r>
+                <a:r>
+                  <a:rPr lang="en-US" altLang="zh-CN" dirty="0">
+                    <a:cs typeface="Times New Roman" panose="02020603050405020304" pitchFamily="18" charset="0"/>
+                  </a:rPr>
+                  <a:t> </a:t>
+                </a:r>
+                <a14:m>
+                  <m:oMath xmlns:m="http://schemas.openxmlformats.org/officeDocument/2006/math">
+                    <m:sSub>
+                      <m:sSubPr>
+                        <m:ctrlPr>
+                          <a:rPr lang="en-US" altLang="zh-CN" i="1" dirty="0">
+                            <a:latin typeface="Cambria Math" panose="02040503050406030204" pitchFamily="18" charset="0"/>
+                            <a:cs typeface="Times New Roman" panose="02020603050405020304" pitchFamily="18" charset="0"/>
+                          </a:rPr>
+                        </m:ctrlPr>
+                      </m:sSubPr>
+                      <m:e>
+                        <m:r>
+                          <a:rPr lang="en-US" altLang="zh-CN" i="1" dirty="0">
+                            <a:latin typeface="Cambria Math" panose="02040503050406030204" pitchFamily="18" charset="0"/>
+                            <a:cs typeface="Times New Roman" panose="02020603050405020304" pitchFamily="18" charset="0"/>
+                          </a:rPr>
+                          <m:t>𝐿</m:t>
+                        </m:r>
+                      </m:e>
+                      <m:sub>
+                        <m:r>
+                          <a:rPr lang="en-US" altLang="zh-CN" i="1" dirty="0">
+                            <a:latin typeface="Cambria Math" panose="02040503050406030204" pitchFamily="18" charset="0"/>
+                            <a:cs typeface="Times New Roman" panose="02020603050405020304" pitchFamily="18" charset="0"/>
+                          </a:rPr>
+                          <m:t>𝑥</m:t>
+                        </m:r>
+                      </m:sub>
+                    </m:sSub>
+                  </m:oMath>
+                </a14:m>
+                <a:r>
+                  <a:rPr lang="en-US" altLang="zh-CN" dirty="0">
+                    <a:latin typeface="Times New Roman" panose="02020603050405020304" pitchFamily="18" charset="0"/>
+                    <a:cs typeface="Times New Roman" panose="02020603050405020304" pitchFamily="18" charset="0"/>
+                  </a:rPr>
+                  <a:t>/4-1, the rung is labelled from 1)</a:t>
+                </a:r>
+              </a:p>
+              <a:p>
+                <a:r>
+                  <a:rPr lang="en-US" altLang="zh-CN" dirty="0">
+                    <a:latin typeface="Times New Roman" panose="02020603050405020304" pitchFamily="18" charset="0"/>
+                    <a:cs typeface="Times New Roman" panose="02020603050405020304" pitchFamily="18" charset="0"/>
+                  </a:rPr>
+                  <a:t>where </a:t>
+                </a:r>
+                <a14:m>
+                  <m:oMath xmlns:m="http://schemas.openxmlformats.org/officeDocument/2006/math">
+                    <m:sSub>
+                      <m:sSubPr>
+                        <m:ctrlPr>
+                          <a:rPr lang="en-US" altLang="zh-CN" b="0" i="1" dirty="0" smtClean="0">
+                            <a:latin typeface="Cambria Math" panose="02040503050406030204" pitchFamily="18" charset="0"/>
+                            <a:cs typeface="Times New Roman" panose="02020603050405020304" pitchFamily="18" charset="0"/>
+                          </a:rPr>
+                        </m:ctrlPr>
+                      </m:sSubPr>
+                      <m:e>
+                        <m:r>
+                          <a:rPr lang="en-US" altLang="zh-CN" i="1" dirty="0" smtClean="0">
+                            <a:latin typeface="Cambria Math" panose="02040503050406030204" pitchFamily="18" charset="0"/>
+                            <a:cs typeface="Times New Roman" panose="02020603050405020304" pitchFamily="18" charset="0"/>
+                          </a:rPr>
+                          <m:t>𝐿</m:t>
+                        </m:r>
+                      </m:e>
+                      <m:sub>
+                        <m:r>
+                          <a:rPr lang="en-US" altLang="zh-CN" i="1" dirty="0" smtClean="0">
+                            <a:latin typeface="Cambria Math" panose="02040503050406030204" pitchFamily="18" charset="0"/>
+                            <a:cs typeface="Times New Roman" panose="02020603050405020304" pitchFamily="18" charset="0"/>
+                          </a:rPr>
+                          <m:t>𝑥</m:t>
+                        </m:r>
+                      </m:sub>
+                    </m:sSub>
+                  </m:oMath>
+                </a14:m>
+                <a:r>
+                  <a:rPr lang="en-US" altLang="zh-CN" dirty="0">
+                    <a:latin typeface="Times New Roman" panose="02020603050405020304" pitchFamily="18" charset="0"/>
+                    <a:cs typeface="Times New Roman" panose="02020603050405020304" pitchFamily="18" charset="0"/>
+                  </a:rPr>
+                  <a:t> = 16, 24, 32, 48, and </a:t>
+                </a:r>
+                <a14:m>
+                  <m:oMath xmlns:m="http://schemas.openxmlformats.org/officeDocument/2006/math">
+                    <m:r>
+                      <a:rPr lang="en-US" altLang="zh-CN" b="0" i="1" smtClean="0">
+                        <a:latin typeface="Cambria Math" panose="02040503050406030204" pitchFamily="18" charset="0"/>
+                        <a:cs typeface="Times New Roman" panose="02020603050405020304" pitchFamily="18" charset="0"/>
+                      </a:rPr>
+                      <m:t>𝑥</m:t>
+                    </m:r>
+                    <m:r>
+                      <a:rPr lang="en-US" altLang="zh-CN" b="0" i="1" smtClean="0">
+                        <a:latin typeface="Cambria Math" panose="02040503050406030204" pitchFamily="18" charset="0"/>
+                        <a:cs typeface="Times New Roman" panose="02020603050405020304" pitchFamily="18" charset="0"/>
+                      </a:rPr>
+                      <m:t>=</m:t>
+                    </m:r>
+                    <m:f>
+                      <m:fPr>
+                        <m:ctrlPr>
+                          <a:rPr lang="en-US" altLang="zh-CN" b="0" i="1" smtClean="0">
+                            <a:latin typeface="Cambria Math" panose="02040503050406030204" pitchFamily="18" charset="0"/>
+                            <a:cs typeface="Times New Roman" panose="02020603050405020304" pitchFamily="18" charset="0"/>
+                          </a:rPr>
+                        </m:ctrlPr>
+                      </m:fPr>
+                      <m:num>
+                        <m:sSub>
+                          <m:sSubPr>
+                            <m:ctrlPr>
+                              <a:rPr lang="en-US" altLang="zh-CN" b="0" i="1" smtClean="0">
+                                <a:latin typeface="Cambria Math" panose="02040503050406030204" pitchFamily="18" charset="0"/>
+                                <a:cs typeface="Times New Roman" panose="02020603050405020304" pitchFamily="18" charset="0"/>
+                              </a:rPr>
+                            </m:ctrlPr>
+                          </m:sSubPr>
+                          <m:e>
+                            <m:r>
+                              <a:rPr lang="en-US" altLang="zh-CN" b="0" i="1" smtClean="0">
+                                <a:latin typeface="Cambria Math" panose="02040503050406030204" pitchFamily="18" charset="0"/>
+                                <a:cs typeface="Times New Roman" panose="02020603050405020304" pitchFamily="18" charset="0"/>
+                              </a:rPr>
+                              <m:t>𝐿</m:t>
+                            </m:r>
+                          </m:e>
+                          <m:sub>
+                            <m:r>
+                              <a:rPr lang="en-US" altLang="zh-CN" b="0" i="1" smtClean="0">
+                                <a:latin typeface="Cambria Math" panose="02040503050406030204" pitchFamily="18" charset="0"/>
+                                <a:cs typeface="Times New Roman" panose="02020603050405020304" pitchFamily="18" charset="0"/>
+                              </a:rPr>
+                              <m:t>𝑥</m:t>
+                            </m:r>
+                          </m:sub>
+                        </m:sSub>
+                      </m:num>
+                      <m:den>
+                        <m:r>
+                          <a:rPr lang="en-US" altLang="zh-CN" b="0" i="1" smtClean="0">
+                            <a:latin typeface="Cambria Math" panose="02040503050406030204" pitchFamily="18" charset="0"/>
+                            <a:cs typeface="Times New Roman" panose="02020603050405020304" pitchFamily="18" charset="0"/>
+                          </a:rPr>
+                          <m:t>2</m:t>
+                        </m:r>
+                      </m:den>
+                    </m:f>
+                    <m:r>
+                      <a:rPr lang="en-US" altLang="zh-CN" b="0" i="1" smtClean="0">
+                        <a:latin typeface="Cambria Math" panose="02040503050406030204" pitchFamily="18" charset="0"/>
+                        <a:cs typeface="Times New Roman" panose="02020603050405020304" pitchFamily="18" charset="0"/>
+                      </a:rPr>
+                      <m:t>−1</m:t>
+                    </m:r>
+                  </m:oMath>
+                </a14:m>
+                <a:r>
+                  <a:rPr lang="en-US" altLang="zh-CN" dirty="0">
+                    <a:latin typeface="Times New Roman" panose="02020603050405020304" pitchFamily="18" charset="0"/>
+                    <a:cs typeface="Times New Roman" panose="02020603050405020304" pitchFamily="18" charset="0"/>
+                  </a:rPr>
+                  <a:t> respectively, to reach the peaks of superconductor correlations. </a:t>
+                </a:r>
+              </a:p>
+              <a:p>
+                <a:endParaRPr lang="en-US" altLang="zh-CN" dirty="0">
+                  <a:latin typeface="Times New Roman" panose="02020603050405020304" pitchFamily="18" charset="0"/>
+                  <a:cs typeface="Times New Roman" panose="02020603050405020304" pitchFamily="18" charset="0"/>
+                </a:endParaRPr>
+              </a:p>
+              <a:p>
+                <a14:m>
+                  <m:oMath xmlns:m="http://schemas.openxmlformats.org/officeDocument/2006/math">
+                    <m:sSub>
+                      <m:sSubPr>
+                        <m:ctrlPr>
+                          <a:rPr lang="en-US" altLang="zh-CN" i="1" dirty="0" smtClean="0">
+                            <a:latin typeface="Cambria Math" panose="02040503050406030204" pitchFamily="18" charset="0"/>
+                            <a:cs typeface="Times New Roman" panose="02020603050405020304" pitchFamily="18" charset="0"/>
+                          </a:rPr>
+                        </m:ctrlPr>
+                      </m:sSubPr>
+                      <m:e>
+                        <m:r>
+                          <a:rPr lang="en-US" altLang="zh-CN" i="1" dirty="0" smtClean="0">
+                            <a:latin typeface="Cambria Math" panose="02040503050406030204" pitchFamily="18" charset="0"/>
+                            <a:cs typeface="Times New Roman" panose="02020603050405020304" pitchFamily="18" charset="0"/>
+                          </a:rPr>
+                          <m:t>𝐾</m:t>
+                        </m:r>
+                      </m:e>
+                      <m:sub>
+                        <m:r>
+                          <a:rPr lang="en-US" altLang="zh-CN" i="1" dirty="0" smtClean="0">
+                            <a:latin typeface="Cambria Math" panose="02040503050406030204" pitchFamily="18" charset="0"/>
+                            <a:cs typeface="Times New Roman" panose="02020603050405020304" pitchFamily="18" charset="0"/>
+                          </a:rPr>
+                          <m:t>𝑠𝑐</m:t>
+                        </m:r>
+                      </m:sub>
+                    </m:sSub>
+                    <m:r>
+                      <a:rPr lang="en-US" altLang="zh-CN" i="1" dirty="0">
+                        <a:latin typeface="Cambria Math" panose="02040503050406030204" pitchFamily="18" charset="0"/>
+                        <a:cs typeface="Times New Roman" panose="02020603050405020304" pitchFamily="18" charset="0"/>
+                      </a:rPr>
+                      <m:t>=1.39077</m:t>
+                    </m:r>
+                  </m:oMath>
+                </a14:m>
+                <a:r>
+                  <a:rPr lang="en-US" altLang="zh-CN" dirty="0">
+                    <a:latin typeface="Times New Roman" panose="02020603050405020304" pitchFamily="18" charset="0"/>
+                    <a:cs typeface="Times New Roman" panose="02020603050405020304" pitchFamily="18" charset="0"/>
+                  </a:rPr>
+                  <a:t>. </a:t>
+                </a:r>
+                <a:endParaRPr lang="zh-CN" altLang="en-US" dirty="0">
+                  <a:latin typeface="Times New Roman" panose="02020603050405020304" pitchFamily="18" charset="0"/>
+                  <a:cs typeface="Times New Roman" panose="02020603050405020304" pitchFamily="18" charset="0"/>
+                </a:endParaRPr>
+              </a:p>
+            </p:txBody>
+          </p:sp>
+        </mc:Choice>
+        <mc:Fallback xmlns="">
+          <p:sp>
+            <p:nvSpPr>
+              <p:cNvPr id="4" name="文本框 3">
+                <a:extLst>
+                  <a:ext uri="{FF2B5EF4-FFF2-40B4-BE49-F238E27FC236}">
+                    <a16:creationId xmlns:a16="http://schemas.microsoft.com/office/drawing/2014/main" id="{712B0BB5-06FF-254C-8E5E-63FBF240B33C}"/>
+                  </a:ext>
+                </a:extLst>
+              </p:cNvPr>
+              <p:cNvSpPr txBox="1">
+                <a:spLocks noRot="1" noChangeAspect="1" noMove="1" noResize="1" noEditPoints="1" noAdjustHandles="1" noChangeArrowheads="1" noChangeShapeType="1" noTextEdit="1"/>
+              </p:cNvSpPr>
+              <p:nvPr/>
+            </p:nvSpPr>
+            <p:spPr>
+              <a:xfrm>
+                <a:off x="6808053" y="2230947"/>
+                <a:ext cx="4342547" cy="2836930"/>
+              </a:xfrm>
+              <a:prstGeom prst="rect">
+                <a:avLst/>
+              </a:prstGeom>
+              <a:blipFill>
+                <a:blip r:embed="rId2"/>
+                <a:stretch>
+                  <a:fillRect l="-1462" t="-893" r="-877" b="-2679"/>
+                </a:stretch>
+              </a:blipFill>
+            </p:spPr>
+            <p:txBody>
+              <a:bodyPr/>
+              <a:lstStyle/>
+              <a:p>
+                <a:r>
+                  <a:rPr lang="zh-CN" altLang="en-US">
+                    <a:noFill/>
+                  </a:rPr>
+                  <a:t> </a:t>
+                </a:r>
+              </a:p>
+            </p:txBody>
+          </p:sp>
+        </mc:Fallback>
+      </mc:AlternateContent>
+      <mc:AlternateContent xmlns:mc="http://schemas.openxmlformats.org/markup-compatibility/2006" xmlns:a14="http://schemas.microsoft.com/office/drawing/2010/main">
+        <mc:Choice Requires="a14">
+          <p:sp>
+            <p:nvSpPr>
+              <p:cNvPr id="6" name="文本框 5">
+                <a:extLst>
+                  <a:ext uri="{FF2B5EF4-FFF2-40B4-BE49-F238E27FC236}">
+                    <a16:creationId xmlns:a16="http://schemas.microsoft.com/office/drawing/2014/main" id="{798C844E-487C-D14F-81D1-ACA5E6A6DFB5}"/>
+                  </a:ext>
+                </a:extLst>
+              </p:cNvPr>
+              <p:cNvSpPr txBox="1"/>
+              <p:nvPr/>
+            </p:nvSpPr>
+            <p:spPr>
+              <a:xfrm>
+                <a:off x="653143" y="284309"/>
+                <a:ext cx="7213720" cy="1166730"/>
+              </a:xfrm>
+              <a:prstGeom prst="rect">
+                <a:avLst/>
+              </a:prstGeom>
+              <a:noFill/>
+            </p:spPr>
+            <p:txBody>
+              <a:bodyPr wrap="square" rtlCol="0">
+                <a:spAutoFit/>
+              </a:bodyPr>
+              <a:lstStyle/>
+              <a:p>
+                <a:r>
+                  <a:rPr kumimoji="1" lang="en-US" altLang="zh-CN" sz="2800" i="1" dirty="0">
+                    <a:latin typeface="Times New Roman" panose="02020603050405020304" pitchFamily="18" charset="0"/>
+                    <a:cs typeface="Times New Roman" panose="02020603050405020304" pitchFamily="18" charset="0"/>
+                  </a:rPr>
+                  <a:t>A</a:t>
+                </a:r>
+                <a:r>
+                  <a:rPr kumimoji="1" lang="en-US" altLang="zh-CN" sz="2800" dirty="0">
+                    <a:latin typeface="Times New Roman" panose="02020603050405020304" pitchFamily="18" charset="0"/>
+                    <a:cs typeface="Times New Roman" panose="02020603050405020304" pitchFamily="18" charset="0"/>
+                  </a:rPr>
+                  <a:t> class reference point, fit </a:t>
+                </a:r>
+                <a14:m>
+                  <m:oMath xmlns:m="http://schemas.openxmlformats.org/officeDocument/2006/math">
+                    <m:sSub>
+                      <m:sSubPr>
+                        <m:ctrlPr>
+                          <a:rPr kumimoji="1" lang="en-US" altLang="zh-CN" sz="2800" i="1" dirty="0" smtClean="0">
+                            <a:latin typeface="Cambria Math" panose="02040503050406030204" pitchFamily="18" charset="0"/>
+                          </a:rPr>
+                        </m:ctrlPr>
+                      </m:sSubPr>
+                      <m:e>
+                        <m:r>
+                          <a:rPr kumimoji="1" lang="en-US" altLang="zh-CN" sz="2800" i="1" dirty="0" smtClean="0">
+                            <a:latin typeface="Cambria Math" panose="02040503050406030204" pitchFamily="18" charset="0"/>
+                          </a:rPr>
+                          <m:t>𝐾</m:t>
+                        </m:r>
+                      </m:e>
+                      <m:sub>
+                        <m:r>
+                          <a:rPr kumimoji="1" lang="en-US" altLang="zh-CN" sz="2800" b="0" i="1" dirty="0" smtClean="0">
+                            <a:latin typeface="Cambria Math" panose="02040503050406030204" pitchFamily="18" charset="0"/>
+                          </a:rPr>
+                          <m:t>𝑠</m:t>
+                        </m:r>
+                        <m:r>
+                          <a:rPr kumimoji="1" lang="en-US" altLang="zh-CN" sz="2800" i="1" dirty="0" smtClean="0">
+                            <a:latin typeface="Cambria Math" panose="02040503050406030204" pitchFamily="18" charset="0"/>
+                          </a:rPr>
+                          <m:t>𝑐</m:t>
+                        </m:r>
+                      </m:sub>
+                    </m:sSub>
+                  </m:oMath>
+                </a14:m>
+                <a:r>
+                  <a:rPr kumimoji="1" lang="en-US" altLang="zh-CN" sz="2800" dirty="0">
+                    <a:latin typeface="Times New Roman" panose="02020603050405020304" pitchFamily="18" charset="0"/>
+                    <a:cs typeface="Times New Roman" panose="02020603050405020304" pitchFamily="18" charset="0"/>
+                  </a:rPr>
+                  <a:t> from </a:t>
+                </a:r>
+                <a14:m>
+                  <m:oMath xmlns:m="http://schemas.openxmlformats.org/officeDocument/2006/math">
+                    <m:sSub>
+                      <m:sSubPr>
+                        <m:ctrlPr>
+                          <a:rPr kumimoji="1" lang="en-US" altLang="zh-CN" sz="2800" b="0" i="1" smtClean="0">
+                            <a:latin typeface="Cambria Math" panose="02040503050406030204" pitchFamily="18" charset="0"/>
+                            <a:cs typeface="Times New Roman" panose="02020603050405020304" pitchFamily="18" charset="0"/>
+                          </a:rPr>
+                        </m:ctrlPr>
+                      </m:sSubPr>
+                      <m:e>
+                        <m:r>
+                          <m:rPr>
+                            <m:sty m:val="p"/>
+                          </m:rPr>
+                          <a:rPr kumimoji="1" lang="en-US" altLang="zh-CN" sz="2800" b="0" i="0" smtClean="0">
+                            <a:latin typeface="Cambria Math" panose="02040503050406030204" pitchFamily="18" charset="0"/>
+                            <a:cs typeface="Times New Roman" panose="02020603050405020304" pitchFamily="18" charset="0"/>
+                          </a:rPr>
+                          <m:t>Φ</m:t>
+                        </m:r>
+                      </m:e>
+                      <m:sub>
+                        <m:r>
+                          <a:rPr kumimoji="1" lang="en-US" altLang="zh-CN" sz="2800" b="0" i="1" smtClean="0">
+                            <a:latin typeface="Cambria Math" panose="02040503050406030204" pitchFamily="18" charset="0"/>
+                            <a:cs typeface="Times New Roman" panose="02020603050405020304" pitchFamily="18" charset="0"/>
+                          </a:rPr>
+                          <m:t>𝑦𝑦</m:t>
+                        </m:r>
+                      </m:sub>
+                    </m:sSub>
+                    <m:d>
+                      <m:dPr>
+                        <m:ctrlPr>
+                          <a:rPr kumimoji="1" lang="en-US" altLang="zh-CN" sz="2800" b="0" i="1" smtClean="0">
+                            <a:latin typeface="Cambria Math" panose="02040503050406030204" pitchFamily="18" charset="0"/>
+                            <a:cs typeface="Times New Roman" panose="02020603050405020304" pitchFamily="18" charset="0"/>
+                          </a:rPr>
+                        </m:ctrlPr>
+                      </m:dPr>
+                      <m:e>
+                        <m:r>
+                          <a:rPr kumimoji="1" lang="en-US" altLang="zh-CN" sz="2800" b="0" i="1" smtClean="0">
+                            <a:latin typeface="Cambria Math" panose="02040503050406030204" pitchFamily="18" charset="0"/>
+                            <a:cs typeface="Times New Roman" panose="02020603050405020304" pitchFamily="18" charset="0"/>
+                          </a:rPr>
+                          <m:t>𝑥</m:t>
+                        </m:r>
+                      </m:e>
+                    </m:d>
+                  </m:oMath>
+                </a14:m>
+                <a:r>
+                  <a:rPr kumimoji="1" lang="en-US" altLang="zh-CN" sz="2800" dirty="0">
+                    <a:latin typeface="Times New Roman" panose="02020603050405020304" pitchFamily="18" charset="0"/>
+                    <a:cs typeface="Times New Roman" panose="02020603050405020304" pitchFamily="18" charset="0"/>
+                  </a:rPr>
+                  <a:t>,  </a:t>
+                </a:r>
+                <a14:m>
+                  <m:oMath xmlns:m="http://schemas.openxmlformats.org/officeDocument/2006/math">
+                    <m:r>
+                      <a:rPr kumimoji="1" lang="en-US" altLang="zh-CN" sz="2800" b="0" i="1" smtClean="0">
+                        <a:latin typeface="Cambria Math" panose="02040503050406030204" pitchFamily="18" charset="0"/>
+                        <a:cs typeface="Times New Roman" panose="02020603050405020304" pitchFamily="18" charset="0"/>
+                      </a:rPr>
+                      <m:t>𝑥</m:t>
+                    </m:r>
+                    <m:r>
+                      <a:rPr kumimoji="1" lang="en-US" altLang="zh-CN" sz="2800" b="0" i="1" smtClean="0">
+                        <a:latin typeface="Cambria Math" panose="02040503050406030204" pitchFamily="18" charset="0"/>
+                        <a:cs typeface="Times New Roman" panose="02020603050405020304" pitchFamily="18" charset="0"/>
+                      </a:rPr>
+                      <m:t>=</m:t>
+                    </m:r>
+                    <m:f>
+                      <m:fPr>
+                        <m:ctrlPr>
+                          <a:rPr kumimoji="1" lang="en-US" altLang="zh-CN" sz="2800" b="0" i="1" smtClean="0">
+                            <a:latin typeface="Cambria Math" panose="02040503050406030204" pitchFamily="18" charset="0"/>
+                            <a:cs typeface="Times New Roman" panose="02020603050405020304" pitchFamily="18" charset="0"/>
+                          </a:rPr>
+                        </m:ctrlPr>
+                      </m:fPr>
+                      <m:num>
+                        <m:sSub>
+                          <m:sSubPr>
+                            <m:ctrlPr>
+                              <a:rPr kumimoji="1" lang="en-US" altLang="zh-CN" sz="2800" b="0" i="1" smtClean="0">
+                                <a:latin typeface="Cambria Math" panose="02040503050406030204" pitchFamily="18" charset="0"/>
+                                <a:cs typeface="Times New Roman" panose="02020603050405020304" pitchFamily="18" charset="0"/>
+                              </a:rPr>
+                            </m:ctrlPr>
+                          </m:sSubPr>
+                          <m:e>
+                            <m:r>
+                              <a:rPr kumimoji="1" lang="en-US" altLang="zh-CN" sz="2800" b="0" i="1" smtClean="0">
+                                <a:latin typeface="Cambria Math" panose="02040503050406030204" pitchFamily="18" charset="0"/>
+                                <a:cs typeface="Times New Roman" panose="02020603050405020304" pitchFamily="18" charset="0"/>
+                              </a:rPr>
+                              <m:t>𝐿</m:t>
+                            </m:r>
+                          </m:e>
+                          <m:sub>
+                            <m:r>
+                              <a:rPr kumimoji="1" lang="en-US" altLang="zh-CN" sz="2800" b="0" i="1" smtClean="0">
+                                <a:latin typeface="Cambria Math" panose="02040503050406030204" pitchFamily="18" charset="0"/>
+                                <a:cs typeface="Times New Roman" panose="02020603050405020304" pitchFamily="18" charset="0"/>
+                              </a:rPr>
+                              <m:t>𝑥</m:t>
+                            </m:r>
+                          </m:sub>
+                        </m:sSub>
+                      </m:num>
+                      <m:den>
+                        <m:r>
+                          <a:rPr kumimoji="1" lang="en-US" altLang="zh-CN" sz="2800" b="0" i="1" smtClean="0">
+                            <a:latin typeface="Cambria Math" panose="02040503050406030204" pitchFamily="18" charset="0"/>
+                            <a:cs typeface="Times New Roman" panose="02020603050405020304" pitchFamily="18" charset="0"/>
+                          </a:rPr>
+                          <m:t>2</m:t>
+                        </m:r>
+                      </m:den>
+                    </m:f>
+                    <m:r>
+                      <a:rPr kumimoji="1" lang="en-US" altLang="zh-CN" sz="2800" b="0" i="1" smtClean="0">
+                        <a:latin typeface="Cambria Math" panose="02040503050406030204" pitchFamily="18" charset="0"/>
+                        <a:cs typeface="Times New Roman" panose="02020603050405020304" pitchFamily="18" charset="0"/>
+                      </a:rPr>
+                      <m:t>−1</m:t>
+                    </m:r>
+                    <m:r>
+                      <a:rPr kumimoji="1" lang="en-US" altLang="zh-CN" sz="2800" b="0" i="0" smtClean="0">
+                        <a:latin typeface="Cambria Math" panose="02040503050406030204" pitchFamily="18" charset="0"/>
+                        <a:cs typeface="Times New Roman" panose="02020603050405020304" pitchFamily="18" charset="0"/>
+                      </a:rPr>
+                      <m:t>.</m:t>
+                    </m:r>
+                  </m:oMath>
+                </a14:m>
+                <a:endParaRPr kumimoji="1" lang="zh-CN" altLang="en-US" sz="2800" dirty="0">
+                  <a:latin typeface="Times New Roman" panose="02020603050405020304" pitchFamily="18" charset="0"/>
+                  <a:cs typeface="Times New Roman" panose="02020603050405020304" pitchFamily="18" charset="0"/>
+                </a:endParaRPr>
+              </a:p>
+            </p:txBody>
+          </p:sp>
+        </mc:Choice>
+        <mc:Fallback xmlns="">
+          <p:sp>
+            <p:nvSpPr>
+              <p:cNvPr id="6" name="文本框 5">
+                <a:extLst>
+                  <a:ext uri="{FF2B5EF4-FFF2-40B4-BE49-F238E27FC236}">
+                    <a16:creationId xmlns:a16="http://schemas.microsoft.com/office/drawing/2014/main" id="{798C844E-487C-D14F-81D1-ACA5E6A6DFB5}"/>
+                  </a:ext>
+                </a:extLst>
+              </p:cNvPr>
+              <p:cNvSpPr txBox="1">
+                <a:spLocks noRot="1" noChangeAspect="1" noMove="1" noResize="1" noEditPoints="1" noAdjustHandles="1" noChangeArrowheads="1" noChangeShapeType="1" noTextEdit="1"/>
+              </p:cNvSpPr>
+              <p:nvPr/>
+            </p:nvSpPr>
+            <p:spPr>
+              <a:xfrm>
+                <a:off x="653143" y="284309"/>
+                <a:ext cx="7213720" cy="1166730"/>
+              </a:xfrm>
+              <a:prstGeom prst="rect">
+                <a:avLst/>
+              </a:prstGeom>
+              <a:blipFill>
+                <a:blip r:embed="rId3"/>
+                <a:stretch>
+                  <a:fillRect l="-1757" t="-5376" b="-2151"/>
+                </a:stretch>
+              </a:blipFill>
+            </p:spPr>
+            <p:txBody>
+              <a:bodyPr/>
+              <a:lstStyle/>
+              <a:p>
+                <a:r>
+                  <a:rPr lang="zh-CN" altLang="en-US">
+                    <a:noFill/>
+                  </a:rPr>
+                  <a:t> </a:t>
+                </a:r>
+              </a:p>
+            </p:txBody>
+          </p:sp>
+        </mc:Fallback>
+      </mc:AlternateContent>
+      <p:pic>
+        <p:nvPicPr>
+          <p:cNvPr id="3" name="图片 2">
+            <a:extLst>
+              <a:ext uri="{FF2B5EF4-FFF2-40B4-BE49-F238E27FC236}">
+                <a16:creationId xmlns:a16="http://schemas.microsoft.com/office/drawing/2014/main" id="{378430C8-39AF-F64B-8140-D652A606E136}"/>
+              </a:ext>
+            </a:extLst>
+          </p:cNvPr>
+          <p:cNvPicPr>
+            <a:picLocks noChangeAspect="1"/>
+          </p:cNvPicPr>
+          <p:nvPr/>
+        </p:nvPicPr>
+        <p:blipFill>
+          <a:blip r:embed="rId4"/>
+          <a:stretch>
+            <a:fillRect/>
+          </a:stretch>
+        </p:blipFill>
+        <p:spPr>
+          <a:xfrm>
+            <a:off x="817222" y="2057400"/>
+            <a:ext cx="5130295" cy="4038600"/>
+          </a:xfrm>
+          <a:prstGeom prst="rect">
+            <a:avLst/>
+          </a:prstGeom>
+        </p:spPr>
+      </p:pic>
+    </p:spTree>
+    <p:extLst>
+      <p:ext uri="{BB962C8B-B14F-4D97-AF65-F5344CB8AC3E}">
+        <p14:creationId xmlns:p14="http://schemas.microsoft.com/office/powerpoint/2010/main" val="1791224263"/>
+      </p:ext>
+    </p:extLst>
+  </p:cSld>
+  <p:clrMapOvr>
+    <a:masterClrMapping/>
+  </p:clrMapOvr>
+</p:sld>
+</file>
+
+<file path=ppt/slides/slide8.xml><?xml version="1.0" encoding="utf-8"?>
+<p:sld xmlns:a="http://schemas.openxmlformats.org/drawingml/2006/main" xmlns:r="http://schemas.openxmlformats.org/officeDocument/2006/relationships" xmlns:p="http://schemas.openxmlformats.org/presentationml/2006/main">
+  <p:cSld>
+    <p:spTree>
+      <p:nvGrpSpPr>
+        <p:cNvPr id="1" name=""/>
+        <p:cNvGrpSpPr/>
+        <p:nvPr/>
+      </p:nvGrpSpPr>
+      <p:grpSpPr>
+        <a:xfrm>
+          <a:off x="0" y="0"/>
+          <a:ext cx="0" cy="0"/>
+          <a:chOff x="0" y="0"/>
+          <a:chExt cx="0" cy="0"/>
+        </a:xfrm>
+      </p:grpSpPr>
+      <mc:AlternateContent xmlns:mc="http://schemas.openxmlformats.org/markup-compatibility/2006" xmlns:a14="http://schemas.microsoft.com/office/drawing/2010/main">
+        <mc:Choice Requires="a14">
+          <p:sp>
+            <p:nvSpPr>
+              <p:cNvPr id="5" name="文本框 4">
+                <a:extLst>
+                  <a:ext uri="{FF2B5EF4-FFF2-40B4-BE49-F238E27FC236}">
+                    <a16:creationId xmlns:a16="http://schemas.microsoft.com/office/drawing/2014/main" id="{590B761A-510F-B848-9792-D8F452B50FB0}"/>
+                  </a:ext>
+                </a:extLst>
+              </p:cNvPr>
+              <p:cNvSpPr txBox="1"/>
+              <p:nvPr/>
+            </p:nvSpPr>
+            <p:spPr>
+              <a:xfrm>
+                <a:off x="5757333" y="3454400"/>
+                <a:ext cx="4479792" cy="369332"/>
+              </a:xfrm>
+              <a:prstGeom prst="rect">
+                <a:avLst/>
+              </a:prstGeom>
+              <a:noFill/>
+            </p:spPr>
+            <p:txBody>
+              <a:bodyPr wrap="square" rtlCol="0">
+                <a:spAutoFit/>
+              </a:bodyPr>
+              <a:lstStyle/>
+              <a:p>
+                <a:pPr/>
+                <a14:m>
+                  <m:oMathPara xmlns:m="http://schemas.openxmlformats.org/officeDocument/2006/math">
+                    <m:oMathParaPr>
+                      <m:jc m:val="centerGroup"/>
+                    </m:oMathParaPr>
+                    <m:oMath xmlns:m="http://schemas.openxmlformats.org/officeDocument/2006/math">
+                      <m:sSub>
+                        <m:sSubPr>
+                          <m:ctrlPr>
+                            <a:rPr kumimoji="1" lang="en-US" altLang="zh-CN" b="0" i="1" smtClean="0">
+                              <a:latin typeface="Cambria Math" panose="02040503050406030204" pitchFamily="18" charset="0"/>
+                              <a:cs typeface="Times New Roman" panose="02020603050405020304" pitchFamily="18" charset="0"/>
+                            </a:rPr>
+                          </m:ctrlPr>
+                        </m:sSubPr>
+                        <m:e>
+                          <m:r>
+                            <a:rPr kumimoji="1" lang="en-US" altLang="zh-CN" b="0" i="1" smtClean="0">
+                              <a:latin typeface="Cambria Math" panose="02040503050406030204" pitchFamily="18" charset="0"/>
+                              <a:cs typeface="Times New Roman" panose="02020603050405020304" pitchFamily="18" charset="0"/>
+                            </a:rPr>
+                            <m:t>𝐾</m:t>
+                          </m:r>
+                        </m:e>
+                        <m:sub>
+                          <m:r>
+                            <a:rPr kumimoji="1" lang="en-US" altLang="zh-CN" b="0" i="1" smtClean="0">
+                              <a:latin typeface="Cambria Math" panose="02040503050406030204" pitchFamily="18" charset="0"/>
+                              <a:cs typeface="Times New Roman" panose="02020603050405020304" pitchFamily="18" charset="0"/>
+                            </a:rPr>
+                            <m:t>𝑠𝑐</m:t>
+                          </m:r>
+                        </m:sub>
+                      </m:sSub>
+                      <m:r>
+                        <a:rPr kumimoji="1" lang="en-US" altLang="zh-CN" i="1">
+                          <a:latin typeface="Cambria Math" panose="02040503050406030204" pitchFamily="18" charset="0"/>
+                          <a:cs typeface="Times New Roman" panose="02020603050405020304" pitchFamily="18" charset="0"/>
+                        </a:rPr>
+                        <m:t>=1.79606</m:t>
+                      </m:r>
+                    </m:oMath>
+                  </m:oMathPara>
+                </a14:m>
+                <a:endParaRPr kumimoji="1" lang="zh-CN" altLang="en-US" dirty="0">
+                  <a:latin typeface="Times New Roman" panose="02020603050405020304" pitchFamily="18" charset="0"/>
+                  <a:cs typeface="Times New Roman" panose="02020603050405020304" pitchFamily="18" charset="0"/>
+                </a:endParaRPr>
+              </a:p>
+            </p:txBody>
+          </p:sp>
+        </mc:Choice>
+        <mc:Fallback xmlns="">
+          <p:sp>
+            <p:nvSpPr>
+              <p:cNvPr id="5" name="文本框 4">
+                <a:extLst>
+                  <a:ext uri="{FF2B5EF4-FFF2-40B4-BE49-F238E27FC236}">
+                    <a16:creationId xmlns:a16="http://schemas.microsoft.com/office/drawing/2014/main" id="{590B761A-510F-B848-9792-D8F452B50FB0}"/>
+                  </a:ext>
+                </a:extLst>
+              </p:cNvPr>
+              <p:cNvSpPr txBox="1">
+                <a:spLocks noRot="1" noChangeAspect="1" noMove="1" noResize="1" noEditPoints="1" noAdjustHandles="1" noChangeArrowheads="1" noChangeShapeType="1" noTextEdit="1"/>
+              </p:cNvSpPr>
+              <p:nvPr/>
+            </p:nvSpPr>
+            <p:spPr>
+              <a:xfrm>
+                <a:off x="5757333" y="3454400"/>
+                <a:ext cx="4479792" cy="369332"/>
+              </a:xfrm>
+              <a:prstGeom prst="rect">
+                <a:avLst/>
+              </a:prstGeom>
+              <a:blipFill>
+                <a:blip r:embed="rId2"/>
+                <a:stretch>
+                  <a:fillRect/>
+                </a:stretch>
+              </a:blipFill>
+            </p:spPr>
+            <p:txBody>
+              <a:bodyPr/>
+              <a:lstStyle/>
+              <a:p>
+                <a:r>
+                  <a:rPr lang="zh-CN" altLang="en-US">
+                    <a:noFill/>
+                  </a:rPr>
+                  <a:t> </a:t>
+                </a:r>
+              </a:p>
+            </p:txBody>
+          </p:sp>
+        </mc:Fallback>
+      </mc:AlternateContent>
+      <mc:AlternateContent xmlns:mc="http://schemas.openxmlformats.org/markup-compatibility/2006" xmlns:a14="http://schemas.microsoft.com/office/drawing/2010/main">
+        <mc:Choice Requires="a14">
+          <p:sp>
+            <p:nvSpPr>
+              <p:cNvPr id="6" name="文本框 5">
+                <a:extLst>
+                  <a:ext uri="{FF2B5EF4-FFF2-40B4-BE49-F238E27FC236}">
+                    <a16:creationId xmlns:a16="http://schemas.microsoft.com/office/drawing/2014/main" id="{693A9FE4-E54F-C34D-A66C-256FFE330B67}"/>
+                  </a:ext>
+                </a:extLst>
+              </p:cNvPr>
+              <p:cNvSpPr txBox="1"/>
+              <p:nvPr/>
+            </p:nvSpPr>
+            <p:spPr>
+              <a:xfrm>
+                <a:off x="225822" y="232045"/>
+                <a:ext cx="6658628" cy="988091"/>
+              </a:xfrm>
+              <a:prstGeom prst="rect">
+                <a:avLst/>
+              </a:prstGeom>
+              <a:noFill/>
+            </p:spPr>
+            <p:txBody>
+              <a:bodyPr wrap="square" rtlCol="0">
+                <a:spAutoFit/>
+              </a:bodyPr>
+              <a:lstStyle/>
+              <a:p>
+                <a:r>
+                  <a:rPr kumimoji="1" lang="en-US" altLang="zh-CN" sz="2800" i="1" dirty="0">
+                    <a:latin typeface="Times New Roman" panose="02020603050405020304" pitchFamily="18" charset="0"/>
+                    <a:cs typeface="Times New Roman" panose="02020603050405020304" pitchFamily="18" charset="0"/>
+                  </a:rPr>
+                  <a:t>D</a:t>
+                </a:r>
+                <a:r>
+                  <a:rPr kumimoji="1" lang="en-US" altLang="zh-CN" sz="2800" dirty="0">
+                    <a:latin typeface="Times New Roman" panose="02020603050405020304" pitchFamily="18" charset="0"/>
+                    <a:cs typeface="Times New Roman" panose="02020603050405020304" pitchFamily="18" charset="0"/>
+                  </a:rPr>
+                  <a:t> class reference points, fit </a:t>
+                </a:r>
+                <a14:m>
+                  <m:oMath xmlns:m="http://schemas.openxmlformats.org/officeDocument/2006/math">
+                    <m:sSub>
+                      <m:sSubPr>
+                        <m:ctrlPr>
+                          <a:rPr kumimoji="1" lang="en-US" altLang="zh-CN" sz="2800" i="1" dirty="0" smtClean="0">
+                            <a:latin typeface="Cambria Math" panose="02040503050406030204" pitchFamily="18" charset="0"/>
+                            <a:cs typeface="Times New Roman" panose="02020603050405020304" pitchFamily="18" charset="0"/>
+                          </a:rPr>
+                        </m:ctrlPr>
+                      </m:sSubPr>
+                      <m:e>
+                        <m:r>
+                          <a:rPr kumimoji="1" lang="en-US" altLang="zh-CN" sz="2800" i="1" dirty="0" smtClean="0">
+                            <a:latin typeface="Cambria Math" panose="02040503050406030204" pitchFamily="18" charset="0"/>
+                            <a:cs typeface="Times New Roman" panose="02020603050405020304" pitchFamily="18" charset="0"/>
+                          </a:rPr>
+                          <m:t>𝐾</m:t>
+                        </m:r>
+                      </m:e>
+                      <m:sub>
+                        <m:r>
+                          <a:rPr kumimoji="1" lang="en-US" altLang="zh-CN" sz="2800" i="1" dirty="0" smtClean="0">
+                            <a:latin typeface="Cambria Math" panose="02040503050406030204" pitchFamily="18" charset="0"/>
+                            <a:cs typeface="Times New Roman" panose="02020603050405020304" pitchFamily="18" charset="0"/>
+                          </a:rPr>
+                          <m:t>𝑠𝑐</m:t>
+                        </m:r>
+                      </m:sub>
+                    </m:sSub>
+                    <m:r>
+                      <a:rPr kumimoji="1" lang="en-US" altLang="zh-CN" sz="2800" i="1" dirty="0" smtClean="0">
+                        <a:latin typeface="Cambria Math" panose="02040503050406030204" pitchFamily="18" charset="0"/>
+                        <a:cs typeface="Times New Roman" panose="02020603050405020304" pitchFamily="18" charset="0"/>
+                      </a:rPr>
+                      <m:t> </m:t>
+                    </m:r>
+                  </m:oMath>
+                </a14:m>
+                <a:r>
+                  <a:rPr kumimoji="1" lang="en-US" altLang="zh-CN" sz="2800" dirty="0">
+                    <a:latin typeface="Times New Roman" panose="02020603050405020304" pitchFamily="18" charset="0"/>
+                    <a:cs typeface="Times New Roman" panose="02020603050405020304" pitchFamily="18" charset="0"/>
+                  </a:rPr>
+                  <a:t>from </a:t>
+                </a:r>
+                <a14:m>
+                  <m:oMath xmlns:m="http://schemas.openxmlformats.org/officeDocument/2006/math">
+                    <m:sSub>
+                      <m:sSubPr>
+                        <m:ctrlPr>
+                          <a:rPr kumimoji="1" lang="en-US" altLang="zh-CN" sz="2800" i="1">
+                            <a:latin typeface="Cambria Math" panose="02040503050406030204" pitchFamily="18" charset="0"/>
+                            <a:cs typeface="Times New Roman" panose="02020603050405020304" pitchFamily="18" charset="0"/>
+                          </a:rPr>
+                        </m:ctrlPr>
+                      </m:sSubPr>
+                      <m:e>
+                        <m:r>
+                          <m:rPr>
+                            <m:sty m:val="p"/>
+                          </m:rPr>
+                          <a:rPr kumimoji="1" lang="en-US" altLang="zh-CN" sz="2800">
+                            <a:latin typeface="Cambria Math" panose="02040503050406030204" pitchFamily="18" charset="0"/>
+                            <a:cs typeface="Times New Roman" panose="02020603050405020304" pitchFamily="18" charset="0"/>
+                          </a:rPr>
+                          <m:t>Φ</m:t>
+                        </m:r>
+                      </m:e>
+                      <m:sub>
+                        <m:r>
+                          <a:rPr kumimoji="1" lang="en-US" altLang="zh-CN" sz="2800" i="1">
+                            <a:latin typeface="Cambria Math" panose="02040503050406030204" pitchFamily="18" charset="0"/>
+                            <a:cs typeface="Times New Roman" panose="02020603050405020304" pitchFamily="18" charset="0"/>
+                          </a:rPr>
+                          <m:t>𝑦𝑦</m:t>
+                        </m:r>
+                      </m:sub>
+                    </m:sSub>
+                    <m:d>
+                      <m:dPr>
+                        <m:ctrlPr>
+                          <a:rPr kumimoji="1" lang="en-US" altLang="zh-CN" sz="2800" i="1">
+                            <a:latin typeface="Cambria Math" panose="02040503050406030204" pitchFamily="18" charset="0"/>
+                            <a:cs typeface="Times New Roman" panose="02020603050405020304" pitchFamily="18" charset="0"/>
+                          </a:rPr>
+                        </m:ctrlPr>
+                      </m:dPr>
+                      <m:e>
+                        <m:r>
+                          <a:rPr kumimoji="1" lang="en-US" altLang="zh-CN" sz="2800" i="1">
+                            <a:latin typeface="Cambria Math" panose="02040503050406030204" pitchFamily="18" charset="0"/>
+                            <a:cs typeface="Times New Roman" panose="02020603050405020304" pitchFamily="18" charset="0"/>
+                          </a:rPr>
+                          <m:t>𝑥</m:t>
+                        </m:r>
+                      </m:e>
+                    </m:d>
+                  </m:oMath>
+                </a14:m>
+                <a:r>
+                  <a:rPr kumimoji="1" lang="en-US" altLang="zh-CN" sz="2800" dirty="0">
+                    <a:latin typeface="Times New Roman" panose="02020603050405020304" pitchFamily="18" charset="0"/>
+                    <a:cs typeface="Times New Roman" panose="02020603050405020304" pitchFamily="18" charset="0"/>
+                  </a:rPr>
+                  <a:t> (distance </a:t>
+                </a:r>
+                <a14:m>
+                  <m:oMath xmlns:m="http://schemas.openxmlformats.org/officeDocument/2006/math">
+                    <m:r>
+                      <a:rPr kumimoji="1" lang="en-US" altLang="zh-CN" sz="2800" b="0" i="1" smtClean="0">
+                        <a:latin typeface="Cambria Math" panose="02040503050406030204" pitchFamily="18" charset="0"/>
+                        <a:cs typeface="Times New Roman" panose="02020603050405020304" pitchFamily="18" charset="0"/>
+                      </a:rPr>
+                      <m:t>𝑥</m:t>
+                    </m:r>
+                    <m:r>
+                      <a:rPr kumimoji="1" lang="en-US" altLang="zh-CN" sz="2800" b="0" i="1" smtClean="0">
+                        <a:latin typeface="Cambria Math" panose="02040503050406030204" pitchFamily="18" charset="0"/>
+                        <a:cs typeface="Times New Roman" panose="02020603050405020304" pitchFamily="18" charset="0"/>
+                      </a:rPr>
+                      <m:t>=</m:t>
+                    </m:r>
+                    <m:sSub>
+                      <m:sSubPr>
+                        <m:ctrlPr>
+                          <a:rPr kumimoji="1" lang="en-US" altLang="zh-CN" sz="2800" b="0" i="1" smtClean="0">
+                            <a:latin typeface="Cambria Math" panose="02040503050406030204" pitchFamily="18" charset="0"/>
+                            <a:cs typeface="Times New Roman" panose="02020603050405020304" pitchFamily="18" charset="0"/>
+                          </a:rPr>
+                        </m:ctrlPr>
+                      </m:sSubPr>
+                      <m:e>
+                        <m:r>
+                          <a:rPr kumimoji="1" lang="en-US" altLang="zh-CN" sz="2800" b="0" i="1" smtClean="0">
+                            <a:latin typeface="Cambria Math" panose="02040503050406030204" pitchFamily="18" charset="0"/>
+                            <a:cs typeface="Times New Roman" panose="02020603050405020304" pitchFamily="18" charset="0"/>
+                          </a:rPr>
+                          <m:t>𝐿</m:t>
+                        </m:r>
+                      </m:e>
+                      <m:sub>
+                        <m:r>
+                          <a:rPr kumimoji="1" lang="en-US" altLang="zh-CN" sz="2800" b="0" i="1" smtClean="0">
+                            <a:latin typeface="Cambria Math" panose="02040503050406030204" pitchFamily="18" charset="0"/>
+                            <a:cs typeface="Times New Roman" panose="02020603050405020304" pitchFamily="18" charset="0"/>
+                          </a:rPr>
+                          <m:t>𝑥</m:t>
+                        </m:r>
+                      </m:sub>
+                    </m:sSub>
+                    <m:r>
+                      <a:rPr kumimoji="1" lang="en-US" altLang="zh-CN" sz="2800" b="0" i="1" smtClean="0">
+                        <a:latin typeface="Cambria Math" panose="02040503050406030204" pitchFamily="18" charset="0"/>
+                        <a:cs typeface="Times New Roman" panose="02020603050405020304" pitchFamily="18" charset="0"/>
+                      </a:rPr>
+                      <m:t>/2</m:t>
+                    </m:r>
+                  </m:oMath>
+                </a14:m>
+                <a:r>
+                  <a:rPr kumimoji="1" lang="en-US" altLang="zh-CN" sz="2800" dirty="0">
+                    <a:latin typeface="Times New Roman" panose="02020603050405020304" pitchFamily="18" charset="0"/>
+                    <a:cs typeface="Times New Roman" panose="02020603050405020304" pitchFamily="18" charset="0"/>
+                  </a:rPr>
+                  <a:t> ), </a:t>
+                </a:r>
+                <a:endParaRPr kumimoji="1" lang="zh-CN" altLang="en-US" sz="2800" dirty="0">
+                  <a:latin typeface="Times New Roman" panose="02020603050405020304" pitchFamily="18" charset="0"/>
+                  <a:cs typeface="Times New Roman" panose="02020603050405020304" pitchFamily="18" charset="0"/>
+                </a:endParaRPr>
+              </a:p>
+            </p:txBody>
+          </p:sp>
+        </mc:Choice>
+        <mc:Fallback xmlns="">
+          <p:sp>
+            <p:nvSpPr>
+              <p:cNvPr id="6" name="文本框 5">
+                <a:extLst>
+                  <a:ext uri="{FF2B5EF4-FFF2-40B4-BE49-F238E27FC236}">
+                    <a16:creationId xmlns:a16="http://schemas.microsoft.com/office/drawing/2014/main" id="{693A9FE4-E54F-C34D-A66C-256FFE330B67}"/>
+                  </a:ext>
+                </a:extLst>
+              </p:cNvPr>
+              <p:cNvSpPr txBox="1">
+                <a:spLocks noRot="1" noChangeAspect="1" noMove="1" noResize="1" noEditPoints="1" noAdjustHandles="1" noChangeArrowheads="1" noChangeShapeType="1" noTextEdit="1"/>
+              </p:cNvSpPr>
+              <p:nvPr/>
+            </p:nvSpPr>
+            <p:spPr>
+              <a:xfrm>
+                <a:off x="225822" y="232045"/>
+                <a:ext cx="6658628" cy="988091"/>
+              </a:xfrm>
+              <a:prstGeom prst="rect">
+                <a:avLst/>
+              </a:prstGeom>
+              <a:blipFill>
+                <a:blip r:embed="rId3"/>
+                <a:stretch>
+                  <a:fillRect l="-1905" t="-7692" b="-16667"/>
+                </a:stretch>
+              </a:blipFill>
+            </p:spPr>
+            <p:txBody>
+              <a:bodyPr/>
+              <a:lstStyle/>
+              <a:p>
+                <a:r>
+                  <a:rPr lang="zh-CN" altLang="en-US">
+                    <a:noFill/>
+                  </a:rPr>
+                  <a:t> </a:t>
+                </a:r>
+              </a:p>
+            </p:txBody>
+          </p:sp>
+        </mc:Fallback>
+      </mc:AlternateContent>
+      <mc:AlternateContent xmlns:mc="http://schemas.openxmlformats.org/markup-compatibility/2006" xmlns:a14="http://schemas.microsoft.com/office/drawing/2010/main">
+        <mc:Choice Requires="a14">
+          <p:sp>
+            <p:nvSpPr>
+              <p:cNvPr id="7" name="文本框 6">
+                <a:extLst>
+                  <a:ext uri="{FF2B5EF4-FFF2-40B4-BE49-F238E27FC236}">
+                    <a16:creationId xmlns:a16="http://schemas.microsoft.com/office/drawing/2014/main" id="{90D793E9-4CB2-A841-BB55-CE6277BA27CB}"/>
+                  </a:ext>
+                </a:extLst>
+              </p:cNvPr>
+              <p:cNvSpPr txBox="1"/>
+              <p:nvPr/>
+            </p:nvSpPr>
+            <p:spPr>
+              <a:xfrm>
+                <a:off x="7123649" y="601331"/>
+                <a:ext cx="3802315" cy="1821845"/>
+              </a:xfrm>
+              <a:prstGeom prst="rect">
+                <a:avLst/>
+              </a:prstGeom>
+              <a:noFill/>
+            </p:spPr>
+            <p:txBody>
+              <a:bodyPr wrap="square">
+                <a:spAutoFit/>
+              </a:bodyPr>
+              <a:lstStyle/>
+              <a:p>
+                <a14:m>
+                  <m:oMath xmlns:m="http://schemas.openxmlformats.org/officeDocument/2006/math">
+                    <m:sSub>
+                      <m:sSubPr>
+                        <m:ctrlPr>
+                          <a:rPr lang="en-US" altLang="zh-CN" b="0" i="1" smtClean="0">
+                            <a:latin typeface="Cambria Math" panose="02040503050406030204" pitchFamily="18" charset="0"/>
+                            <a:cs typeface="Times New Roman" panose="02020603050405020304" pitchFamily="18" charset="0"/>
+                          </a:rPr>
+                        </m:ctrlPr>
+                      </m:sSubPr>
+                      <m:e>
+                        <m:r>
+                          <a:rPr lang="en-US" altLang="zh-CN" b="0" i="1" smtClean="0">
+                            <a:latin typeface="Cambria Math" panose="02040503050406030204" pitchFamily="18" charset="0"/>
+                            <a:cs typeface="Times New Roman" panose="02020603050405020304" pitchFamily="18" charset="0"/>
+                          </a:rPr>
+                          <m:t>𝑥</m:t>
+                        </m:r>
+                      </m:e>
+                      <m:sub>
+                        <m:r>
+                          <a:rPr lang="en-US" altLang="zh-CN" b="0" i="1" smtClean="0">
+                            <a:latin typeface="Cambria Math" panose="02040503050406030204" pitchFamily="18" charset="0"/>
+                            <a:cs typeface="Times New Roman" panose="02020603050405020304" pitchFamily="18" charset="0"/>
+                          </a:rPr>
+                          <m:t>0</m:t>
+                        </m:r>
+                      </m:sub>
+                    </m:sSub>
+                    <m:r>
+                      <a:rPr lang="en-US" altLang="zh-CN" b="0" i="1" smtClean="0">
+                        <a:latin typeface="Cambria Math" panose="02040503050406030204" pitchFamily="18" charset="0"/>
+                        <a:cs typeface="Times New Roman" panose="02020603050405020304" pitchFamily="18" charset="0"/>
+                      </a:rPr>
+                      <m:t>=</m:t>
+                    </m:r>
+                    <m:f>
+                      <m:fPr>
+                        <m:ctrlPr>
+                          <a:rPr lang="en-US" altLang="zh-CN" b="0" i="1" smtClean="0">
+                            <a:latin typeface="Cambria Math" panose="02040503050406030204" pitchFamily="18" charset="0"/>
+                            <a:cs typeface="Times New Roman" panose="02020603050405020304" pitchFamily="18" charset="0"/>
+                          </a:rPr>
+                        </m:ctrlPr>
+                      </m:fPr>
+                      <m:num>
+                        <m:sSub>
+                          <m:sSubPr>
+                            <m:ctrlPr>
+                              <a:rPr lang="en-US" altLang="zh-CN" b="0" i="1" smtClean="0">
+                                <a:latin typeface="Cambria Math" panose="02040503050406030204" pitchFamily="18" charset="0"/>
+                                <a:cs typeface="Times New Roman" panose="02020603050405020304" pitchFamily="18" charset="0"/>
+                              </a:rPr>
+                            </m:ctrlPr>
+                          </m:sSubPr>
+                          <m:e>
+                            <m:r>
+                              <a:rPr lang="en-US" altLang="zh-CN" b="0" i="1" smtClean="0">
+                                <a:latin typeface="Cambria Math" panose="02040503050406030204" pitchFamily="18" charset="0"/>
+                                <a:cs typeface="Times New Roman" panose="02020603050405020304" pitchFamily="18" charset="0"/>
+                              </a:rPr>
+                              <m:t>𝐿</m:t>
+                            </m:r>
+                          </m:e>
+                          <m:sub>
+                            <m:r>
+                              <a:rPr lang="en-US" altLang="zh-CN" b="0" i="1" smtClean="0">
+                                <a:latin typeface="Cambria Math" panose="02040503050406030204" pitchFamily="18" charset="0"/>
+                                <a:cs typeface="Times New Roman" panose="02020603050405020304" pitchFamily="18" charset="0"/>
+                              </a:rPr>
+                              <m:t>𝑥</m:t>
+                            </m:r>
+                          </m:sub>
+                        </m:sSub>
+                      </m:num>
+                      <m:den>
+                        <m:r>
+                          <a:rPr lang="en-US" altLang="zh-CN" b="0" i="1" smtClean="0">
+                            <a:latin typeface="Cambria Math" panose="02040503050406030204" pitchFamily="18" charset="0"/>
+                            <a:cs typeface="Times New Roman" panose="02020603050405020304" pitchFamily="18" charset="0"/>
+                          </a:rPr>
+                          <m:t>4</m:t>
+                        </m:r>
+                      </m:den>
+                    </m:f>
+                    <m:r>
+                      <a:rPr lang="en-US" altLang="zh-CN" b="0" i="1" smtClean="0">
+                        <a:latin typeface="Cambria Math" panose="02040503050406030204" pitchFamily="18" charset="0"/>
+                        <a:cs typeface="Times New Roman" panose="02020603050405020304" pitchFamily="18" charset="0"/>
+                      </a:rPr>
+                      <m:t>,</m:t>
+                    </m:r>
+                  </m:oMath>
+                </a14:m>
+                <a:r>
+                  <a:rPr lang="en-US" altLang="zh-CN" dirty="0">
+                    <a:latin typeface="Times New Roman" panose="02020603050405020304" pitchFamily="18" charset="0"/>
+                    <a:cs typeface="Times New Roman" panose="02020603050405020304" pitchFamily="18" charset="0"/>
+                  </a:rPr>
+                  <a:t> for </a:t>
+                </a:r>
+                <a14:m>
+                  <m:oMath xmlns:m="http://schemas.openxmlformats.org/officeDocument/2006/math">
+                    <m:sSub>
+                      <m:sSubPr>
+                        <m:ctrlPr>
+                          <a:rPr lang="en-US" altLang="zh-CN" b="0" i="1" dirty="0" smtClean="0">
+                            <a:latin typeface="Cambria Math" panose="02040503050406030204" pitchFamily="18" charset="0"/>
+                            <a:cs typeface="Times New Roman" panose="02020603050405020304" pitchFamily="18" charset="0"/>
+                          </a:rPr>
+                        </m:ctrlPr>
+                      </m:sSubPr>
+                      <m:e>
+                        <m:r>
+                          <a:rPr lang="en-US" altLang="zh-CN" i="1" dirty="0" smtClean="0">
+                            <a:latin typeface="Cambria Math" panose="02040503050406030204" pitchFamily="18" charset="0"/>
+                            <a:cs typeface="Times New Roman" panose="02020603050405020304" pitchFamily="18" charset="0"/>
+                          </a:rPr>
+                          <m:t>𝐿</m:t>
+                        </m:r>
+                      </m:e>
+                      <m:sub>
+                        <m:r>
+                          <a:rPr lang="en-US" altLang="zh-CN" i="1" dirty="0" smtClean="0">
+                            <a:latin typeface="Cambria Math" panose="02040503050406030204" pitchFamily="18" charset="0"/>
+                            <a:cs typeface="Times New Roman" panose="02020603050405020304" pitchFamily="18" charset="0"/>
+                          </a:rPr>
+                          <m:t>𝑥</m:t>
+                        </m:r>
+                      </m:sub>
+                    </m:sSub>
+                    <m:r>
+                      <a:rPr lang="en-US" altLang="zh-CN" i="1" dirty="0" smtClean="0">
+                        <a:latin typeface="Cambria Math" panose="02040503050406030204" pitchFamily="18" charset="0"/>
+                        <a:cs typeface="Times New Roman" panose="02020603050405020304" pitchFamily="18" charset="0"/>
+                      </a:rPr>
+                      <m:t> =16, 32, 48</m:t>
+                    </m:r>
+                  </m:oMath>
+                </a14:m>
+                <a:r>
+                  <a:rPr lang="en-US" altLang="zh-CN" dirty="0">
+                    <a:latin typeface="Times New Roman" panose="02020603050405020304" pitchFamily="18" charset="0"/>
+                    <a:cs typeface="Times New Roman" panose="02020603050405020304" pitchFamily="18" charset="0"/>
+                  </a:rPr>
+                  <a:t>,</a:t>
+                </a:r>
+              </a:p>
+              <a:p>
+                <a14:m>
+                  <m:oMath xmlns:m="http://schemas.openxmlformats.org/officeDocument/2006/math">
+                    <m:sSub>
+                      <m:sSubPr>
+                        <m:ctrlPr>
+                          <a:rPr lang="en-US" altLang="zh-CN" i="1">
+                            <a:latin typeface="Cambria Math" panose="02040503050406030204" pitchFamily="18" charset="0"/>
+                            <a:cs typeface="Times New Roman" panose="02020603050405020304" pitchFamily="18" charset="0"/>
+                          </a:rPr>
+                        </m:ctrlPr>
+                      </m:sSubPr>
+                      <m:e>
+                        <m:r>
+                          <a:rPr lang="en-US" altLang="zh-CN" i="1">
+                            <a:latin typeface="Cambria Math" panose="02040503050406030204" pitchFamily="18" charset="0"/>
+                            <a:cs typeface="Times New Roman" panose="02020603050405020304" pitchFamily="18" charset="0"/>
+                          </a:rPr>
+                          <m:t>𝑥</m:t>
+                        </m:r>
+                      </m:e>
+                      <m:sub>
+                        <m:r>
+                          <a:rPr lang="en-US" altLang="zh-CN" i="1">
+                            <a:latin typeface="Cambria Math" panose="02040503050406030204" pitchFamily="18" charset="0"/>
+                            <a:cs typeface="Times New Roman" panose="02020603050405020304" pitchFamily="18" charset="0"/>
+                          </a:rPr>
+                          <m:t>0</m:t>
+                        </m:r>
+                      </m:sub>
+                    </m:sSub>
+                    <m:r>
+                      <a:rPr lang="en-US" altLang="zh-CN" i="1">
+                        <a:latin typeface="Cambria Math" panose="02040503050406030204" pitchFamily="18" charset="0"/>
+                        <a:cs typeface="Times New Roman" panose="02020603050405020304" pitchFamily="18" charset="0"/>
+                      </a:rPr>
+                      <m:t>=</m:t>
+                    </m:r>
+                    <m:f>
+                      <m:fPr>
+                        <m:ctrlPr>
+                          <a:rPr lang="en-US" altLang="zh-CN" i="1">
+                            <a:latin typeface="Cambria Math" panose="02040503050406030204" pitchFamily="18" charset="0"/>
+                            <a:cs typeface="Times New Roman" panose="02020603050405020304" pitchFamily="18" charset="0"/>
+                          </a:rPr>
+                        </m:ctrlPr>
+                      </m:fPr>
+                      <m:num>
+                        <m:sSub>
+                          <m:sSubPr>
+                            <m:ctrlPr>
+                              <a:rPr lang="en-US" altLang="zh-CN" i="1">
+                                <a:latin typeface="Cambria Math" panose="02040503050406030204" pitchFamily="18" charset="0"/>
+                                <a:cs typeface="Times New Roman" panose="02020603050405020304" pitchFamily="18" charset="0"/>
+                              </a:rPr>
+                            </m:ctrlPr>
+                          </m:sSubPr>
+                          <m:e>
+                            <m:r>
+                              <a:rPr lang="en-US" altLang="zh-CN" i="1">
+                                <a:latin typeface="Cambria Math" panose="02040503050406030204" pitchFamily="18" charset="0"/>
+                                <a:cs typeface="Times New Roman" panose="02020603050405020304" pitchFamily="18" charset="0"/>
+                              </a:rPr>
+                              <m:t>𝐿</m:t>
+                            </m:r>
+                          </m:e>
+                          <m:sub>
+                            <m:r>
+                              <a:rPr lang="en-US" altLang="zh-CN" i="1">
+                                <a:latin typeface="Cambria Math" panose="02040503050406030204" pitchFamily="18" charset="0"/>
+                                <a:cs typeface="Times New Roman" panose="02020603050405020304" pitchFamily="18" charset="0"/>
+                              </a:rPr>
+                              <m:t>𝑥</m:t>
+                            </m:r>
+                          </m:sub>
+                        </m:sSub>
+                      </m:num>
+                      <m:den>
+                        <m:r>
+                          <a:rPr lang="en-US" altLang="zh-CN" i="1">
+                            <a:latin typeface="Cambria Math" panose="02040503050406030204" pitchFamily="18" charset="0"/>
+                            <a:cs typeface="Times New Roman" panose="02020603050405020304" pitchFamily="18" charset="0"/>
+                          </a:rPr>
+                          <m:t>4</m:t>
+                        </m:r>
+                      </m:den>
+                    </m:f>
+                    <m:r>
+                      <a:rPr lang="en-US" altLang="zh-CN" b="0" i="1" smtClean="0">
+                        <a:latin typeface="Cambria Math" panose="02040503050406030204" pitchFamily="18" charset="0"/>
+                        <a:cs typeface="Times New Roman" panose="02020603050405020304" pitchFamily="18" charset="0"/>
+                      </a:rPr>
+                      <m:t>+2</m:t>
+                    </m:r>
+                    <m:r>
+                      <a:rPr lang="en-US" altLang="zh-CN" i="1">
+                        <a:latin typeface="Cambria Math" panose="02040503050406030204" pitchFamily="18" charset="0"/>
+                        <a:cs typeface="Times New Roman" panose="02020603050405020304" pitchFamily="18" charset="0"/>
+                      </a:rPr>
+                      <m:t>,</m:t>
+                    </m:r>
+                  </m:oMath>
+                </a14:m>
+                <a:r>
+                  <a:rPr lang="en-US" altLang="zh-CN" dirty="0">
+                    <a:latin typeface="Times New Roman" panose="02020603050405020304" pitchFamily="18" charset="0"/>
+                    <a:cs typeface="Times New Roman" panose="02020603050405020304" pitchFamily="18" charset="0"/>
+                  </a:rPr>
+                  <a:t> for </a:t>
+                </a:r>
+                <a14:m>
+                  <m:oMath xmlns:m="http://schemas.openxmlformats.org/officeDocument/2006/math">
+                    <m:sSub>
+                      <m:sSubPr>
+                        <m:ctrlPr>
+                          <a:rPr lang="en-US" altLang="zh-CN" i="1" dirty="0">
+                            <a:latin typeface="Cambria Math" panose="02040503050406030204" pitchFamily="18" charset="0"/>
+                            <a:cs typeface="Times New Roman" panose="02020603050405020304" pitchFamily="18" charset="0"/>
+                          </a:rPr>
+                        </m:ctrlPr>
+                      </m:sSubPr>
+                      <m:e>
+                        <m:r>
+                          <a:rPr lang="en-US" altLang="zh-CN" i="1" dirty="0">
+                            <a:latin typeface="Cambria Math" panose="02040503050406030204" pitchFamily="18" charset="0"/>
+                            <a:cs typeface="Times New Roman" panose="02020603050405020304" pitchFamily="18" charset="0"/>
+                          </a:rPr>
+                          <m:t>𝐿</m:t>
+                        </m:r>
+                      </m:e>
+                      <m:sub>
+                        <m:r>
+                          <a:rPr lang="en-US" altLang="zh-CN" i="1" dirty="0">
+                            <a:latin typeface="Cambria Math" panose="02040503050406030204" pitchFamily="18" charset="0"/>
+                            <a:cs typeface="Times New Roman" panose="02020603050405020304" pitchFamily="18" charset="0"/>
+                          </a:rPr>
+                          <m:t>𝑥</m:t>
+                        </m:r>
+                      </m:sub>
+                    </m:sSub>
+                    <m:r>
+                      <a:rPr lang="en-US" altLang="zh-CN" i="1" dirty="0">
+                        <a:latin typeface="Cambria Math" panose="02040503050406030204" pitchFamily="18" charset="0"/>
+                        <a:cs typeface="Times New Roman" panose="02020603050405020304" pitchFamily="18" charset="0"/>
+                      </a:rPr>
+                      <m:t> =</m:t>
+                    </m:r>
+                    <m:r>
+                      <a:rPr lang="en-US" altLang="zh-CN" b="0" i="1" dirty="0" smtClean="0">
+                        <a:latin typeface="Cambria Math" panose="02040503050406030204" pitchFamily="18" charset="0"/>
+                        <a:cs typeface="Times New Roman" panose="02020603050405020304" pitchFamily="18" charset="0"/>
+                      </a:rPr>
+                      <m:t>24,40</m:t>
+                    </m:r>
+                  </m:oMath>
+                </a14:m>
+                <a:r>
+                  <a:rPr lang="en-US" altLang="zh-CN" dirty="0">
+                    <a:latin typeface="Times New Roman" panose="02020603050405020304" pitchFamily="18" charset="0"/>
+                    <a:cs typeface="Times New Roman" panose="02020603050405020304" pitchFamily="18" charset="0"/>
+                  </a:rPr>
+                  <a:t>,</a:t>
+                </a:r>
+              </a:p>
+              <a:p>
+                <a14:m>
+                  <m:oMath xmlns:m="http://schemas.openxmlformats.org/officeDocument/2006/math">
+                    <m:r>
+                      <a:rPr lang="en-US" altLang="zh-CN" b="0" i="1" smtClean="0">
+                        <a:latin typeface="Cambria Math" panose="02040503050406030204" pitchFamily="18" charset="0"/>
+                        <a:cs typeface="Times New Roman" panose="02020603050405020304" pitchFamily="18" charset="0"/>
+                      </a:rPr>
+                      <m:t>𝑥</m:t>
+                    </m:r>
+                    <m:r>
+                      <a:rPr lang="en-US" altLang="zh-CN" b="0" i="1" smtClean="0">
+                        <a:latin typeface="Cambria Math" panose="02040503050406030204" pitchFamily="18" charset="0"/>
+                        <a:cs typeface="Times New Roman" panose="02020603050405020304" pitchFamily="18" charset="0"/>
+                      </a:rPr>
+                      <m:t>=</m:t>
+                    </m:r>
+                    <m:f>
+                      <m:fPr>
+                        <m:ctrlPr>
+                          <a:rPr lang="en-US" altLang="zh-CN" b="0" i="1" smtClean="0">
+                            <a:latin typeface="Cambria Math" panose="02040503050406030204" pitchFamily="18" charset="0"/>
+                            <a:cs typeface="Times New Roman" panose="02020603050405020304" pitchFamily="18" charset="0"/>
+                          </a:rPr>
+                        </m:ctrlPr>
+                      </m:fPr>
+                      <m:num>
+                        <m:sSub>
+                          <m:sSubPr>
+                            <m:ctrlPr>
+                              <a:rPr lang="en-US" altLang="zh-CN" b="0" i="1" smtClean="0">
+                                <a:latin typeface="Cambria Math" panose="02040503050406030204" pitchFamily="18" charset="0"/>
+                                <a:cs typeface="Times New Roman" panose="02020603050405020304" pitchFamily="18" charset="0"/>
+                              </a:rPr>
+                            </m:ctrlPr>
+                          </m:sSubPr>
+                          <m:e>
+                            <m:r>
+                              <a:rPr lang="en-US" altLang="zh-CN" b="0" i="1" smtClean="0">
+                                <a:latin typeface="Cambria Math" panose="02040503050406030204" pitchFamily="18" charset="0"/>
+                                <a:cs typeface="Times New Roman" panose="02020603050405020304" pitchFamily="18" charset="0"/>
+                              </a:rPr>
+                              <m:t>𝐿</m:t>
+                            </m:r>
+                          </m:e>
+                          <m:sub>
+                            <m:r>
+                              <a:rPr lang="en-US" altLang="zh-CN" b="0" i="1" smtClean="0">
+                                <a:latin typeface="Cambria Math" panose="02040503050406030204" pitchFamily="18" charset="0"/>
+                                <a:cs typeface="Times New Roman" panose="02020603050405020304" pitchFamily="18" charset="0"/>
+                              </a:rPr>
+                              <m:t>𝑥</m:t>
+                            </m:r>
+                          </m:sub>
+                        </m:sSub>
+                      </m:num>
+                      <m:den>
+                        <m:r>
+                          <a:rPr lang="en-US" altLang="zh-CN" b="0" i="1" smtClean="0">
+                            <a:latin typeface="Cambria Math" panose="02040503050406030204" pitchFamily="18" charset="0"/>
+                            <a:cs typeface="Times New Roman" panose="02020603050405020304" pitchFamily="18" charset="0"/>
+                          </a:rPr>
+                          <m:t>2</m:t>
+                        </m:r>
+                      </m:den>
+                    </m:f>
+                  </m:oMath>
+                </a14:m>
+                <a:r>
+                  <a:rPr lang="en-US" altLang="zh-CN" dirty="0">
+                    <a:latin typeface="Times New Roman" panose="02020603050405020304" pitchFamily="18" charset="0"/>
+                    <a:cs typeface="Times New Roman" panose="02020603050405020304" pitchFamily="18" charset="0"/>
+                  </a:rPr>
+                  <a:t>, to reach the peak of superconductor correlations. </a:t>
+                </a:r>
+              </a:p>
+              <a:p>
+                <a:endParaRPr lang="en-US" altLang="zh-CN" dirty="0">
+                  <a:latin typeface="Times New Roman" panose="02020603050405020304" pitchFamily="18" charset="0"/>
+                  <a:cs typeface="Times New Roman" panose="02020603050405020304" pitchFamily="18" charset="0"/>
+                </a:endParaRPr>
+              </a:p>
+            </p:txBody>
+          </p:sp>
+        </mc:Choice>
+        <mc:Fallback xmlns="">
+          <p:sp>
+            <p:nvSpPr>
+              <p:cNvPr id="7" name="文本框 6">
+                <a:extLst>
+                  <a:ext uri="{FF2B5EF4-FFF2-40B4-BE49-F238E27FC236}">
+                    <a16:creationId xmlns:a16="http://schemas.microsoft.com/office/drawing/2014/main" id="{90D793E9-4CB2-A841-BB55-CE6277BA27CB}"/>
+                  </a:ext>
+                </a:extLst>
+              </p:cNvPr>
+              <p:cNvSpPr txBox="1">
+                <a:spLocks noRot="1" noChangeAspect="1" noMove="1" noResize="1" noEditPoints="1" noAdjustHandles="1" noChangeArrowheads="1" noChangeShapeType="1" noTextEdit="1"/>
+              </p:cNvSpPr>
+              <p:nvPr/>
+            </p:nvSpPr>
+            <p:spPr>
+              <a:xfrm>
+                <a:off x="7123649" y="601331"/>
+                <a:ext cx="3802315" cy="1821845"/>
+              </a:xfrm>
+              <a:prstGeom prst="rect">
+                <a:avLst/>
+              </a:prstGeom>
+              <a:blipFill>
+                <a:blip r:embed="rId4"/>
+                <a:stretch>
+                  <a:fillRect l="-1667"/>
+                </a:stretch>
+              </a:blipFill>
+            </p:spPr>
+            <p:txBody>
+              <a:bodyPr/>
+              <a:lstStyle/>
+              <a:p>
+                <a:r>
+                  <a:rPr lang="zh-CN" altLang="en-US">
+                    <a:noFill/>
+                  </a:rPr>
+                  <a:t> </a:t>
+                </a:r>
+              </a:p>
+            </p:txBody>
+          </p:sp>
+        </mc:Fallback>
+      </mc:AlternateContent>
+      <p:pic>
+        <p:nvPicPr>
+          <p:cNvPr id="4" name="图片 3">
+            <a:extLst>
+              <a:ext uri="{FF2B5EF4-FFF2-40B4-BE49-F238E27FC236}">
+                <a16:creationId xmlns:a16="http://schemas.microsoft.com/office/drawing/2014/main" id="{DA2480EE-BE6D-3246-A444-694F980F72E8}"/>
+              </a:ext>
+            </a:extLst>
+          </p:cNvPr>
+          <p:cNvPicPr>
+            <a:picLocks noChangeAspect="1"/>
+          </p:cNvPicPr>
+          <p:nvPr/>
+        </p:nvPicPr>
+        <p:blipFill>
+          <a:blip r:embed="rId5"/>
+          <a:stretch>
+            <a:fillRect/>
+          </a:stretch>
+        </p:blipFill>
+        <p:spPr>
+          <a:xfrm>
+            <a:off x="758023" y="2198132"/>
+            <a:ext cx="4626777" cy="3789604"/>
+          </a:xfrm>
+          <a:prstGeom prst="rect">
+            <a:avLst/>
+          </a:prstGeom>
+        </p:spPr>
+      </p:pic>
+    </p:spTree>
+    <p:extLst>
+      <p:ext uri="{BB962C8B-B14F-4D97-AF65-F5344CB8AC3E}">
+        <p14:creationId xmlns:p14="http://schemas.microsoft.com/office/powerpoint/2010/main" val="1428834503"/>
+      </p:ext>
+    </p:extLst>
+  </p:cSld>
+  <p:clrMapOvr>
+    <a:masterClrMapping/>
+  </p:clrMapOvr>
+</p:sld>
+</file>
+
+<file path=ppt/slides/slide9.xml><?xml version="1.0" encoding="utf-8"?>
+<p:sld xmlns:a="http://schemas.openxmlformats.org/drawingml/2006/main" xmlns:r="http://schemas.openxmlformats.org/officeDocument/2006/relationships" xmlns:p="http://schemas.openxmlformats.org/presentationml/2006/main">
+  <p:cSld>
+    <p:spTree>
+      <p:nvGrpSpPr>
+        <p:cNvPr id="1" name=""/>
+        <p:cNvGrpSpPr/>
+        <p:nvPr/>
+      </p:nvGrpSpPr>
+      <p:grpSpPr>
+        <a:xfrm>
+          <a:off x="0" y="0"/>
+          <a:ext cx="0" cy="0"/>
+          <a:chOff x="0" y="0"/>
+          <a:chExt cx="0" cy="0"/>
+        </a:xfrm>
+      </p:grpSpPr>
+      <mc:AlternateContent xmlns:mc="http://schemas.openxmlformats.org/markup-compatibility/2006" xmlns:a14="http://schemas.microsoft.com/office/drawing/2010/main">
+        <mc:Choice Requires="a14">
+          <p:sp>
+            <p:nvSpPr>
+              <p:cNvPr id="2" name="标题 1">
+                <a:extLst>
+                  <a:ext uri="{FF2B5EF4-FFF2-40B4-BE49-F238E27FC236}">
+                    <a16:creationId xmlns:a16="http://schemas.microsoft.com/office/drawing/2014/main" id="{6221F7F7-84FA-214A-A5E1-734DFB212D2C}"/>
+                  </a:ext>
+                </a:extLst>
+              </p:cNvPr>
+              <p:cNvSpPr>
+                <a:spLocks noGrp="1"/>
+              </p:cNvSpPr>
+              <p:nvPr>
+                <p:ph type="title"/>
+              </p:nvPr>
+            </p:nvSpPr>
+            <p:spPr>
+              <a:xfrm>
+                <a:off x="465667" y="194240"/>
+                <a:ext cx="10515600" cy="881028"/>
+              </a:xfrm>
+            </p:spPr>
+            <p:txBody>
+              <a:bodyPr>
+                <a:normAutofit/>
+              </a:bodyPr>
+              <a:lstStyle/>
+              <a:p>
+                <a14:m>
+                  <m:oMath xmlns:m="http://schemas.openxmlformats.org/officeDocument/2006/math">
+                    <m:r>
+                      <a:rPr kumimoji="1" lang="en-US" altLang="zh-CN" sz="2800" b="0" i="1" dirty="0" smtClean="0">
+                        <a:latin typeface="Cambria Math" panose="02040503050406030204" pitchFamily="18" charset="0"/>
+                      </a:rPr>
+                      <m:t>𝜆</m:t>
+                    </m:r>
+                    <m:r>
+                      <a:rPr kumimoji="1" lang="en-US" altLang="zh-CN" sz="2800" i="1" dirty="0">
+                        <a:latin typeface="Cambria Math" panose="02040503050406030204" pitchFamily="18" charset="0"/>
+                      </a:rPr>
+                      <m:t>=0.3, </m:t>
+                    </m:r>
+                    <m:sSub>
+                      <m:sSubPr>
+                        <m:ctrlPr>
+                          <a:rPr kumimoji="1" lang="en-US" altLang="zh-CN" sz="2800" b="0" i="1" dirty="0" smtClean="0">
+                            <a:latin typeface="Cambria Math" panose="02040503050406030204" pitchFamily="18" charset="0"/>
+                          </a:rPr>
+                        </m:ctrlPr>
+                      </m:sSubPr>
+                      <m:e>
+                        <m:r>
+                          <a:rPr kumimoji="1" lang="en-US" altLang="zh-CN" sz="2800" i="1" dirty="0">
+                            <a:latin typeface="Cambria Math" panose="02040503050406030204" pitchFamily="18" charset="0"/>
+                          </a:rPr>
+                          <m:t>𝐿</m:t>
+                        </m:r>
+                      </m:e>
+                      <m:sub>
+                        <m:r>
+                          <a:rPr kumimoji="1" lang="en-US" altLang="zh-CN" sz="2800" i="1" dirty="0">
+                            <a:latin typeface="Cambria Math" panose="02040503050406030204" pitchFamily="18" charset="0"/>
+                          </a:rPr>
+                          <m:t>𝑥</m:t>
+                        </m:r>
+                      </m:sub>
+                    </m:sSub>
+                    <m:r>
+                      <a:rPr kumimoji="1" lang="en-US" altLang="zh-CN" sz="2800" i="1" dirty="0">
+                        <a:latin typeface="Cambria Math" panose="02040503050406030204" pitchFamily="18" charset="0"/>
+                      </a:rPr>
+                      <m:t>=48, </m:t>
+                    </m:r>
+                    <m:r>
+                      <a:rPr kumimoji="1" lang="en-US" altLang="zh-CN" sz="2800" b="0" i="1" dirty="0" smtClean="0">
+                        <a:latin typeface="Cambria Math" panose="02040503050406030204" pitchFamily="18" charset="0"/>
+                      </a:rPr>
+                      <m:t>𝐷</m:t>
+                    </m:r>
+                    <m:r>
+                      <a:rPr kumimoji="1" lang="en-US" altLang="zh-CN" sz="2800" i="1" dirty="0">
+                        <a:latin typeface="Cambria Math" panose="02040503050406030204" pitchFamily="18" charset="0"/>
+                      </a:rPr>
+                      <m:t>=8000</m:t>
+                    </m:r>
+                  </m:oMath>
+                </a14:m>
+                <a:r>
+                  <a:rPr kumimoji="1" lang="en-US" altLang="zh-CN" sz="2800" dirty="0">
+                    <a:latin typeface="Arial Hebrew" pitchFamily="2" charset="-79"/>
+                    <a:cs typeface="Arial Hebrew" pitchFamily="2" charset="-79"/>
+                  </a:rPr>
+                  <a:t>, compare s-wave and d-wave</a:t>
+                </a:r>
+                <a:endParaRPr kumimoji="1" lang="zh-CN" altLang="en-US" sz="2800" dirty="0">
+                  <a:latin typeface="Arial Hebrew" pitchFamily="2" charset="-79"/>
+                  <a:cs typeface="Arial Hebrew" pitchFamily="2" charset="-79"/>
+                </a:endParaRPr>
+              </a:p>
+            </p:txBody>
+          </p:sp>
+        </mc:Choice>
+        <mc:Fallback xmlns="">
+          <p:sp>
+            <p:nvSpPr>
+              <p:cNvPr id="2" name="标题 1">
+                <a:extLst>
+                  <a:ext uri="{FF2B5EF4-FFF2-40B4-BE49-F238E27FC236}">
+                    <a16:creationId xmlns:a16="http://schemas.microsoft.com/office/drawing/2014/main" id="{6221F7F7-84FA-214A-A5E1-734DFB212D2C}"/>
+                  </a:ext>
+                </a:extLst>
+              </p:cNvPr>
+              <p:cNvSpPr>
+                <a:spLocks noGrp="1" noRot="1" noChangeAspect="1" noMove="1" noResize="1" noEditPoints="1" noAdjustHandles="1" noChangeArrowheads="1" noChangeShapeType="1" noTextEdit="1"/>
+              </p:cNvSpPr>
+              <p:nvPr>
+                <p:ph type="title"/>
+              </p:nvPr>
+            </p:nvSpPr>
+            <p:spPr>
+              <a:xfrm>
+                <a:off x="465667" y="194240"/>
+                <a:ext cx="10515600" cy="881028"/>
+              </a:xfrm>
+              <a:blipFill>
+                <a:blip r:embed="rId2"/>
+                <a:stretch>
+                  <a:fillRect l="-362"/>
+                </a:stretch>
+              </a:blipFill>
+            </p:spPr>
+            <p:txBody>
+              <a:bodyPr/>
+              <a:lstStyle/>
+              <a:p>
+                <a:r>
+                  <a:rPr lang="zh-CN" altLang="en-US">
+                    <a:noFill/>
+                  </a:rPr>
+                  <a:t> </a:t>
+                </a:r>
+              </a:p>
+            </p:txBody>
+          </p:sp>
+        </mc:Fallback>
+      </mc:AlternateContent>
+      <p:pic>
+        <p:nvPicPr>
+          <p:cNvPr id="4" name="图片 3">
+            <a:extLst>
+              <a:ext uri="{FF2B5EF4-FFF2-40B4-BE49-F238E27FC236}">
+                <a16:creationId xmlns:a16="http://schemas.microsoft.com/office/drawing/2014/main" id="{81E7977A-9606-E945-9733-816923F2578A}"/>
+              </a:ext>
+            </a:extLst>
+          </p:cNvPr>
+          <p:cNvPicPr>
+            <a:picLocks noChangeAspect="1"/>
+          </p:cNvPicPr>
+          <p:nvPr/>
+        </p:nvPicPr>
+        <p:blipFill>
+          <a:blip r:embed="rId3"/>
+          <a:stretch>
+            <a:fillRect/>
+          </a:stretch>
+        </p:blipFill>
+        <p:spPr>
+          <a:xfrm>
+            <a:off x="545684" y="2124073"/>
+            <a:ext cx="4187183" cy="3596250"/>
+          </a:xfrm>
+          <a:prstGeom prst="rect">
+            <a:avLst/>
+          </a:prstGeom>
+        </p:spPr>
+      </p:pic>
+      <p:pic>
+        <p:nvPicPr>
+          <p:cNvPr id="3" name="图片 2">
+            <a:extLst>
+              <a:ext uri="{FF2B5EF4-FFF2-40B4-BE49-F238E27FC236}">
+                <a16:creationId xmlns:a16="http://schemas.microsoft.com/office/drawing/2014/main" id="{6E4300BD-CA5A-7A43-A2C2-4358E88C08F7}"/>
+              </a:ext>
+            </a:extLst>
+          </p:cNvPr>
+          <p:cNvPicPr>
+            <a:picLocks noChangeAspect="1"/>
+          </p:cNvPicPr>
+          <p:nvPr/>
+        </p:nvPicPr>
+        <p:blipFill>
+          <a:blip r:embed="rId4"/>
+          <a:stretch>
+            <a:fillRect/>
+          </a:stretch>
+        </p:blipFill>
+        <p:spPr>
+          <a:xfrm>
+            <a:off x="5571068" y="2047874"/>
+            <a:ext cx="4635329" cy="3596249"/>
+          </a:xfrm>
+          <a:prstGeom prst="rect">
+            <a:avLst/>
+          </a:prstGeom>
+        </p:spPr>
+      </p:pic>
+      <p:cxnSp>
+        <p:nvCxnSpPr>
+          <p:cNvPr id="6" name="直线箭头连接符 5">
+            <a:extLst>
+              <a:ext uri="{FF2B5EF4-FFF2-40B4-BE49-F238E27FC236}">
+                <a16:creationId xmlns:a16="http://schemas.microsoft.com/office/drawing/2014/main" id="{247A1376-C683-8B4A-90D7-358FABC2AA7F}"/>
+              </a:ext>
+            </a:extLst>
+          </p:cNvPr>
+          <p:cNvCxnSpPr/>
+          <p:nvPr/>
+        </p:nvCxnSpPr>
+        <p:spPr>
+          <a:xfrm>
+            <a:off x="355600" y="6426200"/>
+            <a:ext cx="11260667" cy="0"/>
+          </a:xfrm>
+          <a:prstGeom prst="straightConnector1">
+            <a:avLst/>
+          </a:prstGeom>
+          <a:ln w="28575">
+            <a:solidFill>
+              <a:schemeClr val="tx1"/>
+            </a:solidFill>
+            <a:tailEnd type="triangle"/>
+          </a:ln>
+        </p:spPr>
+        <p:style>
+          <a:lnRef idx="1">
+            <a:schemeClr val="dk1"/>
+          </a:lnRef>
+          <a:fillRef idx="0">
+            <a:schemeClr val="dk1"/>
+          </a:fillRef>
+          <a:effectRef idx="0">
+            <a:schemeClr val="dk1"/>
+          </a:effectRef>
+          <a:fontRef idx="minor">
+            <a:schemeClr val="tx1"/>
+          </a:fontRef>
+        </p:style>
+      </p:cxnSp>
+      <p:sp>
+        <p:nvSpPr>
+          <p:cNvPr id="7" name="椭圆 6">
+            <a:extLst>
+              <a:ext uri="{FF2B5EF4-FFF2-40B4-BE49-F238E27FC236}">
+                <a16:creationId xmlns:a16="http://schemas.microsoft.com/office/drawing/2014/main" id="{FF228E77-AC87-464B-AFB2-E9668EEF8D37}"/>
+              </a:ext>
+            </a:extLst>
+          </p:cNvPr>
+          <p:cNvSpPr/>
+          <p:nvPr/>
+        </p:nvSpPr>
+        <p:spPr>
+          <a:xfrm>
+            <a:off x="2751667" y="6324598"/>
+            <a:ext cx="211667" cy="211667"/>
+          </a:xfrm>
+          <a:prstGeom prst="ellipse">
+            <a:avLst/>
+          </a:prstGeom>
+          <a:solidFill>
+            <a:srgbClr val="FF0000"/>
+          </a:solidFill>
+          <a:ln>
+            <a:solidFill>
+              <a:srgbClr val="FF0000"/>
+            </a:solidFill>
+          </a:ln>
+        </p:spPr>
+        <p:style>
+          <a:lnRef idx="2">
+            <a:schemeClr val="accent1">
+              <a:shade val="50000"/>
+            </a:schemeClr>
+          </a:lnRef>
+          <a:fillRef idx="1">
+            <a:schemeClr val="accent1"/>
+          </a:fillRef>
+          <a:effectRef idx="0">
+            <a:schemeClr val="accent1"/>
+          </a:effectRef>
+          <a:fontRef idx="minor">
+            <a:schemeClr val="lt1"/>
+          </a:fontRef>
+        </p:style>
+        <p:txBody>
+          <a:bodyPr rtlCol="0" anchor="ctr"/>
+          <a:lstStyle/>
+          <a:p>
+            <a:pPr algn="ctr"/>
+            <a:endParaRPr kumimoji="1" lang="zh-CN" altLang="en-US"/>
+          </a:p>
+        </p:txBody>
+      </p:sp>
+      <p:sp>
+        <p:nvSpPr>
+          <p:cNvPr id="8" name="椭圆 7">
+            <a:extLst>
+              <a:ext uri="{FF2B5EF4-FFF2-40B4-BE49-F238E27FC236}">
+                <a16:creationId xmlns:a16="http://schemas.microsoft.com/office/drawing/2014/main" id="{F35B32A3-B16E-9949-B30B-F6DCA83A4876}"/>
+              </a:ext>
+            </a:extLst>
+          </p:cNvPr>
+          <p:cNvSpPr/>
+          <p:nvPr/>
+        </p:nvSpPr>
+        <p:spPr>
+          <a:xfrm>
+            <a:off x="5359401" y="6299196"/>
+            <a:ext cx="211667" cy="211667"/>
+          </a:xfrm>
+          <a:prstGeom prst="ellipse">
+            <a:avLst/>
+          </a:prstGeom>
+          <a:solidFill>
+            <a:srgbClr val="FF0000"/>
+          </a:solidFill>
+          <a:ln>
+            <a:solidFill>
+              <a:srgbClr val="FF0000"/>
+            </a:solidFill>
+          </a:ln>
+        </p:spPr>
+        <p:style>
+          <a:lnRef idx="2">
+            <a:schemeClr val="accent1">
+              <a:shade val="50000"/>
+            </a:schemeClr>
+          </a:lnRef>
+          <a:fillRef idx="1">
+            <a:schemeClr val="accent1"/>
+          </a:fillRef>
+          <a:effectRef idx="0">
+            <a:schemeClr val="accent1"/>
+          </a:effectRef>
+          <a:fontRef idx="minor">
+            <a:schemeClr val="lt1"/>
+          </a:fontRef>
+        </p:style>
+        <p:txBody>
+          <a:bodyPr rtlCol="0" anchor="ctr"/>
+          <a:lstStyle/>
+          <a:p>
+            <a:pPr algn="ctr"/>
+            <a:endParaRPr kumimoji="1" lang="zh-CN" altLang="en-US"/>
+          </a:p>
+        </p:txBody>
+      </p:sp>
+      <mc:AlternateContent xmlns:mc="http://schemas.openxmlformats.org/markup-compatibility/2006" xmlns:a14="http://schemas.microsoft.com/office/drawing/2010/main">
+        <mc:Choice Requires="a14">
+          <p:sp>
+            <p:nvSpPr>
+              <p:cNvPr id="9" name="文本框 8">
+                <a:extLst>
+                  <a:ext uri="{FF2B5EF4-FFF2-40B4-BE49-F238E27FC236}">
+                    <a16:creationId xmlns:a16="http://schemas.microsoft.com/office/drawing/2014/main" id="{3C17D2D0-EBAE-494E-8F02-E637C65706F7}"/>
+                  </a:ext>
+                </a:extLst>
+              </p:cNvPr>
+              <p:cNvSpPr txBox="1"/>
+              <p:nvPr/>
+            </p:nvSpPr>
+            <p:spPr>
+              <a:xfrm>
+                <a:off x="2762121" y="6581001"/>
+                <a:ext cx="190757" cy="276999"/>
+              </a:xfrm>
+              <a:prstGeom prst="rect">
+                <a:avLst/>
+              </a:prstGeom>
+              <a:noFill/>
+            </p:spPr>
+            <p:txBody>
+              <a:bodyPr wrap="none" lIns="0" tIns="0" rIns="0" bIns="0" rtlCol="0">
+                <a:spAutoFit/>
+              </a:bodyPr>
+              <a:lstStyle/>
+              <a:p>
+                <a:pPr/>
+                <a14:m>
+                  <m:oMathPara xmlns:m="http://schemas.openxmlformats.org/officeDocument/2006/math">
+                    <m:oMathParaPr>
+                      <m:jc m:val="centerGroup"/>
+                    </m:oMathParaPr>
+                    <m:oMath xmlns:m="http://schemas.openxmlformats.org/officeDocument/2006/math">
+                      <m:r>
+                        <a:rPr kumimoji="1" lang="en-US" altLang="zh-CN" b="0" i="1" smtClean="0">
+                          <a:latin typeface="Cambria Math" panose="02040503050406030204" pitchFamily="18" charset="0"/>
+                        </a:rPr>
+                        <m:t>2</m:t>
+                      </m:r>
+                    </m:oMath>
+                  </m:oMathPara>
+                </a14:m>
+                <a:endParaRPr kumimoji="1" lang="zh-CN" altLang="en-US" dirty="0"/>
+              </a:p>
+            </p:txBody>
+          </p:sp>
+        </mc:Choice>
+        <mc:Fallback xmlns="">
+          <p:sp>
+            <p:nvSpPr>
+              <p:cNvPr id="9" name="文本框 8">
+                <a:extLst>
+                  <a:ext uri="{FF2B5EF4-FFF2-40B4-BE49-F238E27FC236}">
+                    <a16:creationId xmlns:a16="http://schemas.microsoft.com/office/drawing/2014/main" id="{3C17D2D0-EBAE-494E-8F02-E637C65706F7}"/>
+                  </a:ext>
+                </a:extLst>
+              </p:cNvPr>
+              <p:cNvSpPr txBox="1">
+                <a:spLocks noRot="1" noChangeAspect="1" noMove="1" noResize="1" noEditPoints="1" noAdjustHandles="1" noChangeArrowheads="1" noChangeShapeType="1" noTextEdit="1"/>
+              </p:cNvSpPr>
+              <p:nvPr/>
+            </p:nvSpPr>
+            <p:spPr>
+              <a:xfrm>
+                <a:off x="2762121" y="6581001"/>
+                <a:ext cx="190757" cy="276999"/>
+              </a:xfrm>
+              <a:prstGeom prst="rect">
+                <a:avLst/>
+              </a:prstGeom>
+              <a:blipFill>
+                <a:blip r:embed="rId5"/>
+                <a:stretch>
+                  <a:fillRect l="-25000" r="-25000" b="-9091"/>
+                </a:stretch>
+              </a:blipFill>
+            </p:spPr>
+            <p:txBody>
+              <a:bodyPr/>
+              <a:lstStyle/>
+              <a:p>
+                <a:r>
+                  <a:rPr lang="zh-CN" altLang="en-US">
+                    <a:noFill/>
+                  </a:rPr>
+                  <a:t> </a:t>
+                </a:r>
+              </a:p>
+            </p:txBody>
+          </p:sp>
+        </mc:Fallback>
+      </mc:AlternateContent>
+      <mc:AlternateContent xmlns:mc="http://schemas.openxmlformats.org/markup-compatibility/2006" xmlns:a14="http://schemas.microsoft.com/office/drawing/2010/main">
+        <mc:Choice Requires="a14">
+          <p:sp>
+            <p:nvSpPr>
+              <p:cNvPr id="10" name="文本框 9">
+                <a:extLst>
+                  <a:ext uri="{FF2B5EF4-FFF2-40B4-BE49-F238E27FC236}">
+                    <a16:creationId xmlns:a16="http://schemas.microsoft.com/office/drawing/2014/main" id="{F36C51FD-44AB-2940-868B-0CA5EFE73EB2}"/>
+                  </a:ext>
+                </a:extLst>
+              </p:cNvPr>
+              <p:cNvSpPr txBox="1"/>
+              <p:nvPr/>
+            </p:nvSpPr>
+            <p:spPr>
+              <a:xfrm>
+                <a:off x="5380312" y="6553205"/>
+                <a:ext cx="190757" cy="276999"/>
+              </a:xfrm>
+              <a:prstGeom prst="rect">
+                <a:avLst/>
+              </a:prstGeom>
+              <a:noFill/>
+            </p:spPr>
+            <p:txBody>
+              <a:bodyPr wrap="none" lIns="0" tIns="0" rIns="0" bIns="0" rtlCol="0">
+                <a:spAutoFit/>
+              </a:bodyPr>
+              <a:lstStyle/>
+              <a:p>
+                <a:pPr/>
+                <a14:m>
+                  <m:oMathPara xmlns:m="http://schemas.openxmlformats.org/officeDocument/2006/math">
+                    <m:oMathParaPr>
+                      <m:jc m:val="centerGroup"/>
+                    </m:oMathParaPr>
+                    <m:oMath xmlns:m="http://schemas.openxmlformats.org/officeDocument/2006/math">
+                      <m:r>
+                        <a:rPr kumimoji="1" lang="en-US" altLang="zh-CN" b="0" i="1" smtClean="0">
+                          <a:latin typeface="Cambria Math" panose="02040503050406030204" pitchFamily="18" charset="0"/>
+                        </a:rPr>
+                        <m:t>4</m:t>
+                      </m:r>
+                    </m:oMath>
+                  </m:oMathPara>
+                </a14:m>
+                <a:endParaRPr kumimoji="1" lang="zh-CN" altLang="en-US" dirty="0"/>
+              </a:p>
+            </p:txBody>
+          </p:sp>
+        </mc:Choice>
+        <mc:Fallback xmlns="">
+          <p:sp>
+            <p:nvSpPr>
+              <p:cNvPr id="10" name="文本框 9">
+                <a:extLst>
+                  <a:ext uri="{FF2B5EF4-FFF2-40B4-BE49-F238E27FC236}">
+                    <a16:creationId xmlns:a16="http://schemas.microsoft.com/office/drawing/2014/main" id="{F36C51FD-44AB-2940-868B-0CA5EFE73EB2}"/>
+                  </a:ext>
+                </a:extLst>
+              </p:cNvPr>
+              <p:cNvSpPr txBox="1">
+                <a:spLocks noRot="1" noChangeAspect="1" noMove="1" noResize="1" noEditPoints="1" noAdjustHandles="1" noChangeArrowheads="1" noChangeShapeType="1" noTextEdit="1"/>
+              </p:cNvSpPr>
+              <p:nvPr/>
+            </p:nvSpPr>
+            <p:spPr>
+              <a:xfrm>
+                <a:off x="5380312" y="6553205"/>
+                <a:ext cx="190757" cy="276999"/>
+              </a:xfrm>
+              <a:prstGeom prst="rect">
+                <a:avLst/>
+              </a:prstGeom>
+              <a:blipFill>
+                <a:blip r:embed="rId6"/>
+                <a:stretch>
+                  <a:fillRect l="-18750" r="-25000" b="-9091"/>
+                </a:stretch>
+              </a:blipFill>
+            </p:spPr>
+            <p:txBody>
+              <a:bodyPr/>
+              <a:lstStyle/>
+              <a:p>
+                <a:r>
+                  <a:rPr lang="zh-CN" altLang="en-US">
+                    <a:noFill/>
+                  </a:rPr>
+                  <a:t> </a:t>
+                </a:r>
+              </a:p>
+            </p:txBody>
+          </p:sp>
+        </mc:Fallback>
+      </mc:AlternateContent>
+      <mc:AlternateContent xmlns:mc="http://schemas.openxmlformats.org/markup-compatibility/2006" xmlns:a14="http://schemas.microsoft.com/office/drawing/2010/main">
+        <mc:Choice Requires="a14">
+          <p:sp>
+            <p:nvSpPr>
+              <p:cNvPr id="11" name="文本框 10">
+                <a:extLst>
+                  <a:ext uri="{FF2B5EF4-FFF2-40B4-BE49-F238E27FC236}">
+                    <a16:creationId xmlns:a16="http://schemas.microsoft.com/office/drawing/2014/main" id="{CDABDEB0-9962-894A-8816-059BEEA0B6F8}"/>
+                  </a:ext>
+                </a:extLst>
+              </p:cNvPr>
+              <p:cNvSpPr txBox="1"/>
+              <p:nvPr/>
+            </p:nvSpPr>
+            <p:spPr>
+              <a:xfrm>
+                <a:off x="11616267" y="6405029"/>
+                <a:ext cx="410369" cy="369332"/>
+              </a:xfrm>
+              <a:prstGeom prst="rect">
+                <a:avLst/>
+              </a:prstGeom>
+              <a:noFill/>
+            </p:spPr>
+            <p:txBody>
+              <a:bodyPr wrap="none" rtlCol="0">
+                <a:spAutoFit/>
+              </a:bodyPr>
+              <a:lstStyle/>
+              <a:p>
+                <a:pPr/>
+                <a14:m>
+                  <m:oMathPara xmlns:m="http://schemas.openxmlformats.org/officeDocument/2006/math">
+                    <m:oMathParaPr>
+                      <m:jc m:val="centerGroup"/>
+                    </m:oMathParaPr>
+                    <m:oMath xmlns:m="http://schemas.openxmlformats.org/officeDocument/2006/math">
+                      <m:r>
+                        <a:rPr kumimoji="1" lang="en-US" altLang="zh-CN" b="0" i="1" smtClean="0">
+                          <a:latin typeface="Cambria Math" panose="02040503050406030204" pitchFamily="18" charset="0"/>
+                        </a:rPr>
+                        <m:t>𝑈</m:t>
+                      </m:r>
+                    </m:oMath>
+                  </m:oMathPara>
+                </a14:m>
+                <a:endParaRPr kumimoji="1" lang="zh-CN" altLang="en-US" dirty="0"/>
+              </a:p>
+            </p:txBody>
+          </p:sp>
+        </mc:Choice>
+        <mc:Fallback xmlns="">
+          <p:sp>
+            <p:nvSpPr>
+              <p:cNvPr id="11" name="文本框 10">
+                <a:extLst>
+                  <a:ext uri="{FF2B5EF4-FFF2-40B4-BE49-F238E27FC236}">
+                    <a16:creationId xmlns:a16="http://schemas.microsoft.com/office/drawing/2014/main" id="{CDABDEB0-9962-894A-8816-059BEEA0B6F8}"/>
+                  </a:ext>
+                </a:extLst>
+              </p:cNvPr>
+              <p:cNvSpPr txBox="1">
+                <a:spLocks noRot="1" noChangeAspect="1" noMove="1" noResize="1" noEditPoints="1" noAdjustHandles="1" noChangeArrowheads="1" noChangeShapeType="1" noTextEdit="1"/>
+              </p:cNvSpPr>
+              <p:nvPr/>
+            </p:nvSpPr>
+            <p:spPr>
+              <a:xfrm>
+                <a:off x="11616267" y="6405029"/>
+                <a:ext cx="410369" cy="369332"/>
+              </a:xfrm>
+              <a:prstGeom prst="rect">
+                <a:avLst/>
+              </a:prstGeom>
+              <a:blipFill>
+                <a:blip r:embed="rId7"/>
+                <a:stretch>
+                  <a:fillRect/>
+                </a:stretch>
+              </a:blipFill>
+            </p:spPr>
+            <p:txBody>
+              <a:bodyPr/>
+              <a:lstStyle/>
+              <a:p>
+                <a:r>
+                  <a:rPr lang="zh-CN" altLang="en-US">
+                    <a:noFill/>
+                  </a:rPr>
+                  <a:t> </a:t>
+                </a:r>
+              </a:p>
+            </p:txBody>
+          </p:sp>
+        </mc:Fallback>
+      </mc:AlternateContent>
+      <p:cxnSp>
+        <p:nvCxnSpPr>
+          <p:cNvPr id="13" name="直线箭头连接符 12">
+            <a:extLst>
+              <a:ext uri="{FF2B5EF4-FFF2-40B4-BE49-F238E27FC236}">
+                <a16:creationId xmlns:a16="http://schemas.microsoft.com/office/drawing/2014/main" id="{9C53C7CA-45CC-FD46-9BFF-C9D60ED4E617}"/>
+              </a:ext>
+            </a:extLst>
+          </p:cNvPr>
+          <p:cNvCxnSpPr/>
+          <p:nvPr/>
+        </p:nvCxnSpPr>
+        <p:spPr>
+          <a:xfrm flipV="1">
+            <a:off x="2857499" y="5825067"/>
+            <a:ext cx="0" cy="347125"/>
+          </a:xfrm>
+          <a:prstGeom prst="straightConnector1">
+            <a:avLst/>
+          </a:prstGeom>
+          <a:ln>
+            <a:tailEnd type="triangle"/>
+          </a:ln>
+        </p:spPr>
+        <p:style>
+          <a:lnRef idx="1">
+            <a:schemeClr val="accent1"/>
+          </a:lnRef>
+          <a:fillRef idx="0">
+            <a:schemeClr val="accent1"/>
+          </a:fillRef>
+          <a:effectRef idx="0">
+            <a:schemeClr val="accent1"/>
+          </a:effectRef>
+          <a:fontRef idx="minor">
+            <a:schemeClr val="tx1"/>
+          </a:fontRef>
+        </p:style>
+      </p:cxnSp>
+      <p:cxnSp>
+        <p:nvCxnSpPr>
+          <p:cNvPr id="15" name="直线箭头连接符 14">
+            <a:extLst>
+              <a:ext uri="{FF2B5EF4-FFF2-40B4-BE49-F238E27FC236}">
+                <a16:creationId xmlns:a16="http://schemas.microsoft.com/office/drawing/2014/main" id="{0D2E2B9D-A78D-FC4C-9853-1F9C29407D74}"/>
+              </a:ext>
+            </a:extLst>
+          </p:cNvPr>
+          <p:cNvCxnSpPr/>
+          <p:nvPr/>
+        </p:nvCxnSpPr>
+        <p:spPr>
+          <a:xfrm flipV="1">
+            <a:off x="5571068" y="5720323"/>
+            <a:ext cx="1659465" cy="578873"/>
+          </a:xfrm>
+          <a:prstGeom prst="straightConnector1">
+            <a:avLst/>
+          </a:prstGeom>
+          <a:ln>
+            <a:tailEnd type="triangle"/>
+          </a:ln>
+        </p:spPr>
+        <p:style>
+          <a:lnRef idx="1">
+            <a:schemeClr val="accent1"/>
+          </a:lnRef>
+          <a:fillRef idx="0">
+            <a:schemeClr val="accent1"/>
+          </a:fillRef>
+          <a:effectRef idx="0">
+            <a:schemeClr val="accent1"/>
+          </a:effectRef>
+          <a:fontRef idx="minor">
+            <a:schemeClr val="tx1"/>
+          </a:fontRef>
+        </p:style>
+      </p:cxnSp>
+      <p:sp>
+        <p:nvSpPr>
+          <p:cNvPr id="16" name="文本框 15">
+            <a:extLst>
+              <a:ext uri="{FF2B5EF4-FFF2-40B4-BE49-F238E27FC236}">
+                <a16:creationId xmlns:a16="http://schemas.microsoft.com/office/drawing/2014/main" id="{28392B8E-3100-C641-ACE9-5DB1B7C33E73}"/>
+              </a:ext>
+            </a:extLst>
+          </p:cNvPr>
+          <p:cNvSpPr txBox="1"/>
+          <p:nvPr/>
+        </p:nvSpPr>
+        <p:spPr>
+          <a:xfrm>
+            <a:off x="5147733" y="880533"/>
+            <a:ext cx="5748867" cy="369332"/>
+          </a:xfrm>
+          <a:prstGeom prst="rect">
+            <a:avLst/>
+          </a:prstGeom>
+          <a:noFill/>
+        </p:spPr>
+        <p:txBody>
+          <a:bodyPr wrap="square" rtlCol="0">
+            <a:spAutoFit/>
+          </a:bodyPr>
+          <a:lstStyle/>
+          <a:p>
+            <a:r>
+              <a:rPr kumimoji="1" lang="en-US" altLang="zh-CN" dirty="0">
+                <a:latin typeface="Arial Hebrew" pitchFamily="2" charset="-79"/>
+                <a:cs typeface="Arial Hebrew" pitchFamily="2" charset="-79"/>
+              </a:rPr>
+              <a:t>(although wave functions are not converged)</a:t>
+            </a:r>
+            <a:endParaRPr kumimoji="1" lang="zh-CN" altLang="en-US" dirty="0">
+              <a:latin typeface="Arial Hebrew" pitchFamily="2" charset="-79"/>
+              <a:cs typeface="Arial Hebrew" pitchFamily="2" charset="-79"/>
+            </a:endParaRPr>
+          </a:p>
+        </p:txBody>
+      </p:sp>
+    </p:spTree>
+    <p:extLst>
+      <p:ext uri="{BB962C8B-B14F-4D97-AF65-F5344CB8AC3E}">
+        <p14:creationId xmlns:p14="http://schemas.microsoft.com/office/powerpoint/2010/main" val="3437104504"/>
       </p:ext>
     </p:extLst>
   </p:cSld>

--- a/note/SSH-Hubbard-Note6.pptx
+++ b/note/SSH-Hubbard-Note6.pptx
@@ -5,21 +5,22 @@
     <p:sldMasterId id="2147483648" r:id="rId1"/>
   </p:sldMasterIdLst>
   <p:notesMasterIdLst>
-    <p:notesMasterId r:id="rId14"/>
+    <p:notesMasterId r:id="rId15"/>
   </p:notesMasterIdLst>
   <p:sldIdLst>
     <p:sldId id="257" r:id="rId2"/>
     <p:sldId id="261" r:id="rId3"/>
     <p:sldId id="263" r:id="rId4"/>
     <p:sldId id="262" r:id="rId5"/>
-    <p:sldId id="266" r:id="rId6"/>
-    <p:sldId id="268" r:id="rId7"/>
-    <p:sldId id="260" r:id="rId8"/>
-    <p:sldId id="265" r:id="rId9"/>
-    <p:sldId id="267" r:id="rId10"/>
-    <p:sldId id="264" r:id="rId11"/>
-    <p:sldId id="258" r:id="rId12"/>
-    <p:sldId id="259" r:id="rId13"/>
+    <p:sldId id="260" r:id="rId6"/>
+    <p:sldId id="265" r:id="rId7"/>
+    <p:sldId id="267" r:id="rId8"/>
+    <p:sldId id="269" r:id="rId9"/>
+    <p:sldId id="264" r:id="rId10"/>
+    <p:sldId id="266" r:id="rId11"/>
+    <p:sldId id="268" r:id="rId12"/>
+    <p:sldId id="258" r:id="rId13"/>
+    <p:sldId id="259" r:id="rId14"/>
   </p:sldIdLst>
   <p:sldSz cx="12192000" cy="6858000"/>
   <p:notesSz cx="6858000" cy="9144000"/>
@@ -208,7 +209,7 @@
           <a:p>
             <a:fld id="{F66D3945-E88B-024D-B052-6EEDA3375027}" type="datetimeFigureOut">
               <a:rPr kumimoji="1" lang="zh-CN" altLang="en-US" smtClean="0"/>
-              <a:t>2021/12/14</a:t>
+              <a:t>2021/12/19</a:t>
             </a:fld>
             <a:endParaRPr kumimoji="1" lang="zh-CN" altLang="en-US"/>
           </a:p>
@@ -559,6 +560,90 @@
 </p:notes>
 </file>
 
+<file path=ppt/notesSlides/notesSlide2.xml><?xml version="1.0" encoding="utf-8"?>
+<p:notes xmlns:a="http://schemas.openxmlformats.org/drawingml/2006/main" xmlns:r="http://schemas.openxmlformats.org/officeDocument/2006/relationships" xmlns:p="http://schemas.openxmlformats.org/presentationml/2006/main">
+  <p:cSld>
+    <p:spTree>
+      <p:nvGrpSpPr>
+        <p:cNvPr id="1" name=""/>
+        <p:cNvGrpSpPr/>
+        <p:nvPr/>
+      </p:nvGrpSpPr>
+      <p:grpSpPr>
+        <a:xfrm>
+          <a:off x="0" y="0"/>
+          <a:ext cx="0" cy="0"/>
+          <a:chOff x="0" y="0"/>
+          <a:chExt cx="0" cy="0"/>
+        </a:xfrm>
+      </p:grpSpPr>
+      <p:sp>
+        <p:nvSpPr>
+          <p:cNvPr id="2" name="幻灯片图像占位符 1"/>
+          <p:cNvSpPr>
+            <a:spLocks noGrp="1" noRot="1" noChangeAspect="1"/>
+          </p:cNvSpPr>
+          <p:nvPr>
+            <p:ph type="sldImg"/>
+          </p:nvPr>
+        </p:nvSpPr>
+        <p:spPr/>
+      </p:sp>
+      <p:sp>
+        <p:nvSpPr>
+          <p:cNvPr id="3" name="备注占位符 2"/>
+          <p:cNvSpPr>
+            <a:spLocks noGrp="1"/>
+          </p:cNvSpPr>
+          <p:nvPr>
+            <p:ph type="body" idx="1"/>
+          </p:nvPr>
+        </p:nvSpPr>
+        <p:spPr/>
+        <p:txBody>
+          <a:bodyPr/>
+          <a:lstStyle/>
+          <a:p>
+            <a:endParaRPr kumimoji="1" lang="zh-CN" altLang="en-US" dirty="0"/>
+          </a:p>
+        </p:txBody>
+      </p:sp>
+      <p:sp>
+        <p:nvSpPr>
+          <p:cNvPr id="4" name="灯片编号占位符 3"/>
+          <p:cNvSpPr>
+            <a:spLocks noGrp="1"/>
+          </p:cNvSpPr>
+          <p:nvPr>
+            <p:ph type="sldNum" sz="quarter" idx="5"/>
+          </p:nvPr>
+        </p:nvSpPr>
+        <p:spPr/>
+        <p:txBody>
+          <a:bodyPr/>
+          <a:lstStyle/>
+          <a:p>
+            <a:fld id="{3AFE1981-4DD2-264A-BF2C-1D36B0D30F3E}" type="slidenum">
+              <a:rPr kumimoji="1" lang="zh-CN" altLang="en-US" smtClean="0"/>
+              <a:t>6</a:t>
+            </a:fld>
+            <a:endParaRPr kumimoji="1" lang="zh-CN" altLang="en-US"/>
+          </a:p>
+        </p:txBody>
+      </p:sp>
+    </p:spTree>
+    <p:extLst>
+      <p:ext uri="{BB962C8B-B14F-4D97-AF65-F5344CB8AC3E}">
+        <p14:creationId xmlns:p14="http://schemas.microsoft.com/office/powerpoint/2010/main" val="4120813951"/>
+      </p:ext>
+    </p:extLst>
+  </p:cSld>
+  <p:clrMapOvr>
+    <a:masterClrMapping/>
+  </p:clrMapOvr>
+</p:notes>
+</file>
+
 <file path=ppt/slideLayouts/slideLayout1.xml><?xml version="1.0" encoding="utf-8"?>
 <p:sldLayout xmlns:a="http://schemas.openxmlformats.org/drawingml/2006/main" xmlns:r="http://schemas.openxmlformats.org/officeDocument/2006/relationships" xmlns:p="http://schemas.openxmlformats.org/presentationml/2006/main" type="title" preserve="1">
   <p:cSld name="标题幻灯片">
@@ -706,7 +791,7 @@
           <a:p>
             <a:fld id="{7EC9D4B1-B320-B74E-A342-105CA0158066}" type="datetimeFigureOut">
               <a:rPr kumimoji="1" lang="zh-CN" altLang="en-US" smtClean="0"/>
-              <a:t>2021/12/14</a:t>
+              <a:t>2021/12/19</a:t>
             </a:fld>
             <a:endParaRPr kumimoji="1" lang="zh-CN" altLang="en-US"/>
           </a:p>
@@ -904,7 +989,7 @@
           <a:p>
             <a:fld id="{7EC9D4B1-B320-B74E-A342-105CA0158066}" type="datetimeFigureOut">
               <a:rPr kumimoji="1" lang="zh-CN" altLang="en-US" smtClean="0"/>
-              <a:t>2021/12/14</a:t>
+              <a:t>2021/12/19</a:t>
             </a:fld>
             <a:endParaRPr kumimoji="1" lang="zh-CN" altLang="en-US"/>
           </a:p>
@@ -1112,7 +1197,7 @@
           <a:p>
             <a:fld id="{7EC9D4B1-B320-B74E-A342-105CA0158066}" type="datetimeFigureOut">
               <a:rPr kumimoji="1" lang="zh-CN" altLang="en-US" smtClean="0"/>
-              <a:t>2021/12/14</a:t>
+              <a:t>2021/12/19</a:t>
             </a:fld>
             <a:endParaRPr kumimoji="1" lang="zh-CN" altLang="en-US"/>
           </a:p>
@@ -1310,7 +1395,7 @@
           <a:p>
             <a:fld id="{7EC9D4B1-B320-B74E-A342-105CA0158066}" type="datetimeFigureOut">
               <a:rPr kumimoji="1" lang="zh-CN" altLang="en-US" smtClean="0"/>
-              <a:t>2021/12/14</a:t>
+              <a:t>2021/12/19</a:t>
             </a:fld>
             <a:endParaRPr kumimoji="1" lang="zh-CN" altLang="en-US"/>
           </a:p>
@@ -1585,7 +1670,7 @@
           <a:p>
             <a:fld id="{7EC9D4B1-B320-B74E-A342-105CA0158066}" type="datetimeFigureOut">
               <a:rPr kumimoji="1" lang="zh-CN" altLang="en-US" smtClean="0"/>
-              <a:t>2021/12/14</a:t>
+              <a:t>2021/12/19</a:t>
             </a:fld>
             <a:endParaRPr kumimoji="1" lang="zh-CN" altLang="en-US"/>
           </a:p>
@@ -1850,7 +1935,7 @@
           <a:p>
             <a:fld id="{7EC9D4B1-B320-B74E-A342-105CA0158066}" type="datetimeFigureOut">
               <a:rPr kumimoji="1" lang="zh-CN" altLang="en-US" smtClean="0"/>
-              <a:t>2021/12/14</a:t>
+              <a:t>2021/12/19</a:t>
             </a:fld>
             <a:endParaRPr kumimoji="1" lang="zh-CN" altLang="en-US"/>
           </a:p>
@@ -2262,7 +2347,7 @@
           <a:p>
             <a:fld id="{7EC9D4B1-B320-B74E-A342-105CA0158066}" type="datetimeFigureOut">
               <a:rPr kumimoji="1" lang="zh-CN" altLang="en-US" smtClean="0"/>
-              <a:t>2021/12/14</a:t>
+              <a:t>2021/12/19</a:t>
             </a:fld>
             <a:endParaRPr kumimoji="1" lang="zh-CN" altLang="en-US"/>
           </a:p>
@@ -2403,7 +2488,7 @@
           <a:p>
             <a:fld id="{7EC9D4B1-B320-B74E-A342-105CA0158066}" type="datetimeFigureOut">
               <a:rPr kumimoji="1" lang="zh-CN" altLang="en-US" smtClean="0"/>
-              <a:t>2021/12/14</a:t>
+              <a:t>2021/12/19</a:t>
             </a:fld>
             <a:endParaRPr kumimoji="1" lang="zh-CN" altLang="en-US"/>
           </a:p>
@@ -2516,7 +2601,7 @@
           <a:p>
             <a:fld id="{7EC9D4B1-B320-B74E-A342-105CA0158066}" type="datetimeFigureOut">
               <a:rPr kumimoji="1" lang="zh-CN" altLang="en-US" smtClean="0"/>
-              <a:t>2021/12/14</a:t>
+              <a:t>2021/12/19</a:t>
             </a:fld>
             <a:endParaRPr kumimoji="1" lang="zh-CN" altLang="en-US"/>
           </a:p>
@@ -2827,7 +2912,7 @@
           <a:p>
             <a:fld id="{7EC9D4B1-B320-B74E-A342-105CA0158066}" type="datetimeFigureOut">
               <a:rPr kumimoji="1" lang="zh-CN" altLang="en-US" smtClean="0"/>
-              <a:t>2021/12/14</a:t>
+              <a:t>2021/12/19</a:t>
             </a:fld>
             <a:endParaRPr kumimoji="1" lang="zh-CN" altLang="en-US"/>
           </a:p>
@@ -3115,7 +3200,7 @@
           <a:p>
             <a:fld id="{7EC9D4B1-B320-B74E-A342-105CA0158066}" type="datetimeFigureOut">
               <a:rPr kumimoji="1" lang="zh-CN" altLang="en-US" smtClean="0"/>
-              <a:t>2021/12/14</a:t>
+              <a:t>2021/12/19</a:t>
             </a:fld>
             <a:endParaRPr kumimoji="1" lang="zh-CN" altLang="en-US"/>
           </a:p>
@@ -3356,7 +3441,7 @@
           <a:p>
             <a:fld id="{7EC9D4B1-B320-B74E-A342-105CA0158066}" type="datetimeFigureOut">
               <a:rPr kumimoji="1" lang="zh-CN" altLang="en-US" smtClean="0"/>
-              <a:t>2021/12/14</a:t>
+              <a:t>2021/12/19</a:t>
             </a:fld>
             <a:endParaRPr kumimoji="1" lang="zh-CN" altLang="en-US"/>
           </a:p>
@@ -5528,54 +5613,12 @@
           <a:chExt cx="0" cy="0"/>
         </a:xfrm>
       </p:grpSpPr>
-      <p:sp>
-        <p:nvSpPr>
-          <p:cNvPr id="2" name="标题 1">
-            <a:extLst>
-              <a:ext uri="{FF2B5EF4-FFF2-40B4-BE49-F238E27FC236}">
-                <a16:creationId xmlns:a16="http://schemas.microsoft.com/office/drawing/2014/main" id="{D6070064-04B0-C64A-9AEE-0FBC7DA62FE6}"/>
-              </a:ext>
-            </a:extLst>
-          </p:cNvPr>
-          <p:cNvSpPr>
-            <a:spLocks noGrp="1"/>
-          </p:cNvSpPr>
-          <p:nvPr>
-            <p:ph type="title"/>
-          </p:nvPr>
-        </p:nvSpPr>
-        <p:spPr>
-          <a:xfrm>
-            <a:off x="415578" y="65448"/>
-            <a:ext cx="10380490" cy="641483"/>
-          </a:xfrm>
-        </p:spPr>
-        <p:txBody>
-          <a:bodyPr>
-            <a:normAutofit/>
-          </a:bodyPr>
-          <a:lstStyle/>
-          <a:p>
-            <a:r>
-              <a:rPr kumimoji="1" lang="en-US" altLang="zh-CN" sz="2400" dirty="0">
-                <a:latin typeface="Palatino Linotype" panose="02040502050505030304" pitchFamily="18" charset="0"/>
-                <a:cs typeface="Times New Roman" panose="02020603050405020304" pitchFamily="18" charset="0"/>
-              </a:rPr>
-              <a:t>Charge density profile and reference point when measuring </a:t>
-            </a:r>
-            <a:endParaRPr kumimoji="1" lang="zh-CN" altLang="en-US" sz="2400" dirty="0">
-              <a:latin typeface="Palatino Linotype" panose="02040502050505030304" pitchFamily="18" charset="0"/>
-              <a:cs typeface="Times New Roman" panose="02020603050405020304" pitchFamily="18" charset="0"/>
-            </a:endParaRPr>
-          </a:p>
-        </p:txBody>
-      </p:sp>
       <p:pic>
         <p:nvPicPr>
           <p:cNvPr id="4" name="图片 3">
             <a:extLst>
               <a:ext uri="{FF2B5EF4-FFF2-40B4-BE49-F238E27FC236}">
-                <a16:creationId xmlns:a16="http://schemas.microsoft.com/office/drawing/2014/main" id="{7ACF1B89-10A9-184F-A7B0-7DB04B3B1288}"/>
+                <a16:creationId xmlns:a16="http://schemas.microsoft.com/office/drawing/2014/main" id="{05BAA01A-6846-4542-B00F-6C66AB3A2498}"/>
               </a:ext>
             </a:extLst>
           </p:cNvPr>
@@ -5592,8 +5635,8 @@
         </p:blipFill>
         <p:spPr>
           <a:xfrm>
-            <a:off x="62113" y="1236987"/>
-            <a:ext cx="3160048" cy="2520362"/>
+            <a:off x="326324" y="824586"/>
+            <a:ext cx="11539352" cy="5208825"/>
           </a:xfrm>
           <a:prstGeom prst="rect">
             <a:avLst/>
@@ -5602,62 +5645,248 @@
       </p:pic>
       <p:sp>
         <p:nvSpPr>
-          <p:cNvPr id="5" name="椭圆 4">
+          <p:cNvPr id="5" name="文本框 4">
             <a:extLst>
               <a:ext uri="{FF2B5EF4-FFF2-40B4-BE49-F238E27FC236}">
-                <a16:creationId xmlns:a16="http://schemas.microsoft.com/office/drawing/2014/main" id="{EF66939A-7882-B14F-B1BF-3EE2AB52627C}"/>
+                <a16:creationId xmlns:a16="http://schemas.microsoft.com/office/drawing/2014/main" id="{47D48063-17BA-CB41-A259-C343A06C0E9B}"/>
               </a:ext>
             </a:extLst>
           </p:cNvPr>
-          <p:cNvSpPr/>
+          <p:cNvSpPr txBox="1"/>
           <p:nvPr/>
         </p:nvSpPr>
         <p:spPr>
           <a:xfrm>
-            <a:off x="952821" y="1619361"/>
-            <a:ext cx="230521" cy="230521"/>
+            <a:off x="634790" y="204039"/>
+            <a:ext cx="4783597" cy="369332"/>
           </a:xfrm>
-          <a:prstGeom prst="ellipse">
+          <a:prstGeom prst="rect">
             <a:avLst/>
           </a:prstGeom>
           <a:noFill/>
-          <a:ln w="38100">
-            <a:solidFill>
-              <a:srgbClr val="FF0000"/>
-            </a:solidFill>
-          </a:ln>
         </p:spPr>
-        <p:style>
-          <a:lnRef idx="2">
-            <a:schemeClr val="accent1">
-              <a:shade val="50000"/>
-            </a:schemeClr>
-          </a:lnRef>
-          <a:fillRef idx="1">
-            <a:schemeClr val="accent1"/>
-          </a:fillRef>
-          <a:effectRef idx="0">
-            <a:schemeClr val="accent1"/>
-          </a:effectRef>
-          <a:fontRef idx="minor">
-            <a:schemeClr val="lt1"/>
-          </a:fontRef>
-        </p:style>
         <p:txBody>
-          <a:bodyPr rtlCol="0" anchor="ctr"/>
+          <a:bodyPr wrap="square" rtlCol="0">
+            <a:spAutoFit/>
+          </a:bodyPr>
           <a:lstStyle/>
           <a:p>
-            <a:pPr algn="ctr"/>
-            <a:endParaRPr kumimoji="1" lang="zh-CN" altLang="en-US"/>
+            <a:r>
+              <a:rPr kumimoji="1" lang="en-US" altLang="zh-CN" dirty="0">
+                <a:latin typeface="Palatino Linotype" panose="02040502050505030304" pitchFamily="18" charset="0"/>
+              </a:rPr>
+              <a:t>4 class Reference points when measuring</a:t>
+            </a:r>
+            <a:endParaRPr kumimoji="1" lang="zh-CN" altLang="en-US" dirty="0">
+              <a:latin typeface="Palatino Linotype" panose="02040502050505030304" pitchFamily="18" charset="0"/>
+            </a:endParaRPr>
           </a:p>
         </p:txBody>
       </p:sp>
+      <p:sp>
+        <p:nvSpPr>
+          <p:cNvPr id="6" name="文本框 5">
+            <a:extLst>
+              <a:ext uri="{FF2B5EF4-FFF2-40B4-BE49-F238E27FC236}">
+                <a16:creationId xmlns:a16="http://schemas.microsoft.com/office/drawing/2014/main" id="{60639958-05AC-B94C-A757-9F2C6F274294}"/>
+              </a:ext>
+            </a:extLst>
+          </p:cNvPr>
+          <p:cNvSpPr txBox="1"/>
+          <p:nvPr/>
+        </p:nvSpPr>
+        <p:spPr>
+          <a:xfrm>
+            <a:off x="3801184" y="2429681"/>
+            <a:ext cx="249381" cy="369332"/>
+          </a:xfrm>
+          <a:prstGeom prst="rect">
+            <a:avLst/>
+          </a:prstGeom>
+          <a:noFill/>
+        </p:spPr>
+        <p:txBody>
+          <a:bodyPr wrap="square" rtlCol="0">
+            <a:spAutoFit/>
+          </a:bodyPr>
+          <a:lstStyle/>
+          <a:p>
+            <a:r>
+              <a:rPr kumimoji="1" lang="en-US" altLang="zh-CN" dirty="0">
+                <a:latin typeface="Times New Roman" panose="02020603050405020304" pitchFamily="18" charset="0"/>
+                <a:cs typeface="Times New Roman" panose="02020603050405020304" pitchFamily="18" charset="0"/>
+              </a:rPr>
+              <a:t>A</a:t>
+            </a:r>
+            <a:endParaRPr kumimoji="1" lang="zh-CN" altLang="en-US" dirty="0">
+              <a:latin typeface="Times New Roman" panose="02020603050405020304" pitchFamily="18" charset="0"/>
+              <a:cs typeface="Times New Roman" panose="02020603050405020304" pitchFamily="18" charset="0"/>
+            </a:endParaRPr>
+          </a:p>
+        </p:txBody>
+      </p:sp>
+      <p:sp>
+        <p:nvSpPr>
+          <p:cNvPr id="7" name="文本框 6">
+            <a:extLst>
+              <a:ext uri="{FF2B5EF4-FFF2-40B4-BE49-F238E27FC236}">
+                <a16:creationId xmlns:a16="http://schemas.microsoft.com/office/drawing/2014/main" id="{AE30E3CC-A3DE-C24A-82C1-6ED14F9B9390}"/>
+              </a:ext>
+            </a:extLst>
+          </p:cNvPr>
+          <p:cNvSpPr txBox="1"/>
+          <p:nvPr/>
+        </p:nvSpPr>
+        <p:spPr>
+          <a:xfrm>
+            <a:off x="3982552" y="3082338"/>
+            <a:ext cx="249381" cy="369332"/>
+          </a:xfrm>
+          <a:prstGeom prst="rect">
+            <a:avLst/>
+          </a:prstGeom>
+          <a:noFill/>
+        </p:spPr>
+        <p:txBody>
+          <a:bodyPr wrap="square" rtlCol="0">
+            <a:spAutoFit/>
+          </a:bodyPr>
+          <a:lstStyle/>
+          <a:p>
+            <a:r>
+              <a:rPr kumimoji="1" lang="en-US" altLang="zh-CN" dirty="0">
+                <a:latin typeface="Times New Roman" panose="02020603050405020304" pitchFamily="18" charset="0"/>
+                <a:cs typeface="Times New Roman" panose="02020603050405020304" pitchFamily="18" charset="0"/>
+              </a:rPr>
+              <a:t>B</a:t>
+            </a:r>
+            <a:endParaRPr kumimoji="1" lang="zh-CN" altLang="en-US" dirty="0">
+              <a:latin typeface="Times New Roman" panose="02020603050405020304" pitchFamily="18" charset="0"/>
+              <a:cs typeface="Times New Roman" panose="02020603050405020304" pitchFamily="18" charset="0"/>
+            </a:endParaRPr>
+          </a:p>
+        </p:txBody>
+      </p:sp>
+      <p:sp>
+        <p:nvSpPr>
+          <p:cNvPr id="8" name="文本框 7">
+            <a:extLst>
+              <a:ext uri="{FF2B5EF4-FFF2-40B4-BE49-F238E27FC236}">
+                <a16:creationId xmlns:a16="http://schemas.microsoft.com/office/drawing/2014/main" id="{357E6C61-16DF-924D-A98A-9D20CF33F8FA}"/>
+              </a:ext>
+            </a:extLst>
+          </p:cNvPr>
+          <p:cNvSpPr txBox="1"/>
+          <p:nvPr/>
+        </p:nvSpPr>
+        <p:spPr>
+          <a:xfrm>
+            <a:off x="4386849" y="3018584"/>
+            <a:ext cx="249381" cy="369332"/>
+          </a:xfrm>
+          <a:prstGeom prst="rect">
+            <a:avLst/>
+          </a:prstGeom>
+          <a:noFill/>
+        </p:spPr>
+        <p:txBody>
+          <a:bodyPr wrap="square" rtlCol="0">
+            <a:spAutoFit/>
+          </a:bodyPr>
+          <a:lstStyle/>
+          <a:p>
+            <a:r>
+              <a:rPr kumimoji="1" lang="en-US" altLang="zh-CN" dirty="0">
+                <a:latin typeface="Times New Roman" panose="02020603050405020304" pitchFamily="18" charset="0"/>
+                <a:cs typeface="Times New Roman" panose="02020603050405020304" pitchFamily="18" charset="0"/>
+              </a:rPr>
+              <a:t>C</a:t>
+            </a:r>
+            <a:endParaRPr kumimoji="1" lang="zh-CN" altLang="en-US" dirty="0">
+              <a:latin typeface="Times New Roman" panose="02020603050405020304" pitchFamily="18" charset="0"/>
+              <a:cs typeface="Times New Roman" panose="02020603050405020304" pitchFamily="18" charset="0"/>
+            </a:endParaRPr>
+          </a:p>
+        </p:txBody>
+      </p:sp>
+      <p:sp>
+        <p:nvSpPr>
+          <p:cNvPr id="9" name="文本框 8">
+            <a:extLst>
+              <a:ext uri="{FF2B5EF4-FFF2-40B4-BE49-F238E27FC236}">
+                <a16:creationId xmlns:a16="http://schemas.microsoft.com/office/drawing/2014/main" id="{91805BD9-257A-CE48-8EB0-2396E771600E}"/>
+              </a:ext>
+            </a:extLst>
+          </p:cNvPr>
+          <p:cNvSpPr txBox="1"/>
+          <p:nvPr/>
+        </p:nvSpPr>
+        <p:spPr>
+          <a:xfrm>
+            <a:off x="4330175" y="2271384"/>
+            <a:ext cx="249381" cy="369332"/>
+          </a:xfrm>
+          <a:prstGeom prst="rect">
+            <a:avLst/>
+          </a:prstGeom>
+          <a:noFill/>
+        </p:spPr>
+        <p:txBody>
+          <a:bodyPr wrap="square" rtlCol="0">
+            <a:spAutoFit/>
+          </a:bodyPr>
+          <a:lstStyle/>
+          <a:p>
+            <a:r>
+              <a:rPr kumimoji="1" lang="en-US" altLang="zh-CN" dirty="0">
+                <a:latin typeface="Times New Roman" panose="02020603050405020304" pitchFamily="18" charset="0"/>
+                <a:cs typeface="Times New Roman" panose="02020603050405020304" pitchFamily="18" charset="0"/>
+              </a:rPr>
+              <a:t>D</a:t>
+            </a:r>
+            <a:endParaRPr kumimoji="1" lang="zh-CN" altLang="en-US" dirty="0">
+              <a:latin typeface="Times New Roman" panose="02020603050405020304" pitchFamily="18" charset="0"/>
+              <a:cs typeface="Times New Roman" panose="02020603050405020304" pitchFamily="18" charset="0"/>
+            </a:endParaRPr>
+          </a:p>
+        </p:txBody>
+      </p:sp>
+    </p:spTree>
+    <p:extLst>
+      <p:ext uri="{BB962C8B-B14F-4D97-AF65-F5344CB8AC3E}">
+        <p14:creationId xmlns:p14="http://schemas.microsoft.com/office/powerpoint/2010/main" val="882556318"/>
+      </p:ext>
+    </p:extLst>
+  </p:cSld>
+  <p:clrMapOvr>
+    <a:masterClrMapping/>
+  </p:clrMapOvr>
+</p:sld>
+</file>
+
+<file path=ppt/slides/slide11.xml><?xml version="1.0" encoding="utf-8"?>
+<p:sld xmlns:a="http://schemas.openxmlformats.org/drawingml/2006/main" xmlns:r="http://schemas.openxmlformats.org/officeDocument/2006/relationships" xmlns:p="http://schemas.openxmlformats.org/presentationml/2006/main">
+  <p:cSld>
+    <p:spTree>
+      <p:nvGrpSpPr>
+        <p:cNvPr id="1" name=""/>
+        <p:cNvGrpSpPr/>
+        <p:nvPr/>
+      </p:nvGrpSpPr>
+      <p:grpSpPr>
+        <a:xfrm>
+          <a:off x="0" y="0"/>
+          <a:ext cx="0" cy="0"/>
+          <a:chOff x="0" y="0"/>
+          <a:chExt cx="0" cy="0"/>
+        </a:xfrm>
+      </p:grpSpPr>
       <p:pic>
         <p:nvPicPr>
-          <p:cNvPr id="6" name="图片 5">
+          <p:cNvPr id="4" name="图片 3">
             <a:extLst>
               <a:ext uri="{FF2B5EF4-FFF2-40B4-BE49-F238E27FC236}">
-                <a16:creationId xmlns:a16="http://schemas.microsoft.com/office/drawing/2014/main" id="{ADA1460A-1626-9E40-8E56-BC8A3374EFC5}"/>
+                <a16:creationId xmlns:a16="http://schemas.microsoft.com/office/drawing/2014/main" id="{8361E128-AFB9-7C40-8D49-487D0B063532}"/>
               </a:ext>
             </a:extLst>
           </p:cNvPr>
@@ -5667,81 +5896,29 @@
           <p:nvPr/>
         </p:nvPicPr>
         <p:blipFill>
-          <a:blip r:embed="rId3"/>
+          <a:blip r:embed="rId2"/>
           <a:stretch>
             <a:fillRect/>
           </a:stretch>
         </p:blipFill>
         <p:spPr>
           <a:xfrm>
-            <a:off x="3296450" y="1102846"/>
-            <a:ext cx="3844579" cy="2693353"/>
+            <a:off x="1167780" y="1938865"/>
+            <a:ext cx="6134645" cy="4224867"/>
           </a:xfrm>
           <a:prstGeom prst="rect">
             <a:avLst/>
           </a:prstGeom>
         </p:spPr>
       </p:pic>
-      <p:sp>
-        <p:nvSpPr>
-          <p:cNvPr id="7" name="椭圆 6">
-            <a:extLst>
-              <a:ext uri="{FF2B5EF4-FFF2-40B4-BE49-F238E27FC236}">
-                <a16:creationId xmlns:a16="http://schemas.microsoft.com/office/drawing/2014/main" id="{6189ED6C-9B49-8A40-8DB4-F22321647164}"/>
-              </a:ext>
-            </a:extLst>
-          </p:cNvPr>
-          <p:cNvSpPr/>
-          <p:nvPr/>
-        </p:nvSpPr>
-        <p:spPr>
-          <a:xfrm>
-            <a:off x="4639877" y="1613025"/>
-            <a:ext cx="230521" cy="230521"/>
-          </a:xfrm>
-          <a:prstGeom prst="ellipse">
-            <a:avLst/>
-          </a:prstGeom>
-          <a:noFill/>
-          <a:ln w="38100">
-            <a:solidFill>
-              <a:srgbClr val="FF0000"/>
-            </a:solidFill>
-          </a:ln>
-        </p:spPr>
-        <p:style>
-          <a:lnRef idx="2">
-            <a:schemeClr val="accent1">
-              <a:shade val="50000"/>
-            </a:schemeClr>
-          </a:lnRef>
-          <a:fillRef idx="1">
-            <a:schemeClr val="accent1"/>
-          </a:fillRef>
-          <a:effectRef idx="0">
-            <a:schemeClr val="accent1"/>
-          </a:effectRef>
-          <a:fontRef idx="minor">
-            <a:schemeClr val="lt1"/>
-          </a:fontRef>
-        </p:style>
-        <p:txBody>
-          <a:bodyPr rtlCol="0" anchor="ctr"/>
-          <a:lstStyle/>
-          <a:p>
-            <a:pPr algn="ctr"/>
-            <a:endParaRPr kumimoji="1" lang="zh-CN" altLang="en-US"/>
-          </a:p>
-        </p:txBody>
-      </p:sp>
       <mc:AlternateContent xmlns:mc="http://schemas.openxmlformats.org/markup-compatibility/2006" xmlns:a14="http://schemas.microsoft.com/office/drawing/2010/main">
         <mc:Choice Requires="a14">
           <p:sp>
             <p:nvSpPr>
-              <p:cNvPr id="8" name="文本框 7">
+              <p:cNvPr id="5" name="文本框 4">
                 <a:extLst>
                   <a:ext uri="{FF2B5EF4-FFF2-40B4-BE49-F238E27FC236}">
-                    <a16:creationId xmlns:a16="http://schemas.microsoft.com/office/drawing/2014/main" id="{BC4A46D0-BFA4-9244-9D76-D04050B50FAC}"/>
+                    <a16:creationId xmlns:a16="http://schemas.microsoft.com/office/drawing/2014/main" id="{6117C6A1-2612-B24E-94C3-19894457E2FA}"/>
                   </a:ext>
                 </a:extLst>
               </p:cNvPr>
@@ -5750,8 +5927,295 @@
             </p:nvSpPr>
             <p:spPr>
               <a:xfrm>
-                <a:off x="1298602" y="825847"/>
-                <a:ext cx="857222" cy="276999"/>
+                <a:off x="7924800" y="2912533"/>
+                <a:ext cx="3437467" cy="646331"/>
+              </a:xfrm>
+              <a:prstGeom prst="rect">
+                <a:avLst/>
+              </a:prstGeom>
+              <a:noFill/>
+            </p:spPr>
+            <p:txBody>
+              <a:bodyPr wrap="square" rtlCol="0">
+                <a:spAutoFit/>
+              </a:bodyPr>
+              <a:lstStyle/>
+              <a:p>
+                <a:r>
+                  <a:rPr kumimoji="1" lang="en-US" altLang="zh-CN" dirty="0">
+                    <a:latin typeface="Palatino" pitchFamily="2" charset="0"/>
+                    <a:ea typeface="Palatino" pitchFamily="2" charset="0"/>
+                    <a:cs typeface="Times New Roman" panose="02020603050405020304" pitchFamily="18" charset="0"/>
+                  </a:rPr>
+                  <a:t>shift </a:t>
+                </a:r>
+                <a14:m>
+                  <m:oMath xmlns:m="http://schemas.openxmlformats.org/officeDocument/2006/math">
+                    <m:r>
+                      <a:rPr kumimoji="1" lang="en-US" altLang="zh-CN" b="0" i="1" smtClean="0">
+                        <a:latin typeface="Cambria Math" panose="02040503050406030204" pitchFamily="18" charset="0"/>
+                        <a:ea typeface="Palatino" pitchFamily="2" charset="0"/>
+                        <a:cs typeface="Times New Roman" panose="02020603050405020304" pitchFamily="18" charset="0"/>
+                      </a:rPr>
+                      <m:t>𝜋</m:t>
+                    </m:r>
+                    <m:r>
+                      <a:rPr kumimoji="1" lang="en-US" altLang="zh-CN" b="0" i="1" smtClean="0">
+                        <a:latin typeface="Cambria Math" panose="02040503050406030204" pitchFamily="18" charset="0"/>
+                        <a:ea typeface="Palatino" pitchFamily="2" charset="0"/>
+                        <a:cs typeface="Times New Roman" panose="02020603050405020304" pitchFamily="18" charset="0"/>
+                      </a:rPr>
+                      <m:t>/4</m:t>
+                    </m:r>
+                  </m:oMath>
+                </a14:m>
+                <a:r>
+                  <a:rPr kumimoji="1" lang="en-US" altLang="zh-CN" dirty="0">
+                    <a:latin typeface="Palatino" pitchFamily="2" charset="0"/>
+                    <a:ea typeface="Palatino" pitchFamily="2" charset="0"/>
+                    <a:cs typeface="Times New Roman" panose="02020603050405020304" pitchFamily="18" charset="0"/>
+                  </a:rPr>
+                  <a:t> to right</a:t>
+                </a:r>
+              </a:p>
+              <a:p>
+                <a:r>
+                  <a:rPr kumimoji="1" lang="en-US" altLang="zh-CN" dirty="0">
+                    <a:latin typeface="Palatino" pitchFamily="2" charset="0"/>
+                    <a:ea typeface="Palatino" pitchFamily="2" charset="0"/>
+                    <a:cs typeface="Times New Roman" panose="02020603050405020304" pitchFamily="18" charset="0"/>
+                  </a:rPr>
+                  <a:t>B-&gt; A -&gt; D (-&gt;C)</a:t>
+                </a:r>
+                <a:endParaRPr kumimoji="1" lang="zh-CN" altLang="en-US" dirty="0">
+                  <a:latin typeface="Palatino" pitchFamily="2" charset="0"/>
+                  <a:ea typeface="Palatino" pitchFamily="2" charset="0"/>
+                  <a:cs typeface="Times New Roman" panose="02020603050405020304" pitchFamily="18" charset="0"/>
+                </a:endParaRPr>
+              </a:p>
+            </p:txBody>
+          </p:sp>
+        </mc:Choice>
+        <mc:Fallback xmlns="">
+          <p:sp>
+            <p:nvSpPr>
+              <p:cNvPr id="5" name="文本框 4">
+                <a:extLst>
+                  <a:ext uri="{FF2B5EF4-FFF2-40B4-BE49-F238E27FC236}">
+                    <a16:creationId xmlns:a16="http://schemas.microsoft.com/office/drawing/2014/main" id="{6117C6A1-2612-B24E-94C3-19894457E2FA}"/>
+                  </a:ext>
+                </a:extLst>
+              </p:cNvPr>
+              <p:cNvSpPr txBox="1">
+                <a:spLocks noRot="1" noChangeAspect="1" noMove="1" noResize="1" noEditPoints="1" noAdjustHandles="1" noChangeArrowheads="1" noChangeShapeType="1" noTextEdit="1"/>
+              </p:cNvSpPr>
+              <p:nvPr/>
+            </p:nvSpPr>
+            <p:spPr>
+              <a:xfrm>
+                <a:off x="7924800" y="2912533"/>
+                <a:ext cx="3437467" cy="646331"/>
+              </a:xfrm>
+              <a:prstGeom prst="rect">
+                <a:avLst/>
+              </a:prstGeom>
+              <a:blipFill>
+                <a:blip r:embed="rId3"/>
+                <a:stretch>
+                  <a:fillRect l="-1476" t="-3846" b="-13462"/>
+                </a:stretch>
+              </a:blipFill>
+            </p:spPr>
+            <p:txBody>
+              <a:bodyPr/>
+              <a:lstStyle/>
+              <a:p>
+                <a:r>
+                  <a:rPr lang="zh-CN" altLang="en-US">
+                    <a:noFill/>
+                  </a:rPr>
+                  <a:t> </a:t>
+                </a:r>
+              </a:p>
+            </p:txBody>
+          </p:sp>
+        </mc:Fallback>
+      </mc:AlternateContent>
+      <mc:AlternateContent xmlns:mc="http://schemas.openxmlformats.org/markup-compatibility/2006" xmlns:a14="http://schemas.microsoft.com/office/drawing/2010/main">
+        <mc:Choice Requires="a14">
+          <p:sp>
+            <p:nvSpPr>
+              <p:cNvPr id="6" name="文本框 5">
+                <a:extLst>
+                  <a:ext uri="{FF2B5EF4-FFF2-40B4-BE49-F238E27FC236}">
+                    <a16:creationId xmlns:a16="http://schemas.microsoft.com/office/drawing/2014/main" id="{8390330F-20A9-1B45-BD17-E62A5AD66D7F}"/>
+                  </a:ext>
+                </a:extLst>
+              </p:cNvPr>
+              <p:cNvSpPr txBox="1"/>
+              <p:nvPr/>
+            </p:nvSpPr>
+            <p:spPr>
+              <a:xfrm>
+                <a:off x="1532466" y="1329267"/>
+                <a:ext cx="4343400" cy="369332"/>
+              </a:xfrm>
+              <a:prstGeom prst="rect">
+                <a:avLst/>
+              </a:prstGeom>
+              <a:noFill/>
+            </p:spPr>
+            <p:txBody>
+              <a:bodyPr wrap="square" rtlCol="0">
+                <a:spAutoFit/>
+              </a:bodyPr>
+              <a:lstStyle/>
+              <a:p>
+                <a:pPr/>
+                <a14:m>
+                  <m:oMathPara xmlns:m="http://schemas.openxmlformats.org/officeDocument/2006/math">
+                    <m:oMathParaPr>
+                      <m:jc m:val="centerGroup"/>
+                    </m:oMathParaPr>
+                    <m:oMath xmlns:m="http://schemas.openxmlformats.org/officeDocument/2006/math">
+                      <m:r>
+                        <a:rPr kumimoji="1" lang="en-US" altLang="zh-CN" b="0" i="1" dirty="0" smtClean="0">
+                          <a:latin typeface="Cambria Math" panose="02040503050406030204" pitchFamily="18" charset="0"/>
+                        </a:rPr>
+                        <m:t>𝜆</m:t>
+                      </m:r>
+                      <m:r>
+                        <a:rPr kumimoji="1" lang="en-US" altLang="zh-CN" i="1" dirty="0" smtClean="0">
+                          <a:latin typeface="Cambria Math" panose="02040503050406030204" pitchFamily="18" charset="0"/>
+                        </a:rPr>
+                        <m:t>=0.3, </m:t>
+                      </m:r>
+                      <m:r>
+                        <a:rPr kumimoji="1" lang="en-US" altLang="zh-CN" i="1" dirty="0" smtClean="0">
+                          <a:latin typeface="Cambria Math" panose="02040503050406030204" pitchFamily="18" charset="0"/>
+                        </a:rPr>
+                        <m:t>𝑈</m:t>
+                      </m:r>
+                      <m:r>
+                        <a:rPr kumimoji="1" lang="en-US" altLang="zh-CN" i="1" dirty="0" smtClean="0">
+                          <a:latin typeface="Cambria Math" panose="02040503050406030204" pitchFamily="18" charset="0"/>
+                        </a:rPr>
+                        <m:t>=8, </m:t>
+                      </m:r>
+                      <m:r>
+                        <a:rPr kumimoji="1" lang="en-US" altLang="zh-CN" i="1" dirty="0" smtClean="0">
+                          <a:latin typeface="Cambria Math" panose="02040503050406030204" pitchFamily="18" charset="0"/>
+                        </a:rPr>
+                        <m:t>𝐷</m:t>
+                      </m:r>
+                      <m:r>
+                        <a:rPr kumimoji="1" lang="en-US" altLang="zh-CN" i="1" dirty="0" smtClean="0">
+                          <a:latin typeface="Cambria Math" panose="02040503050406030204" pitchFamily="18" charset="0"/>
+                        </a:rPr>
+                        <m:t> = 8000, </m:t>
+                      </m:r>
+                      <m:sSub>
+                        <m:sSubPr>
+                          <m:ctrlPr>
+                            <a:rPr kumimoji="1" lang="en-US" altLang="zh-CN" b="0" i="1" dirty="0" smtClean="0">
+                              <a:latin typeface="Cambria Math" panose="02040503050406030204" pitchFamily="18" charset="0"/>
+                            </a:rPr>
+                          </m:ctrlPr>
+                        </m:sSubPr>
+                        <m:e>
+                          <m:r>
+                            <a:rPr kumimoji="1" lang="en-US" altLang="zh-CN" i="1" dirty="0">
+                              <a:latin typeface="Cambria Math" panose="02040503050406030204" pitchFamily="18" charset="0"/>
+                            </a:rPr>
+                            <m:t>𝐿</m:t>
+                          </m:r>
+                        </m:e>
+                        <m:sub>
+                          <m:r>
+                            <a:rPr kumimoji="1" lang="en-US" altLang="zh-CN" i="1" dirty="0">
+                              <a:latin typeface="Cambria Math" panose="02040503050406030204" pitchFamily="18" charset="0"/>
+                            </a:rPr>
+                            <m:t>𝑥</m:t>
+                          </m:r>
+                        </m:sub>
+                      </m:sSub>
+                      <m:r>
+                        <a:rPr kumimoji="1" lang="en-US" altLang="zh-CN" i="1" dirty="0">
+                          <a:latin typeface="Cambria Math" panose="02040503050406030204" pitchFamily="18" charset="0"/>
+                        </a:rPr>
+                        <m:t>=32</m:t>
+                      </m:r>
+                    </m:oMath>
+                  </m:oMathPara>
+                </a14:m>
+                <a:endParaRPr kumimoji="1" lang="zh-CN" altLang="en-US" dirty="0"/>
+              </a:p>
+            </p:txBody>
+          </p:sp>
+        </mc:Choice>
+        <mc:Fallback xmlns="">
+          <p:sp>
+            <p:nvSpPr>
+              <p:cNvPr id="6" name="文本框 5">
+                <a:extLst>
+                  <a:ext uri="{FF2B5EF4-FFF2-40B4-BE49-F238E27FC236}">
+                    <a16:creationId xmlns:a16="http://schemas.microsoft.com/office/drawing/2014/main" id="{8390330F-20A9-1B45-BD17-E62A5AD66D7F}"/>
+                  </a:ext>
+                </a:extLst>
+              </p:cNvPr>
+              <p:cNvSpPr txBox="1">
+                <a:spLocks noRot="1" noChangeAspect="1" noMove="1" noResize="1" noEditPoints="1" noAdjustHandles="1" noChangeArrowheads="1" noChangeShapeType="1" noTextEdit="1"/>
+              </p:cNvSpPr>
+              <p:nvPr/>
+            </p:nvSpPr>
+            <p:spPr>
+              <a:xfrm>
+                <a:off x="1532466" y="1329267"/>
+                <a:ext cx="4343400" cy="369332"/>
+              </a:xfrm>
+              <a:prstGeom prst="rect">
+                <a:avLst/>
+              </a:prstGeom>
+              <a:blipFill>
+                <a:blip r:embed="rId4"/>
+                <a:stretch>
+                  <a:fillRect b="-16667"/>
+                </a:stretch>
+              </a:blipFill>
+            </p:spPr>
+            <p:txBody>
+              <a:bodyPr/>
+              <a:lstStyle/>
+              <a:p>
+                <a:r>
+                  <a:rPr lang="zh-CN" altLang="en-US">
+                    <a:noFill/>
+                  </a:rPr>
+                  <a:t> </a:t>
+                </a:r>
+              </a:p>
+            </p:txBody>
+          </p:sp>
+        </mc:Fallback>
+      </mc:AlternateContent>
+      <mc:AlternateContent xmlns:mc="http://schemas.openxmlformats.org/markup-compatibility/2006" xmlns:a14="http://schemas.microsoft.com/office/drawing/2010/main">
+        <mc:Choice Requires="a14">
+          <p:sp>
+            <p:nvSpPr>
+              <p:cNvPr id="2" name="文本框 1">
+                <a:extLst>
+                  <a:ext uri="{FF2B5EF4-FFF2-40B4-BE49-F238E27FC236}">
+                    <a16:creationId xmlns:a16="http://schemas.microsoft.com/office/drawing/2014/main" id="{E89A2146-7822-A94B-A230-2747FD2AA368}"/>
+                  </a:ext>
+                </a:extLst>
+              </p:cNvPr>
+              <p:cNvSpPr txBox="1"/>
+              <p:nvPr/>
+            </p:nvSpPr>
+            <p:spPr>
+              <a:xfrm>
+                <a:off x="6485467" y="2133600"/>
+                <a:ext cx="299376" cy="516745"/>
               </a:xfrm>
               <a:prstGeom prst="rect">
                 <a:avLst/>
@@ -5771,37 +6235,50 @@
                       <m:jc m:val="centerGroup"/>
                     </m:oMathParaPr>
                     <m:oMath xmlns:m="http://schemas.openxmlformats.org/officeDocument/2006/math">
-                      <m:sSub>
-                        <m:sSubPr>
+                      <m:f>
+                        <m:fPr>
                           <m:ctrlPr>
                             <a:rPr kumimoji="1" lang="en-US" altLang="zh-CN" b="0" i="1" smtClean="0">
                               <a:latin typeface="Cambria Math" panose="02040503050406030204" pitchFamily="18" charset="0"/>
                             </a:rPr>
                           </m:ctrlPr>
-                        </m:sSubPr>
-                        <m:e>
+                        </m:fPr>
+                        <m:num>
+                          <m:sSub>
+                            <m:sSubPr>
+                              <m:ctrlPr>
+                                <a:rPr kumimoji="1" lang="en-US" altLang="zh-CN" b="0" i="1" smtClean="0">
+                                  <a:latin typeface="Cambria Math" panose="02040503050406030204" pitchFamily="18" charset="0"/>
+                                </a:rPr>
+                              </m:ctrlPr>
+                            </m:sSubPr>
+                            <m:e>
+                              <m:r>
+                                <a:rPr kumimoji="1" lang="en-US" altLang="zh-CN" b="0" i="1" smtClean="0">
+                                  <a:latin typeface="Cambria Math" panose="02040503050406030204" pitchFamily="18" charset="0"/>
+                                </a:rPr>
+                                <m:t>𝐿</m:t>
+                              </m:r>
+                            </m:e>
+                            <m:sub>
+                              <m:r>
+                                <a:rPr kumimoji="1" lang="en-US" altLang="zh-CN" b="0" i="1" smtClean="0">
+                                  <a:latin typeface="Cambria Math" panose="02040503050406030204" pitchFamily="18" charset="0"/>
+                                </a:rPr>
+                                <m:t>𝑥</m:t>
+                              </m:r>
+                            </m:sub>
+                          </m:sSub>
+                        </m:num>
+                        <m:den>
                           <m:r>
                             <a:rPr kumimoji="1" lang="en-US" altLang="zh-CN" b="0" i="1" smtClean="0">
                               <a:latin typeface="Cambria Math" panose="02040503050406030204" pitchFamily="18" charset="0"/>
                             </a:rPr>
-                            <m:t>𝐿</m:t>
+                            <m:t>2</m:t>
                           </m:r>
-                        </m:e>
-                        <m:sub>
-                          <m:r>
-                            <a:rPr kumimoji="1" lang="en-US" altLang="zh-CN" b="0" i="1" smtClean="0">
-                              <a:latin typeface="Cambria Math" panose="02040503050406030204" pitchFamily="18" charset="0"/>
-                            </a:rPr>
-                            <m:t>𝑥</m:t>
-                          </m:r>
-                        </m:sub>
-                      </m:sSub>
-                      <m:r>
-                        <a:rPr kumimoji="1" lang="en-US" altLang="zh-CN" b="0" i="1" smtClean="0">
-                          <a:latin typeface="Cambria Math" panose="02040503050406030204" pitchFamily="18" charset="0"/>
-                        </a:rPr>
-                        <m:t>=16</m:t>
-                      </m:r>
+                        </m:den>
+                      </m:f>
                     </m:oMath>
                   </m:oMathPara>
                 </a14:m>
@@ -5813,10 +6290,10 @@
         <mc:Fallback xmlns="">
           <p:sp>
             <p:nvSpPr>
-              <p:cNvPr id="8" name="文本框 7">
+              <p:cNvPr id="2" name="文本框 1">
                 <a:extLst>
                   <a:ext uri="{FF2B5EF4-FFF2-40B4-BE49-F238E27FC236}">
-                    <a16:creationId xmlns:a16="http://schemas.microsoft.com/office/drawing/2014/main" id="{BC4A46D0-BFA4-9244-9D76-D04050B50FAC}"/>
+                    <a16:creationId xmlns:a16="http://schemas.microsoft.com/office/drawing/2014/main" id="{E89A2146-7822-A94B-A230-2747FD2AA368}"/>
                   </a:ext>
                 </a:extLst>
               </p:cNvPr>
@@ -5827,16 +6304,16 @@
             </p:nvSpPr>
             <p:spPr>
               <a:xfrm>
-                <a:off x="1298602" y="825847"/>
-                <a:ext cx="857222" cy="276999"/>
+                <a:off x="6485467" y="2133600"/>
+                <a:ext cx="299376" cy="516745"/>
               </a:xfrm>
               <a:prstGeom prst="rect">
                 <a:avLst/>
               </a:prstGeom>
               <a:blipFill>
-                <a:blip r:embed="rId4"/>
+                <a:blip r:embed="rId5"/>
                 <a:stretch>
-                  <a:fillRect l="-5882" r="-5882" b="-8696"/>
+                  <a:fillRect l="-16000" t="-2439" b="-14634"/>
                 </a:stretch>
               </a:blipFill>
             </p:spPr>
@@ -5857,10 +6334,10 @@
       </mc:AlternateContent>
       <p:sp>
         <p:nvSpPr>
-          <p:cNvPr id="9" name="文本框 8">
+          <p:cNvPr id="3" name="文本框 2">
             <a:extLst>
               <a:ext uri="{FF2B5EF4-FFF2-40B4-BE49-F238E27FC236}">
-                <a16:creationId xmlns:a16="http://schemas.microsoft.com/office/drawing/2014/main" id="{9127A963-6077-2D42-BAFC-056342C3CE77}"/>
+                <a16:creationId xmlns:a16="http://schemas.microsoft.com/office/drawing/2014/main" id="{F10BA2D2-D7DA-CF4E-B8BE-5CFADB3DE4E9}"/>
               </a:ext>
             </a:extLst>
           </p:cNvPr>
@@ -5869,8 +6346,8 @@
         </p:nvSpPr>
         <p:spPr>
           <a:xfrm>
-            <a:off x="952821" y="1984166"/>
-            <a:ext cx="230521" cy="307777"/>
+            <a:off x="795867" y="381000"/>
+            <a:ext cx="7205133" cy="461665"/>
           </a:xfrm>
           <a:prstGeom prst="rect">
             <a:avLst/>
@@ -5884,668 +6361,15 @@
           <a:lstStyle/>
           <a:p>
             <a:r>
-              <a:rPr kumimoji="1" lang="en-US" altLang="zh-CN" sz="1400" dirty="0">
-                <a:latin typeface="Times New Roman" panose="02020603050405020304" pitchFamily="18" charset="0"/>
-                <a:cs typeface="Times New Roman" panose="02020603050405020304" pitchFamily="18" charset="0"/>
+              <a:rPr kumimoji="1" lang="en-US" altLang="zh-CN" sz="2400" dirty="0">
+                <a:latin typeface="Arial Hebrew" pitchFamily="2" charset="-79"/>
+                <a:cs typeface="Arial Hebrew" pitchFamily="2" charset="-79"/>
               </a:rPr>
-              <a:t>4</a:t>
+              <a:t>Compare correlations on different reference points</a:t>
             </a:r>
-            <a:endParaRPr kumimoji="1" lang="zh-CN" altLang="en-US" sz="1400" dirty="0">
-              <a:latin typeface="Times New Roman" panose="02020603050405020304" pitchFamily="18" charset="0"/>
-              <a:cs typeface="Times New Roman" panose="02020603050405020304" pitchFamily="18" charset="0"/>
-            </a:endParaRPr>
-          </a:p>
-        </p:txBody>
-      </p:sp>
-      <p:sp>
-        <p:nvSpPr>
-          <p:cNvPr id="10" name="文本框 9">
-            <a:extLst>
-              <a:ext uri="{FF2B5EF4-FFF2-40B4-BE49-F238E27FC236}">
-                <a16:creationId xmlns:a16="http://schemas.microsoft.com/office/drawing/2014/main" id="{41BDCF9E-1196-0347-8A68-74C25D29A2EE}"/>
-              </a:ext>
-            </a:extLst>
-          </p:cNvPr>
-          <p:cNvSpPr txBox="1"/>
-          <p:nvPr/>
-        </p:nvSpPr>
-        <p:spPr>
-          <a:xfrm>
-            <a:off x="4639876" y="1843546"/>
-            <a:ext cx="230521" cy="307777"/>
-          </a:xfrm>
-          <a:prstGeom prst="rect">
-            <a:avLst/>
-          </a:prstGeom>
-          <a:noFill/>
-        </p:spPr>
-        <p:txBody>
-          <a:bodyPr wrap="square" rtlCol="0">
-            <a:spAutoFit/>
-          </a:bodyPr>
-          <a:lstStyle/>
-          <a:p>
-            <a:r>
-              <a:rPr kumimoji="1" lang="en-US" altLang="zh-CN" sz="1400" dirty="0">
-                <a:latin typeface="Times New Roman" panose="02020603050405020304" pitchFamily="18" charset="0"/>
-                <a:cs typeface="Times New Roman" panose="02020603050405020304" pitchFamily="18" charset="0"/>
-              </a:rPr>
-              <a:t>8</a:t>
-            </a:r>
-            <a:endParaRPr kumimoji="1" lang="zh-CN" altLang="en-US" sz="1400" dirty="0">
-              <a:latin typeface="Times New Roman" panose="02020603050405020304" pitchFamily="18" charset="0"/>
-              <a:cs typeface="Times New Roman" panose="02020603050405020304" pitchFamily="18" charset="0"/>
-            </a:endParaRPr>
-          </a:p>
-        </p:txBody>
-      </p:sp>
-      <mc:AlternateContent xmlns:mc="http://schemas.openxmlformats.org/markup-compatibility/2006" xmlns:a14="http://schemas.microsoft.com/office/drawing/2010/main">
-        <mc:Choice Requires="a14">
-          <p:sp>
-            <p:nvSpPr>
-              <p:cNvPr id="11" name="文本框 10">
-                <a:extLst>
-                  <a:ext uri="{FF2B5EF4-FFF2-40B4-BE49-F238E27FC236}">
-                    <a16:creationId xmlns:a16="http://schemas.microsoft.com/office/drawing/2014/main" id="{1E1FB701-FC06-9645-BE54-EF8B104043AC}"/>
-                  </a:ext>
-                </a:extLst>
-              </p:cNvPr>
-              <p:cNvSpPr txBox="1"/>
-              <p:nvPr/>
-            </p:nvSpPr>
-            <p:spPr>
-              <a:xfrm>
-                <a:off x="3986734" y="691705"/>
-                <a:ext cx="857222" cy="276999"/>
-              </a:xfrm>
-              <a:prstGeom prst="rect">
-                <a:avLst/>
-              </a:prstGeom>
-              <a:noFill/>
-            </p:spPr>
-            <p:txBody>
-              <a:bodyPr wrap="none" lIns="0" tIns="0" rIns="0" bIns="0" rtlCol="0">
-                <a:spAutoFit/>
-              </a:bodyPr>
-              <a:lstStyle/>
-              <a:p>
-                <a:pPr/>
-                <a14:m>
-                  <m:oMathPara xmlns:m="http://schemas.openxmlformats.org/officeDocument/2006/math">
-                    <m:oMathParaPr>
-                      <m:jc m:val="centerGroup"/>
-                    </m:oMathParaPr>
-                    <m:oMath xmlns:m="http://schemas.openxmlformats.org/officeDocument/2006/math">
-                      <m:sSub>
-                        <m:sSubPr>
-                          <m:ctrlPr>
-                            <a:rPr kumimoji="1" lang="en-US" altLang="zh-CN" b="0" i="1" smtClean="0">
-                              <a:latin typeface="Cambria Math" panose="02040503050406030204" pitchFamily="18" charset="0"/>
-                            </a:rPr>
-                          </m:ctrlPr>
-                        </m:sSubPr>
-                        <m:e>
-                          <m:r>
-                            <a:rPr kumimoji="1" lang="en-US" altLang="zh-CN" b="0" i="1" smtClean="0">
-                              <a:latin typeface="Cambria Math" panose="02040503050406030204" pitchFamily="18" charset="0"/>
-                            </a:rPr>
-                            <m:t>𝐿</m:t>
-                          </m:r>
-                        </m:e>
-                        <m:sub>
-                          <m:r>
-                            <a:rPr kumimoji="1" lang="en-US" altLang="zh-CN" b="0" i="1" smtClean="0">
-                              <a:latin typeface="Cambria Math" panose="02040503050406030204" pitchFamily="18" charset="0"/>
-                            </a:rPr>
-                            <m:t>𝑥</m:t>
-                          </m:r>
-                        </m:sub>
-                      </m:sSub>
-                      <m:r>
-                        <a:rPr kumimoji="1" lang="en-US" altLang="zh-CN" b="0" i="1" smtClean="0">
-                          <a:latin typeface="Cambria Math" panose="02040503050406030204" pitchFamily="18" charset="0"/>
-                        </a:rPr>
-                        <m:t>=24</m:t>
-                      </m:r>
-                    </m:oMath>
-                  </m:oMathPara>
-                </a14:m>
-                <a:endParaRPr kumimoji="1" lang="zh-CN" altLang="en-US" dirty="0"/>
-              </a:p>
-            </p:txBody>
-          </p:sp>
-        </mc:Choice>
-        <mc:Fallback xmlns="">
-          <p:sp>
-            <p:nvSpPr>
-              <p:cNvPr id="11" name="文本框 10">
-                <a:extLst>
-                  <a:ext uri="{FF2B5EF4-FFF2-40B4-BE49-F238E27FC236}">
-                    <a16:creationId xmlns:a16="http://schemas.microsoft.com/office/drawing/2014/main" id="{1E1FB701-FC06-9645-BE54-EF8B104043AC}"/>
-                  </a:ext>
-                </a:extLst>
-              </p:cNvPr>
-              <p:cNvSpPr txBox="1">
-                <a:spLocks noRot="1" noChangeAspect="1" noMove="1" noResize="1" noEditPoints="1" noAdjustHandles="1" noChangeArrowheads="1" noChangeShapeType="1" noTextEdit="1"/>
-              </p:cNvSpPr>
-              <p:nvPr/>
-            </p:nvSpPr>
-            <p:spPr>
-              <a:xfrm>
-                <a:off x="3986734" y="691705"/>
-                <a:ext cx="857222" cy="276999"/>
-              </a:xfrm>
-              <a:prstGeom prst="rect">
-                <a:avLst/>
-              </a:prstGeom>
-              <a:blipFill>
-                <a:blip r:embed="rId5"/>
-                <a:stretch>
-                  <a:fillRect l="-4348" r="-4348" b="-8696"/>
-                </a:stretch>
-              </a:blipFill>
-            </p:spPr>
-            <p:txBody>
-              <a:bodyPr/>
-              <a:lstStyle/>
-              <a:p>
-                <a:r>
-                  <a:rPr lang="zh-CN" altLang="en-US">
-                    <a:noFill/>
-                  </a:rPr>
-                  <a:t> </a:t>
-                </a:r>
-              </a:p>
-            </p:txBody>
-          </p:sp>
-        </mc:Fallback>
-      </mc:AlternateContent>
-      <p:pic>
-        <p:nvPicPr>
-          <p:cNvPr id="12" name="图片 11">
-            <a:extLst>
-              <a:ext uri="{FF2B5EF4-FFF2-40B4-BE49-F238E27FC236}">
-                <a16:creationId xmlns:a16="http://schemas.microsoft.com/office/drawing/2014/main" id="{06F1DE40-DA22-884D-A395-57A24BF3BFCF}"/>
-              </a:ext>
-            </a:extLst>
-          </p:cNvPr>
-          <p:cNvPicPr>
-            <a:picLocks noChangeAspect="1"/>
-          </p:cNvPicPr>
-          <p:nvPr/>
-        </p:nvPicPr>
-        <p:blipFill>
-          <a:blip r:embed="rId6"/>
-          <a:stretch>
-            <a:fillRect/>
-          </a:stretch>
-        </p:blipFill>
-        <p:spPr>
-          <a:xfrm>
-            <a:off x="7415092" y="1141315"/>
-            <a:ext cx="4455460" cy="3132992"/>
-          </a:xfrm>
-          <a:prstGeom prst="rect">
-            <a:avLst/>
-          </a:prstGeom>
-        </p:spPr>
-      </p:pic>
-      <p:sp>
-        <p:nvSpPr>
-          <p:cNvPr id="13" name="椭圆 12">
-            <a:extLst>
-              <a:ext uri="{FF2B5EF4-FFF2-40B4-BE49-F238E27FC236}">
-                <a16:creationId xmlns:a16="http://schemas.microsoft.com/office/drawing/2014/main" id="{38B0311F-8905-F945-9DEC-DD38E492A4DE}"/>
-              </a:ext>
-            </a:extLst>
-          </p:cNvPr>
-          <p:cNvSpPr/>
-          <p:nvPr/>
-        </p:nvSpPr>
-        <p:spPr>
-          <a:xfrm>
-            <a:off x="8657346" y="1753645"/>
-            <a:ext cx="230521" cy="230521"/>
-          </a:xfrm>
-          <a:prstGeom prst="ellipse">
-            <a:avLst/>
-          </a:prstGeom>
-          <a:noFill/>
-          <a:ln w="38100">
-            <a:solidFill>
-              <a:srgbClr val="FF0000"/>
-            </a:solidFill>
-          </a:ln>
-        </p:spPr>
-        <p:style>
-          <a:lnRef idx="2">
-            <a:schemeClr val="accent1">
-              <a:shade val="50000"/>
-            </a:schemeClr>
-          </a:lnRef>
-          <a:fillRef idx="1">
-            <a:schemeClr val="accent1"/>
-          </a:fillRef>
-          <a:effectRef idx="0">
-            <a:schemeClr val="accent1"/>
-          </a:effectRef>
-          <a:fontRef idx="minor">
-            <a:schemeClr val="lt1"/>
-          </a:fontRef>
-        </p:style>
-        <p:txBody>
-          <a:bodyPr rtlCol="0" anchor="ctr"/>
-          <a:lstStyle/>
-          <a:p>
-            <a:pPr algn="ctr"/>
-            <a:endParaRPr kumimoji="1" lang="zh-CN" altLang="en-US"/>
-          </a:p>
-        </p:txBody>
-      </p:sp>
-      <p:sp>
-        <p:nvSpPr>
-          <p:cNvPr id="14" name="文本框 13">
-            <a:extLst>
-              <a:ext uri="{FF2B5EF4-FFF2-40B4-BE49-F238E27FC236}">
-                <a16:creationId xmlns:a16="http://schemas.microsoft.com/office/drawing/2014/main" id="{F5AE88DD-4C03-8641-A3FD-9000A37D2502}"/>
-              </a:ext>
-            </a:extLst>
-          </p:cNvPr>
-          <p:cNvSpPr txBox="1"/>
-          <p:nvPr/>
-        </p:nvSpPr>
-        <p:spPr>
-          <a:xfrm>
-            <a:off x="8657345" y="1997434"/>
-            <a:ext cx="230521" cy="307777"/>
-          </a:xfrm>
-          <a:prstGeom prst="rect">
-            <a:avLst/>
-          </a:prstGeom>
-          <a:noFill/>
-        </p:spPr>
-        <p:txBody>
-          <a:bodyPr wrap="square" rtlCol="0">
-            <a:spAutoFit/>
-          </a:bodyPr>
-          <a:lstStyle/>
-          <a:p>
-            <a:r>
-              <a:rPr kumimoji="1" lang="en-US" altLang="zh-CN" sz="1400" dirty="0">
-                <a:latin typeface="Times New Roman" panose="02020603050405020304" pitchFamily="18" charset="0"/>
-                <a:cs typeface="Times New Roman" panose="02020603050405020304" pitchFamily="18" charset="0"/>
-              </a:rPr>
-              <a:t>8</a:t>
-            </a:r>
-            <a:endParaRPr kumimoji="1" lang="zh-CN" altLang="en-US" sz="1400" dirty="0">
-              <a:latin typeface="Times New Roman" panose="02020603050405020304" pitchFamily="18" charset="0"/>
-              <a:cs typeface="Times New Roman" panose="02020603050405020304" pitchFamily="18" charset="0"/>
-            </a:endParaRPr>
-          </a:p>
-        </p:txBody>
-      </p:sp>
-      <mc:AlternateContent xmlns:mc="http://schemas.openxmlformats.org/markup-compatibility/2006" xmlns:a14="http://schemas.microsoft.com/office/drawing/2010/main">
-        <mc:Choice Requires="a14">
-          <p:sp>
-            <p:nvSpPr>
-              <p:cNvPr id="15" name="文本框 14">
-                <a:extLst>
-                  <a:ext uri="{FF2B5EF4-FFF2-40B4-BE49-F238E27FC236}">
-                    <a16:creationId xmlns:a16="http://schemas.microsoft.com/office/drawing/2014/main" id="{3832E488-CF45-4F42-98BB-40BF98AB61F6}"/>
-                  </a:ext>
-                </a:extLst>
-              </p:cNvPr>
-              <p:cNvSpPr txBox="1"/>
-              <p:nvPr/>
-            </p:nvSpPr>
-            <p:spPr>
-              <a:xfrm>
-                <a:off x="9064600" y="710444"/>
-                <a:ext cx="857222" cy="276999"/>
-              </a:xfrm>
-              <a:prstGeom prst="rect">
-                <a:avLst/>
-              </a:prstGeom>
-              <a:noFill/>
-            </p:spPr>
-            <p:txBody>
-              <a:bodyPr wrap="none" lIns="0" tIns="0" rIns="0" bIns="0" rtlCol="0">
-                <a:spAutoFit/>
-              </a:bodyPr>
-              <a:lstStyle/>
-              <a:p>
-                <a:pPr/>
-                <a14:m>
-                  <m:oMathPara xmlns:m="http://schemas.openxmlformats.org/officeDocument/2006/math">
-                    <m:oMathParaPr>
-                      <m:jc m:val="centerGroup"/>
-                    </m:oMathParaPr>
-                    <m:oMath xmlns:m="http://schemas.openxmlformats.org/officeDocument/2006/math">
-                      <m:sSub>
-                        <m:sSubPr>
-                          <m:ctrlPr>
-                            <a:rPr kumimoji="1" lang="en-US" altLang="zh-CN" b="0" i="1" smtClean="0">
-                              <a:latin typeface="Cambria Math" panose="02040503050406030204" pitchFamily="18" charset="0"/>
-                            </a:rPr>
-                          </m:ctrlPr>
-                        </m:sSubPr>
-                        <m:e>
-                          <m:r>
-                            <a:rPr kumimoji="1" lang="en-US" altLang="zh-CN" b="0" i="1" smtClean="0">
-                              <a:latin typeface="Cambria Math" panose="02040503050406030204" pitchFamily="18" charset="0"/>
-                            </a:rPr>
-                            <m:t>𝐿</m:t>
-                          </m:r>
-                        </m:e>
-                        <m:sub>
-                          <m:r>
-                            <a:rPr kumimoji="1" lang="en-US" altLang="zh-CN" b="0" i="1" smtClean="0">
-                              <a:latin typeface="Cambria Math" panose="02040503050406030204" pitchFamily="18" charset="0"/>
-                            </a:rPr>
-                            <m:t>𝑥</m:t>
-                          </m:r>
-                        </m:sub>
-                      </m:sSub>
-                      <m:r>
-                        <a:rPr kumimoji="1" lang="en-US" altLang="zh-CN" b="0" i="1" smtClean="0">
-                          <a:latin typeface="Cambria Math" panose="02040503050406030204" pitchFamily="18" charset="0"/>
-                        </a:rPr>
-                        <m:t>=32</m:t>
-                      </m:r>
-                    </m:oMath>
-                  </m:oMathPara>
-                </a14:m>
-                <a:endParaRPr kumimoji="1" lang="zh-CN" altLang="en-US" dirty="0"/>
-              </a:p>
-            </p:txBody>
-          </p:sp>
-        </mc:Choice>
-        <mc:Fallback xmlns="">
-          <p:sp>
-            <p:nvSpPr>
-              <p:cNvPr id="15" name="文本框 14">
-                <a:extLst>
-                  <a:ext uri="{FF2B5EF4-FFF2-40B4-BE49-F238E27FC236}">
-                    <a16:creationId xmlns:a16="http://schemas.microsoft.com/office/drawing/2014/main" id="{3832E488-CF45-4F42-98BB-40BF98AB61F6}"/>
-                  </a:ext>
-                </a:extLst>
-              </p:cNvPr>
-              <p:cNvSpPr txBox="1">
-                <a:spLocks noRot="1" noChangeAspect="1" noMove="1" noResize="1" noEditPoints="1" noAdjustHandles="1" noChangeArrowheads="1" noChangeShapeType="1" noTextEdit="1"/>
-              </p:cNvSpPr>
-              <p:nvPr/>
-            </p:nvSpPr>
-            <p:spPr>
-              <a:xfrm>
-                <a:off x="9064600" y="710444"/>
-                <a:ext cx="857222" cy="276999"/>
-              </a:xfrm>
-              <a:prstGeom prst="rect">
-                <a:avLst/>
-              </a:prstGeom>
-              <a:blipFill>
-                <a:blip r:embed="rId7"/>
-                <a:stretch>
-                  <a:fillRect l="-4348" r="-4348" b="-9091"/>
-                </a:stretch>
-              </a:blipFill>
-            </p:spPr>
-            <p:txBody>
-              <a:bodyPr/>
-              <a:lstStyle/>
-              <a:p>
-                <a:r>
-                  <a:rPr lang="zh-CN" altLang="en-US">
-                    <a:noFill/>
-                  </a:rPr>
-                  <a:t> </a:t>
-                </a:r>
-              </a:p>
-            </p:txBody>
-          </p:sp>
-        </mc:Fallback>
-      </mc:AlternateContent>
-      <p:pic>
-        <p:nvPicPr>
-          <p:cNvPr id="17" name="图片 16">
-            <a:extLst>
-              <a:ext uri="{FF2B5EF4-FFF2-40B4-BE49-F238E27FC236}">
-                <a16:creationId xmlns:a16="http://schemas.microsoft.com/office/drawing/2014/main" id="{073C9F8B-2C33-2041-8424-C0725912D8FE}"/>
-              </a:ext>
-            </a:extLst>
-          </p:cNvPr>
-          <p:cNvPicPr>
-            <a:picLocks noChangeAspect="1"/>
-          </p:cNvPicPr>
-          <p:nvPr/>
-        </p:nvPicPr>
-        <p:blipFill>
-          <a:blip r:embed="rId8"/>
-          <a:stretch>
-            <a:fillRect/>
-          </a:stretch>
-        </p:blipFill>
-        <p:spPr>
-          <a:xfrm>
-            <a:off x="1183342" y="4192114"/>
-            <a:ext cx="5926311" cy="2675117"/>
-          </a:xfrm>
-          <a:prstGeom prst="rect">
-            <a:avLst/>
-          </a:prstGeom>
-        </p:spPr>
-      </p:pic>
-      <p:sp>
-        <p:nvSpPr>
-          <p:cNvPr id="18" name="椭圆 17">
-            <a:extLst>
-              <a:ext uri="{FF2B5EF4-FFF2-40B4-BE49-F238E27FC236}">
-                <a16:creationId xmlns:a16="http://schemas.microsoft.com/office/drawing/2014/main" id="{A1DB88F3-6F6B-CF4C-B7A9-C4E268012E03}"/>
-              </a:ext>
-            </a:extLst>
-          </p:cNvPr>
-          <p:cNvSpPr/>
-          <p:nvPr/>
-        </p:nvSpPr>
-        <p:spPr>
-          <a:xfrm>
-            <a:off x="2839252" y="4856714"/>
-            <a:ext cx="230521" cy="230521"/>
-          </a:xfrm>
-          <a:prstGeom prst="ellipse">
-            <a:avLst/>
-          </a:prstGeom>
-          <a:noFill/>
-          <a:ln w="38100">
-            <a:solidFill>
-              <a:srgbClr val="FF0000"/>
-            </a:solidFill>
-          </a:ln>
-        </p:spPr>
-        <p:style>
-          <a:lnRef idx="2">
-            <a:schemeClr val="accent1">
-              <a:shade val="50000"/>
-            </a:schemeClr>
-          </a:lnRef>
-          <a:fillRef idx="1">
-            <a:schemeClr val="accent1"/>
-          </a:fillRef>
-          <a:effectRef idx="0">
-            <a:schemeClr val="accent1"/>
-          </a:effectRef>
-          <a:fontRef idx="minor">
-            <a:schemeClr val="lt1"/>
-          </a:fontRef>
-        </p:style>
-        <p:txBody>
-          <a:bodyPr rtlCol="0" anchor="ctr"/>
-          <a:lstStyle/>
-          <a:p>
-            <a:pPr algn="ctr"/>
-            <a:endParaRPr kumimoji="1" lang="zh-CN" altLang="en-US"/>
-          </a:p>
-        </p:txBody>
-      </p:sp>
-      <mc:AlternateContent xmlns:mc="http://schemas.openxmlformats.org/markup-compatibility/2006" xmlns:a14="http://schemas.microsoft.com/office/drawing/2010/main">
-        <mc:Choice Requires="a14">
-          <p:sp>
-            <p:nvSpPr>
-              <p:cNvPr id="19" name="文本框 18">
-                <a:extLst>
-                  <a:ext uri="{FF2B5EF4-FFF2-40B4-BE49-F238E27FC236}">
-                    <a16:creationId xmlns:a16="http://schemas.microsoft.com/office/drawing/2014/main" id="{2A669481-3017-214A-874C-9615CD1C1DBD}"/>
-                  </a:ext>
-                </a:extLst>
-              </p:cNvPr>
-              <p:cNvSpPr txBox="1"/>
-              <p:nvPr/>
-            </p:nvSpPr>
-            <p:spPr>
-              <a:xfrm>
-                <a:off x="3461659" y="3911130"/>
-                <a:ext cx="857222" cy="276999"/>
-              </a:xfrm>
-              <a:prstGeom prst="rect">
-                <a:avLst/>
-              </a:prstGeom>
-              <a:noFill/>
-            </p:spPr>
-            <p:txBody>
-              <a:bodyPr wrap="none" lIns="0" tIns="0" rIns="0" bIns="0" rtlCol="0">
-                <a:spAutoFit/>
-              </a:bodyPr>
-              <a:lstStyle/>
-              <a:p>
-                <a:pPr/>
-                <a14:m>
-                  <m:oMathPara xmlns:m="http://schemas.openxmlformats.org/officeDocument/2006/math">
-                    <m:oMathParaPr>
-                      <m:jc m:val="centerGroup"/>
-                    </m:oMathParaPr>
-                    <m:oMath xmlns:m="http://schemas.openxmlformats.org/officeDocument/2006/math">
-                      <m:sSub>
-                        <m:sSubPr>
-                          <m:ctrlPr>
-                            <a:rPr kumimoji="1" lang="en-US" altLang="zh-CN" b="0" i="1" smtClean="0">
-                              <a:latin typeface="Cambria Math" panose="02040503050406030204" pitchFamily="18" charset="0"/>
-                            </a:rPr>
-                          </m:ctrlPr>
-                        </m:sSubPr>
-                        <m:e>
-                          <m:r>
-                            <a:rPr kumimoji="1" lang="en-US" altLang="zh-CN" b="0" i="1" smtClean="0">
-                              <a:latin typeface="Cambria Math" panose="02040503050406030204" pitchFamily="18" charset="0"/>
-                            </a:rPr>
-                            <m:t>𝐿</m:t>
-                          </m:r>
-                        </m:e>
-                        <m:sub>
-                          <m:r>
-                            <a:rPr kumimoji="1" lang="en-US" altLang="zh-CN" b="0" i="1" smtClean="0">
-                              <a:latin typeface="Cambria Math" panose="02040503050406030204" pitchFamily="18" charset="0"/>
-                            </a:rPr>
-                            <m:t>𝑥</m:t>
-                          </m:r>
-                        </m:sub>
-                      </m:sSub>
-                      <m:r>
-                        <a:rPr kumimoji="1" lang="en-US" altLang="zh-CN" b="0" i="1" smtClean="0">
-                          <a:latin typeface="Cambria Math" panose="02040503050406030204" pitchFamily="18" charset="0"/>
-                        </a:rPr>
-                        <m:t>=48</m:t>
-                      </m:r>
-                    </m:oMath>
-                  </m:oMathPara>
-                </a14:m>
-                <a:endParaRPr kumimoji="1" lang="zh-CN" altLang="en-US" dirty="0"/>
-              </a:p>
-            </p:txBody>
-          </p:sp>
-        </mc:Choice>
-        <mc:Fallback xmlns="">
-          <p:sp>
-            <p:nvSpPr>
-              <p:cNvPr id="19" name="文本框 18">
-                <a:extLst>
-                  <a:ext uri="{FF2B5EF4-FFF2-40B4-BE49-F238E27FC236}">
-                    <a16:creationId xmlns:a16="http://schemas.microsoft.com/office/drawing/2014/main" id="{2A669481-3017-214A-874C-9615CD1C1DBD}"/>
-                  </a:ext>
-                </a:extLst>
-              </p:cNvPr>
-              <p:cNvSpPr txBox="1">
-                <a:spLocks noRot="1" noChangeAspect="1" noMove="1" noResize="1" noEditPoints="1" noAdjustHandles="1" noChangeArrowheads="1" noChangeShapeType="1" noTextEdit="1"/>
-              </p:cNvSpPr>
-              <p:nvPr/>
-            </p:nvSpPr>
-            <p:spPr>
-              <a:xfrm>
-                <a:off x="3461659" y="3911130"/>
-                <a:ext cx="857222" cy="276999"/>
-              </a:xfrm>
-              <a:prstGeom prst="rect">
-                <a:avLst/>
-              </a:prstGeom>
-              <a:blipFill>
-                <a:blip r:embed="rId9"/>
-                <a:stretch>
-                  <a:fillRect l="-5882" r="-5882" b="-9091"/>
-                </a:stretch>
-              </a:blipFill>
-            </p:spPr>
-            <p:txBody>
-              <a:bodyPr/>
-              <a:lstStyle/>
-              <a:p>
-                <a:r>
-                  <a:rPr lang="zh-CN" altLang="en-US">
-                    <a:noFill/>
-                  </a:rPr>
-                  <a:t> </a:t>
-                </a:r>
-              </a:p>
-            </p:txBody>
-          </p:sp>
-        </mc:Fallback>
-      </mc:AlternateContent>
-      <p:sp>
-        <p:nvSpPr>
-          <p:cNvPr id="20" name="文本框 19">
-            <a:extLst>
-              <a:ext uri="{FF2B5EF4-FFF2-40B4-BE49-F238E27FC236}">
-                <a16:creationId xmlns:a16="http://schemas.microsoft.com/office/drawing/2014/main" id="{4DB44AD2-5AC5-1B49-8527-98CF946BB1E2}"/>
-              </a:ext>
-            </a:extLst>
-          </p:cNvPr>
-          <p:cNvSpPr txBox="1"/>
-          <p:nvPr/>
-        </p:nvSpPr>
-        <p:spPr>
-          <a:xfrm>
-            <a:off x="2765619" y="5087235"/>
-            <a:ext cx="377786" cy="307777"/>
-          </a:xfrm>
-          <a:prstGeom prst="rect">
-            <a:avLst/>
-          </a:prstGeom>
-          <a:noFill/>
-        </p:spPr>
-        <p:txBody>
-          <a:bodyPr wrap="square" rtlCol="0">
-            <a:spAutoFit/>
-          </a:bodyPr>
-          <a:lstStyle/>
-          <a:p>
-            <a:r>
-              <a:rPr kumimoji="1" lang="en-US" altLang="zh-CN" sz="1400" dirty="0">
-                <a:latin typeface="Times New Roman" panose="02020603050405020304" pitchFamily="18" charset="0"/>
-                <a:cs typeface="Times New Roman" panose="02020603050405020304" pitchFamily="18" charset="0"/>
-              </a:rPr>
-              <a:t>12</a:t>
-            </a:r>
-            <a:endParaRPr kumimoji="1" lang="zh-CN" altLang="en-US" sz="1400" dirty="0">
-              <a:latin typeface="Times New Roman" panose="02020603050405020304" pitchFamily="18" charset="0"/>
-              <a:cs typeface="Times New Roman" panose="02020603050405020304" pitchFamily="18" charset="0"/>
+            <a:endParaRPr kumimoji="1" lang="zh-CN" altLang="en-US" sz="2400" dirty="0">
+              <a:latin typeface="Arial Hebrew" pitchFamily="2" charset="-79"/>
+              <a:cs typeface="Arial Hebrew" pitchFamily="2" charset="-79"/>
             </a:endParaRPr>
           </a:p>
         </p:txBody>
@@ -6553,7 +6377,7 @@
     </p:spTree>
     <p:extLst>
       <p:ext uri="{BB962C8B-B14F-4D97-AF65-F5344CB8AC3E}">
-        <p14:creationId xmlns:p14="http://schemas.microsoft.com/office/powerpoint/2010/main" val="2471626849"/>
+        <p14:creationId xmlns:p14="http://schemas.microsoft.com/office/powerpoint/2010/main" val="1209341291"/>
       </p:ext>
     </p:extLst>
   </p:cSld>
@@ -6563,7 +6387,7 @@
 </p:sld>
 </file>
 
-<file path=ppt/slides/slide11.xml><?xml version="1.0" encoding="utf-8"?>
+<file path=ppt/slides/slide12.xml><?xml version="1.0" encoding="utf-8"?>
 <p:sld xmlns:a="http://schemas.openxmlformats.org/drawingml/2006/main" xmlns:r="http://schemas.openxmlformats.org/officeDocument/2006/relationships" xmlns:p="http://schemas.openxmlformats.org/presentationml/2006/main" show="0">
   <p:cSld>
     <p:spTree>
@@ -6728,7 +6552,7 @@
 </p:sld>
 </file>
 
-<file path=ppt/slides/slide12.xml><?xml version="1.0" encoding="utf-8"?>
+<file path=ppt/slides/slide13.xml><?xml version="1.0" encoding="utf-8"?>
 <p:sld xmlns:a="http://schemas.openxmlformats.org/drawingml/2006/main" xmlns:r="http://schemas.openxmlformats.org/officeDocument/2006/relationships" xmlns:p="http://schemas.openxmlformats.org/presentationml/2006/main" show="0">
   <p:cSld>
     <p:spTree>
@@ -8666,8 +8490,8 @@
           </p:sp>
         </mc:Fallback>
       </mc:AlternateContent>
-      <mc:AlternateContent xmlns:mc="http://schemas.openxmlformats.org/markup-compatibility/2006" xmlns:a14="http://schemas.microsoft.com/office/drawing/2010/main">
-        <mc:Choice Requires="a14">
+      <mc:AlternateContent xmlns:mc="http://schemas.openxmlformats.org/markup-compatibility/2006">
+        <mc:Choice xmlns:a14="http://schemas.microsoft.com/office/drawing/2010/main" Requires="a14">
           <p:sp>
             <p:nvSpPr>
               <p:cNvPr id="9" name="文本框 8">
@@ -8724,7 +8548,25 @@
                             <a:rPr kumimoji="1" lang="en-US" altLang="zh-CN" b="0" i="1" smtClean="0">
                               <a:latin typeface="Cambria Math" panose="02040503050406030204" pitchFamily="18" charset="0"/>
                             </a:rPr>
-                            <m:t>0.706</m:t>
+                            <m:t>0.</m:t>
+                          </m:r>
+                          <m:r>
+                            <a:rPr kumimoji="1" lang="en-US" altLang="zh-CN" b="0" i="1" smtClean="0">
+                              <a:latin typeface="Cambria Math" panose="02040503050406030204" pitchFamily="18" charset="0"/>
+                            </a:rPr>
+                            <m:t> </m:t>
+                          </m:r>
+                          <m:r>
+                            <a:rPr kumimoji="1" lang="en-US" altLang="zh-CN" b="0" i="1" smtClean="0">
+                              <a:latin typeface="Cambria Math" panose="02040503050406030204" pitchFamily="18" charset="0"/>
+                            </a:rPr>
+                            <m:t>6</m:t>
+                          </m:r>
+                          <m:r>
+                            <a:rPr kumimoji="1" lang="en-US" altLang="zh-CN" b="0" i="1" smtClean="0">
+                              <a:latin typeface="Cambria Math" panose="02040503050406030204" pitchFamily="18" charset="0"/>
+                            </a:rPr>
+                            <m:t>518</m:t>
                           </m:r>
                         </m:den>
                       </m:f>
@@ -8732,13 +8574,13 @@
                         <a:rPr kumimoji="1" lang="en-US" altLang="zh-CN" i="1">
                           <a:latin typeface="Cambria Math" panose="02040503050406030204" pitchFamily="18" charset="0"/>
                         </a:rPr>
-                        <m:t>=1.</m:t>
+                        <m:t>=</m:t>
                       </m:r>
                       <m:r>
-                        <a:rPr kumimoji="1" lang="en-US" altLang="zh-CN" b="0" i="1" smtClean="0">
+                        <a:rPr kumimoji="1" lang="en-US" altLang="zh-CN" i="1">
                           <a:latin typeface="Cambria Math" panose="02040503050406030204" pitchFamily="18" charset="0"/>
                         </a:rPr>
-                        <m:t>4159</m:t>
+                        <m:t>1.5341</m:t>
                       </m:r>
                     </m:oMath>
                   </m:oMathPara>
@@ -8748,7 +8590,7 @@
             </p:txBody>
           </p:sp>
         </mc:Choice>
-        <mc:Fallback xmlns="">
+        <mc:Fallback>
           <p:sp>
             <p:nvSpPr>
               <p:cNvPr id="9" name="文本框 8">
@@ -8793,8 +8635,8 @@
           </p:sp>
         </mc:Fallback>
       </mc:AlternateContent>
-      <mc:AlternateContent xmlns:mc="http://schemas.openxmlformats.org/markup-compatibility/2006" xmlns:a14="http://schemas.microsoft.com/office/drawing/2010/main">
-        <mc:Choice Requires="a14">
+      <mc:AlternateContent xmlns:mc="http://schemas.openxmlformats.org/markup-compatibility/2006">
+        <mc:Choice xmlns:a14="http://schemas.microsoft.com/office/drawing/2010/main" Requires="a14">
           <p:sp>
             <p:nvSpPr>
               <p:cNvPr id="10" name="文本框 9">
@@ -8809,7 +8651,7 @@
             </p:nvSpPr>
             <p:spPr>
               <a:xfrm>
-                <a:off x="6285540" y="930640"/>
+                <a:off x="7595297" y="803640"/>
                 <a:ext cx="4303059" cy="2700163"/>
               </a:xfrm>
               <a:prstGeom prst="rect">
@@ -9171,7 +9013,7 @@
             </p:txBody>
           </p:sp>
         </mc:Choice>
-        <mc:Fallback xmlns="">
+        <mc:Fallback>
           <p:sp>
             <p:nvSpPr>
               <p:cNvPr id="10" name="文本框 9">
@@ -9188,7 +9030,7 @@
             </p:nvSpPr>
             <p:spPr>
               <a:xfrm>
-                <a:off x="6285540" y="930640"/>
+                <a:off x="7595297" y="803640"/>
                 <a:ext cx="4303059" cy="2700163"/>
               </a:xfrm>
               <a:prstGeom prst="rect">
@@ -9197,7 +9039,7 @@
               <a:blipFill>
                 <a:blip r:embed="rId5"/>
                 <a:stretch>
-                  <a:fillRect l="-882" t="-935" r="-1471" b="-1869"/>
+                  <a:fillRect l="-1180" t="-1408" r="-1475" b="-2817"/>
                 </a:stretch>
               </a:blipFill>
             </p:spPr>
@@ -9218,10 +9060,10 @@
       </mc:AlternateContent>
       <p:pic>
         <p:nvPicPr>
-          <p:cNvPr id="3" name="图片 2">
+          <p:cNvPr id="2" name="图片 1">
             <a:extLst>
               <a:ext uri="{FF2B5EF4-FFF2-40B4-BE49-F238E27FC236}">
-                <a16:creationId xmlns:a16="http://schemas.microsoft.com/office/drawing/2014/main" id="{ECDD13D6-9550-A741-8AF2-9E963DDB1C25}"/>
+                <a16:creationId xmlns:a16="http://schemas.microsoft.com/office/drawing/2014/main" id="{38467B00-E67F-6747-A06B-2E6CF43767E0}"/>
               </a:ext>
             </a:extLst>
           </p:cNvPr>
@@ -9238,8 +9080,8 @@
         </p:blipFill>
         <p:spPr>
           <a:xfrm>
-            <a:off x="513613" y="1828798"/>
-            <a:ext cx="5300932" cy="4174067"/>
+            <a:off x="378311" y="1272838"/>
+            <a:ext cx="5612817" cy="4775200"/>
           </a:xfrm>
           <a:prstGeom prst="rect">
             <a:avLst/>
@@ -9276,799 +9118,8 @@
           <a:chExt cx="0" cy="0"/>
         </a:xfrm>
       </p:grpSpPr>
-      <p:pic>
-        <p:nvPicPr>
-          <p:cNvPr id="4" name="图片 3">
-            <a:extLst>
-              <a:ext uri="{FF2B5EF4-FFF2-40B4-BE49-F238E27FC236}">
-                <a16:creationId xmlns:a16="http://schemas.microsoft.com/office/drawing/2014/main" id="{05BAA01A-6846-4542-B00F-6C66AB3A2498}"/>
-              </a:ext>
-            </a:extLst>
-          </p:cNvPr>
-          <p:cNvPicPr>
-            <a:picLocks noChangeAspect="1"/>
-          </p:cNvPicPr>
-          <p:nvPr/>
-        </p:nvPicPr>
-        <p:blipFill>
-          <a:blip r:embed="rId2"/>
-          <a:stretch>
-            <a:fillRect/>
-          </a:stretch>
-        </p:blipFill>
-        <p:spPr>
-          <a:xfrm>
-            <a:off x="326324" y="824586"/>
-            <a:ext cx="11539352" cy="5208825"/>
-          </a:xfrm>
-          <a:prstGeom prst="rect">
-            <a:avLst/>
-          </a:prstGeom>
-        </p:spPr>
-      </p:pic>
-      <p:sp>
-        <p:nvSpPr>
-          <p:cNvPr id="5" name="文本框 4">
-            <a:extLst>
-              <a:ext uri="{FF2B5EF4-FFF2-40B4-BE49-F238E27FC236}">
-                <a16:creationId xmlns:a16="http://schemas.microsoft.com/office/drawing/2014/main" id="{47D48063-17BA-CB41-A259-C343A06C0E9B}"/>
-              </a:ext>
-            </a:extLst>
-          </p:cNvPr>
-          <p:cNvSpPr txBox="1"/>
-          <p:nvPr/>
-        </p:nvSpPr>
-        <p:spPr>
-          <a:xfrm>
-            <a:off x="634790" y="204039"/>
-            <a:ext cx="4783597" cy="369332"/>
-          </a:xfrm>
-          <a:prstGeom prst="rect">
-            <a:avLst/>
-          </a:prstGeom>
-          <a:noFill/>
-        </p:spPr>
-        <p:txBody>
-          <a:bodyPr wrap="square" rtlCol="0">
-            <a:spAutoFit/>
-          </a:bodyPr>
-          <a:lstStyle/>
-          <a:p>
-            <a:r>
-              <a:rPr kumimoji="1" lang="en-US" altLang="zh-CN" dirty="0">
-                <a:latin typeface="Palatino Linotype" panose="02040502050505030304" pitchFamily="18" charset="0"/>
-              </a:rPr>
-              <a:t>4 class Reference points when measuring</a:t>
-            </a:r>
-            <a:endParaRPr kumimoji="1" lang="zh-CN" altLang="en-US" dirty="0">
-              <a:latin typeface="Palatino Linotype" panose="02040502050505030304" pitchFamily="18" charset="0"/>
-            </a:endParaRPr>
-          </a:p>
-        </p:txBody>
-      </p:sp>
-      <p:sp>
-        <p:nvSpPr>
-          <p:cNvPr id="6" name="文本框 5">
-            <a:extLst>
-              <a:ext uri="{FF2B5EF4-FFF2-40B4-BE49-F238E27FC236}">
-                <a16:creationId xmlns:a16="http://schemas.microsoft.com/office/drawing/2014/main" id="{60639958-05AC-B94C-A757-9F2C6F274294}"/>
-              </a:ext>
-            </a:extLst>
-          </p:cNvPr>
-          <p:cNvSpPr txBox="1"/>
-          <p:nvPr/>
-        </p:nvSpPr>
-        <p:spPr>
-          <a:xfrm>
-            <a:off x="3801184" y="2429681"/>
-            <a:ext cx="249381" cy="369332"/>
-          </a:xfrm>
-          <a:prstGeom prst="rect">
-            <a:avLst/>
-          </a:prstGeom>
-          <a:noFill/>
-        </p:spPr>
-        <p:txBody>
-          <a:bodyPr wrap="square" rtlCol="0">
-            <a:spAutoFit/>
-          </a:bodyPr>
-          <a:lstStyle/>
-          <a:p>
-            <a:r>
-              <a:rPr kumimoji="1" lang="en-US" altLang="zh-CN" dirty="0">
-                <a:latin typeface="Times New Roman" panose="02020603050405020304" pitchFamily="18" charset="0"/>
-                <a:cs typeface="Times New Roman" panose="02020603050405020304" pitchFamily="18" charset="0"/>
-              </a:rPr>
-              <a:t>A</a:t>
-            </a:r>
-            <a:endParaRPr kumimoji="1" lang="zh-CN" altLang="en-US" dirty="0">
-              <a:latin typeface="Times New Roman" panose="02020603050405020304" pitchFamily="18" charset="0"/>
-              <a:cs typeface="Times New Roman" panose="02020603050405020304" pitchFamily="18" charset="0"/>
-            </a:endParaRPr>
-          </a:p>
-        </p:txBody>
-      </p:sp>
-      <p:sp>
-        <p:nvSpPr>
-          <p:cNvPr id="7" name="文本框 6">
-            <a:extLst>
-              <a:ext uri="{FF2B5EF4-FFF2-40B4-BE49-F238E27FC236}">
-                <a16:creationId xmlns:a16="http://schemas.microsoft.com/office/drawing/2014/main" id="{AE30E3CC-A3DE-C24A-82C1-6ED14F9B9390}"/>
-              </a:ext>
-            </a:extLst>
-          </p:cNvPr>
-          <p:cNvSpPr txBox="1"/>
-          <p:nvPr/>
-        </p:nvSpPr>
-        <p:spPr>
-          <a:xfrm>
-            <a:off x="3982552" y="3082338"/>
-            <a:ext cx="249381" cy="369332"/>
-          </a:xfrm>
-          <a:prstGeom prst="rect">
-            <a:avLst/>
-          </a:prstGeom>
-          <a:noFill/>
-        </p:spPr>
-        <p:txBody>
-          <a:bodyPr wrap="square" rtlCol="0">
-            <a:spAutoFit/>
-          </a:bodyPr>
-          <a:lstStyle/>
-          <a:p>
-            <a:r>
-              <a:rPr kumimoji="1" lang="en-US" altLang="zh-CN" dirty="0">
-                <a:latin typeface="Times New Roman" panose="02020603050405020304" pitchFamily="18" charset="0"/>
-                <a:cs typeface="Times New Roman" panose="02020603050405020304" pitchFamily="18" charset="0"/>
-              </a:rPr>
-              <a:t>B</a:t>
-            </a:r>
-            <a:endParaRPr kumimoji="1" lang="zh-CN" altLang="en-US" dirty="0">
-              <a:latin typeface="Times New Roman" panose="02020603050405020304" pitchFamily="18" charset="0"/>
-              <a:cs typeface="Times New Roman" panose="02020603050405020304" pitchFamily="18" charset="0"/>
-            </a:endParaRPr>
-          </a:p>
-        </p:txBody>
-      </p:sp>
-      <p:sp>
-        <p:nvSpPr>
-          <p:cNvPr id="8" name="文本框 7">
-            <a:extLst>
-              <a:ext uri="{FF2B5EF4-FFF2-40B4-BE49-F238E27FC236}">
-                <a16:creationId xmlns:a16="http://schemas.microsoft.com/office/drawing/2014/main" id="{357E6C61-16DF-924D-A98A-9D20CF33F8FA}"/>
-              </a:ext>
-            </a:extLst>
-          </p:cNvPr>
-          <p:cNvSpPr txBox="1"/>
-          <p:nvPr/>
-        </p:nvSpPr>
-        <p:spPr>
-          <a:xfrm>
-            <a:off x="4386849" y="3018584"/>
-            <a:ext cx="249381" cy="369332"/>
-          </a:xfrm>
-          <a:prstGeom prst="rect">
-            <a:avLst/>
-          </a:prstGeom>
-          <a:noFill/>
-        </p:spPr>
-        <p:txBody>
-          <a:bodyPr wrap="square" rtlCol="0">
-            <a:spAutoFit/>
-          </a:bodyPr>
-          <a:lstStyle/>
-          <a:p>
-            <a:r>
-              <a:rPr kumimoji="1" lang="en-US" altLang="zh-CN" dirty="0">
-                <a:latin typeface="Times New Roman" panose="02020603050405020304" pitchFamily="18" charset="0"/>
-                <a:cs typeface="Times New Roman" panose="02020603050405020304" pitchFamily="18" charset="0"/>
-              </a:rPr>
-              <a:t>C</a:t>
-            </a:r>
-            <a:endParaRPr kumimoji="1" lang="zh-CN" altLang="en-US" dirty="0">
-              <a:latin typeface="Times New Roman" panose="02020603050405020304" pitchFamily="18" charset="0"/>
-              <a:cs typeface="Times New Roman" panose="02020603050405020304" pitchFamily="18" charset="0"/>
-            </a:endParaRPr>
-          </a:p>
-        </p:txBody>
-      </p:sp>
-      <p:sp>
-        <p:nvSpPr>
-          <p:cNvPr id="9" name="文本框 8">
-            <a:extLst>
-              <a:ext uri="{FF2B5EF4-FFF2-40B4-BE49-F238E27FC236}">
-                <a16:creationId xmlns:a16="http://schemas.microsoft.com/office/drawing/2014/main" id="{91805BD9-257A-CE48-8EB0-2396E771600E}"/>
-              </a:ext>
-            </a:extLst>
-          </p:cNvPr>
-          <p:cNvSpPr txBox="1"/>
-          <p:nvPr/>
-        </p:nvSpPr>
-        <p:spPr>
-          <a:xfrm>
-            <a:off x="4330175" y="2271384"/>
-            <a:ext cx="249381" cy="369332"/>
-          </a:xfrm>
-          <a:prstGeom prst="rect">
-            <a:avLst/>
-          </a:prstGeom>
-          <a:noFill/>
-        </p:spPr>
-        <p:txBody>
-          <a:bodyPr wrap="square" rtlCol="0">
-            <a:spAutoFit/>
-          </a:bodyPr>
-          <a:lstStyle/>
-          <a:p>
-            <a:r>
-              <a:rPr kumimoji="1" lang="en-US" altLang="zh-CN" dirty="0">
-                <a:latin typeface="Times New Roman" panose="02020603050405020304" pitchFamily="18" charset="0"/>
-                <a:cs typeface="Times New Roman" panose="02020603050405020304" pitchFamily="18" charset="0"/>
-              </a:rPr>
-              <a:t>D</a:t>
-            </a:r>
-            <a:endParaRPr kumimoji="1" lang="zh-CN" altLang="en-US" dirty="0">
-              <a:latin typeface="Times New Roman" panose="02020603050405020304" pitchFamily="18" charset="0"/>
-              <a:cs typeface="Times New Roman" panose="02020603050405020304" pitchFamily="18" charset="0"/>
-            </a:endParaRPr>
-          </a:p>
-        </p:txBody>
-      </p:sp>
-    </p:spTree>
-    <p:extLst>
-      <p:ext uri="{BB962C8B-B14F-4D97-AF65-F5344CB8AC3E}">
-        <p14:creationId xmlns:p14="http://schemas.microsoft.com/office/powerpoint/2010/main" val="882556318"/>
-      </p:ext>
-    </p:extLst>
-  </p:cSld>
-  <p:clrMapOvr>
-    <a:masterClrMapping/>
-  </p:clrMapOvr>
-</p:sld>
-</file>
-
-<file path=ppt/slides/slide6.xml><?xml version="1.0" encoding="utf-8"?>
-<p:sld xmlns:a="http://schemas.openxmlformats.org/drawingml/2006/main" xmlns:r="http://schemas.openxmlformats.org/officeDocument/2006/relationships" xmlns:p="http://schemas.openxmlformats.org/presentationml/2006/main">
-  <p:cSld>
-    <p:spTree>
-      <p:nvGrpSpPr>
-        <p:cNvPr id="1" name=""/>
-        <p:cNvGrpSpPr/>
-        <p:nvPr/>
-      </p:nvGrpSpPr>
-      <p:grpSpPr>
-        <a:xfrm>
-          <a:off x="0" y="0"/>
-          <a:ext cx="0" cy="0"/>
-          <a:chOff x="0" y="0"/>
-          <a:chExt cx="0" cy="0"/>
-        </a:xfrm>
-      </p:grpSpPr>
-      <p:pic>
-        <p:nvPicPr>
-          <p:cNvPr id="4" name="图片 3">
-            <a:extLst>
-              <a:ext uri="{FF2B5EF4-FFF2-40B4-BE49-F238E27FC236}">
-                <a16:creationId xmlns:a16="http://schemas.microsoft.com/office/drawing/2014/main" id="{8361E128-AFB9-7C40-8D49-487D0B063532}"/>
-              </a:ext>
-            </a:extLst>
-          </p:cNvPr>
-          <p:cNvPicPr>
-            <a:picLocks noChangeAspect="1"/>
-          </p:cNvPicPr>
-          <p:nvPr/>
-        </p:nvPicPr>
-        <p:blipFill>
-          <a:blip r:embed="rId2"/>
-          <a:stretch>
-            <a:fillRect/>
-          </a:stretch>
-        </p:blipFill>
-        <p:spPr>
-          <a:xfrm>
-            <a:off x="1167780" y="1938865"/>
-            <a:ext cx="6134645" cy="4224867"/>
-          </a:xfrm>
-          <a:prstGeom prst="rect">
-            <a:avLst/>
-          </a:prstGeom>
-        </p:spPr>
-      </p:pic>
-      <mc:AlternateContent xmlns:mc="http://schemas.openxmlformats.org/markup-compatibility/2006" xmlns:a14="http://schemas.microsoft.com/office/drawing/2010/main">
-        <mc:Choice Requires="a14">
-          <p:sp>
-            <p:nvSpPr>
-              <p:cNvPr id="5" name="文本框 4">
-                <a:extLst>
-                  <a:ext uri="{FF2B5EF4-FFF2-40B4-BE49-F238E27FC236}">
-                    <a16:creationId xmlns:a16="http://schemas.microsoft.com/office/drawing/2014/main" id="{6117C6A1-2612-B24E-94C3-19894457E2FA}"/>
-                  </a:ext>
-                </a:extLst>
-              </p:cNvPr>
-              <p:cNvSpPr txBox="1"/>
-              <p:nvPr/>
-            </p:nvSpPr>
-            <p:spPr>
-              <a:xfrm>
-                <a:off x="7924800" y="2912533"/>
-                <a:ext cx="3437467" cy="646331"/>
-              </a:xfrm>
-              <a:prstGeom prst="rect">
-                <a:avLst/>
-              </a:prstGeom>
-              <a:noFill/>
-            </p:spPr>
-            <p:txBody>
-              <a:bodyPr wrap="square" rtlCol="0">
-                <a:spAutoFit/>
-              </a:bodyPr>
-              <a:lstStyle/>
-              <a:p>
-                <a:r>
-                  <a:rPr kumimoji="1" lang="en-US" altLang="zh-CN" dirty="0">
-                    <a:latin typeface="Palatino" pitchFamily="2" charset="0"/>
-                    <a:ea typeface="Palatino" pitchFamily="2" charset="0"/>
-                    <a:cs typeface="Times New Roman" panose="02020603050405020304" pitchFamily="18" charset="0"/>
-                  </a:rPr>
-                  <a:t>shift </a:t>
-                </a:r>
-                <a14:m>
-                  <m:oMath xmlns:m="http://schemas.openxmlformats.org/officeDocument/2006/math">
-                    <m:r>
-                      <a:rPr kumimoji="1" lang="en-US" altLang="zh-CN" b="0" i="1" smtClean="0">
-                        <a:latin typeface="Cambria Math" panose="02040503050406030204" pitchFamily="18" charset="0"/>
-                        <a:ea typeface="Palatino" pitchFamily="2" charset="0"/>
-                        <a:cs typeface="Times New Roman" panose="02020603050405020304" pitchFamily="18" charset="0"/>
-                      </a:rPr>
-                      <m:t>𝜋</m:t>
-                    </m:r>
-                    <m:r>
-                      <a:rPr kumimoji="1" lang="en-US" altLang="zh-CN" b="0" i="1" smtClean="0">
-                        <a:latin typeface="Cambria Math" panose="02040503050406030204" pitchFamily="18" charset="0"/>
-                        <a:ea typeface="Palatino" pitchFamily="2" charset="0"/>
-                        <a:cs typeface="Times New Roman" panose="02020603050405020304" pitchFamily="18" charset="0"/>
-                      </a:rPr>
-                      <m:t>/4</m:t>
-                    </m:r>
-                  </m:oMath>
-                </a14:m>
-                <a:r>
-                  <a:rPr kumimoji="1" lang="en-US" altLang="zh-CN" dirty="0">
-                    <a:latin typeface="Palatino" pitchFamily="2" charset="0"/>
-                    <a:ea typeface="Palatino" pitchFamily="2" charset="0"/>
-                    <a:cs typeface="Times New Roman" panose="02020603050405020304" pitchFamily="18" charset="0"/>
-                  </a:rPr>
-                  <a:t> to right</a:t>
-                </a:r>
-              </a:p>
-              <a:p>
-                <a:r>
-                  <a:rPr kumimoji="1" lang="en-US" altLang="zh-CN" dirty="0">
-                    <a:latin typeface="Palatino" pitchFamily="2" charset="0"/>
-                    <a:ea typeface="Palatino" pitchFamily="2" charset="0"/>
-                    <a:cs typeface="Times New Roman" panose="02020603050405020304" pitchFamily="18" charset="0"/>
-                  </a:rPr>
-                  <a:t>B-&gt; A -&gt; D (-&gt;C)</a:t>
-                </a:r>
-                <a:endParaRPr kumimoji="1" lang="zh-CN" altLang="en-US" dirty="0">
-                  <a:latin typeface="Palatino" pitchFamily="2" charset="0"/>
-                  <a:ea typeface="Palatino" pitchFamily="2" charset="0"/>
-                  <a:cs typeface="Times New Roman" panose="02020603050405020304" pitchFamily="18" charset="0"/>
-                </a:endParaRPr>
-              </a:p>
-            </p:txBody>
-          </p:sp>
-        </mc:Choice>
-        <mc:Fallback xmlns="">
-          <p:sp>
-            <p:nvSpPr>
-              <p:cNvPr id="5" name="文本框 4">
-                <a:extLst>
-                  <a:ext uri="{FF2B5EF4-FFF2-40B4-BE49-F238E27FC236}">
-                    <a16:creationId xmlns:a16="http://schemas.microsoft.com/office/drawing/2014/main" id="{6117C6A1-2612-B24E-94C3-19894457E2FA}"/>
-                  </a:ext>
-                </a:extLst>
-              </p:cNvPr>
-              <p:cNvSpPr txBox="1">
-                <a:spLocks noRot="1" noChangeAspect="1" noMove="1" noResize="1" noEditPoints="1" noAdjustHandles="1" noChangeArrowheads="1" noChangeShapeType="1" noTextEdit="1"/>
-              </p:cNvSpPr>
-              <p:nvPr/>
-            </p:nvSpPr>
-            <p:spPr>
-              <a:xfrm>
-                <a:off x="7924800" y="2912533"/>
-                <a:ext cx="3437467" cy="646331"/>
-              </a:xfrm>
-              <a:prstGeom prst="rect">
-                <a:avLst/>
-              </a:prstGeom>
-              <a:blipFill>
-                <a:blip r:embed="rId3"/>
-                <a:stretch>
-                  <a:fillRect l="-1476" t="-3846" b="-13462"/>
-                </a:stretch>
-              </a:blipFill>
-            </p:spPr>
-            <p:txBody>
-              <a:bodyPr/>
-              <a:lstStyle/>
-              <a:p>
-                <a:r>
-                  <a:rPr lang="zh-CN" altLang="en-US">
-                    <a:noFill/>
-                  </a:rPr>
-                  <a:t> </a:t>
-                </a:r>
-              </a:p>
-            </p:txBody>
-          </p:sp>
-        </mc:Fallback>
-      </mc:AlternateContent>
-      <mc:AlternateContent xmlns:mc="http://schemas.openxmlformats.org/markup-compatibility/2006" xmlns:a14="http://schemas.microsoft.com/office/drawing/2010/main">
-        <mc:Choice Requires="a14">
-          <p:sp>
-            <p:nvSpPr>
-              <p:cNvPr id="6" name="文本框 5">
-                <a:extLst>
-                  <a:ext uri="{FF2B5EF4-FFF2-40B4-BE49-F238E27FC236}">
-                    <a16:creationId xmlns:a16="http://schemas.microsoft.com/office/drawing/2014/main" id="{8390330F-20A9-1B45-BD17-E62A5AD66D7F}"/>
-                  </a:ext>
-                </a:extLst>
-              </p:cNvPr>
-              <p:cNvSpPr txBox="1"/>
-              <p:nvPr/>
-            </p:nvSpPr>
-            <p:spPr>
-              <a:xfrm>
-                <a:off x="1532466" y="1329267"/>
-                <a:ext cx="4343400" cy="369332"/>
-              </a:xfrm>
-              <a:prstGeom prst="rect">
-                <a:avLst/>
-              </a:prstGeom>
-              <a:noFill/>
-            </p:spPr>
-            <p:txBody>
-              <a:bodyPr wrap="square" rtlCol="0">
-                <a:spAutoFit/>
-              </a:bodyPr>
-              <a:lstStyle/>
-              <a:p>
-                <a:pPr/>
-                <a14:m>
-                  <m:oMathPara xmlns:m="http://schemas.openxmlformats.org/officeDocument/2006/math">
-                    <m:oMathParaPr>
-                      <m:jc m:val="centerGroup"/>
-                    </m:oMathParaPr>
-                    <m:oMath xmlns:m="http://schemas.openxmlformats.org/officeDocument/2006/math">
-                      <m:r>
-                        <a:rPr kumimoji="1" lang="en-US" altLang="zh-CN" b="0" i="1" dirty="0" smtClean="0">
-                          <a:latin typeface="Cambria Math" panose="02040503050406030204" pitchFamily="18" charset="0"/>
-                        </a:rPr>
-                        <m:t>𝜆</m:t>
-                      </m:r>
-                      <m:r>
-                        <a:rPr kumimoji="1" lang="en-US" altLang="zh-CN" i="1" dirty="0" smtClean="0">
-                          <a:latin typeface="Cambria Math" panose="02040503050406030204" pitchFamily="18" charset="0"/>
-                        </a:rPr>
-                        <m:t>=0.3, </m:t>
-                      </m:r>
-                      <m:r>
-                        <a:rPr kumimoji="1" lang="en-US" altLang="zh-CN" i="1" dirty="0" smtClean="0">
-                          <a:latin typeface="Cambria Math" panose="02040503050406030204" pitchFamily="18" charset="0"/>
-                        </a:rPr>
-                        <m:t>𝑈</m:t>
-                      </m:r>
-                      <m:r>
-                        <a:rPr kumimoji="1" lang="en-US" altLang="zh-CN" i="1" dirty="0" smtClean="0">
-                          <a:latin typeface="Cambria Math" panose="02040503050406030204" pitchFamily="18" charset="0"/>
-                        </a:rPr>
-                        <m:t>=8, </m:t>
-                      </m:r>
-                      <m:r>
-                        <a:rPr kumimoji="1" lang="en-US" altLang="zh-CN" i="1" dirty="0" smtClean="0">
-                          <a:latin typeface="Cambria Math" panose="02040503050406030204" pitchFamily="18" charset="0"/>
-                        </a:rPr>
-                        <m:t>𝐷</m:t>
-                      </m:r>
-                      <m:r>
-                        <a:rPr kumimoji="1" lang="en-US" altLang="zh-CN" i="1" dirty="0" smtClean="0">
-                          <a:latin typeface="Cambria Math" panose="02040503050406030204" pitchFamily="18" charset="0"/>
-                        </a:rPr>
-                        <m:t> = 8000, </m:t>
-                      </m:r>
-                      <m:sSub>
-                        <m:sSubPr>
-                          <m:ctrlPr>
-                            <a:rPr kumimoji="1" lang="en-US" altLang="zh-CN" b="0" i="1" dirty="0" smtClean="0">
-                              <a:latin typeface="Cambria Math" panose="02040503050406030204" pitchFamily="18" charset="0"/>
-                            </a:rPr>
-                          </m:ctrlPr>
-                        </m:sSubPr>
-                        <m:e>
-                          <m:r>
-                            <a:rPr kumimoji="1" lang="en-US" altLang="zh-CN" i="1" dirty="0">
-                              <a:latin typeface="Cambria Math" panose="02040503050406030204" pitchFamily="18" charset="0"/>
-                            </a:rPr>
-                            <m:t>𝐿</m:t>
-                          </m:r>
-                        </m:e>
-                        <m:sub>
-                          <m:r>
-                            <a:rPr kumimoji="1" lang="en-US" altLang="zh-CN" i="1" dirty="0">
-                              <a:latin typeface="Cambria Math" panose="02040503050406030204" pitchFamily="18" charset="0"/>
-                            </a:rPr>
-                            <m:t>𝑥</m:t>
-                          </m:r>
-                        </m:sub>
-                      </m:sSub>
-                      <m:r>
-                        <a:rPr kumimoji="1" lang="en-US" altLang="zh-CN" i="1" dirty="0">
-                          <a:latin typeface="Cambria Math" panose="02040503050406030204" pitchFamily="18" charset="0"/>
-                        </a:rPr>
-                        <m:t>=32</m:t>
-                      </m:r>
-                    </m:oMath>
-                  </m:oMathPara>
-                </a14:m>
-                <a:endParaRPr kumimoji="1" lang="zh-CN" altLang="en-US" dirty="0"/>
-              </a:p>
-            </p:txBody>
-          </p:sp>
-        </mc:Choice>
-        <mc:Fallback xmlns="">
-          <p:sp>
-            <p:nvSpPr>
-              <p:cNvPr id="6" name="文本框 5">
-                <a:extLst>
-                  <a:ext uri="{FF2B5EF4-FFF2-40B4-BE49-F238E27FC236}">
-                    <a16:creationId xmlns:a16="http://schemas.microsoft.com/office/drawing/2014/main" id="{8390330F-20A9-1B45-BD17-E62A5AD66D7F}"/>
-                  </a:ext>
-                </a:extLst>
-              </p:cNvPr>
-              <p:cNvSpPr txBox="1">
-                <a:spLocks noRot="1" noChangeAspect="1" noMove="1" noResize="1" noEditPoints="1" noAdjustHandles="1" noChangeArrowheads="1" noChangeShapeType="1" noTextEdit="1"/>
-              </p:cNvSpPr>
-              <p:nvPr/>
-            </p:nvSpPr>
-            <p:spPr>
-              <a:xfrm>
-                <a:off x="1532466" y="1329267"/>
-                <a:ext cx="4343400" cy="369332"/>
-              </a:xfrm>
-              <a:prstGeom prst="rect">
-                <a:avLst/>
-              </a:prstGeom>
-              <a:blipFill>
-                <a:blip r:embed="rId4"/>
-                <a:stretch>
-                  <a:fillRect b="-16667"/>
-                </a:stretch>
-              </a:blipFill>
-            </p:spPr>
-            <p:txBody>
-              <a:bodyPr/>
-              <a:lstStyle/>
-              <a:p>
-                <a:r>
-                  <a:rPr lang="zh-CN" altLang="en-US">
-                    <a:noFill/>
-                  </a:rPr>
-                  <a:t> </a:t>
-                </a:r>
-              </a:p>
-            </p:txBody>
-          </p:sp>
-        </mc:Fallback>
-      </mc:AlternateContent>
-      <mc:AlternateContent xmlns:mc="http://schemas.openxmlformats.org/markup-compatibility/2006" xmlns:a14="http://schemas.microsoft.com/office/drawing/2010/main">
-        <mc:Choice Requires="a14">
-          <p:sp>
-            <p:nvSpPr>
-              <p:cNvPr id="2" name="文本框 1">
-                <a:extLst>
-                  <a:ext uri="{FF2B5EF4-FFF2-40B4-BE49-F238E27FC236}">
-                    <a16:creationId xmlns:a16="http://schemas.microsoft.com/office/drawing/2014/main" id="{E89A2146-7822-A94B-A230-2747FD2AA368}"/>
-                  </a:ext>
-                </a:extLst>
-              </p:cNvPr>
-              <p:cNvSpPr txBox="1"/>
-              <p:nvPr/>
-            </p:nvSpPr>
-            <p:spPr>
-              <a:xfrm>
-                <a:off x="6485467" y="2133600"/>
-                <a:ext cx="299376" cy="516745"/>
-              </a:xfrm>
-              <a:prstGeom prst="rect">
-                <a:avLst/>
-              </a:prstGeom>
-              <a:noFill/>
-            </p:spPr>
-            <p:txBody>
-              <a:bodyPr wrap="none" lIns="0" tIns="0" rIns="0" bIns="0" rtlCol="0">
-                <a:spAutoFit/>
-              </a:bodyPr>
-              <a:lstStyle/>
-              <a:p>
-                <a:pPr/>
-                <a14:m>
-                  <m:oMathPara xmlns:m="http://schemas.openxmlformats.org/officeDocument/2006/math">
-                    <m:oMathParaPr>
-                      <m:jc m:val="centerGroup"/>
-                    </m:oMathParaPr>
-                    <m:oMath xmlns:m="http://schemas.openxmlformats.org/officeDocument/2006/math">
-                      <m:f>
-                        <m:fPr>
-                          <m:ctrlPr>
-                            <a:rPr kumimoji="1" lang="en-US" altLang="zh-CN" b="0" i="1" smtClean="0">
-                              <a:latin typeface="Cambria Math" panose="02040503050406030204" pitchFamily="18" charset="0"/>
-                            </a:rPr>
-                          </m:ctrlPr>
-                        </m:fPr>
-                        <m:num>
-                          <m:sSub>
-                            <m:sSubPr>
-                              <m:ctrlPr>
-                                <a:rPr kumimoji="1" lang="en-US" altLang="zh-CN" b="0" i="1" smtClean="0">
-                                  <a:latin typeface="Cambria Math" panose="02040503050406030204" pitchFamily="18" charset="0"/>
-                                </a:rPr>
-                              </m:ctrlPr>
-                            </m:sSubPr>
-                            <m:e>
-                              <m:r>
-                                <a:rPr kumimoji="1" lang="en-US" altLang="zh-CN" b="0" i="1" smtClean="0">
-                                  <a:latin typeface="Cambria Math" panose="02040503050406030204" pitchFamily="18" charset="0"/>
-                                </a:rPr>
-                                <m:t>𝐿</m:t>
-                              </m:r>
-                            </m:e>
-                            <m:sub>
-                              <m:r>
-                                <a:rPr kumimoji="1" lang="en-US" altLang="zh-CN" b="0" i="1" smtClean="0">
-                                  <a:latin typeface="Cambria Math" panose="02040503050406030204" pitchFamily="18" charset="0"/>
-                                </a:rPr>
-                                <m:t>𝑥</m:t>
-                              </m:r>
-                            </m:sub>
-                          </m:sSub>
-                        </m:num>
-                        <m:den>
-                          <m:r>
-                            <a:rPr kumimoji="1" lang="en-US" altLang="zh-CN" b="0" i="1" smtClean="0">
-                              <a:latin typeface="Cambria Math" panose="02040503050406030204" pitchFamily="18" charset="0"/>
-                            </a:rPr>
-                            <m:t>2</m:t>
-                          </m:r>
-                        </m:den>
-                      </m:f>
-                    </m:oMath>
-                  </m:oMathPara>
-                </a14:m>
-                <a:endParaRPr kumimoji="1" lang="zh-CN" altLang="en-US" dirty="0"/>
-              </a:p>
-            </p:txBody>
-          </p:sp>
-        </mc:Choice>
-        <mc:Fallback xmlns="">
-          <p:sp>
-            <p:nvSpPr>
-              <p:cNvPr id="2" name="文本框 1">
-                <a:extLst>
-                  <a:ext uri="{FF2B5EF4-FFF2-40B4-BE49-F238E27FC236}">
-                    <a16:creationId xmlns:a16="http://schemas.microsoft.com/office/drawing/2014/main" id="{E89A2146-7822-A94B-A230-2747FD2AA368}"/>
-                  </a:ext>
-                </a:extLst>
-              </p:cNvPr>
-              <p:cNvSpPr txBox="1">
-                <a:spLocks noRot="1" noChangeAspect="1" noMove="1" noResize="1" noEditPoints="1" noAdjustHandles="1" noChangeArrowheads="1" noChangeShapeType="1" noTextEdit="1"/>
-              </p:cNvSpPr>
-              <p:nvPr/>
-            </p:nvSpPr>
-            <p:spPr>
-              <a:xfrm>
-                <a:off x="6485467" y="2133600"/>
-                <a:ext cx="299376" cy="516745"/>
-              </a:xfrm>
-              <a:prstGeom prst="rect">
-                <a:avLst/>
-              </a:prstGeom>
-              <a:blipFill>
-                <a:blip r:embed="rId5"/>
-                <a:stretch>
-                  <a:fillRect l="-16000" t="-2439" b="-14634"/>
-                </a:stretch>
-              </a:blipFill>
-            </p:spPr>
-            <p:txBody>
-              <a:bodyPr/>
-              <a:lstStyle/>
-              <a:p>
-                <a:r>
-                  <a:rPr lang="zh-CN" altLang="en-US">
-                    <a:noFill/>
-                  </a:rPr>
-                  <a:t> </a:t>
-                </a:r>
-              </a:p>
-            </p:txBody>
-          </p:sp>
-        </mc:Fallback>
-      </mc:AlternateContent>
-      <p:sp>
-        <p:nvSpPr>
-          <p:cNvPr id="3" name="文本框 2">
-            <a:extLst>
-              <a:ext uri="{FF2B5EF4-FFF2-40B4-BE49-F238E27FC236}">
-                <a16:creationId xmlns:a16="http://schemas.microsoft.com/office/drawing/2014/main" id="{F10BA2D2-D7DA-CF4E-B8BE-5CFADB3DE4E9}"/>
-              </a:ext>
-            </a:extLst>
-          </p:cNvPr>
-          <p:cNvSpPr txBox="1"/>
-          <p:nvPr/>
-        </p:nvSpPr>
-        <p:spPr>
-          <a:xfrm>
-            <a:off x="795867" y="381000"/>
-            <a:ext cx="7205133" cy="461665"/>
-          </a:xfrm>
-          <a:prstGeom prst="rect">
-            <a:avLst/>
-          </a:prstGeom>
-          <a:noFill/>
-        </p:spPr>
-        <p:txBody>
-          <a:bodyPr wrap="square" rtlCol="0">
-            <a:spAutoFit/>
-          </a:bodyPr>
-          <a:lstStyle/>
-          <a:p>
-            <a:r>
-              <a:rPr kumimoji="1" lang="en-US" altLang="zh-CN" sz="2400" dirty="0">
-                <a:latin typeface="Arial Hebrew" pitchFamily="2" charset="-79"/>
-                <a:cs typeface="Arial Hebrew" pitchFamily="2" charset="-79"/>
-              </a:rPr>
-              <a:t>Compare correlations on different reference points</a:t>
-            </a:r>
-            <a:endParaRPr kumimoji="1" lang="zh-CN" altLang="en-US" sz="2400" dirty="0">
-              <a:latin typeface="Arial Hebrew" pitchFamily="2" charset="-79"/>
-              <a:cs typeface="Arial Hebrew" pitchFamily="2" charset="-79"/>
-            </a:endParaRPr>
-          </a:p>
-        </p:txBody>
-      </p:sp>
-    </p:spTree>
-    <p:extLst>
-      <p:ext uri="{BB962C8B-B14F-4D97-AF65-F5344CB8AC3E}">
-        <p14:creationId xmlns:p14="http://schemas.microsoft.com/office/powerpoint/2010/main" val="1209341291"/>
-      </p:ext>
-    </p:extLst>
-  </p:cSld>
-  <p:clrMapOvr>
-    <a:masterClrMapping/>
-  </p:clrMapOvr>
-</p:sld>
-</file>
-
-<file path=ppt/slides/slide7.xml><?xml version="1.0" encoding="utf-8"?>
-<p:sld xmlns:a="http://schemas.openxmlformats.org/drawingml/2006/main" xmlns:r="http://schemas.openxmlformats.org/officeDocument/2006/relationships" xmlns:p="http://schemas.openxmlformats.org/presentationml/2006/main">
-  <p:cSld>
-    <p:spTree>
-      <p:nvGrpSpPr>
-        <p:cNvPr id="1" name=""/>
-        <p:cNvGrpSpPr/>
-        <p:nvPr/>
-      </p:nvGrpSpPr>
-      <p:grpSpPr>
-        <a:xfrm>
-          <a:off x="0" y="0"/>
-          <a:ext cx="0" cy="0"/>
-          <a:chOff x="0" y="0"/>
-          <a:chExt cx="0" cy="0"/>
-        </a:xfrm>
-      </p:grpSpPr>
-      <mc:AlternateContent xmlns:mc="http://schemas.openxmlformats.org/markup-compatibility/2006" xmlns:a14="http://schemas.microsoft.com/office/drawing/2010/main">
-        <mc:Choice Requires="a14">
+      <mc:AlternateContent xmlns:mc="http://schemas.openxmlformats.org/markup-compatibility/2006">
+        <mc:Choice xmlns:a14="http://schemas.microsoft.com/office/drawing/2010/main" Requires="a14">
           <p:sp>
             <p:nvSpPr>
               <p:cNvPr id="4" name="文本框 3">
@@ -10681,7 +9732,14 @@
                         <a:latin typeface="Cambria Math" panose="02040503050406030204" pitchFamily="18" charset="0"/>
                         <a:cs typeface="Times New Roman" panose="02020603050405020304" pitchFamily="18" charset="0"/>
                       </a:rPr>
-                      <m:t>=1.39077</m:t>
+                      <m:t>=</m:t>
+                    </m:r>
+                    <m:r>
+                      <a:rPr lang="en-US" altLang="zh-CN" i="1" dirty="0" smtClean="0">
+                        <a:latin typeface="Cambria Math" panose="02040503050406030204" pitchFamily="18" charset="0"/>
+                        <a:cs typeface="Times New Roman" panose="02020603050405020304" pitchFamily="18" charset="0"/>
+                      </a:rPr>
+                      <m:t>1.63103</m:t>
                     </m:r>
                   </m:oMath>
                 </a14:m>
@@ -10700,7 +9758,7 @@
             </p:txBody>
           </p:sp>
         </mc:Choice>
-        <mc:Fallback xmlns="">
+        <mc:Fallback>
           <p:sp>
             <p:nvSpPr>
               <p:cNvPr id="4" name="文本框 3">
@@ -11028,10 +10086,10 @@
       </mc:AlternateContent>
       <p:pic>
         <p:nvPicPr>
-          <p:cNvPr id="3" name="图片 2">
+          <p:cNvPr id="5" name="图片 4">
             <a:extLst>
               <a:ext uri="{FF2B5EF4-FFF2-40B4-BE49-F238E27FC236}">
-                <a16:creationId xmlns:a16="http://schemas.microsoft.com/office/drawing/2014/main" id="{378430C8-39AF-F64B-8140-D652A606E136}"/>
+                <a16:creationId xmlns:a16="http://schemas.microsoft.com/office/drawing/2014/main" id="{725AEC7B-5F4C-2848-9274-EDAED7F3AED0}"/>
               </a:ext>
             </a:extLst>
           </p:cNvPr>
@@ -11048,8 +10106,8 @@
         </p:blipFill>
         <p:spPr>
           <a:xfrm>
-            <a:off x="817222" y="2057400"/>
-            <a:ext cx="5130295" cy="4038600"/>
+            <a:off x="410325" y="1617132"/>
+            <a:ext cx="5313379" cy="4766735"/>
           </a:xfrm>
           <a:prstGeom prst="rect">
             <a:avLst/>
@@ -11069,7 +10127,7 @@
 </p:sld>
 </file>
 
-<file path=ppt/slides/slide8.xml><?xml version="1.0" encoding="utf-8"?>
+<file path=ppt/slides/slide6.xml><?xml version="1.0" encoding="utf-8"?>
 <p:sld xmlns:a="http://schemas.openxmlformats.org/drawingml/2006/main" xmlns:r="http://schemas.openxmlformats.org/officeDocument/2006/relationships" xmlns:p="http://schemas.openxmlformats.org/presentationml/2006/main">
   <p:cSld>
     <p:spTree>
@@ -11086,8 +10144,8 @@
           <a:chExt cx="0" cy="0"/>
         </a:xfrm>
       </p:grpSpPr>
-      <mc:AlternateContent xmlns:mc="http://schemas.openxmlformats.org/markup-compatibility/2006" xmlns:a14="http://schemas.microsoft.com/office/drawing/2010/main">
-        <mc:Choice Requires="a14">
+      <mc:AlternateContent xmlns:mc="http://schemas.openxmlformats.org/markup-compatibility/2006">
+        <mc:Choice xmlns:a14="http://schemas.microsoft.com/office/drawing/2010/main" Requires="a14">
           <p:sp>
             <p:nvSpPr>
               <p:cNvPr id="5" name="文本框 4">
@@ -11156,7 +10214,14 @@
                           <a:latin typeface="Cambria Math" panose="02040503050406030204" pitchFamily="18" charset="0"/>
                           <a:cs typeface="Times New Roman" panose="02020603050405020304" pitchFamily="18" charset="0"/>
                         </a:rPr>
-                        <m:t>=1.79606</m:t>
+                        <m:t>=</m:t>
+                      </m:r>
+                      <m:r>
+                        <a:rPr kumimoji="1" lang="en-US" altLang="zh-CN" i="1">
+                          <a:latin typeface="Cambria Math" panose="02040503050406030204" pitchFamily="18" charset="0"/>
+                          <a:cs typeface="Times New Roman" panose="02020603050405020304" pitchFamily="18" charset="0"/>
+                        </a:rPr>
+                        <m:t>2.28334</m:t>
                       </m:r>
                     </m:oMath>
                   </m:oMathPara>
@@ -11169,7 +10234,7 @@
             </p:txBody>
           </p:sp>
         </mc:Choice>
-        <mc:Fallback xmlns="">
+        <mc:Fallback>
           <p:sp>
             <p:nvSpPr>
               <p:cNvPr id="5" name="文本框 4">
@@ -11193,7 +10258,7 @@
                 <a:avLst/>
               </a:prstGeom>
               <a:blipFill>
-                <a:blip r:embed="rId2"/>
+                <a:blip r:embed="rId3"/>
                 <a:stretch>
                   <a:fillRect/>
                 </a:stretch>
@@ -11457,7 +10522,7 @@
                 <a:avLst/>
               </a:prstGeom>
               <a:blipFill>
-                <a:blip r:embed="rId3"/>
+                <a:blip r:embed="rId4"/>
                 <a:stretch>
                   <a:fillRect l="-1905" t="-7692" b="-16667"/>
                 </a:stretch>
@@ -11930,7 +10995,7 @@
                 <a:avLst/>
               </a:prstGeom>
               <a:blipFill>
-                <a:blip r:embed="rId4"/>
+                <a:blip r:embed="rId5"/>
                 <a:stretch>
                   <a:fillRect l="-1667"/>
                 </a:stretch>
@@ -11953,10 +11018,10 @@
       </mc:AlternateContent>
       <p:pic>
         <p:nvPicPr>
-          <p:cNvPr id="4" name="图片 3">
+          <p:cNvPr id="2" name="图片 1">
             <a:extLst>
               <a:ext uri="{FF2B5EF4-FFF2-40B4-BE49-F238E27FC236}">
-                <a16:creationId xmlns:a16="http://schemas.microsoft.com/office/drawing/2014/main" id="{DA2480EE-BE6D-3246-A444-694F980F72E8}"/>
+                <a16:creationId xmlns:a16="http://schemas.microsoft.com/office/drawing/2014/main" id="{55C3CB16-7B73-AA4E-ADD2-663B2A4D026F}"/>
               </a:ext>
             </a:extLst>
           </p:cNvPr>
@@ -11966,15 +11031,15 @@
           <p:nvPr/>
         </p:nvPicPr>
         <p:blipFill>
-          <a:blip r:embed="rId5"/>
+          <a:blip r:embed="rId6"/>
           <a:stretch>
             <a:fillRect/>
           </a:stretch>
         </p:blipFill>
         <p:spPr>
           <a:xfrm>
-            <a:off x="758023" y="2198132"/>
-            <a:ext cx="4626777" cy="3789604"/>
+            <a:off x="595189" y="1811867"/>
+            <a:ext cx="5403283" cy="4621229"/>
           </a:xfrm>
           <a:prstGeom prst="rect">
             <a:avLst/>
@@ -11994,7 +11059,7 @@
 </p:sld>
 </file>
 
-<file path=ppt/slides/slide9.xml><?xml version="1.0" encoding="utf-8"?>
+<file path=ppt/slides/slide7.xml><?xml version="1.0" encoding="utf-8"?>
 <p:sld xmlns:a="http://schemas.openxmlformats.org/drawingml/2006/main" xmlns:r="http://schemas.openxmlformats.org/officeDocument/2006/relationships" xmlns:p="http://schemas.openxmlformats.org/presentationml/2006/main">
   <p:cSld>
     <p:spTree>
@@ -12181,8 +11246,8 @@
         </p:blipFill>
         <p:spPr>
           <a:xfrm>
-            <a:off x="545684" y="2124073"/>
-            <a:ext cx="4187183" cy="3596250"/>
+            <a:off x="4041523" y="2229935"/>
+            <a:ext cx="3977965" cy="3416559"/>
           </a:xfrm>
           <a:prstGeom prst="rect">
             <a:avLst/>
@@ -12211,8 +11276,8 @@
         </p:blipFill>
         <p:spPr>
           <a:xfrm>
-            <a:off x="5571068" y="2047874"/>
-            <a:ext cx="4635329" cy="3596249"/>
+            <a:off x="8019488" y="2223809"/>
+            <a:ext cx="4295696" cy="3332750"/>
           </a:xfrm>
           <a:prstGeom prst="rect">
             <a:avLst/>
@@ -12666,13 +11731,15 @@
               </a:ext>
             </a:extLst>
           </p:cNvPr>
-          <p:cNvCxnSpPr/>
+          <p:cNvCxnSpPr>
+            <a:cxnSpLocks/>
+          </p:cNvCxnSpPr>
           <p:nvPr/>
         </p:nvCxnSpPr>
         <p:spPr>
           <a:xfrm flipV="1">
-            <a:off x="2857499" y="5825067"/>
-            <a:ext cx="0" cy="347125"/>
+            <a:off x="2963334" y="5742278"/>
+            <a:ext cx="1606550" cy="556918"/>
           </a:xfrm>
           <a:prstGeom prst="straightConnector1">
             <a:avLst/>
@@ -12705,13 +11772,15 @@
               </a:ext>
             </a:extLst>
           </p:cNvPr>
-          <p:cNvCxnSpPr/>
+          <p:cNvCxnSpPr>
+            <a:cxnSpLocks/>
+          </p:cNvCxnSpPr>
           <p:nvPr/>
         </p:nvCxnSpPr>
         <p:spPr>
           <a:xfrm flipV="1">
-            <a:off x="5571068" y="5720323"/>
-            <a:ext cx="1659465" cy="578873"/>
+            <a:off x="5571068" y="5731156"/>
+            <a:ext cx="3615265" cy="568041"/>
           </a:xfrm>
           <a:prstGeom prst="straightConnector1">
             <a:avLst/>
@@ -12777,10 +11846,1409 @@
           </a:p>
         </p:txBody>
       </p:sp>
+      <p:pic>
+        <p:nvPicPr>
+          <p:cNvPr id="5" name="图片 4">
+            <a:extLst>
+              <a:ext uri="{FF2B5EF4-FFF2-40B4-BE49-F238E27FC236}">
+                <a16:creationId xmlns:a16="http://schemas.microsoft.com/office/drawing/2014/main" id="{C451E1DD-F8CB-AB48-9FDE-86B8250484B0}"/>
+              </a:ext>
+            </a:extLst>
+          </p:cNvPr>
+          <p:cNvPicPr>
+            <a:picLocks noChangeAspect="1"/>
+          </p:cNvPicPr>
+          <p:nvPr/>
+        </p:nvPicPr>
+        <p:blipFill>
+          <a:blip r:embed="rId8"/>
+          <a:stretch>
+            <a:fillRect/>
+          </a:stretch>
+        </p:blipFill>
+        <p:spPr>
+          <a:xfrm>
+            <a:off x="-85625" y="2127559"/>
+            <a:ext cx="4127148" cy="3429000"/>
+          </a:xfrm>
+          <a:prstGeom prst="rect">
+            <a:avLst/>
+          </a:prstGeom>
+        </p:spPr>
+      </p:pic>
+      <p:sp>
+        <p:nvSpPr>
+          <p:cNvPr id="18" name="椭圆 17">
+            <a:extLst>
+              <a:ext uri="{FF2B5EF4-FFF2-40B4-BE49-F238E27FC236}">
+                <a16:creationId xmlns:a16="http://schemas.microsoft.com/office/drawing/2014/main" id="{0B293FE7-FDAC-AE41-8004-91E577294B62}"/>
+              </a:ext>
+            </a:extLst>
+          </p:cNvPr>
+          <p:cNvSpPr/>
+          <p:nvPr/>
+        </p:nvSpPr>
+        <p:spPr>
+          <a:xfrm>
+            <a:off x="254000" y="6313476"/>
+            <a:ext cx="211667" cy="211667"/>
+          </a:xfrm>
+          <a:prstGeom prst="ellipse">
+            <a:avLst/>
+          </a:prstGeom>
+          <a:solidFill>
+            <a:srgbClr val="FF0000"/>
+          </a:solidFill>
+          <a:ln>
+            <a:solidFill>
+              <a:srgbClr val="FF0000"/>
+            </a:solidFill>
+          </a:ln>
+        </p:spPr>
+        <p:style>
+          <a:lnRef idx="2">
+            <a:schemeClr val="accent1">
+              <a:shade val="50000"/>
+            </a:schemeClr>
+          </a:lnRef>
+          <a:fillRef idx="1">
+            <a:schemeClr val="accent1"/>
+          </a:fillRef>
+          <a:effectRef idx="0">
+            <a:schemeClr val="accent1"/>
+          </a:effectRef>
+          <a:fontRef idx="minor">
+            <a:schemeClr val="lt1"/>
+          </a:fontRef>
+        </p:style>
+        <p:txBody>
+          <a:bodyPr rtlCol="0" anchor="ctr"/>
+          <a:lstStyle/>
+          <a:p>
+            <a:pPr algn="ctr"/>
+            <a:endParaRPr kumimoji="1" lang="zh-CN" altLang="en-US"/>
+          </a:p>
+        </p:txBody>
+      </p:sp>
+      <p:cxnSp>
+        <p:nvCxnSpPr>
+          <p:cNvPr id="19" name="直线箭头连接符 18">
+            <a:extLst>
+              <a:ext uri="{FF2B5EF4-FFF2-40B4-BE49-F238E27FC236}">
+                <a16:creationId xmlns:a16="http://schemas.microsoft.com/office/drawing/2014/main" id="{DF52C191-0186-354E-90D0-154748E1CA4F}"/>
+              </a:ext>
+            </a:extLst>
+          </p:cNvPr>
+          <p:cNvCxnSpPr>
+            <a:cxnSpLocks/>
+          </p:cNvCxnSpPr>
+          <p:nvPr/>
+        </p:nvCxnSpPr>
+        <p:spPr>
+          <a:xfrm flipV="1">
+            <a:off x="465667" y="5645164"/>
+            <a:ext cx="973666" cy="642910"/>
+          </a:xfrm>
+          <a:prstGeom prst="straightConnector1">
+            <a:avLst/>
+          </a:prstGeom>
+          <a:ln>
+            <a:tailEnd type="triangle"/>
+          </a:ln>
+        </p:spPr>
+        <p:style>
+          <a:lnRef idx="1">
+            <a:schemeClr val="accent1"/>
+          </a:lnRef>
+          <a:fillRef idx="0">
+            <a:schemeClr val="accent1"/>
+          </a:fillRef>
+          <a:effectRef idx="0">
+            <a:schemeClr val="accent1"/>
+          </a:effectRef>
+          <a:fontRef idx="minor">
+            <a:schemeClr val="tx1"/>
+          </a:fontRef>
+        </p:style>
+      </p:cxnSp>
+      <mc:AlternateContent xmlns:mc="http://schemas.openxmlformats.org/markup-compatibility/2006">
+        <mc:Choice xmlns:a14="http://schemas.microsoft.com/office/drawing/2010/main" Requires="a14">
+          <p:sp>
+            <p:nvSpPr>
+              <p:cNvPr id="21" name="文本框 20">
+                <a:extLst>
+                  <a:ext uri="{FF2B5EF4-FFF2-40B4-BE49-F238E27FC236}">
+                    <a16:creationId xmlns:a16="http://schemas.microsoft.com/office/drawing/2014/main" id="{2A1F1613-799C-0245-8C99-A09C6FC351CF}"/>
+                  </a:ext>
+                </a:extLst>
+              </p:cNvPr>
+              <p:cNvSpPr txBox="1"/>
+              <p:nvPr/>
+            </p:nvSpPr>
+            <p:spPr>
+              <a:xfrm>
+                <a:off x="254000" y="6564275"/>
+                <a:ext cx="190757" cy="276999"/>
+              </a:xfrm>
+              <a:prstGeom prst="rect">
+                <a:avLst/>
+              </a:prstGeom>
+              <a:noFill/>
+            </p:spPr>
+            <p:txBody>
+              <a:bodyPr wrap="none" lIns="0" tIns="0" rIns="0" bIns="0" rtlCol="0">
+                <a:spAutoFit/>
+              </a:bodyPr>
+              <a:lstStyle/>
+              <a:p>
+                <a:pPr/>
+                <a14:m>
+                  <m:oMathPara xmlns:m="http://schemas.openxmlformats.org/officeDocument/2006/math">
+                    <m:oMathParaPr>
+                      <m:jc m:val="centerGroup"/>
+                    </m:oMathParaPr>
+                    <m:oMath xmlns:m="http://schemas.openxmlformats.org/officeDocument/2006/math">
+                      <m:r>
+                        <a:rPr kumimoji="1" lang="en-US" altLang="zh-CN" b="0" i="1" smtClean="0">
+                          <a:latin typeface="Cambria Math" panose="02040503050406030204" pitchFamily="18" charset="0"/>
+                        </a:rPr>
+                        <m:t>0</m:t>
+                      </m:r>
+                    </m:oMath>
+                  </m:oMathPara>
+                </a14:m>
+                <a:endParaRPr kumimoji="1" lang="zh-CN" altLang="en-US" dirty="0"/>
+              </a:p>
+            </p:txBody>
+          </p:sp>
+        </mc:Choice>
+        <mc:Fallback>
+          <p:sp>
+            <p:nvSpPr>
+              <p:cNvPr id="21" name="文本框 20">
+                <a:extLst>
+                  <a:ext uri="{FF2B5EF4-FFF2-40B4-BE49-F238E27FC236}">
+                    <a16:creationId xmlns:a16="http://schemas.microsoft.com/office/drawing/2014/main" id="{2A1F1613-799C-0245-8C99-A09C6FC351CF}"/>
+                  </a:ext>
+                </a:extLst>
+              </p:cNvPr>
+              <p:cNvSpPr txBox="1">
+                <a:spLocks noRot="1" noChangeAspect="1" noMove="1" noResize="1" noEditPoints="1" noAdjustHandles="1" noChangeArrowheads="1" noChangeShapeType="1" noTextEdit="1"/>
+              </p:cNvSpPr>
+              <p:nvPr/>
+            </p:nvSpPr>
+            <p:spPr>
+              <a:xfrm>
+                <a:off x="254000" y="6564275"/>
+                <a:ext cx="190757" cy="276999"/>
+              </a:xfrm>
+              <a:prstGeom prst="rect">
+                <a:avLst/>
+              </a:prstGeom>
+              <a:blipFill>
+                <a:blip r:embed="rId9"/>
+                <a:stretch>
+                  <a:fillRect l="-25000" r="-18750" b="-4348"/>
+                </a:stretch>
+              </a:blipFill>
+            </p:spPr>
+            <p:txBody>
+              <a:bodyPr/>
+              <a:lstStyle/>
+              <a:p>
+                <a:r>
+                  <a:rPr lang="zh-CN" altLang="en-US">
+                    <a:noFill/>
+                  </a:rPr>
+                  <a:t> </a:t>
+                </a:r>
+              </a:p>
+            </p:txBody>
+          </p:sp>
+        </mc:Fallback>
+      </mc:AlternateContent>
     </p:spTree>
     <p:extLst>
       <p:ext uri="{BB962C8B-B14F-4D97-AF65-F5344CB8AC3E}">
         <p14:creationId xmlns:p14="http://schemas.microsoft.com/office/powerpoint/2010/main" val="3437104504"/>
+      </p:ext>
+    </p:extLst>
+  </p:cSld>
+  <p:clrMapOvr>
+    <a:masterClrMapping/>
+  </p:clrMapOvr>
+</p:sld>
+</file>
+
+<file path=ppt/slides/slide8.xml><?xml version="1.0" encoding="utf-8"?>
+<p:sld xmlns:a="http://schemas.openxmlformats.org/drawingml/2006/main" xmlns:r="http://schemas.openxmlformats.org/officeDocument/2006/relationships" xmlns:p="http://schemas.openxmlformats.org/presentationml/2006/main">
+  <p:cSld>
+    <p:spTree>
+      <p:nvGrpSpPr>
+        <p:cNvPr id="1" name=""/>
+        <p:cNvGrpSpPr/>
+        <p:nvPr/>
+      </p:nvGrpSpPr>
+      <p:grpSpPr>
+        <a:xfrm>
+          <a:off x="0" y="0"/>
+          <a:ext cx="0" cy="0"/>
+          <a:chOff x="0" y="0"/>
+          <a:chExt cx="0" cy="0"/>
+        </a:xfrm>
+      </p:grpSpPr>
+      <p:pic>
+        <p:nvPicPr>
+          <p:cNvPr id="4" name="图片 3">
+            <a:extLst>
+              <a:ext uri="{FF2B5EF4-FFF2-40B4-BE49-F238E27FC236}">
+                <a16:creationId xmlns:a16="http://schemas.microsoft.com/office/drawing/2014/main" id="{77EC2F29-7AF4-D14A-8C81-59EB30A91266}"/>
+              </a:ext>
+            </a:extLst>
+          </p:cNvPr>
+          <p:cNvPicPr>
+            <a:picLocks noChangeAspect="1"/>
+          </p:cNvPicPr>
+          <p:nvPr/>
+        </p:nvPicPr>
+        <p:blipFill>
+          <a:blip r:embed="rId2"/>
+          <a:stretch>
+            <a:fillRect/>
+          </a:stretch>
+        </p:blipFill>
+        <p:spPr>
+          <a:xfrm>
+            <a:off x="59372" y="1601381"/>
+            <a:ext cx="5570962" cy="5107592"/>
+          </a:xfrm>
+          <a:prstGeom prst="rect">
+            <a:avLst/>
+          </a:prstGeom>
+        </p:spPr>
+      </p:pic>
+      <p:pic>
+        <p:nvPicPr>
+          <p:cNvPr id="5" name="图片 4">
+            <a:extLst>
+              <a:ext uri="{FF2B5EF4-FFF2-40B4-BE49-F238E27FC236}">
+                <a16:creationId xmlns:a16="http://schemas.microsoft.com/office/drawing/2014/main" id="{B0EEFB72-54DA-7144-B038-1493105EB001}"/>
+              </a:ext>
+            </a:extLst>
+          </p:cNvPr>
+          <p:cNvPicPr>
+            <a:picLocks noChangeAspect="1"/>
+          </p:cNvPicPr>
+          <p:nvPr/>
+        </p:nvPicPr>
+        <p:blipFill>
+          <a:blip r:embed="rId3"/>
+          <a:stretch>
+            <a:fillRect/>
+          </a:stretch>
+        </p:blipFill>
+        <p:spPr>
+          <a:xfrm>
+            <a:off x="5722053" y="1892621"/>
+            <a:ext cx="6410575" cy="4525112"/>
+          </a:xfrm>
+          <a:prstGeom prst="rect">
+            <a:avLst/>
+          </a:prstGeom>
+        </p:spPr>
+      </p:pic>
+      <p:sp>
+        <p:nvSpPr>
+          <p:cNvPr id="2" name="文本框 1">
+            <a:extLst>
+              <a:ext uri="{FF2B5EF4-FFF2-40B4-BE49-F238E27FC236}">
+                <a16:creationId xmlns:a16="http://schemas.microsoft.com/office/drawing/2014/main" id="{39460EE0-DF0E-834D-ABBB-A66FFBA6B3F7}"/>
+              </a:ext>
+            </a:extLst>
+          </p:cNvPr>
+          <p:cNvSpPr txBox="1"/>
+          <p:nvPr/>
+        </p:nvSpPr>
+        <p:spPr>
+          <a:xfrm>
+            <a:off x="922867" y="728133"/>
+            <a:ext cx="3141133" cy="646331"/>
+          </a:xfrm>
+          <a:prstGeom prst="rect">
+            <a:avLst/>
+          </a:prstGeom>
+          <a:noFill/>
+        </p:spPr>
+        <p:txBody>
+          <a:bodyPr wrap="square" rtlCol="0">
+            <a:spAutoFit/>
+          </a:bodyPr>
+          <a:lstStyle/>
+          <a:p>
+            <a:r>
+              <a:rPr kumimoji="1" lang="en-US" altLang="zh-CN" dirty="0"/>
+              <a:t>U=2, lambda=0.05, charge density up to now</a:t>
+            </a:r>
+            <a:endParaRPr kumimoji="1" lang="zh-CN" altLang="en-US" dirty="0"/>
+          </a:p>
+        </p:txBody>
+      </p:sp>
+    </p:spTree>
+    <p:extLst>
+      <p:ext uri="{BB962C8B-B14F-4D97-AF65-F5344CB8AC3E}">
+        <p14:creationId xmlns:p14="http://schemas.microsoft.com/office/powerpoint/2010/main" val="470809326"/>
+      </p:ext>
+    </p:extLst>
+  </p:cSld>
+  <p:clrMapOvr>
+    <a:masterClrMapping/>
+  </p:clrMapOvr>
+</p:sld>
+</file>
+
+<file path=ppt/slides/slide9.xml><?xml version="1.0" encoding="utf-8"?>
+<p:sld xmlns:a="http://schemas.openxmlformats.org/drawingml/2006/main" xmlns:r="http://schemas.openxmlformats.org/officeDocument/2006/relationships" xmlns:p="http://schemas.openxmlformats.org/presentationml/2006/main">
+  <p:cSld>
+    <p:spTree>
+      <p:nvGrpSpPr>
+        <p:cNvPr id="1" name=""/>
+        <p:cNvGrpSpPr/>
+        <p:nvPr/>
+      </p:nvGrpSpPr>
+      <p:grpSpPr>
+        <a:xfrm>
+          <a:off x="0" y="0"/>
+          <a:ext cx="0" cy="0"/>
+          <a:chOff x="0" y="0"/>
+          <a:chExt cx="0" cy="0"/>
+        </a:xfrm>
+      </p:grpSpPr>
+      <p:sp>
+        <p:nvSpPr>
+          <p:cNvPr id="2" name="标题 1">
+            <a:extLst>
+              <a:ext uri="{FF2B5EF4-FFF2-40B4-BE49-F238E27FC236}">
+                <a16:creationId xmlns:a16="http://schemas.microsoft.com/office/drawing/2014/main" id="{D6070064-04B0-C64A-9AEE-0FBC7DA62FE6}"/>
+              </a:ext>
+            </a:extLst>
+          </p:cNvPr>
+          <p:cNvSpPr>
+            <a:spLocks noGrp="1"/>
+          </p:cNvSpPr>
+          <p:nvPr>
+            <p:ph type="title"/>
+          </p:nvPr>
+        </p:nvSpPr>
+        <p:spPr>
+          <a:xfrm>
+            <a:off x="415578" y="65448"/>
+            <a:ext cx="10380490" cy="641483"/>
+          </a:xfrm>
+        </p:spPr>
+        <p:txBody>
+          <a:bodyPr>
+            <a:normAutofit/>
+          </a:bodyPr>
+          <a:lstStyle/>
+          <a:p>
+            <a:r>
+              <a:rPr kumimoji="1" lang="en-US" altLang="zh-CN" sz="2400" dirty="0">
+                <a:latin typeface="Palatino Linotype" panose="02040502050505030304" pitchFamily="18" charset="0"/>
+                <a:cs typeface="Times New Roman" panose="02020603050405020304" pitchFamily="18" charset="0"/>
+              </a:rPr>
+              <a:t>Charge density profile and reference point when measuring </a:t>
+            </a:r>
+            <a:endParaRPr kumimoji="1" lang="zh-CN" altLang="en-US" sz="2400" dirty="0">
+              <a:latin typeface="Palatino Linotype" panose="02040502050505030304" pitchFamily="18" charset="0"/>
+              <a:cs typeface="Times New Roman" panose="02020603050405020304" pitchFamily="18" charset="0"/>
+            </a:endParaRPr>
+          </a:p>
+        </p:txBody>
+      </p:sp>
+      <p:pic>
+        <p:nvPicPr>
+          <p:cNvPr id="4" name="图片 3">
+            <a:extLst>
+              <a:ext uri="{FF2B5EF4-FFF2-40B4-BE49-F238E27FC236}">
+                <a16:creationId xmlns:a16="http://schemas.microsoft.com/office/drawing/2014/main" id="{7ACF1B89-10A9-184F-A7B0-7DB04B3B1288}"/>
+              </a:ext>
+            </a:extLst>
+          </p:cNvPr>
+          <p:cNvPicPr>
+            <a:picLocks noChangeAspect="1"/>
+          </p:cNvPicPr>
+          <p:nvPr/>
+        </p:nvPicPr>
+        <p:blipFill>
+          <a:blip r:embed="rId2"/>
+          <a:stretch>
+            <a:fillRect/>
+          </a:stretch>
+        </p:blipFill>
+        <p:spPr>
+          <a:xfrm>
+            <a:off x="62113" y="1236987"/>
+            <a:ext cx="3160048" cy="2520362"/>
+          </a:xfrm>
+          <a:prstGeom prst="rect">
+            <a:avLst/>
+          </a:prstGeom>
+        </p:spPr>
+      </p:pic>
+      <p:sp>
+        <p:nvSpPr>
+          <p:cNvPr id="5" name="椭圆 4">
+            <a:extLst>
+              <a:ext uri="{FF2B5EF4-FFF2-40B4-BE49-F238E27FC236}">
+                <a16:creationId xmlns:a16="http://schemas.microsoft.com/office/drawing/2014/main" id="{EF66939A-7882-B14F-B1BF-3EE2AB52627C}"/>
+              </a:ext>
+            </a:extLst>
+          </p:cNvPr>
+          <p:cNvSpPr/>
+          <p:nvPr/>
+        </p:nvSpPr>
+        <p:spPr>
+          <a:xfrm>
+            <a:off x="952821" y="1619361"/>
+            <a:ext cx="230521" cy="230521"/>
+          </a:xfrm>
+          <a:prstGeom prst="ellipse">
+            <a:avLst/>
+          </a:prstGeom>
+          <a:noFill/>
+          <a:ln w="38100">
+            <a:solidFill>
+              <a:srgbClr val="FF0000"/>
+            </a:solidFill>
+          </a:ln>
+        </p:spPr>
+        <p:style>
+          <a:lnRef idx="2">
+            <a:schemeClr val="accent1">
+              <a:shade val="50000"/>
+            </a:schemeClr>
+          </a:lnRef>
+          <a:fillRef idx="1">
+            <a:schemeClr val="accent1"/>
+          </a:fillRef>
+          <a:effectRef idx="0">
+            <a:schemeClr val="accent1"/>
+          </a:effectRef>
+          <a:fontRef idx="minor">
+            <a:schemeClr val="lt1"/>
+          </a:fontRef>
+        </p:style>
+        <p:txBody>
+          <a:bodyPr rtlCol="0" anchor="ctr"/>
+          <a:lstStyle/>
+          <a:p>
+            <a:pPr algn="ctr"/>
+            <a:endParaRPr kumimoji="1" lang="zh-CN" altLang="en-US"/>
+          </a:p>
+        </p:txBody>
+      </p:sp>
+      <p:pic>
+        <p:nvPicPr>
+          <p:cNvPr id="6" name="图片 5">
+            <a:extLst>
+              <a:ext uri="{FF2B5EF4-FFF2-40B4-BE49-F238E27FC236}">
+                <a16:creationId xmlns:a16="http://schemas.microsoft.com/office/drawing/2014/main" id="{ADA1460A-1626-9E40-8E56-BC8A3374EFC5}"/>
+              </a:ext>
+            </a:extLst>
+          </p:cNvPr>
+          <p:cNvPicPr>
+            <a:picLocks noChangeAspect="1"/>
+          </p:cNvPicPr>
+          <p:nvPr/>
+        </p:nvPicPr>
+        <p:blipFill>
+          <a:blip r:embed="rId3"/>
+          <a:stretch>
+            <a:fillRect/>
+          </a:stretch>
+        </p:blipFill>
+        <p:spPr>
+          <a:xfrm>
+            <a:off x="3296450" y="1102846"/>
+            <a:ext cx="3844579" cy="2693353"/>
+          </a:xfrm>
+          <a:prstGeom prst="rect">
+            <a:avLst/>
+          </a:prstGeom>
+        </p:spPr>
+      </p:pic>
+      <p:sp>
+        <p:nvSpPr>
+          <p:cNvPr id="7" name="椭圆 6">
+            <a:extLst>
+              <a:ext uri="{FF2B5EF4-FFF2-40B4-BE49-F238E27FC236}">
+                <a16:creationId xmlns:a16="http://schemas.microsoft.com/office/drawing/2014/main" id="{6189ED6C-9B49-8A40-8DB4-F22321647164}"/>
+              </a:ext>
+            </a:extLst>
+          </p:cNvPr>
+          <p:cNvSpPr/>
+          <p:nvPr/>
+        </p:nvSpPr>
+        <p:spPr>
+          <a:xfrm>
+            <a:off x="4639877" y="1613025"/>
+            <a:ext cx="230521" cy="230521"/>
+          </a:xfrm>
+          <a:prstGeom prst="ellipse">
+            <a:avLst/>
+          </a:prstGeom>
+          <a:noFill/>
+          <a:ln w="38100">
+            <a:solidFill>
+              <a:srgbClr val="FF0000"/>
+            </a:solidFill>
+          </a:ln>
+        </p:spPr>
+        <p:style>
+          <a:lnRef idx="2">
+            <a:schemeClr val="accent1">
+              <a:shade val="50000"/>
+            </a:schemeClr>
+          </a:lnRef>
+          <a:fillRef idx="1">
+            <a:schemeClr val="accent1"/>
+          </a:fillRef>
+          <a:effectRef idx="0">
+            <a:schemeClr val="accent1"/>
+          </a:effectRef>
+          <a:fontRef idx="minor">
+            <a:schemeClr val="lt1"/>
+          </a:fontRef>
+        </p:style>
+        <p:txBody>
+          <a:bodyPr rtlCol="0" anchor="ctr"/>
+          <a:lstStyle/>
+          <a:p>
+            <a:pPr algn="ctr"/>
+            <a:endParaRPr kumimoji="1" lang="zh-CN" altLang="en-US"/>
+          </a:p>
+        </p:txBody>
+      </p:sp>
+      <mc:AlternateContent xmlns:mc="http://schemas.openxmlformats.org/markup-compatibility/2006" xmlns:a14="http://schemas.microsoft.com/office/drawing/2010/main">
+        <mc:Choice Requires="a14">
+          <p:sp>
+            <p:nvSpPr>
+              <p:cNvPr id="8" name="文本框 7">
+                <a:extLst>
+                  <a:ext uri="{FF2B5EF4-FFF2-40B4-BE49-F238E27FC236}">
+                    <a16:creationId xmlns:a16="http://schemas.microsoft.com/office/drawing/2014/main" id="{BC4A46D0-BFA4-9244-9D76-D04050B50FAC}"/>
+                  </a:ext>
+                </a:extLst>
+              </p:cNvPr>
+              <p:cNvSpPr txBox="1"/>
+              <p:nvPr/>
+            </p:nvSpPr>
+            <p:spPr>
+              <a:xfrm>
+                <a:off x="1298602" y="825847"/>
+                <a:ext cx="857222" cy="276999"/>
+              </a:xfrm>
+              <a:prstGeom prst="rect">
+                <a:avLst/>
+              </a:prstGeom>
+              <a:noFill/>
+            </p:spPr>
+            <p:txBody>
+              <a:bodyPr wrap="none" lIns="0" tIns="0" rIns="0" bIns="0" rtlCol="0">
+                <a:spAutoFit/>
+              </a:bodyPr>
+              <a:lstStyle/>
+              <a:p>
+                <a:pPr/>
+                <a14:m>
+                  <m:oMathPara xmlns:m="http://schemas.openxmlformats.org/officeDocument/2006/math">
+                    <m:oMathParaPr>
+                      <m:jc m:val="centerGroup"/>
+                    </m:oMathParaPr>
+                    <m:oMath xmlns:m="http://schemas.openxmlformats.org/officeDocument/2006/math">
+                      <m:sSub>
+                        <m:sSubPr>
+                          <m:ctrlPr>
+                            <a:rPr kumimoji="1" lang="en-US" altLang="zh-CN" b="0" i="1" smtClean="0">
+                              <a:latin typeface="Cambria Math" panose="02040503050406030204" pitchFamily="18" charset="0"/>
+                            </a:rPr>
+                          </m:ctrlPr>
+                        </m:sSubPr>
+                        <m:e>
+                          <m:r>
+                            <a:rPr kumimoji="1" lang="en-US" altLang="zh-CN" b="0" i="1" smtClean="0">
+                              <a:latin typeface="Cambria Math" panose="02040503050406030204" pitchFamily="18" charset="0"/>
+                            </a:rPr>
+                            <m:t>𝐿</m:t>
+                          </m:r>
+                        </m:e>
+                        <m:sub>
+                          <m:r>
+                            <a:rPr kumimoji="1" lang="en-US" altLang="zh-CN" b="0" i="1" smtClean="0">
+                              <a:latin typeface="Cambria Math" panose="02040503050406030204" pitchFamily="18" charset="0"/>
+                            </a:rPr>
+                            <m:t>𝑥</m:t>
+                          </m:r>
+                        </m:sub>
+                      </m:sSub>
+                      <m:r>
+                        <a:rPr kumimoji="1" lang="en-US" altLang="zh-CN" b="0" i="1" smtClean="0">
+                          <a:latin typeface="Cambria Math" panose="02040503050406030204" pitchFamily="18" charset="0"/>
+                        </a:rPr>
+                        <m:t>=16</m:t>
+                      </m:r>
+                    </m:oMath>
+                  </m:oMathPara>
+                </a14:m>
+                <a:endParaRPr kumimoji="1" lang="zh-CN" altLang="en-US" dirty="0"/>
+              </a:p>
+            </p:txBody>
+          </p:sp>
+        </mc:Choice>
+        <mc:Fallback xmlns="">
+          <p:sp>
+            <p:nvSpPr>
+              <p:cNvPr id="8" name="文本框 7">
+                <a:extLst>
+                  <a:ext uri="{FF2B5EF4-FFF2-40B4-BE49-F238E27FC236}">
+                    <a16:creationId xmlns:a16="http://schemas.microsoft.com/office/drawing/2014/main" id="{BC4A46D0-BFA4-9244-9D76-D04050B50FAC}"/>
+                  </a:ext>
+                </a:extLst>
+              </p:cNvPr>
+              <p:cNvSpPr txBox="1">
+                <a:spLocks noRot="1" noChangeAspect="1" noMove="1" noResize="1" noEditPoints="1" noAdjustHandles="1" noChangeArrowheads="1" noChangeShapeType="1" noTextEdit="1"/>
+              </p:cNvSpPr>
+              <p:nvPr/>
+            </p:nvSpPr>
+            <p:spPr>
+              <a:xfrm>
+                <a:off x="1298602" y="825847"/>
+                <a:ext cx="857222" cy="276999"/>
+              </a:xfrm>
+              <a:prstGeom prst="rect">
+                <a:avLst/>
+              </a:prstGeom>
+              <a:blipFill>
+                <a:blip r:embed="rId4"/>
+                <a:stretch>
+                  <a:fillRect l="-5882" r="-5882" b="-8696"/>
+                </a:stretch>
+              </a:blipFill>
+            </p:spPr>
+            <p:txBody>
+              <a:bodyPr/>
+              <a:lstStyle/>
+              <a:p>
+                <a:r>
+                  <a:rPr lang="zh-CN" altLang="en-US">
+                    <a:noFill/>
+                  </a:rPr>
+                  <a:t> </a:t>
+                </a:r>
+              </a:p>
+            </p:txBody>
+          </p:sp>
+        </mc:Fallback>
+      </mc:AlternateContent>
+      <p:sp>
+        <p:nvSpPr>
+          <p:cNvPr id="9" name="文本框 8">
+            <a:extLst>
+              <a:ext uri="{FF2B5EF4-FFF2-40B4-BE49-F238E27FC236}">
+                <a16:creationId xmlns:a16="http://schemas.microsoft.com/office/drawing/2014/main" id="{9127A963-6077-2D42-BAFC-056342C3CE77}"/>
+              </a:ext>
+            </a:extLst>
+          </p:cNvPr>
+          <p:cNvSpPr txBox="1"/>
+          <p:nvPr/>
+        </p:nvSpPr>
+        <p:spPr>
+          <a:xfrm>
+            <a:off x="952821" y="1984166"/>
+            <a:ext cx="230521" cy="307777"/>
+          </a:xfrm>
+          <a:prstGeom prst="rect">
+            <a:avLst/>
+          </a:prstGeom>
+          <a:noFill/>
+        </p:spPr>
+        <p:txBody>
+          <a:bodyPr wrap="square" rtlCol="0">
+            <a:spAutoFit/>
+          </a:bodyPr>
+          <a:lstStyle/>
+          <a:p>
+            <a:r>
+              <a:rPr kumimoji="1" lang="en-US" altLang="zh-CN" sz="1400" dirty="0">
+                <a:latin typeface="Times New Roman" panose="02020603050405020304" pitchFamily="18" charset="0"/>
+                <a:cs typeface="Times New Roman" panose="02020603050405020304" pitchFamily="18" charset="0"/>
+              </a:rPr>
+              <a:t>4</a:t>
+            </a:r>
+            <a:endParaRPr kumimoji="1" lang="zh-CN" altLang="en-US" sz="1400" dirty="0">
+              <a:latin typeface="Times New Roman" panose="02020603050405020304" pitchFamily="18" charset="0"/>
+              <a:cs typeface="Times New Roman" panose="02020603050405020304" pitchFamily="18" charset="0"/>
+            </a:endParaRPr>
+          </a:p>
+        </p:txBody>
+      </p:sp>
+      <p:sp>
+        <p:nvSpPr>
+          <p:cNvPr id="10" name="文本框 9">
+            <a:extLst>
+              <a:ext uri="{FF2B5EF4-FFF2-40B4-BE49-F238E27FC236}">
+                <a16:creationId xmlns:a16="http://schemas.microsoft.com/office/drawing/2014/main" id="{41BDCF9E-1196-0347-8A68-74C25D29A2EE}"/>
+              </a:ext>
+            </a:extLst>
+          </p:cNvPr>
+          <p:cNvSpPr txBox="1"/>
+          <p:nvPr/>
+        </p:nvSpPr>
+        <p:spPr>
+          <a:xfrm>
+            <a:off x="4639876" y="1843546"/>
+            <a:ext cx="230521" cy="307777"/>
+          </a:xfrm>
+          <a:prstGeom prst="rect">
+            <a:avLst/>
+          </a:prstGeom>
+          <a:noFill/>
+        </p:spPr>
+        <p:txBody>
+          <a:bodyPr wrap="square" rtlCol="0">
+            <a:spAutoFit/>
+          </a:bodyPr>
+          <a:lstStyle/>
+          <a:p>
+            <a:r>
+              <a:rPr kumimoji="1" lang="en-US" altLang="zh-CN" sz="1400" dirty="0">
+                <a:latin typeface="Times New Roman" panose="02020603050405020304" pitchFamily="18" charset="0"/>
+                <a:cs typeface="Times New Roman" panose="02020603050405020304" pitchFamily="18" charset="0"/>
+              </a:rPr>
+              <a:t>8</a:t>
+            </a:r>
+            <a:endParaRPr kumimoji="1" lang="zh-CN" altLang="en-US" sz="1400" dirty="0">
+              <a:latin typeface="Times New Roman" panose="02020603050405020304" pitchFamily="18" charset="0"/>
+              <a:cs typeface="Times New Roman" panose="02020603050405020304" pitchFamily="18" charset="0"/>
+            </a:endParaRPr>
+          </a:p>
+        </p:txBody>
+      </p:sp>
+      <mc:AlternateContent xmlns:mc="http://schemas.openxmlformats.org/markup-compatibility/2006" xmlns:a14="http://schemas.microsoft.com/office/drawing/2010/main">
+        <mc:Choice Requires="a14">
+          <p:sp>
+            <p:nvSpPr>
+              <p:cNvPr id="11" name="文本框 10">
+                <a:extLst>
+                  <a:ext uri="{FF2B5EF4-FFF2-40B4-BE49-F238E27FC236}">
+                    <a16:creationId xmlns:a16="http://schemas.microsoft.com/office/drawing/2014/main" id="{1E1FB701-FC06-9645-BE54-EF8B104043AC}"/>
+                  </a:ext>
+                </a:extLst>
+              </p:cNvPr>
+              <p:cNvSpPr txBox="1"/>
+              <p:nvPr/>
+            </p:nvSpPr>
+            <p:spPr>
+              <a:xfrm>
+                <a:off x="3986734" y="691705"/>
+                <a:ext cx="857222" cy="276999"/>
+              </a:xfrm>
+              <a:prstGeom prst="rect">
+                <a:avLst/>
+              </a:prstGeom>
+              <a:noFill/>
+            </p:spPr>
+            <p:txBody>
+              <a:bodyPr wrap="none" lIns="0" tIns="0" rIns="0" bIns="0" rtlCol="0">
+                <a:spAutoFit/>
+              </a:bodyPr>
+              <a:lstStyle/>
+              <a:p>
+                <a:pPr/>
+                <a14:m>
+                  <m:oMathPara xmlns:m="http://schemas.openxmlformats.org/officeDocument/2006/math">
+                    <m:oMathParaPr>
+                      <m:jc m:val="centerGroup"/>
+                    </m:oMathParaPr>
+                    <m:oMath xmlns:m="http://schemas.openxmlformats.org/officeDocument/2006/math">
+                      <m:sSub>
+                        <m:sSubPr>
+                          <m:ctrlPr>
+                            <a:rPr kumimoji="1" lang="en-US" altLang="zh-CN" b="0" i="1" smtClean="0">
+                              <a:latin typeface="Cambria Math" panose="02040503050406030204" pitchFamily="18" charset="0"/>
+                            </a:rPr>
+                          </m:ctrlPr>
+                        </m:sSubPr>
+                        <m:e>
+                          <m:r>
+                            <a:rPr kumimoji="1" lang="en-US" altLang="zh-CN" b="0" i="1" smtClean="0">
+                              <a:latin typeface="Cambria Math" panose="02040503050406030204" pitchFamily="18" charset="0"/>
+                            </a:rPr>
+                            <m:t>𝐿</m:t>
+                          </m:r>
+                        </m:e>
+                        <m:sub>
+                          <m:r>
+                            <a:rPr kumimoji="1" lang="en-US" altLang="zh-CN" b="0" i="1" smtClean="0">
+                              <a:latin typeface="Cambria Math" panose="02040503050406030204" pitchFamily="18" charset="0"/>
+                            </a:rPr>
+                            <m:t>𝑥</m:t>
+                          </m:r>
+                        </m:sub>
+                      </m:sSub>
+                      <m:r>
+                        <a:rPr kumimoji="1" lang="en-US" altLang="zh-CN" b="0" i="1" smtClean="0">
+                          <a:latin typeface="Cambria Math" panose="02040503050406030204" pitchFamily="18" charset="0"/>
+                        </a:rPr>
+                        <m:t>=24</m:t>
+                      </m:r>
+                    </m:oMath>
+                  </m:oMathPara>
+                </a14:m>
+                <a:endParaRPr kumimoji="1" lang="zh-CN" altLang="en-US" dirty="0"/>
+              </a:p>
+            </p:txBody>
+          </p:sp>
+        </mc:Choice>
+        <mc:Fallback xmlns="">
+          <p:sp>
+            <p:nvSpPr>
+              <p:cNvPr id="11" name="文本框 10">
+                <a:extLst>
+                  <a:ext uri="{FF2B5EF4-FFF2-40B4-BE49-F238E27FC236}">
+                    <a16:creationId xmlns:a16="http://schemas.microsoft.com/office/drawing/2014/main" id="{1E1FB701-FC06-9645-BE54-EF8B104043AC}"/>
+                  </a:ext>
+                </a:extLst>
+              </p:cNvPr>
+              <p:cNvSpPr txBox="1">
+                <a:spLocks noRot="1" noChangeAspect="1" noMove="1" noResize="1" noEditPoints="1" noAdjustHandles="1" noChangeArrowheads="1" noChangeShapeType="1" noTextEdit="1"/>
+              </p:cNvSpPr>
+              <p:nvPr/>
+            </p:nvSpPr>
+            <p:spPr>
+              <a:xfrm>
+                <a:off x="3986734" y="691705"/>
+                <a:ext cx="857222" cy="276999"/>
+              </a:xfrm>
+              <a:prstGeom prst="rect">
+                <a:avLst/>
+              </a:prstGeom>
+              <a:blipFill>
+                <a:blip r:embed="rId5"/>
+                <a:stretch>
+                  <a:fillRect l="-4348" r="-4348" b="-8696"/>
+                </a:stretch>
+              </a:blipFill>
+            </p:spPr>
+            <p:txBody>
+              <a:bodyPr/>
+              <a:lstStyle/>
+              <a:p>
+                <a:r>
+                  <a:rPr lang="zh-CN" altLang="en-US">
+                    <a:noFill/>
+                  </a:rPr>
+                  <a:t> </a:t>
+                </a:r>
+              </a:p>
+            </p:txBody>
+          </p:sp>
+        </mc:Fallback>
+      </mc:AlternateContent>
+      <p:pic>
+        <p:nvPicPr>
+          <p:cNvPr id="12" name="图片 11">
+            <a:extLst>
+              <a:ext uri="{FF2B5EF4-FFF2-40B4-BE49-F238E27FC236}">
+                <a16:creationId xmlns:a16="http://schemas.microsoft.com/office/drawing/2014/main" id="{06F1DE40-DA22-884D-A395-57A24BF3BFCF}"/>
+              </a:ext>
+            </a:extLst>
+          </p:cNvPr>
+          <p:cNvPicPr>
+            <a:picLocks noChangeAspect="1"/>
+          </p:cNvPicPr>
+          <p:nvPr/>
+        </p:nvPicPr>
+        <p:blipFill>
+          <a:blip r:embed="rId6"/>
+          <a:stretch>
+            <a:fillRect/>
+          </a:stretch>
+        </p:blipFill>
+        <p:spPr>
+          <a:xfrm>
+            <a:off x="7415092" y="1141315"/>
+            <a:ext cx="4455460" cy="3132992"/>
+          </a:xfrm>
+          <a:prstGeom prst="rect">
+            <a:avLst/>
+          </a:prstGeom>
+        </p:spPr>
+      </p:pic>
+      <p:sp>
+        <p:nvSpPr>
+          <p:cNvPr id="13" name="椭圆 12">
+            <a:extLst>
+              <a:ext uri="{FF2B5EF4-FFF2-40B4-BE49-F238E27FC236}">
+                <a16:creationId xmlns:a16="http://schemas.microsoft.com/office/drawing/2014/main" id="{38B0311F-8905-F945-9DEC-DD38E492A4DE}"/>
+              </a:ext>
+            </a:extLst>
+          </p:cNvPr>
+          <p:cNvSpPr/>
+          <p:nvPr/>
+        </p:nvSpPr>
+        <p:spPr>
+          <a:xfrm>
+            <a:off x="8657346" y="1753645"/>
+            <a:ext cx="230521" cy="230521"/>
+          </a:xfrm>
+          <a:prstGeom prst="ellipse">
+            <a:avLst/>
+          </a:prstGeom>
+          <a:noFill/>
+          <a:ln w="38100">
+            <a:solidFill>
+              <a:srgbClr val="FF0000"/>
+            </a:solidFill>
+          </a:ln>
+        </p:spPr>
+        <p:style>
+          <a:lnRef idx="2">
+            <a:schemeClr val="accent1">
+              <a:shade val="50000"/>
+            </a:schemeClr>
+          </a:lnRef>
+          <a:fillRef idx="1">
+            <a:schemeClr val="accent1"/>
+          </a:fillRef>
+          <a:effectRef idx="0">
+            <a:schemeClr val="accent1"/>
+          </a:effectRef>
+          <a:fontRef idx="minor">
+            <a:schemeClr val="lt1"/>
+          </a:fontRef>
+        </p:style>
+        <p:txBody>
+          <a:bodyPr rtlCol="0" anchor="ctr"/>
+          <a:lstStyle/>
+          <a:p>
+            <a:pPr algn="ctr"/>
+            <a:endParaRPr kumimoji="1" lang="zh-CN" altLang="en-US"/>
+          </a:p>
+        </p:txBody>
+      </p:sp>
+      <p:sp>
+        <p:nvSpPr>
+          <p:cNvPr id="14" name="文本框 13">
+            <a:extLst>
+              <a:ext uri="{FF2B5EF4-FFF2-40B4-BE49-F238E27FC236}">
+                <a16:creationId xmlns:a16="http://schemas.microsoft.com/office/drawing/2014/main" id="{F5AE88DD-4C03-8641-A3FD-9000A37D2502}"/>
+              </a:ext>
+            </a:extLst>
+          </p:cNvPr>
+          <p:cNvSpPr txBox="1"/>
+          <p:nvPr/>
+        </p:nvSpPr>
+        <p:spPr>
+          <a:xfrm>
+            <a:off x="8657345" y="1997434"/>
+            <a:ext cx="230521" cy="307777"/>
+          </a:xfrm>
+          <a:prstGeom prst="rect">
+            <a:avLst/>
+          </a:prstGeom>
+          <a:noFill/>
+        </p:spPr>
+        <p:txBody>
+          <a:bodyPr wrap="square" rtlCol="0">
+            <a:spAutoFit/>
+          </a:bodyPr>
+          <a:lstStyle/>
+          <a:p>
+            <a:r>
+              <a:rPr kumimoji="1" lang="en-US" altLang="zh-CN" sz="1400" dirty="0">
+                <a:latin typeface="Times New Roman" panose="02020603050405020304" pitchFamily="18" charset="0"/>
+                <a:cs typeface="Times New Roman" panose="02020603050405020304" pitchFamily="18" charset="0"/>
+              </a:rPr>
+              <a:t>8</a:t>
+            </a:r>
+            <a:endParaRPr kumimoji="1" lang="zh-CN" altLang="en-US" sz="1400" dirty="0">
+              <a:latin typeface="Times New Roman" panose="02020603050405020304" pitchFamily="18" charset="0"/>
+              <a:cs typeface="Times New Roman" panose="02020603050405020304" pitchFamily="18" charset="0"/>
+            </a:endParaRPr>
+          </a:p>
+        </p:txBody>
+      </p:sp>
+      <mc:AlternateContent xmlns:mc="http://schemas.openxmlformats.org/markup-compatibility/2006" xmlns:a14="http://schemas.microsoft.com/office/drawing/2010/main">
+        <mc:Choice Requires="a14">
+          <p:sp>
+            <p:nvSpPr>
+              <p:cNvPr id="15" name="文本框 14">
+                <a:extLst>
+                  <a:ext uri="{FF2B5EF4-FFF2-40B4-BE49-F238E27FC236}">
+                    <a16:creationId xmlns:a16="http://schemas.microsoft.com/office/drawing/2014/main" id="{3832E488-CF45-4F42-98BB-40BF98AB61F6}"/>
+                  </a:ext>
+                </a:extLst>
+              </p:cNvPr>
+              <p:cNvSpPr txBox="1"/>
+              <p:nvPr/>
+            </p:nvSpPr>
+            <p:spPr>
+              <a:xfrm>
+                <a:off x="9064600" y="710444"/>
+                <a:ext cx="857222" cy="276999"/>
+              </a:xfrm>
+              <a:prstGeom prst="rect">
+                <a:avLst/>
+              </a:prstGeom>
+              <a:noFill/>
+            </p:spPr>
+            <p:txBody>
+              <a:bodyPr wrap="none" lIns="0" tIns="0" rIns="0" bIns="0" rtlCol="0">
+                <a:spAutoFit/>
+              </a:bodyPr>
+              <a:lstStyle/>
+              <a:p>
+                <a:pPr/>
+                <a14:m>
+                  <m:oMathPara xmlns:m="http://schemas.openxmlformats.org/officeDocument/2006/math">
+                    <m:oMathParaPr>
+                      <m:jc m:val="centerGroup"/>
+                    </m:oMathParaPr>
+                    <m:oMath xmlns:m="http://schemas.openxmlformats.org/officeDocument/2006/math">
+                      <m:sSub>
+                        <m:sSubPr>
+                          <m:ctrlPr>
+                            <a:rPr kumimoji="1" lang="en-US" altLang="zh-CN" b="0" i="1" smtClean="0">
+                              <a:latin typeface="Cambria Math" panose="02040503050406030204" pitchFamily="18" charset="0"/>
+                            </a:rPr>
+                          </m:ctrlPr>
+                        </m:sSubPr>
+                        <m:e>
+                          <m:r>
+                            <a:rPr kumimoji="1" lang="en-US" altLang="zh-CN" b="0" i="1" smtClean="0">
+                              <a:latin typeface="Cambria Math" panose="02040503050406030204" pitchFamily="18" charset="0"/>
+                            </a:rPr>
+                            <m:t>𝐿</m:t>
+                          </m:r>
+                        </m:e>
+                        <m:sub>
+                          <m:r>
+                            <a:rPr kumimoji="1" lang="en-US" altLang="zh-CN" b="0" i="1" smtClean="0">
+                              <a:latin typeface="Cambria Math" panose="02040503050406030204" pitchFamily="18" charset="0"/>
+                            </a:rPr>
+                            <m:t>𝑥</m:t>
+                          </m:r>
+                        </m:sub>
+                      </m:sSub>
+                      <m:r>
+                        <a:rPr kumimoji="1" lang="en-US" altLang="zh-CN" b="0" i="1" smtClean="0">
+                          <a:latin typeface="Cambria Math" panose="02040503050406030204" pitchFamily="18" charset="0"/>
+                        </a:rPr>
+                        <m:t>=32</m:t>
+                      </m:r>
+                    </m:oMath>
+                  </m:oMathPara>
+                </a14:m>
+                <a:endParaRPr kumimoji="1" lang="zh-CN" altLang="en-US" dirty="0"/>
+              </a:p>
+            </p:txBody>
+          </p:sp>
+        </mc:Choice>
+        <mc:Fallback xmlns="">
+          <p:sp>
+            <p:nvSpPr>
+              <p:cNvPr id="15" name="文本框 14">
+                <a:extLst>
+                  <a:ext uri="{FF2B5EF4-FFF2-40B4-BE49-F238E27FC236}">
+                    <a16:creationId xmlns:a16="http://schemas.microsoft.com/office/drawing/2014/main" id="{3832E488-CF45-4F42-98BB-40BF98AB61F6}"/>
+                  </a:ext>
+                </a:extLst>
+              </p:cNvPr>
+              <p:cNvSpPr txBox="1">
+                <a:spLocks noRot="1" noChangeAspect="1" noMove="1" noResize="1" noEditPoints="1" noAdjustHandles="1" noChangeArrowheads="1" noChangeShapeType="1" noTextEdit="1"/>
+              </p:cNvSpPr>
+              <p:nvPr/>
+            </p:nvSpPr>
+            <p:spPr>
+              <a:xfrm>
+                <a:off x="9064600" y="710444"/>
+                <a:ext cx="857222" cy="276999"/>
+              </a:xfrm>
+              <a:prstGeom prst="rect">
+                <a:avLst/>
+              </a:prstGeom>
+              <a:blipFill>
+                <a:blip r:embed="rId7"/>
+                <a:stretch>
+                  <a:fillRect l="-4348" r="-4348" b="-9091"/>
+                </a:stretch>
+              </a:blipFill>
+            </p:spPr>
+            <p:txBody>
+              <a:bodyPr/>
+              <a:lstStyle/>
+              <a:p>
+                <a:r>
+                  <a:rPr lang="zh-CN" altLang="en-US">
+                    <a:noFill/>
+                  </a:rPr>
+                  <a:t> </a:t>
+                </a:r>
+              </a:p>
+            </p:txBody>
+          </p:sp>
+        </mc:Fallback>
+      </mc:AlternateContent>
+      <p:pic>
+        <p:nvPicPr>
+          <p:cNvPr id="17" name="图片 16">
+            <a:extLst>
+              <a:ext uri="{FF2B5EF4-FFF2-40B4-BE49-F238E27FC236}">
+                <a16:creationId xmlns:a16="http://schemas.microsoft.com/office/drawing/2014/main" id="{073C9F8B-2C33-2041-8424-C0725912D8FE}"/>
+              </a:ext>
+            </a:extLst>
+          </p:cNvPr>
+          <p:cNvPicPr>
+            <a:picLocks noChangeAspect="1"/>
+          </p:cNvPicPr>
+          <p:nvPr/>
+        </p:nvPicPr>
+        <p:blipFill>
+          <a:blip r:embed="rId8"/>
+          <a:stretch>
+            <a:fillRect/>
+          </a:stretch>
+        </p:blipFill>
+        <p:spPr>
+          <a:xfrm>
+            <a:off x="1183342" y="4192114"/>
+            <a:ext cx="5926311" cy="2675117"/>
+          </a:xfrm>
+          <a:prstGeom prst="rect">
+            <a:avLst/>
+          </a:prstGeom>
+        </p:spPr>
+      </p:pic>
+      <p:sp>
+        <p:nvSpPr>
+          <p:cNvPr id="18" name="椭圆 17">
+            <a:extLst>
+              <a:ext uri="{FF2B5EF4-FFF2-40B4-BE49-F238E27FC236}">
+                <a16:creationId xmlns:a16="http://schemas.microsoft.com/office/drawing/2014/main" id="{A1DB88F3-6F6B-CF4C-B7A9-C4E268012E03}"/>
+              </a:ext>
+            </a:extLst>
+          </p:cNvPr>
+          <p:cNvSpPr/>
+          <p:nvPr/>
+        </p:nvSpPr>
+        <p:spPr>
+          <a:xfrm>
+            <a:off x="2839252" y="4856714"/>
+            <a:ext cx="230521" cy="230521"/>
+          </a:xfrm>
+          <a:prstGeom prst="ellipse">
+            <a:avLst/>
+          </a:prstGeom>
+          <a:noFill/>
+          <a:ln w="38100">
+            <a:solidFill>
+              <a:srgbClr val="FF0000"/>
+            </a:solidFill>
+          </a:ln>
+        </p:spPr>
+        <p:style>
+          <a:lnRef idx="2">
+            <a:schemeClr val="accent1">
+              <a:shade val="50000"/>
+            </a:schemeClr>
+          </a:lnRef>
+          <a:fillRef idx="1">
+            <a:schemeClr val="accent1"/>
+          </a:fillRef>
+          <a:effectRef idx="0">
+            <a:schemeClr val="accent1"/>
+          </a:effectRef>
+          <a:fontRef idx="minor">
+            <a:schemeClr val="lt1"/>
+          </a:fontRef>
+        </p:style>
+        <p:txBody>
+          <a:bodyPr rtlCol="0" anchor="ctr"/>
+          <a:lstStyle/>
+          <a:p>
+            <a:pPr algn="ctr"/>
+            <a:endParaRPr kumimoji="1" lang="zh-CN" altLang="en-US"/>
+          </a:p>
+        </p:txBody>
+      </p:sp>
+      <mc:AlternateContent xmlns:mc="http://schemas.openxmlformats.org/markup-compatibility/2006" xmlns:a14="http://schemas.microsoft.com/office/drawing/2010/main">
+        <mc:Choice Requires="a14">
+          <p:sp>
+            <p:nvSpPr>
+              <p:cNvPr id="19" name="文本框 18">
+                <a:extLst>
+                  <a:ext uri="{FF2B5EF4-FFF2-40B4-BE49-F238E27FC236}">
+                    <a16:creationId xmlns:a16="http://schemas.microsoft.com/office/drawing/2014/main" id="{2A669481-3017-214A-874C-9615CD1C1DBD}"/>
+                  </a:ext>
+                </a:extLst>
+              </p:cNvPr>
+              <p:cNvSpPr txBox="1"/>
+              <p:nvPr/>
+            </p:nvSpPr>
+            <p:spPr>
+              <a:xfrm>
+                <a:off x="3461659" y="3911130"/>
+                <a:ext cx="857222" cy="276999"/>
+              </a:xfrm>
+              <a:prstGeom prst="rect">
+                <a:avLst/>
+              </a:prstGeom>
+              <a:noFill/>
+            </p:spPr>
+            <p:txBody>
+              <a:bodyPr wrap="none" lIns="0" tIns="0" rIns="0" bIns="0" rtlCol="0">
+                <a:spAutoFit/>
+              </a:bodyPr>
+              <a:lstStyle/>
+              <a:p>
+                <a:pPr/>
+                <a14:m>
+                  <m:oMathPara xmlns:m="http://schemas.openxmlformats.org/officeDocument/2006/math">
+                    <m:oMathParaPr>
+                      <m:jc m:val="centerGroup"/>
+                    </m:oMathParaPr>
+                    <m:oMath xmlns:m="http://schemas.openxmlformats.org/officeDocument/2006/math">
+                      <m:sSub>
+                        <m:sSubPr>
+                          <m:ctrlPr>
+                            <a:rPr kumimoji="1" lang="en-US" altLang="zh-CN" b="0" i="1" smtClean="0">
+                              <a:latin typeface="Cambria Math" panose="02040503050406030204" pitchFamily="18" charset="0"/>
+                            </a:rPr>
+                          </m:ctrlPr>
+                        </m:sSubPr>
+                        <m:e>
+                          <m:r>
+                            <a:rPr kumimoji="1" lang="en-US" altLang="zh-CN" b="0" i="1" smtClean="0">
+                              <a:latin typeface="Cambria Math" panose="02040503050406030204" pitchFamily="18" charset="0"/>
+                            </a:rPr>
+                            <m:t>𝐿</m:t>
+                          </m:r>
+                        </m:e>
+                        <m:sub>
+                          <m:r>
+                            <a:rPr kumimoji="1" lang="en-US" altLang="zh-CN" b="0" i="1" smtClean="0">
+                              <a:latin typeface="Cambria Math" panose="02040503050406030204" pitchFamily="18" charset="0"/>
+                            </a:rPr>
+                            <m:t>𝑥</m:t>
+                          </m:r>
+                        </m:sub>
+                      </m:sSub>
+                      <m:r>
+                        <a:rPr kumimoji="1" lang="en-US" altLang="zh-CN" b="0" i="1" smtClean="0">
+                          <a:latin typeface="Cambria Math" panose="02040503050406030204" pitchFamily="18" charset="0"/>
+                        </a:rPr>
+                        <m:t>=48</m:t>
+                      </m:r>
+                    </m:oMath>
+                  </m:oMathPara>
+                </a14:m>
+                <a:endParaRPr kumimoji="1" lang="zh-CN" altLang="en-US" dirty="0"/>
+              </a:p>
+            </p:txBody>
+          </p:sp>
+        </mc:Choice>
+        <mc:Fallback xmlns="">
+          <p:sp>
+            <p:nvSpPr>
+              <p:cNvPr id="19" name="文本框 18">
+                <a:extLst>
+                  <a:ext uri="{FF2B5EF4-FFF2-40B4-BE49-F238E27FC236}">
+                    <a16:creationId xmlns:a16="http://schemas.microsoft.com/office/drawing/2014/main" id="{2A669481-3017-214A-874C-9615CD1C1DBD}"/>
+                  </a:ext>
+                </a:extLst>
+              </p:cNvPr>
+              <p:cNvSpPr txBox="1">
+                <a:spLocks noRot="1" noChangeAspect="1" noMove="1" noResize="1" noEditPoints="1" noAdjustHandles="1" noChangeArrowheads="1" noChangeShapeType="1" noTextEdit="1"/>
+              </p:cNvSpPr>
+              <p:nvPr/>
+            </p:nvSpPr>
+            <p:spPr>
+              <a:xfrm>
+                <a:off x="3461659" y="3911130"/>
+                <a:ext cx="857222" cy="276999"/>
+              </a:xfrm>
+              <a:prstGeom prst="rect">
+                <a:avLst/>
+              </a:prstGeom>
+              <a:blipFill>
+                <a:blip r:embed="rId9"/>
+                <a:stretch>
+                  <a:fillRect l="-5882" r="-5882" b="-9091"/>
+                </a:stretch>
+              </a:blipFill>
+            </p:spPr>
+            <p:txBody>
+              <a:bodyPr/>
+              <a:lstStyle/>
+              <a:p>
+                <a:r>
+                  <a:rPr lang="zh-CN" altLang="en-US">
+                    <a:noFill/>
+                  </a:rPr>
+                  <a:t> </a:t>
+                </a:r>
+              </a:p>
+            </p:txBody>
+          </p:sp>
+        </mc:Fallback>
+      </mc:AlternateContent>
+      <p:sp>
+        <p:nvSpPr>
+          <p:cNvPr id="20" name="文本框 19">
+            <a:extLst>
+              <a:ext uri="{FF2B5EF4-FFF2-40B4-BE49-F238E27FC236}">
+                <a16:creationId xmlns:a16="http://schemas.microsoft.com/office/drawing/2014/main" id="{4DB44AD2-5AC5-1B49-8527-98CF946BB1E2}"/>
+              </a:ext>
+            </a:extLst>
+          </p:cNvPr>
+          <p:cNvSpPr txBox="1"/>
+          <p:nvPr/>
+        </p:nvSpPr>
+        <p:spPr>
+          <a:xfrm>
+            <a:off x="2765619" y="5087235"/>
+            <a:ext cx="377786" cy="307777"/>
+          </a:xfrm>
+          <a:prstGeom prst="rect">
+            <a:avLst/>
+          </a:prstGeom>
+          <a:noFill/>
+        </p:spPr>
+        <p:txBody>
+          <a:bodyPr wrap="square" rtlCol="0">
+            <a:spAutoFit/>
+          </a:bodyPr>
+          <a:lstStyle/>
+          <a:p>
+            <a:r>
+              <a:rPr kumimoji="1" lang="en-US" altLang="zh-CN" sz="1400" dirty="0">
+                <a:latin typeface="Times New Roman" panose="02020603050405020304" pitchFamily="18" charset="0"/>
+                <a:cs typeface="Times New Roman" panose="02020603050405020304" pitchFamily="18" charset="0"/>
+              </a:rPr>
+              <a:t>12</a:t>
+            </a:r>
+            <a:endParaRPr kumimoji="1" lang="zh-CN" altLang="en-US" sz="1400" dirty="0">
+              <a:latin typeface="Times New Roman" panose="02020603050405020304" pitchFamily="18" charset="0"/>
+              <a:cs typeface="Times New Roman" panose="02020603050405020304" pitchFamily="18" charset="0"/>
+            </a:endParaRPr>
+          </a:p>
+        </p:txBody>
+      </p:sp>
+    </p:spTree>
+    <p:extLst>
+      <p:ext uri="{BB962C8B-B14F-4D97-AF65-F5344CB8AC3E}">
+        <p14:creationId xmlns:p14="http://schemas.microsoft.com/office/powerpoint/2010/main" val="2471626849"/>
       </p:ext>
     </p:extLst>
   </p:cSld>

--- a/note/SSH-Hubbard-Note6.pptx
+++ b/note/SSH-Hubbard-Note6.pptx
@@ -5,23 +5,25 @@
     <p:sldMasterId id="2147483648" r:id="rId1"/>
   </p:sldMasterIdLst>
   <p:notesMasterIdLst>
-    <p:notesMasterId r:id="rId16"/>
+    <p:notesMasterId r:id="rId18"/>
   </p:notesMasterIdLst>
   <p:sldIdLst>
     <p:sldId id="257" r:id="rId2"/>
     <p:sldId id="261" r:id="rId3"/>
     <p:sldId id="263" r:id="rId4"/>
     <p:sldId id="262" r:id="rId5"/>
-    <p:sldId id="260" r:id="rId6"/>
-    <p:sldId id="265" r:id="rId7"/>
-    <p:sldId id="267" r:id="rId8"/>
-    <p:sldId id="270" r:id="rId9"/>
-    <p:sldId id="269" r:id="rId10"/>
-    <p:sldId id="264" r:id="rId11"/>
-    <p:sldId id="266" r:id="rId12"/>
-    <p:sldId id="268" r:id="rId13"/>
-    <p:sldId id="258" r:id="rId14"/>
-    <p:sldId id="259" r:id="rId15"/>
+    <p:sldId id="271" r:id="rId6"/>
+    <p:sldId id="260" r:id="rId7"/>
+    <p:sldId id="272" r:id="rId8"/>
+    <p:sldId id="273" r:id="rId9"/>
+    <p:sldId id="265" r:id="rId10"/>
+    <p:sldId id="267" r:id="rId11"/>
+    <p:sldId id="270" r:id="rId12"/>
+    <p:sldId id="259" r:id="rId13"/>
+    <p:sldId id="264" r:id="rId14"/>
+    <p:sldId id="266" r:id="rId15"/>
+    <p:sldId id="268" r:id="rId16"/>
+    <p:sldId id="258" r:id="rId17"/>
   </p:sldIdLst>
   <p:sldSz cx="12192000" cy="6858000"/>
   <p:notesSz cx="6858000" cy="9144000"/>
@@ -210,7 +212,7 @@
           <a:p>
             <a:fld id="{F66D3945-E88B-024D-B052-6EEDA3375027}" type="datetimeFigureOut">
               <a:rPr kumimoji="1" lang="zh-CN" altLang="en-US" smtClean="0"/>
-              <a:t>2021/12/27</a:t>
+              <a:t>2022/1/10</a:t>
             </a:fld>
             <a:endParaRPr kumimoji="1" lang="zh-CN" altLang="en-US"/>
           </a:p>
@@ -626,7 +628,7 @@
           <a:p>
             <a:fld id="{3AFE1981-4DD2-264A-BF2C-1D36B0D30F3E}" type="slidenum">
               <a:rPr kumimoji="1" lang="zh-CN" altLang="en-US" smtClean="0"/>
-              <a:t>6</a:t>
+              <a:t>9</a:t>
             </a:fld>
             <a:endParaRPr kumimoji="1" lang="zh-CN" altLang="en-US"/>
           </a:p>
@@ -792,7 +794,7 @@
           <a:p>
             <a:fld id="{7EC9D4B1-B320-B74E-A342-105CA0158066}" type="datetimeFigureOut">
               <a:rPr kumimoji="1" lang="zh-CN" altLang="en-US" smtClean="0"/>
-              <a:t>2021/12/27</a:t>
+              <a:t>2022/1/10</a:t>
             </a:fld>
             <a:endParaRPr kumimoji="1" lang="zh-CN" altLang="en-US"/>
           </a:p>
@@ -990,7 +992,7 @@
           <a:p>
             <a:fld id="{7EC9D4B1-B320-B74E-A342-105CA0158066}" type="datetimeFigureOut">
               <a:rPr kumimoji="1" lang="zh-CN" altLang="en-US" smtClean="0"/>
-              <a:t>2021/12/27</a:t>
+              <a:t>2022/1/10</a:t>
             </a:fld>
             <a:endParaRPr kumimoji="1" lang="zh-CN" altLang="en-US"/>
           </a:p>
@@ -1198,7 +1200,7 @@
           <a:p>
             <a:fld id="{7EC9D4B1-B320-B74E-A342-105CA0158066}" type="datetimeFigureOut">
               <a:rPr kumimoji="1" lang="zh-CN" altLang="en-US" smtClean="0"/>
-              <a:t>2021/12/27</a:t>
+              <a:t>2022/1/10</a:t>
             </a:fld>
             <a:endParaRPr kumimoji="1" lang="zh-CN" altLang="en-US"/>
           </a:p>
@@ -1396,7 +1398,7 @@
           <a:p>
             <a:fld id="{7EC9D4B1-B320-B74E-A342-105CA0158066}" type="datetimeFigureOut">
               <a:rPr kumimoji="1" lang="zh-CN" altLang="en-US" smtClean="0"/>
-              <a:t>2021/12/27</a:t>
+              <a:t>2022/1/10</a:t>
             </a:fld>
             <a:endParaRPr kumimoji="1" lang="zh-CN" altLang="en-US"/>
           </a:p>
@@ -1671,7 +1673,7 @@
           <a:p>
             <a:fld id="{7EC9D4B1-B320-B74E-A342-105CA0158066}" type="datetimeFigureOut">
               <a:rPr kumimoji="1" lang="zh-CN" altLang="en-US" smtClean="0"/>
-              <a:t>2021/12/27</a:t>
+              <a:t>2022/1/10</a:t>
             </a:fld>
             <a:endParaRPr kumimoji="1" lang="zh-CN" altLang="en-US"/>
           </a:p>
@@ -1936,7 +1938,7 @@
           <a:p>
             <a:fld id="{7EC9D4B1-B320-B74E-A342-105CA0158066}" type="datetimeFigureOut">
               <a:rPr kumimoji="1" lang="zh-CN" altLang="en-US" smtClean="0"/>
-              <a:t>2021/12/27</a:t>
+              <a:t>2022/1/10</a:t>
             </a:fld>
             <a:endParaRPr kumimoji="1" lang="zh-CN" altLang="en-US"/>
           </a:p>
@@ -2348,7 +2350,7 @@
           <a:p>
             <a:fld id="{7EC9D4B1-B320-B74E-A342-105CA0158066}" type="datetimeFigureOut">
               <a:rPr kumimoji="1" lang="zh-CN" altLang="en-US" smtClean="0"/>
-              <a:t>2021/12/27</a:t>
+              <a:t>2022/1/10</a:t>
             </a:fld>
             <a:endParaRPr kumimoji="1" lang="zh-CN" altLang="en-US"/>
           </a:p>
@@ -2489,7 +2491,7 @@
           <a:p>
             <a:fld id="{7EC9D4B1-B320-B74E-A342-105CA0158066}" type="datetimeFigureOut">
               <a:rPr kumimoji="1" lang="zh-CN" altLang="en-US" smtClean="0"/>
-              <a:t>2021/12/27</a:t>
+              <a:t>2022/1/10</a:t>
             </a:fld>
             <a:endParaRPr kumimoji="1" lang="zh-CN" altLang="en-US"/>
           </a:p>
@@ -2602,7 +2604,7 @@
           <a:p>
             <a:fld id="{7EC9D4B1-B320-B74E-A342-105CA0158066}" type="datetimeFigureOut">
               <a:rPr kumimoji="1" lang="zh-CN" altLang="en-US" smtClean="0"/>
-              <a:t>2021/12/27</a:t>
+              <a:t>2022/1/10</a:t>
             </a:fld>
             <a:endParaRPr kumimoji="1" lang="zh-CN" altLang="en-US"/>
           </a:p>
@@ -2913,7 +2915,7 @@
           <a:p>
             <a:fld id="{7EC9D4B1-B320-B74E-A342-105CA0158066}" type="datetimeFigureOut">
               <a:rPr kumimoji="1" lang="zh-CN" altLang="en-US" smtClean="0"/>
-              <a:t>2021/12/27</a:t>
+              <a:t>2022/1/10</a:t>
             </a:fld>
             <a:endParaRPr kumimoji="1" lang="zh-CN" altLang="en-US"/>
           </a:p>
@@ -3201,7 +3203,7 @@
           <a:p>
             <a:fld id="{7EC9D4B1-B320-B74E-A342-105CA0158066}" type="datetimeFigureOut">
               <a:rPr kumimoji="1" lang="zh-CN" altLang="en-US" smtClean="0"/>
-              <a:t>2021/12/27</a:t>
+              <a:t>2022/1/10</a:t>
             </a:fld>
             <a:endParaRPr kumimoji="1" lang="zh-CN" altLang="en-US"/>
           </a:p>
@@ -3442,7 +3444,7 @@
           <a:p>
             <a:fld id="{7EC9D4B1-B320-B74E-A342-105CA0158066}" type="datetimeFigureOut">
               <a:rPr kumimoji="1" lang="zh-CN" altLang="en-US" smtClean="0"/>
-              <a:t>2021/12/27</a:t>
+              <a:t>2022/1/10</a:t>
             </a:fld>
             <a:endParaRPr kumimoji="1" lang="zh-CN" altLang="en-US"/>
           </a:p>
@@ -5614,6 +5616,2341 @@
           <a:chExt cx="0" cy="0"/>
         </a:xfrm>
       </p:grpSpPr>
+      <mc:AlternateContent xmlns:mc="http://schemas.openxmlformats.org/markup-compatibility/2006" xmlns:a14="http://schemas.microsoft.com/office/drawing/2010/main">
+        <mc:Choice Requires="a14">
+          <p:sp>
+            <p:nvSpPr>
+              <p:cNvPr id="2" name="标题 1">
+                <a:extLst>
+                  <a:ext uri="{FF2B5EF4-FFF2-40B4-BE49-F238E27FC236}">
+                    <a16:creationId xmlns:a16="http://schemas.microsoft.com/office/drawing/2014/main" id="{6221F7F7-84FA-214A-A5E1-734DFB212D2C}"/>
+                  </a:ext>
+                </a:extLst>
+              </p:cNvPr>
+              <p:cNvSpPr>
+                <a:spLocks noGrp="1"/>
+              </p:cNvSpPr>
+              <p:nvPr>
+                <p:ph type="title"/>
+              </p:nvPr>
+            </p:nvSpPr>
+            <p:spPr>
+              <a:xfrm>
+                <a:off x="465667" y="194240"/>
+                <a:ext cx="10515600" cy="881028"/>
+              </a:xfrm>
+            </p:spPr>
+            <p:txBody>
+              <a:bodyPr>
+                <a:normAutofit/>
+              </a:bodyPr>
+              <a:lstStyle/>
+              <a:p>
+                <a14:m>
+                  <m:oMath xmlns:m="http://schemas.openxmlformats.org/officeDocument/2006/math">
+                    <m:r>
+                      <a:rPr kumimoji="1" lang="en-US" altLang="zh-CN" sz="2800" b="0" i="1" dirty="0" smtClean="0">
+                        <a:latin typeface="Cambria Math" panose="02040503050406030204" pitchFamily="18" charset="0"/>
+                      </a:rPr>
+                      <m:t>𝜆</m:t>
+                    </m:r>
+                    <m:r>
+                      <a:rPr kumimoji="1" lang="en-US" altLang="zh-CN" sz="2800" i="1" dirty="0">
+                        <a:latin typeface="Cambria Math" panose="02040503050406030204" pitchFamily="18" charset="0"/>
+                      </a:rPr>
+                      <m:t>=0.3, </m:t>
+                    </m:r>
+                    <m:sSub>
+                      <m:sSubPr>
+                        <m:ctrlPr>
+                          <a:rPr kumimoji="1" lang="en-US" altLang="zh-CN" sz="2800" b="0" i="1" dirty="0" smtClean="0">
+                            <a:latin typeface="Cambria Math" panose="02040503050406030204" pitchFamily="18" charset="0"/>
+                          </a:rPr>
+                        </m:ctrlPr>
+                      </m:sSubPr>
+                      <m:e>
+                        <m:r>
+                          <a:rPr kumimoji="1" lang="en-US" altLang="zh-CN" sz="2800" i="1" dirty="0">
+                            <a:latin typeface="Cambria Math" panose="02040503050406030204" pitchFamily="18" charset="0"/>
+                          </a:rPr>
+                          <m:t>𝐿</m:t>
+                        </m:r>
+                      </m:e>
+                      <m:sub>
+                        <m:r>
+                          <a:rPr kumimoji="1" lang="en-US" altLang="zh-CN" sz="2800" i="1" dirty="0">
+                            <a:latin typeface="Cambria Math" panose="02040503050406030204" pitchFamily="18" charset="0"/>
+                          </a:rPr>
+                          <m:t>𝑥</m:t>
+                        </m:r>
+                      </m:sub>
+                    </m:sSub>
+                    <m:r>
+                      <a:rPr kumimoji="1" lang="en-US" altLang="zh-CN" sz="2800" i="1" dirty="0">
+                        <a:latin typeface="Cambria Math" panose="02040503050406030204" pitchFamily="18" charset="0"/>
+                      </a:rPr>
+                      <m:t>=48, </m:t>
+                    </m:r>
+                    <m:r>
+                      <a:rPr kumimoji="1" lang="en-US" altLang="zh-CN" sz="2800" b="0" i="1" dirty="0" smtClean="0">
+                        <a:latin typeface="Cambria Math" panose="02040503050406030204" pitchFamily="18" charset="0"/>
+                      </a:rPr>
+                      <m:t>𝐷</m:t>
+                    </m:r>
+                    <m:r>
+                      <a:rPr kumimoji="1" lang="en-US" altLang="zh-CN" sz="2800" i="1" dirty="0">
+                        <a:latin typeface="Cambria Math" panose="02040503050406030204" pitchFamily="18" charset="0"/>
+                      </a:rPr>
+                      <m:t>=8000</m:t>
+                    </m:r>
+                  </m:oMath>
+                </a14:m>
+                <a:r>
+                  <a:rPr kumimoji="1" lang="en-US" altLang="zh-CN" sz="2800" dirty="0">
+                    <a:latin typeface="Arial Hebrew" pitchFamily="2" charset="-79"/>
+                    <a:cs typeface="Arial Hebrew" pitchFamily="2" charset="-79"/>
+                  </a:rPr>
+                  <a:t>, compare s-wave and d-wave</a:t>
+                </a:r>
+                <a:endParaRPr kumimoji="1" lang="zh-CN" altLang="en-US" sz="2800" dirty="0">
+                  <a:latin typeface="Arial Hebrew" pitchFamily="2" charset="-79"/>
+                  <a:cs typeface="Arial Hebrew" pitchFamily="2" charset="-79"/>
+                </a:endParaRPr>
+              </a:p>
+            </p:txBody>
+          </p:sp>
+        </mc:Choice>
+        <mc:Fallback xmlns="">
+          <p:sp>
+            <p:nvSpPr>
+              <p:cNvPr id="2" name="标题 1">
+                <a:extLst>
+                  <a:ext uri="{FF2B5EF4-FFF2-40B4-BE49-F238E27FC236}">
+                    <a16:creationId xmlns:a16="http://schemas.microsoft.com/office/drawing/2014/main" id="{6221F7F7-84FA-214A-A5E1-734DFB212D2C}"/>
+                  </a:ext>
+                </a:extLst>
+              </p:cNvPr>
+              <p:cNvSpPr>
+                <a:spLocks noGrp="1" noRot="1" noChangeAspect="1" noMove="1" noResize="1" noEditPoints="1" noAdjustHandles="1" noChangeArrowheads="1" noChangeShapeType="1" noTextEdit="1"/>
+              </p:cNvSpPr>
+              <p:nvPr>
+                <p:ph type="title"/>
+              </p:nvPr>
+            </p:nvSpPr>
+            <p:spPr>
+              <a:xfrm>
+                <a:off x="465667" y="194240"/>
+                <a:ext cx="10515600" cy="881028"/>
+              </a:xfrm>
+              <a:blipFill>
+                <a:blip r:embed="rId2"/>
+                <a:stretch>
+                  <a:fillRect l="-362"/>
+                </a:stretch>
+              </a:blipFill>
+            </p:spPr>
+            <p:txBody>
+              <a:bodyPr/>
+              <a:lstStyle/>
+              <a:p>
+                <a:r>
+                  <a:rPr lang="zh-CN" altLang="en-US">
+                    <a:noFill/>
+                  </a:rPr>
+                  <a:t> </a:t>
+                </a:r>
+              </a:p>
+            </p:txBody>
+          </p:sp>
+        </mc:Fallback>
+      </mc:AlternateContent>
+      <p:pic>
+        <p:nvPicPr>
+          <p:cNvPr id="3" name="图片 2">
+            <a:extLst>
+              <a:ext uri="{FF2B5EF4-FFF2-40B4-BE49-F238E27FC236}">
+                <a16:creationId xmlns:a16="http://schemas.microsoft.com/office/drawing/2014/main" id="{6E4300BD-CA5A-7A43-A2C2-4358E88C08F7}"/>
+              </a:ext>
+            </a:extLst>
+          </p:cNvPr>
+          <p:cNvPicPr>
+            <a:picLocks noChangeAspect="1"/>
+          </p:cNvPicPr>
+          <p:nvPr/>
+        </p:nvPicPr>
+        <p:blipFill>
+          <a:blip r:embed="rId3"/>
+          <a:stretch>
+            <a:fillRect/>
+          </a:stretch>
+        </p:blipFill>
+        <p:spPr>
+          <a:xfrm>
+            <a:off x="8019488" y="2223809"/>
+            <a:ext cx="4295696" cy="3332750"/>
+          </a:xfrm>
+          <a:prstGeom prst="rect">
+            <a:avLst/>
+          </a:prstGeom>
+        </p:spPr>
+      </p:pic>
+      <p:cxnSp>
+        <p:nvCxnSpPr>
+          <p:cNvPr id="6" name="直线箭头连接符 5">
+            <a:extLst>
+              <a:ext uri="{FF2B5EF4-FFF2-40B4-BE49-F238E27FC236}">
+                <a16:creationId xmlns:a16="http://schemas.microsoft.com/office/drawing/2014/main" id="{247A1376-C683-8B4A-90D7-358FABC2AA7F}"/>
+              </a:ext>
+            </a:extLst>
+          </p:cNvPr>
+          <p:cNvCxnSpPr/>
+          <p:nvPr/>
+        </p:nvCxnSpPr>
+        <p:spPr>
+          <a:xfrm>
+            <a:off x="355600" y="6426200"/>
+            <a:ext cx="11260667" cy="0"/>
+          </a:xfrm>
+          <a:prstGeom prst="straightConnector1">
+            <a:avLst/>
+          </a:prstGeom>
+          <a:ln w="28575">
+            <a:solidFill>
+              <a:schemeClr val="tx1"/>
+            </a:solidFill>
+            <a:tailEnd type="triangle"/>
+          </a:ln>
+        </p:spPr>
+        <p:style>
+          <a:lnRef idx="1">
+            <a:schemeClr val="dk1"/>
+          </a:lnRef>
+          <a:fillRef idx="0">
+            <a:schemeClr val="dk1"/>
+          </a:fillRef>
+          <a:effectRef idx="0">
+            <a:schemeClr val="dk1"/>
+          </a:effectRef>
+          <a:fontRef idx="minor">
+            <a:schemeClr val="tx1"/>
+          </a:fontRef>
+        </p:style>
+      </p:cxnSp>
+      <p:sp>
+        <p:nvSpPr>
+          <p:cNvPr id="7" name="椭圆 6">
+            <a:extLst>
+              <a:ext uri="{FF2B5EF4-FFF2-40B4-BE49-F238E27FC236}">
+                <a16:creationId xmlns:a16="http://schemas.microsoft.com/office/drawing/2014/main" id="{FF228E77-AC87-464B-AFB2-E9668EEF8D37}"/>
+              </a:ext>
+            </a:extLst>
+          </p:cNvPr>
+          <p:cNvSpPr/>
+          <p:nvPr/>
+        </p:nvSpPr>
+        <p:spPr>
+          <a:xfrm>
+            <a:off x="3824944" y="6307671"/>
+            <a:ext cx="211667" cy="211667"/>
+          </a:xfrm>
+          <a:prstGeom prst="ellipse">
+            <a:avLst/>
+          </a:prstGeom>
+          <a:solidFill>
+            <a:srgbClr val="FF0000"/>
+          </a:solidFill>
+          <a:ln>
+            <a:solidFill>
+              <a:srgbClr val="FF0000"/>
+            </a:solidFill>
+          </a:ln>
+        </p:spPr>
+        <p:style>
+          <a:lnRef idx="2">
+            <a:schemeClr val="accent1">
+              <a:shade val="50000"/>
+            </a:schemeClr>
+          </a:lnRef>
+          <a:fillRef idx="1">
+            <a:schemeClr val="accent1"/>
+          </a:fillRef>
+          <a:effectRef idx="0">
+            <a:schemeClr val="accent1"/>
+          </a:effectRef>
+          <a:fontRef idx="minor">
+            <a:schemeClr val="lt1"/>
+          </a:fontRef>
+        </p:style>
+        <p:txBody>
+          <a:bodyPr rtlCol="0" anchor="ctr"/>
+          <a:lstStyle/>
+          <a:p>
+            <a:pPr algn="ctr"/>
+            <a:endParaRPr kumimoji="1" lang="zh-CN" altLang="en-US"/>
+          </a:p>
+        </p:txBody>
+      </p:sp>
+      <p:sp>
+        <p:nvSpPr>
+          <p:cNvPr id="8" name="椭圆 7">
+            <a:extLst>
+              <a:ext uri="{FF2B5EF4-FFF2-40B4-BE49-F238E27FC236}">
+                <a16:creationId xmlns:a16="http://schemas.microsoft.com/office/drawing/2014/main" id="{F35B32A3-B16E-9949-B30B-F6DCA83A4876}"/>
+              </a:ext>
+            </a:extLst>
+          </p:cNvPr>
+          <p:cNvSpPr/>
+          <p:nvPr/>
+        </p:nvSpPr>
+        <p:spPr>
+          <a:xfrm>
+            <a:off x="5359401" y="6299196"/>
+            <a:ext cx="211667" cy="211667"/>
+          </a:xfrm>
+          <a:prstGeom prst="ellipse">
+            <a:avLst/>
+          </a:prstGeom>
+          <a:solidFill>
+            <a:srgbClr val="FF0000"/>
+          </a:solidFill>
+          <a:ln>
+            <a:solidFill>
+              <a:srgbClr val="FF0000"/>
+            </a:solidFill>
+          </a:ln>
+        </p:spPr>
+        <p:style>
+          <a:lnRef idx="2">
+            <a:schemeClr val="accent1">
+              <a:shade val="50000"/>
+            </a:schemeClr>
+          </a:lnRef>
+          <a:fillRef idx="1">
+            <a:schemeClr val="accent1"/>
+          </a:fillRef>
+          <a:effectRef idx="0">
+            <a:schemeClr val="accent1"/>
+          </a:effectRef>
+          <a:fontRef idx="minor">
+            <a:schemeClr val="lt1"/>
+          </a:fontRef>
+        </p:style>
+        <p:txBody>
+          <a:bodyPr rtlCol="0" anchor="ctr"/>
+          <a:lstStyle/>
+          <a:p>
+            <a:pPr algn="ctr"/>
+            <a:endParaRPr kumimoji="1" lang="zh-CN" altLang="en-US"/>
+          </a:p>
+        </p:txBody>
+      </p:sp>
+      <mc:AlternateContent xmlns:mc="http://schemas.openxmlformats.org/markup-compatibility/2006" xmlns:a14="http://schemas.microsoft.com/office/drawing/2010/main">
+        <mc:Choice Requires="a14">
+          <p:sp>
+            <p:nvSpPr>
+              <p:cNvPr id="9" name="文本框 8">
+                <a:extLst>
+                  <a:ext uri="{FF2B5EF4-FFF2-40B4-BE49-F238E27FC236}">
+                    <a16:creationId xmlns:a16="http://schemas.microsoft.com/office/drawing/2014/main" id="{3C17D2D0-EBAE-494E-8F02-E637C65706F7}"/>
+                  </a:ext>
+                </a:extLst>
+              </p:cNvPr>
+              <p:cNvSpPr txBox="1"/>
+              <p:nvPr/>
+            </p:nvSpPr>
+            <p:spPr>
+              <a:xfrm>
+                <a:off x="3845854" y="6564274"/>
+                <a:ext cx="190757" cy="276999"/>
+              </a:xfrm>
+              <a:prstGeom prst="rect">
+                <a:avLst/>
+              </a:prstGeom>
+              <a:noFill/>
+            </p:spPr>
+            <p:txBody>
+              <a:bodyPr wrap="none" lIns="0" tIns="0" rIns="0" bIns="0" rtlCol="0">
+                <a:spAutoFit/>
+              </a:bodyPr>
+              <a:lstStyle/>
+              <a:p>
+                <a:pPr/>
+                <a14:m>
+                  <m:oMathPara xmlns:m="http://schemas.openxmlformats.org/officeDocument/2006/math">
+                    <m:oMathParaPr>
+                      <m:jc m:val="centerGroup"/>
+                    </m:oMathParaPr>
+                    <m:oMath xmlns:m="http://schemas.openxmlformats.org/officeDocument/2006/math">
+                      <m:r>
+                        <a:rPr kumimoji="1" lang="en-US" altLang="zh-CN" b="0" i="1" smtClean="0">
+                          <a:latin typeface="Cambria Math" panose="02040503050406030204" pitchFamily="18" charset="0"/>
+                        </a:rPr>
+                        <m:t>3</m:t>
+                      </m:r>
+                    </m:oMath>
+                  </m:oMathPara>
+                </a14:m>
+                <a:endParaRPr kumimoji="1" lang="zh-CN" altLang="en-US" dirty="0"/>
+              </a:p>
+            </p:txBody>
+          </p:sp>
+        </mc:Choice>
+        <mc:Fallback xmlns="">
+          <p:sp>
+            <p:nvSpPr>
+              <p:cNvPr id="9" name="文本框 8">
+                <a:extLst>
+                  <a:ext uri="{FF2B5EF4-FFF2-40B4-BE49-F238E27FC236}">
+                    <a16:creationId xmlns:a16="http://schemas.microsoft.com/office/drawing/2014/main" id="{3C17D2D0-EBAE-494E-8F02-E637C65706F7}"/>
+                  </a:ext>
+                </a:extLst>
+              </p:cNvPr>
+              <p:cNvSpPr txBox="1">
+                <a:spLocks noRot="1" noChangeAspect="1" noMove="1" noResize="1" noEditPoints="1" noAdjustHandles="1" noChangeArrowheads="1" noChangeShapeType="1" noTextEdit="1"/>
+              </p:cNvSpPr>
+              <p:nvPr/>
+            </p:nvSpPr>
+            <p:spPr>
+              <a:xfrm>
+                <a:off x="3845854" y="6564274"/>
+                <a:ext cx="190757" cy="276999"/>
+              </a:xfrm>
+              <a:prstGeom prst="rect">
+                <a:avLst/>
+              </a:prstGeom>
+              <a:blipFill>
+                <a:blip r:embed="rId4"/>
+                <a:stretch>
+                  <a:fillRect l="-18750" r="-25000" b="-4348"/>
+                </a:stretch>
+              </a:blipFill>
+            </p:spPr>
+            <p:txBody>
+              <a:bodyPr/>
+              <a:lstStyle/>
+              <a:p>
+                <a:r>
+                  <a:rPr lang="zh-CN" altLang="en-US">
+                    <a:noFill/>
+                  </a:rPr>
+                  <a:t> </a:t>
+                </a:r>
+              </a:p>
+            </p:txBody>
+          </p:sp>
+        </mc:Fallback>
+      </mc:AlternateContent>
+      <mc:AlternateContent xmlns:mc="http://schemas.openxmlformats.org/markup-compatibility/2006" xmlns:a14="http://schemas.microsoft.com/office/drawing/2010/main">
+        <mc:Choice Requires="a14">
+          <p:sp>
+            <p:nvSpPr>
+              <p:cNvPr id="10" name="文本框 9">
+                <a:extLst>
+                  <a:ext uri="{FF2B5EF4-FFF2-40B4-BE49-F238E27FC236}">
+                    <a16:creationId xmlns:a16="http://schemas.microsoft.com/office/drawing/2014/main" id="{F36C51FD-44AB-2940-868B-0CA5EFE73EB2}"/>
+                  </a:ext>
+                </a:extLst>
+              </p:cNvPr>
+              <p:cNvSpPr txBox="1"/>
+              <p:nvPr/>
+            </p:nvSpPr>
+            <p:spPr>
+              <a:xfrm>
+                <a:off x="5380312" y="6553205"/>
+                <a:ext cx="190757" cy="276999"/>
+              </a:xfrm>
+              <a:prstGeom prst="rect">
+                <a:avLst/>
+              </a:prstGeom>
+              <a:noFill/>
+            </p:spPr>
+            <p:txBody>
+              <a:bodyPr wrap="none" lIns="0" tIns="0" rIns="0" bIns="0" rtlCol="0">
+                <a:spAutoFit/>
+              </a:bodyPr>
+              <a:lstStyle/>
+              <a:p>
+                <a:pPr/>
+                <a14:m>
+                  <m:oMathPara xmlns:m="http://schemas.openxmlformats.org/officeDocument/2006/math">
+                    <m:oMathParaPr>
+                      <m:jc m:val="centerGroup"/>
+                    </m:oMathParaPr>
+                    <m:oMath xmlns:m="http://schemas.openxmlformats.org/officeDocument/2006/math">
+                      <m:r>
+                        <a:rPr kumimoji="1" lang="en-US" altLang="zh-CN" b="0" i="1" smtClean="0">
+                          <a:latin typeface="Cambria Math" panose="02040503050406030204" pitchFamily="18" charset="0"/>
+                        </a:rPr>
+                        <m:t>4</m:t>
+                      </m:r>
+                    </m:oMath>
+                  </m:oMathPara>
+                </a14:m>
+                <a:endParaRPr kumimoji="1" lang="zh-CN" altLang="en-US" dirty="0"/>
+              </a:p>
+            </p:txBody>
+          </p:sp>
+        </mc:Choice>
+        <mc:Fallback xmlns="">
+          <p:sp>
+            <p:nvSpPr>
+              <p:cNvPr id="10" name="文本框 9">
+                <a:extLst>
+                  <a:ext uri="{FF2B5EF4-FFF2-40B4-BE49-F238E27FC236}">
+                    <a16:creationId xmlns:a16="http://schemas.microsoft.com/office/drawing/2014/main" id="{F36C51FD-44AB-2940-868B-0CA5EFE73EB2}"/>
+                  </a:ext>
+                </a:extLst>
+              </p:cNvPr>
+              <p:cNvSpPr txBox="1">
+                <a:spLocks noRot="1" noChangeAspect="1" noMove="1" noResize="1" noEditPoints="1" noAdjustHandles="1" noChangeArrowheads="1" noChangeShapeType="1" noTextEdit="1"/>
+              </p:cNvSpPr>
+              <p:nvPr/>
+            </p:nvSpPr>
+            <p:spPr>
+              <a:xfrm>
+                <a:off x="5380312" y="6553205"/>
+                <a:ext cx="190757" cy="276999"/>
+              </a:xfrm>
+              <a:prstGeom prst="rect">
+                <a:avLst/>
+              </a:prstGeom>
+              <a:blipFill>
+                <a:blip r:embed="rId6"/>
+                <a:stretch>
+                  <a:fillRect l="-18750" r="-25000" b="-9091"/>
+                </a:stretch>
+              </a:blipFill>
+            </p:spPr>
+            <p:txBody>
+              <a:bodyPr/>
+              <a:lstStyle/>
+              <a:p>
+                <a:r>
+                  <a:rPr lang="zh-CN" altLang="en-US">
+                    <a:noFill/>
+                  </a:rPr>
+                  <a:t> </a:t>
+                </a:r>
+              </a:p>
+            </p:txBody>
+          </p:sp>
+        </mc:Fallback>
+      </mc:AlternateContent>
+      <mc:AlternateContent xmlns:mc="http://schemas.openxmlformats.org/markup-compatibility/2006" xmlns:a14="http://schemas.microsoft.com/office/drawing/2010/main">
+        <mc:Choice Requires="a14">
+          <p:sp>
+            <p:nvSpPr>
+              <p:cNvPr id="11" name="文本框 10">
+                <a:extLst>
+                  <a:ext uri="{FF2B5EF4-FFF2-40B4-BE49-F238E27FC236}">
+                    <a16:creationId xmlns:a16="http://schemas.microsoft.com/office/drawing/2014/main" id="{CDABDEB0-9962-894A-8816-059BEEA0B6F8}"/>
+                  </a:ext>
+                </a:extLst>
+              </p:cNvPr>
+              <p:cNvSpPr txBox="1"/>
+              <p:nvPr/>
+            </p:nvSpPr>
+            <p:spPr>
+              <a:xfrm>
+                <a:off x="11616267" y="6405029"/>
+                <a:ext cx="410369" cy="369332"/>
+              </a:xfrm>
+              <a:prstGeom prst="rect">
+                <a:avLst/>
+              </a:prstGeom>
+              <a:noFill/>
+            </p:spPr>
+            <p:txBody>
+              <a:bodyPr wrap="none" rtlCol="0">
+                <a:spAutoFit/>
+              </a:bodyPr>
+              <a:lstStyle/>
+              <a:p>
+                <a:pPr/>
+                <a14:m>
+                  <m:oMathPara xmlns:m="http://schemas.openxmlformats.org/officeDocument/2006/math">
+                    <m:oMathParaPr>
+                      <m:jc m:val="centerGroup"/>
+                    </m:oMathParaPr>
+                    <m:oMath xmlns:m="http://schemas.openxmlformats.org/officeDocument/2006/math">
+                      <m:r>
+                        <a:rPr kumimoji="1" lang="en-US" altLang="zh-CN" b="0" i="1" smtClean="0">
+                          <a:latin typeface="Cambria Math" panose="02040503050406030204" pitchFamily="18" charset="0"/>
+                        </a:rPr>
+                        <m:t>𝑈</m:t>
+                      </m:r>
+                    </m:oMath>
+                  </m:oMathPara>
+                </a14:m>
+                <a:endParaRPr kumimoji="1" lang="zh-CN" altLang="en-US" dirty="0"/>
+              </a:p>
+            </p:txBody>
+          </p:sp>
+        </mc:Choice>
+        <mc:Fallback xmlns="">
+          <p:sp>
+            <p:nvSpPr>
+              <p:cNvPr id="11" name="文本框 10">
+                <a:extLst>
+                  <a:ext uri="{FF2B5EF4-FFF2-40B4-BE49-F238E27FC236}">
+                    <a16:creationId xmlns:a16="http://schemas.microsoft.com/office/drawing/2014/main" id="{CDABDEB0-9962-894A-8816-059BEEA0B6F8}"/>
+                  </a:ext>
+                </a:extLst>
+              </p:cNvPr>
+              <p:cNvSpPr txBox="1">
+                <a:spLocks noRot="1" noChangeAspect="1" noMove="1" noResize="1" noEditPoints="1" noAdjustHandles="1" noChangeArrowheads="1" noChangeShapeType="1" noTextEdit="1"/>
+              </p:cNvSpPr>
+              <p:nvPr/>
+            </p:nvSpPr>
+            <p:spPr>
+              <a:xfrm>
+                <a:off x="11616267" y="6405029"/>
+                <a:ext cx="410369" cy="369332"/>
+              </a:xfrm>
+              <a:prstGeom prst="rect">
+                <a:avLst/>
+              </a:prstGeom>
+              <a:blipFill>
+                <a:blip r:embed="rId7"/>
+                <a:stretch>
+                  <a:fillRect/>
+                </a:stretch>
+              </a:blipFill>
+            </p:spPr>
+            <p:txBody>
+              <a:bodyPr/>
+              <a:lstStyle/>
+              <a:p>
+                <a:r>
+                  <a:rPr lang="zh-CN" altLang="en-US">
+                    <a:noFill/>
+                  </a:rPr>
+                  <a:t> </a:t>
+                </a:r>
+              </a:p>
+            </p:txBody>
+          </p:sp>
+        </mc:Fallback>
+      </mc:AlternateContent>
+      <p:cxnSp>
+        <p:nvCxnSpPr>
+          <p:cNvPr id="13" name="直线箭头连接符 12">
+            <a:extLst>
+              <a:ext uri="{FF2B5EF4-FFF2-40B4-BE49-F238E27FC236}">
+                <a16:creationId xmlns:a16="http://schemas.microsoft.com/office/drawing/2014/main" id="{9C53C7CA-45CC-FD46-9BFF-C9D60ED4E617}"/>
+              </a:ext>
+            </a:extLst>
+          </p:cNvPr>
+          <p:cNvCxnSpPr>
+            <a:cxnSpLocks/>
+          </p:cNvCxnSpPr>
+          <p:nvPr/>
+        </p:nvCxnSpPr>
+        <p:spPr>
+          <a:xfrm flipV="1">
+            <a:off x="4036611" y="5731156"/>
+            <a:ext cx="1534457" cy="520448"/>
+          </a:xfrm>
+          <a:prstGeom prst="straightConnector1">
+            <a:avLst/>
+          </a:prstGeom>
+          <a:ln>
+            <a:tailEnd type="triangle"/>
+          </a:ln>
+        </p:spPr>
+        <p:style>
+          <a:lnRef idx="1">
+            <a:schemeClr val="accent1"/>
+          </a:lnRef>
+          <a:fillRef idx="0">
+            <a:schemeClr val="accent1"/>
+          </a:fillRef>
+          <a:effectRef idx="0">
+            <a:schemeClr val="accent1"/>
+          </a:effectRef>
+          <a:fontRef idx="minor">
+            <a:schemeClr val="tx1"/>
+          </a:fontRef>
+        </p:style>
+      </p:cxnSp>
+      <p:cxnSp>
+        <p:nvCxnSpPr>
+          <p:cNvPr id="15" name="直线箭头连接符 14">
+            <a:extLst>
+              <a:ext uri="{FF2B5EF4-FFF2-40B4-BE49-F238E27FC236}">
+                <a16:creationId xmlns:a16="http://schemas.microsoft.com/office/drawing/2014/main" id="{0D2E2B9D-A78D-FC4C-9853-1F9C29407D74}"/>
+              </a:ext>
+            </a:extLst>
+          </p:cNvPr>
+          <p:cNvCxnSpPr>
+            <a:cxnSpLocks/>
+          </p:cNvCxnSpPr>
+          <p:nvPr/>
+        </p:nvCxnSpPr>
+        <p:spPr>
+          <a:xfrm flipV="1">
+            <a:off x="5571068" y="5731156"/>
+            <a:ext cx="3615265" cy="568041"/>
+          </a:xfrm>
+          <a:prstGeom prst="straightConnector1">
+            <a:avLst/>
+          </a:prstGeom>
+          <a:ln>
+            <a:tailEnd type="triangle"/>
+          </a:ln>
+        </p:spPr>
+        <p:style>
+          <a:lnRef idx="1">
+            <a:schemeClr val="accent1"/>
+          </a:lnRef>
+          <a:fillRef idx="0">
+            <a:schemeClr val="accent1"/>
+          </a:fillRef>
+          <a:effectRef idx="0">
+            <a:schemeClr val="accent1"/>
+          </a:effectRef>
+          <a:fontRef idx="minor">
+            <a:schemeClr val="tx1"/>
+          </a:fontRef>
+        </p:style>
+      </p:cxnSp>
+      <p:sp>
+        <p:nvSpPr>
+          <p:cNvPr id="16" name="文本框 15">
+            <a:extLst>
+              <a:ext uri="{FF2B5EF4-FFF2-40B4-BE49-F238E27FC236}">
+                <a16:creationId xmlns:a16="http://schemas.microsoft.com/office/drawing/2014/main" id="{28392B8E-3100-C641-ACE9-5DB1B7C33E73}"/>
+              </a:ext>
+            </a:extLst>
+          </p:cNvPr>
+          <p:cNvSpPr txBox="1"/>
+          <p:nvPr/>
+        </p:nvSpPr>
+        <p:spPr>
+          <a:xfrm>
+            <a:off x="5147733" y="880533"/>
+            <a:ext cx="5748867" cy="369332"/>
+          </a:xfrm>
+          <a:prstGeom prst="rect">
+            <a:avLst/>
+          </a:prstGeom>
+          <a:noFill/>
+        </p:spPr>
+        <p:txBody>
+          <a:bodyPr wrap="square" rtlCol="0">
+            <a:spAutoFit/>
+          </a:bodyPr>
+          <a:lstStyle/>
+          <a:p>
+            <a:r>
+              <a:rPr kumimoji="1" lang="en-US" altLang="zh-CN" dirty="0">
+                <a:latin typeface="Arial Hebrew" pitchFamily="2" charset="-79"/>
+                <a:cs typeface="Arial Hebrew" pitchFamily="2" charset="-79"/>
+              </a:rPr>
+              <a:t>(although wave functions are not converged)</a:t>
+            </a:r>
+            <a:endParaRPr kumimoji="1" lang="zh-CN" altLang="en-US" dirty="0">
+              <a:latin typeface="Arial Hebrew" pitchFamily="2" charset="-79"/>
+              <a:cs typeface="Arial Hebrew" pitchFamily="2" charset="-79"/>
+            </a:endParaRPr>
+          </a:p>
+        </p:txBody>
+      </p:sp>
+      <p:pic>
+        <p:nvPicPr>
+          <p:cNvPr id="5" name="图片 4">
+            <a:extLst>
+              <a:ext uri="{FF2B5EF4-FFF2-40B4-BE49-F238E27FC236}">
+                <a16:creationId xmlns:a16="http://schemas.microsoft.com/office/drawing/2014/main" id="{C451E1DD-F8CB-AB48-9FDE-86B8250484B0}"/>
+              </a:ext>
+            </a:extLst>
+          </p:cNvPr>
+          <p:cNvPicPr>
+            <a:picLocks noChangeAspect="1"/>
+          </p:cNvPicPr>
+          <p:nvPr/>
+        </p:nvPicPr>
+        <p:blipFill>
+          <a:blip r:embed="rId8"/>
+          <a:stretch>
+            <a:fillRect/>
+          </a:stretch>
+        </p:blipFill>
+        <p:spPr>
+          <a:xfrm>
+            <a:off x="10604" y="1805403"/>
+            <a:ext cx="4295696" cy="3569036"/>
+          </a:xfrm>
+          <a:prstGeom prst="rect">
+            <a:avLst/>
+          </a:prstGeom>
+        </p:spPr>
+      </p:pic>
+      <p:sp>
+        <p:nvSpPr>
+          <p:cNvPr id="18" name="椭圆 17">
+            <a:extLst>
+              <a:ext uri="{FF2B5EF4-FFF2-40B4-BE49-F238E27FC236}">
+                <a16:creationId xmlns:a16="http://schemas.microsoft.com/office/drawing/2014/main" id="{0B293FE7-FDAC-AE41-8004-91E577294B62}"/>
+              </a:ext>
+            </a:extLst>
+          </p:cNvPr>
+          <p:cNvSpPr/>
+          <p:nvPr/>
+        </p:nvSpPr>
+        <p:spPr>
+          <a:xfrm>
+            <a:off x="254000" y="6313476"/>
+            <a:ext cx="211667" cy="211667"/>
+          </a:xfrm>
+          <a:prstGeom prst="ellipse">
+            <a:avLst/>
+          </a:prstGeom>
+          <a:solidFill>
+            <a:srgbClr val="FF0000"/>
+          </a:solidFill>
+          <a:ln>
+            <a:solidFill>
+              <a:srgbClr val="FF0000"/>
+            </a:solidFill>
+          </a:ln>
+        </p:spPr>
+        <p:style>
+          <a:lnRef idx="2">
+            <a:schemeClr val="accent1">
+              <a:shade val="50000"/>
+            </a:schemeClr>
+          </a:lnRef>
+          <a:fillRef idx="1">
+            <a:schemeClr val="accent1"/>
+          </a:fillRef>
+          <a:effectRef idx="0">
+            <a:schemeClr val="accent1"/>
+          </a:effectRef>
+          <a:fontRef idx="minor">
+            <a:schemeClr val="lt1"/>
+          </a:fontRef>
+        </p:style>
+        <p:txBody>
+          <a:bodyPr rtlCol="0" anchor="ctr"/>
+          <a:lstStyle/>
+          <a:p>
+            <a:pPr algn="ctr"/>
+            <a:endParaRPr kumimoji="1" lang="zh-CN" altLang="en-US"/>
+          </a:p>
+        </p:txBody>
+      </p:sp>
+      <p:cxnSp>
+        <p:nvCxnSpPr>
+          <p:cNvPr id="19" name="直线箭头连接符 18">
+            <a:extLst>
+              <a:ext uri="{FF2B5EF4-FFF2-40B4-BE49-F238E27FC236}">
+                <a16:creationId xmlns:a16="http://schemas.microsoft.com/office/drawing/2014/main" id="{DF52C191-0186-354E-90D0-154748E1CA4F}"/>
+              </a:ext>
+            </a:extLst>
+          </p:cNvPr>
+          <p:cNvCxnSpPr>
+            <a:cxnSpLocks/>
+          </p:cNvCxnSpPr>
+          <p:nvPr/>
+        </p:nvCxnSpPr>
+        <p:spPr>
+          <a:xfrm flipV="1">
+            <a:off x="465667" y="5645165"/>
+            <a:ext cx="406400" cy="642909"/>
+          </a:xfrm>
+          <a:prstGeom prst="straightConnector1">
+            <a:avLst/>
+          </a:prstGeom>
+          <a:ln>
+            <a:tailEnd type="triangle"/>
+          </a:ln>
+        </p:spPr>
+        <p:style>
+          <a:lnRef idx="1">
+            <a:schemeClr val="accent1"/>
+          </a:lnRef>
+          <a:fillRef idx="0">
+            <a:schemeClr val="accent1"/>
+          </a:fillRef>
+          <a:effectRef idx="0">
+            <a:schemeClr val="accent1"/>
+          </a:effectRef>
+          <a:fontRef idx="minor">
+            <a:schemeClr val="tx1"/>
+          </a:fontRef>
+        </p:style>
+      </p:cxnSp>
+      <mc:AlternateContent xmlns:mc="http://schemas.openxmlformats.org/markup-compatibility/2006" xmlns:a14="http://schemas.microsoft.com/office/drawing/2010/main">
+        <mc:Choice Requires="a14">
+          <p:sp>
+            <p:nvSpPr>
+              <p:cNvPr id="21" name="文本框 20">
+                <a:extLst>
+                  <a:ext uri="{FF2B5EF4-FFF2-40B4-BE49-F238E27FC236}">
+                    <a16:creationId xmlns:a16="http://schemas.microsoft.com/office/drawing/2014/main" id="{2A1F1613-799C-0245-8C99-A09C6FC351CF}"/>
+                  </a:ext>
+                </a:extLst>
+              </p:cNvPr>
+              <p:cNvSpPr txBox="1"/>
+              <p:nvPr/>
+            </p:nvSpPr>
+            <p:spPr>
+              <a:xfrm>
+                <a:off x="254000" y="6564275"/>
+                <a:ext cx="190757" cy="276999"/>
+              </a:xfrm>
+              <a:prstGeom prst="rect">
+                <a:avLst/>
+              </a:prstGeom>
+              <a:noFill/>
+            </p:spPr>
+            <p:txBody>
+              <a:bodyPr wrap="none" lIns="0" tIns="0" rIns="0" bIns="0" rtlCol="0">
+                <a:spAutoFit/>
+              </a:bodyPr>
+              <a:lstStyle/>
+              <a:p>
+                <a:pPr/>
+                <a14:m>
+                  <m:oMathPara xmlns:m="http://schemas.openxmlformats.org/officeDocument/2006/math">
+                    <m:oMathParaPr>
+                      <m:jc m:val="centerGroup"/>
+                    </m:oMathParaPr>
+                    <m:oMath xmlns:m="http://schemas.openxmlformats.org/officeDocument/2006/math">
+                      <m:r>
+                        <a:rPr kumimoji="1" lang="en-US" altLang="zh-CN" b="0" i="1" smtClean="0">
+                          <a:latin typeface="Cambria Math" panose="02040503050406030204" pitchFamily="18" charset="0"/>
+                        </a:rPr>
+                        <m:t>0</m:t>
+                      </m:r>
+                    </m:oMath>
+                  </m:oMathPara>
+                </a14:m>
+                <a:endParaRPr kumimoji="1" lang="zh-CN" altLang="en-US" dirty="0"/>
+              </a:p>
+            </p:txBody>
+          </p:sp>
+        </mc:Choice>
+        <mc:Fallback xmlns="">
+          <p:sp>
+            <p:nvSpPr>
+              <p:cNvPr id="21" name="文本框 20">
+                <a:extLst>
+                  <a:ext uri="{FF2B5EF4-FFF2-40B4-BE49-F238E27FC236}">
+                    <a16:creationId xmlns:a16="http://schemas.microsoft.com/office/drawing/2014/main" id="{2A1F1613-799C-0245-8C99-A09C6FC351CF}"/>
+                  </a:ext>
+                </a:extLst>
+              </p:cNvPr>
+              <p:cNvSpPr txBox="1">
+                <a:spLocks noRot="1" noChangeAspect="1" noMove="1" noResize="1" noEditPoints="1" noAdjustHandles="1" noChangeArrowheads="1" noChangeShapeType="1" noTextEdit="1"/>
+              </p:cNvSpPr>
+              <p:nvPr/>
+            </p:nvSpPr>
+            <p:spPr>
+              <a:xfrm>
+                <a:off x="254000" y="6564275"/>
+                <a:ext cx="190757" cy="276999"/>
+              </a:xfrm>
+              <a:prstGeom prst="rect">
+                <a:avLst/>
+              </a:prstGeom>
+              <a:blipFill>
+                <a:blip r:embed="rId9"/>
+                <a:stretch>
+                  <a:fillRect l="-25000" r="-18750" b="-4348"/>
+                </a:stretch>
+              </a:blipFill>
+            </p:spPr>
+            <p:txBody>
+              <a:bodyPr/>
+              <a:lstStyle/>
+              <a:p>
+                <a:r>
+                  <a:rPr lang="zh-CN" altLang="en-US">
+                    <a:noFill/>
+                  </a:rPr>
+                  <a:t> </a:t>
+                </a:r>
+              </a:p>
+            </p:txBody>
+          </p:sp>
+        </mc:Fallback>
+      </mc:AlternateContent>
+      <p:pic>
+        <p:nvPicPr>
+          <p:cNvPr id="22" name="图片 21">
+            <a:extLst>
+              <a:ext uri="{FF2B5EF4-FFF2-40B4-BE49-F238E27FC236}">
+                <a16:creationId xmlns:a16="http://schemas.microsoft.com/office/drawing/2014/main" id="{3D4D88AB-D300-B948-A1DD-F1934F7EF73D}"/>
+              </a:ext>
+            </a:extLst>
+          </p:cNvPr>
+          <p:cNvPicPr>
+            <a:picLocks noChangeAspect="1"/>
+          </p:cNvPicPr>
+          <p:nvPr/>
+        </p:nvPicPr>
+        <p:blipFill>
+          <a:blip r:embed="rId10"/>
+          <a:stretch>
+            <a:fillRect/>
+          </a:stretch>
+        </p:blipFill>
+        <p:spPr>
+          <a:xfrm>
+            <a:off x="4451027" y="2006626"/>
+            <a:ext cx="3500449" cy="3505199"/>
+          </a:xfrm>
+          <a:prstGeom prst="rect">
+            <a:avLst/>
+          </a:prstGeom>
+        </p:spPr>
+      </p:pic>
+    </p:spTree>
+    <p:extLst>
+      <p:ext uri="{BB962C8B-B14F-4D97-AF65-F5344CB8AC3E}">
+        <p14:creationId xmlns:p14="http://schemas.microsoft.com/office/powerpoint/2010/main" val="3437104504"/>
+      </p:ext>
+    </p:extLst>
+  </p:cSld>
+  <p:clrMapOvr>
+    <a:masterClrMapping/>
+  </p:clrMapOvr>
+</p:sld>
+</file>
+
+<file path=ppt/slides/slide11.xml><?xml version="1.0" encoding="utf-8"?>
+<p:sld xmlns:a="http://schemas.openxmlformats.org/drawingml/2006/main" xmlns:r="http://schemas.openxmlformats.org/officeDocument/2006/relationships" xmlns:p="http://schemas.openxmlformats.org/presentationml/2006/main">
+  <p:cSld>
+    <p:spTree>
+      <p:nvGrpSpPr>
+        <p:cNvPr id="1" name=""/>
+        <p:cNvGrpSpPr/>
+        <p:nvPr/>
+      </p:nvGrpSpPr>
+      <p:grpSpPr>
+        <a:xfrm>
+          <a:off x="0" y="0"/>
+          <a:ext cx="0" cy="0"/>
+          <a:chOff x="0" y="0"/>
+          <a:chExt cx="0" cy="0"/>
+        </a:xfrm>
+      </p:grpSpPr>
+      <mc:AlternateContent xmlns:mc="http://schemas.openxmlformats.org/markup-compatibility/2006" xmlns:a14="http://schemas.microsoft.com/office/drawing/2010/main">
+        <mc:Choice Requires="a14">
+          <p:sp>
+            <p:nvSpPr>
+              <p:cNvPr id="2" name="标题 1">
+                <a:extLst>
+                  <a:ext uri="{FF2B5EF4-FFF2-40B4-BE49-F238E27FC236}">
+                    <a16:creationId xmlns:a16="http://schemas.microsoft.com/office/drawing/2014/main" id="{6221F7F7-84FA-214A-A5E1-734DFB212D2C}"/>
+                  </a:ext>
+                </a:extLst>
+              </p:cNvPr>
+              <p:cNvSpPr>
+                <a:spLocks noGrp="1"/>
+              </p:cNvSpPr>
+              <p:nvPr>
+                <p:ph type="title"/>
+              </p:nvPr>
+            </p:nvSpPr>
+            <p:spPr>
+              <a:xfrm>
+                <a:off x="465667" y="194240"/>
+                <a:ext cx="10515600" cy="881028"/>
+              </a:xfrm>
+            </p:spPr>
+            <p:txBody>
+              <a:bodyPr>
+                <a:normAutofit/>
+              </a:bodyPr>
+              <a:lstStyle/>
+              <a:p>
+                <a14:m>
+                  <m:oMath xmlns:m="http://schemas.openxmlformats.org/officeDocument/2006/math">
+                    <m:r>
+                      <a:rPr kumimoji="1" lang="en-US" altLang="zh-CN" sz="2800" b="0" i="1" dirty="0" smtClean="0">
+                        <a:latin typeface="Cambria Math" panose="02040503050406030204" pitchFamily="18" charset="0"/>
+                      </a:rPr>
+                      <m:t>𝜆</m:t>
+                    </m:r>
+                    <m:r>
+                      <a:rPr kumimoji="1" lang="en-US" altLang="zh-CN" sz="2800" i="1" dirty="0">
+                        <a:latin typeface="Cambria Math" panose="02040503050406030204" pitchFamily="18" charset="0"/>
+                      </a:rPr>
+                      <m:t>=0.</m:t>
+                    </m:r>
+                    <m:r>
+                      <a:rPr kumimoji="1" lang="en-US" altLang="zh-CN" sz="2800" b="0" i="1" dirty="0" smtClean="0">
+                        <a:latin typeface="Cambria Math" panose="02040503050406030204" pitchFamily="18" charset="0"/>
+                      </a:rPr>
+                      <m:t>05</m:t>
+                    </m:r>
+                    <m:r>
+                      <a:rPr kumimoji="1" lang="en-US" altLang="zh-CN" sz="2800" i="1" dirty="0">
+                        <a:latin typeface="Cambria Math" panose="02040503050406030204" pitchFamily="18" charset="0"/>
+                      </a:rPr>
+                      <m:t>, </m:t>
+                    </m:r>
+                    <m:sSub>
+                      <m:sSubPr>
+                        <m:ctrlPr>
+                          <a:rPr kumimoji="1" lang="en-US" altLang="zh-CN" sz="2800" b="0" i="1" dirty="0" smtClean="0">
+                            <a:latin typeface="Cambria Math" panose="02040503050406030204" pitchFamily="18" charset="0"/>
+                          </a:rPr>
+                        </m:ctrlPr>
+                      </m:sSubPr>
+                      <m:e>
+                        <m:r>
+                          <a:rPr kumimoji="1" lang="en-US" altLang="zh-CN" sz="2800" i="1" dirty="0">
+                            <a:latin typeface="Cambria Math" panose="02040503050406030204" pitchFamily="18" charset="0"/>
+                          </a:rPr>
+                          <m:t>𝐿</m:t>
+                        </m:r>
+                      </m:e>
+                      <m:sub>
+                        <m:r>
+                          <a:rPr kumimoji="1" lang="en-US" altLang="zh-CN" sz="2800" i="1" dirty="0">
+                            <a:latin typeface="Cambria Math" panose="02040503050406030204" pitchFamily="18" charset="0"/>
+                          </a:rPr>
+                          <m:t>𝑥</m:t>
+                        </m:r>
+                      </m:sub>
+                    </m:sSub>
+                    <m:r>
+                      <a:rPr kumimoji="1" lang="en-US" altLang="zh-CN" sz="2800" i="1" dirty="0">
+                        <a:latin typeface="Cambria Math" panose="02040503050406030204" pitchFamily="18" charset="0"/>
+                      </a:rPr>
+                      <m:t>=</m:t>
+                    </m:r>
+                    <m:r>
+                      <a:rPr kumimoji="1" lang="en-US" altLang="zh-CN" sz="2800" b="0" i="1" dirty="0" smtClean="0">
+                        <a:latin typeface="Cambria Math" panose="02040503050406030204" pitchFamily="18" charset="0"/>
+                      </a:rPr>
+                      <m:t>32</m:t>
+                    </m:r>
+                    <m:r>
+                      <a:rPr kumimoji="1" lang="en-US" altLang="zh-CN" sz="2800" i="1" dirty="0">
+                        <a:latin typeface="Cambria Math" panose="02040503050406030204" pitchFamily="18" charset="0"/>
+                      </a:rPr>
+                      <m:t>, </m:t>
+                    </m:r>
+                    <m:r>
+                      <a:rPr kumimoji="1" lang="en-US" altLang="zh-CN" sz="2800" b="0" i="1" dirty="0" smtClean="0">
+                        <a:latin typeface="Cambria Math" panose="02040503050406030204" pitchFamily="18" charset="0"/>
+                      </a:rPr>
+                      <m:t>𝐷</m:t>
+                    </m:r>
+                    <m:r>
+                      <a:rPr kumimoji="1" lang="en-US" altLang="zh-CN" sz="2800" i="1" dirty="0">
+                        <a:latin typeface="Cambria Math" panose="02040503050406030204" pitchFamily="18" charset="0"/>
+                      </a:rPr>
+                      <m:t>=8000</m:t>
+                    </m:r>
+                  </m:oMath>
+                </a14:m>
+                <a:r>
+                  <a:rPr kumimoji="1" lang="en-US" altLang="zh-CN" sz="2800" dirty="0">
+                    <a:latin typeface="Arial Hebrew" pitchFamily="2" charset="-79"/>
+                    <a:cs typeface="Arial Hebrew" pitchFamily="2" charset="-79"/>
+                  </a:rPr>
+                  <a:t>, compare s-wave and d-wave</a:t>
+                </a:r>
+                <a:endParaRPr kumimoji="1" lang="zh-CN" altLang="en-US" sz="2800" dirty="0">
+                  <a:latin typeface="Arial Hebrew" pitchFamily="2" charset="-79"/>
+                  <a:cs typeface="Arial Hebrew" pitchFamily="2" charset="-79"/>
+                </a:endParaRPr>
+              </a:p>
+            </p:txBody>
+          </p:sp>
+        </mc:Choice>
+        <mc:Fallback xmlns="">
+          <p:sp>
+            <p:nvSpPr>
+              <p:cNvPr id="2" name="标题 1">
+                <a:extLst>
+                  <a:ext uri="{FF2B5EF4-FFF2-40B4-BE49-F238E27FC236}">
+                    <a16:creationId xmlns:a16="http://schemas.microsoft.com/office/drawing/2014/main" id="{6221F7F7-84FA-214A-A5E1-734DFB212D2C}"/>
+                  </a:ext>
+                </a:extLst>
+              </p:cNvPr>
+              <p:cNvSpPr>
+                <a:spLocks noGrp="1" noRot="1" noChangeAspect="1" noMove="1" noResize="1" noEditPoints="1" noAdjustHandles="1" noChangeArrowheads="1" noChangeShapeType="1" noTextEdit="1"/>
+              </p:cNvSpPr>
+              <p:nvPr>
+                <p:ph type="title"/>
+              </p:nvPr>
+            </p:nvSpPr>
+            <p:spPr>
+              <a:xfrm>
+                <a:off x="465667" y="194240"/>
+                <a:ext cx="10515600" cy="881028"/>
+              </a:xfrm>
+              <a:blipFill>
+                <a:blip r:embed="rId2"/>
+                <a:stretch>
+                  <a:fillRect l="-362"/>
+                </a:stretch>
+              </a:blipFill>
+            </p:spPr>
+            <p:txBody>
+              <a:bodyPr/>
+              <a:lstStyle/>
+              <a:p>
+                <a:r>
+                  <a:rPr lang="zh-CN" altLang="en-US">
+                    <a:noFill/>
+                  </a:rPr>
+                  <a:t> </a:t>
+                </a:r>
+              </a:p>
+            </p:txBody>
+          </p:sp>
+        </mc:Fallback>
+      </mc:AlternateContent>
+      <p:cxnSp>
+        <p:nvCxnSpPr>
+          <p:cNvPr id="6" name="直线箭头连接符 5">
+            <a:extLst>
+              <a:ext uri="{FF2B5EF4-FFF2-40B4-BE49-F238E27FC236}">
+                <a16:creationId xmlns:a16="http://schemas.microsoft.com/office/drawing/2014/main" id="{247A1376-C683-8B4A-90D7-358FABC2AA7F}"/>
+              </a:ext>
+            </a:extLst>
+          </p:cNvPr>
+          <p:cNvCxnSpPr/>
+          <p:nvPr/>
+        </p:nvCxnSpPr>
+        <p:spPr>
+          <a:xfrm>
+            <a:off x="355600" y="6426200"/>
+            <a:ext cx="11260667" cy="0"/>
+          </a:xfrm>
+          <a:prstGeom prst="straightConnector1">
+            <a:avLst/>
+          </a:prstGeom>
+          <a:ln w="28575">
+            <a:solidFill>
+              <a:schemeClr val="tx1"/>
+            </a:solidFill>
+            <a:tailEnd type="triangle"/>
+          </a:ln>
+        </p:spPr>
+        <p:style>
+          <a:lnRef idx="1">
+            <a:schemeClr val="dk1"/>
+          </a:lnRef>
+          <a:fillRef idx="0">
+            <a:schemeClr val="dk1"/>
+          </a:fillRef>
+          <a:effectRef idx="0">
+            <a:schemeClr val="dk1"/>
+          </a:effectRef>
+          <a:fontRef idx="minor">
+            <a:schemeClr val="tx1"/>
+          </a:fontRef>
+        </p:style>
+      </p:cxnSp>
+      <p:sp>
+        <p:nvSpPr>
+          <p:cNvPr id="7" name="椭圆 6">
+            <a:extLst>
+              <a:ext uri="{FF2B5EF4-FFF2-40B4-BE49-F238E27FC236}">
+                <a16:creationId xmlns:a16="http://schemas.microsoft.com/office/drawing/2014/main" id="{FF228E77-AC87-464B-AFB2-E9668EEF8D37}"/>
+              </a:ext>
+            </a:extLst>
+          </p:cNvPr>
+          <p:cNvSpPr/>
+          <p:nvPr/>
+        </p:nvSpPr>
+        <p:spPr>
+          <a:xfrm>
+            <a:off x="2751667" y="6324598"/>
+            <a:ext cx="211667" cy="211667"/>
+          </a:xfrm>
+          <a:prstGeom prst="ellipse">
+            <a:avLst/>
+          </a:prstGeom>
+          <a:solidFill>
+            <a:srgbClr val="FF0000"/>
+          </a:solidFill>
+          <a:ln>
+            <a:solidFill>
+              <a:srgbClr val="FF0000"/>
+            </a:solidFill>
+          </a:ln>
+        </p:spPr>
+        <p:style>
+          <a:lnRef idx="2">
+            <a:schemeClr val="accent1">
+              <a:shade val="50000"/>
+            </a:schemeClr>
+          </a:lnRef>
+          <a:fillRef idx="1">
+            <a:schemeClr val="accent1"/>
+          </a:fillRef>
+          <a:effectRef idx="0">
+            <a:schemeClr val="accent1"/>
+          </a:effectRef>
+          <a:fontRef idx="minor">
+            <a:schemeClr val="lt1"/>
+          </a:fontRef>
+        </p:style>
+        <p:txBody>
+          <a:bodyPr rtlCol="0" anchor="ctr"/>
+          <a:lstStyle/>
+          <a:p>
+            <a:pPr algn="ctr"/>
+            <a:endParaRPr kumimoji="1" lang="zh-CN" altLang="en-US"/>
+          </a:p>
+        </p:txBody>
+      </p:sp>
+      <p:sp>
+        <p:nvSpPr>
+          <p:cNvPr id="8" name="椭圆 7">
+            <a:extLst>
+              <a:ext uri="{FF2B5EF4-FFF2-40B4-BE49-F238E27FC236}">
+                <a16:creationId xmlns:a16="http://schemas.microsoft.com/office/drawing/2014/main" id="{F35B32A3-B16E-9949-B30B-F6DCA83A4876}"/>
+              </a:ext>
+            </a:extLst>
+          </p:cNvPr>
+          <p:cNvSpPr/>
+          <p:nvPr/>
+        </p:nvSpPr>
+        <p:spPr>
+          <a:xfrm>
+            <a:off x="5359401" y="6299196"/>
+            <a:ext cx="211667" cy="211667"/>
+          </a:xfrm>
+          <a:prstGeom prst="ellipse">
+            <a:avLst/>
+          </a:prstGeom>
+          <a:solidFill>
+            <a:srgbClr val="FF0000"/>
+          </a:solidFill>
+          <a:ln>
+            <a:solidFill>
+              <a:srgbClr val="FF0000"/>
+            </a:solidFill>
+          </a:ln>
+        </p:spPr>
+        <p:style>
+          <a:lnRef idx="2">
+            <a:schemeClr val="accent1">
+              <a:shade val="50000"/>
+            </a:schemeClr>
+          </a:lnRef>
+          <a:fillRef idx="1">
+            <a:schemeClr val="accent1"/>
+          </a:fillRef>
+          <a:effectRef idx="0">
+            <a:schemeClr val="accent1"/>
+          </a:effectRef>
+          <a:fontRef idx="minor">
+            <a:schemeClr val="lt1"/>
+          </a:fontRef>
+        </p:style>
+        <p:txBody>
+          <a:bodyPr rtlCol="0" anchor="ctr"/>
+          <a:lstStyle/>
+          <a:p>
+            <a:pPr algn="ctr"/>
+            <a:endParaRPr kumimoji="1" lang="zh-CN" altLang="en-US"/>
+          </a:p>
+        </p:txBody>
+      </p:sp>
+      <mc:AlternateContent xmlns:mc="http://schemas.openxmlformats.org/markup-compatibility/2006" xmlns:a14="http://schemas.microsoft.com/office/drawing/2010/main">
+        <mc:Choice Requires="a14">
+          <p:sp>
+            <p:nvSpPr>
+              <p:cNvPr id="9" name="文本框 8">
+                <a:extLst>
+                  <a:ext uri="{FF2B5EF4-FFF2-40B4-BE49-F238E27FC236}">
+                    <a16:creationId xmlns:a16="http://schemas.microsoft.com/office/drawing/2014/main" id="{3C17D2D0-EBAE-494E-8F02-E637C65706F7}"/>
+                  </a:ext>
+                </a:extLst>
+              </p:cNvPr>
+              <p:cNvSpPr txBox="1"/>
+              <p:nvPr/>
+            </p:nvSpPr>
+            <p:spPr>
+              <a:xfrm>
+                <a:off x="2762121" y="6581001"/>
+                <a:ext cx="495328" cy="276999"/>
+              </a:xfrm>
+              <a:prstGeom prst="rect">
+                <a:avLst/>
+              </a:prstGeom>
+              <a:noFill/>
+            </p:spPr>
+            <p:txBody>
+              <a:bodyPr wrap="none" lIns="0" tIns="0" rIns="0" bIns="0" rtlCol="0">
+                <a:spAutoFit/>
+              </a:bodyPr>
+              <a:lstStyle/>
+              <a:p>
+                <a:pPr/>
+                <a14:m>
+                  <m:oMathPara xmlns:m="http://schemas.openxmlformats.org/officeDocument/2006/math">
+                    <m:oMathParaPr>
+                      <m:jc m:val="centerGroup"/>
+                    </m:oMathParaPr>
+                    <m:oMath xmlns:m="http://schemas.openxmlformats.org/officeDocument/2006/math">
+                      <m:r>
+                        <a:rPr kumimoji="1" lang="en-US" altLang="zh-CN" b="0" i="1" smtClean="0">
+                          <a:latin typeface="Cambria Math" panose="02040503050406030204" pitchFamily="18" charset="0"/>
+                        </a:rPr>
+                        <m:t>0.05</m:t>
+                      </m:r>
+                    </m:oMath>
+                  </m:oMathPara>
+                </a14:m>
+                <a:endParaRPr kumimoji="1" lang="zh-CN" altLang="en-US" dirty="0"/>
+              </a:p>
+            </p:txBody>
+          </p:sp>
+        </mc:Choice>
+        <mc:Fallback xmlns="">
+          <p:sp>
+            <p:nvSpPr>
+              <p:cNvPr id="9" name="文本框 8">
+                <a:extLst>
+                  <a:ext uri="{FF2B5EF4-FFF2-40B4-BE49-F238E27FC236}">
+                    <a16:creationId xmlns:a16="http://schemas.microsoft.com/office/drawing/2014/main" id="{3C17D2D0-EBAE-494E-8F02-E637C65706F7}"/>
+                  </a:ext>
+                </a:extLst>
+              </p:cNvPr>
+              <p:cNvSpPr txBox="1">
+                <a:spLocks noRot="1" noChangeAspect="1" noMove="1" noResize="1" noEditPoints="1" noAdjustHandles="1" noChangeArrowheads="1" noChangeShapeType="1" noTextEdit="1"/>
+              </p:cNvSpPr>
+              <p:nvPr/>
+            </p:nvSpPr>
+            <p:spPr>
+              <a:xfrm>
+                <a:off x="2762121" y="6581001"/>
+                <a:ext cx="495328" cy="276999"/>
+              </a:xfrm>
+              <a:prstGeom prst="rect">
+                <a:avLst/>
+              </a:prstGeom>
+              <a:blipFill>
+                <a:blip r:embed="rId3"/>
+                <a:stretch>
+                  <a:fillRect l="-7500" r="-10000" b="-9091"/>
+                </a:stretch>
+              </a:blipFill>
+            </p:spPr>
+            <p:txBody>
+              <a:bodyPr/>
+              <a:lstStyle/>
+              <a:p>
+                <a:r>
+                  <a:rPr lang="zh-CN" altLang="en-US">
+                    <a:noFill/>
+                  </a:rPr>
+                  <a:t> </a:t>
+                </a:r>
+              </a:p>
+            </p:txBody>
+          </p:sp>
+        </mc:Fallback>
+      </mc:AlternateContent>
+      <mc:AlternateContent xmlns:mc="http://schemas.openxmlformats.org/markup-compatibility/2006" xmlns:a14="http://schemas.microsoft.com/office/drawing/2010/main">
+        <mc:Choice Requires="a14">
+          <p:sp>
+            <p:nvSpPr>
+              <p:cNvPr id="10" name="文本框 9">
+                <a:extLst>
+                  <a:ext uri="{FF2B5EF4-FFF2-40B4-BE49-F238E27FC236}">
+                    <a16:creationId xmlns:a16="http://schemas.microsoft.com/office/drawing/2014/main" id="{F36C51FD-44AB-2940-868B-0CA5EFE73EB2}"/>
+                  </a:ext>
+                </a:extLst>
+              </p:cNvPr>
+              <p:cNvSpPr txBox="1"/>
+              <p:nvPr/>
+            </p:nvSpPr>
+            <p:spPr>
+              <a:xfrm>
+                <a:off x="5380312" y="6553205"/>
+                <a:ext cx="190757" cy="276999"/>
+              </a:xfrm>
+              <a:prstGeom prst="rect">
+                <a:avLst/>
+              </a:prstGeom>
+              <a:noFill/>
+            </p:spPr>
+            <p:txBody>
+              <a:bodyPr wrap="none" lIns="0" tIns="0" rIns="0" bIns="0" rtlCol="0">
+                <a:spAutoFit/>
+              </a:bodyPr>
+              <a:lstStyle/>
+              <a:p>
+                <a:pPr/>
+                <a14:m>
+                  <m:oMathPara xmlns:m="http://schemas.openxmlformats.org/officeDocument/2006/math">
+                    <m:oMathParaPr>
+                      <m:jc m:val="centerGroup"/>
+                    </m:oMathParaPr>
+                    <m:oMath xmlns:m="http://schemas.openxmlformats.org/officeDocument/2006/math">
+                      <m:r>
+                        <a:rPr kumimoji="1" lang="en-US" altLang="zh-CN" b="0" i="1" smtClean="0">
+                          <a:latin typeface="Cambria Math" panose="02040503050406030204" pitchFamily="18" charset="0"/>
+                        </a:rPr>
+                        <m:t>1</m:t>
+                      </m:r>
+                    </m:oMath>
+                  </m:oMathPara>
+                </a14:m>
+                <a:endParaRPr kumimoji="1" lang="zh-CN" altLang="en-US" dirty="0"/>
+              </a:p>
+            </p:txBody>
+          </p:sp>
+        </mc:Choice>
+        <mc:Fallback xmlns="">
+          <p:sp>
+            <p:nvSpPr>
+              <p:cNvPr id="10" name="文本框 9">
+                <a:extLst>
+                  <a:ext uri="{FF2B5EF4-FFF2-40B4-BE49-F238E27FC236}">
+                    <a16:creationId xmlns:a16="http://schemas.microsoft.com/office/drawing/2014/main" id="{F36C51FD-44AB-2940-868B-0CA5EFE73EB2}"/>
+                  </a:ext>
+                </a:extLst>
+              </p:cNvPr>
+              <p:cNvSpPr txBox="1">
+                <a:spLocks noRot="1" noChangeAspect="1" noMove="1" noResize="1" noEditPoints="1" noAdjustHandles="1" noChangeArrowheads="1" noChangeShapeType="1" noTextEdit="1"/>
+              </p:cNvSpPr>
+              <p:nvPr/>
+            </p:nvSpPr>
+            <p:spPr>
+              <a:xfrm>
+                <a:off x="5380312" y="6553205"/>
+                <a:ext cx="190757" cy="276999"/>
+              </a:xfrm>
+              <a:prstGeom prst="rect">
+                <a:avLst/>
+              </a:prstGeom>
+              <a:blipFill>
+                <a:blip r:embed="rId4"/>
+                <a:stretch>
+                  <a:fillRect l="-18750" r="-25000" b="-9091"/>
+                </a:stretch>
+              </a:blipFill>
+            </p:spPr>
+            <p:txBody>
+              <a:bodyPr/>
+              <a:lstStyle/>
+              <a:p>
+                <a:r>
+                  <a:rPr lang="zh-CN" altLang="en-US">
+                    <a:noFill/>
+                  </a:rPr>
+                  <a:t> </a:t>
+                </a:r>
+              </a:p>
+            </p:txBody>
+          </p:sp>
+        </mc:Fallback>
+      </mc:AlternateContent>
+      <mc:AlternateContent xmlns:mc="http://schemas.openxmlformats.org/markup-compatibility/2006" xmlns:a14="http://schemas.microsoft.com/office/drawing/2010/main">
+        <mc:Choice Requires="a14">
+          <p:sp>
+            <p:nvSpPr>
+              <p:cNvPr id="11" name="文本框 10">
+                <a:extLst>
+                  <a:ext uri="{FF2B5EF4-FFF2-40B4-BE49-F238E27FC236}">
+                    <a16:creationId xmlns:a16="http://schemas.microsoft.com/office/drawing/2014/main" id="{CDABDEB0-9962-894A-8816-059BEEA0B6F8}"/>
+                  </a:ext>
+                </a:extLst>
+              </p:cNvPr>
+              <p:cNvSpPr txBox="1"/>
+              <p:nvPr/>
+            </p:nvSpPr>
+            <p:spPr>
+              <a:xfrm>
+                <a:off x="11616267" y="6405029"/>
+                <a:ext cx="410369" cy="369332"/>
+              </a:xfrm>
+              <a:prstGeom prst="rect">
+                <a:avLst/>
+              </a:prstGeom>
+              <a:noFill/>
+            </p:spPr>
+            <p:txBody>
+              <a:bodyPr wrap="none" rtlCol="0">
+                <a:spAutoFit/>
+              </a:bodyPr>
+              <a:lstStyle/>
+              <a:p>
+                <a:pPr/>
+                <a14:m>
+                  <m:oMathPara xmlns:m="http://schemas.openxmlformats.org/officeDocument/2006/math">
+                    <m:oMathParaPr>
+                      <m:jc m:val="centerGroup"/>
+                    </m:oMathParaPr>
+                    <m:oMath xmlns:m="http://schemas.openxmlformats.org/officeDocument/2006/math">
+                      <m:r>
+                        <a:rPr kumimoji="1" lang="en-US" altLang="zh-CN" b="0" i="1" smtClean="0">
+                          <a:latin typeface="Cambria Math" panose="02040503050406030204" pitchFamily="18" charset="0"/>
+                        </a:rPr>
+                        <m:t>𝑈</m:t>
+                      </m:r>
+                    </m:oMath>
+                  </m:oMathPara>
+                </a14:m>
+                <a:endParaRPr kumimoji="1" lang="zh-CN" altLang="en-US" dirty="0"/>
+              </a:p>
+            </p:txBody>
+          </p:sp>
+        </mc:Choice>
+        <mc:Fallback xmlns="">
+          <p:sp>
+            <p:nvSpPr>
+              <p:cNvPr id="11" name="文本框 10">
+                <a:extLst>
+                  <a:ext uri="{FF2B5EF4-FFF2-40B4-BE49-F238E27FC236}">
+                    <a16:creationId xmlns:a16="http://schemas.microsoft.com/office/drawing/2014/main" id="{CDABDEB0-9962-894A-8816-059BEEA0B6F8}"/>
+                  </a:ext>
+                </a:extLst>
+              </p:cNvPr>
+              <p:cNvSpPr txBox="1">
+                <a:spLocks noRot="1" noChangeAspect="1" noMove="1" noResize="1" noEditPoints="1" noAdjustHandles="1" noChangeArrowheads="1" noChangeShapeType="1" noTextEdit="1"/>
+              </p:cNvSpPr>
+              <p:nvPr/>
+            </p:nvSpPr>
+            <p:spPr>
+              <a:xfrm>
+                <a:off x="11616267" y="6405029"/>
+                <a:ext cx="410369" cy="369332"/>
+              </a:xfrm>
+              <a:prstGeom prst="rect">
+                <a:avLst/>
+              </a:prstGeom>
+              <a:blipFill>
+                <a:blip r:embed="rId7"/>
+                <a:stretch>
+                  <a:fillRect/>
+                </a:stretch>
+              </a:blipFill>
+            </p:spPr>
+            <p:txBody>
+              <a:bodyPr/>
+              <a:lstStyle/>
+              <a:p>
+                <a:r>
+                  <a:rPr lang="zh-CN" altLang="en-US">
+                    <a:noFill/>
+                  </a:rPr>
+                  <a:t> </a:t>
+                </a:r>
+              </a:p>
+            </p:txBody>
+          </p:sp>
+        </mc:Fallback>
+      </mc:AlternateContent>
+      <p:cxnSp>
+        <p:nvCxnSpPr>
+          <p:cNvPr id="13" name="直线箭头连接符 12">
+            <a:extLst>
+              <a:ext uri="{FF2B5EF4-FFF2-40B4-BE49-F238E27FC236}">
+                <a16:creationId xmlns:a16="http://schemas.microsoft.com/office/drawing/2014/main" id="{9C53C7CA-45CC-FD46-9BFF-C9D60ED4E617}"/>
+              </a:ext>
+            </a:extLst>
+          </p:cNvPr>
+          <p:cNvCxnSpPr>
+            <a:cxnSpLocks/>
+          </p:cNvCxnSpPr>
+          <p:nvPr/>
+        </p:nvCxnSpPr>
+        <p:spPr>
+          <a:xfrm flipV="1">
+            <a:off x="2857500" y="5338447"/>
+            <a:ext cx="218016" cy="960749"/>
+          </a:xfrm>
+          <a:prstGeom prst="straightConnector1">
+            <a:avLst/>
+          </a:prstGeom>
+          <a:ln>
+            <a:tailEnd type="triangle"/>
+          </a:ln>
+        </p:spPr>
+        <p:style>
+          <a:lnRef idx="1">
+            <a:schemeClr val="accent1"/>
+          </a:lnRef>
+          <a:fillRef idx="0">
+            <a:schemeClr val="accent1"/>
+          </a:fillRef>
+          <a:effectRef idx="0">
+            <a:schemeClr val="accent1"/>
+          </a:effectRef>
+          <a:fontRef idx="minor">
+            <a:schemeClr val="tx1"/>
+          </a:fontRef>
+        </p:style>
+      </p:cxnSp>
+      <p:cxnSp>
+        <p:nvCxnSpPr>
+          <p:cNvPr id="15" name="直线箭头连接符 14">
+            <a:extLst>
+              <a:ext uri="{FF2B5EF4-FFF2-40B4-BE49-F238E27FC236}">
+                <a16:creationId xmlns:a16="http://schemas.microsoft.com/office/drawing/2014/main" id="{0D2E2B9D-A78D-FC4C-9853-1F9C29407D74}"/>
+              </a:ext>
+            </a:extLst>
+          </p:cNvPr>
+          <p:cNvCxnSpPr>
+            <a:cxnSpLocks/>
+          </p:cNvCxnSpPr>
+          <p:nvPr/>
+        </p:nvCxnSpPr>
+        <p:spPr>
+          <a:xfrm flipV="1">
+            <a:off x="5571068" y="5349607"/>
+            <a:ext cx="1578480" cy="949591"/>
+          </a:xfrm>
+          <a:prstGeom prst="straightConnector1">
+            <a:avLst/>
+          </a:prstGeom>
+          <a:ln>
+            <a:tailEnd type="triangle"/>
+          </a:ln>
+        </p:spPr>
+        <p:style>
+          <a:lnRef idx="1">
+            <a:schemeClr val="accent1"/>
+          </a:lnRef>
+          <a:fillRef idx="0">
+            <a:schemeClr val="accent1"/>
+          </a:fillRef>
+          <a:effectRef idx="0">
+            <a:schemeClr val="accent1"/>
+          </a:effectRef>
+          <a:fontRef idx="minor">
+            <a:schemeClr val="tx1"/>
+          </a:fontRef>
+        </p:style>
+      </p:cxnSp>
+      <p:sp>
+        <p:nvSpPr>
+          <p:cNvPr id="18" name="椭圆 17">
+            <a:extLst>
+              <a:ext uri="{FF2B5EF4-FFF2-40B4-BE49-F238E27FC236}">
+                <a16:creationId xmlns:a16="http://schemas.microsoft.com/office/drawing/2014/main" id="{0B293FE7-FDAC-AE41-8004-91E577294B62}"/>
+              </a:ext>
+            </a:extLst>
+          </p:cNvPr>
+          <p:cNvSpPr/>
+          <p:nvPr/>
+        </p:nvSpPr>
+        <p:spPr>
+          <a:xfrm>
+            <a:off x="254000" y="6313476"/>
+            <a:ext cx="211667" cy="211667"/>
+          </a:xfrm>
+          <a:prstGeom prst="ellipse">
+            <a:avLst/>
+          </a:prstGeom>
+          <a:solidFill>
+            <a:srgbClr val="FF0000"/>
+          </a:solidFill>
+          <a:ln>
+            <a:solidFill>
+              <a:srgbClr val="FF0000"/>
+            </a:solidFill>
+          </a:ln>
+        </p:spPr>
+        <p:style>
+          <a:lnRef idx="2">
+            <a:schemeClr val="accent1">
+              <a:shade val="50000"/>
+            </a:schemeClr>
+          </a:lnRef>
+          <a:fillRef idx="1">
+            <a:schemeClr val="accent1"/>
+          </a:fillRef>
+          <a:effectRef idx="0">
+            <a:schemeClr val="accent1"/>
+          </a:effectRef>
+          <a:fontRef idx="minor">
+            <a:schemeClr val="lt1"/>
+          </a:fontRef>
+        </p:style>
+        <p:txBody>
+          <a:bodyPr rtlCol="0" anchor="ctr"/>
+          <a:lstStyle/>
+          <a:p>
+            <a:pPr algn="ctr"/>
+            <a:endParaRPr kumimoji="1" lang="zh-CN" altLang="en-US"/>
+          </a:p>
+        </p:txBody>
+      </p:sp>
+      <mc:AlternateContent xmlns:mc="http://schemas.openxmlformats.org/markup-compatibility/2006" xmlns:a14="http://schemas.microsoft.com/office/drawing/2010/main">
+        <mc:Choice Requires="a14">
+          <p:sp>
+            <p:nvSpPr>
+              <p:cNvPr id="21" name="文本框 20">
+                <a:extLst>
+                  <a:ext uri="{FF2B5EF4-FFF2-40B4-BE49-F238E27FC236}">
+                    <a16:creationId xmlns:a16="http://schemas.microsoft.com/office/drawing/2014/main" id="{2A1F1613-799C-0245-8C99-A09C6FC351CF}"/>
+                  </a:ext>
+                </a:extLst>
+              </p:cNvPr>
+              <p:cNvSpPr txBox="1"/>
+              <p:nvPr/>
+            </p:nvSpPr>
+            <p:spPr>
+              <a:xfrm>
+                <a:off x="254000" y="6564275"/>
+                <a:ext cx="190757" cy="276999"/>
+              </a:xfrm>
+              <a:prstGeom prst="rect">
+                <a:avLst/>
+              </a:prstGeom>
+              <a:noFill/>
+            </p:spPr>
+            <p:txBody>
+              <a:bodyPr wrap="none" lIns="0" tIns="0" rIns="0" bIns="0" rtlCol="0">
+                <a:spAutoFit/>
+              </a:bodyPr>
+              <a:lstStyle/>
+              <a:p>
+                <a:pPr/>
+                <a14:m>
+                  <m:oMathPara xmlns:m="http://schemas.openxmlformats.org/officeDocument/2006/math">
+                    <m:oMathParaPr>
+                      <m:jc m:val="centerGroup"/>
+                    </m:oMathParaPr>
+                    <m:oMath xmlns:m="http://schemas.openxmlformats.org/officeDocument/2006/math">
+                      <m:r>
+                        <a:rPr kumimoji="1" lang="en-US" altLang="zh-CN" b="0" i="1" smtClean="0">
+                          <a:latin typeface="Cambria Math" panose="02040503050406030204" pitchFamily="18" charset="0"/>
+                        </a:rPr>
+                        <m:t>0</m:t>
+                      </m:r>
+                    </m:oMath>
+                  </m:oMathPara>
+                </a14:m>
+                <a:endParaRPr kumimoji="1" lang="zh-CN" altLang="en-US" dirty="0"/>
+              </a:p>
+            </p:txBody>
+          </p:sp>
+        </mc:Choice>
+        <mc:Fallback xmlns="">
+          <p:sp>
+            <p:nvSpPr>
+              <p:cNvPr id="21" name="文本框 20">
+                <a:extLst>
+                  <a:ext uri="{FF2B5EF4-FFF2-40B4-BE49-F238E27FC236}">
+                    <a16:creationId xmlns:a16="http://schemas.microsoft.com/office/drawing/2014/main" id="{2A1F1613-799C-0245-8C99-A09C6FC351CF}"/>
+                  </a:ext>
+                </a:extLst>
+              </p:cNvPr>
+              <p:cNvSpPr txBox="1">
+                <a:spLocks noRot="1" noChangeAspect="1" noMove="1" noResize="1" noEditPoints="1" noAdjustHandles="1" noChangeArrowheads="1" noChangeShapeType="1" noTextEdit="1"/>
+              </p:cNvSpPr>
+              <p:nvPr/>
+            </p:nvSpPr>
+            <p:spPr>
+              <a:xfrm>
+                <a:off x="254000" y="6564275"/>
+                <a:ext cx="190757" cy="276999"/>
+              </a:xfrm>
+              <a:prstGeom prst="rect">
+                <a:avLst/>
+              </a:prstGeom>
+              <a:blipFill>
+                <a:blip r:embed="rId9"/>
+                <a:stretch>
+                  <a:fillRect l="-25000" r="-18750" b="-4348"/>
+                </a:stretch>
+              </a:blipFill>
+            </p:spPr>
+            <p:txBody>
+              <a:bodyPr/>
+              <a:lstStyle/>
+              <a:p>
+                <a:r>
+                  <a:rPr lang="zh-CN" altLang="en-US">
+                    <a:noFill/>
+                  </a:rPr>
+                  <a:t> </a:t>
+                </a:r>
+              </a:p>
+            </p:txBody>
+          </p:sp>
+        </mc:Fallback>
+      </mc:AlternateContent>
+      <p:sp>
+        <p:nvSpPr>
+          <p:cNvPr id="20" name="椭圆 19">
+            <a:extLst>
+              <a:ext uri="{FF2B5EF4-FFF2-40B4-BE49-F238E27FC236}">
+                <a16:creationId xmlns:a16="http://schemas.microsoft.com/office/drawing/2014/main" id="{F0818123-58E1-5F4B-9761-4275B8510060}"/>
+              </a:ext>
+            </a:extLst>
+          </p:cNvPr>
+          <p:cNvSpPr/>
+          <p:nvPr/>
+        </p:nvSpPr>
+        <p:spPr>
+          <a:xfrm>
+            <a:off x="10253135" y="6313475"/>
+            <a:ext cx="211667" cy="211667"/>
+          </a:xfrm>
+          <a:prstGeom prst="ellipse">
+            <a:avLst/>
+          </a:prstGeom>
+          <a:solidFill>
+            <a:srgbClr val="FF0000"/>
+          </a:solidFill>
+          <a:ln>
+            <a:solidFill>
+              <a:srgbClr val="FF0000"/>
+            </a:solidFill>
+          </a:ln>
+        </p:spPr>
+        <p:style>
+          <a:lnRef idx="2">
+            <a:schemeClr val="accent1">
+              <a:shade val="50000"/>
+            </a:schemeClr>
+          </a:lnRef>
+          <a:fillRef idx="1">
+            <a:schemeClr val="accent1"/>
+          </a:fillRef>
+          <a:effectRef idx="0">
+            <a:schemeClr val="accent1"/>
+          </a:effectRef>
+          <a:fontRef idx="minor">
+            <a:schemeClr val="lt1"/>
+          </a:fontRef>
+        </p:style>
+        <p:txBody>
+          <a:bodyPr rtlCol="0" anchor="ctr"/>
+          <a:lstStyle/>
+          <a:p>
+            <a:pPr algn="ctr"/>
+            <a:endParaRPr kumimoji="1" lang="zh-CN" altLang="en-US"/>
+          </a:p>
+        </p:txBody>
+      </p:sp>
+      <mc:AlternateContent xmlns:mc="http://schemas.openxmlformats.org/markup-compatibility/2006" xmlns:a14="http://schemas.microsoft.com/office/drawing/2010/main">
+        <mc:Choice Requires="a14">
+          <p:sp>
+            <p:nvSpPr>
+              <p:cNvPr id="22" name="文本框 21">
+                <a:extLst>
+                  <a:ext uri="{FF2B5EF4-FFF2-40B4-BE49-F238E27FC236}">
+                    <a16:creationId xmlns:a16="http://schemas.microsoft.com/office/drawing/2014/main" id="{AC2F4E1E-8055-9C4F-A159-76E1872C3C24}"/>
+                  </a:ext>
+                </a:extLst>
+              </p:cNvPr>
+              <p:cNvSpPr txBox="1"/>
+              <p:nvPr/>
+            </p:nvSpPr>
+            <p:spPr>
+              <a:xfrm>
+                <a:off x="10274045" y="6569708"/>
+                <a:ext cx="190757" cy="276999"/>
+              </a:xfrm>
+              <a:prstGeom prst="rect">
+                <a:avLst/>
+              </a:prstGeom>
+              <a:noFill/>
+            </p:spPr>
+            <p:txBody>
+              <a:bodyPr wrap="none" lIns="0" tIns="0" rIns="0" bIns="0" rtlCol="0">
+                <a:spAutoFit/>
+              </a:bodyPr>
+              <a:lstStyle/>
+              <a:p>
+                <a:pPr/>
+                <a14:m>
+                  <m:oMathPara xmlns:m="http://schemas.openxmlformats.org/officeDocument/2006/math">
+                    <m:oMathParaPr>
+                      <m:jc m:val="centerGroup"/>
+                    </m:oMathParaPr>
+                    <m:oMath xmlns:m="http://schemas.openxmlformats.org/officeDocument/2006/math">
+                      <m:r>
+                        <a:rPr kumimoji="1" lang="en-US" altLang="zh-CN" b="0" i="1" smtClean="0">
+                          <a:latin typeface="Cambria Math" panose="02040503050406030204" pitchFamily="18" charset="0"/>
+                        </a:rPr>
+                        <m:t>2</m:t>
+                      </m:r>
+                    </m:oMath>
+                  </m:oMathPara>
+                </a14:m>
+                <a:endParaRPr kumimoji="1" lang="zh-CN" altLang="en-US" dirty="0"/>
+              </a:p>
+            </p:txBody>
+          </p:sp>
+        </mc:Choice>
+        <mc:Fallback xmlns="">
+          <p:sp>
+            <p:nvSpPr>
+              <p:cNvPr id="22" name="文本框 21">
+                <a:extLst>
+                  <a:ext uri="{FF2B5EF4-FFF2-40B4-BE49-F238E27FC236}">
+                    <a16:creationId xmlns:a16="http://schemas.microsoft.com/office/drawing/2014/main" id="{AC2F4E1E-8055-9C4F-A159-76E1872C3C24}"/>
+                  </a:ext>
+                </a:extLst>
+              </p:cNvPr>
+              <p:cNvSpPr txBox="1">
+                <a:spLocks noRot="1" noChangeAspect="1" noMove="1" noResize="1" noEditPoints="1" noAdjustHandles="1" noChangeArrowheads="1" noChangeShapeType="1" noTextEdit="1"/>
+              </p:cNvSpPr>
+              <p:nvPr/>
+            </p:nvSpPr>
+            <p:spPr>
+              <a:xfrm>
+                <a:off x="10274045" y="6569708"/>
+                <a:ext cx="190757" cy="276999"/>
+              </a:xfrm>
+              <a:prstGeom prst="rect">
+                <a:avLst/>
+              </a:prstGeom>
+              <a:blipFill>
+                <a:blip r:embed="rId10"/>
+                <a:stretch>
+                  <a:fillRect l="-17647" r="-17647" b="-4348"/>
+                </a:stretch>
+              </a:blipFill>
+            </p:spPr>
+            <p:txBody>
+              <a:bodyPr/>
+              <a:lstStyle/>
+              <a:p>
+                <a:r>
+                  <a:rPr lang="zh-CN" altLang="en-US">
+                    <a:noFill/>
+                  </a:rPr>
+                  <a:t> </a:t>
+                </a:r>
+              </a:p>
+            </p:txBody>
+          </p:sp>
+        </mc:Fallback>
+      </mc:AlternateContent>
+      <p:cxnSp>
+        <p:nvCxnSpPr>
+          <p:cNvPr id="23" name="直线箭头连接符 22">
+            <a:extLst>
+              <a:ext uri="{FF2B5EF4-FFF2-40B4-BE49-F238E27FC236}">
+                <a16:creationId xmlns:a16="http://schemas.microsoft.com/office/drawing/2014/main" id="{2208C668-11A4-6A4F-84B0-9245CC97FA7B}"/>
+              </a:ext>
+            </a:extLst>
+          </p:cNvPr>
+          <p:cNvCxnSpPr>
+            <a:cxnSpLocks/>
+          </p:cNvCxnSpPr>
+          <p:nvPr/>
+        </p:nvCxnSpPr>
+        <p:spPr>
+          <a:xfrm flipV="1">
+            <a:off x="10358968" y="5359400"/>
+            <a:ext cx="266699" cy="869413"/>
+          </a:xfrm>
+          <a:prstGeom prst="straightConnector1">
+            <a:avLst/>
+          </a:prstGeom>
+          <a:ln>
+            <a:tailEnd type="triangle"/>
+          </a:ln>
+        </p:spPr>
+        <p:style>
+          <a:lnRef idx="1">
+            <a:schemeClr val="accent1"/>
+          </a:lnRef>
+          <a:fillRef idx="0">
+            <a:schemeClr val="accent1"/>
+          </a:fillRef>
+          <a:effectRef idx="0">
+            <a:schemeClr val="accent1"/>
+          </a:effectRef>
+          <a:fontRef idx="minor">
+            <a:schemeClr val="tx1"/>
+          </a:fontRef>
+        </p:style>
+      </p:cxnSp>
+      <p:pic>
+        <p:nvPicPr>
+          <p:cNvPr id="24" name="图片 23">
+            <a:extLst>
+              <a:ext uri="{FF2B5EF4-FFF2-40B4-BE49-F238E27FC236}">
+                <a16:creationId xmlns:a16="http://schemas.microsoft.com/office/drawing/2014/main" id="{E3D12ACB-F252-8A40-A19F-935029342A56}"/>
+              </a:ext>
+            </a:extLst>
+          </p:cNvPr>
+          <p:cNvPicPr>
+            <a:picLocks noChangeAspect="1"/>
+          </p:cNvPicPr>
+          <p:nvPr/>
+        </p:nvPicPr>
+        <p:blipFill>
+          <a:blip r:embed="rId11"/>
+          <a:stretch>
+            <a:fillRect/>
+          </a:stretch>
+        </p:blipFill>
+        <p:spPr>
+          <a:xfrm>
+            <a:off x="8754001" y="1853454"/>
+            <a:ext cx="3421602" cy="3362439"/>
+          </a:xfrm>
+          <a:prstGeom prst="rect">
+            <a:avLst/>
+          </a:prstGeom>
+        </p:spPr>
+      </p:pic>
+      <p:pic>
+        <p:nvPicPr>
+          <p:cNvPr id="29" name="图片 28">
+            <a:extLst>
+              <a:ext uri="{FF2B5EF4-FFF2-40B4-BE49-F238E27FC236}">
+                <a16:creationId xmlns:a16="http://schemas.microsoft.com/office/drawing/2014/main" id="{DAFB749E-C6C8-8F46-854C-F27315B68572}"/>
+              </a:ext>
+            </a:extLst>
+          </p:cNvPr>
+          <p:cNvPicPr>
+            <a:picLocks noChangeAspect="1"/>
+          </p:cNvPicPr>
+          <p:nvPr/>
+        </p:nvPicPr>
+        <p:blipFill>
+          <a:blip r:embed="rId12"/>
+          <a:stretch>
+            <a:fillRect/>
+          </a:stretch>
+        </p:blipFill>
+        <p:spPr>
+          <a:xfrm>
+            <a:off x="5231173" y="2140738"/>
+            <a:ext cx="3522828" cy="3107267"/>
+          </a:xfrm>
+          <a:prstGeom prst="rect">
+            <a:avLst/>
+          </a:prstGeom>
+        </p:spPr>
+      </p:pic>
+      <p:pic>
+        <p:nvPicPr>
+          <p:cNvPr id="4" name="图片 3">
+            <a:extLst>
+              <a:ext uri="{FF2B5EF4-FFF2-40B4-BE49-F238E27FC236}">
+                <a16:creationId xmlns:a16="http://schemas.microsoft.com/office/drawing/2014/main" id="{02F7BDF6-1E51-E145-8933-3D0916DCFDE5}"/>
+              </a:ext>
+            </a:extLst>
+          </p:cNvPr>
+          <p:cNvPicPr>
+            <a:picLocks noChangeAspect="1"/>
+          </p:cNvPicPr>
+          <p:nvPr/>
+        </p:nvPicPr>
+        <p:blipFill>
+          <a:blip r:embed="rId13"/>
+          <a:stretch>
+            <a:fillRect/>
+          </a:stretch>
+        </p:blipFill>
+        <p:spPr>
+          <a:xfrm>
+            <a:off x="932373" y="2147014"/>
+            <a:ext cx="3969156" cy="3107257"/>
+          </a:xfrm>
+          <a:prstGeom prst="rect">
+            <a:avLst/>
+          </a:prstGeom>
+        </p:spPr>
+      </p:pic>
+    </p:spTree>
+    <p:extLst>
+      <p:ext uri="{BB962C8B-B14F-4D97-AF65-F5344CB8AC3E}">
+        <p14:creationId xmlns:p14="http://schemas.microsoft.com/office/powerpoint/2010/main" val="859228831"/>
+      </p:ext>
+    </p:extLst>
+  </p:cSld>
+  <p:clrMapOvr>
+    <a:masterClrMapping/>
+  </p:clrMapOvr>
+</p:sld>
+</file>
+
+<file path=ppt/slides/slide12.xml><?xml version="1.0" encoding="utf-8"?>
+<p:sld xmlns:a="http://schemas.openxmlformats.org/drawingml/2006/main" xmlns:r="http://schemas.openxmlformats.org/officeDocument/2006/relationships" xmlns:p="http://schemas.openxmlformats.org/presentationml/2006/main">
+  <p:cSld>
+    <p:spTree>
+      <p:nvGrpSpPr>
+        <p:cNvPr id="1" name=""/>
+        <p:cNvGrpSpPr/>
+        <p:nvPr/>
+      </p:nvGrpSpPr>
+      <p:grpSpPr>
+        <a:xfrm>
+          <a:off x="0" y="0"/>
+          <a:ext cx="0" cy="0"/>
+          <a:chOff x="0" y="0"/>
+          <a:chExt cx="0" cy="0"/>
+        </a:xfrm>
+      </p:grpSpPr>
+      <mc:AlternateContent xmlns:mc="http://schemas.openxmlformats.org/markup-compatibility/2006" xmlns:a14="http://schemas.microsoft.com/office/drawing/2010/main">
+        <mc:Choice Requires="a14">
+          <p:sp>
+            <p:nvSpPr>
+              <p:cNvPr id="2" name="标题 1">
+                <a:extLst>
+                  <a:ext uri="{FF2B5EF4-FFF2-40B4-BE49-F238E27FC236}">
+                    <a16:creationId xmlns:a16="http://schemas.microsoft.com/office/drawing/2014/main" id="{C9AB7513-3169-C241-97C3-7BD9C33066D6}"/>
+                  </a:ext>
+                </a:extLst>
+              </p:cNvPr>
+              <p:cNvSpPr>
+                <a:spLocks noGrp="1"/>
+              </p:cNvSpPr>
+              <p:nvPr>
+                <p:ph type="title"/>
+              </p:nvPr>
+            </p:nvSpPr>
+            <p:spPr>
+              <a:xfrm>
+                <a:off x="554420" y="128643"/>
+                <a:ext cx="10515600" cy="1325563"/>
+              </a:xfrm>
+            </p:spPr>
+            <p:txBody>
+              <a:bodyPr>
+                <a:normAutofit/>
+              </a:bodyPr>
+              <a:lstStyle/>
+              <a:p>
+                <a:r>
+                  <a:rPr kumimoji="1" lang="en-US" altLang="zh-CN" sz="3600" dirty="0">
+                    <a:latin typeface="Palatino Linotype" panose="02040502050505030304" pitchFamily="18" charset="0"/>
+                  </a:rPr>
+                  <a:t>Landscape: 4-leg ladder, </a:t>
+                </a:r>
+                <a14:m>
+                  <m:oMath xmlns:m="http://schemas.openxmlformats.org/officeDocument/2006/math">
+                    <m:r>
+                      <a:rPr kumimoji="1" lang="en-US" altLang="zh-CN" sz="3600" i="1">
+                        <a:latin typeface="Cambria Math" panose="02040503050406030204" pitchFamily="18" charset="0"/>
+                      </a:rPr>
+                      <m:t>𝛿</m:t>
+                    </m:r>
+                    <m:r>
+                      <a:rPr kumimoji="1" lang="en-US" altLang="zh-CN" sz="3600" i="1">
+                        <a:latin typeface="Cambria Math" panose="02040503050406030204" pitchFamily="18" charset="0"/>
+                      </a:rPr>
+                      <m:t>=1/8</m:t>
+                    </m:r>
+                  </m:oMath>
+                </a14:m>
+                <a:endParaRPr kumimoji="1" lang="zh-CN" altLang="en-US" sz="3600" dirty="0"/>
+              </a:p>
+            </p:txBody>
+          </p:sp>
+        </mc:Choice>
+        <mc:Fallback xmlns="">
+          <p:sp>
+            <p:nvSpPr>
+              <p:cNvPr id="2" name="标题 1">
+                <a:extLst>
+                  <a:ext uri="{FF2B5EF4-FFF2-40B4-BE49-F238E27FC236}">
+                    <a16:creationId xmlns:a16="http://schemas.microsoft.com/office/drawing/2014/main" id="{C9AB7513-3169-C241-97C3-7BD9C33066D6}"/>
+                  </a:ext>
+                </a:extLst>
+              </p:cNvPr>
+              <p:cNvSpPr>
+                <a:spLocks noGrp="1" noRot="1" noChangeAspect="1" noMove="1" noResize="1" noEditPoints="1" noAdjustHandles="1" noChangeArrowheads="1" noChangeShapeType="1" noTextEdit="1"/>
+              </p:cNvSpPr>
+              <p:nvPr>
+                <p:ph type="title"/>
+              </p:nvPr>
+            </p:nvSpPr>
+            <p:spPr>
+              <a:xfrm>
+                <a:off x="554420" y="128643"/>
+                <a:ext cx="10515600" cy="1325563"/>
+              </a:xfrm>
+              <a:blipFill>
+                <a:blip r:embed="rId2"/>
+                <a:stretch>
+                  <a:fillRect l="-1689"/>
+                </a:stretch>
+              </a:blipFill>
+            </p:spPr>
+            <p:txBody>
+              <a:bodyPr/>
+              <a:lstStyle/>
+              <a:p>
+                <a:r>
+                  <a:rPr lang="zh-CN" altLang="en-US">
+                    <a:noFill/>
+                  </a:rPr>
+                  <a:t> </a:t>
+                </a:r>
+              </a:p>
+            </p:txBody>
+          </p:sp>
+        </mc:Fallback>
+      </mc:AlternateContent>
+      <p:pic>
+        <p:nvPicPr>
+          <p:cNvPr id="4" name="图片 3">
+            <a:extLst>
+              <a:ext uri="{FF2B5EF4-FFF2-40B4-BE49-F238E27FC236}">
+                <a16:creationId xmlns:a16="http://schemas.microsoft.com/office/drawing/2014/main" id="{DBA81324-C3A9-3142-87D8-9ED45B330A0B}"/>
+              </a:ext>
+            </a:extLst>
+          </p:cNvPr>
+          <p:cNvPicPr>
+            <a:picLocks noChangeAspect="1"/>
+          </p:cNvPicPr>
+          <p:nvPr/>
+        </p:nvPicPr>
+        <p:blipFill>
+          <a:blip r:embed="rId3"/>
+          <a:stretch>
+            <a:fillRect/>
+          </a:stretch>
+        </p:blipFill>
+        <p:spPr>
+          <a:xfrm>
+            <a:off x="1121980" y="1192157"/>
+            <a:ext cx="9588500" cy="5537200"/>
+          </a:xfrm>
+          <a:prstGeom prst="rect">
+            <a:avLst/>
+          </a:prstGeom>
+        </p:spPr>
+      </p:pic>
+    </p:spTree>
+    <p:extLst>
+      <p:ext uri="{BB962C8B-B14F-4D97-AF65-F5344CB8AC3E}">
+        <p14:creationId xmlns:p14="http://schemas.microsoft.com/office/powerpoint/2010/main" val="2744334416"/>
+      </p:ext>
+    </p:extLst>
+  </p:cSld>
+  <p:clrMapOvr>
+    <a:masterClrMapping/>
+  </p:clrMapOvr>
+</p:sld>
+</file>
+
+<file path=ppt/slides/slide13.xml><?xml version="1.0" encoding="utf-8"?>
+<p:sld xmlns:a="http://schemas.openxmlformats.org/drawingml/2006/main" xmlns:r="http://schemas.openxmlformats.org/officeDocument/2006/relationships" xmlns:p="http://schemas.openxmlformats.org/presentationml/2006/main">
+  <p:cSld>
+    <p:spTree>
+      <p:nvGrpSpPr>
+        <p:cNvPr id="1" name=""/>
+        <p:cNvGrpSpPr/>
+        <p:nvPr/>
+      </p:nvGrpSpPr>
+      <p:grpSpPr>
+        <a:xfrm>
+          <a:off x="0" y="0"/>
+          <a:ext cx="0" cy="0"/>
+          <a:chOff x="0" y="0"/>
+          <a:chExt cx="0" cy="0"/>
+        </a:xfrm>
+      </p:grpSpPr>
       <p:sp>
         <p:nvSpPr>
           <p:cNvPr id="2" name="标题 1">
@@ -6649,7 +8986,7 @@
 </p:sld>
 </file>
 
-<file path=ppt/slides/slide11.xml><?xml version="1.0" encoding="utf-8"?>
+<file path=ppt/slides/slide14.xml><?xml version="1.0" encoding="utf-8"?>
 <p:sld xmlns:a="http://schemas.openxmlformats.org/drawingml/2006/main" xmlns:r="http://schemas.openxmlformats.org/officeDocument/2006/relationships" xmlns:p="http://schemas.openxmlformats.org/presentationml/2006/main">
   <p:cSld>
     <p:spTree>
@@ -6917,7 +9254,7 @@
 </p:sld>
 </file>
 
-<file path=ppt/slides/slide12.xml><?xml version="1.0" encoding="utf-8"?>
+<file path=ppt/slides/slide15.xml><?xml version="1.0" encoding="utf-8"?>
 <p:sld xmlns:a="http://schemas.openxmlformats.org/drawingml/2006/main" xmlns:r="http://schemas.openxmlformats.org/officeDocument/2006/relationships" xmlns:p="http://schemas.openxmlformats.org/presentationml/2006/main">
   <p:cSld>
     <p:spTree>
@@ -7440,7 +9777,7 @@
 </p:sld>
 </file>
 
-<file path=ppt/slides/slide13.xml><?xml version="1.0" encoding="utf-8"?>
+<file path=ppt/slides/slide16.xml><?xml version="1.0" encoding="utf-8"?>
 <p:sld xmlns:a="http://schemas.openxmlformats.org/drawingml/2006/main" xmlns:r="http://schemas.openxmlformats.org/officeDocument/2006/relationships" xmlns:p="http://schemas.openxmlformats.org/presentationml/2006/main" show="0">
   <p:cSld>
     <p:spTree>
@@ -7596,167 +9933,6 @@
     <p:extLst>
       <p:ext uri="{BB962C8B-B14F-4D97-AF65-F5344CB8AC3E}">
         <p14:creationId xmlns:p14="http://schemas.microsoft.com/office/powerpoint/2010/main" val="635726184"/>
-      </p:ext>
-    </p:extLst>
-  </p:cSld>
-  <p:clrMapOvr>
-    <a:masterClrMapping/>
-  </p:clrMapOvr>
-</p:sld>
-</file>
-
-<file path=ppt/slides/slide14.xml><?xml version="1.0" encoding="utf-8"?>
-<p:sld xmlns:a="http://schemas.openxmlformats.org/drawingml/2006/main" xmlns:r="http://schemas.openxmlformats.org/officeDocument/2006/relationships" xmlns:p="http://schemas.openxmlformats.org/presentationml/2006/main">
-  <p:cSld>
-    <p:spTree>
-      <p:nvGrpSpPr>
-        <p:cNvPr id="1" name=""/>
-        <p:cNvGrpSpPr/>
-        <p:nvPr/>
-      </p:nvGrpSpPr>
-      <p:grpSpPr>
-        <a:xfrm>
-          <a:off x="0" y="0"/>
-          <a:ext cx="0" cy="0"/>
-          <a:chOff x="0" y="0"/>
-          <a:chExt cx="0" cy="0"/>
-        </a:xfrm>
-      </p:grpSpPr>
-      <mc:AlternateContent xmlns:mc="http://schemas.openxmlformats.org/markup-compatibility/2006" xmlns:a14="http://schemas.microsoft.com/office/drawing/2010/main">
-        <mc:Choice Requires="a14">
-          <p:sp>
-            <p:nvSpPr>
-              <p:cNvPr id="2" name="标题 1">
-                <a:extLst>
-                  <a:ext uri="{FF2B5EF4-FFF2-40B4-BE49-F238E27FC236}">
-                    <a16:creationId xmlns:a16="http://schemas.microsoft.com/office/drawing/2014/main" id="{C9AB7513-3169-C241-97C3-7BD9C33066D6}"/>
-                  </a:ext>
-                </a:extLst>
-              </p:cNvPr>
-              <p:cNvSpPr>
-                <a:spLocks noGrp="1"/>
-              </p:cNvSpPr>
-              <p:nvPr>
-                <p:ph type="title"/>
-              </p:nvPr>
-            </p:nvSpPr>
-            <p:spPr>
-              <a:xfrm>
-                <a:off x="554420" y="128643"/>
-                <a:ext cx="10515600" cy="1325563"/>
-              </a:xfrm>
-            </p:spPr>
-            <p:txBody>
-              <a:bodyPr>
-                <a:normAutofit/>
-              </a:bodyPr>
-              <a:lstStyle/>
-              <a:p>
-                <a:r>
-                  <a:rPr kumimoji="1" lang="en-US" altLang="zh-CN" sz="3600" dirty="0">
-                    <a:latin typeface="Palatino Linotype" panose="02040502050505030304" pitchFamily="18" charset="0"/>
-                  </a:rPr>
-                  <a:t>Landscape: 4-leg ladder, </a:t>
-                </a:r>
-                <a14:m>
-                  <m:oMath xmlns:m="http://schemas.openxmlformats.org/officeDocument/2006/math">
-                    <m:r>
-                      <a:rPr kumimoji="1" lang="en-US" altLang="zh-CN" sz="3600" i="1">
-                        <a:latin typeface="Cambria Math" panose="02040503050406030204" pitchFamily="18" charset="0"/>
-                      </a:rPr>
-                      <m:t>𝛿</m:t>
-                    </m:r>
-                    <m:r>
-                      <a:rPr kumimoji="1" lang="en-US" altLang="zh-CN" sz="3600" i="1">
-                        <a:latin typeface="Cambria Math" panose="02040503050406030204" pitchFamily="18" charset="0"/>
-                      </a:rPr>
-                      <m:t>=1/8</m:t>
-                    </m:r>
-                  </m:oMath>
-                </a14:m>
-                <a:endParaRPr kumimoji="1" lang="zh-CN" altLang="en-US" sz="3600" dirty="0"/>
-              </a:p>
-            </p:txBody>
-          </p:sp>
-        </mc:Choice>
-        <mc:Fallback xmlns="">
-          <p:sp>
-            <p:nvSpPr>
-              <p:cNvPr id="2" name="标题 1">
-                <a:extLst>
-                  <a:ext uri="{FF2B5EF4-FFF2-40B4-BE49-F238E27FC236}">
-                    <a16:creationId xmlns:a16="http://schemas.microsoft.com/office/drawing/2014/main" id="{C9AB7513-3169-C241-97C3-7BD9C33066D6}"/>
-                  </a:ext>
-                </a:extLst>
-              </p:cNvPr>
-              <p:cNvSpPr>
-                <a:spLocks noGrp="1" noRot="1" noChangeAspect="1" noMove="1" noResize="1" noEditPoints="1" noAdjustHandles="1" noChangeArrowheads="1" noChangeShapeType="1" noTextEdit="1"/>
-              </p:cNvSpPr>
-              <p:nvPr>
-                <p:ph type="title"/>
-              </p:nvPr>
-            </p:nvSpPr>
-            <p:spPr>
-              <a:xfrm>
-                <a:off x="554420" y="128643"/>
-                <a:ext cx="10515600" cy="1325563"/>
-              </a:xfrm>
-              <a:blipFill>
-                <a:blip r:embed="rId2"/>
-                <a:stretch>
-                  <a:fillRect l="-1689"/>
-                </a:stretch>
-              </a:blipFill>
-            </p:spPr>
-            <p:txBody>
-              <a:bodyPr/>
-              <a:lstStyle/>
-              <a:p>
-                <a:r>
-                  <a:rPr lang="zh-CN" altLang="en-US">
-                    <a:noFill/>
-                  </a:rPr>
-                  <a:t> </a:t>
-                </a:r>
-              </a:p>
-            </p:txBody>
-          </p:sp>
-        </mc:Fallback>
-      </mc:AlternateContent>
-      <p:pic>
-        <p:nvPicPr>
-          <p:cNvPr id="5" name="图片 4">
-            <a:extLst>
-              <a:ext uri="{FF2B5EF4-FFF2-40B4-BE49-F238E27FC236}">
-                <a16:creationId xmlns:a16="http://schemas.microsoft.com/office/drawing/2014/main" id="{D03B8C91-933E-0042-AA1B-19B60819AD06}"/>
-              </a:ext>
-            </a:extLst>
-          </p:cNvPr>
-          <p:cNvPicPr>
-            <a:picLocks noChangeAspect="1"/>
-          </p:cNvPicPr>
-          <p:nvPr/>
-        </p:nvPicPr>
-        <p:blipFill>
-          <a:blip r:embed="rId3"/>
-          <a:stretch>
-            <a:fillRect/>
-          </a:stretch>
-        </p:blipFill>
-        <p:spPr>
-          <a:xfrm>
-            <a:off x="2268920" y="1607137"/>
-            <a:ext cx="7086600" cy="4089400"/>
-          </a:xfrm>
-          <a:prstGeom prst="rect">
-            <a:avLst/>
-          </a:prstGeom>
-        </p:spPr>
-      </p:pic>
-    </p:spTree>
-    <p:extLst>
-      <p:ext uri="{BB962C8B-B14F-4D97-AF65-F5344CB8AC3E}">
-        <p14:creationId xmlns:p14="http://schemas.microsoft.com/office/powerpoint/2010/main" val="2744334416"/>
       </p:ext>
     </p:extLst>
   </p:cSld>
@@ -9799,8 +11975,8 @@
           </p:sp>
         </mc:Fallback>
       </mc:AlternateContent>
-      <mc:AlternateContent xmlns:mc="http://schemas.openxmlformats.org/markup-compatibility/2006">
-        <mc:Choice xmlns:a14="http://schemas.microsoft.com/office/drawing/2010/main" Requires="a14">
+      <mc:AlternateContent xmlns:mc="http://schemas.openxmlformats.org/markup-compatibility/2006" xmlns:a14="http://schemas.microsoft.com/office/drawing/2010/main">
+        <mc:Choice Requires="a14">
           <p:sp>
             <p:nvSpPr>
               <p:cNvPr id="9" name="文本框 8">
@@ -9857,13 +12033,7 @@
                             <a:rPr kumimoji="1" lang="en-US" altLang="zh-CN" b="0" i="1" smtClean="0">
                               <a:latin typeface="Cambria Math" panose="02040503050406030204" pitchFamily="18" charset="0"/>
                             </a:rPr>
-                            <m:t>0. </m:t>
-                          </m:r>
-                          <m:r>
-                            <a:rPr kumimoji="1" lang="en-US" altLang="zh-CN" b="0" i="1" smtClean="0">
-                              <a:latin typeface="Cambria Math" panose="02040503050406030204" pitchFamily="18" charset="0"/>
-                            </a:rPr>
-                            <m:t>71415</m:t>
+                            <m:t>0. 71415</m:t>
                           </m:r>
                         </m:den>
                       </m:f>
@@ -9887,7 +12057,7 @@
             </p:txBody>
           </p:sp>
         </mc:Choice>
-        <mc:Fallback>
+        <mc:Fallback xmlns="">
           <p:sp>
             <p:nvSpPr>
               <p:cNvPr id="9" name="文本框 8">
@@ -10415,8 +12585,219 @@
           <a:chExt cx="0" cy="0"/>
         </a:xfrm>
       </p:grpSpPr>
-      <mc:AlternateContent xmlns:mc="http://schemas.openxmlformats.org/markup-compatibility/2006">
-        <mc:Choice xmlns:a14="http://schemas.microsoft.com/office/drawing/2010/main" Requires="a14">
+      <mc:AlternateContent xmlns:mc="http://schemas.openxmlformats.org/markup-compatibility/2006" xmlns:a14="http://schemas.microsoft.com/office/drawing/2010/main">
+        <mc:Choice Requires="a14">
+          <p:sp>
+            <p:nvSpPr>
+              <p:cNvPr id="2" name="标题 1">
+                <a:extLst>
+                  <a:ext uri="{FF2B5EF4-FFF2-40B4-BE49-F238E27FC236}">
+                    <a16:creationId xmlns:a16="http://schemas.microsoft.com/office/drawing/2014/main" id="{AAF3A4E8-8FA3-F948-8A6B-1E36E49C1BF9}"/>
+                  </a:ext>
+                </a:extLst>
+              </p:cNvPr>
+              <p:cNvSpPr>
+                <a:spLocks noGrp="1"/>
+              </p:cNvSpPr>
+              <p:nvPr>
+                <p:ph type="title"/>
+              </p:nvPr>
+            </p:nvSpPr>
+            <p:spPr>
+              <a:xfrm>
+                <a:off x="279400" y="695326"/>
+                <a:ext cx="4826000" cy="1573741"/>
+              </a:xfrm>
+            </p:spPr>
+            <p:txBody>
+              <a:bodyPr>
+                <a:normAutofit fontScale="90000"/>
+              </a:bodyPr>
+              <a:lstStyle/>
+              <a:p>
+                <a:r>
+                  <a:rPr kumimoji="1" lang="en-US" altLang="zh-CN" dirty="0">
+                    <a:latin typeface="Times New Roman" panose="02020603050405020304" pitchFamily="18" charset="0"/>
+                    <a:cs typeface="Times New Roman" panose="02020603050405020304" pitchFamily="18" charset="0"/>
+                  </a:rPr>
+                  <a:t>Extrapolate:</a:t>
+                </a:r>
+                <a:br>
+                  <a:rPr kumimoji="1" lang="en-US" altLang="zh-CN" dirty="0">
+                    <a:latin typeface="Times New Roman" panose="02020603050405020304" pitchFamily="18" charset="0"/>
+                    <a:cs typeface="Times New Roman" panose="02020603050405020304" pitchFamily="18" charset="0"/>
+                  </a:rPr>
+                </a:br>
+                <a14:m>
+                  <m:oMath xmlns:m="http://schemas.openxmlformats.org/officeDocument/2006/math">
+                    <m:sSub>
+                      <m:sSubPr>
+                        <m:ctrlPr>
+                          <a:rPr kumimoji="1" lang="en-US" altLang="zh-CN" i="1" dirty="0" smtClean="0">
+                            <a:latin typeface="Cambria Math" panose="02040503050406030204" pitchFamily="18" charset="0"/>
+                            <a:cs typeface="Times New Roman" panose="02020603050405020304" pitchFamily="18" charset="0"/>
+                          </a:rPr>
+                        </m:ctrlPr>
+                      </m:sSubPr>
+                      <m:e>
+                        <m:r>
+                          <a:rPr kumimoji="1" lang="en-US" altLang="zh-CN" i="1" dirty="0" smtClean="0">
+                            <a:latin typeface="Cambria Math" panose="02040503050406030204" pitchFamily="18" charset="0"/>
+                            <a:cs typeface="Times New Roman" panose="02020603050405020304" pitchFamily="18" charset="0"/>
+                          </a:rPr>
+                          <m:t>𝐴</m:t>
+                        </m:r>
+                      </m:e>
+                      <m:sub>
+                        <m:r>
+                          <a:rPr kumimoji="1" lang="en-US" altLang="zh-CN" i="1" dirty="0" smtClean="0">
+                            <a:latin typeface="Cambria Math" panose="02040503050406030204" pitchFamily="18" charset="0"/>
+                            <a:cs typeface="Times New Roman" panose="02020603050405020304" pitchFamily="18" charset="0"/>
+                          </a:rPr>
+                          <m:t>𝑐𝑑𝑤</m:t>
+                        </m:r>
+                      </m:sub>
+                    </m:sSub>
+                    <m:r>
+                      <a:rPr kumimoji="1" lang="en-US" altLang="zh-CN" i="1" dirty="0" smtClean="0">
+                        <a:latin typeface="Cambria Math" panose="02040503050406030204" pitchFamily="18" charset="0"/>
+                        <a:cs typeface="Times New Roman" panose="02020603050405020304" pitchFamily="18" charset="0"/>
+                      </a:rPr>
+                      <m:t> </m:t>
+                    </m:r>
+                  </m:oMath>
+                </a14:m>
+                <a:r>
+                  <a:rPr kumimoji="1" lang="en-US" altLang="zh-CN" i="1" dirty="0" err="1">
+                    <a:latin typeface="Times New Roman" panose="02020603050405020304" pitchFamily="18" charset="0"/>
+                    <a:cs typeface="Times New Roman" panose="02020603050405020304" pitchFamily="18" charset="0"/>
+                  </a:rPr>
+                  <a:t>v.s</a:t>
+                </a:r>
+                <a:r>
+                  <a:rPr kumimoji="1" lang="en-US" altLang="zh-CN" i="1" dirty="0">
+                    <a:latin typeface="Times New Roman" panose="02020603050405020304" pitchFamily="18" charset="0"/>
+                    <a:cs typeface="Times New Roman" panose="02020603050405020304" pitchFamily="18" charset="0"/>
+                  </a:rPr>
+                  <a:t>. </a:t>
+                </a:r>
+                <a:r>
+                  <a:rPr kumimoji="1" lang="en-US" altLang="zh-CN" dirty="0">
+                    <a:latin typeface="Times New Roman" panose="02020603050405020304" pitchFamily="18" charset="0"/>
+                    <a:cs typeface="Times New Roman" panose="02020603050405020304" pitchFamily="18" charset="0"/>
+                  </a:rPr>
+                  <a:t>truncation error</a:t>
+                </a:r>
+                <a:endParaRPr kumimoji="1" lang="zh-CN" altLang="en-US" dirty="0"/>
+              </a:p>
+            </p:txBody>
+          </p:sp>
+        </mc:Choice>
+        <mc:Fallback xmlns="">
+          <p:sp>
+            <p:nvSpPr>
+              <p:cNvPr id="2" name="标题 1">
+                <a:extLst>
+                  <a:ext uri="{FF2B5EF4-FFF2-40B4-BE49-F238E27FC236}">
+                    <a16:creationId xmlns:a16="http://schemas.microsoft.com/office/drawing/2014/main" id="{AAF3A4E8-8FA3-F948-8A6B-1E36E49C1BF9}"/>
+                  </a:ext>
+                </a:extLst>
+              </p:cNvPr>
+              <p:cNvSpPr>
+                <a:spLocks noGrp="1" noRot="1" noChangeAspect="1" noMove="1" noResize="1" noEditPoints="1" noAdjustHandles="1" noChangeArrowheads="1" noChangeShapeType="1" noTextEdit="1"/>
+              </p:cNvSpPr>
+              <p:nvPr>
+                <p:ph type="title"/>
+              </p:nvPr>
+            </p:nvSpPr>
+            <p:spPr>
+              <a:xfrm>
+                <a:off x="279400" y="695326"/>
+                <a:ext cx="4826000" cy="1573741"/>
+              </a:xfrm>
+              <a:blipFill>
+                <a:blip r:embed="rId2"/>
+                <a:stretch>
+                  <a:fillRect l="-4724" t="-16000" b="-20800"/>
+                </a:stretch>
+              </a:blipFill>
+            </p:spPr>
+            <p:txBody>
+              <a:bodyPr/>
+              <a:lstStyle/>
+              <a:p>
+                <a:r>
+                  <a:rPr lang="zh-CN" altLang="en-US">
+                    <a:noFill/>
+                  </a:rPr>
+                  <a:t> </a:t>
+                </a:r>
+              </a:p>
+            </p:txBody>
+          </p:sp>
+        </mc:Fallback>
+      </mc:AlternateContent>
+      <p:pic>
+        <p:nvPicPr>
+          <p:cNvPr id="4" name="图片 3">
+            <a:extLst>
+              <a:ext uri="{FF2B5EF4-FFF2-40B4-BE49-F238E27FC236}">
+                <a16:creationId xmlns:a16="http://schemas.microsoft.com/office/drawing/2014/main" id="{19A1D5D9-CC63-F846-9852-0690423EFF5E}"/>
+              </a:ext>
+            </a:extLst>
+          </p:cNvPr>
+          <p:cNvPicPr>
+            <a:picLocks noChangeAspect="1"/>
+          </p:cNvPicPr>
+          <p:nvPr/>
+        </p:nvPicPr>
+        <p:blipFill rotWithShape="1">
+          <a:blip r:embed="rId3"/>
+          <a:srcRect l="4569"/>
+          <a:stretch/>
+        </p:blipFill>
+        <p:spPr>
+          <a:xfrm>
+            <a:off x="4800600" y="119592"/>
+            <a:ext cx="6785737" cy="6738407"/>
+          </a:xfrm>
+          <a:prstGeom prst="rect">
+            <a:avLst/>
+          </a:prstGeom>
+        </p:spPr>
+      </p:pic>
+    </p:spTree>
+    <p:extLst>
+      <p:ext uri="{BB962C8B-B14F-4D97-AF65-F5344CB8AC3E}">
+        <p14:creationId xmlns:p14="http://schemas.microsoft.com/office/powerpoint/2010/main" val="3955625042"/>
+      </p:ext>
+    </p:extLst>
+  </p:cSld>
+  <p:clrMapOvr>
+    <a:masterClrMapping/>
+  </p:clrMapOvr>
+</p:sld>
+</file>
+
+<file path=ppt/slides/slide6.xml><?xml version="1.0" encoding="utf-8"?>
+<p:sld xmlns:a="http://schemas.openxmlformats.org/drawingml/2006/main" xmlns:r="http://schemas.openxmlformats.org/officeDocument/2006/relationships" xmlns:p="http://schemas.openxmlformats.org/presentationml/2006/main">
+  <p:cSld>
+    <p:spTree>
+      <p:nvGrpSpPr>
+        <p:cNvPr id="1" name=""/>
+        <p:cNvGrpSpPr/>
+        <p:nvPr/>
+      </p:nvGrpSpPr>
+      <p:grpSpPr>
+        <a:xfrm>
+          <a:off x="0" y="0"/>
+          <a:ext cx="0" cy="0"/>
+          <a:chOff x="0" y="0"/>
+          <a:chExt cx="0" cy="0"/>
+        </a:xfrm>
+      </p:grpSpPr>
+      <mc:AlternateContent xmlns:mc="http://schemas.openxmlformats.org/markup-compatibility/2006" xmlns:a14="http://schemas.microsoft.com/office/drawing/2010/main">
+        <mc:Choice Requires="a14">
           <p:sp>
             <p:nvSpPr>
               <p:cNvPr id="4" name="文本框 3">
@@ -11029,14 +13410,7 @@
                         <a:latin typeface="Cambria Math" panose="02040503050406030204" pitchFamily="18" charset="0"/>
                         <a:cs typeface="Times New Roman" panose="02020603050405020304" pitchFamily="18" charset="0"/>
                       </a:rPr>
-                      <m:t>=</m:t>
-                    </m:r>
-                    <m:r>
-                      <a:rPr lang="en-US" altLang="zh-CN" i="1" dirty="0">
-                        <a:latin typeface="Cambria Math" panose="02040503050406030204" pitchFamily="18" charset="0"/>
-                        <a:cs typeface="Times New Roman" panose="02020603050405020304" pitchFamily="18" charset="0"/>
-                      </a:rPr>
-                      <m:t>1.39738</m:t>
+                      <m:t>=1.39738</m:t>
                     </m:r>
                   </m:oMath>
                 </a14:m>
@@ -11055,7 +13429,7 @@
             </p:txBody>
           </p:sp>
         </mc:Choice>
-        <mc:Fallback>
+        <mc:Fallback xmlns="">
           <p:sp>
             <p:nvSpPr>
               <p:cNvPr id="4" name="文本框 3">
@@ -11383,10 +13757,10 @@
       </mc:AlternateContent>
       <p:pic>
         <p:nvPicPr>
-          <p:cNvPr id="3" name="图片 2">
+          <p:cNvPr id="5" name="图片 4">
             <a:extLst>
               <a:ext uri="{FF2B5EF4-FFF2-40B4-BE49-F238E27FC236}">
-                <a16:creationId xmlns:a16="http://schemas.microsoft.com/office/drawing/2014/main" id="{75B1E08C-C8C7-A545-8C17-A0E5636D2ED5}"/>
+                <a16:creationId xmlns:a16="http://schemas.microsoft.com/office/drawing/2014/main" id="{734DC6F4-A7B9-D141-A71C-981B51AD2340}"/>
               </a:ext>
             </a:extLst>
           </p:cNvPr>
@@ -11403,8 +13777,8 @@
         </p:blipFill>
         <p:spPr>
           <a:xfrm>
-            <a:off x="248510" y="1523999"/>
-            <a:ext cx="5283871" cy="5198533"/>
+            <a:off x="653143" y="1822173"/>
+            <a:ext cx="5121708" cy="4207565"/>
           </a:xfrm>
           <a:prstGeom prst="rect">
             <a:avLst/>
@@ -11424,7 +13798,7 @@
 </p:sld>
 </file>
 
-<file path=ppt/slides/slide6.xml><?xml version="1.0" encoding="utf-8"?>
+<file path=ppt/slides/slide7.xml><?xml version="1.0" encoding="utf-8"?>
 <p:sld xmlns:a="http://schemas.openxmlformats.org/drawingml/2006/main" xmlns:r="http://schemas.openxmlformats.org/officeDocument/2006/relationships" xmlns:p="http://schemas.openxmlformats.org/presentationml/2006/main">
   <p:cSld>
     <p:spTree>
@@ -11441,8 +13815,269 @@
           <a:chExt cx="0" cy="0"/>
         </a:xfrm>
       </p:grpSpPr>
-      <mc:AlternateContent xmlns:mc="http://schemas.openxmlformats.org/markup-compatibility/2006">
-        <mc:Choice xmlns:a14="http://schemas.microsoft.com/office/drawing/2010/main" Requires="a14">
+      <p:pic>
+        <p:nvPicPr>
+          <p:cNvPr id="4" name="图片 3">
+            <a:extLst>
+              <a:ext uri="{FF2B5EF4-FFF2-40B4-BE49-F238E27FC236}">
+                <a16:creationId xmlns:a16="http://schemas.microsoft.com/office/drawing/2014/main" id="{9E446C2F-C2F5-4642-A9AB-1E4F6F28ACA3}"/>
+              </a:ext>
+            </a:extLst>
+          </p:cNvPr>
+          <p:cNvPicPr>
+            <a:picLocks noChangeAspect="1"/>
+          </p:cNvPicPr>
+          <p:nvPr/>
+        </p:nvPicPr>
+        <p:blipFill>
+          <a:blip r:embed="rId2"/>
+          <a:stretch>
+            <a:fillRect/>
+          </a:stretch>
+        </p:blipFill>
+        <p:spPr>
+          <a:xfrm>
+            <a:off x="366968" y="1828800"/>
+            <a:ext cx="5138443" cy="4109565"/>
+          </a:xfrm>
+          <a:prstGeom prst="rect">
+            <a:avLst/>
+          </a:prstGeom>
+        </p:spPr>
+      </p:pic>
+      <p:sp>
+        <p:nvSpPr>
+          <p:cNvPr id="6" name="文本框 5">
+            <a:extLst>
+              <a:ext uri="{FF2B5EF4-FFF2-40B4-BE49-F238E27FC236}">
+                <a16:creationId xmlns:a16="http://schemas.microsoft.com/office/drawing/2014/main" id="{4FA68455-E3D1-EF42-96C4-397E3B8F9B93}"/>
+              </a:ext>
+            </a:extLst>
+          </p:cNvPr>
+          <p:cNvSpPr txBox="1"/>
+          <p:nvPr/>
+        </p:nvSpPr>
+        <p:spPr>
+          <a:xfrm>
+            <a:off x="778933" y="431032"/>
+            <a:ext cx="6096000" cy="646331"/>
+          </a:xfrm>
+          <a:prstGeom prst="rect">
+            <a:avLst/>
+          </a:prstGeom>
+          <a:noFill/>
+        </p:spPr>
+        <p:txBody>
+          <a:bodyPr wrap="square">
+            <a:spAutoFit/>
+          </a:bodyPr>
+          <a:lstStyle/>
+          <a:p>
+            <a:r>
+              <a:rPr kumimoji="1" lang="en-US" altLang="zh-CN" sz="3600" dirty="0">
+                <a:latin typeface="Times New Roman" panose="02020603050405020304" pitchFamily="18" charset="0"/>
+                <a:cs typeface="Times New Roman" panose="02020603050405020304" pitchFamily="18" charset="0"/>
+              </a:rPr>
+              <a:t>Extrapolate:</a:t>
+            </a:r>
+            <a:endParaRPr lang="zh-CN" altLang="en-US" sz="3600" dirty="0"/>
+          </a:p>
+        </p:txBody>
+      </p:sp>
+      <p:pic>
+        <p:nvPicPr>
+          <p:cNvPr id="2" name="图片 1">
+            <a:extLst>
+              <a:ext uri="{FF2B5EF4-FFF2-40B4-BE49-F238E27FC236}">
+                <a16:creationId xmlns:a16="http://schemas.microsoft.com/office/drawing/2014/main" id="{5B74C238-D417-764E-AC60-B164EC9A7647}"/>
+              </a:ext>
+            </a:extLst>
+          </p:cNvPr>
+          <p:cNvPicPr>
+            <a:picLocks noChangeAspect="1"/>
+          </p:cNvPicPr>
+          <p:nvPr/>
+        </p:nvPicPr>
+        <p:blipFill>
+          <a:blip r:embed="rId3"/>
+          <a:stretch>
+            <a:fillRect/>
+          </a:stretch>
+        </p:blipFill>
+        <p:spPr>
+          <a:xfrm>
+            <a:off x="5607619" y="1530626"/>
+            <a:ext cx="4534133" cy="4558748"/>
+          </a:xfrm>
+          <a:prstGeom prst="rect">
+            <a:avLst/>
+          </a:prstGeom>
+        </p:spPr>
+      </p:pic>
+      <p:sp>
+        <p:nvSpPr>
+          <p:cNvPr id="3" name="文本框 2">
+            <a:extLst>
+              <a:ext uri="{FF2B5EF4-FFF2-40B4-BE49-F238E27FC236}">
+                <a16:creationId xmlns:a16="http://schemas.microsoft.com/office/drawing/2014/main" id="{BFC292A9-73AC-9042-85AB-AE97B8CC7E48}"/>
+              </a:ext>
+            </a:extLst>
+          </p:cNvPr>
+          <p:cNvSpPr txBox="1"/>
+          <p:nvPr/>
+        </p:nvSpPr>
+        <p:spPr>
+          <a:xfrm>
+            <a:off x="6162261" y="1126435"/>
+            <a:ext cx="1967948" cy="369332"/>
+          </a:xfrm>
+          <a:prstGeom prst="rect">
+            <a:avLst/>
+          </a:prstGeom>
+          <a:noFill/>
+        </p:spPr>
+        <p:txBody>
+          <a:bodyPr wrap="square" rtlCol="0">
+            <a:spAutoFit/>
+          </a:bodyPr>
+          <a:lstStyle/>
+          <a:p>
+            <a:r>
+              <a:rPr kumimoji="1" lang="en-US" altLang="zh-CN" dirty="0"/>
+              <a:t>Lx = 32</a:t>
+            </a:r>
+            <a:endParaRPr kumimoji="1" lang="zh-CN" altLang="en-US" dirty="0"/>
+          </a:p>
+        </p:txBody>
+      </p:sp>
+    </p:spTree>
+    <p:extLst>
+      <p:ext uri="{BB962C8B-B14F-4D97-AF65-F5344CB8AC3E}">
+        <p14:creationId xmlns:p14="http://schemas.microsoft.com/office/powerpoint/2010/main" val="3229489330"/>
+      </p:ext>
+    </p:extLst>
+  </p:cSld>
+  <p:clrMapOvr>
+    <a:masterClrMapping/>
+  </p:clrMapOvr>
+</p:sld>
+</file>
+
+<file path=ppt/slides/slide8.xml><?xml version="1.0" encoding="utf-8"?>
+<p:sld xmlns:a="http://schemas.openxmlformats.org/drawingml/2006/main" xmlns:r="http://schemas.openxmlformats.org/officeDocument/2006/relationships" xmlns:p="http://schemas.openxmlformats.org/presentationml/2006/main">
+  <p:cSld>
+    <p:spTree>
+      <p:nvGrpSpPr>
+        <p:cNvPr id="1" name=""/>
+        <p:cNvGrpSpPr/>
+        <p:nvPr/>
+      </p:nvGrpSpPr>
+      <p:grpSpPr>
+        <a:xfrm>
+          <a:off x="0" y="0"/>
+          <a:ext cx="0" cy="0"/>
+          <a:chOff x="0" y="0"/>
+          <a:chExt cx="0" cy="0"/>
+        </a:xfrm>
+      </p:grpSpPr>
+      <p:pic>
+        <p:nvPicPr>
+          <p:cNvPr id="4" name="图片 3">
+            <a:extLst>
+              <a:ext uri="{FF2B5EF4-FFF2-40B4-BE49-F238E27FC236}">
+                <a16:creationId xmlns:a16="http://schemas.microsoft.com/office/drawing/2014/main" id="{9EF93702-AB43-AF41-B4D8-CB720E9EBD97}"/>
+              </a:ext>
+            </a:extLst>
+          </p:cNvPr>
+          <p:cNvPicPr>
+            <a:picLocks noChangeAspect="1"/>
+          </p:cNvPicPr>
+          <p:nvPr/>
+        </p:nvPicPr>
+        <p:blipFill>
+          <a:blip r:embed="rId2"/>
+          <a:stretch>
+            <a:fillRect/>
+          </a:stretch>
+        </p:blipFill>
+        <p:spPr>
+          <a:xfrm>
+            <a:off x="739196" y="619538"/>
+            <a:ext cx="6085173" cy="5618923"/>
+          </a:xfrm>
+          <a:prstGeom prst="rect">
+            <a:avLst/>
+          </a:prstGeom>
+        </p:spPr>
+      </p:pic>
+      <p:sp>
+        <p:nvSpPr>
+          <p:cNvPr id="6" name="文本框 5">
+            <a:extLst>
+              <a:ext uri="{FF2B5EF4-FFF2-40B4-BE49-F238E27FC236}">
+                <a16:creationId xmlns:a16="http://schemas.microsoft.com/office/drawing/2014/main" id="{9FE4660A-9894-8C4A-AF38-33239EA50A68}"/>
+              </a:ext>
+            </a:extLst>
+          </p:cNvPr>
+          <p:cNvSpPr txBox="1"/>
+          <p:nvPr/>
+        </p:nvSpPr>
+        <p:spPr>
+          <a:xfrm>
+            <a:off x="1524000" y="145774"/>
+            <a:ext cx="1967948" cy="369332"/>
+          </a:xfrm>
+          <a:prstGeom prst="rect">
+            <a:avLst/>
+          </a:prstGeom>
+          <a:noFill/>
+        </p:spPr>
+        <p:txBody>
+          <a:bodyPr wrap="square" rtlCol="0">
+            <a:spAutoFit/>
+          </a:bodyPr>
+          <a:lstStyle/>
+          <a:p>
+            <a:r>
+              <a:rPr kumimoji="1" lang="en-US" altLang="zh-CN" dirty="0"/>
+              <a:t>Lx = 40</a:t>
+            </a:r>
+            <a:endParaRPr kumimoji="1" lang="zh-CN" altLang="en-US" dirty="0"/>
+          </a:p>
+        </p:txBody>
+      </p:sp>
+    </p:spTree>
+    <p:extLst>
+      <p:ext uri="{BB962C8B-B14F-4D97-AF65-F5344CB8AC3E}">
+        <p14:creationId xmlns:p14="http://schemas.microsoft.com/office/powerpoint/2010/main" val="1746334861"/>
+      </p:ext>
+    </p:extLst>
+  </p:cSld>
+  <p:clrMapOvr>
+    <a:masterClrMapping/>
+  </p:clrMapOvr>
+</p:sld>
+</file>
+
+<file path=ppt/slides/slide9.xml><?xml version="1.0" encoding="utf-8"?>
+<p:sld xmlns:a="http://schemas.openxmlformats.org/drawingml/2006/main" xmlns:r="http://schemas.openxmlformats.org/officeDocument/2006/relationships" xmlns:p="http://schemas.openxmlformats.org/presentationml/2006/main">
+  <p:cSld>
+    <p:spTree>
+      <p:nvGrpSpPr>
+        <p:cNvPr id="1" name=""/>
+        <p:cNvGrpSpPr/>
+        <p:nvPr/>
+      </p:nvGrpSpPr>
+      <p:grpSpPr>
+        <a:xfrm>
+          <a:off x="0" y="0"/>
+          <a:ext cx="0" cy="0"/>
+          <a:chOff x="0" y="0"/>
+          <a:chExt cx="0" cy="0"/>
+        </a:xfrm>
+      </p:grpSpPr>
+      <mc:AlternateContent xmlns:mc="http://schemas.openxmlformats.org/markup-compatibility/2006" xmlns:a14="http://schemas.microsoft.com/office/drawing/2010/main">
+        <mc:Choice Requires="a14">
           <p:sp>
             <p:nvSpPr>
               <p:cNvPr id="5" name="文本框 4">
@@ -11531,7 +14166,7 @@
             </p:txBody>
           </p:sp>
         </mc:Choice>
-        <mc:Fallback>
+        <mc:Fallback xmlns="">
           <p:sp>
             <p:nvSpPr>
               <p:cNvPr id="5" name="文本框 4">
@@ -12356,2306 +14991,6 @@
 </p:sld>
 </file>
 
-<file path=ppt/slides/slide7.xml><?xml version="1.0" encoding="utf-8"?>
-<p:sld xmlns:a="http://schemas.openxmlformats.org/drawingml/2006/main" xmlns:r="http://schemas.openxmlformats.org/officeDocument/2006/relationships" xmlns:p="http://schemas.openxmlformats.org/presentationml/2006/main">
-  <p:cSld>
-    <p:spTree>
-      <p:nvGrpSpPr>
-        <p:cNvPr id="1" name=""/>
-        <p:cNvGrpSpPr/>
-        <p:nvPr/>
-      </p:nvGrpSpPr>
-      <p:grpSpPr>
-        <a:xfrm>
-          <a:off x="0" y="0"/>
-          <a:ext cx="0" cy="0"/>
-          <a:chOff x="0" y="0"/>
-          <a:chExt cx="0" cy="0"/>
-        </a:xfrm>
-      </p:grpSpPr>
-      <mc:AlternateContent xmlns:mc="http://schemas.openxmlformats.org/markup-compatibility/2006" xmlns:a14="http://schemas.microsoft.com/office/drawing/2010/main">
-        <mc:Choice Requires="a14">
-          <p:sp>
-            <p:nvSpPr>
-              <p:cNvPr id="2" name="标题 1">
-                <a:extLst>
-                  <a:ext uri="{FF2B5EF4-FFF2-40B4-BE49-F238E27FC236}">
-                    <a16:creationId xmlns:a16="http://schemas.microsoft.com/office/drawing/2014/main" id="{6221F7F7-84FA-214A-A5E1-734DFB212D2C}"/>
-                  </a:ext>
-                </a:extLst>
-              </p:cNvPr>
-              <p:cNvSpPr>
-                <a:spLocks noGrp="1"/>
-              </p:cNvSpPr>
-              <p:nvPr>
-                <p:ph type="title"/>
-              </p:nvPr>
-            </p:nvSpPr>
-            <p:spPr>
-              <a:xfrm>
-                <a:off x="465667" y="194240"/>
-                <a:ext cx="10515600" cy="881028"/>
-              </a:xfrm>
-            </p:spPr>
-            <p:txBody>
-              <a:bodyPr>
-                <a:normAutofit/>
-              </a:bodyPr>
-              <a:lstStyle/>
-              <a:p>
-                <a14:m>
-                  <m:oMath xmlns:m="http://schemas.openxmlformats.org/officeDocument/2006/math">
-                    <m:r>
-                      <a:rPr kumimoji="1" lang="en-US" altLang="zh-CN" sz="2800" b="0" i="1" dirty="0" smtClean="0">
-                        <a:latin typeface="Cambria Math" panose="02040503050406030204" pitchFamily="18" charset="0"/>
-                      </a:rPr>
-                      <m:t>𝜆</m:t>
-                    </m:r>
-                    <m:r>
-                      <a:rPr kumimoji="1" lang="en-US" altLang="zh-CN" sz="2800" i="1" dirty="0">
-                        <a:latin typeface="Cambria Math" panose="02040503050406030204" pitchFamily="18" charset="0"/>
-                      </a:rPr>
-                      <m:t>=0.3, </m:t>
-                    </m:r>
-                    <m:sSub>
-                      <m:sSubPr>
-                        <m:ctrlPr>
-                          <a:rPr kumimoji="1" lang="en-US" altLang="zh-CN" sz="2800" b="0" i="1" dirty="0" smtClean="0">
-                            <a:latin typeface="Cambria Math" panose="02040503050406030204" pitchFamily="18" charset="0"/>
-                          </a:rPr>
-                        </m:ctrlPr>
-                      </m:sSubPr>
-                      <m:e>
-                        <m:r>
-                          <a:rPr kumimoji="1" lang="en-US" altLang="zh-CN" sz="2800" i="1" dirty="0">
-                            <a:latin typeface="Cambria Math" panose="02040503050406030204" pitchFamily="18" charset="0"/>
-                          </a:rPr>
-                          <m:t>𝐿</m:t>
-                        </m:r>
-                      </m:e>
-                      <m:sub>
-                        <m:r>
-                          <a:rPr kumimoji="1" lang="en-US" altLang="zh-CN" sz="2800" i="1" dirty="0">
-                            <a:latin typeface="Cambria Math" panose="02040503050406030204" pitchFamily="18" charset="0"/>
-                          </a:rPr>
-                          <m:t>𝑥</m:t>
-                        </m:r>
-                      </m:sub>
-                    </m:sSub>
-                    <m:r>
-                      <a:rPr kumimoji="1" lang="en-US" altLang="zh-CN" sz="2800" i="1" dirty="0">
-                        <a:latin typeface="Cambria Math" panose="02040503050406030204" pitchFamily="18" charset="0"/>
-                      </a:rPr>
-                      <m:t>=48, </m:t>
-                    </m:r>
-                    <m:r>
-                      <a:rPr kumimoji="1" lang="en-US" altLang="zh-CN" sz="2800" b="0" i="1" dirty="0" smtClean="0">
-                        <a:latin typeface="Cambria Math" panose="02040503050406030204" pitchFamily="18" charset="0"/>
-                      </a:rPr>
-                      <m:t>𝐷</m:t>
-                    </m:r>
-                    <m:r>
-                      <a:rPr kumimoji="1" lang="en-US" altLang="zh-CN" sz="2800" i="1" dirty="0">
-                        <a:latin typeface="Cambria Math" panose="02040503050406030204" pitchFamily="18" charset="0"/>
-                      </a:rPr>
-                      <m:t>=8000</m:t>
-                    </m:r>
-                  </m:oMath>
-                </a14:m>
-                <a:r>
-                  <a:rPr kumimoji="1" lang="en-US" altLang="zh-CN" sz="2800" dirty="0">
-                    <a:latin typeface="Arial Hebrew" pitchFamily="2" charset="-79"/>
-                    <a:cs typeface="Arial Hebrew" pitchFamily="2" charset="-79"/>
-                  </a:rPr>
-                  <a:t>, compare s-wave and d-wave</a:t>
-                </a:r>
-                <a:endParaRPr kumimoji="1" lang="zh-CN" altLang="en-US" sz="2800" dirty="0">
-                  <a:latin typeface="Arial Hebrew" pitchFamily="2" charset="-79"/>
-                  <a:cs typeface="Arial Hebrew" pitchFamily="2" charset="-79"/>
-                </a:endParaRPr>
-              </a:p>
-            </p:txBody>
-          </p:sp>
-        </mc:Choice>
-        <mc:Fallback xmlns="">
-          <p:sp>
-            <p:nvSpPr>
-              <p:cNvPr id="2" name="标题 1">
-                <a:extLst>
-                  <a:ext uri="{FF2B5EF4-FFF2-40B4-BE49-F238E27FC236}">
-                    <a16:creationId xmlns:a16="http://schemas.microsoft.com/office/drawing/2014/main" id="{6221F7F7-84FA-214A-A5E1-734DFB212D2C}"/>
-                  </a:ext>
-                </a:extLst>
-              </p:cNvPr>
-              <p:cNvSpPr>
-                <a:spLocks noGrp="1" noRot="1" noChangeAspect="1" noMove="1" noResize="1" noEditPoints="1" noAdjustHandles="1" noChangeArrowheads="1" noChangeShapeType="1" noTextEdit="1"/>
-              </p:cNvSpPr>
-              <p:nvPr>
-                <p:ph type="title"/>
-              </p:nvPr>
-            </p:nvSpPr>
-            <p:spPr>
-              <a:xfrm>
-                <a:off x="465667" y="194240"/>
-                <a:ext cx="10515600" cy="881028"/>
-              </a:xfrm>
-              <a:blipFill>
-                <a:blip r:embed="rId2"/>
-                <a:stretch>
-                  <a:fillRect l="-362"/>
-                </a:stretch>
-              </a:blipFill>
-            </p:spPr>
-            <p:txBody>
-              <a:bodyPr/>
-              <a:lstStyle/>
-              <a:p>
-                <a:r>
-                  <a:rPr lang="zh-CN" altLang="en-US">
-                    <a:noFill/>
-                  </a:rPr>
-                  <a:t> </a:t>
-                </a:r>
-              </a:p>
-            </p:txBody>
-          </p:sp>
-        </mc:Fallback>
-      </mc:AlternateContent>
-      <p:pic>
-        <p:nvPicPr>
-          <p:cNvPr id="3" name="图片 2">
-            <a:extLst>
-              <a:ext uri="{FF2B5EF4-FFF2-40B4-BE49-F238E27FC236}">
-                <a16:creationId xmlns:a16="http://schemas.microsoft.com/office/drawing/2014/main" id="{6E4300BD-CA5A-7A43-A2C2-4358E88C08F7}"/>
-              </a:ext>
-            </a:extLst>
-          </p:cNvPr>
-          <p:cNvPicPr>
-            <a:picLocks noChangeAspect="1"/>
-          </p:cNvPicPr>
-          <p:nvPr/>
-        </p:nvPicPr>
-        <p:blipFill>
-          <a:blip r:embed="rId3"/>
-          <a:stretch>
-            <a:fillRect/>
-          </a:stretch>
-        </p:blipFill>
-        <p:spPr>
-          <a:xfrm>
-            <a:off x="8019488" y="2223809"/>
-            <a:ext cx="4295696" cy="3332750"/>
-          </a:xfrm>
-          <a:prstGeom prst="rect">
-            <a:avLst/>
-          </a:prstGeom>
-        </p:spPr>
-      </p:pic>
-      <p:cxnSp>
-        <p:nvCxnSpPr>
-          <p:cNvPr id="6" name="直线箭头连接符 5">
-            <a:extLst>
-              <a:ext uri="{FF2B5EF4-FFF2-40B4-BE49-F238E27FC236}">
-                <a16:creationId xmlns:a16="http://schemas.microsoft.com/office/drawing/2014/main" id="{247A1376-C683-8B4A-90D7-358FABC2AA7F}"/>
-              </a:ext>
-            </a:extLst>
-          </p:cNvPr>
-          <p:cNvCxnSpPr/>
-          <p:nvPr/>
-        </p:nvCxnSpPr>
-        <p:spPr>
-          <a:xfrm>
-            <a:off x="355600" y="6426200"/>
-            <a:ext cx="11260667" cy="0"/>
-          </a:xfrm>
-          <a:prstGeom prst="straightConnector1">
-            <a:avLst/>
-          </a:prstGeom>
-          <a:ln w="28575">
-            <a:solidFill>
-              <a:schemeClr val="tx1"/>
-            </a:solidFill>
-            <a:tailEnd type="triangle"/>
-          </a:ln>
-        </p:spPr>
-        <p:style>
-          <a:lnRef idx="1">
-            <a:schemeClr val="dk1"/>
-          </a:lnRef>
-          <a:fillRef idx="0">
-            <a:schemeClr val="dk1"/>
-          </a:fillRef>
-          <a:effectRef idx="0">
-            <a:schemeClr val="dk1"/>
-          </a:effectRef>
-          <a:fontRef idx="minor">
-            <a:schemeClr val="tx1"/>
-          </a:fontRef>
-        </p:style>
-      </p:cxnSp>
-      <p:sp>
-        <p:nvSpPr>
-          <p:cNvPr id="7" name="椭圆 6">
-            <a:extLst>
-              <a:ext uri="{FF2B5EF4-FFF2-40B4-BE49-F238E27FC236}">
-                <a16:creationId xmlns:a16="http://schemas.microsoft.com/office/drawing/2014/main" id="{FF228E77-AC87-464B-AFB2-E9668EEF8D37}"/>
-              </a:ext>
-            </a:extLst>
-          </p:cNvPr>
-          <p:cNvSpPr/>
-          <p:nvPr/>
-        </p:nvSpPr>
-        <p:spPr>
-          <a:xfrm>
-            <a:off x="3824944" y="6307671"/>
-            <a:ext cx="211667" cy="211667"/>
-          </a:xfrm>
-          <a:prstGeom prst="ellipse">
-            <a:avLst/>
-          </a:prstGeom>
-          <a:solidFill>
-            <a:srgbClr val="FF0000"/>
-          </a:solidFill>
-          <a:ln>
-            <a:solidFill>
-              <a:srgbClr val="FF0000"/>
-            </a:solidFill>
-          </a:ln>
-        </p:spPr>
-        <p:style>
-          <a:lnRef idx="2">
-            <a:schemeClr val="accent1">
-              <a:shade val="50000"/>
-            </a:schemeClr>
-          </a:lnRef>
-          <a:fillRef idx="1">
-            <a:schemeClr val="accent1"/>
-          </a:fillRef>
-          <a:effectRef idx="0">
-            <a:schemeClr val="accent1"/>
-          </a:effectRef>
-          <a:fontRef idx="minor">
-            <a:schemeClr val="lt1"/>
-          </a:fontRef>
-        </p:style>
-        <p:txBody>
-          <a:bodyPr rtlCol="0" anchor="ctr"/>
-          <a:lstStyle/>
-          <a:p>
-            <a:pPr algn="ctr"/>
-            <a:endParaRPr kumimoji="1" lang="zh-CN" altLang="en-US"/>
-          </a:p>
-        </p:txBody>
-      </p:sp>
-      <p:sp>
-        <p:nvSpPr>
-          <p:cNvPr id="8" name="椭圆 7">
-            <a:extLst>
-              <a:ext uri="{FF2B5EF4-FFF2-40B4-BE49-F238E27FC236}">
-                <a16:creationId xmlns:a16="http://schemas.microsoft.com/office/drawing/2014/main" id="{F35B32A3-B16E-9949-B30B-F6DCA83A4876}"/>
-              </a:ext>
-            </a:extLst>
-          </p:cNvPr>
-          <p:cNvSpPr/>
-          <p:nvPr/>
-        </p:nvSpPr>
-        <p:spPr>
-          <a:xfrm>
-            <a:off x="5359401" y="6299196"/>
-            <a:ext cx="211667" cy="211667"/>
-          </a:xfrm>
-          <a:prstGeom prst="ellipse">
-            <a:avLst/>
-          </a:prstGeom>
-          <a:solidFill>
-            <a:srgbClr val="FF0000"/>
-          </a:solidFill>
-          <a:ln>
-            <a:solidFill>
-              <a:srgbClr val="FF0000"/>
-            </a:solidFill>
-          </a:ln>
-        </p:spPr>
-        <p:style>
-          <a:lnRef idx="2">
-            <a:schemeClr val="accent1">
-              <a:shade val="50000"/>
-            </a:schemeClr>
-          </a:lnRef>
-          <a:fillRef idx="1">
-            <a:schemeClr val="accent1"/>
-          </a:fillRef>
-          <a:effectRef idx="0">
-            <a:schemeClr val="accent1"/>
-          </a:effectRef>
-          <a:fontRef idx="minor">
-            <a:schemeClr val="lt1"/>
-          </a:fontRef>
-        </p:style>
-        <p:txBody>
-          <a:bodyPr rtlCol="0" anchor="ctr"/>
-          <a:lstStyle/>
-          <a:p>
-            <a:pPr algn="ctr"/>
-            <a:endParaRPr kumimoji="1" lang="zh-CN" altLang="en-US"/>
-          </a:p>
-        </p:txBody>
-      </p:sp>
-      <mc:AlternateContent xmlns:mc="http://schemas.openxmlformats.org/markup-compatibility/2006">
-        <mc:Choice xmlns:a14="http://schemas.microsoft.com/office/drawing/2010/main" Requires="a14">
-          <p:sp>
-            <p:nvSpPr>
-              <p:cNvPr id="9" name="文本框 8">
-                <a:extLst>
-                  <a:ext uri="{FF2B5EF4-FFF2-40B4-BE49-F238E27FC236}">
-                    <a16:creationId xmlns:a16="http://schemas.microsoft.com/office/drawing/2014/main" id="{3C17D2D0-EBAE-494E-8F02-E637C65706F7}"/>
-                  </a:ext>
-                </a:extLst>
-              </p:cNvPr>
-              <p:cNvSpPr txBox="1"/>
-              <p:nvPr/>
-            </p:nvSpPr>
-            <p:spPr>
-              <a:xfrm>
-                <a:off x="3845854" y="6564274"/>
-                <a:ext cx="190757" cy="276999"/>
-              </a:xfrm>
-              <a:prstGeom prst="rect">
-                <a:avLst/>
-              </a:prstGeom>
-              <a:noFill/>
-            </p:spPr>
-            <p:txBody>
-              <a:bodyPr wrap="none" lIns="0" tIns="0" rIns="0" bIns="0" rtlCol="0">
-                <a:spAutoFit/>
-              </a:bodyPr>
-              <a:lstStyle/>
-              <a:p>
-                <a:pPr/>
-                <a14:m>
-                  <m:oMathPara xmlns:m="http://schemas.openxmlformats.org/officeDocument/2006/math">
-                    <m:oMathParaPr>
-                      <m:jc m:val="centerGroup"/>
-                    </m:oMathParaPr>
-                    <m:oMath xmlns:m="http://schemas.openxmlformats.org/officeDocument/2006/math">
-                      <m:r>
-                        <a:rPr kumimoji="1" lang="en-US" altLang="zh-CN" b="0" i="1" smtClean="0">
-                          <a:latin typeface="Cambria Math" panose="02040503050406030204" pitchFamily="18" charset="0"/>
-                        </a:rPr>
-                        <m:t>3</m:t>
-                      </m:r>
-                    </m:oMath>
-                  </m:oMathPara>
-                </a14:m>
-                <a:endParaRPr kumimoji="1" lang="zh-CN" altLang="en-US" dirty="0"/>
-              </a:p>
-            </p:txBody>
-          </p:sp>
-        </mc:Choice>
-        <mc:Fallback>
-          <p:sp>
-            <p:nvSpPr>
-              <p:cNvPr id="9" name="文本框 8">
-                <a:extLst>
-                  <a:ext uri="{FF2B5EF4-FFF2-40B4-BE49-F238E27FC236}">
-                    <a16:creationId xmlns:a16="http://schemas.microsoft.com/office/drawing/2014/main" id="{3C17D2D0-EBAE-494E-8F02-E637C65706F7}"/>
-                  </a:ext>
-                </a:extLst>
-              </p:cNvPr>
-              <p:cNvSpPr txBox="1">
-                <a:spLocks noRot="1" noChangeAspect="1" noMove="1" noResize="1" noEditPoints="1" noAdjustHandles="1" noChangeArrowheads="1" noChangeShapeType="1" noTextEdit="1"/>
-              </p:cNvSpPr>
-              <p:nvPr/>
-            </p:nvSpPr>
-            <p:spPr>
-              <a:xfrm>
-                <a:off x="3845854" y="6564274"/>
-                <a:ext cx="190757" cy="276999"/>
-              </a:xfrm>
-              <a:prstGeom prst="rect">
-                <a:avLst/>
-              </a:prstGeom>
-              <a:blipFill>
-                <a:blip r:embed="rId4"/>
-                <a:stretch>
-                  <a:fillRect l="-18750" r="-25000" b="-4348"/>
-                </a:stretch>
-              </a:blipFill>
-            </p:spPr>
-            <p:txBody>
-              <a:bodyPr/>
-              <a:lstStyle/>
-              <a:p>
-                <a:r>
-                  <a:rPr lang="zh-CN" altLang="en-US">
-                    <a:noFill/>
-                  </a:rPr>
-                  <a:t> </a:t>
-                </a:r>
-              </a:p>
-            </p:txBody>
-          </p:sp>
-        </mc:Fallback>
-      </mc:AlternateContent>
-      <mc:AlternateContent xmlns:mc="http://schemas.openxmlformats.org/markup-compatibility/2006" xmlns:a14="http://schemas.microsoft.com/office/drawing/2010/main">
-        <mc:Choice Requires="a14">
-          <p:sp>
-            <p:nvSpPr>
-              <p:cNvPr id="10" name="文本框 9">
-                <a:extLst>
-                  <a:ext uri="{FF2B5EF4-FFF2-40B4-BE49-F238E27FC236}">
-                    <a16:creationId xmlns:a16="http://schemas.microsoft.com/office/drawing/2014/main" id="{F36C51FD-44AB-2940-868B-0CA5EFE73EB2}"/>
-                  </a:ext>
-                </a:extLst>
-              </p:cNvPr>
-              <p:cNvSpPr txBox="1"/>
-              <p:nvPr/>
-            </p:nvSpPr>
-            <p:spPr>
-              <a:xfrm>
-                <a:off x="5380312" y="6553205"/>
-                <a:ext cx="190757" cy="276999"/>
-              </a:xfrm>
-              <a:prstGeom prst="rect">
-                <a:avLst/>
-              </a:prstGeom>
-              <a:noFill/>
-            </p:spPr>
-            <p:txBody>
-              <a:bodyPr wrap="none" lIns="0" tIns="0" rIns="0" bIns="0" rtlCol="0">
-                <a:spAutoFit/>
-              </a:bodyPr>
-              <a:lstStyle/>
-              <a:p>
-                <a:pPr/>
-                <a14:m>
-                  <m:oMathPara xmlns:m="http://schemas.openxmlformats.org/officeDocument/2006/math">
-                    <m:oMathParaPr>
-                      <m:jc m:val="centerGroup"/>
-                    </m:oMathParaPr>
-                    <m:oMath xmlns:m="http://schemas.openxmlformats.org/officeDocument/2006/math">
-                      <m:r>
-                        <a:rPr kumimoji="1" lang="en-US" altLang="zh-CN" b="0" i="1" smtClean="0">
-                          <a:latin typeface="Cambria Math" panose="02040503050406030204" pitchFamily="18" charset="0"/>
-                        </a:rPr>
-                        <m:t>4</m:t>
-                      </m:r>
-                    </m:oMath>
-                  </m:oMathPara>
-                </a14:m>
-                <a:endParaRPr kumimoji="1" lang="zh-CN" altLang="en-US" dirty="0"/>
-              </a:p>
-            </p:txBody>
-          </p:sp>
-        </mc:Choice>
-        <mc:Fallback xmlns="">
-          <p:sp>
-            <p:nvSpPr>
-              <p:cNvPr id="10" name="文本框 9">
-                <a:extLst>
-                  <a:ext uri="{FF2B5EF4-FFF2-40B4-BE49-F238E27FC236}">
-                    <a16:creationId xmlns:a16="http://schemas.microsoft.com/office/drawing/2014/main" id="{F36C51FD-44AB-2940-868B-0CA5EFE73EB2}"/>
-                  </a:ext>
-                </a:extLst>
-              </p:cNvPr>
-              <p:cNvSpPr txBox="1">
-                <a:spLocks noRot="1" noChangeAspect="1" noMove="1" noResize="1" noEditPoints="1" noAdjustHandles="1" noChangeArrowheads="1" noChangeShapeType="1" noTextEdit="1"/>
-              </p:cNvSpPr>
-              <p:nvPr/>
-            </p:nvSpPr>
-            <p:spPr>
-              <a:xfrm>
-                <a:off x="5380312" y="6553205"/>
-                <a:ext cx="190757" cy="276999"/>
-              </a:xfrm>
-              <a:prstGeom prst="rect">
-                <a:avLst/>
-              </a:prstGeom>
-              <a:blipFill>
-                <a:blip r:embed="rId6"/>
-                <a:stretch>
-                  <a:fillRect l="-18750" r="-25000" b="-9091"/>
-                </a:stretch>
-              </a:blipFill>
-            </p:spPr>
-            <p:txBody>
-              <a:bodyPr/>
-              <a:lstStyle/>
-              <a:p>
-                <a:r>
-                  <a:rPr lang="zh-CN" altLang="en-US">
-                    <a:noFill/>
-                  </a:rPr>
-                  <a:t> </a:t>
-                </a:r>
-              </a:p>
-            </p:txBody>
-          </p:sp>
-        </mc:Fallback>
-      </mc:AlternateContent>
-      <mc:AlternateContent xmlns:mc="http://schemas.openxmlformats.org/markup-compatibility/2006" xmlns:a14="http://schemas.microsoft.com/office/drawing/2010/main">
-        <mc:Choice Requires="a14">
-          <p:sp>
-            <p:nvSpPr>
-              <p:cNvPr id="11" name="文本框 10">
-                <a:extLst>
-                  <a:ext uri="{FF2B5EF4-FFF2-40B4-BE49-F238E27FC236}">
-                    <a16:creationId xmlns:a16="http://schemas.microsoft.com/office/drawing/2014/main" id="{CDABDEB0-9962-894A-8816-059BEEA0B6F8}"/>
-                  </a:ext>
-                </a:extLst>
-              </p:cNvPr>
-              <p:cNvSpPr txBox="1"/>
-              <p:nvPr/>
-            </p:nvSpPr>
-            <p:spPr>
-              <a:xfrm>
-                <a:off x="11616267" y="6405029"/>
-                <a:ext cx="410369" cy="369332"/>
-              </a:xfrm>
-              <a:prstGeom prst="rect">
-                <a:avLst/>
-              </a:prstGeom>
-              <a:noFill/>
-            </p:spPr>
-            <p:txBody>
-              <a:bodyPr wrap="none" rtlCol="0">
-                <a:spAutoFit/>
-              </a:bodyPr>
-              <a:lstStyle/>
-              <a:p>
-                <a:pPr/>
-                <a14:m>
-                  <m:oMathPara xmlns:m="http://schemas.openxmlformats.org/officeDocument/2006/math">
-                    <m:oMathParaPr>
-                      <m:jc m:val="centerGroup"/>
-                    </m:oMathParaPr>
-                    <m:oMath xmlns:m="http://schemas.openxmlformats.org/officeDocument/2006/math">
-                      <m:r>
-                        <a:rPr kumimoji="1" lang="en-US" altLang="zh-CN" b="0" i="1" smtClean="0">
-                          <a:latin typeface="Cambria Math" panose="02040503050406030204" pitchFamily="18" charset="0"/>
-                        </a:rPr>
-                        <m:t>𝑈</m:t>
-                      </m:r>
-                    </m:oMath>
-                  </m:oMathPara>
-                </a14:m>
-                <a:endParaRPr kumimoji="1" lang="zh-CN" altLang="en-US" dirty="0"/>
-              </a:p>
-            </p:txBody>
-          </p:sp>
-        </mc:Choice>
-        <mc:Fallback xmlns="">
-          <p:sp>
-            <p:nvSpPr>
-              <p:cNvPr id="11" name="文本框 10">
-                <a:extLst>
-                  <a:ext uri="{FF2B5EF4-FFF2-40B4-BE49-F238E27FC236}">
-                    <a16:creationId xmlns:a16="http://schemas.microsoft.com/office/drawing/2014/main" id="{CDABDEB0-9962-894A-8816-059BEEA0B6F8}"/>
-                  </a:ext>
-                </a:extLst>
-              </p:cNvPr>
-              <p:cNvSpPr txBox="1">
-                <a:spLocks noRot="1" noChangeAspect="1" noMove="1" noResize="1" noEditPoints="1" noAdjustHandles="1" noChangeArrowheads="1" noChangeShapeType="1" noTextEdit="1"/>
-              </p:cNvSpPr>
-              <p:nvPr/>
-            </p:nvSpPr>
-            <p:spPr>
-              <a:xfrm>
-                <a:off x="11616267" y="6405029"/>
-                <a:ext cx="410369" cy="369332"/>
-              </a:xfrm>
-              <a:prstGeom prst="rect">
-                <a:avLst/>
-              </a:prstGeom>
-              <a:blipFill>
-                <a:blip r:embed="rId7"/>
-                <a:stretch>
-                  <a:fillRect/>
-                </a:stretch>
-              </a:blipFill>
-            </p:spPr>
-            <p:txBody>
-              <a:bodyPr/>
-              <a:lstStyle/>
-              <a:p>
-                <a:r>
-                  <a:rPr lang="zh-CN" altLang="en-US">
-                    <a:noFill/>
-                  </a:rPr>
-                  <a:t> </a:t>
-                </a:r>
-              </a:p>
-            </p:txBody>
-          </p:sp>
-        </mc:Fallback>
-      </mc:AlternateContent>
-      <p:cxnSp>
-        <p:nvCxnSpPr>
-          <p:cNvPr id="13" name="直线箭头连接符 12">
-            <a:extLst>
-              <a:ext uri="{FF2B5EF4-FFF2-40B4-BE49-F238E27FC236}">
-                <a16:creationId xmlns:a16="http://schemas.microsoft.com/office/drawing/2014/main" id="{9C53C7CA-45CC-FD46-9BFF-C9D60ED4E617}"/>
-              </a:ext>
-            </a:extLst>
-          </p:cNvPr>
-          <p:cNvCxnSpPr>
-            <a:cxnSpLocks/>
-          </p:cNvCxnSpPr>
-          <p:nvPr/>
-        </p:nvCxnSpPr>
-        <p:spPr>
-          <a:xfrm flipV="1">
-            <a:off x="4036611" y="5731156"/>
-            <a:ext cx="1534457" cy="520448"/>
-          </a:xfrm>
-          <a:prstGeom prst="straightConnector1">
-            <a:avLst/>
-          </a:prstGeom>
-          <a:ln>
-            <a:tailEnd type="triangle"/>
-          </a:ln>
-        </p:spPr>
-        <p:style>
-          <a:lnRef idx="1">
-            <a:schemeClr val="accent1"/>
-          </a:lnRef>
-          <a:fillRef idx="0">
-            <a:schemeClr val="accent1"/>
-          </a:fillRef>
-          <a:effectRef idx="0">
-            <a:schemeClr val="accent1"/>
-          </a:effectRef>
-          <a:fontRef idx="minor">
-            <a:schemeClr val="tx1"/>
-          </a:fontRef>
-        </p:style>
-      </p:cxnSp>
-      <p:cxnSp>
-        <p:nvCxnSpPr>
-          <p:cNvPr id="15" name="直线箭头连接符 14">
-            <a:extLst>
-              <a:ext uri="{FF2B5EF4-FFF2-40B4-BE49-F238E27FC236}">
-                <a16:creationId xmlns:a16="http://schemas.microsoft.com/office/drawing/2014/main" id="{0D2E2B9D-A78D-FC4C-9853-1F9C29407D74}"/>
-              </a:ext>
-            </a:extLst>
-          </p:cNvPr>
-          <p:cNvCxnSpPr>
-            <a:cxnSpLocks/>
-          </p:cNvCxnSpPr>
-          <p:nvPr/>
-        </p:nvCxnSpPr>
-        <p:spPr>
-          <a:xfrm flipV="1">
-            <a:off x="5571068" y="5731156"/>
-            <a:ext cx="3615265" cy="568041"/>
-          </a:xfrm>
-          <a:prstGeom prst="straightConnector1">
-            <a:avLst/>
-          </a:prstGeom>
-          <a:ln>
-            <a:tailEnd type="triangle"/>
-          </a:ln>
-        </p:spPr>
-        <p:style>
-          <a:lnRef idx="1">
-            <a:schemeClr val="accent1"/>
-          </a:lnRef>
-          <a:fillRef idx="0">
-            <a:schemeClr val="accent1"/>
-          </a:fillRef>
-          <a:effectRef idx="0">
-            <a:schemeClr val="accent1"/>
-          </a:effectRef>
-          <a:fontRef idx="minor">
-            <a:schemeClr val="tx1"/>
-          </a:fontRef>
-        </p:style>
-      </p:cxnSp>
-      <p:sp>
-        <p:nvSpPr>
-          <p:cNvPr id="16" name="文本框 15">
-            <a:extLst>
-              <a:ext uri="{FF2B5EF4-FFF2-40B4-BE49-F238E27FC236}">
-                <a16:creationId xmlns:a16="http://schemas.microsoft.com/office/drawing/2014/main" id="{28392B8E-3100-C641-ACE9-5DB1B7C33E73}"/>
-              </a:ext>
-            </a:extLst>
-          </p:cNvPr>
-          <p:cNvSpPr txBox="1"/>
-          <p:nvPr/>
-        </p:nvSpPr>
-        <p:spPr>
-          <a:xfrm>
-            <a:off x="5147733" y="880533"/>
-            <a:ext cx="5748867" cy="369332"/>
-          </a:xfrm>
-          <a:prstGeom prst="rect">
-            <a:avLst/>
-          </a:prstGeom>
-          <a:noFill/>
-        </p:spPr>
-        <p:txBody>
-          <a:bodyPr wrap="square" rtlCol="0">
-            <a:spAutoFit/>
-          </a:bodyPr>
-          <a:lstStyle/>
-          <a:p>
-            <a:r>
-              <a:rPr kumimoji="1" lang="en-US" altLang="zh-CN" dirty="0">
-                <a:latin typeface="Arial Hebrew" pitchFamily="2" charset="-79"/>
-                <a:cs typeface="Arial Hebrew" pitchFamily="2" charset="-79"/>
-              </a:rPr>
-              <a:t>(although wave functions are not converged)</a:t>
-            </a:r>
-            <a:endParaRPr kumimoji="1" lang="zh-CN" altLang="en-US" dirty="0">
-              <a:latin typeface="Arial Hebrew" pitchFamily="2" charset="-79"/>
-              <a:cs typeface="Arial Hebrew" pitchFamily="2" charset="-79"/>
-            </a:endParaRPr>
-          </a:p>
-        </p:txBody>
-      </p:sp>
-      <p:pic>
-        <p:nvPicPr>
-          <p:cNvPr id="5" name="图片 4">
-            <a:extLst>
-              <a:ext uri="{FF2B5EF4-FFF2-40B4-BE49-F238E27FC236}">
-                <a16:creationId xmlns:a16="http://schemas.microsoft.com/office/drawing/2014/main" id="{C451E1DD-F8CB-AB48-9FDE-86B8250484B0}"/>
-              </a:ext>
-            </a:extLst>
-          </p:cNvPr>
-          <p:cNvPicPr>
-            <a:picLocks noChangeAspect="1"/>
-          </p:cNvPicPr>
-          <p:nvPr/>
-        </p:nvPicPr>
-        <p:blipFill>
-          <a:blip r:embed="rId8"/>
-          <a:stretch>
-            <a:fillRect/>
-          </a:stretch>
-        </p:blipFill>
-        <p:spPr>
-          <a:xfrm>
-            <a:off x="10604" y="1805403"/>
-            <a:ext cx="4295696" cy="3569036"/>
-          </a:xfrm>
-          <a:prstGeom prst="rect">
-            <a:avLst/>
-          </a:prstGeom>
-        </p:spPr>
-      </p:pic>
-      <p:sp>
-        <p:nvSpPr>
-          <p:cNvPr id="18" name="椭圆 17">
-            <a:extLst>
-              <a:ext uri="{FF2B5EF4-FFF2-40B4-BE49-F238E27FC236}">
-                <a16:creationId xmlns:a16="http://schemas.microsoft.com/office/drawing/2014/main" id="{0B293FE7-FDAC-AE41-8004-91E577294B62}"/>
-              </a:ext>
-            </a:extLst>
-          </p:cNvPr>
-          <p:cNvSpPr/>
-          <p:nvPr/>
-        </p:nvSpPr>
-        <p:spPr>
-          <a:xfrm>
-            <a:off x="254000" y="6313476"/>
-            <a:ext cx="211667" cy="211667"/>
-          </a:xfrm>
-          <a:prstGeom prst="ellipse">
-            <a:avLst/>
-          </a:prstGeom>
-          <a:solidFill>
-            <a:srgbClr val="FF0000"/>
-          </a:solidFill>
-          <a:ln>
-            <a:solidFill>
-              <a:srgbClr val="FF0000"/>
-            </a:solidFill>
-          </a:ln>
-        </p:spPr>
-        <p:style>
-          <a:lnRef idx="2">
-            <a:schemeClr val="accent1">
-              <a:shade val="50000"/>
-            </a:schemeClr>
-          </a:lnRef>
-          <a:fillRef idx="1">
-            <a:schemeClr val="accent1"/>
-          </a:fillRef>
-          <a:effectRef idx="0">
-            <a:schemeClr val="accent1"/>
-          </a:effectRef>
-          <a:fontRef idx="minor">
-            <a:schemeClr val="lt1"/>
-          </a:fontRef>
-        </p:style>
-        <p:txBody>
-          <a:bodyPr rtlCol="0" anchor="ctr"/>
-          <a:lstStyle/>
-          <a:p>
-            <a:pPr algn="ctr"/>
-            <a:endParaRPr kumimoji="1" lang="zh-CN" altLang="en-US"/>
-          </a:p>
-        </p:txBody>
-      </p:sp>
-      <p:cxnSp>
-        <p:nvCxnSpPr>
-          <p:cNvPr id="19" name="直线箭头连接符 18">
-            <a:extLst>
-              <a:ext uri="{FF2B5EF4-FFF2-40B4-BE49-F238E27FC236}">
-                <a16:creationId xmlns:a16="http://schemas.microsoft.com/office/drawing/2014/main" id="{DF52C191-0186-354E-90D0-154748E1CA4F}"/>
-              </a:ext>
-            </a:extLst>
-          </p:cNvPr>
-          <p:cNvCxnSpPr>
-            <a:cxnSpLocks/>
-          </p:cNvCxnSpPr>
-          <p:nvPr/>
-        </p:nvCxnSpPr>
-        <p:spPr>
-          <a:xfrm flipV="1">
-            <a:off x="465667" y="5645165"/>
-            <a:ext cx="406400" cy="642909"/>
-          </a:xfrm>
-          <a:prstGeom prst="straightConnector1">
-            <a:avLst/>
-          </a:prstGeom>
-          <a:ln>
-            <a:tailEnd type="triangle"/>
-          </a:ln>
-        </p:spPr>
-        <p:style>
-          <a:lnRef idx="1">
-            <a:schemeClr val="accent1"/>
-          </a:lnRef>
-          <a:fillRef idx="0">
-            <a:schemeClr val="accent1"/>
-          </a:fillRef>
-          <a:effectRef idx="0">
-            <a:schemeClr val="accent1"/>
-          </a:effectRef>
-          <a:fontRef idx="minor">
-            <a:schemeClr val="tx1"/>
-          </a:fontRef>
-        </p:style>
-      </p:cxnSp>
-      <mc:AlternateContent xmlns:mc="http://schemas.openxmlformats.org/markup-compatibility/2006" xmlns:a14="http://schemas.microsoft.com/office/drawing/2010/main">
-        <mc:Choice Requires="a14">
-          <p:sp>
-            <p:nvSpPr>
-              <p:cNvPr id="21" name="文本框 20">
-                <a:extLst>
-                  <a:ext uri="{FF2B5EF4-FFF2-40B4-BE49-F238E27FC236}">
-                    <a16:creationId xmlns:a16="http://schemas.microsoft.com/office/drawing/2014/main" id="{2A1F1613-799C-0245-8C99-A09C6FC351CF}"/>
-                  </a:ext>
-                </a:extLst>
-              </p:cNvPr>
-              <p:cNvSpPr txBox="1"/>
-              <p:nvPr/>
-            </p:nvSpPr>
-            <p:spPr>
-              <a:xfrm>
-                <a:off x="254000" y="6564275"/>
-                <a:ext cx="190757" cy="276999"/>
-              </a:xfrm>
-              <a:prstGeom prst="rect">
-                <a:avLst/>
-              </a:prstGeom>
-              <a:noFill/>
-            </p:spPr>
-            <p:txBody>
-              <a:bodyPr wrap="none" lIns="0" tIns="0" rIns="0" bIns="0" rtlCol="0">
-                <a:spAutoFit/>
-              </a:bodyPr>
-              <a:lstStyle/>
-              <a:p>
-                <a:pPr/>
-                <a14:m>
-                  <m:oMathPara xmlns:m="http://schemas.openxmlformats.org/officeDocument/2006/math">
-                    <m:oMathParaPr>
-                      <m:jc m:val="centerGroup"/>
-                    </m:oMathParaPr>
-                    <m:oMath xmlns:m="http://schemas.openxmlformats.org/officeDocument/2006/math">
-                      <m:r>
-                        <a:rPr kumimoji="1" lang="en-US" altLang="zh-CN" b="0" i="1" smtClean="0">
-                          <a:latin typeface="Cambria Math" panose="02040503050406030204" pitchFamily="18" charset="0"/>
-                        </a:rPr>
-                        <m:t>0</m:t>
-                      </m:r>
-                    </m:oMath>
-                  </m:oMathPara>
-                </a14:m>
-                <a:endParaRPr kumimoji="1" lang="zh-CN" altLang="en-US" dirty="0"/>
-              </a:p>
-            </p:txBody>
-          </p:sp>
-        </mc:Choice>
-        <mc:Fallback xmlns="">
-          <p:sp>
-            <p:nvSpPr>
-              <p:cNvPr id="21" name="文本框 20">
-                <a:extLst>
-                  <a:ext uri="{FF2B5EF4-FFF2-40B4-BE49-F238E27FC236}">
-                    <a16:creationId xmlns:a16="http://schemas.microsoft.com/office/drawing/2014/main" id="{2A1F1613-799C-0245-8C99-A09C6FC351CF}"/>
-                  </a:ext>
-                </a:extLst>
-              </p:cNvPr>
-              <p:cNvSpPr txBox="1">
-                <a:spLocks noRot="1" noChangeAspect="1" noMove="1" noResize="1" noEditPoints="1" noAdjustHandles="1" noChangeArrowheads="1" noChangeShapeType="1" noTextEdit="1"/>
-              </p:cNvSpPr>
-              <p:nvPr/>
-            </p:nvSpPr>
-            <p:spPr>
-              <a:xfrm>
-                <a:off x="254000" y="6564275"/>
-                <a:ext cx="190757" cy="276999"/>
-              </a:xfrm>
-              <a:prstGeom prst="rect">
-                <a:avLst/>
-              </a:prstGeom>
-              <a:blipFill>
-                <a:blip r:embed="rId9"/>
-                <a:stretch>
-                  <a:fillRect l="-25000" r="-18750" b="-4348"/>
-                </a:stretch>
-              </a:blipFill>
-            </p:spPr>
-            <p:txBody>
-              <a:bodyPr/>
-              <a:lstStyle/>
-              <a:p>
-                <a:r>
-                  <a:rPr lang="zh-CN" altLang="en-US">
-                    <a:noFill/>
-                  </a:rPr>
-                  <a:t> </a:t>
-                </a:r>
-              </a:p>
-            </p:txBody>
-          </p:sp>
-        </mc:Fallback>
-      </mc:AlternateContent>
-      <p:pic>
-        <p:nvPicPr>
-          <p:cNvPr id="22" name="图片 21">
-            <a:extLst>
-              <a:ext uri="{FF2B5EF4-FFF2-40B4-BE49-F238E27FC236}">
-                <a16:creationId xmlns:a16="http://schemas.microsoft.com/office/drawing/2014/main" id="{3D4D88AB-D300-B948-A1DD-F1934F7EF73D}"/>
-              </a:ext>
-            </a:extLst>
-          </p:cNvPr>
-          <p:cNvPicPr>
-            <a:picLocks noChangeAspect="1"/>
-          </p:cNvPicPr>
-          <p:nvPr/>
-        </p:nvPicPr>
-        <p:blipFill>
-          <a:blip r:embed="rId10"/>
-          <a:stretch>
-            <a:fillRect/>
-          </a:stretch>
-        </p:blipFill>
-        <p:spPr>
-          <a:xfrm>
-            <a:off x="4451027" y="2006626"/>
-            <a:ext cx="3500449" cy="3505199"/>
-          </a:xfrm>
-          <a:prstGeom prst="rect">
-            <a:avLst/>
-          </a:prstGeom>
-        </p:spPr>
-      </p:pic>
-    </p:spTree>
-    <p:extLst>
-      <p:ext uri="{BB962C8B-B14F-4D97-AF65-F5344CB8AC3E}">
-        <p14:creationId xmlns:p14="http://schemas.microsoft.com/office/powerpoint/2010/main" val="3437104504"/>
-      </p:ext>
-    </p:extLst>
-  </p:cSld>
-  <p:clrMapOvr>
-    <a:masterClrMapping/>
-  </p:clrMapOvr>
-</p:sld>
-</file>
-
-<file path=ppt/slides/slide8.xml><?xml version="1.0" encoding="utf-8"?>
-<p:sld xmlns:a="http://schemas.openxmlformats.org/drawingml/2006/main" xmlns:r="http://schemas.openxmlformats.org/officeDocument/2006/relationships" xmlns:p="http://schemas.openxmlformats.org/presentationml/2006/main">
-  <p:cSld>
-    <p:spTree>
-      <p:nvGrpSpPr>
-        <p:cNvPr id="1" name=""/>
-        <p:cNvGrpSpPr/>
-        <p:nvPr/>
-      </p:nvGrpSpPr>
-      <p:grpSpPr>
-        <a:xfrm>
-          <a:off x="0" y="0"/>
-          <a:ext cx="0" cy="0"/>
-          <a:chOff x="0" y="0"/>
-          <a:chExt cx="0" cy="0"/>
-        </a:xfrm>
-      </p:grpSpPr>
-      <mc:AlternateContent xmlns:mc="http://schemas.openxmlformats.org/markup-compatibility/2006">
-        <mc:Choice xmlns:a14="http://schemas.microsoft.com/office/drawing/2010/main" Requires="a14">
-          <p:sp>
-            <p:nvSpPr>
-              <p:cNvPr id="2" name="标题 1">
-                <a:extLst>
-                  <a:ext uri="{FF2B5EF4-FFF2-40B4-BE49-F238E27FC236}">
-                    <a16:creationId xmlns:a16="http://schemas.microsoft.com/office/drawing/2014/main" id="{6221F7F7-84FA-214A-A5E1-734DFB212D2C}"/>
-                  </a:ext>
-                </a:extLst>
-              </p:cNvPr>
-              <p:cNvSpPr>
-                <a:spLocks noGrp="1"/>
-              </p:cNvSpPr>
-              <p:nvPr>
-                <p:ph type="title"/>
-              </p:nvPr>
-            </p:nvSpPr>
-            <p:spPr>
-              <a:xfrm>
-                <a:off x="465667" y="194240"/>
-                <a:ext cx="10515600" cy="881028"/>
-              </a:xfrm>
-            </p:spPr>
-            <p:txBody>
-              <a:bodyPr>
-                <a:normAutofit/>
-              </a:bodyPr>
-              <a:lstStyle/>
-              <a:p>
-                <a14:m>
-                  <m:oMath xmlns:m="http://schemas.openxmlformats.org/officeDocument/2006/math">
-                    <m:r>
-                      <a:rPr kumimoji="1" lang="en-US" altLang="zh-CN" sz="2800" b="0" i="1" dirty="0" smtClean="0">
-                        <a:latin typeface="Cambria Math" panose="02040503050406030204" pitchFamily="18" charset="0"/>
-                      </a:rPr>
-                      <m:t>𝜆</m:t>
-                    </m:r>
-                    <m:r>
-                      <a:rPr kumimoji="1" lang="en-US" altLang="zh-CN" sz="2800" i="1" dirty="0">
-                        <a:latin typeface="Cambria Math" panose="02040503050406030204" pitchFamily="18" charset="0"/>
-                      </a:rPr>
-                      <m:t>=0.</m:t>
-                    </m:r>
-                    <m:r>
-                      <a:rPr kumimoji="1" lang="en-US" altLang="zh-CN" sz="2800" b="0" i="1" dirty="0" smtClean="0">
-                        <a:latin typeface="Cambria Math" panose="02040503050406030204" pitchFamily="18" charset="0"/>
-                      </a:rPr>
-                      <m:t>05</m:t>
-                    </m:r>
-                    <m:r>
-                      <a:rPr kumimoji="1" lang="en-US" altLang="zh-CN" sz="2800" i="1" dirty="0">
-                        <a:latin typeface="Cambria Math" panose="02040503050406030204" pitchFamily="18" charset="0"/>
-                      </a:rPr>
-                      <m:t>, </m:t>
-                    </m:r>
-                    <m:sSub>
-                      <m:sSubPr>
-                        <m:ctrlPr>
-                          <a:rPr kumimoji="1" lang="en-US" altLang="zh-CN" sz="2800" b="0" i="1" dirty="0" smtClean="0">
-                            <a:latin typeface="Cambria Math" panose="02040503050406030204" pitchFamily="18" charset="0"/>
-                          </a:rPr>
-                        </m:ctrlPr>
-                      </m:sSubPr>
-                      <m:e>
-                        <m:r>
-                          <a:rPr kumimoji="1" lang="en-US" altLang="zh-CN" sz="2800" i="1" dirty="0">
-                            <a:latin typeface="Cambria Math" panose="02040503050406030204" pitchFamily="18" charset="0"/>
-                          </a:rPr>
-                          <m:t>𝐿</m:t>
-                        </m:r>
-                      </m:e>
-                      <m:sub>
-                        <m:r>
-                          <a:rPr kumimoji="1" lang="en-US" altLang="zh-CN" sz="2800" i="1" dirty="0">
-                            <a:latin typeface="Cambria Math" panose="02040503050406030204" pitchFamily="18" charset="0"/>
-                          </a:rPr>
-                          <m:t>𝑥</m:t>
-                        </m:r>
-                      </m:sub>
-                    </m:sSub>
-                    <m:r>
-                      <a:rPr kumimoji="1" lang="en-US" altLang="zh-CN" sz="2800" i="1" dirty="0">
-                        <a:latin typeface="Cambria Math" panose="02040503050406030204" pitchFamily="18" charset="0"/>
-                      </a:rPr>
-                      <m:t>=</m:t>
-                    </m:r>
-                    <m:r>
-                      <a:rPr kumimoji="1" lang="en-US" altLang="zh-CN" sz="2800" b="0" i="1" dirty="0" smtClean="0">
-                        <a:latin typeface="Cambria Math" panose="02040503050406030204" pitchFamily="18" charset="0"/>
-                      </a:rPr>
-                      <m:t>32</m:t>
-                    </m:r>
-                    <m:r>
-                      <a:rPr kumimoji="1" lang="en-US" altLang="zh-CN" sz="2800" i="1" dirty="0">
-                        <a:latin typeface="Cambria Math" panose="02040503050406030204" pitchFamily="18" charset="0"/>
-                      </a:rPr>
-                      <m:t>, </m:t>
-                    </m:r>
-                    <m:r>
-                      <a:rPr kumimoji="1" lang="en-US" altLang="zh-CN" sz="2800" b="0" i="1" dirty="0" smtClean="0">
-                        <a:latin typeface="Cambria Math" panose="02040503050406030204" pitchFamily="18" charset="0"/>
-                      </a:rPr>
-                      <m:t>𝐷</m:t>
-                    </m:r>
-                    <m:r>
-                      <a:rPr kumimoji="1" lang="en-US" altLang="zh-CN" sz="2800" i="1" dirty="0">
-                        <a:latin typeface="Cambria Math" panose="02040503050406030204" pitchFamily="18" charset="0"/>
-                      </a:rPr>
-                      <m:t>=8000</m:t>
-                    </m:r>
-                  </m:oMath>
-                </a14:m>
-                <a:r>
-                  <a:rPr kumimoji="1" lang="en-US" altLang="zh-CN" sz="2800" dirty="0">
-                    <a:latin typeface="Arial Hebrew" pitchFamily="2" charset="-79"/>
-                    <a:cs typeface="Arial Hebrew" pitchFamily="2" charset="-79"/>
-                  </a:rPr>
-                  <a:t>, compare s-wave and d-wave</a:t>
-                </a:r>
-                <a:endParaRPr kumimoji="1" lang="zh-CN" altLang="en-US" sz="2800" dirty="0">
-                  <a:latin typeface="Arial Hebrew" pitchFamily="2" charset="-79"/>
-                  <a:cs typeface="Arial Hebrew" pitchFamily="2" charset="-79"/>
-                </a:endParaRPr>
-              </a:p>
-            </p:txBody>
-          </p:sp>
-        </mc:Choice>
-        <mc:Fallback>
-          <p:sp>
-            <p:nvSpPr>
-              <p:cNvPr id="2" name="标题 1">
-                <a:extLst>
-                  <a:ext uri="{FF2B5EF4-FFF2-40B4-BE49-F238E27FC236}">
-                    <a16:creationId xmlns:a16="http://schemas.microsoft.com/office/drawing/2014/main" id="{6221F7F7-84FA-214A-A5E1-734DFB212D2C}"/>
-                  </a:ext>
-                </a:extLst>
-              </p:cNvPr>
-              <p:cNvSpPr>
-                <a:spLocks noGrp="1" noRot="1" noChangeAspect="1" noMove="1" noResize="1" noEditPoints="1" noAdjustHandles="1" noChangeArrowheads="1" noChangeShapeType="1" noTextEdit="1"/>
-              </p:cNvSpPr>
-              <p:nvPr>
-                <p:ph type="title"/>
-              </p:nvPr>
-            </p:nvSpPr>
-            <p:spPr>
-              <a:xfrm>
-                <a:off x="465667" y="194240"/>
-                <a:ext cx="10515600" cy="881028"/>
-              </a:xfrm>
-              <a:blipFill>
-                <a:blip r:embed="rId2"/>
-                <a:stretch>
-                  <a:fillRect l="-362"/>
-                </a:stretch>
-              </a:blipFill>
-            </p:spPr>
-            <p:txBody>
-              <a:bodyPr/>
-              <a:lstStyle/>
-              <a:p>
-                <a:r>
-                  <a:rPr lang="zh-CN" altLang="en-US">
-                    <a:noFill/>
-                  </a:rPr>
-                  <a:t> </a:t>
-                </a:r>
-              </a:p>
-            </p:txBody>
-          </p:sp>
-        </mc:Fallback>
-      </mc:AlternateContent>
-      <p:cxnSp>
-        <p:nvCxnSpPr>
-          <p:cNvPr id="6" name="直线箭头连接符 5">
-            <a:extLst>
-              <a:ext uri="{FF2B5EF4-FFF2-40B4-BE49-F238E27FC236}">
-                <a16:creationId xmlns:a16="http://schemas.microsoft.com/office/drawing/2014/main" id="{247A1376-C683-8B4A-90D7-358FABC2AA7F}"/>
-              </a:ext>
-            </a:extLst>
-          </p:cNvPr>
-          <p:cNvCxnSpPr/>
-          <p:nvPr/>
-        </p:nvCxnSpPr>
-        <p:spPr>
-          <a:xfrm>
-            <a:off x="355600" y="6426200"/>
-            <a:ext cx="11260667" cy="0"/>
-          </a:xfrm>
-          <a:prstGeom prst="straightConnector1">
-            <a:avLst/>
-          </a:prstGeom>
-          <a:ln w="28575">
-            <a:solidFill>
-              <a:schemeClr val="tx1"/>
-            </a:solidFill>
-            <a:tailEnd type="triangle"/>
-          </a:ln>
-        </p:spPr>
-        <p:style>
-          <a:lnRef idx="1">
-            <a:schemeClr val="dk1"/>
-          </a:lnRef>
-          <a:fillRef idx="0">
-            <a:schemeClr val="dk1"/>
-          </a:fillRef>
-          <a:effectRef idx="0">
-            <a:schemeClr val="dk1"/>
-          </a:effectRef>
-          <a:fontRef idx="minor">
-            <a:schemeClr val="tx1"/>
-          </a:fontRef>
-        </p:style>
-      </p:cxnSp>
-      <p:sp>
-        <p:nvSpPr>
-          <p:cNvPr id="7" name="椭圆 6">
-            <a:extLst>
-              <a:ext uri="{FF2B5EF4-FFF2-40B4-BE49-F238E27FC236}">
-                <a16:creationId xmlns:a16="http://schemas.microsoft.com/office/drawing/2014/main" id="{FF228E77-AC87-464B-AFB2-E9668EEF8D37}"/>
-              </a:ext>
-            </a:extLst>
-          </p:cNvPr>
-          <p:cNvSpPr/>
-          <p:nvPr/>
-        </p:nvSpPr>
-        <p:spPr>
-          <a:xfrm>
-            <a:off x="2751667" y="6324598"/>
-            <a:ext cx="211667" cy="211667"/>
-          </a:xfrm>
-          <a:prstGeom prst="ellipse">
-            <a:avLst/>
-          </a:prstGeom>
-          <a:solidFill>
-            <a:srgbClr val="FF0000"/>
-          </a:solidFill>
-          <a:ln>
-            <a:solidFill>
-              <a:srgbClr val="FF0000"/>
-            </a:solidFill>
-          </a:ln>
-        </p:spPr>
-        <p:style>
-          <a:lnRef idx="2">
-            <a:schemeClr val="accent1">
-              <a:shade val="50000"/>
-            </a:schemeClr>
-          </a:lnRef>
-          <a:fillRef idx="1">
-            <a:schemeClr val="accent1"/>
-          </a:fillRef>
-          <a:effectRef idx="0">
-            <a:schemeClr val="accent1"/>
-          </a:effectRef>
-          <a:fontRef idx="minor">
-            <a:schemeClr val="lt1"/>
-          </a:fontRef>
-        </p:style>
-        <p:txBody>
-          <a:bodyPr rtlCol="0" anchor="ctr"/>
-          <a:lstStyle/>
-          <a:p>
-            <a:pPr algn="ctr"/>
-            <a:endParaRPr kumimoji="1" lang="zh-CN" altLang="en-US"/>
-          </a:p>
-        </p:txBody>
-      </p:sp>
-      <p:sp>
-        <p:nvSpPr>
-          <p:cNvPr id="8" name="椭圆 7">
-            <a:extLst>
-              <a:ext uri="{FF2B5EF4-FFF2-40B4-BE49-F238E27FC236}">
-                <a16:creationId xmlns:a16="http://schemas.microsoft.com/office/drawing/2014/main" id="{F35B32A3-B16E-9949-B30B-F6DCA83A4876}"/>
-              </a:ext>
-            </a:extLst>
-          </p:cNvPr>
-          <p:cNvSpPr/>
-          <p:nvPr/>
-        </p:nvSpPr>
-        <p:spPr>
-          <a:xfrm>
-            <a:off x="5359401" y="6299196"/>
-            <a:ext cx="211667" cy="211667"/>
-          </a:xfrm>
-          <a:prstGeom prst="ellipse">
-            <a:avLst/>
-          </a:prstGeom>
-          <a:solidFill>
-            <a:srgbClr val="FF0000"/>
-          </a:solidFill>
-          <a:ln>
-            <a:solidFill>
-              <a:srgbClr val="FF0000"/>
-            </a:solidFill>
-          </a:ln>
-        </p:spPr>
-        <p:style>
-          <a:lnRef idx="2">
-            <a:schemeClr val="accent1">
-              <a:shade val="50000"/>
-            </a:schemeClr>
-          </a:lnRef>
-          <a:fillRef idx="1">
-            <a:schemeClr val="accent1"/>
-          </a:fillRef>
-          <a:effectRef idx="0">
-            <a:schemeClr val="accent1"/>
-          </a:effectRef>
-          <a:fontRef idx="minor">
-            <a:schemeClr val="lt1"/>
-          </a:fontRef>
-        </p:style>
-        <p:txBody>
-          <a:bodyPr rtlCol="0" anchor="ctr"/>
-          <a:lstStyle/>
-          <a:p>
-            <a:pPr algn="ctr"/>
-            <a:endParaRPr kumimoji="1" lang="zh-CN" altLang="en-US"/>
-          </a:p>
-        </p:txBody>
-      </p:sp>
-      <mc:AlternateContent xmlns:mc="http://schemas.openxmlformats.org/markup-compatibility/2006">
-        <mc:Choice xmlns:a14="http://schemas.microsoft.com/office/drawing/2010/main" Requires="a14">
-          <p:sp>
-            <p:nvSpPr>
-              <p:cNvPr id="9" name="文本框 8">
-                <a:extLst>
-                  <a:ext uri="{FF2B5EF4-FFF2-40B4-BE49-F238E27FC236}">
-                    <a16:creationId xmlns:a16="http://schemas.microsoft.com/office/drawing/2014/main" id="{3C17D2D0-EBAE-494E-8F02-E637C65706F7}"/>
-                  </a:ext>
-                </a:extLst>
-              </p:cNvPr>
-              <p:cNvSpPr txBox="1"/>
-              <p:nvPr/>
-            </p:nvSpPr>
-            <p:spPr>
-              <a:xfrm>
-                <a:off x="2762121" y="6581001"/>
-                <a:ext cx="495328" cy="276999"/>
-              </a:xfrm>
-              <a:prstGeom prst="rect">
-                <a:avLst/>
-              </a:prstGeom>
-              <a:noFill/>
-            </p:spPr>
-            <p:txBody>
-              <a:bodyPr wrap="none" lIns="0" tIns="0" rIns="0" bIns="0" rtlCol="0">
-                <a:spAutoFit/>
-              </a:bodyPr>
-              <a:lstStyle/>
-              <a:p>
-                <a:pPr/>
-                <a14:m>
-                  <m:oMathPara xmlns:m="http://schemas.openxmlformats.org/officeDocument/2006/math">
-                    <m:oMathParaPr>
-                      <m:jc m:val="centerGroup"/>
-                    </m:oMathParaPr>
-                    <m:oMath xmlns:m="http://schemas.openxmlformats.org/officeDocument/2006/math">
-                      <m:r>
-                        <a:rPr kumimoji="1" lang="en-US" altLang="zh-CN" b="0" i="1" smtClean="0">
-                          <a:latin typeface="Cambria Math" panose="02040503050406030204" pitchFamily="18" charset="0"/>
-                        </a:rPr>
-                        <m:t>0.05</m:t>
-                      </m:r>
-                    </m:oMath>
-                  </m:oMathPara>
-                </a14:m>
-                <a:endParaRPr kumimoji="1" lang="zh-CN" altLang="en-US" dirty="0"/>
-              </a:p>
-            </p:txBody>
-          </p:sp>
-        </mc:Choice>
-        <mc:Fallback>
-          <p:sp>
-            <p:nvSpPr>
-              <p:cNvPr id="9" name="文本框 8">
-                <a:extLst>
-                  <a:ext uri="{FF2B5EF4-FFF2-40B4-BE49-F238E27FC236}">
-                    <a16:creationId xmlns:a16="http://schemas.microsoft.com/office/drawing/2014/main" id="{3C17D2D0-EBAE-494E-8F02-E637C65706F7}"/>
-                  </a:ext>
-                </a:extLst>
-              </p:cNvPr>
-              <p:cNvSpPr txBox="1">
-                <a:spLocks noRot="1" noChangeAspect="1" noMove="1" noResize="1" noEditPoints="1" noAdjustHandles="1" noChangeArrowheads="1" noChangeShapeType="1" noTextEdit="1"/>
-              </p:cNvSpPr>
-              <p:nvPr/>
-            </p:nvSpPr>
-            <p:spPr>
-              <a:xfrm>
-                <a:off x="2762121" y="6581001"/>
-                <a:ext cx="495328" cy="276999"/>
-              </a:xfrm>
-              <a:prstGeom prst="rect">
-                <a:avLst/>
-              </a:prstGeom>
-              <a:blipFill>
-                <a:blip r:embed="rId3"/>
-                <a:stretch>
-                  <a:fillRect l="-7500" r="-10000" b="-9091"/>
-                </a:stretch>
-              </a:blipFill>
-            </p:spPr>
-            <p:txBody>
-              <a:bodyPr/>
-              <a:lstStyle/>
-              <a:p>
-                <a:r>
-                  <a:rPr lang="zh-CN" altLang="en-US">
-                    <a:noFill/>
-                  </a:rPr>
-                  <a:t> </a:t>
-                </a:r>
-              </a:p>
-            </p:txBody>
-          </p:sp>
-        </mc:Fallback>
-      </mc:AlternateContent>
-      <mc:AlternateContent xmlns:mc="http://schemas.openxmlformats.org/markup-compatibility/2006">
-        <mc:Choice xmlns:a14="http://schemas.microsoft.com/office/drawing/2010/main" Requires="a14">
-          <p:sp>
-            <p:nvSpPr>
-              <p:cNvPr id="10" name="文本框 9">
-                <a:extLst>
-                  <a:ext uri="{FF2B5EF4-FFF2-40B4-BE49-F238E27FC236}">
-                    <a16:creationId xmlns:a16="http://schemas.microsoft.com/office/drawing/2014/main" id="{F36C51FD-44AB-2940-868B-0CA5EFE73EB2}"/>
-                  </a:ext>
-                </a:extLst>
-              </p:cNvPr>
-              <p:cNvSpPr txBox="1"/>
-              <p:nvPr/>
-            </p:nvSpPr>
-            <p:spPr>
-              <a:xfrm>
-                <a:off x="5380312" y="6553205"/>
-                <a:ext cx="190757" cy="276999"/>
-              </a:xfrm>
-              <a:prstGeom prst="rect">
-                <a:avLst/>
-              </a:prstGeom>
-              <a:noFill/>
-            </p:spPr>
-            <p:txBody>
-              <a:bodyPr wrap="none" lIns="0" tIns="0" rIns="0" bIns="0" rtlCol="0">
-                <a:spAutoFit/>
-              </a:bodyPr>
-              <a:lstStyle/>
-              <a:p>
-                <a:pPr/>
-                <a14:m>
-                  <m:oMathPara xmlns:m="http://schemas.openxmlformats.org/officeDocument/2006/math">
-                    <m:oMathParaPr>
-                      <m:jc m:val="centerGroup"/>
-                    </m:oMathParaPr>
-                    <m:oMath xmlns:m="http://schemas.openxmlformats.org/officeDocument/2006/math">
-                      <m:r>
-                        <a:rPr kumimoji="1" lang="en-US" altLang="zh-CN" b="0" i="1" smtClean="0">
-                          <a:latin typeface="Cambria Math" panose="02040503050406030204" pitchFamily="18" charset="0"/>
-                        </a:rPr>
-                        <m:t>1</m:t>
-                      </m:r>
-                    </m:oMath>
-                  </m:oMathPara>
-                </a14:m>
-                <a:endParaRPr kumimoji="1" lang="zh-CN" altLang="en-US" dirty="0"/>
-              </a:p>
-            </p:txBody>
-          </p:sp>
-        </mc:Choice>
-        <mc:Fallback>
-          <p:sp>
-            <p:nvSpPr>
-              <p:cNvPr id="10" name="文本框 9">
-                <a:extLst>
-                  <a:ext uri="{FF2B5EF4-FFF2-40B4-BE49-F238E27FC236}">
-                    <a16:creationId xmlns:a16="http://schemas.microsoft.com/office/drawing/2014/main" id="{F36C51FD-44AB-2940-868B-0CA5EFE73EB2}"/>
-                  </a:ext>
-                </a:extLst>
-              </p:cNvPr>
-              <p:cNvSpPr txBox="1">
-                <a:spLocks noRot="1" noChangeAspect="1" noMove="1" noResize="1" noEditPoints="1" noAdjustHandles="1" noChangeArrowheads="1" noChangeShapeType="1" noTextEdit="1"/>
-              </p:cNvSpPr>
-              <p:nvPr/>
-            </p:nvSpPr>
-            <p:spPr>
-              <a:xfrm>
-                <a:off x="5380312" y="6553205"/>
-                <a:ext cx="190757" cy="276999"/>
-              </a:xfrm>
-              <a:prstGeom prst="rect">
-                <a:avLst/>
-              </a:prstGeom>
-              <a:blipFill>
-                <a:blip r:embed="rId4"/>
-                <a:stretch>
-                  <a:fillRect l="-18750" r="-25000" b="-9091"/>
-                </a:stretch>
-              </a:blipFill>
-            </p:spPr>
-            <p:txBody>
-              <a:bodyPr/>
-              <a:lstStyle/>
-              <a:p>
-                <a:r>
-                  <a:rPr lang="zh-CN" altLang="en-US">
-                    <a:noFill/>
-                  </a:rPr>
-                  <a:t> </a:t>
-                </a:r>
-              </a:p>
-            </p:txBody>
-          </p:sp>
-        </mc:Fallback>
-      </mc:AlternateContent>
-      <mc:AlternateContent xmlns:mc="http://schemas.openxmlformats.org/markup-compatibility/2006" xmlns:a14="http://schemas.microsoft.com/office/drawing/2010/main">
-        <mc:Choice Requires="a14">
-          <p:sp>
-            <p:nvSpPr>
-              <p:cNvPr id="11" name="文本框 10">
-                <a:extLst>
-                  <a:ext uri="{FF2B5EF4-FFF2-40B4-BE49-F238E27FC236}">
-                    <a16:creationId xmlns:a16="http://schemas.microsoft.com/office/drawing/2014/main" id="{CDABDEB0-9962-894A-8816-059BEEA0B6F8}"/>
-                  </a:ext>
-                </a:extLst>
-              </p:cNvPr>
-              <p:cNvSpPr txBox="1"/>
-              <p:nvPr/>
-            </p:nvSpPr>
-            <p:spPr>
-              <a:xfrm>
-                <a:off x="11616267" y="6405029"/>
-                <a:ext cx="410369" cy="369332"/>
-              </a:xfrm>
-              <a:prstGeom prst="rect">
-                <a:avLst/>
-              </a:prstGeom>
-              <a:noFill/>
-            </p:spPr>
-            <p:txBody>
-              <a:bodyPr wrap="none" rtlCol="0">
-                <a:spAutoFit/>
-              </a:bodyPr>
-              <a:lstStyle/>
-              <a:p>
-                <a:pPr/>
-                <a14:m>
-                  <m:oMathPara xmlns:m="http://schemas.openxmlformats.org/officeDocument/2006/math">
-                    <m:oMathParaPr>
-                      <m:jc m:val="centerGroup"/>
-                    </m:oMathParaPr>
-                    <m:oMath xmlns:m="http://schemas.openxmlformats.org/officeDocument/2006/math">
-                      <m:r>
-                        <a:rPr kumimoji="1" lang="en-US" altLang="zh-CN" b="0" i="1" smtClean="0">
-                          <a:latin typeface="Cambria Math" panose="02040503050406030204" pitchFamily="18" charset="0"/>
-                        </a:rPr>
-                        <m:t>𝑈</m:t>
-                      </m:r>
-                    </m:oMath>
-                  </m:oMathPara>
-                </a14:m>
-                <a:endParaRPr kumimoji="1" lang="zh-CN" altLang="en-US" dirty="0"/>
-              </a:p>
-            </p:txBody>
-          </p:sp>
-        </mc:Choice>
-        <mc:Fallback xmlns="">
-          <p:sp>
-            <p:nvSpPr>
-              <p:cNvPr id="11" name="文本框 10">
-                <a:extLst>
-                  <a:ext uri="{FF2B5EF4-FFF2-40B4-BE49-F238E27FC236}">
-                    <a16:creationId xmlns:a16="http://schemas.microsoft.com/office/drawing/2014/main" id="{CDABDEB0-9962-894A-8816-059BEEA0B6F8}"/>
-                  </a:ext>
-                </a:extLst>
-              </p:cNvPr>
-              <p:cNvSpPr txBox="1">
-                <a:spLocks noRot="1" noChangeAspect="1" noMove="1" noResize="1" noEditPoints="1" noAdjustHandles="1" noChangeArrowheads="1" noChangeShapeType="1" noTextEdit="1"/>
-              </p:cNvSpPr>
-              <p:nvPr/>
-            </p:nvSpPr>
-            <p:spPr>
-              <a:xfrm>
-                <a:off x="11616267" y="6405029"/>
-                <a:ext cx="410369" cy="369332"/>
-              </a:xfrm>
-              <a:prstGeom prst="rect">
-                <a:avLst/>
-              </a:prstGeom>
-              <a:blipFill>
-                <a:blip r:embed="rId7"/>
-                <a:stretch>
-                  <a:fillRect/>
-                </a:stretch>
-              </a:blipFill>
-            </p:spPr>
-            <p:txBody>
-              <a:bodyPr/>
-              <a:lstStyle/>
-              <a:p>
-                <a:r>
-                  <a:rPr lang="zh-CN" altLang="en-US">
-                    <a:noFill/>
-                  </a:rPr>
-                  <a:t> </a:t>
-                </a:r>
-              </a:p>
-            </p:txBody>
-          </p:sp>
-        </mc:Fallback>
-      </mc:AlternateContent>
-      <p:cxnSp>
-        <p:nvCxnSpPr>
-          <p:cNvPr id="13" name="直线箭头连接符 12">
-            <a:extLst>
-              <a:ext uri="{FF2B5EF4-FFF2-40B4-BE49-F238E27FC236}">
-                <a16:creationId xmlns:a16="http://schemas.microsoft.com/office/drawing/2014/main" id="{9C53C7CA-45CC-FD46-9BFF-C9D60ED4E617}"/>
-              </a:ext>
-            </a:extLst>
-          </p:cNvPr>
-          <p:cNvCxnSpPr>
-            <a:cxnSpLocks/>
-          </p:cNvCxnSpPr>
-          <p:nvPr/>
-        </p:nvCxnSpPr>
-        <p:spPr>
-          <a:xfrm flipV="1">
-            <a:off x="2963334" y="5537200"/>
-            <a:ext cx="702735" cy="761996"/>
-          </a:xfrm>
-          <a:prstGeom prst="straightConnector1">
-            <a:avLst/>
-          </a:prstGeom>
-          <a:ln>
-            <a:tailEnd type="triangle"/>
-          </a:ln>
-        </p:spPr>
-        <p:style>
-          <a:lnRef idx="1">
-            <a:schemeClr val="accent1"/>
-          </a:lnRef>
-          <a:fillRef idx="0">
-            <a:schemeClr val="accent1"/>
-          </a:fillRef>
-          <a:effectRef idx="0">
-            <a:schemeClr val="accent1"/>
-          </a:effectRef>
-          <a:fontRef idx="minor">
-            <a:schemeClr val="tx1"/>
-          </a:fontRef>
-        </p:style>
-      </p:cxnSp>
-      <p:cxnSp>
-        <p:nvCxnSpPr>
-          <p:cNvPr id="15" name="直线箭头连接符 14">
-            <a:extLst>
-              <a:ext uri="{FF2B5EF4-FFF2-40B4-BE49-F238E27FC236}">
-                <a16:creationId xmlns:a16="http://schemas.microsoft.com/office/drawing/2014/main" id="{0D2E2B9D-A78D-FC4C-9853-1F9C29407D74}"/>
-              </a:ext>
-            </a:extLst>
-          </p:cNvPr>
-          <p:cNvCxnSpPr>
-            <a:cxnSpLocks/>
-          </p:cNvCxnSpPr>
-          <p:nvPr/>
-        </p:nvCxnSpPr>
-        <p:spPr>
-          <a:xfrm flipV="1">
-            <a:off x="5571068" y="5494878"/>
-            <a:ext cx="922865" cy="804320"/>
-          </a:xfrm>
-          <a:prstGeom prst="straightConnector1">
-            <a:avLst/>
-          </a:prstGeom>
-          <a:ln>
-            <a:tailEnd type="triangle"/>
-          </a:ln>
-        </p:spPr>
-        <p:style>
-          <a:lnRef idx="1">
-            <a:schemeClr val="accent1"/>
-          </a:lnRef>
-          <a:fillRef idx="0">
-            <a:schemeClr val="accent1"/>
-          </a:fillRef>
-          <a:effectRef idx="0">
-            <a:schemeClr val="accent1"/>
-          </a:effectRef>
-          <a:fontRef idx="minor">
-            <a:schemeClr val="tx1"/>
-          </a:fontRef>
-        </p:style>
-      </p:cxnSp>
-      <p:sp>
-        <p:nvSpPr>
-          <p:cNvPr id="18" name="椭圆 17">
-            <a:extLst>
-              <a:ext uri="{FF2B5EF4-FFF2-40B4-BE49-F238E27FC236}">
-                <a16:creationId xmlns:a16="http://schemas.microsoft.com/office/drawing/2014/main" id="{0B293FE7-FDAC-AE41-8004-91E577294B62}"/>
-              </a:ext>
-            </a:extLst>
-          </p:cNvPr>
-          <p:cNvSpPr/>
-          <p:nvPr/>
-        </p:nvSpPr>
-        <p:spPr>
-          <a:xfrm>
-            <a:off x="254000" y="6313476"/>
-            <a:ext cx="211667" cy="211667"/>
-          </a:xfrm>
-          <a:prstGeom prst="ellipse">
-            <a:avLst/>
-          </a:prstGeom>
-          <a:solidFill>
-            <a:srgbClr val="FF0000"/>
-          </a:solidFill>
-          <a:ln>
-            <a:solidFill>
-              <a:srgbClr val="FF0000"/>
-            </a:solidFill>
-          </a:ln>
-        </p:spPr>
-        <p:style>
-          <a:lnRef idx="2">
-            <a:schemeClr val="accent1">
-              <a:shade val="50000"/>
-            </a:schemeClr>
-          </a:lnRef>
-          <a:fillRef idx="1">
-            <a:schemeClr val="accent1"/>
-          </a:fillRef>
-          <a:effectRef idx="0">
-            <a:schemeClr val="accent1"/>
-          </a:effectRef>
-          <a:fontRef idx="minor">
-            <a:schemeClr val="lt1"/>
-          </a:fontRef>
-        </p:style>
-        <p:txBody>
-          <a:bodyPr rtlCol="0" anchor="ctr"/>
-          <a:lstStyle/>
-          <a:p>
-            <a:pPr algn="ctr"/>
-            <a:endParaRPr kumimoji="1" lang="zh-CN" altLang="en-US"/>
-          </a:p>
-        </p:txBody>
-      </p:sp>
-      <mc:AlternateContent xmlns:mc="http://schemas.openxmlformats.org/markup-compatibility/2006" xmlns:a14="http://schemas.microsoft.com/office/drawing/2010/main">
-        <mc:Choice Requires="a14">
-          <p:sp>
-            <p:nvSpPr>
-              <p:cNvPr id="21" name="文本框 20">
-                <a:extLst>
-                  <a:ext uri="{FF2B5EF4-FFF2-40B4-BE49-F238E27FC236}">
-                    <a16:creationId xmlns:a16="http://schemas.microsoft.com/office/drawing/2014/main" id="{2A1F1613-799C-0245-8C99-A09C6FC351CF}"/>
-                  </a:ext>
-                </a:extLst>
-              </p:cNvPr>
-              <p:cNvSpPr txBox="1"/>
-              <p:nvPr/>
-            </p:nvSpPr>
-            <p:spPr>
-              <a:xfrm>
-                <a:off x="254000" y="6564275"/>
-                <a:ext cx="190757" cy="276999"/>
-              </a:xfrm>
-              <a:prstGeom prst="rect">
-                <a:avLst/>
-              </a:prstGeom>
-              <a:noFill/>
-            </p:spPr>
-            <p:txBody>
-              <a:bodyPr wrap="none" lIns="0" tIns="0" rIns="0" bIns="0" rtlCol="0">
-                <a:spAutoFit/>
-              </a:bodyPr>
-              <a:lstStyle/>
-              <a:p>
-                <a:pPr/>
-                <a14:m>
-                  <m:oMathPara xmlns:m="http://schemas.openxmlformats.org/officeDocument/2006/math">
-                    <m:oMathParaPr>
-                      <m:jc m:val="centerGroup"/>
-                    </m:oMathParaPr>
-                    <m:oMath xmlns:m="http://schemas.openxmlformats.org/officeDocument/2006/math">
-                      <m:r>
-                        <a:rPr kumimoji="1" lang="en-US" altLang="zh-CN" b="0" i="1" smtClean="0">
-                          <a:latin typeface="Cambria Math" panose="02040503050406030204" pitchFamily="18" charset="0"/>
-                        </a:rPr>
-                        <m:t>0</m:t>
-                      </m:r>
-                    </m:oMath>
-                  </m:oMathPara>
-                </a14:m>
-                <a:endParaRPr kumimoji="1" lang="zh-CN" altLang="en-US" dirty="0"/>
-              </a:p>
-            </p:txBody>
-          </p:sp>
-        </mc:Choice>
-        <mc:Fallback xmlns="">
-          <p:sp>
-            <p:nvSpPr>
-              <p:cNvPr id="21" name="文本框 20">
-                <a:extLst>
-                  <a:ext uri="{FF2B5EF4-FFF2-40B4-BE49-F238E27FC236}">
-                    <a16:creationId xmlns:a16="http://schemas.microsoft.com/office/drawing/2014/main" id="{2A1F1613-799C-0245-8C99-A09C6FC351CF}"/>
-                  </a:ext>
-                </a:extLst>
-              </p:cNvPr>
-              <p:cNvSpPr txBox="1">
-                <a:spLocks noRot="1" noChangeAspect="1" noMove="1" noResize="1" noEditPoints="1" noAdjustHandles="1" noChangeArrowheads="1" noChangeShapeType="1" noTextEdit="1"/>
-              </p:cNvSpPr>
-              <p:nvPr/>
-            </p:nvSpPr>
-            <p:spPr>
-              <a:xfrm>
-                <a:off x="254000" y="6564275"/>
-                <a:ext cx="190757" cy="276999"/>
-              </a:xfrm>
-              <a:prstGeom prst="rect">
-                <a:avLst/>
-              </a:prstGeom>
-              <a:blipFill>
-                <a:blip r:embed="rId9"/>
-                <a:stretch>
-                  <a:fillRect l="-25000" r="-18750" b="-4348"/>
-                </a:stretch>
-              </a:blipFill>
-            </p:spPr>
-            <p:txBody>
-              <a:bodyPr/>
-              <a:lstStyle/>
-              <a:p>
-                <a:r>
-                  <a:rPr lang="zh-CN" altLang="en-US">
-                    <a:noFill/>
-                  </a:rPr>
-                  <a:t> </a:t>
-                </a:r>
-              </a:p>
-            </p:txBody>
-          </p:sp>
-        </mc:Fallback>
-      </mc:AlternateContent>
-      <p:sp>
-        <p:nvSpPr>
-          <p:cNvPr id="20" name="椭圆 19">
-            <a:extLst>
-              <a:ext uri="{FF2B5EF4-FFF2-40B4-BE49-F238E27FC236}">
-                <a16:creationId xmlns:a16="http://schemas.microsoft.com/office/drawing/2014/main" id="{F0818123-58E1-5F4B-9761-4275B8510060}"/>
-              </a:ext>
-            </a:extLst>
-          </p:cNvPr>
-          <p:cNvSpPr/>
-          <p:nvPr/>
-        </p:nvSpPr>
-        <p:spPr>
-          <a:xfrm>
-            <a:off x="10253135" y="6313475"/>
-            <a:ext cx="211667" cy="211667"/>
-          </a:xfrm>
-          <a:prstGeom prst="ellipse">
-            <a:avLst/>
-          </a:prstGeom>
-          <a:solidFill>
-            <a:srgbClr val="FF0000"/>
-          </a:solidFill>
-          <a:ln>
-            <a:solidFill>
-              <a:srgbClr val="FF0000"/>
-            </a:solidFill>
-          </a:ln>
-        </p:spPr>
-        <p:style>
-          <a:lnRef idx="2">
-            <a:schemeClr val="accent1">
-              <a:shade val="50000"/>
-            </a:schemeClr>
-          </a:lnRef>
-          <a:fillRef idx="1">
-            <a:schemeClr val="accent1"/>
-          </a:fillRef>
-          <a:effectRef idx="0">
-            <a:schemeClr val="accent1"/>
-          </a:effectRef>
-          <a:fontRef idx="minor">
-            <a:schemeClr val="lt1"/>
-          </a:fontRef>
-        </p:style>
-        <p:txBody>
-          <a:bodyPr rtlCol="0" anchor="ctr"/>
-          <a:lstStyle/>
-          <a:p>
-            <a:pPr algn="ctr"/>
-            <a:endParaRPr kumimoji="1" lang="zh-CN" altLang="en-US"/>
-          </a:p>
-        </p:txBody>
-      </p:sp>
-      <mc:AlternateContent xmlns:mc="http://schemas.openxmlformats.org/markup-compatibility/2006">
-        <mc:Choice xmlns:a14="http://schemas.microsoft.com/office/drawing/2010/main" Requires="a14">
-          <p:sp>
-            <p:nvSpPr>
-              <p:cNvPr id="22" name="文本框 21">
-                <a:extLst>
-                  <a:ext uri="{FF2B5EF4-FFF2-40B4-BE49-F238E27FC236}">
-                    <a16:creationId xmlns:a16="http://schemas.microsoft.com/office/drawing/2014/main" id="{AC2F4E1E-8055-9C4F-A159-76E1872C3C24}"/>
-                  </a:ext>
-                </a:extLst>
-              </p:cNvPr>
-              <p:cNvSpPr txBox="1"/>
-              <p:nvPr/>
-            </p:nvSpPr>
-            <p:spPr>
-              <a:xfrm>
-                <a:off x="10274045" y="6569708"/>
-                <a:ext cx="190757" cy="276999"/>
-              </a:xfrm>
-              <a:prstGeom prst="rect">
-                <a:avLst/>
-              </a:prstGeom>
-              <a:noFill/>
-            </p:spPr>
-            <p:txBody>
-              <a:bodyPr wrap="none" lIns="0" tIns="0" rIns="0" bIns="0" rtlCol="0">
-                <a:spAutoFit/>
-              </a:bodyPr>
-              <a:lstStyle/>
-              <a:p>
-                <a:pPr/>
-                <a14:m>
-                  <m:oMathPara xmlns:m="http://schemas.openxmlformats.org/officeDocument/2006/math">
-                    <m:oMathParaPr>
-                      <m:jc m:val="centerGroup"/>
-                    </m:oMathParaPr>
-                    <m:oMath xmlns:m="http://schemas.openxmlformats.org/officeDocument/2006/math">
-                      <m:r>
-                        <a:rPr kumimoji="1" lang="en-US" altLang="zh-CN" b="0" i="1" smtClean="0">
-                          <a:latin typeface="Cambria Math" panose="02040503050406030204" pitchFamily="18" charset="0"/>
-                        </a:rPr>
-                        <m:t>2</m:t>
-                      </m:r>
-                    </m:oMath>
-                  </m:oMathPara>
-                </a14:m>
-                <a:endParaRPr kumimoji="1" lang="zh-CN" altLang="en-US" dirty="0"/>
-              </a:p>
-            </p:txBody>
-          </p:sp>
-        </mc:Choice>
-        <mc:Fallback>
-          <p:sp>
-            <p:nvSpPr>
-              <p:cNvPr id="22" name="文本框 21">
-                <a:extLst>
-                  <a:ext uri="{FF2B5EF4-FFF2-40B4-BE49-F238E27FC236}">
-                    <a16:creationId xmlns:a16="http://schemas.microsoft.com/office/drawing/2014/main" id="{AC2F4E1E-8055-9C4F-A159-76E1872C3C24}"/>
-                  </a:ext>
-                </a:extLst>
-              </p:cNvPr>
-              <p:cNvSpPr txBox="1">
-                <a:spLocks noRot="1" noChangeAspect="1" noMove="1" noResize="1" noEditPoints="1" noAdjustHandles="1" noChangeArrowheads="1" noChangeShapeType="1" noTextEdit="1"/>
-              </p:cNvSpPr>
-              <p:nvPr/>
-            </p:nvSpPr>
-            <p:spPr>
-              <a:xfrm>
-                <a:off x="10274045" y="6569708"/>
-                <a:ext cx="190757" cy="276999"/>
-              </a:xfrm>
-              <a:prstGeom prst="rect">
-                <a:avLst/>
-              </a:prstGeom>
-              <a:blipFill>
-                <a:blip r:embed="rId10"/>
-                <a:stretch>
-                  <a:fillRect l="-17647" r="-17647" b="-4348"/>
-                </a:stretch>
-              </a:blipFill>
-            </p:spPr>
-            <p:txBody>
-              <a:bodyPr/>
-              <a:lstStyle/>
-              <a:p>
-                <a:r>
-                  <a:rPr lang="zh-CN" altLang="en-US">
-                    <a:noFill/>
-                  </a:rPr>
-                  <a:t> </a:t>
-                </a:r>
-              </a:p>
-            </p:txBody>
-          </p:sp>
-        </mc:Fallback>
-      </mc:AlternateContent>
-      <p:cxnSp>
-        <p:nvCxnSpPr>
-          <p:cNvPr id="23" name="直线箭头连接符 22">
-            <a:extLst>
-              <a:ext uri="{FF2B5EF4-FFF2-40B4-BE49-F238E27FC236}">
-                <a16:creationId xmlns:a16="http://schemas.microsoft.com/office/drawing/2014/main" id="{2208C668-11A4-6A4F-84B0-9245CC97FA7B}"/>
-              </a:ext>
-            </a:extLst>
-          </p:cNvPr>
-          <p:cNvCxnSpPr>
-            <a:cxnSpLocks/>
-          </p:cNvCxnSpPr>
-          <p:nvPr/>
-        </p:nvCxnSpPr>
-        <p:spPr>
-          <a:xfrm flipV="1">
-            <a:off x="10358968" y="5359400"/>
-            <a:ext cx="266699" cy="869413"/>
-          </a:xfrm>
-          <a:prstGeom prst="straightConnector1">
-            <a:avLst/>
-          </a:prstGeom>
-          <a:ln>
-            <a:tailEnd type="triangle"/>
-          </a:ln>
-        </p:spPr>
-        <p:style>
-          <a:lnRef idx="1">
-            <a:schemeClr val="accent1"/>
-          </a:lnRef>
-          <a:fillRef idx="0">
-            <a:schemeClr val="accent1"/>
-          </a:fillRef>
-          <a:effectRef idx="0">
-            <a:schemeClr val="accent1"/>
-          </a:effectRef>
-          <a:fontRef idx="minor">
-            <a:schemeClr val="tx1"/>
-          </a:fontRef>
-        </p:style>
-      </p:cxnSp>
-      <p:pic>
-        <p:nvPicPr>
-          <p:cNvPr id="24" name="图片 23">
-            <a:extLst>
-              <a:ext uri="{FF2B5EF4-FFF2-40B4-BE49-F238E27FC236}">
-                <a16:creationId xmlns:a16="http://schemas.microsoft.com/office/drawing/2014/main" id="{E3D12ACB-F252-8A40-A19F-935029342A56}"/>
-              </a:ext>
-            </a:extLst>
-          </p:cNvPr>
-          <p:cNvPicPr>
-            <a:picLocks noChangeAspect="1"/>
-          </p:cNvPicPr>
-          <p:nvPr/>
-        </p:nvPicPr>
-        <p:blipFill>
-          <a:blip r:embed="rId11"/>
-          <a:stretch>
-            <a:fillRect/>
-          </a:stretch>
-        </p:blipFill>
-        <p:spPr>
-          <a:xfrm>
-            <a:off x="8754001" y="1853454"/>
-            <a:ext cx="3421602" cy="3362439"/>
-          </a:xfrm>
-          <a:prstGeom prst="rect">
-            <a:avLst/>
-          </a:prstGeom>
-        </p:spPr>
-      </p:pic>
-      <p:pic>
-        <p:nvPicPr>
-          <p:cNvPr id="27" name="图片 26">
-            <a:extLst>
-              <a:ext uri="{FF2B5EF4-FFF2-40B4-BE49-F238E27FC236}">
-                <a16:creationId xmlns:a16="http://schemas.microsoft.com/office/drawing/2014/main" id="{5D2E82C9-4C7D-1D45-858E-F67EF0F3EFF4}"/>
-              </a:ext>
-            </a:extLst>
-          </p:cNvPr>
-          <p:cNvPicPr>
-            <a:picLocks noChangeAspect="1"/>
-          </p:cNvPicPr>
-          <p:nvPr/>
-        </p:nvPicPr>
-        <p:blipFill>
-          <a:blip r:embed="rId12"/>
-          <a:stretch>
-            <a:fillRect/>
-          </a:stretch>
-        </p:blipFill>
-        <p:spPr>
-          <a:xfrm>
-            <a:off x="1257469" y="1783318"/>
-            <a:ext cx="3999959" cy="3599082"/>
-          </a:xfrm>
-          <a:prstGeom prst="rect">
-            <a:avLst/>
-          </a:prstGeom>
-        </p:spPr>
-      </p:pic>
-      <p:pic>
-        <p:nvPicPr>
-          <p:cNvPr id="29" name="图片 28">
-            <a:extLst>
-              <a:ext uri="{FF2B5EF4-FFF2-40B4-BE49-F238E27FC236}">
-                <a16:creationId xmlns:a16="http://schemas.microsoft.com/office/drawing/2014/main" id="{DAFB749E-C6C8-8F46-854C-F27315B68572}"/>
-              </a:ext>
-            </a:extLst>
-          </p:cNvPr>
-          <p:cNvPicPr>
-            <a:picLocks noChangeAspect="1"/>
-          </p:cNvPicPr>
-          <p:nvPr/>
-        </p:nvPicPr>
-        <p:blipFill>
-          <a:blip r:embed="rId13"/>
-          <a:stretch>
-            <a:fillRect/>
-          </a:stretch>
-        </p:blipFill>
-        <p:spPr>
-          <a:xfrm>
-            <a:off x="5231173" y="2140738"/>
-            <a:ext cx="3522828" cy="3107267"/>
-          </a:xfrm>
-          <a:prstGeom prst="rect">
-            <a:avLst/>
-          </a:prstGeom>
-        </p:spPr>
-      </p:pic>
-    </p:spTree>
-    <p:extLst>
-      <p:ext uri="{BB962C8B-B14F-4D97-AF65-F5344CB8AC3E}">
-        <p14:creationId xmlns:p14="http://schemas.microsoft.com/office/powerpoint/2010/main" val="859228831"/>
-      </p:ext>
-    </p:extLst>
-  </p:cSld>
-  <p:clrMapOvr>
-    <a:masterClrMapping/>
-  </p:clrMapOvr>
-</p:sld>
-</file>
-
-<file path=ppt/slides/slide9.xml><?xml version="1.0" encoding="utf-8"?>
-<p:sld xmlns:a="http://schemas.openxmlformats.org/drawingml/2006/main" xmlns:r="http://schemas.openxmlformats.org/officeDocument/2006/relationships" xmlns:p="http://schemas.openxmlformats.org/presentationml/2006/main">
-  <p:cSld>
-    <p:spTree>
-      <p:nvGrpSpPr>
-        <p:cNvPr id="1" name=""/>
-        <p:cNvGrpSpPr/>
-        <p:nvPr/>
-      </p:nvGrpSpPr>
-      <p:grpSpPr>
-        <a:xfrm>
-          <a:off x="0" y="0"/>
-          <a:ext cx="0" cy="0"/>
-          <a:chOff x="0" y="0"/>
-          <a:chExt cx="0" cy="0"/>
-        </a:xfrm>
-      </p:grpSpPr>
-      <p:pic>
-        <p:nvPicPr>
-          <p:cNvPr id="4" name="图片 3">
-            <a:extLst>
-              <a:ext uri="{FF2B5EF4-FFF2-40B4-BE49-F238E27FC236}">
-                <a16:creationId xmlns:a16="http://schemas.microsoft.com/office/drawing/2014/main" id="{77EC2F29-7AF4-D14A-8C81-59EB30A91266}"/>
-              </a:ext>
-            </a:extLst>
-          </p:cNvPr>
-          <p:cNvPicPr>
-            <a:picLocks noChangeAspect="1"/>
-          </p:cNvPicPr>
-          <p:nvPr/>
-        </p:nvPicPr>
-        <p:blipFill>
-          <a:blip r:embed="rId2"/>
-          <a:stretch>
-            <a:fillRect/>
-          </a:stretch>
-        </p:blipFill>
-        <p:spPr>
-          <a:xfrm>
-            <a:off x="59372" y="1601381"/>
-            <a:ext cx="5570962" cy="5107592"/>
-          </a:xfrm>
-          <a:prstGeom prst="rect">
-            <a:avLst/>
-          </a:prstGeom>
-        </p:spPr>
-      </p:pic>
-      <p:pic>
-        <p:nvPicPr>
-          <p:cNvPr id="5" name="图片 4">
-            <a:extLst>
-              <a:ext uri="{FF2B5EF4-FFF2-40B4-BE49-F238E27FC236}">
-                <a16:creationId xmlns:a16="http://schemas.microsoft.com/office/drawing/2014/main" id="{B0EEFB72-54DA-7144-B038-1493105EB001}"/>
-              </a:ext>
-            </a:extLst>
-          </p:cNvPr>
-          <p:cNvPicPr>
-            <a:picLocks noChangeAspect="1"/>
-          </p:cNvPicPr>
-          <p:nvPr/>
-        </p:nvPicPr>
-        <p:blipFill>
-          <a:blip r:embed="rId3"/>
-          <a:stretch>
-            <a:fillRect/>
-          </a:stretch>
-        </p:blipFill>
-        <p:spPr>
-          <a:xfrm>
-            <a:off x="5722053" y="1892621"/>
-            <a:ext cx="6410575" cy="4525112"/>
-          </a:xfrm>
-          <a:prstGeom prst="rect">
-            <a:avLst/>
-          </a:prstGeom>
-        </p:spPr>
-      </p:pic>
-      <p:sp>
-        <p:nvSpPr>
-          <p:cNvPr id="2" name="文本框 1">
-            <a:extLst>
-              <a:ext uri="{FF2B5EF4-FFF2-40B4-BE49-F238E27FC236}">
-                <a16:creationId xmlns:a16="http://schemas.microsoft.com/office/drawing/2014/main" id="{39460EE0-DF0E-834D-ABBB-A66FFBA6B3F7}"/>
-              </a:ext>
-            </a:extLst>
-          </p:cNvPr>
-          <p:cNvSpPr txBox="1"/>
-          <p:nvPr/>
-        </p:nvSpPr>
-        <p:spPr>
-          <a:xfrm>
-            <a:off x="922867" y="728133"/>
-            <a:ext cx="3141133" cy="646331"/>
-          </a:xfrm>
-          <a:prstGeom prst="rect">
-            <a:avLst/>
-          </a:prstGeom>
-          <a:noFill/>
-        </p:spPr>
-        <p:txBody>
-          <a:bodyPr wrap="square" rtlCol="0">
-            <a:spAutoFit/>
-          </a:bodyPr>
-          <a:lstStyle/>
-          <a:p>
-            <a:r>
-              <a:rPr kumimoji="1" lang="en-US" altLang="zh-CN" dirty="0"/>
-              <a:t>U=2, lambda=0.05, charge density up to now</a:t>
-            </a:r>
-            <a:endParaRPr kumimoji="1" lang="zh-CN" altLang="en-US" dirty="0"/>
-          </a:p>
-        </p:txBody>
-      </p:sp>
-    </p:spTree>
-    <p:extLst>
-      <p:ext uri="{BB962C8B-B14F-4D97-AF65-F5344CB8AC3E}">
-        <p14:creationId xmlns:p14="http://schemas.microsoft.com/office/powerpoint/2010/main" val="470809326"/>
-      </p:ext>
-    </p:extLst>
-  </p:cSld>
-  <p:clrMapOvr>
-    <a:masterClrMapping/>
-  </p:clrMapOvr>
-</p:sld>
-</file>
-
 <file path=ppt/theme/theme1.xml><?xml version="1.0" encoding="utf-8"?>
 <a:theme xmlns:a="http://schemas.openxmlformats.org/drawingml/2006/main" name="Office 主题​​">
   <a:themeElements>

--- a/note/SSH-Hubbard-Note6.pptx
+++ b/note/SSH-Hubbard-Note6.pptx
@@ -212,7 +212,7 @@
           <a:p>
             <a:fld id="{F66D3945-E88B-024D-B052-6EEDA3375027}" type="datetimeFigureOut">
               <a:rPr kumimoji="1" lang="zh-CN" altLang="en-US" smtClean="0"/>
-              <a:t>2022/1/10</a:t>
+              <a:t>2022/1/21</a:t>
             </a:fld>
             <a:endParaRPr kumimoji="1" lang="zh-CN" altLang="en-US"/>
           </a:p>
@@ -794,7 +794,7 @@
           <a:p>
             <a:fld id="{7EC9D4B1-B320-B74E-A342-105CA0158066}" type="datetimeFigureOut">
               <a:rPr kumimoji="1" lang="zh-CN" altLang="en-US" smtClean="0"/>
-              <a:t>2022/1/10</a:t>
+              <a:t>2022/1/21</a:t>
             </a:fld>
             <a:endParaRPr kumimoji="1" lang="zh-CN" altLang="en-US"/>
           </a:p>
@@ -992,7 +992,7 @@
           <a:p>
             <a:fld id="{7EC9D4B1-B320-B74E-A342-105CA0158066}" type="datetimeFigureOut">
               <a:rPr kumimoji="1" lang="zh-CN" altLang="en-US" smtClean="0"/>
-              <a:t>2022/1/10</a:t>
+              <a:t>2022/1/21</a:t>
             </a:fld>
             <a:endParaRPr kumimoji="1" lang="zh-CN" altLang="en-US"/>
           </a:p>
@@ -1200,7 +1200,7 @@
           <a:p>
             <a:fld id="{7EC9D4B1-B320-B74E-A342-105CA0158066}" type="datetimeFigureOut">
               <a:rPr kumimoji="1" lang="zh-CN" altLang="en-US" smtClean="0"/>
-              <a:t>2022/1/10</a:t>
+              <a:t>2022/1/21</a:t>
             </a:fld>
             <a:endParaRPr kumimoji="1" lang="zh-CN" altLang="en-US"/>
           </a:p>
@@ -1398,7 +1398,7 @@
           <a:p>
             <a:fld id="{7EC9D4B1-B320-B74E-A342-105CA0158066}" type="datetimeFigureOut">
               <a:rPr kumimoji="1" lang="zh-CN" altLang="en-US" smtClean="0"/>
-              <a:t>2022/1/10</a:t>
+              <a:t>2022/1/21</a:t>
             </a:fld>
             <a:endParaRPr kumimoji="1" lang="zh-CN" altLang="en-US"/>
           </a:p>
@@ -1673,7 +1673,7 @@
           <a:p>
             <a:fld id="{7EC9D4B1-B320-B74E-A342-105CA0158066}" type="datetimeFigureOut">
               <a:rPr kumimoji="1" lang="zh-CN" altLang="en-US" smtClean="0"/>
-              <a:t>2022/1/10</a:t>
+              <a:t>2022/1/21</a:t>
             </a:fld>
             <a:endParaRPr kumimoji="1" lang="zh-CN" altLang="en-US"/>
           </a:p>
@@ -1938,7 +1938,7 @@
           <a:p>
             <a:fld id="{7EC9D4B1-B320-B74E-A342-105CA0158066}" type="datetimeFigureOut">
               <a:rPr kumimoji="1" lang="zh-CN" altLang="en-US" smtClean="0"/>
-              <a:t>2022/1/10</a:t>
+              <a:t>2022/1/21</a:t>
             </a:fld>
             <a:endParaRPr kumimoji="1" lang="zh-CN" altLang="en-US"/>
           </a:p>
@@ -2350,7 +2350,7 @@
           <a:p>
             <a:fld id="{7EC9D4B1-B320-B74E-A342-105CA0158066}" type="datetimeFigureOut">
               <a:rPr kumimoji="1" lang="zh-CN" altLang="en-US" smtClean="0"/>
-              <a:t>2022/1/10</a:t>
+              <a:t>2022/1/21</a:t>
             </a:fld>
             <a:endParaRPr kumimoji="1" lang="zh-CN" altLang="en-US"/>
           </a:p>
@@ -2491,7 +2491,7 @@
           <a:p>
             <a:fld id="{7EC9D4B1-B320-B74E-A342-105CA0158066}" type="datetimeFigureOut">
               <a:rPr kumimoji="1" lang="zh-CN" altLang="en-US" smtClean="0"/>
-              <a:t>2022/1/10</a:t>
+              <a:t>2022/1/21</a:t>
             </a:fld>
             <a:endParaRPr kumimoji="1" lang="zh-CN" altLang="en-US"/>
           </a:p>
@@ -2604,7 +2604,7 @@
           <a:p>
             <a:fld id="{7EC9D4B1-B320-B74E-A342-105CA0158066}" type="datetimeFigureOut">
               <a:rPr kumimoji="1" lang="zh-CN" altLang="en-US" smtClean="0"/>
-              <a:t>2022/1/10</a:t>
+              <a:t>2022/1/21</a:t>
             </a:fld>
             <a:endParaRPr kumimoji="1" lang="zh-CN" altLang="en-US"/>
           </a:p>
@@ -2915,7 +2915,7 @@
           <a:p>
             <a:fld id="{7EC9D4B1-B320-B74E-A342-105CA0158066}" type="datetimeFigureOut">
               <a:rPr kumimoji="1" lang="zh-CN" altLang="en-US" smtClean="0"/>
-              <a:t>2022/1/10</a:t>
+              <a:t>2022/1/21</a:t>
             </a:fld>
             <a:endParaRPr kumimoji="1" lang="zh-CN" altLang="en-US"/>
           </a:p>
@@ -3203,7 +3203,7 @@
           <a:p>
             <a:fld id="{7EC9D4B1-B320-B74E-A342-105CA0158066}" type="datetimeFigureOut">
               <a:rPr kumimoji="1" lang="zh-CN" altLang="en-US" smtClean="0"/>
-              <a:t>2022/1/10</a:t>
+              <a:t>2022/1/21</a:t>
             </a:fld>
             <a:endParaRPr kumimoji="1" lang="zh-CN" altLang="en-US"/>
           </a:p>
@@ -3444,7 +3444,7 @@
           <a:p>
             <a:fld id="{7EC9D4B1-B320-B74E-A342-105CA0158066}" type="datetimeFigureOut">
               <a:rPr kumimoji="1" lang="zh-CN" altLang="en-US" smtClean="0"/>
-              <a:t>2022/1/10</a:t>
+              <a:t>2022/1/21</a:t>
             </a:fld>
             <a:endParaRPr kumimoji="1" lang="zh-CN" altLang="en-US"/>
           </a:p>
@@ -7810,8 +7810,8 @@
             </p:nvSpPr>
             <p:spPr>
               <a:xfrm>
-                <a:off x="554420" y="128643"/>
-                <a:ext cx="10515600" cy="1325563"/>
+                <a:off x="554420" y="128644"/>
+                <a:ext cx="10515600" cy="686366"/>
               </a:xfrm>
             </p:spPr>
             <p:txBody>
@@ -7824,7 +7824,7 @@
                   <a:rPr kumimoji="1" lang="en-US" altLang="zh-CN" sz="3600" dirty="0">
                     <a:latin typeface="Palatino Linotype" panose="02040502050505030304" pitchFamily="18" charset="0"/>
                   </a:rPr>
-                  <a:t>Landscape: 4-leg ladder, </a:t>
+                  <a:t>4-leg ladder, </a:t>
                 </a:r>
                 <a14:m>
                   <m:oMath xmlns:m="http://schemas.openxmlformats.org/officeDocument/2006/math">
@@ -7842,6 +7842,16 @@
                     </m:r>
                   </m:oMath>
                 </a14:m>
+                <a:r>
+                  <a:rPr kumimoji="1" lang="en-US" altLang="zh-CN" sz="3600" dirty="0"/>
+                  <a:t> </a:t>
+                </a:r>
+                <a:r>
+                  <a:rPr kumimoji="1" lang="en-US" altLang="zh-CN" sz="3600" dirty="0">
+                    <a:latin typeface="Palatino Linotype" panose="02040502050505030304" pitchFamily="18" charset="0"/>
+                  </a:rPr>
+                  <a:t>, Phase diagram</a:t>
+                </a:r>
                 <a:endParaRPr kumimoji="1" lang="zh-CN" altLang="en-US" sz="3600" dirty="0"/>
               </a:p>
             </p:txBody>
@@ -7866,13 +7876,13 @@
             </p:nvSpPr>
             <p:spPr>
               <a:xfrm>
-                <a:off x="554420" y="128643"/>
-                <a:ext cx="10515600" cy="1325563"/>
+                <a:off x="554420" y="128644"/>
+                <a:ext cx="10515600" cy="686366"/>
               </a:xfrm>
               <a:blipFill>
                 <a:blip r:embed="rId2"/>
                 <a:stretch>
-                  <a:fillRect l="-1689"/>
+                  <a:fillRect l="-1689" t="-16364" b="-25455"/>
                 </a:stretch>
               </a:blipFill>
             </p:spPr>
@@ -7893,10 +7903,10 @@
       </mc:AlternateContent>
       <p:pic>
         <p:nvPicPr>
-          <p:cNvPr id="4" name="图片 3">
+          <p:cNvPr id="7" name="图片 6">
             <a:extLst>
               <a:ext uri="{FF2B5EF4-FFF2-40B4-BE49-F238E27FC236}">
-                <a16:creationId xmlns:a16="http://schemas.microsoft.com/office/drawing/2014/main" id="{DBA81324-C3A9-3142-87D8-9ED45B330A0B}"/>
+                <a16:creationId xmlns:a16="http://schemas.microsoft.com/office/drawing/2014/main" id="{F8B55570-7F06-804B-A48F-0128700235AE}"/>
               </a:ext>
             </a:extLst>
           </p:cNvPr>
@@ -7913,8 +7923,8 @@
         </p:blipFill>
         <p:spPr>
           <a:xfrm>
-            <a:off x="1121980" y="1192157"/>
-            <a:ext cx="9588500" cy="5537200"/>
+            <a:off x="1115354" y="922304"/>
+            <a:ext cx="10277049" cy="5935696"/>
           </a:xfrm>
           <a:prstGeom prst="rect">
             <a:avLst/>
@@ -10110,14 +10120,14 @@
           <p:nvPr>
             <p:extLst>
               <p:ext uri="{D42A27DB-BD31-4B8C-83A1-F6EECF244321}">
-                <p14:modId xmlns:p14="http://schemas.microsoft.com/office/powerpoint/2010/main" val="2192783051"/>
+                <p14:modId xmlns:p14="http://schemas.microsoft.com/office/powerpoint/2010/main" val="188339824"/>
               </p:ext>
             </p:extLst>
           </p:nvPr>
         </p:nvGraphicFramePr>
         <p:xfrm>
-          <a:off x="875981" y="2164264"/>
-          <a:ext cx="8884447" cy="2223661"/>
+          <a:off x="875979" y="2164264"/>
+          <a:ext cx="10163075" cy="2223661"/>
         </p:xfrm>
         <a:graphic>
           <a:graphicData uri="http://schemas.openxmlformats.org/drawingml/2006/table">
@@ -10126,77 +10136,91 @@
                 <a:tableStyleId>{5C22544A-7EE6-4342-B048-85BDC9FD1C3A}</a:tableStyleId>
               </a:tblPr>
               <a:tblGrid>
-                <a:gridCol w="807677">
+                <a:gridCol w="781775">
                   <a:extLst>
                     <a:ext uri="{9D8B030D-6E8A-4147-A177-3AD203B41FA5}">
                       <a16:colId xmlns:a16="http://schemas.microsoft.com/office/drawing/2014/main" val="412038785"/>
                     </a:ext>
                   </a:extLst>
                 </a:gridCol>
-                <a:gridCol w="807677">
+                <a:gridCol w="781775">
                   <a:extLst>
                     <a:ext uri="{9D8B030D-6E8A-4147-A177-3AD203B41FA5}">
                       <a16:colId xmlns:a16="http://schemas.microsoft.com/office/drawing/2014/main" val="1577917048"/>
                     </a:ext>
                   </a:extLst>
                 </a:gridCol>
-                <a:gridCol w="807677">
+                <a:gridCol w="781775">
+                  <a:extLst>
+                    <a:ext uri="{9D8B030D-6E8A-4147-A177-3AD203B41FA5}">
+                      <a16:colId xmlns:a16="http://schemas.microsoft.com/office/drawing/2014/main" val="151044283"/>
+                    </a:ext>
+                  </a:extLst>
+                </a:gridCol>
+                <a:gridCol w="781775">
                   <a:extLst>
                     <a:ext uri="{9D8B030D-6E8A-4147-A177-3AD203B41FA5}">
                       <a16:colId xmlns:a16="http://schemas.microsoft.com/office/drawing/2014/main" val="3721405068"/>
                     </a:ext>
                   </a:extLst>
                 </a:gridCol>
-                <a:gridCol w="807677">
+                <a:gridCol w="781775">
                   <a:extLst>
                     <a:ext uri="{9D8B030D-6E8A-4147-A177-3AD203B41FA5}">
                       <a16:colId xmlns:a16="http://schemas.microsoft.com/office/drawing/2014/main" val="1531851066"/>
                     </a:ext>
                   </a:extLst>
                 </a:gridCol>
-                <a:gridCol w="807677">
+                <a:gridCol w="781775">
+                  <a:extLst>
+                    <a:ext uri="{9D8B030D-6E8A-4147-A177-3AD203B41FA5}">
+                      <a16:colId xmlns:a16="http://schemas.microsoft.com/office/drawing/2014/main" val="431765427"/>
+                    </a:ext>
+                  </a:extLst>
+                </a:gridCol>
+                <a:gridCol w="781775">
                   <a:extLst>
                     <a:ext uri="{9D8B030D-6E8A-4147-A177-3AD203B41FA5}">
                       <a16:colId xmlns:a16="http://schemas.microsoft.com/office/drawing/2014/main" val="3482833152"/>
                     </a:ext>
                   </a:extLst>
                 </a:gridCol>
-                <a:gridCol w="807677">
+                <a:gridCol w="781775">
                   <a:extLst>
                     <a:ext uri="{9D8B030D-6E8A-4147-A177-3AD203B41FA5}">
                       <a16:colId xmlns:a16="http://schemas.microsoft.com/office/drawing/2014/main" val="667564794"/>
                     </a:ext>
                   </a:extLst>
                 </a:gridCol>
-                <a:gridCol w="807677">
+                <a:gridCol w="781775">
                   <a:extLst>
                     <a:ext uri="{9D8B030D-6E8A-4147-A177-3AD203B41FA5}">
                       <a16:colId xmlns:a16="http://schemas.microsoft.com/office/drawing/2014/main" val="3721807256"/>
                     </a:ext>
                   </a:extLst>
                 </a:gridCol>
-                <a:gridCol w="807677">
+                <a:gridCol w="781775">
                   <a:extLst>
                     <a:ext uri="{9D8B030D-6E8A-4147-A177-3AD203B41FA5}">
                       <a16:colId xmlns:a16="http://schemas.microsoft.com/office/drawing/2014/main" val="230558835"/>
                     </a:ext>
                   </a:extLst>
                 </a:gridCol>
-                <a:gridCol w="807677">
+                <a:gridCol w="781775">
                   <a:extLst>
                     <a:ext uri="{9D8B030D-6E8A-4147-A177-3AD203B41FA5}">
                       <a16:colId xmlns:a16="http://schemas.microsoft.com/office/drawing/2014/main" val="814516143"/>
                     </a:ext>
                   </a:extLst>
                 </a:gridCol>
-                <a:gridCol w="807677">
+                <a:gridCol w="781775">
                   <a:extLst>
                     <a:ext uri="{9D8B030D-6E8A-4147-A177-3AD203B41FA5}">
                       <a16:colId xmlns:a16="http://schemas.microsoft.com/office/drawing/2014/main" val="3471143688"/>
                     </a:ext>
                   </a:extLst>
                 </a:gridCol>
-                <a:gridCol w="807677">
+                <a:gridCol w="781775">
                   <a:extLst>
                     <a:ext uri="{9D8B030D-6E8A-4147-A177-3AD203B41FA5}">
                       <a16:colId xmlns:a16="http://schemas.microsoft.com/office/drawing/2014/main" val="3536677003"/>
@@ -10255,6 +10279,26 @@
                           <a:latin typeface="Times New Roman" panose="02020603050405020304" pitchFamily="18" charset="0"/>
                           <a:cs typeface="Times New Roman" panose="02020603050405020304" pitchFamily="18" charset="0"/>
                         </a:rPr>
+                        <a:t>9000</a:t>
+                      </a:r>
+                      <a:endParaRPr lang="zh-CN" altLang="en-US" dirty="0">
+                        <a:latin typeface="Times New Roman" panose="02020603050405020304" pitchFamily="18" charset="0"/>
+                        <a:cs typeface="Times New Roman" panose="02020603050405020304" pitchFamily="18" charset="0"/>
+                      </a:endParaRPr>
+                    </a:p>
+                  </a:txBody>
+                  <a:tcPr/>
+                </a:tc>
+                <a:tc>
+                  <a:txBody>
+                    <a:bodyPr/>
+                    <a:lstStyle/>
+                    <a:p>
+                      <a:r>
+                        <a:rPr lang="en-US" altLang="zh-CN" dirty="0">
+                          <a:latin typeface="Times New Roman" panose="02020603050405020304" pitchFamily="18" charset="0"/>
+                          <a:cs typeface="Times New Roman" panose="02020603050405020304" pitchFamily="18" charset="0"/>
+                        </a:rPr>
                         <a:t>10000</a:t>
                       </a:r>
                       <a:endParaRPr lang="zh-CN" altLang="en-US" dirty="0">
@@ -10276,6 +10320,26 @@
                           <a:cs typeface="Times New Roman" panose="02020603050405020304" pitchFamily="18" charset="0"/>
                         </a:rPr>
                         <a:t>12000</a:t>
+                      </a:r>
+                      <a:endParaRPr lang="zh-CN" altLang="en-US" dirty="0">
+                        <a:latin typeface="Times New Roman" panose="02020603050405020304" pitchFamily="18" charset="0"/>
+                        <a:cs typeface="Times New Roman" panose="02020603050405020304" pitchFamily="18" charset="0"/>
+                      </a:endParaRPr>
+                    </a:p>
+                  </a:txBody>
+                  <a:tcPr/>
+                </a:tc>
+                <a:tc>
+                  <a:txBody>
+                    <a:bodyPr/>
+                    <a:lstStyle/>
+                    <a:p>
+                      <a:r>
+                        <a:rPr lang="en-US" altLang="zh-CN" dirty="0">
+                          <a:latin typeface="Times New Roman" panose="02020603050405020304" pitchFamily="18" charset="0"/>
+                          <a:cs typeface="Times New Roman" panose="02020603050405020304" pitchFamily="18" charset="0"/>
+                        </a:rPr>
+                        <a:t>13000</a:t>
                       </a:r>
                       <a:endParaRPr lang="zh-CN" altLang="en-US" dirty="0">
                         <a:latin typeface="Times New Roman" panose="02020603050405020304" pitchFamily="18" charset="0"/>
@@ -10506,6 +10570,41 @@
                         <a:tabLst/>
                         <a:defRPr/>
                       </a:pPr>
+                      <a:endParaRPr lang="en-US" altLang="zh-CN" sz="1800" kern="1200" dirty="0">
+                        <a:solidFill>
+                          <a:schemeClr val="dk1"/>
+                        </a:solidFill>
+                        <a:effectLst/>
+                        <a:latin typeface="Times New Roman" panose="02020603050405020304" pitchFamily="18" charset="0"/>
+                        <a:ea typeface="+mn-ea"/>
+                        <a:cs typeface="Times New Roman" panose="02020603050405020304" pitchFamily="18" charset="0"/>
+                      </a:endParaRPr>
+                    </a:p>
+                  </a:txBody>
+                  <a:tcPr/>
+                </a:tc>
+                <a:tc>
+                  <a:txBody>
+                    <a:bodyPr/>
+                    <a:lstStyle/>
+                    <a:p>
+                      <a:pPr marL="0" marR="0" lvl="0" indent="0" algn="l" defTabSz="914400" rtl="0" eaLnBrk="1" fontAlgn="auto" latinLnBrk="0" hangingPunct="1">
+                        <a:lnSpc>
+                          <a:spcPct val="100000"/>
+                        </a:lnSpc>
+                        <a:spcBef>
+                          <a:spcPts val="0"/>
+                        </a:spcBef>
+                        <a:spcAft>
+                          <a:spcPts val="0"/>
+                        </a:spcAft>
+                        <a:buClrTx/>
+                        <a:buSzTx/>
+                        <a:buFontTx/>
+                        <a:buNone/>
+                        <a:tabLst/>
+                        <a:defRPr/>
+                      </a:pPr>
                       <a:r>
                         <a:rPr lang="en-US" altLang="zh-CN" sz="1800" kern="1200" dirty="0">
                           <a:solidFill>
@@ -10556,6 +10655,19 @@
                         </a:rPr>
                         <a:t>2.45</a:t>
                       </a:r>
+                    </a:p>
+                  </a:txBody>
+                  <a:tcPr/>
+                </a:tc>
+                <a:tc>
+                  <a:txBody>
+                    <a:bodyPr/>
+                    <a:lstStyle/>
+                    <a:p>
+                      <a:endParaRPr lang="en-US" altLang="zh-CN" dirty="0">
+                        <a:latin typeface="Times New Roman" panose="02020603050405020304" pitchFamily="18" charset="0"/>
+                        <a:cs typeface="Times New Roman" panose="02020603050405020304" pitchFamily="18" charset="0"/>
+                      </a:endParaRPr>
                     </a:p>
                   </a:txBody>
                   <a:tcPr/>
@@ -10738,6 +10850,41 @@
                         <a:tabLst/>
                         <a:defRPr/>
                       </a:pPr>
+                      <a:endParaRPr lang="en-US" altLang="zh-CN" sz="1800" kern="1200" dirty="0">
+                        <a:solidFill>
+                          <a:schemeClr val="dk1"/>
+                        </a:solidFill>
+                        <a:effectLst/>
+                        <a:latin typeface="Times New Roman" panose="02020603050405020304" pitchFamily="18" charset="0"/>
+                        <a:ea typeface="+mn-ea"/>
+                        <a:cs typeface="Times New Roman" panose="02020603050405020304" pitchFamily="18" charset="0"/>
+                      </a:endParaRPr>
+                    </a:p>
+                  </a:txBody>
+                  <a:tcPr/>
+                </a:tc>
+                <a:tc>
+                  <a:txBody>
+                    <a:bodyPr/>
+                    <a:lstStyle/>
+                    <a:p>
+                      <a:pPr marL="0" marR="0" lvl="0" indent="0" algn="l" defTabSz="914400" rtl="0" eaLnBrk="1" fontAlgn="auto" latinLnBrk="0" hangingPunct="1">
+                        <a:lnSpc>
+                          <a:spcPct val="100000"/>
+                        </a:lnSpc>
+                        <a:spcBef>
+                          <a:spcPts val="0"/>
+                        </a:spcBef>
+                        <a:spcAft>
+                          <a:spcPts val="0"/>
+                        </a:spcAft>
+                        <a:buClrTx/>
+                        <a:buSzTx/>
+                        <a:buFontTx/>
+                        <a:buNone/>
+                        <a:tabLst/>
+                        <a:defRPr/>
+                      </a:pPr>
                       <a:r>
                         <a:rPr lang="en-US" altLang="zh-CN" sz="1800" kern="1200" dirty="0">
                           <a:solidFill>
@@ -10788,6 +10935,41 @@
                         </a:rPr>
                         <a:t>2.41</a:t>
                       </a:r>
+                    </a:p>
+                  </a:txBody>
+                  <a:tcPr/>
+                </a:tc>
+                <a:tc>
+                  <a:txBody>
+                    <a:bodyPr/>
+                    <a:lstStyle/>
+                    <a:p>
+                      <a:pPr marL="0" marR="0" lvl="0" indent="0" algn="l" defTabSz="914400" rtl="0" eaLnBrk="1" fontAlgn="auto" latinLnBrk="0" hangingPunct="1">
+                        <a:lnSpc>
+                          <a:spcPct val="100000"/>
+                        </a:lnSpc>
+                        <a:spcBef>
+                          <a:spcPts val="0"/>
+                        </a:spcBef>
+                        <a:spcAft>
+                          <a:spcPts val="0"/>
+                        </a:spcAft>
+                        <a:buClrTx/>
+                        <a:buSzTx/>
+                        <a:buFontTx/>
+                        <a:buNone/>
+                        <a:tabLst/>
+                        <a:defRPr/>
+                      </a:pPr>
+                      <a:endParaRPr lang="en-US" altLang="zh-CN" sz="1800" kern="1200" dirty="0">
+                        <a:solidFill>
+                          <a:schemeClr val="dk1"/>
+                        </a:solidFill>
+                        <a:effectLst/>
+                        <a:latin typeface="Times New Roman" panose="02020603050405020304" pitchFamily="18" charset="0"/>
+                        <a:ea typeface="+mn-ea"/>
+                        <a:cs typeface="Times New Roman" panose="02020603050405020304" pitchFamily="18" charset="0"/>
+                      </a:endParaRPr>
                     </a:p>
                   </a:txBody>
                   <a:tcPr/>
@@ -10999,6 +11181,41 @@
                         <a:tabLst/>
                         <a:defRPr/>
                       </a:pPr>
+                      <a:endParaRPr lang="en-US" altLang="zh-CN" sz="1800" kern="1200" dirty="0">
+                        <a:solidFill>
+                          <a:schemeClr val="dk1"/>
+                        </a:solidFill>
+                        <a:effectLst/>
+                        <a:latin typeface="Times New Roman" panose="02020603050405020304" pitchFamily="18" charset="0"/>
+                        <a:ea typeface="+mn-ea"/>
+                        <a:cs typeface="Times New Roman" panose="02020603050405020304" pitchFamily="18" charset="0"/>
+                      </a:endParaRPr>
+                    </a:p>
+                  </a:txBody>
+                  <a:tcPr/>
+                </a:tc>
+                <a:tc>
+                  <a:txBody>
+                    <a:bodyPr/>
+                    <a:lstStyle/>
+                    <a:p>
+                      <a:pPr marL="0" marR="0" lvl="0" indent="0" algn="l" defTabSz="914400" rtl="0" eaLnBrk="1" fontAlgn="auto" latinLnBrk="0" hangingPunct="1">
+                        <a:lnSpc>
+                          <a:spcPct val="100000"/>
+                        </a:lnSpc>
+                        <a:spcBef>
+                          <a:spcPts val="0"/>
+                        </a:spcBef>
+                        <a:spcAft>
+                          <a:spcPts val="0"/>
+                        </a:spcAft>
+                        <a:buClrTx/>
+                        <a:buSzTx/>
+                        <a:buFontTx/>
+                        <a:buNone/>
+                        <a:tabLst/>
+                        <a:defRPr/>
+                      </a:pPr>
                       <a:r>
                         <a:rPr lang="en-US" altLang="zh-CN" sz="1800" kern="1200" dirty="0">
                           <a:solidFill>
@@ -11049,6 +11266,41 @@
                         </a:rPr>
                         <a:t>2.61</a:t>
                       </a:r>
+                    </a:p>
+                  </a:txBody>
+                  <a:tcPr/>
+                </a:tc>
+                <a:tc>
+                  <a:txBody>
+                    <a:bodyPr/>
+                    <a:lstStyle/>
+                    <a:p>
+                      <a:pPr marL="0" marR="0" lvl="0" indent="0" algn="l" defTabSz="914400" rtl="0" eaLnBrk="1" fontAlgn="auto" latinLnBrk="0" hangingPunct="1">
+                        <a:lnSpc>
+                          <a:spcPct val="100000"/>
+                        </a:lnSpc>
+                        <a:spcBef>
+                          <a:spcPts val="0"/>
+                        </a:spcBef>
+                        <a:spcAft>
+                          <a:spcPts val="0"/>
+                        </a:spcAft>
+                        <a:buClrTx/>
+                        <a:buSzTx/>
+                        <a:buFontTx/>
+                        <a:buNone/>
+                        <a:tabLst/>
+                        <a:defRPr/>
+                      </a:pPr>
+                      <a:endParaRPr lang="en-US" altLang="zh-CN" sz="1800" kern="1200" dirty="0">
+                        <a:solidFill>
+                          <a:schemeClr val="dk1"/>
+                        </a:solidFill>
+                        <a:effectLst/>
+                        <a:latin typeface="Times New Roman" panose="02020603050405020304" pitchFamily="18" charset="0"/>
+                        <a:ea typeface="+mn-ea"/>
+                        <a:cs typeface="Times New Roman" panose="02020603050405020304" pitchFamily="18" charset="0"/>
+                      </a:endParaRPr>
                     </a:p>
                   </a:txBody>
                   <a:tcPr/>
@@ -11213,8 +11465,21 @@
                           <a:latin typeface="Times New Roman" panose="02020603050405020304" pitchFamily="18" charset="0"/>
                           <a:cs typeface="Times New Roman" panose="02020603050405020304" pitchFamily="18" charset="0"/>
                         </a:rPr>
-                        <a:t>3.46</a:t>
+                        <a:t>3.49</a:t>
                       </a:r>
+                      <a:endParaRPr lang="zh-CN" altLang="en-US" dirty="0">
+                        <a:latin typeface="Times New Roman" panose="02020603050405020304" pitchFamily="18" charset="0"/>
+                        <a:cs typeface="Times New Roman" panose="02020603050405020304" pitchFamily="18" charset="0"/>
+                      </a:endParaRPr>
+                    </a:p>
+                  </a:txBody>
+                  <a:tcPr/>
+                </a:tc>
+                <a:tc>
+                  <a:txBody>
+                    <a:bodyPr/>
+                    <a:lstStyle/>
+                    <a:p>
                       <a:endParaRPr lang="zh-CN" altLang="en-US" dirty="0">
                         <a:latin typeface="Times New Roman" panose="02020603050405020304" pitchFamily="18" charset="0"/>
                         <a:cs typeface="Times New Roman" panose="02020603050405020304" pitchFamily="18" charset="0"/>
@@ -11233,7 +11498,7 @@
                           <a:latin typeface="Times New Roman" panose="02020603050405020304" pitchFamily="18" charset="0"/>
                           <a:cs typeface="Times New Roman" panose="02020603050405020304" pitchFamily="18" charset="0"/>
                         </a:rPr>
-                        <a:t>2.86</a:t>
+                        <a:t>2.88</a:t>
                       </a:r>
                       <a:endParaRPr lang="zh-CN" altLang="en-US" dirty="0">
                         <a:latin typeface="Times New Roman" panose="02020603050405020304" pitchFamily="18" charset="0"/>
@@ -11255,6 +11520,19 @@
                         </a:rPr>
                         <a:t>2.47</a:t>
                       </a:r>
+                      <a:endParaRPr lang="zh-CN" altLang="en-US" dirty="0">
+                        <a:latin typeface="Times New Roman" panose="02020603050405020304" pitchFamily="18" charset="0"/>
+                        <a:cs typeface="Times New Roman" panose="02020603050405020304" pitchFamily="18" charset="0"/>
+                      </a:endParaRPr>
+                    </a:p>
+                  </a:txBody>
+                  <a:tcPr/>
+                </a:tc>
+                <a:tc>
+                  <a:txBody>
+                    <a:bodyPr/>
+                    <a:lstStyle/>
+                    <a:p>
                       <a:endParaRPr lang="zh-CN" altLang="en-US" dirty="0">
                         <a:latin typeface="Times New Roman" panose="02020603050405020304" pitchFamily="18" charset="0"/>
                         <a:cs typeface="Times New Roman" panose="02020603050405020304" pitchFamily="18" charset="0"/>
@@ -11308,6 +11586,13 @@
                     <a:bodyPr/>
                     <a:lstStyle/>
                     <a:p>
+                      <a:r>
+                        <a:rPr lang="en-US" altLang="zh-CN" dirty="0">
+                          <a:latin typeface="Times New Roman" panose="02020603050405020304" pitchFamily="18" charset="0"/>
+                          <a:cs typeface="Times New Roman" panose="02020603050405020304" pitchFamily="18" charset="0"/>
+                        </a:rPr>
+                        <a:t>1.96</a:t>
+                      </a:r>
                       <a:endParaRPr lang="zh-CN" altLang="en-US" dirty="0">
                         <a:latin typeface="Times New Roman" panose="02020603050405020304" pitchFamily="18" charset="0"/>
                         <a:cs typeface="Times New Roman" panose="02020603050405020304" pitchFamily="18" charset="0"/>
@@ -11321,7 +11606,14 @@
                     <a:bodyPr/>
                     <a:lstStyle/>
                     <a:p>
-                      <a:endParaRPr lang="zh-CN" altLang="en-US">
+                      <a:r>
+                        <a:rPr lang="en-US" altLang="zh-CN" dirty="0">
+                          <a:latin typeface="Times New Roman" panose="02020603050405020304" pitchFamily="18" charset="0"/>
+                          <a:cs typeface="Times New Roman" panose="02020603050405020304" pitchFamily="18" charset="0"/>
+                        </a:rPr>
+                        <a:t>1.85</a:t>
+                      </a:r>
+                      <a:endParaRPr lang="zh-CN" altLang="en-US" dirty="0">
                         <a:latin typeface="Times New Roman" panose="02020603050405020304" pitchFamily="18" charset="0"/>
                         <a:cs typeface="Times New Roman" panose="02020603050405020304" pitchFamily="18" charset="0"/>
                       </a:endParaRPr>
@@ -11452,6 +11744,41 @@
                         <a:tabLst/>
                         <a:defRPr/>
                       </a:pPr>
+                      <a:endParaRPr lang="en-US" altLang="zh-CN" sz="1800" kern="1200" dirty="0">
+                        <a:solidFill>
+                          <a:schemeClr val="dk1"/>
+                        </a:solidFill>
+                        <a:effectLst/>
+                        <a:latin typeface="Times New Roman" panose="02020603050405020304" pitchFamily="18" charset="0"/>
+                        <a:ea typeface="+mn-ea"/>
+                        <a:cs typeface="Times New Roman" panose="02020603050405020304" pitchFamily="18" charset="0"/>
+                      </a:endParaRPr>
+                    </a:p>
+                  </a:txBody>
+                  <a:tcPr/>
+                </a:tc>
+                <a:tc>
+                  <a:txBody>
+                    <a:bodyPr/>
+                    <a:lstStyle/>
+                    <a:p>
+                      <a:pPr marL="0" marR="0" lvl="0" indent="0" algn="l" defTabSz="914400" rtl="0" eaLnBrk="1" fontAlgn="auto" latinLnBrk="0" hangingPunct="1">
+                        <a:lnSpc>
+                          <a:spcPct val="100000"/>
+                        </a:lnSpc>
+                        <a:spcBef>
+                          <a:spcPts val="0"/>
+                        </a:spcBef>
+                        <a:spcAft>
+                          <a:spcPts val="0"/>
+                        </a:spcAft>
+                        <a:buClrTx/>
+                        <a:buSzTx/>
+                        <a:buFontTx/>
+                        <a:buNone/>
+                        <a:tabLst/>
+                        <a:defRPr/>
+                      </a:pPr>
                       <a:r>
                         <a:rPr lang="en-US" altLang="zh-CN" sz="1800" kern="1200" dirty="0">
                           <a:solidFill>
@@ -11502,6 +11829,41 @@
                         </a:rPr>
                         <a:t>2.34</a:t>
                       </a:r>
+                    </a:p>
+                  </a:txBody>
+                  <a:tcPr/>
+                </a:tc>
+                <a:tc>
+                  <a:txBody>
+                    <a:bodyPr/>
+                    <a:lstStyle/>
+                    <a:p>
+                      <a:pPr marL="0" marR="0" lvl="0" indent="0" algn="l" defTabSz="914400" rtl="0" eaLnBrk="1" fontAlgn="auto" latinLnBrk="0" hangingPunct="1">
+                        <a:lnSpc>
+                          <a:spcPct val="100000"/>
+                        </a:lnSpc>
+                        <a:spcBef>
+                          <a:spcPts val="0"/>
+                        </a:spcBef>
+                        <a:spcAft>
+                          <a:spcPts val="0"/>
+                        </a:spcAft>
+                        <a:buClrTx/>
+                        <a:buSzTx/>
+                        <a:buFontTx/>
+                        <a:buNone/>
+                        <a:tabLst/>
+                        <a:defRPr/>
+                      </a:pPr>
+                      <a:endParaRPr lang="en-US" altLang="zh-CN" sz="1800" kern="1200" dirty="0">
+                        <a:solidFill>
+                          <a:schemeClr val="dk1"/>
+                        </a:solidFill>
+                        <a:effectLst/>
+                        <a:latin typeface="Times New Roman" panose="02020603050405020304" pitchFamily="18" charset="0"/>
+                        <a:ea typeface="+mn-ea"/>
+                        <a:cs typeface="Times New Roman" panose="02020603050405020304" pitchFamily="18" charset="0"/>
+                      </a:endParaRPr>
                     </a:p>
                   </a:txBody>
                   <a:tcPr/>
